--- a/AWS - 2.pptx
+++ b/AWS - 2.pptx
@@ -21,6 +21,26 @@
     <p:sldId id="269" r:id="rId15"/>
     <p:sldId id="270" r:id="rId16"/>
     <p:sldId id="271" r:id="rId17"/>
+    <p:sldId id="272" r:id="rId18"/>
+    <p:sldId id="274" r:id="rId19"/>
+    <p:sldId id="275" r:id="rId20"/>
+    <p:sldId id="276" r:id="rId21"/>
+    <p:sldId id="277" r:id="rId22"/>
+    <p:sldId id="278" r:id="rId23"/>
+    <p:sldId id="279" r:id="rId24"/>
+    <p:sldId id="280" r:id="rId25"/>
+    <p:sldId id="281" r:id="rId26"/>
+    <p:sldId id="273" r:id="rId27"/>
+    <p:sldId id="282" r:id="rId28"/>
+    <p:sldId id="283" r:id="rId29"/>
+    <p:sldId id="284" r:id="rId30"/>
+    <p:sldId id="285" r:id="rId31"/>
+    <p:sldId id="286" r:id="rId32"/>
+    <p:sldId id="287" r:id="rId33"/>
+    <p:sldId id="288" r:id="rId34"/>
+    <p:sldId id="290" r:id="rId35"/>
+    <p:sldId id="289" r:id="rId36"/>
+    <p:sldId id="291" r:id="rId37"/>
   </p:sldIdLst>
   <p:sldSz cx="12192000" cy="6858000"/>
   <p:notesSz cx="6858000" cy="9144000"/>
@@ -159,11 +179,1805 @@
   <inkml:trace contextRef="#ctx0" brushRef="#br0" timeOffset="6542.02">7073 5433 0,'0'17'63,"18"1"-48,-18 17-15,17-17 16,1 0-16,-18-1 16,18 1-1,-1 0-15,-17 17 0,18 0 16,-18-17-1,18 17 1,-1-17 0,-17-36 109,0-17-125,0-1 15</inkml:trace>
   <inkml:trace contextRef="#ctx0" brushRef="#br0" timeOffset="7370.98">6950 5115 0,'-18'0'16,"0"18"0,18 0-16,0-1 15,0 18 1,0-17-1,0 0 1,0-1 0,18-17-1,0 0-15,-18 18 16,17-18 0,1 0 15,0 0-16,-1 0-15,1 0 32,0-18-17,-1-17-15,1 17 16,-18 1 0,0-1-16,0 1 15,0-1 1,0 0-1,0 1 1,-18 17 0,1-18-1,-1 0 1,0 18-16,1 0 16,-19 0-1,1 0 1,0 0-16,17 0 15,-17 18 1,17 0-16,18-1 16,0 1 15,0 0-15,0-1-1,0 1 1,18-18-16,17 35 15</inkml:trace>
   <inkml:trace contextRef="#ctx0" brushRef="#br0" timeOffset="8401.89">7373 5309 0,'-18'0'0,"18"18"47,0 35-47,0-18 32,0-17-32,0 17 15,0 18-15,0-35 16,0 17-1,18 0 1,0-17-16,-1-1 16,1 1-1,0-18 1,-1 0 0,1 0-1,0 0 1,-1 0-1,1 0 1,17-18 0,-35 1-1,35-1 1,-35-17 0,18 0-16,-18-1 15,0-17 1,0 36-1,0-1-15,-18-17 16,-17 0 0,17 17-1,-17 0-15,0 1 16,17-1 0,-35 18-1,36 0 1,-19 0 15,19 0-31,17 18 125,17-1-109,36 1-16</inkml:trace>
-  <inkml:trace contextRef="#ctx0" brushRef="#br0" timeOffset="9510.35">7885 5168 0,'-18'0'15,"0"0"-15,1 0 16,-1 0-1,0 0-15,1 0 16,-1 0 0,0 0-1,18 18 1,0-1 0,0 1-1,0 0 1,0-1-1,0 1 32,0 0-47,18-1 16,0-17 0,17 18-16,18 17 15,-18-35 1,-17 18-1,17 17 1,-17-35 0,17 18-1,-17-1 1,-18 1-16,0 0 62,0-1-46,0 1 0,0 0-16,0-1 31,-18 1-31,0 0 16,1-18-1,-1 0 1,1 0-16,-1 0 15,-35 0 1,0 0 0,35 0-1,1 0 1</inkml:trace>
+  <inkml:trace contextRef="#ctx0" brushRef="#br0" timeOffset="9510.34">7885 5168 0,'-18'0'15,"0"0"-15,1 0 16,-1 0-1,0 0-15,1 0 16,-1 0 0,0 0-1,18 18 1,0-1 0,0 1-1,0 0 1,0-1-1,0 1 32,0 0-47,18-1 16,0-17 0,17 18-16,18 17 15,-18-35 1,-17 18-1,17 17 1,-17-35 0,17 18-1,-17-1 1,-18 1-16,0 0 62,0-1-46,0 1 0,0 0-16,0-1 31,-18 1-31,0 0 16,1-18-1,-1 0 1,1 0-16,-1 0 15,-35 0 1,0 0 0,35 0-1,1 0 1</inkml:trace>
   <inkml:trace contextRef="#ctx0" brushRef="#br0" timeOffset="12060.3">8449 5327 0,'18'0'63,"-1"0"-47,1 0-1,0 0 16,-1 0-15,1 0 0,-1 0-1,19 0 1,70 0-16,35 0 16,-71 0-1,-17 0-15,0 0 16,0 0-1,-35 0 126</inkml:trace>
   <inkml:trace contextRef="#ctx0" brushRef="#br0" timeOffset="13247.83">8572 5503 0,'18'0'156,"0"0"-141,-1 0 1,19 0-16,-1-17 16,0 17-16,71 0 15,-53 0 1,18 0 0,-1-18-1,-35 18 1,1 0-16,-19 0 15,36 0-15,-35 0 16,17 0 0,0-18-1,-17 18 17</inkml:trace>
-  <inkml:trace contextRef="#ctx0" brushRef="#br0" timeOffset="14280.85">8908 5115 0,'17'0'109,"19"18"-109,16-18 16,1 35-16,-17-17 16,52 17-16,-53-17 15,71 35-15,53 17 16,-124-34-1,18-1-15,-18-35 16,0 35 0,-17-17 15,-71-1 188,0 1-204,-35 17-15,35-17 16,0 0-16,0-1 16,18 1-1,35-1-15,-18-17 0</inkml:trace>
+  <inkml:trace contextRef="#ctx0" brushRef="#br0" timeOffset="14280.84">8908 5115 0,'17'0'109,"19"18"-109,16-18 16,1 35-16,-17-17 16,52 17-16,-53-17 15,71 35-15,53 17 16,-124-34-1,18-1-15,-18-35 16,0 35 0,-17-17 15,-71-1 188,0 1-204,-35 17-15,35-17 16,0 0-16,0-1 16,18 1-1,35-1-15,-18-17 0</inkml:trace>
   <inkml:trace contextRef="#ctx0" brushRef="#br0" timeOffset="52307">17145 3334 0</inkml:trace>
+</inkml:ink>
+</file>
+
+<file path=ppt/ink/ink10.xml><?xml version="1.0" encoding="utf-8"?>
+<inkml:ink xmlns:inkml="http://www.w3.org/2003/InkML">
+  <inkml:definitions>
+    <inkml:context xml:id="ctx0">
+      <inkml:inkSource xml:id="inkSrc0">
+        <inkml:traceFormat>
+          <inkml:channel name="X" type="integer" max="1920" units="cm"/>
+          <inkml:channel name="Y" type="integer" max="1080" units="cm"/>
+          <inkml:channel name="T" type="integer" max="2.14748E9" units="dev"/>
+        </inkml:traceFormat>
+        <inkml:channelProperties>
+          <inkml:channelProperty channel="X" name="resolution" value="36.43264" units="1/cm"/>
+          <inkml:channelProperty channel="Y" name="resolution" value="36.48649" units="1/cm"/>
+          <inkml:channelProperty channel="T" name="resolution" value="1" units="1/dev"/>
+        </inkml:channelProperties>
+      </inkml:inkSource>
+      <inkml:timestamp xml:id="ts0" timeString="2021-07-02T04:07:00.238"/>
+    </inkml:context>
+    <inkml:brush xml:id="br0">
+      <inkml:brushProperty name="width" value="0.05292" units="cm"/>
+      <inkml:brushProperty name="height" value="0.05292" units="cm"/>
+      <inkml:brushProperty name="color" value="#FF0000"/>
+    </inkml:brush>
+  </inkml:definitions>
+  <inkml:trace contextRef="#ctx0" brushRef="#br0">10319 4251 0,'0'-18'141,"0"1"-125,0-1-16,0 0 15,0 1-15,0-1 16,17-88 0,1 89-1,35-72-15,-53 37 0,35 16 16,18-70-1,-18 36 1,1 35 0,-19-1-16,-17 19 15,71-36 1,-53 35-16,34-17 16,37-18-1,-54 53 1,18-35-1,17 17 1,36-35 0,-53 35-16,106-17 0,0 0 15,176 0 1,53-18 0,-106 35-1,-141 18 1,88 0-1,18 0-15,-158 0 16,-1 0 0,-35 0-1,0 0 1,-36 0 15,1 0-15,0 35-1,17 1 1,18 34 0,-36-35-1,1-35-15,0 36 0,-1-19 16,1 19 0,0-54 187,-18-17-203,35 17 15,-18-17 1,1 0 0,0 35-16,17-18 15,36-35 1,-18 35-1,-18 1-15,-18 17 16,19-18 0,17-17-16,-18 35 15,35-18 1,19 1 0,299-19 15,-247 19-16,-88 17-15,282-18 16,35 0 0,-176 18-1,89 0 1,-89 0 0,-89 0-1,-69 0-15,-1 0 0,-17 0 16,-1 18-1,71 35 1,-88-35 0,71 52-1,0 18 1,-36-17-16,35-1 16,1 71-1,-53-105 1,35 52-1,-36-35 1,1-18 0,-18-17-1,17-18 204,19 0-219,17 0 16,0 0-16,-1-18 15,37 18-15,-1-17 16,18 17-16,141 0 16,-124 0-1,89 0 1,-71 17-1,-106 1 1,0-1-16,18 1 16,0 17-16,-17-17 15,105 88 1,-88-53 0,-1-36-1,-16 36 1,-1-17-16,0 17 15,1 35 1,-1-35 0,-18 52-1,54 107 1,-71-177 0,53 159-16,-35 53 15,-18-194 1,0 106-1,0-18 1,0-70 0,0-18-1,0-36-15,0 1 157,53 17-142,-36-17-15,36 17 16,18 0-16,-18 1 15,141 105 1,-18 0 0,0 18-1,-105-71 1,17 18-16,-17-1 0,17 37 16,53 122-1,194 354 1,-158-248-1,34 53 1,1 36 0,-106-212-16,-18 70 15,-53-105 1,-17-124-16,-1 71 16,-17 35-1,0-123 1,-17 34-1,-19-69-15,36-19 16,-70 19 0,35-1-1,17-35 1,18 17-16,-35-17 16,-1 18-1,19-18-15,-1 18 16,-17-18-1,17 17 1,-17-17 0,17 18-1,-17-18-15,17 18 16,18-1 156,18 1-157,0 17-15,-1-17 16,19 35 0,-19 17-16,36-17 15,-18 35 1,18 71 0,-17 0-1,17 547-15,-53-460 16,-36-52-1,-52 18 1,18-88 0,-89 87-16,0-70 15,71-70 1,-18 17-16,0-17 16,-35 17-1,53-70 1,-71 34-1,-70-16 1,158-19-16,-87-17 16,-1 18-1,53-18 1,71 0-16,-18 0 16,35 0-1,18 18 204,0 17-203,0 18-16,0 0 15,-53 158 1,-35-52-1,17-53-15,-87 106 16,69-106 0,1-54-16,35 19 15,-194 52 1,177-105 0,-54 17-16,1 1 15,-177-1 1,124 0-16,-230 0 15,36-17 1,264-18 0,-247 0-1,88 0 1,107 0-16,87-18 16,-88-17-16,1-35 15,87 34 1,-35-34-1,53-18 1,36 35 0,-1 35-1,18 0 1,18 18 140,-18 18-140,0 0-16,0-1 15,0 1-15,-53 35 16,-35 17 0,35-52-1,0 17-15,-36-17 0,-52 35 16,71-18 0,-107 0-1,72-35-15,16 0 16,-52 0-1,-123 0 1,105 0-16,18-17 16,-36-36-1,89 18 1,-88-36 0,123 36-1,35 17 1,-17 1-16,17-19 0,-70-70 15,18 36 1,-89-89 0,88 71-1,1-18 1,-18 0 0,52 71-16,36 17 15,0 1-15,0-1 16,0 0-1,0-17 1,18 35 140,-36 0-124,18 18-17,-17-18 1,-19 17-16,-34 1 15,35-18-15,-18 18 16,-71-18 0,71 0-1,-105 0-15,-19 0 16,71-18 0,-105-17-1,105-1 1,0 19-16,18-1 15,-124-35 1,124 18 0,-124-36-16,54 19 15,69 16 1,-105-87 0,18 17-1,141 88 1,-212-176-16,53 36 15,141 87 1,-53-35-16,35 18 16,36 35-1,35 18 1,-35-1 0,35 19-16,0-1 31,0 1-16,0-1 126,0 0-125,-18 18-1,18-35-15,-17 0 16,-36-36 0,-18 1-1,0-19 1,19 54-16,-54-88 15,70 70-15,-34-18 16,-18-35 0,-1-52-1,54 122 1,-35-158 0,34 124-16,1-18 15,17-89 1,-17-105-1,35 141 1,0 53 0,0-36-1,0 71-15,0 0 0,18 0 16,-1-17 0,1 35-1,53-71 1,-18 53-1,-18 18-15,0-1 0,0 19 16,18-1 0,-53 0-1,0 1 110,0-36-125,-53-35 16,-52-124 0,16 89-16,19 17 15,-142-247 1,106 212-1,-88-177 1,-17 18 0,175 230-16,-52-71 15,53 105-15,0-34 16,-1-18 0,19 0-1,-1 17 1,0 36-1,18-1-15,0-34 16,0 52 0,18-17-1,0 0 1,35-36 0,-18 18-1,0 18-15,18-18 16,-18 18-1,18 17 1,-35-17 0,17 35-1,-17-18-15,35 18 16,0-17 0,0-1-1,-36 18 1,54-18-1,-54 18 1,72-17-16,-54-1 16,0 0-1,36 1 1,-36-19 0,-35 19 15,18 17-31,-18-18 31,0 1-15,0-1-16,0 0 15,0-35-15,0 36 16,-18-72 0,0 37-16,-17-72 15,0 54 1,-18-107-1,0 1 1,35 52 0,1 54-1,-1-36-15,18 53 16,0-18 0,0 1-1,0 52 1,0-52-1,18 34-15,-1 1 32,1 35-17,-18-18 1,35 18 0,18-35-1,-18 35-15,142-53 16,-160 53-1,36-17-15,-35 17 16,0 0 0,-18-18 124,17-17-124,1-1-16,-18 19 16,35-89-1,-17 35-15,-1 18 16,19 1-1,17-72-15,0 71 16,-53 18 0,53-53-1,-1 0 1,-34 52 0,0 19-1,-1-19-15,19 1 16,-19 35-1,-17-18 1,18 18 0,17 0-1,18-35-15,18 35 16,-1-17 0,-17-1-1,71 0 1,228-70-1,-34 35 1,-159 18-16,158-18 16,-193 35-1,158-17 1</inkml:trace>
+  <inkml:trace contextRef="#ctx0" brushRef="#br0" timeOffset="2029.88">16916 3933 0,'35'0'141,"18"-17"-126,17 17-15,54-18 16,-1 1-16,36-1 16,-53 18-16,53-35 15,158-1 1,-211 19-1,88-19 1,-70 19-16,-36-1 16,0 1-1,53-1 1,-88 0 0,159 1-1,-124-1 1,35 0-16,-70 18 0,159-53 15,-124 36 1,0-1 0,-35 18-1,-18-18 1</inkml:trace>
+  <inkml:trace contextRef="#ctx0" brushRef="#br0" timeOffset="5451.25">16933 3845 0,'18'0'78,"0"0"-78,-1 0 16,36 0-16,0 0 16,-18 0-16,89-17 15,70-1 1,-88 0 0,211-17-1,-229 35-15,248-53 16,-125 36-1,89-19 1,-71 19 0,36-36-1,-124 35 1,-106 0 0,1 18-16,-36-17 15,35 17 1,-17 0-1,-1 0 1,-70 0 156,36 0-172,-54 0 16,18 0-16,-17 0 15,-72 0-15,-34 0 16,88 0-1,-177 17 1,142 1 0,-18 0-16,17-18 15,-70 35 1,124-35-16,52 18 16,-35-18-16,-35 17 15,35-17 16,0 0-15,35 0 0,-105 0-16,-177 36 15,177-19 1,34-17-16,-16 18 16,-1-1-1,53-17 1,71 0 140,140 18-140,-17 0-16,89-18 15,-1 0-15,353-18 16,-123-52 0,264-36-1,-71-35 1,-422 88-1,-89 17-15,-53 19 16,-53-1-16,-52 18 172,-1 0-156,-52 18-16,-1-1 15,-123 19 1,70-19-1,-70 19 1,-211 16 0,334-52-1,-140 36-15,-19-19 0,-70 36 16,106-35 0,-53 0-1,106-1 1,88 1-1,-17-18 1,52 0 0,18 18-16,-17-18 15,-1 0 1,-17 0 0,-18 0-1,-53 0 1,71 0-1,17 0-15,0 0 32,1 0-1,-1 0-15,0 0 46,1 0-31,-19 0-15,1 0 0,-53 17-16,53-17 15,-36 0 1,-17 0-1,123 0 157,1 0-156,34 0-16,-17 0 16,53 0-16,17 0 15,336 0 1,-283-17-1,530-1 1,-247-35-16,-248 35 16,71 1-16,18-54 15,-229 71 1,-36 0 0</inkml:trace>
+  <inkml:trace contextRef="#ctx0" brushRef="#br0" timeOffset="6619.18">19861 2999 0,'18'0'62,"35"0"-46,-18 17 0,0 1-16,-17-18 15,70 53-15,-35-36 16,-17 1-16,-1 0 15,53 35 1,0-18 0,-35 0-16,-18-17 15,18 17 1,-35-35 0,17 35-1,1 1 1,-19-36-1,18 17-15,-17 1 16,-18 0 47,18-18-32,-18 17 31,-18 1-62,-52 17 16,-19 0-16,-158 89 16,159-89-1,-212 124 1,89-53-1,105-53 1,71-18-16</inkml:trace>
+  <inkml:trace contextRef="#ctx0" brushRef="#br0" timeOffset="7908.16">21960 2822 0,'18'0'62,"0"0"-46,-1 18 0,19-18-1,-19 0 1,19 0-16,-1 0 15,35-18 1,54-35 0,-107 36-1,19-19-15,-36 19 78,-71-19-62,36 19 0,-36 17-16,-70-18 15,18 18 1,-71 0 0,-53 18-1,176-1 1,-88 1-16,89-18 0,-54 35 15,-17 36 1,88-36 0,53-17-1,0 17 1,18 18 0,0-18-16,17 1 15,-17-1-15,123 106 16,-124-141-1,107 88 1,35-17 0,-54-36-16,72 18 31,17-18-31,-159-35 16,89 0-1,-54 0 1,-35 0-1,1 0-15,-19 0 16</inkml:trace>
+  <inkml:trace contextRef="#ctx0" brushRef="#br0" timeOffset="8394.04">22172 3175 0,'18'18'31,"17"-18"-31,18 53 16,-18-36-16,0 18 15,54 18-15,-54-35 16,35 17 0,-34-35-1,-36-35 48,0-18-63,0 0 0,0 0 15,0 18-15,0 0 16,0-1 0,0 19-16</inkml:trace>
+  <inkml:trace contextRef="#ctx0" brushRef="#br0" timeOffset="9211.89">22807 3157 0,'18'0'47,"-1"0"16,1-17-48,17-1 1,-17 0-16,0 1 16,17-18-1,0-1 1,-35 19 31,-35 17-32,17-18 1,-35 0-16,18 18 16,-36 0-1,-52 18-15,88 0 16,-54-1-1,72 1 1,17 0 0,0-1-1,0 1 1,17 35-16,36 0 16,18-36-1,0 36-15,17-35 16,-53-1-1,18 1 1,-35-18 0,17 0-16,0 0 15,-17 0-15,-1 0 16,89 0 0,-18-70-1,-52 52 1,-1-35-1,-17 35-15</inkml:trace>
+  <inkml:trace contextRef="#ctx0" brushRef="#br0" timeOffset="9622">23354 2981 0,'18'18'62,"52"17"-46,-70-17-16,18-18 15,-18 17-15,0-34 94,0-19-94,0-17 16,0 18-1</inkml:trace>
+  <inkml:trace contextRef="#ctx0" brushRef="#br0" timeOffset="10461.2">23583 2787 0,'18'0'32,"-1"0"-17,1 0-15,-18 18 16,35-1 0,1 19-16,-19-36 15,54 52 1,-1-34-16,-34-18 15,70 0 1,-71 0 0,0-88-1,-17 17 1,-1-17-16,-17 53 16,0 17-16,0 1 15,0 52 63,0-18-78,0 36 16,0-35-16,18 35 16,0-18-16,-1 1 15,1 16 1,17 19-1,-17-36-15,-18 1 16,17-1-16,-17 35 16,0 19-1,-17-54 1,-18 18 0,-71 17-1,70-52-15,-105 17 16,88-35-1,18 0 1,-71-53 0,36-17-1,52 52 1,0-35-16,18 18 16,0 0-1,36-1 1,122-52-1</inkml:trace>
+  <inkml:trace contextRef="#ctx0" brushRef="#br0" timeOffset="11640.27">24783 2469 0,'0'0'0,"-18"0"15,0 18 1,18 17 0,0-17-1,0 53-15,0-36 16,0-18-16,0 1 16,0 0-16,0 35 15,0-36 1,0 1-16,0 0 15,18-1 1,0-17 0,17 18-1,-17-18 1,17 0 0,18 0-1,-36 0-15,1-18 31,-18 1-15,18-1 0,-1 0-1,-17 1 1,0-19-16,0 1 16,0 17-1,0-17 1,0 0-1,-17 17-15,-1 1 16,-17-1 0,-1 0-1,-34 1 1,-18 17 0,52 0-1,-34 0 1,52 0-16,1 0 0</inkml:trace>
+  <inkml:trace contextRef="#ctx0" brushRef="#br0" timeOffset="12404.89">25100 2487 0,'18'0'47,"17"35"-32,-17 1 1,-1-19-16,19 36 15,-19-35 1,1-1 0,-36-52 62,18-18-63,0 36-15,-17-36 16,17 0 0,0 35-16,0-17 15,0 17 1,35 1 0,0 17-1,36-18 1,-54 18-1,72 0-15,-72 0 16,1 0-16,-1 0 16,19 18-1,-1 35 1,0-36 0,18 54-1,-17-36 1,-36-17-16,17-18 62,-17-18-46,71-35 0</inkml:trace>
+  <inkml:trace contextRef="#ctx0" brushRef="#br0" timeOffset="13199.17">25823 2452 0,'18'0'15,"0"0"1,-1 0 15,1 0-15,0-18-16,17 1 15,0 17 1,0-36 0,-35 1-16,0 17 15,0-17-15,0 0 16,0 17-1,0 0 1,-53 1 15,36 17-15,-18 0-16,-18 0 0,0 0 16,35 0-1,0 35 1,-17-17-1,35-1 1,0 1 0,0 17-16,0-17 15,18 17 1,-18 1 0,17-19-1,19 1 1,-19-1-16,36 19 15,-17-19 1,-1 1 0,-18-18-1,1 18 1,0-18 0,-1 0-16,1 0 15,17 0 16,-17 0-15,-18-18 0,18 18-1,-1-18-15,1 18 16,-18-17-16,17 17 16,-17-18-1</inkml:trace>
+  <inkml:trace contextRef="#ctx0" brushRef="#br0" timeOffset="15441">26776 1923 0,'17'0'62,"1"0"-46,17 0-16,1 0 15,17-18-15,-18 0 16,0 1-16,0 17 16,-17 0-1,-18-18 1</inkml:trace>
+  <inkml:trace contextRef="#ctx0" brushRef="#br0" timeOffset="16705.52">25947 3210 0,'0'53'15,"0"0"1,0 71-16,0-1 15,35 142 1,-17 35 0,-1-195-1,1 160-15,0-89 16,-18-140 0,0-19-16,-18-34 62,0-36-46,-35 0-1,18-18-15,-35-17 16,-36-53 0,-71-124-1,142 212 1,-53-141-16,17 36 15,71 105 1,0 0-16,0 35 16,18-70-1,17 17 1,18 18 0,35 1-16,1 16 15,-19 1 1,89 0-1,-124 35 1,71 0 0,-35 0-1,-54 0-15,18 17 16,18 54 0,18 123 30,-53-141-46,-18-18 0,0 18 16,-89 141 0,36-141-16,18-18 15,-53 18 1,35-35 0</inkml:trace>
+  <inkml:trace contextRef="#ctx0" brushRef="#br0" timeOffset="17324.03">26599 3986 0,'0'0'0,"0"18"31,0 0-15,0 17-16,0-17 15,0-1 1,0 19-16,0-19 15,18 18-15,0-17 16,35 17 0,-36-17-1,54 0-15,17-1 32,-53-17-32,36 0 15,-71-17 1,18-1-16,-1 18 15,-17-88 1,0 0-16,-53-18 16,-70-18-1,105 89 1,-35 0-16,18 17 16,0 0-1</inkml:trace>
+  <inkml:trace contextRef="#ctx0" brushRef="#br0" timeOffset="18148.96">26776 3298 0,'0'36'0,"35"34"16,-17-34-16,52 105 16,19-18-1,-37 1 1,72 70 0,-71-124-1,-18-17-15,-35-88 94,-18-18-78,18 0-16,0 0 15,0 18-15,-17-18 16,17 35-16,0-17 15,0-18 1,0 35 0,17 1-16,54 17 15,-53 0 1,17 0 0,-17 0-1,-1 0 1,1 17-16,17 19 15,-17-1-15,-1 0 0,1 1 16,0 16 0,-1 19-1,-17-53 1,0 17 0,-35 0-1,0-35 1,17 0-16,-17 0 0,-18 0 15,-35 0-15,52 0 16,-52 0 0,53 0-1,17 0-15,18-17 16</inkml:trace>
+  <inkml:trace contextRef="#ctx0" brushRef="#br0" timeOffset="18607.05">27534 3193 0,'0'35'16,"18"35"-16,17-17 15,-17 0-15,-18 18 16,35 17-16,-17-35 15,17 35 1,-17-53 0,-1 36-1,19-36-15,-36-17 32</inkml:trace>
+  <inkml:trace contextRef="#ctx0" brushRef="#br0" timeOffset="19121.18">27905 3563 0,'17'0'16,"1"0"-16,0 0 15,-1 18 1,1-1-16,-18 19 16,35 17-1,-17-36 1,-18 18 0,17-17-1,-17 0-15,0-1 16,18-17-1</inkml:trace>
+  <inkml:trace contextRef="#ctx0" brushRef="#br0" timeOffset="19387.98">27834 3228 0,'71'35'94</inkml:trace>
+  <inkml:trace contextRef="#ctx0" brushRef="#br0" timeOffset="19962.93">28399 3492 0,'-18'-17'63,"0"17"-47,-17 0-1,0 0-15,0 0 16,17 0-16,-17 35 0,-1 0 15,1 18 1,0 0 0,35-17-1,0-1 1,17 0 0,19 0-1,-1-17 1,18 0-1,35-1 1,-53 1-16,-17-18 16,0 0-16,-1 0 15,1 0 1,0 0 0,-1 0-1,18-18 1,-17 1-1,17-1-15</inkml:trace>
+  <inkml:trace contextRef="#ctx0" brushRef="#br0" timeOffset="20776">29210 3404 0,'0'0'0,"-18"0"0,-52 0 32,52 0-17,-70 18-15,53 35 16,35-36 0,0 36-1,0-35-15,0 0 16,0 35-1,17-18 1,36 18-16,-17-18 31,-1-17-15,18 17 0,-36-35-1,1 18 1,35-18-16,-18 0 15,-17 0 1,-1 0 0,1-18-1,0 0 1,-1-35-16</inkml:trace>
+  <inkml:trace contextRef="#ctx0" brushRef="#br0" timeOffset="21154.83">29439 3387 0,'0'53'16,"36"-36"-1,-36 18-15,17 1 16,1-1-16,0-17 16,17 35-1,-35 0-15,17-36 0,19 18 16,-36 1-16,17-19 15,1 19 1,0-19 15,-1-17-15,19 0 0</inkml:trace>
+  <inkml:trace contextRef="#ctx0" brushRef="#br0" timeOffset="21785.15">29863 3545 0,'-18'0'16,"18"18"-16,-18 0 15,18 35 1,0-36 0,0 19-16,18 16 15,0-34 1,-18 0-1,17-18 1,-17 17-16,18 1 16,0-18-1,-18 18-15,17-18 16,1 0 0,17 0-1,-17-18 16,-1-53-15,-17 54-16,0-36 16,0 0-1,0 18-15,-17 35 16,-1-36-16,-17 36 16,17-35-1,1 35-15,-1 0 16,-17-18-16,-18 18 31,35 0-15</inkml:trace>
+  <inkml:trace contextRef="#ctx0" brushRef="#br0" timeOffset="22343.99">30215 3492 0,'0'36'32,"0"-19"-32,0 19 15,18-19-15,-18 1 16,18 17-16,-1 1 16,-17-19-1,36 1 1,-1-1-1,-17 1 1,-1-18 0,-17-35 31,0 17-47,18 1 15,-18-36-15,0 35 16,0-17-16,0 17 31</inkml:trace>
+  <inkml:trace contextRef="#ctx0" brushRef="#br0" timeOffset="23276.17">30745 3334 0,'0'0'0,"-18"17"15,18 1 1,0 35-16,0-35 16,0 17-1,0 0-15,0 0 16,0 1 0,0-19-16,0 1 0,18 0 15,-1-1 1,1-17-1,-18 18 1,18-18 31,-1-18-31,18-17-16,1 0 15,-1-71 1,-17 35-1,-18-70-15,0 88 16,0 18 0,0 0-1,0 17 1,0 36 78,17 35-79,1-36 1,17 71 0,-35-70-16,35 0 15,-35 17 1,18-17-1,-18-1 1,18 19 0,-1-19-1,-17 1-15,0-1 16</inkml:trace>
+  <inkml:trace contextRef="#ctx0" brushRef="#br0" timeOffset="28372.31">547 1958 0,'0'18'78,"0"17"-63,0 0-15,0-17 16,17 35-16,1-36 16,-18 71-16,35-17 15,18 88 1,-17-53-1,-19-18 1,1-35 0,-1-18-16,-17 0 15,0-17 1,0-53 62,-88-71-62,71 71-16,-36-18 15,-18-71 1,71 107 0,-70-107-16,-19-17 15,72 106 1,-1-54-1,-17 1 1,35 53 0,-35-36-1,35 54 1,0-1-16,0 1 0,0-1 16,0 0-1,0 1 48,35 17-48,-17-18 1,52 18-16,-17 0 16,-35 0-1,52 18 1,36-1-16,-88 1 15,-1 0-15,19-1 16,16 36 0,-16-18-1,-19 1 1,19 34 0,17 18-16,-53-52 0,0-1 15,0 18 1,0-36-16,0 1 15,0 35 1,-18-35 0,0-1-1,-35 19-15,0-36 16,36 0 0,-18 17-1</inkml:trace>
+  <inkml:trace contextRef="#ctx0" brushRef="#br0" timeOffset="29036.02">1041 2258 0,'17'0'31,"1"17"0,0 19-31,17 17 16,-17-53-16,17 35 16,-18 0-1,54 0-15,-53-35 16,52 36-1,18-19 1,-52-17 0,-19 0-16,1 0 15,0 0-15,-18-17 16,0-36 0,0-18-1,-36-17 1,1 0-1,-71-53 1,53 70 0,-17 18-16,34 18 15,1 35 17</inkml:trace>
+  <inkml:trace contextRef="#ctx0" brushRef="#br0" timeOffset="29876.51">1147 1605 0,'0'18'16,"17"52"-16,-17-52 16,53 53-1,-18-19-15,-17 1 16,88 106-1,-89-124-15,36 54 16,-17-54-16,-19 0 16,1 0-1,-18-70 95,0 17-95,0-17-15,0 18 16,0-36-16,0 17 16,0 19-1,18-19 1,-18 19-1,17 17-15,1 0 16,0-18 0,-1 18-16,18 0 15,18 18 17,-17 17-17,-1 0 1,-17 1-16,-1-19 15,1 36-15,-18 35 16,0-52 15,0-19-15,-88 36 0,52-53-1,-17 0-15,1 0 16,16 0-1,19-17 1,-1-36 0,0 35-1</inkml:trace>
+  <inkml:trace contextRef="#ctx0" brushRef="#br0" timeOffset="30362.99">1746 1693 0,'0'0'0,"36"36"16,-1 17-16,18-18 15,-18 35 1,0-52-16,18 70 15,0-35 1,-18 35 0,-17-70-1,0 35-15,-1-36 32,-34-34 46,17-89-78</inkml:trace>
+  <inkml:trace contextRef="#ctx0" brushRef="#br0" timeOffset="30665.84">2134 2011 0,'18'0'16,"17"0"-16,-17 17 16,-1 1-16,19 17 15,-1-17 1,0 17-1,-17-17 1,-18 0 0,-35-36 31</inkml:trace>
+  <inkml:trace contextRef="#ctx0" brushRef="#br0" timeOffset="30876.9">2064 1746 0</inkml:trace>
+  <inkml:trace contextRef="#ctx0" brushRef="#br0" timeOffset="31491.78">2593 1782 0,'-18'0'47,"1"0"-31,-19 0-16,19 0 15,-1 17-15,18 18 16,0-17-16,0 0 15,0-1 1,0 19 0,0-19-1,18 1-15,-1 0 16,-17-1 0,18-17-1,0 0-15,-18 18 16,17-18 15,1 0-31,35 0 16,17 0-1,-70-18 1,36 18 0,-19-17-1,1 17 1,0 0-16,-1-18 31</inkml:trace>
+  <inkml:trace contextRef="#ctx0" brushRef="#br0" timeOffset="32310.14">1499 2628 0,'0'18'15,"0"-1"-15,0 19 0,0-19 16,0 19-16,0-19 16,18 36-1,-18 0 16,0-18-31,0 1 16,0 34 0,18-17-1,-18-18 1,0 1 0,0-19-1,0 1 1,0 0-16,0-1 15,0 19 1,17-19 0,-17 1-16</inkml:trace>
+  <inkml:trace contextRef="#ctx0" brushRef="#br0" timeOffset="32893.44">1094 3069 0,'17'0'31,"1"0"-31,0 18 16,-1-1 0,18 19-16,-17-19 0,35 19 15,-18 17-15,1-1 16,69 19-1,-52-18 1,0-18 0,-35-35-1,0-17 48,-1-19-63,1 1 15,17-88 1,-17 70-16,-1-53 16,-17 71-1,0-18-15,0 35 16,0-17 0</inkml:trace>
+  <inkml:trace contextRef="#ctx0" brushRef="#br0" timeOffset="35563.08">1376 4251 0,'0'-18'0,"-18"18"15,1-17 1,-19-19-16,1 1 16,-36 0-1,19 17 1,-1 18 0,-36-17-1,54-1 1,0 18-16,35 18 62,0 17-46,0-17-16,0 17 16,17-18-16,72 72 15,-54-54 1,71 18-1,-71-53 1,-17 17-16,70 1 16,-70-18-1,17 18 1,-18-18-16,1 0 16,53 35-1,-71-17 1,17-1-1,19 1-15,-36 17 16,17 18 0,-17-18-1,-17 1 17,-36 17-17,17-36-15,-17 1 16,36-1-1,-1-17-15,-17 0 16,17 0-16,1 0 16,-36 0-1,35 0 1,-35 0-16,18-17 16,0 17-16,17 0 15,-17-35 1,35 17-1,-18 18 1,18-18 0,0-17-1,18 35-15,-1-18 16,54-17 0,-53 17-16,87 1 15,-87-1 1,35 18-1,0 0-15,-18 0 16,0 0 15,1 0-15,-1 0 0,-17 0-1,-1 0 1</inkml:trace>
+  <inkml:trace contextRef="#ctx0" brushRef="#br0" timeOffset="36249.03">1711 4445 0,'18'-18'16,"-1"18"-1,-17-17 1,36-19-16,-19 36 0,36-88 15,-18 53 1,-35-18 0,0 35-1,0 1 1,-17 17 15,-1 0-31,-17 0 16,-36 0-1,1 17 1,34 1 0,1 0-16,35 17 15,0-17 1,0-1 0,0 1-1,18 17 1,17 0-1,-17-17-15,35 17 16,-36 1 0,19-19-16,34 19 15,-35-19 1,89 1 0,-89-18-1,71 0-15,-53-18 16,-53-17-1,35 0 1,-35-1 0,0-52-16</inkml:trace>
+  <inkml:trace contextRef="#ctx0" brushRef="#br0" timeOffset="36888.08">2170 4145 0,'0'18'32,"0"-1"-17,17 19-15,1-19 16,-1 54-1,1-36-15,-18-17 16,18-1 0,-18-34 46,0-1-62,0 1 16,-18-19-16,0 1 15,1-18-15,17 35 16,0 1 0,0-18-1,0 17-15,17 18 16,54-35 0,0 17-1,-36 18 1,53 0-1,-53 0 1,1 35-16,-1-17 16,-17 0-16,34 17 15,-34 0 1,35 18 0,-18-35-1,-35-36 32,0-35-31,36-35-1</inkml:trace>
+  <inkml:trace contextRef="#ctx0" brushRef="#br0" timeOffset="37375.14">2734 4004 0,'0'18'62,"0"-1"-46,0 1 0,0 0-16,35-1 15,-17 1-15,17 0 16,-35-1 0,53 18-1,-18-17 1,-17-18-16,0 18 15,-18-1 1,0 19 0,0-19-1,0 1 1,-36 0-16,1 17 16,18-35-1,-19 17-15,19-17 31,-1 0-15,18-17 0,-18 17-1</inkml:trace>
+  <inkml:trace contextRef="#ctx0" brushRef="#br0" timeOffset="37743.12">3069 4004 0,'18'0'15,"-18"18"-15,0-1 32,17 1-32,1 17 15,-18-17 1,18 0-16,-18-1 16,-18-34 62,-35-36-78</inkml:trace>
+  <inkml:trace contextRef="#ctx0" brushRef="#br0" timeOffset="37959.07">2858 3669 0,'17'0'78,"18"18"-63</inkml:trace>
+  <inkml:trace contextRef="#ctx0" brushRef="#br0" timeOffset="38483">3298 3687 0,'0'17'32,"0"18"-17,18-17-15,-18 35 16,35-35-16,-35-1 16,53 54-16,-35-54 15,0 36 1,-18-35-1,17 0 17,1-18-17,-18 17 1,-18-17 46,1 0-62,-19 0 16,19 0 0</inkml:trace>
+  <inkml:trace contextRef="#ctx0" brushRef="#br0" timeOffset="38742.01">3193 3881 0,'17'-18'47,"19"0"-47,16 18 16,-34 0-16,53-35 16,-54 35-1,19 0-15,-1 0 31,-18 0-15,-17-18 0,36 1-16</inkml:trace>
+  <inkml:trace contextRef="#ctx0" brushRef="#br0" timeOffset="39043">3581 3704 0,'17'0'31,"1"0"-31,0 35 16,-18-17 0,0 0-1,17-1-15,-17 1 16,18 17-1,0-35 1,-18 18 0,0-36 31,-18 1-32</inkml:trace>
+  <inkml:trace contextRef="#ctx0" brushRef="#br0" timeOffset="39294.12">3369 3404 0,'18'0'109,"-1"0"-93,19 18-1</inkml:trace>
+  <inkml:trace contextRef="#ctx0" brushRef="#br0" timeOffset="40552.44">3810 3598 0,'18'18'93,"-1"0"-77,1-18-16,35 53 16,-18-18-1,-17-35-15,17 17 16,-35 1 0,18-18-16,-1 0 0,1 0 31,-18-35 63,0 17-79,0-52 1,0 17-1,0 17-15,0 19 16,0-1-16,0 0 16</inkml:trace>
+  <inkml:trace contextRef="#ctx0" brushRef="#br0" timeOffset="41404.26">4092 3457 0,'36'0'0,"-19"0"15,1 0 32,-18-17-31,35 17-16,-35-18 15,35-17 1,-17 35-16,-18-18 16,18 18-1,-18-18 79,-18 1-78,0 17-1,1 0-15,-19 0 16,-52 17 0,71 19-1,-19-19 1,36 19-1,-17-36 1,17 17-16,0 1 16,0-1-1,0 1 1,0 0 0,35 17-1,-17-17 1,17 17-16,18 0 15,-36-35 1,36 0-16,-35 0 16,88 0-1,-89 0 1,19 0 0</inkml:trace>
+  <inkml:trace contextRef="#ctx0" brushRef="#br0" timeOffset="50159.62">26000 6615 0,'0'17'156,"0"1"-156,0 0 16,0 34-16,0-16 16,0 17-16,17 35 15,-17 0 1,18-35 0,-18 35-1,18 0 1,-18-35-1,0-18-15,0 1 0,17 87 16,-17-87 0,36 105-1,-36-88 1,17 70 0,-17 53-1,18-70-15,-1 18 16,-17-36-16,71 282 15,-53-158 1,35 88 0,-36-53-1,1-53 1,17 35-16,-17-35 16,-1-35-1,-17-124-15,18 106 16,-18-17-1,18 70 1,17 106 0,-35-106-1,53 158-15,-53-246 16,18 177 0,-18-213-1,17 177 1,1-176-1,-1 140-15,-17-140 0,18 70 16,-18 35 0,0-52-1,0-1 1,0 89 0,0-159-1,0 70-15,0 18 16,0 53-1,0-52 1,0 157 0,-18-228-1,18 141-15,-17-159 16,17-18-16,-18 106 16,18-53-1,0-53 1,-17 71-16,17-70 15,0 52 1,-18-53-16,18 71 16,0-36-1,0-34 1,0-19-16,-18 54 16,1-1-1,17-34 1,0-1-16,-18 18 15,18-35 1,0-1 0,0 1-1,0-1 17,0 1-17,18-18 173,-18-18-157,17 18-15,19 0-1,-19-17 1,1 17-1,35-18 1,-18 1 0,-17 17-1,35 0 1,17-18 0,-35 18-1,-35-18-15,36 18 16,-1 0-1,18 0 1,-35 0 0,34-17-1,-16 17-15,34 0 0,-34 0 16,52-18 0,18 0-1,-36 18 1,36 0-1,-88 0-15,52 0 16,54 0 0,-1 0-1,-52 0 1,193 0 0,-193 0-1,211 0-15,-141 0 16,71 0-1,-36 0 1,177 0 0,-265 0-1,106 0 1,71 0-16,-212 0 16,70 0-1,-52 0 1,-1 0-1,18 0 1,18 0 0,-35 18-16,17-18 15,88 0 1,-105 0 0,70 0-1,0-18 1,-35 18-16,35 0 15,-17 0 1,-89 0 0,18 0-1,-18-17 1,0 17 0,-17 0-16,0 0 15,-1-18 16,1 18 1,0 0-32,-1 0 15,1 0 17,-1 0-1,1 0-31,0-18 15,17 18-15,53-17 16,71-18 0,-71 17-1,-17 0 1,-54 18 0,1-17-1,0 17 63,-1 0-62,-17-18 93,0 0-93,0 1 0,0-1-16,0 0 15,0-35 1,0 18-16,0 18 15,0-142-15,0 124 16,0-71 0,0 53-16,-17-35 15,17-18 1,0 0 0,0 53-1,0-123-15,0 105 0,0-52 16,-18-89-1,18 159 1,0-53 0,0 36-1,-18 17-15,18-18 0,-17-229 16,17 230 0,-18-18-16,18-18 15,-18 35-15,18-17 16,-35-124-1,35 124 1,-17-159-16,-19 0 16,-17-53-1,18 106 1,35 106 0,-18-71-1,1-17 1,-1 105-16,1-105 15,-19-18 1,19 123 0,-19-105-1,1 0 1,35 70 0,-18 35-16,1-35 0,-19-70 15,19 105 1,17 1-1,-35-89 1,17 71 0,18 0-16,-18 17 15,-17-123-15,17 35 32,1-17-17,-1 106 1,0-107-1,18 124 1,0 0-16,-17-53 16,17 71-1,0 18 1,-18-54 0,18 36-1,0-1 1,0-16-16,-17 16 15,17-34 1,0 17 0,0 18-1,0-18-15,0-18 16,0 18 0,0-53-1,0 53 1,0 18-1,0-18-15,0 0 16,0-53 15,0 18-15,0 35-16,0-17 16,0 17-1,0-18 1,0 18-1,0-52 1,0 52-16,0 0 16,0-71-1,0 54 1,0-1 0,0-52-1,0 52-15,0 18 16,0-35-1,0 53 1,0-1-16,0 1 16,0 0-1,0 17 1,0 1-16,0-19 0,0 19 31,0-1-31,0 0 16,0 1 15,0-1 0,0 0 32,0 1-32,-18 17 78,18-18-93,-18 18 0,1 0-1,-1 0 1,0 0-16,1-17 16,-1 17-1,0 0 16,-17 0-31,17 0 16,1 0 0,-18 0-1,17 0-15,0 0 16,1 0 0,-19 0-1,19 0 1,-1 0-16,-70 0 15,35 0 1,-53 0 0,36 0-1,-89 17 1,124-17-16,-107 18 16,90-18-16,-107 17 15,18 1 1,105 0-1,-52-18-15,53 0 16,-124 17 0,124-17-16,-71 0 15,71 0-15,-142 18 16,142-18 0,-53 18-1,-71-18 1,106 0-1,-35 17 1,18-17-16,52 0 16,-88 18-1,35-18 1,36 0 0,-88 0-1,-54 18 1,124-1-16,-70-17 15,17 18 1,53-1 0,-35-17-1,-18 0 1,89 18-16,-36-18 16,17 18-1,1-18 1,-106 17-1,-35 19 1,87-19 0,-87 1-16,105 0 15,19-18 1,-1 0 0,0 0-1,17 0 1,19 17-1,-18-17-15,17 0 16,-17 18 0,17-18 15,0 0-15,1 0-1,-1 0 16,0 0-15,1 18 0,-1-18-1,-35 0-15,18 17 16,0-17 0,17 18-1,0-18 1,1 0 15,-1 0-15,0 17-1,1-17 1,-1 0-16,-17 18 31,17-18-15,1 18-16,-19-18 15,19 0 1,-1 0-16,0 17 16,-35-17-1,18 18 1,18-18 0,-36 0-16,17 18 15,-17-1 1,18-17-1,18 0 1,-1 0 93,0 18 173,1-18-282,-1 0 15,0 0 1,18 18 15,-17-18 63,17 17-63,0 1 79,-18-18-95,18 17 16,0 1-15,0 17 0,0-17-1,0 0 1,0 17 0,0-17-1,0-1 1,0 1-16,0 0 15,0-1-15,0 1 16,0-1 15,0 1-15,0 0 0,0-1-16,0 1 15,0 0 1,18-1-1,-18 1 1,17-18-16,-17 18 16,18-18-1,-18 17-15,35 1 16,-35 17-16</inkml:trace>
+  <inkml:trace contextRef="#ctx0" brushRef="#br0" timeOffset="53407.74">27252 6227 0,'0'17'219,"0"36"-219,0 0 15,0-35 1,-18 52 0,18-35-16,0 1 0,-17 52 15,-1 18 1,1 17 0,17-105-1,0 70 1,0-53-1,0 18-15,0 0 16,-18 0 0,18 0-1,0 0 1,0 17 0,0-34-1,-18-19-15,18 1 16,0 106-1,0-54 1,0 71 0,-17 18-1,17-71 1,0 106-16,0 35 16,0-158-1,0 158 1,0-105-1,0-18 1,0-1-16,0 37 16,0-89-16,17-1 15,-17 90 1,0-54 0,0-35-1,0 88 1,0-35-16,18-54 15,-18 72 1,0 17 0,0 0-1,0-17 1,0-18 0,0-54-16,0 125 15,18-124 1,-1 53-1,1 17 1,-18-70 0,17 70-16,-17 1 15,0-54 1,18 72 0,0-37-1,-1-34 1,1 70-1,0 35-15,17 18 16,-17-88 0,17 106-1,-18-106 1,19 123 0,-19-141-1,36 89-15,-35-19 16,17 1-1,-35-88 1,35 70 0,-17-71-1,0 1 1,-18 35-16,17-36 16,1 71-1,0-70 1,-18 0-1,17-18-15,-17 17 16,0-17 0,18 53-16,0-53 15,-1 53 1,1-18 0,-18-18 15,0-34-31,18-19 15,-18 1 1,0-1 0,0 1-1,0 0-15,17 17 16,-17 0 0,18 1-1,-18-1 1,0-17-1,0 34 1,17-34 0,-17 0-1,0-1 1,0 1 0,0 0-16,0-1 15,0 1 1,18 0-1,-18 17-15,18 0 16,-18-17-16,17 52 16,-17-52-1,0 0 1,18 17 0,-18-17 15,0-1-31</inkml:trace>
+  <inkml:trace contextRef="#ctx0" brushRef="#br0" timeOffset="55169.98">28557 5997 0,'0'18'47,"0"-1"-31,0 36-16,0 36 16,18 52-16,0-18 15,35 142 1,17 211-1,-17-106-15,0 36 16,-18-212-16,53 476 16,-35-87-1,18 16 1,-53-387 0,17 194-1,0-230 1,0 141-16,1-34 15,-19-160 1,-17 36 0,18 53-1,0-89 1,-18 71 0,0-159-1,0 54-15,0 34 16,0 1-1,0 17 1,0 17 0,0-52-1,0 18-15,0 34 16,0-105 0,0 141-1,0-141 1,0 71-16,0-71 15,0 123 1,0-52-16,0-72 16,17 125-1,-17-89 1,18 0 0,-1 0-1,-17-52-15,0 34 16,18-52-16,0 52 15,-1-17 1,-17 0 0,0-35-1,18 70 1,-18-53-16,18-17 31,-18 17-15,0-17-1,0 0 1,0-1 0,0 1-16,0 17 15,0 0 1,17-35 0,-17 18-16,0 17 15,0 1 1,18-19-1,0 36-15,-18 0 16,0-18 0,35 36-1,-35-53 1,18 35 0,-18-36-1,17-17 1</inkml:trace>
+  <inkml:trace contextRef="#ctx0" brushRef="#br0" timeOffset="56979.15">29792 5927 0,'0'17'78,"0"1"-62,0 52-16,35 213 15,-17-125 1,0 1-16,17 159 16,18-18-1,-36-71-15,1-88 16,35 388 0,18-17-1,-54-318 1,71 405-16,-70-387 15,35 159-15,-35-160 16,35 177 0,-36-211-1,1-19-15,-1 1 16,19 70 0,-36-87-16,53 157 15,-36-140 1,1 123-1,-18-176 1,18 71 0,-1-124-1,1 105 1,17 266-16,-35-319 16,0 54-1,18-35 1,-18-89-1,17 124 1,1-36 0,-18-70-16,18 88 15,-1-53 1,-17 18 0,0-53-1,0 53 1,0-71-1,18 1-15,-18 34 0,0-52 16,18 52 0,-18-34-16,0-1 15,0 0 1,17 0-16,-17-17 16,0 17-1,0-17 32,0-53 78,-35-106-125</inkml:trace>
+  <inkml:trace contextRef="#ctx0" brushRef="#br0" timeOffset="58857.95">26176 7796 0,'0'-17'281,"35"17"-265,18 0-16,0-18 15,0 18 1,124-18-16,-72 18 16,231-35-1,-195 18 1,123-1-1,-123 0-15,-35 1 16,71-1 0,-72-17-16,107 17 15,-106 0 1,123-17 0,18 18-1,-141-1 1,106 0-1,-36 1-15,-88-1 16,18 18-16,-18-18 16,71 18-1,-36 0 1,177-17 0,-247-1-16,88 18 15,18-18-15,-35 1 16,-1-1-1,-105 18 1,17 0-16,-17-18 16,35 18-1,-1-17-15,1 17 16,106-18 0,-53 18-1,-36-35 1,36 17-1,-70 18 1,-19 0 0,1 0-16,-1 0 15,-17-17 1,18 17 0,17 0-1,54-18 1,-36 0-1,-1 1-15,-34 17 16,-18-18 0</inkml:trace>
+  <inkml:trace contextRef="#ctx0" brushRef="#br0" timeOffset="61399.9">30868 6368 0,'18'17'125,"-18"19"-125,0-19 16,0 18-16,0 1 16,0-19-1,-53 36 1,35-35 0,1-18-1,-1 0 16,0 0-15,1 0 0,-19-18-1,-34-52-15,17-18 16,18 52 0,-1-87-1,1 70 1,17 18-1,18 17-15,0 0 16,0 1 0,18 17-16,0-18 15,-1 0 1,1 18 0,0 0 30,17 18-30,-18 0 0,19 17-1,-19 0 1,1 18-16,0 0 16,-18-35-1,0-1-15,0 1 16,0 0-16,0-1 15,0 19 17,-18-36-32,18 17 15,-18-17 1,1 0 62,-1-17-62,0-19-1,18 19-15,-17-1 16,17-17 0,0-1-1,53-16-15,-36 34 16,1 18-16,-18-18 15,53 1 1,-35 17 15,-1 0-31,1 17 16,0-17 0,-1 71-1,-17-36 1,0 53-1,0-35 1,-35 18-16,0-54 16,35 1-16,-36 0 15,19-18 1,-19 0 0,-17 0-1,-17-18 1,-18-35-1,17 0-15,36 18 16,0 0 0,35 17-1,0 0 1,0-17 0,88-53-1,-71 53-15,107-36 16,-36 36-1,-70 35 1,-1 0 0,1 0-1,0 17-15,35 36 16,-53-35 0,53 70-1,-53-17 1,0-36-1,0 71 1,-18-53-16,0-36 16,1-17-16,17 18 15,-36-18 1,19 0 0,-1 0-1,0 0 1,-17 0-1,17 0 1,1-18 0,17-17-1,0 0 1,0-18-16,0 0 16,70-18-16,-34 19 15,34 34 1,-52 0-1,0 18 17,-1 36-32,-17-19 15,0 18-15,0 1 16,0-19 0,0 19-1,0-19 1</inkml:trace>
+  <inkml:trace contextRef="#ctx0" brushRef="#br0" timeOffset="63075.11">29139 6615 0,'0'0'0,"18"0"15,-18-18 1,18 18 62,-1 0-62,19 0-1,-36 18-15,17-1 16,19 71 0,-19 18-1,-17-53-15,0 0 16,-17-18 0,-1-35 46,-35-17-62,0-54 16,18 36-16,0 17 15,-1-35-15,19 36 16,-1-1 0,0-17-1,1 17-15,17 1 16,0-19-1,0 1 1,0 0 0,35-1-1,-35 19-15,35-1 16,-17 18 46,17 35-62,-17 1 16,17-1-16,0 36 16,-17-19-1,0 19 1,-1 17 0,-17-70-1,0-1-15,-17-17 78,-19-17-62,1-18 0,17 35-16,18-18 15,-17 0 1,17 1-16,0-19 15,0 19 1,0-1 0</inkml:trace>
+  <inkml:trace contextRef="#ctx0" brushRef="#br0" timeOffset="64475.43">27728 6914 0,'18'0'62,"0"0"-46,-1 0-1,19 0 1,-19 18 0,18 17-1,-17-17 1,0 17-1,17 1 1,-35-19 0,0 18-1,0-17-15,0 0 16,0-1 0,-18 1-1,-17-36 63,0-17-62,0 17-16,35 1 16,-18 17-1,18-18-15,0-35 16,0 0 15,0 36-31,0-19 16,0 19-16,18-18 15,-1 17 1,18 0 0,-35 1-16,18 17 78,0 0-47,-1 17-31,-17 1 16,18 0-1,-18-1 1,0 1-1,0-1-15,0 1 32,0 0-17</inkml:trace>
+  <inkml:trace contextRef="#ctx0" brushRef="#br0" timeOffset="74721.3">2222 13617 0,'0'-17'156,"18"17"-156,-18-36 16,0 19-16,0-19 15,18 1-15,-1 0 16,1 0 0,0-18-1,-1 0-15,1 17 16,0 19-16,-18-1 0,0 1 15,35-1 1,-17-17 15,-1 35 1,-17-18-32,35 0 15,-17 1 1,0-1-1,-1 0 1,1 18-16,17-17 16,1 17-1,-1-18-15,-18 1 16,19 17 0,-1-18-1,-17 18 1,-1 0-1,72 0 1,-37 0 0,-16 0-16,34-18 15,-52 18 1,17 0 0,-17 0-1,-1 0 16,1 0 1,0 0-17,-1 0 48</inkml:trace>
+  <inkml:trace contextRef="#ctx0" brushRef="#br0" timeOffset="75953.95">2505 13564 0,'0'-17'47,"0"-1"-31,0 0 0,0 1-1,0-1-15,0 0 16,0 1-1,0-1 1,0 1-16,17-1 16,1 0-1,-18 1 1,18 17 0,-1-18-1,1 18-15,17-35 16,-17 35-1,17-18-15,-17 18 32,-18-18-17,17 18 1,1 0 0,0 0-1,17 0 1,-17 0-1</inkml:trace>
+  <inkml:trace contextRef="#ctx0" brushRef="#br0" timeOffset="77070.06">2611 13670 0,'0'-18'266,"0"1"-250,0-1-1,17 18-15,-17-17 16,18 17-16,-18-18 31,17 18-15,-17-18-1,18 1 1,17-1 0,-17 18-16,17-18 15,-17 1 1,0 17 0,-1-18-1,1 18 63,0 0-46,-1 0-17</inkml:trace>
+  <inkml:trace contextRef="#ctx0" brushRef="#br0" timeOffset="77943.94">2663 13723 0,'18'0'156,"0"0"-141,-1-18 1,1 18 0,0-17-16,-1 17 15,19-18-15,-19 18 16,1-18 0,0 18 30,-1 0 17</inkml:trace>
+  <inkml:trace contextRef="#ctx0" brushRef="#br0" timeOffset="78683.14">2681 13935 0,'18'0'140,"-1"0"-124,-17-18 0,18 0-16,17 18 15,-17-17 1,0 17-16,-1 0 15,1 0 1,17-18-16,-35 1 0,18 17 16</inkml:trace>
+  <inkml:trace contextRef="#ctx0" brushRef="#br0" timeOffset="80303">1834 13617 0,'0'-17'16,"0"-19"-1,18 1 1,0 17 0,-18 1-16,35-19 15,-17 19 1,-18-1 0,35 1-1,-17-19 1,-1 36-16,1-35 0,-1 17 15,36-35 1,18-17 0,-53 52-1,52-35 1,-35 36 0,-17-19-16,0 36 15,17-35 1,0 18-1,53-19 1,-52 19 0,52-19-16,0 1 15,-35 17 1,-35 1 0,17 17-1,-17 0 1,17-18-1,0 18 1,-17 0 0,17 0-16,-17 0 31,-1-18-15,1 18-1,0 0 1,-1-17-16,1 17 15,0 0 1,-1 0 0,1 0 31,-1 0-1,-17-18-30,18 18 0,0 0 77</inkml:trace>
+  <inkml:trace contextRef="#ctx0" brushRef="#br0" timeOffset="81816.97">3598 13476 0,'0'-18'62,"18"18"-62,0 0 16,-1 0 0,1 0-1,17 0-15,-17 0 16,17-17-16,36 17 15,17-18 1,-35 1 0,53 17-1,-71-18 1,18 0 0,-36 18-1</inkml:trace>
+  <inkml:trace contextRef="#ctx0" brushRef="#br0" timeOffset="83016.84">3986 13212 0,'18'0'156,"17"0"-140,-17 0 0,35 35-1,-35-35-15,17 35 16,0-17 0,-17-1-1,35 19 1,-36-36-1,19 17-15,-19 1 16,1-18 47,-18 18 30,0-1-77,-18-17-16,1 0 16,-1 18-1,0-18 1,18 17-16,-17-17 31,17 18-15,-18-18-1,0 0-15,18 18 16,-17-1 0,-1-17-1,18 18 1,-35 0-1,35-1-15,-18-17 16,18 18 0</inkml:trace>
+  <inkml:trace contextRef="#ctx0" brushRef="#br0" timeOffset="88241.9">4692 13212 0,'18'17'109,"-18"18"-93,0 1-1,17-1-15,-17 0 16,18-17-16,-18 35 16,0-36-1,0 1 1,0 0 156,0-1-157,0 1 1,17 0-16,-17-36 141,-35-35-126,18 18-15,17 0 16,0 17-16,-18-17 15,18-1 1,0-17-16,0 36 16,0-36-16,0-18 15,0 18 1,18 18 0,-1 0-1,1 17 1,-1 18 46,1 0-46,0 18 0,-1 0-16,1-18 15,0 17-15,-1-17 16,19 35-1,-19 1 1,19 17 0,-36-36-16,17 19 15,1-19-15,-1 54 16,-17-36 0,0 18-1,18-35 1,-18-1-1,18-17 189,-1 0-189,-17-17-15,18-1 16,17-17-16,-17 17 15,0-17 1,-18 17 0,0-35-16,17 36 15,-17-19 1,18 36 62,-1 0-47,1 0 1,0 0-17,-18-17 95,0-1-110,0 0 31,0 1 0,-18 17-31,-17-18 16,0 0-1,17 18-15,-17 0 16,-1 0-16,1 0 31,35 18-15,0 17-1,0-17-15,0 0 16,0-1 0,0 54-1,0-54 1,35 36 0,1 18-16,-19-71 15,1 35 1,0-35-16,34 35 15,-16-35 1,34 0 0,54 0-1,-107 0-15,19-17 16,-19-1 0,-17 1-1,0-1 1,0 0-1,0 1 1,0-1-16,0 0 16</inkml:trace>
+  <inkml:trace contextRef="#ctx0" brushRef="#br0" timeOffset="88676.78">5309 12929 0,'18'53'16,"17"-35"0,-35 17-16,36 0 15,-1 18 1,0 18 0,0-18-1,-35-18 1,18-17-16,-18-1 15,0 19-15,18-19 16,-18 1 0,-18-18 46,-53-35-62</inkml:trace>
+  <inkml:trace contextRef="#ctx0" brushRef="#br0" timeOffset="88999.62">5256 13176 0,'18'0'31,"35"0"-31,-35-17 16,52-1-1,1 18 1,-54 0 0,19 0-1,-19 0 1,1 0 15,-18-18-31,18 18 16</inkml:trace>
+  <inkml:trace contextRef="#ctx0" brushRef="#br0" timeOffset="89666.94">5644 13000 0,'0'18'15,"18"17"-15,-18-18 16,0 19-16,35 17 16,1 35-1,-19-71 1,1 1 0,0-18 15,-1-18-16,18-17-15,-17-18 16,17-17 0,-35 34-1,0 1 1,0 18-16,18 17 78,-18 17-78,35 18 16,-17-17-1,17 0 1,-35-1 0,53-17-1,-35 0-15,-1 0 16,1 0-1,17-17 1,-17-19-16,-18-16 16,0-37-1,0 36 1,0 0 0,0 36-16</inkml:trace>
+  <inkml:trace contextRef="#ctx0" brushRef="#br0" timeOffset="90507.9">6332 12806 0,'-17'0'16,"17"17"0,-18 1-1,18 17-15,0 1 16,0-1 0,0-17-16,0 17 15,0-17 1,0-1 15,18-17 0,-1 0 1,19 0-32,-19 0 15,1 0 1,17-35-1,-35 0 1,18 17-16,-18-17 16,0 17-1,0-17-15,0 17 16,0 0 0,0-17-1,-18 35 1,1-35-16,-19 17 15,19 1 1,-1 17 0,-17 0-1,17 0 1,-17 0 0,35 17-16,0 1 15,0 17 1,0 18-1,17-35 1,1-1 0,35 19-1,0-19-15</inkml:trace>
+  <inkml:trace contextRef="#ctx0" brushRef="#br0" timeOffset="91050.94">6632 12788 0,'0'18'94,"18"-18"-79,0 17-15,-18 1 0,17 17 16,-17-17 0,18 0-16,-18 17 15,0-17 1,17-18 0,-17-18 30,0-17-30,0-1-16,18-52 16,-18 18-1,0-1 1,35 36 0</inkml:trace>
+  <inkml:trace contextRef="#ctx0" brushRef="#br0" timeOffset="92284.84">6897 12524 0,'0'17'31,"0"19"-31,0-1 16,0 0-1,0 0 1,0-17 0,0 35-1,17-35 1,-17 17 0,18-18-16,-18 19 15,0-19 1,0-52 46,0 0-46,0 0-16,0-18 16,18-36-1,-1 54 1,-17 0-16,18 35 15,0-18 1,-1 18 62,1 0-47,-18 18 16,0 0-31,0-1-16,0 1 16,0 17-1,-18 0 16,1-17-31,17 0 16,-18-1-16,18-34 125,18 17-125,17-18 16,-17 18-16,-18-18 15,35 18-15,-18 0 16,1 0 0,0 0-1,35 18-15,-18 0 16,53 52-1,-70-52 1,35 17 0,-36-17-1,-17-1 1,18-17-16,-18 18 16,-18-18 93,1 0-93,-19 0-16</inkml:trace>
+  <inkml:trace contextRef="#ctx0" brushRef="#br0" timeOffset="93375.87">5838 13705 0,'0'36'110,"0"-19"-95,0 1-15,0 17 16,0 1-16,0-1 15,0 0-15,0 0 16,0 1-16,0 34 16,0-35-1,0-17 1</inkml:trace>
+  <inkml:trace contextRef="#ctx0" brushRef="#br0" timeOffset="94471.24">5556 14058 0,'36'0'109,"-1"35"-93,-18-17 0,1 0-1,17 17-15,1-17 16,-1 17 0,-35-17-1,18-18 1,-1 0 46,1 0-46,-1 0 62,1 0-62,0 0-16,-1-18 15,1 18-15,17-35 16,-17-1 0,17 19-1,0-36 1,-17 35-1,17-17 1,-35 0 0,18-1-16,-18 19 0,0-1 15</inkml:trace>
+  <inkml:trace contextRef="#ctx0" brushRef="#br0" timeOffset="95453.84">5274 14922 0,'18'0'47,"-1"36"-32,-17-19-15,18 1 16,35 70-16,-35-17 16,34 52-1,-34-52 1,-18-54-1,35 54-15,-35-53 16,-17-18 78,-107-36-79</inkml:trace>
+  <inkml:trace contextRef="#ctx0" brushRef="#br0" timeOffset="96063.23">4939 15081 0,'0'-17'15,"0"-1"1,0 0 0,0 1-16,0-19 15,18 36-15,-18-17 16,17-19-1,1 19 1,-1-1 15,1 18-31,17-35 16,1 0 0,-19 35-1,19-36 1,-19 19-16</inkml:trace>
+  <inkml:trace contextRef="#ctx0" brushRef="#br0" timeOffset="97670.91">5539 15046 0,'0'-18'32,"17"18"108,19 36-124,-1-1 15,-18-17-31,19 17 16,-19-18-16,-17 19 15,18-36-15,-18 17 16,0 1 0,18-18-1,-18-35 110,0 17-125,-18 0 16,18-17-16,-18 18 15,18-1 1,0-35 0,0 18-16,0-18 15,0 17 1,0 1-16,0 0 31</inkml:trace>
+  <inkml:trace contextRef="#ctx0" brushRef="#br0" timeOffset="98797.16">5891 14993 0,'0'-18'47,"0"1"16,-17 17 15,17 35-63,-18-17-15,0-1 16,18 1-16,0 0 16,0-1-16,0 19 15,0-19 1,0 1 0,0-1-1,0 1 16,18-18-15,0 0 47,-18-18-1,0 1-62,0-1 16,0-17-16,0 17 15,0 1-15,0-1 16,0 0-16,0 1 16,17 17 93,1 17-93,0-17-1,-1 36-15,-17-19 16,36 19-1,-19-36 1,-17 17 0,0 1-1,18-18 1,52-53 15</inkml:trace>
+  <inkml:trace contextRef="#ctx0" brushRef="#br0" timeOffset="99974.23">6103 14940 0,'0'18'47,"18"-1"-32,-18 1-15,0 17 16,17-17-16,-17 17 31,0-17-31,0 0 16,0-54 78,-17 1-79,17-36 1,0 54-16,0-19 16,0 19-1,0-1 1,17 18-1,1 0-15,-18-17 16,53 17 0,-35 0-16,17 0 15,-18 17 1,19-17 0,-1 18-1,-35-1 1,18 1-1,-18 0-15,17-18 16,1 0 15,0 0 16,34 0-31,-16-36-16,-1 1 15,-35 18 1,0-19 0,0 19-1,0-1 1,0 0-16,0 1 16,-18 17-1,18-18 1,-17 18-1,-1 0 1,0 0 0,18 18 31,0-1-32,0 1 1,0 0-1,0-1-15,18 1 16,0 0 0,-1-1-1,19 18 1,-36-17 0,17 0-16,-17-1 15,0 1 1,0 0-1,0-1 17,-17-17-1,-1 0 0,18-17 0,35-36-15</inkml:trace>
+  <inkml:trace contextRef="#ctx0" brushRef="#br0" timeOffset="100966.1">6967 14640 0,'0'0'0,"-17"0"0,-19 18 15,36 0-15,-17-1 16,-1 1-16,18-1 16,0 19-1,-17-1 1,17 0-16,0-17 16,0 0-1,0 17 1,17-35-1,1 0 1,17-18 0,-17 1-1,17-36 1,-35 17-16,35-17 16,-17 18-1,0 35 48,-1 18-48,1-18 17,-1 0-32,1 0 15,0 0 1,17 0-1,-17 0 1,17-18-16,-17-17 31,-18 17-31,0-35 16,0 36 0,0-1 15,-18 18 0,0 0-15,1 18-1,17-1 1,0 19 0,0-1-16,0-17 15,0 17 1,0-18-1,17-17 17,1 0-1,0 0-15,-1 0-1,1 0-15,35-35 16,-36 0-1,36-106 1</inkml:trace>
+  <inkml:trace contextRef="#ctx0" brushRef="#br0" timeOffset="101247.11">7426 14288 0,'0'35'16,"0"0"-16,18 0 15,-18-17 1,17 17 0,-17-17-16,0 0 15,0-1 1,18 18 0,-18 1-16,0-19 15,0 1 1,-18-18 46</inkml:trace>
+  <inkml:trace contextRef="#ctx0" brushRef="#br0" timeOffset="101499.04">7373 14482 0,'0'0'0,"0"-18"31,35 0-15,1 18-1,17-17-15,-1-19 16,-16 19-1</inkml:trace>
+  <inkml:trace contextRef="#ctx0" brushRef="#br0" timeOffset="101760.94">7620 14340 0,'18'36'47,"-18"-19"-32,0 19-15,0-19 16,0 1-1,0 17 1,0-17-16</inkml:trace>
+  <inkml:trace contextRef="#ctx0" brushRef="#br0" timeOffset="101999.13">7585 14146 0</inkml:trace>
+  <inkml:trace contextRef="#ctx0" brushRef="#br0" timeOffset="103319.36">7779 14323 0,'17'0'16,"-17"17"-1,18-17-15,-18 18 16,0 0-16,0-1 15,18 1 1,-18 0 0,35 17-1,-35-17 1,18-1 0,-1 1-16,1-18 31,17 17-16,-17-17 1,-1 0-16,36 0 16,-35-17-16,17-36 15,1-18 1,-36 36 15,0 17-15,-18 18-1,0-35-15,1 35 16,-54-17 0,53 17-1,-87 0-15,52 0 16,-106 0 0,35 17-16,107-17 15,17 18 79,17-18-94,19 17 16,-1 1-16,0 0 15,124-1 1</inkml:trace>
+  <inkml:trace contextRef="#ctx0" brushRef="#br0" timeOffset="103988.87">8361 14270 0,'17'0'15,"-17"18"1,18-1-16,-18 1 15,0-1 1,18 19 0,-18-19-16,-18-70 93,18 18-77,0-35 0,0 52-16,0-17 15,0 17-15,18 0 16,-1 18 0,1 0 15,0 0-16,-1 0 1,1 18 0,0 0-16,-18-1 15,35 19 1,-18-36-16,-17 17 16</inkml:trace>
+  <inkml:trace contextRef="#ctx0" brushRef="#br0" timeOffset="105045.14">4286 14693 0,'18'0'109,"-18"35"-93,18-17-16,17 53 15,-18-1-15,19 18 16,-1 18-16,-17-35 16,35 140-1,-36-140 1,1 35-16,-1 17 15,1-52-15,-18 17 16,0 18 0,18-53-1,-18 17 1,17 1-16,-17-53 16,0-1-1,-88-87 110</inkml:trace>
+  <inkml:trace contextRef="#ctx0" brushRef="#br0" timeOffset="106009.57">2117 15169 0,'17'18'109,"-17"17"-109,0-17 16,18 17-16,0 1 16,-1 69-16,1-69 15,-1 17 1,1-18-16,17 88 0,-17-70 15,17 35 1,-35-17 0,18 0-1,0-19 1,-18-34 0</inkml:trace>
+  <inkml:trace contextRef="#ctx0" brushRef="#br0" timeOffset="106410.97">2099 15893 0,'0'-18'32,"35"-17"-1,-17 17-31,35 0 16,-36 1-16,36-36 15,-17 53-15,17-35 16,-36 35-1,1-18 1,0 18-16</inkml:trace>
+  <inkml:trace contextRef="#ctx0" brushRef="#br0" timeOffset="106888.16">2417 15663 0,'17'0'16,"1"0"-16,-1 18 16,1 0-1,17 17-15,-35-17 16,18 17-1,0-18 1,-18-34 78,0-18-94,0-36 15,0 53 1,17 1-16,-17-19 16</inkml:trace>
+  <inkml:trace contextRef="#ctx0" brushRef="#br0" timeOffset="107702.23">2787 15646 0,'0'-18'16,"0"0"-1,-18 18-15,18-17 16,-17 17 0,-1-18-1,0 18 1,1 0-1,-1 0-15,0 0 16,1 0 0,17 18-1,-18-1-15,18 19 16,0-1 0,0 0-1,0-17 1,0 0-1,0-1 1,18 1 0,-1-18-16,19 0 15,-19 0 1,19-53 0,-1 35-1,-17-17 1,-1 17-16,-17 1 15,18 17 110,0 17-109,-18 19 0,17-1-1,-17-17 1,0-1 15</inkml:trace>
+  <inkml:trace contextRef="#ctx0" brushRef="#br0" timeOffset="109534.77">2875 15681 0,'0'-18'79,"0"1"-64,18-19 1,-18 19-1,0-18-15,0-18 16,0-18 0,0 53-1,0 1-15,0-36 16,-35 18-16,-1 17 16,36 0-1,-17 1 1,17 52 46,0 0-46,0 0-16,0 18 16,0-17-16,17 17 15,1 0-15,17 123 47,-17-88-47,-18-53 16,17 71 15,-17-88-31,18-18 0,-18 17 16,0-52 93,-18 18-109,-17-36 16,35 35-1,0 0 1,0 1-1,0-1 17,0 0-17,18 18 1,-18-17 0,17 17 15,1 0-16,0 0 1,-1-18-16,1 18 16,-18-17-1,18 17 17,-18-18-17,35 18 1,0-18-1,-17 18 1,17-17-16,-17-1 16,-1-17-1,-17 17 1,0 0-16,0 1 16,0-89-1,0 88 1,0-35-16,-17 53 15,17-17 1,0 52 31,0 0-31,0 18-16,0 0 15,0 53 1,0-35-1,35-1 1,-17 18 0,-1-52-1,-17-1-15,0-18 16,18 19 0,-36-36 46,-52-36-46,34 1-1,19 18-15,-18-1 16,17 0 0,18 1 30,0-1-30,0 0-16,18 1 16,-1-1-1,1 0 1,17 18-16,-35-17 16,18 17-16,-1 0 15,1 0 16,17 0-15,-17 0 0,17 0-16,0 0 15,-17-18-15,17 18 16,-35-17 0</inkml:trace>
+  <inkml:trace contextRef="#ctx0" brushRef="#br0" timeOffset="109986.91">3369 15663 0,'18'0'15,"-1"18"1,1 0-1,0 17-15,-1 0 16,1 0 0,-18 1-1,0-19 1</inkml:trace>
+  <inkml:trace contextRef="#ctx0" brushRef="#br0" timeOffset="110236.6">3298 15363 0</inkml:trace>
+  <inkml:trace contextRef="#ctx0" brushRef="#br0" timeOffset="110956.88">3492 15505 0,'0'-18'15,"0"36"48,0-1-63,0 1 16,18 0-16,-18 17 15,0 0-15,18 0 16,-1 1-1,1-19-15,-18 19 16,18-1-16,35 18 16,-36-53-1,1 0 1,0 0 15,-1 0-31,36 0 16,-35-18-16,35-17 15,-36 35 64,-17-18-79,18 18 15,-18-17 1,0-19-16,18 36 15</inkml:trace>
+  <inkml:trace contextRef="#ctx0" brushRef="#br0" timeOffset="116969.06">212 12136 0,'17'0'94,"195"0"-79,-71 0 1,18 0-16,35-18 15,18 18 1,264-53 0,-53 0-16,-247 35 15,336-17 1,-177 18 0,-176 17-1,0-36-15,17 36 16,0 0-1,18-17-15,18 17 16,194-18-16,-89 0 16,-264 1-1,177 17 1,-142-18 0,53 0-1,-18-17 1,-17 35-16,-88-17 0,70 17 15,35-18 1,-70 0 0,18 1-16,-53 17 15,87-36 1,-16 1-16,-72 35 16,89-18-1,0-17 1,-71 17-1,159 1 1,-70-18 0,52-1-16,-88 19 15,-52-1 1,69 0 0,-69 1-1,-36-1 1,35 18-1,0-18-15,18 1 16,71-1 0,-71 1-1,-36-1 1,1 36 156,-1 17-157,19 53 1,-1 18 0,-17-53-16,52 88 15,18 71 1,-35-107 0,106 213-1,-53-106 1,-71-107-16,0-16 15,-17-1-15,35 35 16,-18-17 0,53 141-1,-35-88 1,71 88 0,-124-212-1,53 106-15,-36-88 16,36 18-1,-35-19 1,0-16 0,-1-1-1,1 0 1,17 18-16,-35-35 16,53 70-16,-18-35 15,18 53 1,-17-53-1,16 35 1,-34-70-16,17 34 16,-35-34-1,36 17 1,-36-17 0,17 17-1,-17-17-15,18 0 16,0-18 15,-18 17 0,0 1-15,17-1 15,-17 1-15,0 0-1,18-1 1,-18 1-16,18-18 16,-18 35-16,0-17 15,17-18 32,-17 18-31,0-1-1,0 1-15,0 0 16,18-18 0,-18 17-1,0 1 1,0-1 0,0 1-1,0 0 16,0-1-31,0 1 16,0 0 15,0 17-15,17-17 0,-17-1-1,0 1 1,0 35-1,0-36 1,0 19 0,0-19-16,0 1 31,0 0-15,0-1 46,0 1-46,0 0 15,0-1-15,-17-17 140,-18 0-156,-1 0 15,-52 18-15,0-18 16,-36 0-16,-52 17 16,105-17-1,-87 0-15,-107 18 16,71-18 0,18 18-1,105-18-15,-105 0 16,-18 17-16,35-17 15,71 18 1,-36-18 0,71 0-1,-52 18 1,52-18-16,-53 17 16,53-17-1,-88 18 1,35-18-1,-35 18 1,17-18 0,-105 35-16,176-35 15,-53 0 1,-52 17 0,105-17-1,-36 18 1,-16 0-1,69-18-15,-34 0 16,17 0 0,0 17-16,-141 19 31,123-19-31,18 1 16,-35 0-16,18-18 15,-89 35-15,106-18 16,-159 54-1,89-53 1,52-1 0,36-17-1,-36 18 1,36-18-16,-18 18 16,-17-18-1,34 0 1,-52 17-1,-18 18 1,36-35 0,-71 18-16,70 0 15,-105-1 1,35 1 0,53 0-1,-36-1 1,18-17-1,-17 36 1,-1-19 0,54-17-1,-36 18-15,0 0 16,-53-18 0,71 17-1,35 1-15,-70 17 16,87-35-1,-69 18 1,69-18 0,-17 0-1,-70 17-15,70-17 16,-18 0 0,-52 18-1,52-18 1,-17 18-1,18-18 1,17 0 0,17 0-16,19 17 15,-1-17 1,1 0 0,-1 0 15,0 0-31,-17 0 15,17 0 1,-52 0 0,-18 18-1,70-18 1,0 0-16,-17 0 16,17 0-1,1 0 1</inkml:trace>
+  <inkml:trace contextRef="#ctx0" brushRef="#br0" timeOffset="118583.18">0 12065 0,'18'0'172,"-1"0"-156,1 0-16,0 0 15,-1 0 1,1 0 0,17 0-16,-17 0 15,-1 18 1,19-18-1,-19 17 1,1-17 0,0 0-1,-1 0 1,1 0 15,0 0 16,-1 0-31,-17 18-1</inkml:trace>
+  <inkml:trace contextRef="#ctx0" brushRef="#br0" timeOffset="120121.42">0 16598 0,'18'0'203,"35"0"-187,17 0-1,54 0 1,-54 0 0,71 0-1,-70 0 1,-18 0-16,-18 0 0,0 0 15</inkml:trace>
+  <inkml:trace contextRef="#ctx0" brushRef="#br0" timeOffset="123762.18">723 13864 0,'0'-17'141,"0"-1"-141,18 0 15,-1-17 1,1 0-16,-18-18 16,35 17-1,36-105-15,17 36 16,-53 16 0,54-52-1,-36 53 1,-18 35-16,18 0 15,17-88 1,-34 88-16,16-53 16,19 1-1,-53 69 1,70-70 0,-18 18-1,-52 71 1,17-54-16,1 18 15,-19 35 1,1-34 0,0 16-1,-1 1 1,36-36 0,-35 1-16,17 17 15,-17 0 1,-1 0-1,36-17 1,-35 34 0,-18 19-1,17-19 1,1 36 0,-18-17-1,0-1 48</inkml:trace>
+  <inkml:trace contextRef="#ctx0" brushRef="#br0" timeOffset="125915.03">1623 11536 0,'0'-18'156,"17"18"-78,19-17-62,17 17 0,-36-18-16,36 18 15,-18-18-15,18-17 16,0 35 0,18-35-1,-54 35 1,36-18-1,-17 0 1,-19 18-16,-17-17 47,18 17 328,-18 17-375,18 19 16,-18-19-16,17 54 15,1-36 1,-1 53-1,-17 1 1,18-54 0,-18 18-1,18-18 1</inkml:trace>
+  <inkml:trace contextRef="#ctx0" brushRef="#br0" timeOffset="130825.12">32561 5186 0,'0'-18'125,"0"1"-109,0-1 0,0 0-1,0 1 1,0-1 0,-17 18-1,17-18-15,-18 18 16,18-17-16,0-1 15,-18 18 1,18-35-16,-17 17 16,17 1-1,-35-1 1,35 0 0,-18 1-1,0 17 1,18-18-1,-17 18 1,-1 0 0,18-18-16,-18 18 15,1-17 1,-1 17-16,0-18 16,1 18-1,-1 0 1,1-18-16,-1 18 15,-17-17 1,17 17 0,-17 0-1,17 0 1,0 0 0,-17 0-1,18 0 1,-19 0-1,1 0-15,17 0 16,-17 0 0,17 0-1,1 0 1,-1 0 0,0 0-1,1 0 32,17 17-31,-18-17-1,-17 18 1,17 17 0,1-35-16,-19 18 15,1 17 1,0 1-1,17-19 1,-17 1-16,17-1 16,1 1-1,-1 0 1,0-18 0,1 17-1,-19 19 1,19-19-16,-1 19 15,-17-1 1,17-18 0,1 19-1,-19-1 1,19 18 0,-1-18-16,18 1 15,0-19 1,0 18-1,0 1-15,0-19 16,0 19 0,0 17-1,0-36-15,0 18 16,-18 36 0,18-36-1,0 36 1,0-36-1,0 0 1,0 1-16,0-1 0,0 0 16,0 0-1,0 18 1,0 18 0,0-36-1</inkml:trace>
+  <inkml:trace contextRef="#ctx0" brushRef="#br0" timeOffset="132734.03">31080 6050 0,'0'18'94,"17"-1"-94,1 1 15,-18 0 1,18-1-1,-18 1 1,17 0-16,-17-1 16,36 19-1,-19-1 1,-17-18 0,18-17-1,-18 18 1,17 0-16,1-1 15,-18 1 1,18-18 0,-18 18-1,17-18 48,-17 17-63,18 1 31,0-18 313,-18-18-313,0 1-15,0-1-1,17 18-15,-17-18 32,0 1-32,0-1 31,18 18-16,-18-18 1,0 1 62,0-1-47,18 1-15,-18-1 0,17 18-16,-17-18 31,18 1-15,-18-1-16,0 0 15,17 1 1,1-1-1,-18 0 1,18 18-16,-18-17 31</inkml:trace>
+  <inkml:trace contextRef="#ctx0" brushRef="#br0" timeOffset="136610.09">26564 4762 0,'18'0'62,"17"0"-46,0 0-16,18 0 16,71 0-16,-1 0 15,1 0-15,-1 0 16,-17 0-1,17 0-15,71 0 16,-123 0 0,17-17-1,-17-1 1,-18 18 0,0 0-16,52-17 15,-52 17 1,124-36-1,-36 19 1,-88-1 0,70 0-1,-35 1-15,-35 17 0,-17-18 16,158-17 0,53-18-1,-177 53 1,195-71-1,-18 18-15,-177 36 16,71-18 0,71-36-1,-159 53 1,141-52 0,-53 35-1,-70 17-15,123-53 16,-124 54-1,-34-1 1,-1 0-16,-18 18 31</inkml:trace>
+  <inkml:trace contextRef="#ctx0" brushRef="#br0" timeOffset="137350.01">31503 3246 0,'18'0'47,"-1"-18"-31,1 0 15,0 1-31,-1-19 16,36 36-1,0-70-15,88-18 16,0-1 0,-123 72-1,17-1 1</inkml:trace>
+  <inkml:trace contextRef="#ctx0" brushRef="#br0" timeOffset="137905.97">31838 2699 0,'18'0'31,"-1"0"-31,19 0 16,-1 0-16,18 17 15,-18-17-15,18 36 16,-18-1-16,18 0 16,18 53-1,-53-88 1,-1 71 0,-17-36-1,-17 1-15,-1-19 16,0-17-16,-70 53 15,35 0 1</inkml:trace>
+  <inkml:trace contextRef="#ctx0" brushRef="#br0" timeOffset="138792.26">31926 1023 0,'-35'-18'0,"17"18"16,-17 0-1,18 0-15,-1 0 16,0 0-1,1 0-15,-19 0 16,36 36 0,0-19 15,0 1-31,71 17 31,-36-35-31,18 36 16,-35-19-1,35 18 1,-18 1 0,-35-19-16,35 36 15,-35-17 1,0-19-16,0 1 16,0-1-1,-17-17 1,-1 0-1,18 18-15,-18-18 32,1 0 15</inkml:trace>
+  <inkml:trace contextRef="#ctx0" brushRef="#br0" timeOffset="139633.07">32156 1164 0,'17'0'63,"1"-17"-48,0-1 1,35-35 0,-18 53-16,18-71 15,-36 54 1,-17-1-1,-17 18 79,-1 0-94,-17 0 16,17 0-1,-17 35 1,0-17-16,17 0 16,18-1-1,0 1 1,0 17 0,0 18-1,0-18 1,0-17-1,18 0-15,-1-18 16,-17 17-16,18-17 16,0 18-1,17-18 1,-18 0-16,1 0 16,0 0-16,-1 0 15,36 0 1,-17-18-1,-19 18 1,18-35 0,1-18-1</inkml:trace>
+  <inkml:trace contextRef="#ctx0" brushRef="#br0" timeOffset="140122.74">32597 864 0,'-36'0'16,"36"18"-1,-35 0-15,35-1 16,0 18 0,0-17-16,0 17 15,0 1 1,0-1-1,0-17 1,35-1 0,-35 1-16,18-18 15,0 0 1,-1 0 0,1 0-1,0 0 1,-1 0-1,1-18-15,-1 1 32</inkml:trace>
+  <inkml:trace contextRef="#ctx0" brushRef="#br0" timeOffset="140518.66">32720 864 0,'0'18'15,"0"0"-15,0-1 16,0 1-16,18-1 15,-1 1 1,1-18-16,-18 18 16,18-18-1,-1 0 48,1-71-48,-18 36-15,0 0 16,0-1 0,0 1-1</inkml:trace>
+  <inkml:trace contextRef="#ctx0" brushRef="#br0" timeOffset="140997.24">32861 776 0,'18'0'32,"0"18"-17,-1-18 1,1 17-16,-1 19 15,1-36 1,-18 17-16,18 1 31,-18-53 32,0-54-48,0 37 1,0-1-16,0 17 16,0 19-1</inkml:trace>
+  <inkml:trace contextRef="#ctx0" brushRef="#br0" timeOffset="141316.81">33038 582 0,'17'18'16,"1"17"-1,-18-17 1,0 17-1,18-17 1,-18 17 0,0-18-1,0-34 48</inkml:trace>
+  <inkml:trace contextRef="#ctx0" brushRef="#br0" timeOffset="141572.99">32985 406 0</inkml:trace>
+  <inkml:trace contextRef="#ctx0" brushRef="#br0" timeOffset="141919.13">33091 388 0,'0'0'0,"17"35"15,1-17-15,-1 17 16,1 1 0,0 34-1,-1-17 1,1-35-16,-18 35 15,0-18 1,0-18 31</inkml:trace>
+  <inkml:trace contextRef="#ctx0" brushRef="#br0" timeOffset="142221.01">33126 600 0,'17'0'94,"1"-18"-94,17 18 15,-17-18-15,17 1 16,-17-1-1,0 1 1</inkml:trace>
+  <inkml:trace contextRef="#ctx0" brushRef="#br0" timeOffset="142928.85">33285 441 0,'0'18'62,"0"17"-62,0-17 16,0-1 0,17 1-16,1-18 15,-18 17 1,18-17-1,-1 0 1,18 0 0,-17 0-16,0-17 15,-1-36 1,-17 35 0,0-35-16,0 36 15,0 34 63,0 19-62,0-19 0,18 19-16,-18-1 15,0 18 1,18 17-1,-18-52-15,0 35 16,0 0 0,0-18-1,-18 36 1,-17-19 0,17-16-1,-17-19-15,17-17 31,1-17-15,-1-1 0,0-52-1,18-19 1,36 54-16,-19-18 16,18 36-1</inkml:trace>
+  <inkml:trace contextRef="#ctx0" brushRef="#br0" timeOffset="144573.06">33020 1570 0,'18'0'46,"-18"35"-30,17 0-16,1 1 16,-18-19-16,0 36 15,35 88-15,0 71 16,-17-177 0,0 89-16,-18 52 15,17 36 1,1-36-1,-18 1 1,0-1 0,0-141-16,0 124 15,-35-53 1,-1 17 0,36-34-1,-35 16 1,0 1-16,0 0 15,-1-18 1,19-17-16,-1-18 16,-52 88-1,34-71 1,1-17 0,17-17-16,18-19 15,-17 1 1,17-1-1,0 1 95,-18-18-95,18 18-15,-18 17 16,1-35 0,17 18-16,-36-1 15,36 1-15,-17 0 16,17-1 0,-18-17-1,1 18-15,17-1 16,-18-17-1,0 36 1,-17-1 0,0 0 15,17-17-31,0-18 31,18 18-15,-17-18 15,-1 17-15,18 1-1,-17-18-15,-1 0 16,18 35 0,-18-35-1</inkml:trace>
+  <inkml:trace contextRef="#ctx0" brushRef="#br0" timeOffset="146002.82">32473 4533 0,'0'18'78,"0"17"-62,0 0-1,-17 1-15,17-1 16,-18 0-16,18 18 16,-18-35-16,1 35 15,-1 0 1,18-18-1,-18 18 1,1-18-16,17-17 31,17-18 313,19 0-328,-19 0-16,19-18 15,-1 18-15,0-18 16,53-17 0,-52 35-16,52-35 15,0 17 1,-70 1-1,17-1 1,-17 18 0</inkml:trace>
+  <inkml:trace contextRef="#ctx0" brushRef="#br0" timeOffset="161301.29">30021 4639 0,'18'0'125,"0"18"-109,-18 17-16,0 18 15,17-18-15,1 0 16,0 36 0,-18-36-1,17 18 1,1 0-1,-18-35-15,0-1 16,0 19-16,17 17 16,1-18-1,-18-18 1,18 36 0,-1-35-16,-17 17 15,18-17 1,-18 17-1,18 1 1,-1-19 0,-17 1-1,18 35-15,0-36 16,-18 19-16,35 17 31,-35-36-15,0 1-16,18-18 15</inkml:trace>
+  <inkml:trace contextRef="#ctx0" brushRef="#br0" timeOffset="163069.19">30092 5539 0,'0'17'109,"18"1"-109,-1 0 16,-17-1-16,35 1 16,-35-1-16,18-17 15,17 36 1,-35-19 0,18-17-1,-18 18 1,18-18-16,-1 35 15,1-35 1,-18 18 0,18-18-1,-18 18 1,17-18 0,1 0-16,-18 17 15,18-17 63,-18 18-62,17-18 93,-17 17-93,18-17 171,-1 0-140,-17-35-31,18 18 0,-18-19-1,0 19-15,18 17 16,-1-36-1,-17 1 1,0 17-16,18 1 16,-18-1-1,0 1 1,0-1 15,18 0-15,-18 1-16,0-1 31,17 18-31</inkml:trace>
+  <inkml:trace contextRef="#ctx0" brushRef="#br0" timeOffset="176316.68">26441 9543 0,'17'0'47,"1"0"31,0 0-62,-1 0-1,-17-18 1,18 18 0,0 0 93,-1 0-93,36-18-1,-35 18-15,70-35 16,-53 17-1,53 18-15,18-17 16,35-36 0,142 0-1,-89 18 1,-142 17-16,125 0 16,-89 1-1,18 17 1,-88 0-1,17 0-15,-18-18 16,72 18-16,-1-17 16,-53 17-1,142-18 1,-54 0 0,-88 18-16,89 0 15,87-17-15,-17-1 16,-70 0-1,35 1 1,-89 17-16,177 0 16,-53 0-1,-53-18 1,36 0-16,-107 1 16,54-1-16,-18 0 15,-36 18 1,-52 0 15,-1 0 32,1 0-32,0 0-16,-1-17 1,19 17-16,-19 0 16,89-18-1,-88 18 1,17 0-16,0 0 16,-17-17-1,0 17-15,-1 0 16,18 0-1,1 0 17,-19 0-32,19 0 15,-1-18 1,0 0-16,-17 18 31,52-17-15,-17 17-1,-35-18 1,0 18 0,-1 0 15,18 0-15,-17 0-1,35-35 1,-18 35-16,18-18 15,159 0 1,-53 1 0,70-1-1,-70 1 1,-124-1 0</inkml:trace>
+  <inkml:trace contextRef="#ctx0" brushRef="#br0" timeOffset="178596.8">26652 11201 0,'18'0'172,"17"0"-156,1-18-16,34 18 15,-17-18-15,71 1 16,-36-1-16,282-52 16,-264 34-1,264-52 1,-176 35-1,106 0-15,-123 0 16,-36 18 0,35 0-1,-105 35-15,35-18 16,-18 18 0,141-17-1,-35-1-15,-123 0 16,34 1-1,1-1 1,-53 0 0,18 18-1,70 0 1,-35-17-16,52-19 16,-52 19-1,-88 17 1,35-18-1,-36 18 1,36-17 0,-17 17-16,17-18 15,35 0 1,-53 1 0,18 17-1,-18 0 1,1-18-1,-19 18-15,18-18 16,1 18-16,52 0 0,0-17 16,-53 17-1,142-36 1,-124 19 0,-36 17 15,1 0-16,17-18 1,-17 18 0,0-18-1,-1 18 1,1 0 31,-1 0-32,-17-17-15,18 17 0,0 0 16,17-35 0,-17 17-16,17 0 15,-17 18 1,-1-17 0,1 17 15,-1-18 16,1 18-32,0-18 32</inkml:trace>
+  <inkml:trace contextRef="#ctx0" brushRef="#br0" timeOffset="180280.14">26864 12788 0,'53'0'156,"53"-17"-140,-18-1-16,35-17 15,-87 35 1,87-18-16,18 0 16,194-52-16,-70 35 31,-71-1-31,53 1 15,70-18 1,-264 35 0,141 1-1,-52-1-15,87-17 32,-35 17-32,-124 18 0,142-35 15,-18 17 1,177-35-1,-160 18 1,-87 17-16,70-17 16,-177 35-1,36 0 1,-17 0 0,-1 0-1,0 0 1,18 0-16,0 0 31,-35-17-31,-1 17 31,1 0-15,17-18 0,-17 18-16,52 0 15,19 0 1,-54 0-1,35 0-15,-52-18 16,35 18 0,0-17-1,35 17-15,-35 0 16,194-36 0,17 19-1,-193-1 1,0 18-16,-19 0 15,-16-18 1,-19 18-16</inkml:trace>
+  <inkml:trace contextRef="#ctx0" brushRef="#br0" timeOffset="182205.81">26776 14746 0,'0'-18'94,"53"18"-78,17-17-1,195-36 1,-124 35-16,247-70 16,-247 70-1,141-34-15,-105 34 16,246-70-1,-52 35 1,-107 0 0,124-18-16,-53 36 15,-194 17 1,265-17 0,-106 17-1,-177 1 1,142-1-1,-53 1 1,-177 17-16,106 0 16,-88 0-1,0 0 1,-18 0 0,-17 0-16,17-18 15,0 18 1,-17-18 15,0 18-15,-1 0-1,1 0-15,35 0 16,-35-17 0,-1 17-1,1 0 1,-1 0 31,19 0-32,-1 0 1,-17 0-16,52 0 16,-17-18-1,-35 18 1,-18-18 15,17 18-15,1 0 15,0 0 0,-1 0-31,1 0 31,-18-17-15</inkml:trace>
+  <inkml:trace contextRef="#ctx0" brushRef="#br0" timeOffset="185146.81">23848 5962 0,'17'0'47,"-17"-18"-31,18 18-1,0 0 1,-1 0 0,1 0 30,0 0-30,35 0 0,-18 0-1,-18 0-15,54 0 16,52 0 0,-34 0-1,-36 0 1,35 0-1,-71 0-15,1 0 0,0 0 32,-1 18-17,1-18 1,17 0 0,1 18-1,16-1-15,-34-17 0,0 18 16,35-1-1,-18 1 1,0 0 0,18-1-1,-18 19 1,1-36-16,-19 17 16,19 1-1,-19 0 1,18-1-1,1 1 1,52 35 0,-17-18-1,-54-17-15,18-18 16,-17 17 0,0-17-1,17 0 1,-17 36-16,35-36 15,-18 53 1,0-53 0,0 17-1,-17-17 1,0 18 0,-1-1-16,1-17 15,0 0 1,-18 18 31,17-18-32,1 0-15,0 0 32,-18 18-17,17-18 1,18 17-1,-35 1 1,18-18-16</inkml:trace>
+  <inkml:trace contextRef="#ctx0" brushRef="#br0" timeOffset="186086.88">25471 6103 0,'17'18'78,"18"-1"-62,-17 19-16,35-1 15,-35 0-15,-1-17 16,54 35 0,-1 35-1,-52-53-15,0-17 0,35 17 16,-36 0-1,36 36 1,-35-71 0,-1 35-1,-34-17 220,-54 0-235,-17-1 15,18 1 1,-36-1-16,0 19 16,35-19-16,-123 36 15,35 0 1,124-53-1,-18 18 1,18-18 0,17 0-1</inkml:trace>
+  <inkml:trace contextRef="#ctx0" brushRef="#br0" timeOffset="190657.91">24059 13018 0,'0'-18'0,"0"0"32,0 1 14,0-1-14,18 18-17,0 0 1,-1 0 0,1 0-1,0 0 1,-1-18 15,1 18-31,17-35 16,71 0-1,-35-18 1,17-18-16,-53 54 16,53-19-16,18-17 15,0-17 1,17 17-1,-34 18 1,16-18 0,-34 0-1,-36 53-15,18-35 16,-35 17 15,-1 18 16,-17-18-47,18 1 16,0 17-16,-18-18 15,35 18 1,-35-18 0,18 18-1,-36 0 79</inkml:trace>
+  <inkml:trace contextRef="#ctx0" brushRef="#br0" timeOffset="191504.67">24059 13282 0,'18'0'109,"0"0"-109,35-35 16,-36 35-16,142-71 15,-106 54 1,88-36 0,159-88-1,-230 123 1,72-70-16,-19 35 15,-52 18 1,-54 17 0,36 0-16,-35 1 31,35-1-31,-53 0 16,70-17-16,-52 17 15,17-17 1,0 0-1,1 17 1,-19 1 15,-17-1 1,18 18-17,-18-18 1,0 1-1,18 17 1,-18-18-16,0 0 0</inkml:trace>
+  <inkml:trace contextRef="#ctx0" brushRef="#br0" timeOffset="192256.88">25012 11765 0,'18'0'62,"87"0"-46,-16 18 0,-1 17-16,141 53 15,-158-52 1,87 34 0,-87-17-1,-36-35-15,-17-1 16,0 1-16,-1 17 15,1-17 1,-1-1 0,-17 1-1,0 17 17,0-17-32,0 17 0,0-17 15,-70 52 1,17-17-1,-18 53 1,19 18 0,-1-36-16,0 18 15,17-18 1,19-88 0,-1 53-1</inkml:trace>
+  <inkml:trace contextRef="#ctx0" brushRef="#br0" timeOffset="193404.93">28504 15928 0</inkml:trace>
+  <inkml:trace contextRef="#ctx0" brushRef="#br0" timeOffset="194350.84">22842 16986 0,'0'-17'15,"18"-1"-15,0 18 16,-1-18 0,19 1-1,-19-1 1,89-35 0,-71 36-16,124-54 15,-71 36 1,-35-1-1,53-17-15,-53 36 16,70-36 0,36-35-16,0 35 15,35-18 1,18-35 0,-54 53-1,-17-17 1,-105 52-1,158-70-15,-106 35 16,-35 36 0,53-36-1,-18 0 1,-35 35 0,53-35-1,-89 36-15</inkml:trace>
+  <inkml:trace contextRef="#ctx0" brushRef="#br0" timeOffset="195874.11">23178 17074 0,'-18'0'78,"18"18"-62,-18-18 0,1 0-1,-1 0-15,0 0 31,36 0 126,17-35-142,53 0-15,-52-1 16,70-17 0,123-70-1,35 17-15,-211 71 16,159-36-1,-89 18 1,-87 36-16,17-1 16,35-17-1,18-1 1,-89 19-16,54-1 16,-36 1-1,-35-1 1,18 18-16,-1 0 15,36-18 1,-53 1 0,71-1-16,-36 0 15,18 1 1,35-36 0,-70 53-1,17-36 1,0 36-1,1-35-15,-19 35 16,1 0-16,17-17 16,-17-1-1,0 0 1,-1 18 0,1-17-1,0 17 1,-18-18 109,17 18-110,-17-18 1,18 18-16</inkml:trace>
+  <inkml:trace contextRef="#ctx0" brushRef="#br0" timeOffset="196628">25065 15328 0,'17'0'125,"19"0"-125,34 18 15,19 17-15,-19 0 16,36 18-16,0-17 16,17 34-1,-70-35 1,-18 1-16,1-19 16,-19 19-1,1-19-15,17 36 16,-35-35-1,18-1 1,-18 1 0,0 0-1,0-1 1,0 1-16,-18 35 16,1-35-1,-1 17 1,0-35-16,1 35 15,-19 0 1,-16 18 0,34-35-16,-35 52 15,18-52 1,-36 53 0,53-54-1,-52 19 1,-1-19-1,-17 19-15,-141 34 16,-459 89 15</inkml:trace>
+  <inkml:trace contextRef="#ctx0" brushRef="#br0" timeOffset="197742.79">20690 16369 0,'0'0'0,"0"-18"0,-35 1 16,18-1-1,-1 18-15,-35-18 16,35 18-1,1 0 17,-1 18-17,18 0 1,0 87 0,0-69-16,0 17 15,0 17 1,0-35-1,35 54-15,1-36 32,52 17-32,-53-52 15,-17-18 1,-1 0 0,1 0 15,-18-18-31,35-52 15,1-1 1,16-105 0,-16-18-1,-36 70 1,0-88-16,-18 89 16,0 17-1,1 71-15,-1 0 16,1-36-1,-1 53 1,18 36 47,0 17-48,0 1-15,0 17 16,35 88-1,-17-106-15,52 177 16,-52-177 0,0 53-16,35 0 15,-36-17 1,18-54 0,-35 1-1</inkml:trace>
+  <inkml:trace contextRef="#ctx0" brushRef="#br0" timeOffset="198431.95">21202 16263 0,'18'0'47,"-1"0"-47,1 0 16,17 0-1,-17 0 1,-1 0 0,1-18-1,0 1 1,-18-36 0,0 18-16,17 17 15,-17 0-15,0 1 16,-17 17 15,-1-18-15,-35 18-1,35 0-15,1 0 16,-1 18 0,18 17-1,-17 0 1,17 0-1,0-17 1,0 0-16,17-18 16,1 17-1,-1 1 17,1-18-17,0 18 1,17-18-16,36 0 15,-18 0 1,-36 0 0,36 0-1,-35-18 1,-18 0-16,17 1 16,-17-54-1</inkml:trace>
+  <inkml:trace contextRef="#ctx0" brushRef="#br0" timeOffset="199142.81">21414 15946 0,'0'52'47,"0"-16"-47,0-1 16,0 0-16,0 1 15,17-1 1,1 18-16,0-36 16,17 19-1,0-19-15,-17 1 16,-1-53 78,-17 17-79,0-17-15,0-36 16,0-17-16,-17 0 15,-19-18-15,19 71 16,-1-36 0,-17 1-16,35 52 15,0 0 1,0 36 62,35 35-62,0 17-16,18-34 15,-17-1-15,-1 36 16,71 52 0,-89-105-16,19 35 15,-36-18-15,35-18 16,-17-158 62</inkml:trace>
+  <inkml:trace contextRef="#ctx0" brushRef="#br0" timeOffset="199444.79">21855 15928 0,'17'0'47,"1"0"-47,-18 18 15,18-1-15,17 1 16,-35-1-1,17-17-15,1 36 16,0-19-16,17 19 16,-35-19-1,0-34 32,-106-160-31</inkml:trace>
+  <inkml:trace contextRef="#ctx0" brushRef="#br0" timeOffset="199648.89">21696 15522 0,'17'0'109</inkml:trace>
+  <inkml:trace contextRef="#ctx0" brushRef="#br0" timeOffset="200481.13">22154 15540 0,'-17'0'94,"-1"18"-94,1 17 15,17-18-15,-18 19 16,0-1 0,18-17-16,0 17 15,0-17 1,0 17 0,0-18-1,0 1-15,0 0 16,18-1-1,17 1 1,-17-18 0,17 35-1,18-35 1,0 0 0,0 0-16,53 0 15,-71 0 1,53-35-1,-53 17 1,1-52-16</inkml:trace>
+  <inkml:trace contextRef="#ctx0" brushRef="#br0" timeOffset="201085.83">22613 15505 0,'0'0'0,"-71"0"16,54 0-16,-36 17 16,35 1-1,-17 17 1,17-17-16,18-1 16,-17 19-1,17-1-15,0-17 0,0-1 16,0 1-1,0 17 1,0-17 0,17-18-1,-17 17 1,36-17-16,17 0 16,-1 0-1,-16-17 1,-1-71-1,-17 52 1,-18 19 0,17-1-16,1 18 125,-18 18-125,18-18 15,-1 17-15,1-17 16,-18 18-16,18-18 16,-18 18-16,52-18 15,-16-18 1,-19-35-1</inkml:trace>
+  <inkml:trace contextRef="#ctx0" brushRef="#br0" timeOffset="201426.88">22754 14905 0,'0'17'31,"0"1"-31,18 17 16,-1 18-16,-17-17 16,53 52-1,-35-35 1,-18 0-16,53 88 15,-35-88-15,-18-18 16,35 18 0,-35-35-1</inkml:trace>
+  <inkml:trace contextRef="#ctx0" brushRef="#br0" timeOffset="201778.88">22772 15328 0,'35'-17'63,"18"-1"-48,-35 0-15,-1 1 16,1 17-16,17-18 31,-17 18-31,-1-18 16,1 18-1,0-17 1</inkml:trace>
+  <inkml:trace contextRef="#ctx0" brushRef="#br0" timeOffset="203268.27">23125 15152 0,'0'0'0,"17"0"15,-17-18-15,36 18 16,-19-17 0,1 17-1,-1-18-15,1 0 0,17-17 31,1-18-15,-19 18 0,1 17-1,-53 18 48,-1 0-63,1 0 15,0 18 1,0-1-16,-1 19 16,19-19-16,-19 72 15,19-89 1,-1 52 0,18 1-1,18-17 1,17-19-16,-17-17 15,-1 18 1,1-18-16,0 0 16,17 18-1,0-18 1,18 0 15,-18 0-31,1 0 16,16-36-1,-16 1 1,-19 35-16,-17-35 16,36-18-1,-19 18-15,1 17 16,-18 0 0,0 1-1,0-1 1,-18 18-1,1 0 17,-19 0-32,-17 0 15,36 0 1,-18 0 0,17 18-16,18-1 15,-18-17-15,18 18 16,0 17-16,0-17 15,0 17 1,18 53 0,0-52-1,17-1 1,-18 0 0,1-17-1,17-18 1,-17 0-1,17-71 1,-17 18 0,0-70-16,-18-54 15,0 107 1,0 52-16,0-17 16,-18-18-1,0 18 1,1-1-1,-19 1-15,19 35 32,34 35 61,1 18-77,0 0-16,-1 18 16,-17-36-16,18 18 15,-18-18 1,35 54-16,-35-54 16,0 0-1,18-17 1,-18-1-1,0 1 17</inkml:trace>
+  <inkml:trace contextRef="#ctx0" brushRef="#br0" timeOffset="205810.69">16528 16669 0,'0'17'47,"17"19"-32,1 52-15,0-35 16,17 17-1,-18 1-15,19 52 16,-19-52 0,1-71-1,-18-35 48,0-54-48,-18-16-15,1 16 16,17 1-16,-18 35 16,18 0-1,0-17 1,18 35-16,-18 17 0,35 0 16,0-35-1,-17 36 1,0 17-16,-1-18 15,1 18 1,0 0-16,17 0 16,53 53-1,18 53 1,-71-71 0,106 142-1,-88-89 1,-53-71-1,18 1-15</inkml:trace>
+  <inkml:trace contextRef="#ctx0" brushRef="#br0" timeOffset="206469.82">17445 16792 0,'17'0'0,"1"0"32,0-17-1,-1 17-15,1-18-1,0 0-15,-1-17 16,19 0-1,-19-1-15,-17 1 16,0 18 15,-17 17 47,-1 0-62,18 35-16,-18-18 16,1 36-16,17-35 15,0 0 1,0-1 0,17 1-1,1-18 1,0 0-1,17 18-15,0-18 16,-17 0 0,52 0-1,-34 0 1,17-18 0,-1 0-1,-34 1-15,-18-1 16,18 18-1,-1-106-15</inkml:trace>
+  <inkml:trace contextRef="#ctx0" brushRef="#br0" timeOffset="207577.33">17780 16192 0,'18'18'32,"-1"17"-17,36 18-15,-35-35 16,35 70 0,-53-70-1,17-1-15,1 19 16,-18-19-1,0 1-15,-18-18 79,1 0-79,-1 0 15,-17 0 1,17 0-1,18-18-15,-17 18 32,17-17-17,-18 17-15,18-18 0,0 0 32,0 1-17,18-1 1,-1 1-1,36-19 1,-53 19-16,35-1 0,-17 0 31,0 1 32,-1-1-48,-17 0 17,18 18 30,0 0-46,-1 18-1,19 0 1,-19-1 0,18-17-16,-35 18 15,36-18 1,-19 0 15,-17-35-15,18-1-1,-18 19 1,18 17-16,-18-18 16,17 18 31,1 0-32,0 0 1,-1 0-16,1 0 15,-1 0 1,19-18 0,-19 1-1,1-36 1,-18 18-16,18 17 0,-18-17 16,0-1-1</inkml:trace>
+  <inkml:trace contextRef="#ctx0" brushRef="#br0" timeOffset="208883.93">17498 17480 0,'-18'0'15,"0"0"32,-17 0-31,18 0-16,-19 35 16,19-17-1,17 0 1,0-1 31,17 1-32,19 53-15,-1-36 16,71 53 0,-36-35-1,-34 0-15,34-18 16,-35 36-1,-35-54 48,-17-17-32,-19 0-15,19 0-1,-1 0 1,1 0-16,17-17 16</inkml:trace>
+  <inkml:trace contextRef="#ctx0" brushRef="#br0" timeOffset="209516.89">17903 17533 0,'18'0'47,"17"18"-31,-17 17-1,35 18 1,-35-18 0,-18-17-16,17 17 0,1 18 15,-18-35 1,0-1-16,0 1 31,-35-18-15,17 0-1,-35-18 1,35 18-16,1-17 16,-54-1-1,71 0 79,0 1-78,0-1-1,35 18-15,-17-35 16,17 17-16,1 18 15,-19-17 1</inkml:trace>
+  <inkml:trace contextRef="#ctx0" brushRef="#br0" timeOffset="211378.09">18203 18362 0,'18'0'16,"0"18"-16,17 17 15,18 71 1,-36-53 0,19 0-1,-19 35 1,-17-71-1,-70-69 79,-1-37-94,36 36 0,0 18 16,17-18-1,-17 0 1,35 36-16,0-54 16,17 18-1,19 18 1,52-18 0,0 18-1,-53 35 1,-17-18-16,0 18 31,-18 18-15,0-1-1,0 1 1,0 35 0,0-35-16,17-1 125,1-17-125,35 36 15,0-36-15,17 0 16,1 0-1,-36 17 1,18-17-16,-35 18 0,17-18 16,-17 0-1</inkml:trace>
+  <inkml:trace contextRef="#ctx0" brushRef="#br0" timeOffset="-194897.92">900 6685 0,'0'18'31,"0"-1"-16,0 19 1,0-1 0,0 0-16,0 18 15,35 71-15,-18 52 16,1-123 0,0 70-1,-1 19 1,1 52-16,0-106 31,-18-35-31,0-36 16,0-34 77,0-19-77,-18-34-16,-17 35 16,17-54-16,-17 54 15,-18-71-15,-18-123 16,36 17 0,17 159-1,18 0 1,0-88-1,0 36 1,0 52-16,18-18 16,-18 53-16,35-52 15,1 52 1,-36 1 0,17-1-1,1 18 16,0 0-15,34 0-16,19 0 16,-18 0-16,-35 0 15,35 0 1,-36 0 0,18 18-16,-17 17 15,0 88 1,-18 54-1,0-89 1,-36 0-16,19-35 16,-18-18-1,-1 1-15,19-36 16,-1 0 0,0 0 30</inkml:trace>
+  <inkml:trace contextRef="#ctx0" brushRef="#br0" timeOffset="-194239.99">1429 7161 0,'17'0'63,"1"0"-48,17 36 1,1-19 0,-36 1-1,17 17-15,1-17 16,0-18 62,-18-18-47,0 1-31,17-19 16,1-17-16,-18 0 15,35-35-15,-17 35 16,17 18-16,-17 0 16</inkml:trace>
+  <inkml:trace contextRef="#ctx0" brushRef="#br0" timeOffset="-193883.96">1958 6985 0,'0'18'15,"18"-1"1,-1 1 0,-17 0-16,0-1 0,0 18 15,0-17 1,0 0 0</inkml:trace>
+  <inkml:trace contextRef="#ctx0" brushRef="#br0" timeOffset="-193228.28">1782 6703 0,'0'17'47,"0"1"-31,52 0-1,-52-1 1,18-17 0,0 0 30,17-70-30,-17 52 0,-1-35-1,-17 18 1,0 0 0,0 17-16,0 0 31,0 1-31,-17 17 15,-1 0 1,-17 0 0,17 0-1,0 35-15,1 0 16,-1 1 0,18-19-1,0 19 1,18-1-1,-1-18 1,1 1-16,0 0 16,-18-1-1</inkml:trace>
+  <inkml:trace contextRef="#ctx0" brushRef="#br0" timeOffset="-192706.39">2081 6826 0,'18'0'15,"0"0"-15,17 71 31,-35-54-31,35 19 0,-17-19 16,-1 19 0,19-19-1,-1 1 1,-17-18 0,-1 0-1,1 0-15,17-71 16,18-17-1,-35 53 1,17-36 0,-17 36-1,-18 17 1</inkml:trace>
+  <inkml:trace contextRef="#ctx0" brushRef="#br0" timeOffset="-191921.21">2681 6650 0,'0'0'0,"-35"0"16,0 35-16,17 0 16,0-17-1,1 35-15,17 0 16,0-18 0,0 0-1,17-17 1,1 0-1,0-18 1,17 0 0,-18 0 15,36-18-31,-35-17 16,35-36-1,-18 1 1,-17 52-16,0-52 15,-18 52 1,17 18 47,18 35-32,-35-17-31,18 17 15,0-35 1,-1 35 0,-17-17-1,0 0-15,18-54 47,0-34-31,-1-89-16</inkml:trace>
+  <inkml:trace contextRef="#ctx0" brushRef="#br0" timeOffset="-191575.94">2999 6262 0,'0'17'31,"0"1"-31,0 17 16,17 1-16,1-1 15,0 0 1,-1 0-16,1 1 0,17-1 16,-35-17-1,0 17 1,18 0-1,-18-17 17,0 0-17,-18-18 17</inkml:trace>
+  <inkml:trace contextRef="#ctx0" brushRef="#br0" timeOffset="-191232.83">2946 6544 0,'0'-35'16,"35"35"-16,-17 0 15,35-18-15,-36 0 16,1 18 0,17 0-16,0-17 15,-17 17 1,17 0-1,-17-18 1,0 18-16</inkml:trace>
+  <inkml:trace contextRef="#ctx0" brushRef="#br0" timeOffset="-190441.67">3404 6421 0,'18'0'31,"0"0"1,-1 0-17,-17-18 1,18 0 0,-1 18-16,-17-17 15,0-1 1,0 0-1,0 1 1,0-19-16,0 19 16,-17 17 31,-1 0-32,1 0-15,-19 0 16,1 53-1,35-18 1,0-17 0,0 17-1,0-17-15,0-1 16,0 1-16,0-1 16,18-17-1,-18 18 1,35 0-1,0-18 1,53 17 0,-70-17-1,17 0 1,-17 0 0,0 0-1,-1 0 1,1 0-1,0 0 1,-18-17 0,17-1-16,1 18 15,-18-18-15,0 1 32</inkml:trace>
+  <inkml:trace contextRef="#ctx0" brushRef="#br0" timeOffset="-187419.6">476 8167 0,'36'0'125,"16"0"-125,72 0 16,105-53-1,-52 35-15,-54 1 16,71-1-16,177-35 15,-213 35 1,-87 1-16,70 17 16,53-18-1,-123 1 1,-19 17 0,1-18-16,-35 18 15,88-18 1,-36 18-1,142-35 1,123-53 0,-141 52-1,-17 19-15,-19-36 0,89 0 16,-123 0 0,-1 18-16,-70 17 15,71-35 1,34-35-1,-122 70 1,52-35-16,-53 36 16,0-1-16,-35 1 15,18-1 1,-18 0 15,0 1-15,0-36-1,0-35 1,0 35 0,0-88-1,-35-18 1,-1 71-16,-16-124 16,16 106-16,-34-70 15,17-18 1,18 88-1,17 0 1,18 71 0,-18-1-16,1 36 218,-36 0-202,-35-17 0,-36-1-16,-17 18 15,-53-17-15,-159-1 16,212 18 0,-300-18-1,53 18 1,194 0-1,-106 0 1,36 0-16,175 0 16,-122 36-1,52-19 1,35 18 0,54-17-1,-71 0 1,70-1-16,-105 19 15,123-1 1,18-35-16,-36 18 16,-105 52 31,158-70-47,-17 18 15,-53 17 1,17-17-16,0 17 15,36-35 1,-53 35 0,88 0-16,0-17 15,0 0 1,0-1 0,0 1 77,0 0-61,0-1-17,0 1 1,0 35-16,0-35 0,0 17 15,0 53 1,0 35 0,0-87-1,0 52 1,0 0 0,0-35-16,0 35 15,0-35 1,0-18-16,0 54 15,18-19 1,-1 18 0,-17-70-16,0 35 15,0 17 1,0-52 0,18 70-1,-18-52 1,18 34-1,-18-17-15,0 0 16,17-18 0,-17 1-16,18 16 15,-18-34 1,35 35 0,-35-35-16,0-1 78,18 1-78,-1-18 15,-17 35-15,18-17 16,0 35-16,35 17 16,0 19 15,-53-54-16,17-35-15,-17 17 16,35-17 93,1 0-93,17-17 0,17 17-16,36-35 15,-53 17-15,70 0 16,1-17 0,52-18-1,1 18-15,-89 17 16,35 18-1,-70-17 1,0 17-16,0 0 16,-18 0-16,36 0 15,-1 0 1,-34 0-16,-19 0 16</inkml:trace>
+  <inkml:trace contextRef="#ctx0" brushRef="#br0" timeOffset="-185418.91">27376 2787 0,'35'35'78,"-18"-17"-62,1 0-16,0-1 15,17 1 1,0 17 0,89 36-1,-54-36 1,36-17-16,-18-1 16,-35 1-16,-35-18 15,17 0 16,36-71-15,-36 36 0,18-88-1,-18-19 1,-17 37-16,35-89 16,-36 141-1,36-53 1,-17 70-1,-36 19 32,17 17-47,1 0 16,0 0 0</inkml:trace>
+  <inkml:trace contextRef="#ctx0" brushRef="#br0" timeOffset="-183872">3246 5662 0,'17'0'109,"-17"35"-109,35 1 16,-35-19 0,36 19-16,-1 16 15,36 1 1,-71-17-1,17-19 1,18 19 0,-17-36-1,0 17-15,-1-17 16,1 0 0,0 0-1,17 0 1,18 0-1,17 0-15,19-35 0,122-106 16,-105 70 0,229-140-1,-211 158 1,87-88 0,-69 70-1,-107 53-15,-18 1 31,1 17 16</inkml:trace>
+  <inkml:trace contextRef="#ctx0" brushRef="#br0" timeOffset="-176141.99">29422 17145 0,'0'-35'78,"0"17"-78,0-52 32,0-1-32,0 18 15,0 18-15,0 0 16,0-18-16,17 17 16,-17-34-16,0 17 15,0 0 1,0 18-1,0-18 1,0 17 0,18 36-16,-18-17 15,0-1 63,0 1-62,0-1-16,0-17 0,18-18 16,-18 0-1,17 17-15,-17 19 16,0-18 0,0 17 46,0 0-46,0 1-1,0-1-15,0 0 16,18 18 0</inkml:trace>
+  <inkml:trace contextRef="#ctx0" brushRef="#br0" timeOffset="-174856.82">29510 15998 0,'-18'0'31,"1"0"-15,-72 36-1,36 17-15,-35-18 16,-70 88 0,69-70-1,-17 0-15,18 18 16,35-36-16,-70 71 15,105-106 1,18-35 140,36-36-156,-19 36 16,54-53-16,-36-1 16,53 1-1,-35 53 1,35-53-1,1 17-15,-72 54 16,1-1-16,-1 0 16,1 1-1,0-1 1,-1 18 0,1 0-1,-18-18-15,18 18 63,-1 0 46,19 0-93,-1 18-1,88 70-15,-34-35 16,140 141 0,-141-141-1,35 35 1,-52-17-1,-36-54-15,1 1 16</inkml:trace>
+  <inkml:trace contextRef="#ctx0" brushRef="#br0" timeOffset="-136003.97">11183 5521 0,'0'-18'140,"18"18"-108,17 0-32,-17-17 15,17 17 1,-17-18 0,17 0-1,18 1-15,-36 17 16,36 0-16,-35 0 0,0-18 15,52 1 1,18 17 0,36-18-1,-1 0-15,71 1 16,53-19 0,-159 36-1,230-35 1,-89 17-1,71-17 1,-71 17-16,-176 18 16,106-35-1,-141 35 1,-1 0 218,1 35-218,0 36-16,-1 0 0,-17 52 16,36 18-1,-1 18-15,-18 35 16,36 229-1,-17-123 1,-19-194-16,1 106 16,17-89-1,-35-52 1,0-36 0,-17-35 140,-36 0-156,-36 0 15,1 18-15,-71-18 16,-193 17 0,193 1-16,-264 17 15,193-17 1,-140 17 0,17 0-1,265-17 1,-124 0-1,177-18-15,35 17 16,-18-17 0,1 0 15,-1 0 0,0 0-31,-17 0 16,-35 0-16,-89 0 15,53 18 1,-70 0 0,35-1-1,105-17-15,-52 0 16,-18 18 0,89-18 15,-1-35 125,0-36-140,18 36-1,-17-18-15,17-35 16,-18-1 0,0-16-16,1 52 0,-36-124 15,35 54 1,-17 17-1,-18-53 1,35 106 0,18 18-16,-17-18 15,-1 0-15,0 18 16,18 0 0,0-1-1,0 19 1,0-1-1,0 0 1,0 1-16,0-1 31,0 0-15,18-17 0,0 18-1,-1 17 1,1-18-16,0 0 15,-1 1-15,54-19 16,-54 19 0,54-19-1,-18 36 1,18-17 0,-1 17-1,54-18-15,52-17 16,-35 17-1,194-35 1,-123 18 0,-89 17-16,-34 1 15</inkml:trace>
+  <inkml:trace contextRef="#ctx0" brushRef="#br0" timeOffset="-134845.59">11271 6473 0,'0'18'31,"0"0"-15,0-1-16,18 19 15,17 34-15,-17 89 32,17-106-17,-35 17-15,18 1 16,-1 0 0,-17-89 77,0-17-77,-35-36-16,17 53 16,1-52-1,-36-89 1,18 53-16,35 89 15,-18-54 1,18 53 0,0 1-16,0-1 15,0 1 1,0-1 0,18 0-1,-1 1-15,1 17 0,35-36 16,-36 19-1,19 17 1,-19-18 0,1 18 15,0 18-15,-1-1-16,1 19 15,0-1 1,-18-17-1,17-1-15,-17 1 0,0-1 16,0 1-16,0 17 31,-17-17-15,-36 17 0,17 1-1,19-36-15,-1 0 16</inkml:trace>
+  <inkml:trace contextRef="#ctx0" brushRef="#br0" timeOffset="-134232.68">11748 6650 0,'0'0'0,"0"18"0,-18-18 16,18 17-16,-18 1 16,18-1-1,0 19-15,18 34 16,35-34 0,-18 16-1,0-52-15,-17 18 16,0-18-1,-1 0 17,-17-18-17,18-17 1,0-18 0,-18 18-16,17-36 15,-17-52 1,0 88-16,0-54 15,0 54 1,-17 18 0</inkml:trace>
+  <inkml:trace contextRef="#ctx0" brushRef="#br0" timeOffset="-133460.83">11959 6262 0,'0'35'32,"18"0"-32,-1 18 15,19 35 1,17 18 0,0 35-1,-36-88-15,1 18 16,-1-53-1,-17-36 79,0-35-78,0 35-16,0-17 15,0 0-15,-17-18 16,17 35 0,0-17-16,0 17 31,17 18-31,19-17 16,-19 17-1,89 0 1,-88 0-1,17 0-15,-17 0 0,17 0 16,0 70 15,-35-34-15,0 34 0,0-17-16,-35 0 15,-53-18 1,70-17-16,-17-1 15,-53-17 1,70 0 0,0 0-1,1-52 1</inkml:trace>
+  <inkml:trace contextRef="#ctx0" brushRef="#br0" timeOffset="-133012.21">12506 6244 0,'0'0'0,"35"0"0,-35 18 16,53 35-1,-18-18 1,1 0-16,-19 36 16,54 17-1,-36-17-15,18-1 16,-35-52 0,17 17-1,-35-17 1</inkml:trace>
+  <inkml:trace contextRef="#ctx0" brushRef="#br0" timeOffset="-132685.04">13018 6526 0,'17'0'16,"1"0"-16,-1 18 15,1 0 1,0-18 0,-18 17-1,0 1 48</inkml:trace>
+  <inkml:trace contextRef="#ctx0" brushRef="#br0" timeOffset="-132464.74">12894 6227 0,'35'0'78,"18"35"-78,-17-35 16,34 35 0</inkml:trace>
+  <inkml:trace contextRef="#ctx0" brushRef="#br0" timeOffset="-132019.98">13635 6473 0,'-35'-17'15,"-1"-1"-15,19 18 0,-1 0 16,-17-17-16,-1 17 16,1 0-1,18 0 1,-1 17 0,18 1-16,0-1 15,0 19 1,18-1-1,17 18 1,-18-35 0,36-1-1,-17 1-15,-1 0 16,0-18 0,-17 0 15,-18-18-31,17 18 15</inkml:trace>
+  <inkml:trace contextRef="#ctx0" brushRef="#br0" timeOffset="-127179.75">3616 7003 0,'18'0'110,"17"0"-110,18 0 15,70 0 1,18 0-16,18 0 15,141-18 1,317-17 0,-70-18-16,88 35 15,-123-35 1,-89 36 0,-247-1-1,-17 18-15,-124 0 0,159-18 31,-123 18-31,17 0 16,-52 0 0,16 0-1,90 0 1,-125 0 0,89 0-16,88-17 15,0 17 1,-141-18-1,159 18 1,-18-18 0,-36 1-1,1 17-15,123-18 16,-193 18 0,193-17-1,-159-1 1,-35 18-1,-70 0 1,-18-18 234,-53 18-250,0 0 16,0 0-16,-35 0 15,18 0-15,-54 0 16,18 0 0,-17 0-16,-18 0 15,-194 18 1,-53 35-1,229-53-15,-88 35 16,106-35 0,53 0-1,-18 0 1,53 0 0,18 0-16,-89 18 15,18-18 1,-317 35-1,229-17 1,123-18 0,-405 35-1,176 0-15,71 0 16,-89-17 0,71 0-1,53-1 1,89 1-1,-54 0 1,106-18-16,-159 0 16,-17 0-1,176 0 1,-141 17 0,35-17-1,124 0 1,-36 0-1,18 0-15,-17 0 16,35 0 0,-18 0-1,35 0 1,36 0 187,17 0-187,88 0-16,-17 0 15,106 0-15,0-35 16,-54 17 0,407-17-1,-71 0 1,-265 17-16,124-17 15,-177 17 1,-88 1-16,18 17 16,-18-18-1,-17 18 1,-18 0-16,0 0 0,70 0 16,-52 0-1,123 0 1,53-18-1,-88 18 1,-36-17 0,106 17-16,-88-18 31,-35 18-31,-88 0 0,52 0 16,1 0-1,-36 0 1,89 0-1,52 0-15,-123 0 16,159 0 0,-142 0-1,177 0 1,-70 0 0,-107-18-16,-17 18 15,-35 0 16,-1 0 16,1 0 16,0 0-48,-1 0-15,19 0 32,-19 0-32,36 0 15,0 0 1,88 0 0,-35 0-16,-53 0 15,53 0 1,70-17-1,-35-1-15,-158 18 250,-36 0-250,-18 0 16,36 0-16,-71 0 16,-17 0-16,17 0 15,-106 0 1,36 0 0,-54 0-1,36 0 1,141 0-16,-105 0 15,52 0 1,53 0 0,-18 0-1,36 0 1,17 0-16,-70 0 16,35 0-1,-35 0 1,35 0-16,18 0 15,-159 0 1,106 0 0,-124 0-16,89 0 15,70 0 1,-159 18 0,89-1-1,70-17 1,-247 36-1,123-36-15,72 0 16,-107 17 0,-35 1-1,0-18 1,53 18 0,18-1-1,105-17-15,-105 18 16,-18-18-1,123 18 1,-88-18 0,89 0-1,17 0-15,0 0 16,-35 0-16,17 0 16,-35 17-1,0-17 1,36 0-1,52 0 1,1 0 297,-19 0-298,1 0-15,0 18 16,-36-18-16,1 17 15,17-17-15,0 18 16,35-18-16,-70 0 16,70 0-1,-17 18 1,17-18 234,18 17-234,-17-17-16,-1 0 0</inkml:trace>
+  <inkml:trace contextRef="#ctx0" brushRef="#br0" timeOffset="-126085.97">5891 6121 0,'18'0'78,"0"0"-78,-1 35 15,36-17-15,-35 17 16,17-17 0,0-1-16,-17 1 15,0-18-15,-18 17 16,17-17 0,1 0 15,0 0-16,-1 0 1,1 0 15,-18-17-15,18-18 0,-1 17-1,-17-35-15,18 18 0,-18-1 16,17-34-1,-17 35 1,0 17 0,0 0-1</inkml:trace>
+  <inkml:trace contextRef="#ctx0" brushRef="#br0" timeOffset="-125201.89">6456 5944 0,'17'36'0,"19"-19"16,-36 18-16,17 1 15,1-1-15,0 18 16,-1 35-1,1-53 1,-18-17 0,-18-18 62,18-18-63,-35-34-15,35 34 16,-18-35-16,1 0 16,-1 53-1,18-35 1,0-1 0,0 19-1,0-1 1,0 1-1,18-1 1,-1 0-16,36-17 16,-17 35-1,-1-18 1,18 1 0,-36 17-1,1 0 1,0 0-1,-1 17 1,1 1 0,-18 17-1,0-17 1,0 0 0,-18 17-16,-52 18 15,35-18 1,-36 18-1,18 0-15,35-53 16,18 18 0</inkml:trace>
+  <inkml:trace contextRef="#ctx0" brushRef="#br0" timeOffset="-124362.03">6897 5927 0,'0'17'31,"17"36"-16,-17-35-15,0 17 16,18 18 0,-18-35-1,0-1 1,0 1 0,0-36 46,-18-35-46,18 18-16,0-18 15,0 36-15,0-36 16,0 35 0,0 0-1,18-17 1,0 17-1,17 18 1,-17 0-16,-1 0 16,19 0-1,-19 0 1,1 0 0,-1 0-1,1 18-15,0 0 16,-1-1-16,19 36 15,-19-35 1,-17 17 0,18 0-1,-18-17 1,0 0 0</inkml:trace>
+  <inkml:trace contextRef="#ctx0" brushRef="#br0" timeOffset="-116858.02">3087 5468 0,'17'0'125,"1"18"-109,0-1-1,17 19 1,0-19-1,1 36 1,-36-18 0,17-35-16,1 18 15,-1 17 1,1-35 0,-18 18-1,18-18 1,-1 18-1,-17-1-15,18-17 16,-18 18 0,18 0-1,17 17 1,0 0 15,-17-17-31,17 17 16,-17-17-1,-1-1 1,1 1 0,0-18 156,-1-35-157,19 17-15,17-17 16,-18-1-16,18 1 15,17-18-15,-34 36 16,-1-19 0,53-34-1,-70 70-15,17-18 16,-35 1 0,35-1-16,-35 0 0,36 1 15,-19 17 1,1-18-1,-1 0 1,19 1 0,-1-1-16,-17 0 15,17 1 1,-17-1 0,17 1-1,18-19 1,-18 19-1,18-19-15,-35 36 16,17-17 0,0 17-1,-17-18 1,-1 18 0,1-18-1,0 18-15,17-17 16,35-19-1,-52 36 1,70-52 0,-70 52-16,0-18 15,17 18-15,-17-18 16,-1 1 0,1 17-1,-1 0 16,-17-18-15,18 18-16,0 0 156,-1 0-156,-17 18 16,18-1-16,-18 1 16,0 0-1,35-1-15,-35 1 0,36 17 16,-36 0-1,35 36 1,-35-53 0,17 35-1,1-18 1</inkml:trace>
+  <inkml:trace contextRef="#ctx0" brushRef="#br0" timeOffset="-114923.84">3104 5274 0,'0'18'32,"0"-1"-32,0 1 15,36 17 1,-19-17-16,19 52 16,-36-34-1,35-1 1,-17 36-1,17-36-15,-18 0 16,19 36 0,-19-54-16,19 36 15,-19-35 1,1 35 0,35 17-1,-36-34 1,54 52-16,-53-53 31,-1-35-31,19 0 172,17-53-156,-1 18-16,37-18 15,52-53 1,70-35-1,-105 70-15,35-17 16,-35 18 0,-71 52-1,1 0-15,-1 1 16,-17-1 0,35 1-1,-1-1-15,-34 0 16,35 1-1,-18-1 1,18 18 0,-35-35-1,52 17 1,-34 0-16,17 1 16,-18-19-1,-17 36 1,17-35-1,-18 35 1,1-17 0,0 17-1,-1-18 17,1 18 30,0 0-15,-18 18-31,35-1-16,-35 36 15,18-35 1,-18-1-16,17 1 15,-17 0 1,0-1 0,0 1-1</inkml:trace>
+  <inkml:trace contextRef="#ctx0" brushRef="#br0" timeOffset="-113378.06">11007 4657 0,'17'17'78,"19"36"-62,-19-35-16,18 17 15,1 0-15,-19 1 16,36-1-1,-17 18-15,-19-35 16,1-1 0,0-17 77,17-35-61,0 17-32,36-52 15,-36 52 1,53-70-16,-53 70 0,142-88 16,-54 1-1,89-19 1,-142 106-1,89-87 1,-71 69 0,-17-17-16,-53 53 0,-1-17 15,-17-1 1,18 18 93,0 0-93,-18-17-16,17 17 16,1 0 124,-18 35-124,17 0-16,1 0 0,0-17 15,-18 35 1,0-18-16,17 0 16,1 1-1</inkml:trace>
+  <inkml:trace contextRef="#ctx0" brushRef="#br0" timeOffset="-88378.07">9790 9560 0,'0'18'125,"0"0"-110,0-1-15,0 1 16,0-1-16,-18 19 16,18 17-1,0 0 1,0-36-1,-18 18-15,18-17 0,0 53 16,0-36 0,0 36-1,0-1 1,0-17 0,0-18-1,0 1-15,0-1 16,0 0-1,0 18 1,0 0 15,0-18-15,0 1-16,0-1 0,0 53 16,-17-53-1,17 53 1,0 1-1,0-54 1,-18 18 0,18 0-16,0-36 15,0 36 1,0-17 0,0 16-1,0-34 1,0 17-1,0-17-15,0 17 16,0-17 0,0 0-16,0 17 31,0-17-15,0-1-16,0 18 15,0-17 1,0 0-1,0-1 1,0 1 0,0 0-16,0-1 15,0 1-15,0 0 32,0-1-17,0 1 1,0-1-16,0 1 15,0 17 1,0-17 0,0 0-16,18 17 15,-18 0 1,0-17 0,0 17-1,0-17 1,17 17-16,-17 18 15,0 0 17,0 0-17,0-36 1,0 1 0,0 0-16,0-1 15,0 1 110,18-18-78,-18 18-31,0-1 31,0 1-32,0 0 16,0-1-15,0 18 0,0-17-1,0 0 17,0-1-32,0 1 31,0 0-16,0-1 17,0 1-17,0 0 32,0-1 109,18-17 1985,-1 0-2125,1 0-16,-1 0 31,1 0 16,0 0-32,-1 0 1,1 0 15,0 0 16,-1 0-31,1 0-16,0 0 15,17-17 1,0 17 0,36-18-1,-18 18-15,-18 0 16,0 0 0,18-18-1,-35 18 1,17 0-16,18-17 31,-35 17-31,35 0 16,-1 0-1,1 0 1,-17 0-16,34-18 16,1 18-1,-1-18-15,1 18 16,52 0-1,-87 0 1,105 0 0,-53 0-1,0 0 1,-17 0-16,-36 0 16,53-17-1,-53 17 1,-17 0-1,53 0 1,34 0 0,-69 0-16,17 0 15,-18 0 1,0 0 0,-17 0-1,-18-36 204,0 19-203,0-1-16,0-17 15,0-36-15,17 1 16,-17-18-1,0-36 1,0 71-16,0-53 31,0 53-31,0-35 0,0 35 16,0-52 0,0-19-1,0 1 1,0 52-16,0-17 15,0 17 1,0-35-16,0 1 16,0 16-1,0-16 1,0-37 0,0 107-1,0-71-15,0 53 0,0-88 16,0 18-1,0-54 1,0 19 0,0 105-1,-17-88 1,17 0-16,0 105 16,0-52-16,0 53 15,0-71 1,0 88-1,0-70 1,0 53 0,0 0-16,0 17 15,0 0 1,0 1 0,0-1-1,0 0 1,0-17-16,0-18 15,0 0 17,0 0-17,0 36 1,0-1 0,0 0-16,0 1 15,0-1 1,0 1-1,0-1 17,0 0-32,-18 18 31,18-17-31,-53 17 141,36 17-126,-89 1-15,-18 17 16,1 0-16,-36 18 15,36-35-15,-124 17 16,-124 18 0,160-18-1,-195 1 1,282-36-16,-70 17 0,106 1 16,-176 0-1,193-18 1,-52 17-1,123 19 267,17-1-282,-17 0 15,36 18-15,-19 0 16,18-18-16,1 36 16,-36-18-16,35 0 15,0 53 1,-17-54-1,17 37 1,-17-1 0,-1-18-16,1-34 15,-18 34 1,0-52 0,18 35-1,-1 0 1,-17-36-16,18 36 15,-18 0 1,18 0 0,-18-35-1,0 35 1,0-36 0,35 71-16,-35-70 15,0 0 1</inkml:trace>
+  <inkml:trace contextRef="#ctx0" brushRef="#br0" timeOffset="-87593.09">10125 9931 0,'17'17'47,"-17"1"-47,18-18 15,0 35-15,-1 18 16,1-35 0,-18 17-1,35 18-15,-17-18 16,-1 1 0,1 16-1,0-34 1</inkml:trace>
+  <inkml:trace contextRef="#ctx0" brushRef="#br0" timeOffset="-87101.78">9931 9825 0,'0'0'0,"0"-18"15,35 1 1,-35-1 0,88-17-1,-17-18-15,-36 53 16,18-18-1,-18 0 1</inkml:trace>
+  <inkml:trace contextRef="#ctx0" brushRef="#br0" timeOffset="-86598.01">9984 10460 0,'17'0'0,"1"0"16,0 0 78,17 0-94,-35-18 15,53 1-15,-36 17 16,72-36-1,-19 1 1,1 0 0,-54 17-16,19-17 15</inkml:trace>
+  <inkml:trace contextRef="#ctx0" brushRef="#br0" timeOffset="-85590.05">10442 10054 0,'0'18'63,"18"17"-48,0-35-15,-18 18 16,17-18-16,-17 17 16,-17-52 77,-1-18-77,0-53 0,18 89-16,0-1 15,0 0-15,0-35 16,0 36-16,18-1 15,17-17 1,-17 35 0,-1 0-1,1 0 1,0 0-16,35 0 16,0 18 15,-36 17-16,1-18-15,-18 1 32,0 17-17,0-17 1,0 0 140,0-1-140,17-17-1,1 18-15,-18 0 16,18 17 0,-18 0-1,0-17 1,0-1-16,0 19 16,-88-1-1,70-17 1,-53-1-1,54-17 1,-1 0 0,0 0-1,1 0-15,17-35 16</inkml:trace>
+  <inkml:trace contextRef="#ctx0" brushRef="#br0" timeOffset="-84724.83">11007 9737 0,'17'17'16,"1"-17"0,-18 18-16,0 17 15,18 0-15,-18 1 16,17-19 0,-17 19-16,0-19 15,0-34 63,-35-36-62,35-18 0,0 18-16,0 36 15,0-19-15,0 19 16,18 17 46,-1 0-62,18 17 16,-17 19-16,0-36 16,-1 17-16,1 1 15,0 0 1,-18-1-1,17-17 1,1-53 62,0-17-62,-1 52-16,-17 0 15,18 18-15,0-17 16,-1 17 15,18 0 1,-17 17-17,0 19-15,-1-19 16,1 1-16,-18 0 15,0-1 1</inkml:trace>
+  <inkml:trace contextRef="#ctx0" brushRef="#br0" timeOffset="-81452.94">13070 8502 0,'18'0'47,"-18"35"-16,18 0-15,-18 1-16,17 17 16,1 53-16,0 17 15,-1-35 1,1 18-16,-18 35 16,18 159-1,-1 17 1,1-122-1,-18 16-15,17 89 16,1-194 0,0 88-1,17 53 1,-17-124 0,-1-34-1,36 157-15,-18-122 16,1-18-16,-36-71 15,53 106 1,-36-88 0,-17 35 15,0-70-31,18 0 16,-18-1-16,0 36 31,0-35-31,18-18 312,34 0-296,1 0-16,-17 0 16,87 0-1,89 0 1,-71 0-1,159 0 1,35 0-16,-141-18 16,0 18-1,-35-18-15,123-17 16,-211 35 0,140-35-1,-140 17 1,-1 18-16,-17 0 15,-35 0 1,-18-17 140,0-19-156,0 1 0,0-18 16,0 0-16,0-17 16,0-160-1,0 107 1,0-142-1,17 124-15,1-194 16,0 71 0,-1 193-1,19-176 1,-1 35 0,-35 159-1,18-123-15,-1 88 16,1 0-16,0-1 15,-1-87 1,1 88 0,-1-89-1,1 107 1,-18-1 0,0 18-16,0 1 15,0-1 1,0-18-1,0 18 1,0 35-16,0 1 16,0-18-16,0-18 15,0 35 1,0-17 0,-18 17-1,18 0 1,0 1-1,-17 17-15,-1-18 32,1-17-1,-1 35-31,0 0 16,1-18-1,-1 18-15,0 0 16,-17-17-1,17 17 1,1 0-16,-1 0 16,-35 0-1,18 0-15,-71 0 16,-35 0 0,35 17-1,36 1-15,-89 0 16,-88 17-1,88-18 1,-70 1-16,88 0 16,88-18-1,0 0 1,35 0 0,1 0-1,-19 0 1,19 0-16,-54 0 15,1 0 1,34 0 0,-122 0-1,-72 0 1,54 17 0,105-17-16,-105 18 0,52 0 15,89-18 1,18 0-16,-19 0 109,1 0-93,17 17-1,1-17-15,-19 0 16,1 18-16,18-18 16,17 18 124,0 17-124,0-18-16,0 19 16,0-1-16,0 0 15,0-17-15,0 35 16,17-18-1,1 18 1,-1-18-16,-17 1 16,0-19-1,0 19-15,18-1 16,0-35 0,-18 17-1,0 1 1,0 0-1</inkml:trace>
+  <inkml:trace contextRef="#ctx0" brushRef="#br0" timeOffset="-80495.09">14005 9948 0,'0'18'31,"0"0"-16,0-1 1,18 36-16,0-18 16,17 18-1,-18 0-15,19 0 16,-1-35 0,-17-36 62,-18-17-78,17-18 15,1 18-15,0 17 16,-18-52 0,17 70 77,1 0-93,-18 17 16,18 1 0,-18-1-16,17 1 15,1-18-15,-1 18 16,-17-1-1,18-17 1,0 0 0,-1-17-1,1-1 1,35-70 0,0 0-1,-18 17 1,-17 36-1,-18 0-15,0 17 16,0 0-16</inkml:trace>
+  <inkml:trace contextRef="#ctx0" brushRef="#br0" timeOffset="-80141.83">14658 9842 0,'18'0'16,"-1"0"-1,-17 18 1,18 0-16,-1-1 16,-17 1-16,18-18 15,-18 35 1,0-52 46,0-19-46</inkml:trace>
+  <inkml:trace contextRef="#ctx0" brushRef="#br0" timeOffset="-79938.67">14499 9543 0</inkml:trace>
+  <inkml:trace contextRef="#ctx0" brushRef="#br0" timeOffset="-79267.19">14781 9648 0,'18'18'31,"-18"0"-31,18 17 15,-18 0-15,35 18 16,-17 0 0,17 35-1,-18-52 1,1 34 0,-36-70 77,1-53-77,-1 18-16,-17 0 16,35-18-16,-35 0 15,17 0 1,0 18-16,18-1 15,-17-34-15,17 52 16,0 1 15,17 17 1,1 0-17,0 0-15,35 0 16,-1 17-1,-16 18 1,-1 18 0,-17 0-1,-18 18 1,-18-54-16,-53 19 16,54-19-1,-18 1-15,-18-18 16,35 18-1</inkml:trace>
+  <inkml:trace contextRef="#ctx0" brushRef="#br0" timeOffset="-78822.06">15028 9737 0,'18'0'46,"17"35"-30,-17 0 0,0 0-1,17-17-15,-35 0 16,0-1-16,17-17 16,-17 18-1,0-36 16,0-52-15,0 17-16,0-53 16,0 53-1</inkml:trace>
+  <inkml:trace contextRef="#ctx0" brushRef="#br0" timeOffset="-78356.15">15346 9754 0,'17'0'16,"1"0"-16,0 0 31,-18-35-15,0 0 15,0-18-31,0 18 16,0 17-1,-18 18-15,0-18 16,1 18 0,17 18-1,-18 17 1,18 0-1,0 1 1,0 17-16,0-36 16,0 19-1,18-19 1,-1 1 15</inkml:trace>
+  <inkml:trace contextRef="#ctx0" brushRef="#br0" timeOffset="-75653.02">17198 8643 0,'0'35'31,"0"1"-15,0-1-16,35 159 15,-17-88 1,-1 105-1,1-105-15,0 71 16,-1-72 0,36 231-1,-35-107-15,0-106 16,-1 1-16,-17-1 16,0 107-1,0 34 1,0-140-1,0 70 1,0-53-16,0 141 16,0-106-1,0-70 1,0 35 0,0-123-16,0 35 15,0-35-15,0 34 16,0-34-1,18-36 173,70-17-188,-17 0 16,17 0-1,35-18-15,1 0 16,-1 18-1,159-54-15,-17 1 16,-159 53 0,70 17-1,1-17 1,-89 17 0,18-17-1,-36 35-15,-52 0 16,35-18-1,53-17 1,-89 35 0,1 0 31,-18-17-32,18 17-15,-1 0 31,1-18 63,-18 0-78,17 1-1,1-36-15,-18 0 0,18 0 16,17-53 0,-17 0-1,17-158 1,0-19 0,-17 142-16,17-123 15,-35-36 1,0 141-1,0 18-15,0 0 16,0-71 0,-35 36-1,17 123-15,1-35 16,17 17 15,-18 18-15,18 36-1,-18-19 1,18 19-16,0-1 0,0-17 16,-17-1-1,17 19 1,0-1 0,-18 1-1,0-1 1,18 0-16,-17 1 15,-19-1 1,36 0 0,-17 18-1,-18-17 1,17-1 0,-70 0-16,70 18 15,-17-17-15,-53-1 16,-71 0-1,35 1 1,-105 17 0,141 0-1,70 0-15,-88 0 16,53 0 0,18 0-1,0 0 1,0 0-1,-1 0-15,-34-18 16,-18 18 0,52 0-1,-52 0 1,35 0 0,18 0-1,-71 0 1,53 0-16,36 0 15,-36 0 1,35 0 0,-17 0-1,-1 0 1,19 0-16,-18 0 16,-36 0-1,-53 0 1,19 0-1,-19 18 1,71-1 0,36-17-1,17 18 1,-18 17 0,0 1-1,18-1 1,0 18-1,0-18-15,0 0 16,0-17-16,0 0 16,0 35-1,0-36 1,0 54 0,0-54-16,18 89 15,0-35 1,-1-36-1,54 89 1</inkml:trace>
+  <inkml:trace contextRef="#ctx0" brushRef="#br0" timeOffset="-74852.74">17780 9913 0,'0'-18'16,"-18"36"46,1 17-46,17-17-16,0 35 15,0-35-15,0 34 16,0-16 0,0 52-1,0 0 1,17-53-16,1 18 15,-18-35 1,18 17 0,-1-35-1,1 0 1,0 0 46,-1-17-46,18-19-16,1-17 16,-19 36-16,36-36 15,-17-18 1</inkml:trace>
+  <inkml:trace contextRef="#ctx0" brushRef="#br0" timeOffset="-74246.69">18168 9931 0,'0'17'31,"-18"54"-15,18-53-1,0 34-15,0-16 16,0 17 0,0-18-1,36-17-15,-1-1 31,-17 1-15,17-18-16,-17 0 31,-1 0-15,-17-35-16,0 17 16,0-35-1,0 0 1,0 35-16,0-52 15,-35 17-15,-18-18 16,35 36 0,-35 0-1,36 35 1</inkml:trace>
+  <inkml:trace contextRef="#ctx0" brushRef="#br0" timeOffset="-73318.67">18503 9737 0,'-17'0'16,"-1"17"-1,0-17-15,18 36 16,0-1 0,0 35-16,0-52 15,0 0 1,18-36 109,-18 0-94,18 18 79,-1 36-110,18-1 15,18 53 1,-35-35-16,17 0 15,-17 0 1,-18 0-16,18-18 16,-18 0-16,0 18 15,-18-53 63,0 0-62,18-17-16,-35-19 16,17 1-1,1 17-15,17-17 16,0 0 0,0 0-1,0-18-15</inkml:trace>
+  <inkml:trace contextRef="#ctx0" brushRef="#br0" timeOffset="-72692.41">18732 9860 0,'0'35'31,"18"-35"-31,-18 36 16,0-19-1,18 72-15,-18-72 16,0 1-16,0 17 15,0-17 1,0-36 31,0-17-31,-18 0-16,18 17 15,0-53 1,-18 1-1,18 34 1,0 19 0,0-1-16,18 18 47,0 0-32,17 18 1,18 17-1,-18 0 1,-17-17-16,-18 0 16,18-18-1,-18 17 1</inkml:trace>
+  <inkml:trace contextRef="#ctx0" brushRef="#br0" timeOffset="-72394.67">18962 9878 0,'17'0'16,"1"0"-1,0 0-15,-18 17 16,17 1-16,1 0 16,0-1-1,-36-34 63,18-19-62,-53-69-16</inkml:trace>
+  <inkml:trace contextRef="#ctx0" brushRef="#br0" timeOffset="-72201.94">18927 9525 0,'17'0'94</inkml:trace>
+  <inkml:trace contextRef="#ctx0" brushRef="#br0" timeOffset="-70995.9">19262 9737 0,'0'0'0,"17"0"16,-17 35-1,0-17 1,0-1-16,18 36 16,-18-35-1,0-1 1,0-34 31,-35-36-32,17-18 1,-17 18-16,17 18 0,18 0 16,0 0-1,0 17 1,0 0-1,35 18 48,-17 0-47,17 0-16,-17 0 15,17 0-15,1 0 16,-19 0-1,1 0 64,-1 0-48,-17 18-16,0 17-15,0 0 16,18-17 0,-18 0-16,0-1 15,18-17 1,-1-17 46,-17-1-46,18 18 0,-18-18-16,18 18 15,-1 0 1,36 18 0,-35 17-16,35 36 15,-18 35 1,-17-18-1,-18 18 1,0-18 0,-36-35-1,1 17-15,17-70 16,1 18-16,-1-18 16,1 0-1,-54-18 16,18-17-31,35 0 16,1 17-16,17-17 0,0 0 16,0-53-1,35 52 1,-17 1-16,17 0 16,36-1-1,-54 19 1,18-1-16,-17 18 15,-18-18 1,35 1 15</inkml:trace>
+  <inkml:trace contextRef="#ctx0" brushRef="#br0" timeOffset="-69730.95">19756 9560 0,'0'0'0,"-18"0"15,0 0-15,18 36 16,0-1 0,0 0-1,0 0 1,0 1 0,0 17-1,0-36 1,18-17-1,-18 18-15,18-18 16,-1 0 15,-17-35-15,0-18-16,18 0 16,-18 17-16,0 19 15,17 17 79,1 17-78,0-17-1,-18 18 1,17-18-1,19 0-15,-1-35 16,-17 17 0,34-35-1,-34 36 1,-18-1 0,0 36 46,18-1-46,-18 1-1,0 17 1,0-17 0,17-1-16,-17-34 93,0-36-93,0 18 16,0 17-16,0-17 16,0 17-16,0-17 15,18 0 1,0 35 31,-1 0-32,1 17 17,0 1-32,-1-1 15,-17 1-15,0 0 16,18-1-1,-18 1 17,18-18 15,-1-18-1,1 1-30,-18-19 0,0 19-16,0-36 15,0-53-15</inkml:trace>
+  <inkml:trace contextRef="#ctx0" brushRef="#br0" timeOffset="-69423.89">20232 9119 0,'0'18'16,"0"35"0,0-35-1,0 34 1,0-34-16,0 17 16,0 1-1,17-1 1,-17-17-1,0 17 1,0-18 0,0 1-16,-17-18 47,-18-18-47,-18-17 0,35 18 15,-17-19 1,-1 1-16</inkml:trace>
+  <inkml:trace contextRef="#ctx0" brushRef="#br0" timeOffset="-69143.03">19967 9296 0,'18'0'31,"-1"0"-16,36-18-15,18 0 16,0 1-16,-36-36 16,0 35-1,-17 1-15,17-19 0,36-34 16,-71 52 0,299-52-1,213-36 1,-177 53-1,-194 18 1</inkml:trace>
+  <inkml:trace contextRef="#ctx0" brushRef="#br0" timeOffset="-67681.96">9931 11659 0,'17'18'79,"1"0"-79,17 17 15,-17-17-15,17 17 16,-17 0-16,-1-35 15,19 18 1,-19-1 0,1-17 15,17-35-31,36-35 16,176-107-1,-106 71 1,123-70-16,36-18 15,-229 123 1,105-87 0,-123 105-1,-53 35 1,18 18 15,-18-18-15,17 1-1,1 87 95,0-34-110,-18-1 15,0 0-15,0 0 16,17 1-16,-17-1 16,0 0-1,0-17 1,0-1 0</inkml:trace>
+  <inkml:trace contextRef="#ctx0" brushRef="#br0" timeOffset="-65996.15">14129 10936 0,'0'18'47,"0"17"-31,17 0-16,19 36 15,-1-36 1,-17-17 0,17-18 93,-17-53-93,34 0-16,-16-18 15,17 18-15,0-17 16,17-36 0,-52 71-1,-1 35 1,1-18-1,-18 1 1,18 17 0,-1 0 77,1 17-61,0 1-17,-18-1-15,0 1 16,0 0 0,0-1-1,0 1 1,0 0-1,0 52-15,0-52 16,0 17 0,17 0-16</inkml:trace>
+  <inkml:trace contextRef="#ctx0" brushRef="#br0" timeOffset="-64689.14">18450 11165 0,'0'18'31,"18"35"-15,17 0-16,-35-18 15,35 36-15,-17-36 16,0 0-1,-1-17 1,19-53 47,17-36-48,-1 1 1,1-1-1,36-35-15,-72 106 16,36-70-16,0 34 16,0-34-1,-18 52 1,-17 0 0,-18 1-16,18 17 31,-1 0 0,1 0 32,17 35-48,-35-17-15,35 35 16,-35-36-16,18 1 15,0 52 1,-1-34 0,-17-19-16,0 1 15</inkml:trace>
+  <inkml:trace contextRef="#ctx0" brushRef="#br0" timeOffset="-59420.05">8220 17462 0,'0'-17'31,"-18"17"-15,0-35-16,-17 17 15,18 18 1,-1-18-16,-35-17 16,35 17-1,-17 18 1,0 0-16,0-17 0,-54-1 16,36 18-1,-70 0 1,88 18-1,-1-1 1,-17 36 0,-17 88-1,52-123-15,-17 70 16,35-35 0,0-35-16,0 52 15,0 1 1,0 35-1,18 0-15,17-53 16,0 17 0,0-35-16,-35-17 15,89 53 1,-19-36 0,18-18-1,-17-17-15,70 0 16,-88 0-1,18-35 1,-36 35 0,141-70-1,-88 52 1,-52 0-16,17-17 16,-36 17-1,1-17 16</inkml:trace>
+  <inkml:trace contextRef="#ctx0" brushRef="#br0" timeOffset="-58698.12">8431 17868 0,'0'0'0,"0"35"0,0-17 16,0 35 0,18 0-1,0-35-15,17 17 0,53 35 16,18-17 0,-53-35-1,106-18 1,-106 0-1,70 0 1,-35-53-16,-52 18 16,16-53-1,-34 70-15,0-53 16,-18 36 0,0-18-1,-36-17 1,19 52-16,-36 0 15,35 1 1,1-1-16,-19 18 16,-140 0-1,35 18 1,53 17 0,-54 36-16,54-19 15,18 1 1,52-35-1,18 0 48,18-18-47,35 0-1</inkml:trace>
+  <inkml:trace contextRef="#ctx0" brushRef="#br0" timeOffset="-57778.08">10037 17692 0,'0'0'0,"0"35"0,0 0 15,0 1 1,0-1-1,0-17 1,0 17 0,-18-53 46,18-17-62,-18-18 16,1 0-16,-1 0 15,18-17-15,0 17 16,0-18 0,0 36-1,18 35 1,-18-18 0,35 18-16,35 0 15,1 35 1,17 18-1,-53-17 1,1-1-16,-1 0 16,0 18-1,-17-18-15,-18-17 16,0-36 62,0 1-78,-18-36 16,1 18-16,17 17 15,0 0-15,0-17 16,0 17 0,0-35-1,17 53-15,19 0 16,-19 0-1,19 0 1,16 18 0,-34 0-1,17 17 1,-17-17 0,-18-1-16,18-17 15,-1-35 16,19-88-15</inkml:trace>
+  <inkml:trace contextRef="#ctx0" brushRef="#br0" timeOffset="-56987.73">10724 17268 0,'18'0'15,"0"0"1,-1 18-1,1 17 1,0-17-16,-1 17 16,-17-17-1,0 0-15,18-1 16,-18-34 62,0-19-62,0 1-16,0-18 0,0 35 15,0-17 1,0 18-16,0-19 0,0 1 16,18 35-16,-1 0 46,1 0-30,35 35 0,-53-17-16,17 35 15,19-18 1,-36-17 0,0-36 46,0 0-62,0 1 16,17-1-16,-17-17 15,36-36 1,-19 36 0,1-35-16,17 17 15,-17 53 32,-18 17-31,17 1-1,-17 0-15,18 34 16,0-16 0,-18-19-16,0 1 15,0 0 1,0-1-1</inkml:trace>
+  <inkml:trace contextRef="#ctx0" brushRef="#br0" timeOffset="-56308.73">11624 16880 0,'18'0'47,"-1"18"-31,-17 0-1,36 17-15,-19-17 16,1-1-16,17 19 15,18-1 1,0-35 0,0 17-1,17-17-15,19-35 16,-36 0-16,-1-36 16,-16-17-1,-19 53 1,-17-53-1,0-1 1,0 72 0,-17-1-16</inkml:trace>
+  <inkml:trace contextRef="#ctx0" brushRef="#br0" timeOffset="-55711.95">12259 16581 0,'35'0'16,"-17"17"-16,-18 1 15,35 17-15,-17-17 16,17 35-16,-17-36 16,-1 19-1,1-36 1,-18 17-1,0-34 32,0-36-31,0 0 0,0 0-16,18-18 15,17 1 1,-17 34-16,17 1 15,-17 35 17,-1 0-17,1 0 1,-1 0 0,19 18-16,17 17 15,-18 0 1,-17-17-16,-1 0 31,1-18 32</inkml:trace>
+  <inkml:trace contextRef="#ctx0" brushRef="#br0" timeOffset="-55459.09">12841 16422 0,'18'0'15,"-1"0"17,1 17-17,0 19 1,-1-19-16,1 19 15,0-36 1,-18 17 0,0-34 15,-18 17-15</inkml:trace>
+  <inkml:trace contextRef="#ctx0" brushRef="#br0" timeOffset="-55246.66">12771 16192 0</inkml:trace>
+  <inkml:trace contextRef="#ctx0" brushRef="#br0" timeOffset="-54932.18">13000 16069 0,'35'18'16,"18"35"0,-53-18-1,35 0-15,-35-17 16,36 52-1,-19-34 1,19 17-16,-36-36 16</inkml:trace>
+  <inkml:trace contextRef="#ctx0" brushRef="#br0" timeOffset="-54111.12">13088 16281 0,'35'-18'47,"1"18"-47,17-18 15,-1-17-15,1 0 16,-35 17 0,17-17-16,-35 17 15,0-17 16,18 35-15,-18-18-16,18 18 78,-18 18-62,17-18-1,-17 18 1,35-1 0,1-17-1,-19 0-15,19-35 16,-1 17-16,18-87 16,0 69-1,-53 1 1,17 35 15,-17 35-15,0 1-16,0 52 15,0-35 1,0 52 0,18 1-1,-18-53 1,0 18-1,0-18-15,0-18 0,0-17 16,0 17 0,-18-17-1,1-18 17,-19 0-17,19 0-15,-36-36 16,35-17-1,1 18-15,17 17 16,0-52 0,0 35-1</inkml:trace>
+  <inkml:trace contextRef="#ctx0" brushRef="#br0" timeOffset="-53251.46">11783 14058 0,'0'0'0,"282"-264"15,-247 228-15,53-34 16,-52 52 0,17-35-16,-36 18 0,36 0 15,-35 17 1</inkml:trace>
+  <inkml:trace contextRef="#ctx0" brushRef="#br0" timeOffset="-52555.99">11642 12806 0,'-18'0'31,"0"17"-15,1 36 15,-1 18-31,-35 158 15,36-70 1,-89 335 0,88-300-1,-52 229-15,17 36 16,0-18 0,35-71-1,18 212 1,0-352-1,0-1-15,35-88 16,1-17-16,-36-142 78,0-17-62</inkml:trace>
+  <inkml:trace contextRef="#ctx0" brushRef="#br0" timeOffset="-51798.55">14358 13353 0,'-18'35'15,"1"0"-15,-1 18 16,-35 88-16,-17 0 15,-19 18 1,-210 317 0,-195 177-1,194-300-15,-88 70 16,-18-35 0,194-176-1,107-106 1,-36 17-1,88-88 1,53-17-16</inkml:trace>
+  <inkml:trace contextRef="#ctx0" brushRef="#br0" timeOffset="-50836.1">18521 12912 0,'-35'53'31,"-54"52"-15,19 1-16,-18 35 16,-18-17-16,0-1 15,-194 265 1,141-229 0,-264 247-1,211-247-15,-35 35 0,-35-18 16,-529 336 15,599-389-15,-105 0-1,158-34 1,106-72-16,-53 36 16,71-35-1,0-1 1,-18 1-1,35 0 1,-17-18-16,-1 35 31,19-35-31,-36 35 16,18-35 0,17 18-1,0-18 1</inkml:trace>
+  <inkml:trace contextRef="#ctx0" brushRef="#br0" timeOffset="-46512.94">20179 13123 0</inkml:trace>
+</inkml:ink>
+</file>
+
+<file path=ppt/ink/ink11.xml><?xml version="1.0" encoding="utf-8"?>
+<inkml:ink xmlns:inkml="http://www.w3.org/2003/InkML">
+  <inkml:definitions>
+    <inkml:context xml:id="ctx0">
+      <inkml:inkSource xml:id="inkSrc0">
+        <inkml:traceFormat>
+          <inkml:channel name="X" type="integer" max="1920" units="cm"/>
+          <inkml:channel name="Y" type="integer" max="1080" units="cm"/>
+          <inkml:channel name="T" type="integer" max="2.14748E9" units="dev"/>
+        </inkml:traceFormat>
+        <inkml:channelProperties>
+          <inkml:channelProperty channel="X" name="resolution" value="36.43264" units="1/cm"/>
+          <inkml:channelProperty channel="Y" name="resolution" value="36.48649" units="1/cm"/>
+          <inkml:channelProperty channel="T" name="resolution" value="1" units="1/dev"/>
+        </inkml:channelProperties>
+      </inkml:inkSource>
+      <inkml:timestamp xml:id="ts0" timeString="2021-07-02T04:16:24.744"/>
+    </inkml:context>
+    <inkml:brush xml:id="br0">
+      <inkml:brushProperty name="width" value="0.05292" units="cm"/>
+      <inkml:brushProperty name="height" value="0.05292" units="cm"/>
+      <inkml:brushProperty name="color" value="#FF0000"/>
+    </inkml:brush>
+  </inkml:definitions>
+  <inkml:trace contextRef="#ctx0" brushRef="#br0">2381 1817 0,'-17'0'140,"-1"17"-124,0 1-16,1 17 15,-19 1-15,19 52 16,-19 35 0,1 1-16,35-1 31,0-35-31,0-52 16,18 17-1,17-18 1,-17-17-1,-1 17-15,1-35 16,53 70 0,-18-34-1,-18-19-15,35 19 0,36-1 16,-35-17 0,-1-1-1,1-17 1,-36-17-1,-17-1 1,17-17 0,0-36-1,-17 18 1,17-17 0,-35 34-1,0-34-15,0 17 16,0-18-1,0 54 1,0-19-16,0 1 16,-17-18-1,-1 0 1,0 36-16,1-36 16,-1 35-1,-17-53 1,17 36-1,1 18-15,-1-19 32,0 1-32,-17 17 0,17 1 15,1-1 1,-1 0 0,0 18-1,18-17-15,-17 17 16,-19 0-16,19 0 0,-18-18 15,-1 18 17,19 0-17,-1 0 1,-53 0 0,36 0-16,-71 0 15,0 35 1,71-17-1,0-18 1,17 0 0</inkml:trace>
+  <inkml:trace contextRef="#ctx0" brushRef="#br0" timeOffset="1008.12">2822 2928 0,'0'18'47,"0"17"-15,0 0-32,0 1 0,0 34 15,0 1 1,18-36-16,-18 18 15,18 53 1,-18-53 0,0 52-16,0 19 15,0-54 1,0 19 0,0-36-1,0-18-15,0 18 16,-18 0-16,18 0 15,0-18 17,0-17-17,0-1-15,18 36 32,-18-35-32,0-1 0,17-17 15</inkml:trace>
+  <inkml:trace contextRef="#ctx0" brushRef="#br0" timeOffset="2292.09">2805 3298 0,'0'18'157,"-18"0"-142,0 17-15,-17 0 16,0 1-16,-1 16 16,-69 37-1,-1-19 1,-35 18-1,35-35 1,71-17-16,-1-19 16,19 1-16,-1-18 15</inkml:trace>
+  <inkml:trace contextRef="#ctx0" brushRef="#br0" timeOffset="3528.23">2875 3334 0,'18'0'79,"-1"0"-64,1 0-15,0 0 16,17 17-16,0 1 15,1 0-15,-19 17 16,54-17 0,-18 34-16,35 19 15,-71-53 1,89 52 0,-70-34-1,-19-19 1</inkml:trace>
+  <inkml:trace contextRef="#ctx0" brushRef="#br0" timeOffset="4326.62">2822 4304 0,'0'35'94,"0"-17"-94,-17 17 16,-1 0-16,0 1 15,1-1-15,-1 0 16,0 0 0,1-17-1,-1 17 1,18 1-16,-18-36 0</inkml:trace>
+  <inkml:trace contextRef="#ctx0" brushRef="#br0" timeOffset="5037.42">2716 4251 0,'18'0'16,"0"0"-1,17 0 1,0 18-16,1-1 16,34 36-1,1-18 1,-36 1-1,18-1-15,-36-17 0,36 35 16,-35-36 0,17 1-1,-35-1 1,18-17 0,-18 18-1</inkml:trace>
+  <inkml:trace contextRef="#ctx0" brushRef="#br0" timeOffset="6181.41">4762 2981 0,'18'0'110,"-18"-18"-110,35 18 15,-17 0-15,17-17 16,89 17-1,-71 0 1,0 0-16,70-18 0,-35 0 31,-17 1-31,-53 17 0,17 0 16,0 0 0</inkml:trace>
+  <inkml:trace contextRef="#ctx0" brushRef="#br0" timeOffset="6940.18">4674 3263 0,'18'0'47,"17"0"-32,36 0 1,-36-17-16,124-19 16,-106 36-1,105-35 1,-105 17-1,-35 18 1,0 0-16,17 0 16,-17 0-16,-1-17 15,1 17 1,35-18 0,-36 18-1</inkml:trace>
+  <inkml:trace contextRef="#ctx0" brushRef="#br0" timeOffset="7835.31">5009 2540 0,'18'0'16,"0"0"0,-1 0-16,36 18 15,35 17-15,18 0 16,-35 0-1,17 1 1,71 52 0,-89-53-1,-17 1-15,-35-19 0,70 18 16,-70 1 0,-1-36-1,19 35 1,-19-35-1,-17 18 1,18-18-16,-18 17 31,-18 1 79,-35 35-110,18-18 15,-35 18-15,-1 0 16,0 17-16,-34 36 16,34 18-1,53-89 1,-17 36-1,35-36 1</inkml:trace>
+  <inkml:trace contextRef="#ctx0" brushRef="#br0" timeOffset="9967.32">7179 1288 0,'0'17'63,"18"1"-63,-18 0 15,17 17-15,1-18 16,-18 19 0,35 34-16,-17 19 15,-18-72 1,35 54 0,-35-18-1,0-36 1,18-17 203,-18 18-219,17 0 15,-17-1-15,18 18 16,-18 1-16,18-1 15,-18-17 1,35 70 0,-35-53-16,0-17 15,0-1 1,0-34 109,0-1-125,-18-17 16,1 0-16,17-1 15,-18-17 1,0 18-1,18 0 1,0-36 0,-17 1-1,17 52-15,0-17 16,-18 0-16,18-18 16,0 35-1,0-35 1,0 35-1,0-17 1,0 17-16,0 1 0,0-36 16,18 35-1,35-35 1,-18 0 0,0 36 15,-17-18-31,0 35 15,-1 0 32,1 0-47,17 0 16,-17 0 0,17 0-16,18 35 15,17 18 1,-34-18-1,17 36 1,-18-36 0,-17 18-16,17-18 15,-17 53-15,17-17 16,-35-36 0,35 53-1,-17-35 1,-18-35-1,17 17 1</inkml:trace>
+  <inkml:trace contextRef="#ctx0" brushRef="#br0" timeOffset="10819.01">7338 1729 0,'0'-18'172,"35"0"-156,18 1-1,0-1-15,-18-17 16,53 0 0,-52 17-1,-1 18-15,0-18 16,-17 1 0,35-1-1,-18 18 1,0-18-16</inkml:trace>
+  <inkml:trace contextRef="#ctx0" brushRef="#br0" timeOffset="11864.13">8043 1464 0,'18'0'15,"0"0"-15,-1 18 0,1-1 16,0 1-1,34 53-15,-52-54 16,18 1-16,0-1 16,17 54-1,-35-53 1,18 17 0,-1 18-1,-17-88 126,-17-1-126,-1-17-15,-17 18 16,17-35-16,-17 17 16,17 17-16,18 1 15,0 17-15,0 1 32,0-1-17,0 0 1,0 1-1,18 17 1,-1-18-16,1 1 16,0 17-1,-1 0 32,1 0-47,17 0 16,-17 17-1,17 18 1,0 1 0,-17 34-1,0-34-15,-18-19 16,0 1 0,-18-18 15,0 0-16,18 18 1,-17-18-16,-1 0 31</inkml:trace>
+  <inkml:trace contextRef="#ctx0" brushRef="#br0" timeOffset="12709.19">8555 1376 0,'0'17'16,"0"1"-1,17 53-15,1-18 16,0-36-16,-18 54 16,17 17-1,1-35 1,0 0-1,-18-36-15,0 1 16,-18-36 47,0-17-63,1 18 15,-19-36-15,19 0 16,-1 17-16,-17-34 15,17 17 1,18 18 0,0 17-1,0-17 1,18 17 0,0 18-16,17-35 0,18 0 31,-36 35-16,1-18-15,0 18 16,-1 0 0,1 0-16,0 0 0,-1 0 15,1 0 1,0 0 0,-1 18-1,1 17 1,-18 0-1,0 18-15,0-18 16,-18-17 0,1 0-16,-19-1 31,19-17-15,-1 0-1,0 0 1,18-17-1</inkml:trace>
+  <inkml:trace contextRef="#ctx0" brushRef="#br0" timeOffset="13110.41">8855 1164 0,'17'35'31,"1"1"-15,0-1 0,17 36-1,-35-36-15,18 0 16,17 53 0,-35-52-16,17-1 15,-17-17 1,18-1-1</inkml:trace>
+  <inkml:trace contextRef="#ctx0" brushRef="#br0" timeOffset="13408.86">9119 1446 0,'18'0'15,"0"36"17,-18-19-17,35 19 1,-35-19-1,-18-17 48,-52-53-47</inkml:trace>
+  <inkml:trace contextRef="#ctx0" brushRef="#br0" timeOffset="13621.08">8978 1182 0</inkml:trace>
+  <inkml:trace contextRef="#ctx0" brushRef="#br0" timeOffset="14928.57">9525 1217 0,'0'-18'32,"-18"1"-17,1 17 1,-1 0-1,0 0-15,1 0 32,17 17-32,-18 1 15,18 17 1,0-17 0,0 0-1,0 17-15,18-35 16,-18 18-16,0 17 15,0 0 1,17-35 0,-17 18-1,0-1-15,18 1 16,17-18 62,1 0-62,-1 0-16,0 0 0,36-18 15,-54 1 1,1-1-16,0 0 16,-18 1-1</inkml:trace>
+  <inkml:trace contextRef="#ctx0" brushRef="#br0" timeOffset="15703.38">9737 1217 0,'0'0'0,"0"18"16,-18-18-16,18 17 16,-18 36-16,18-17 15,0-19 1,0 18 0,0 1-1,0-19-15,36-52 78,-36 17-62,17-17 0,1-18-1,-18 36-15,0-19 16,18 36 109,-18 18-125,0 0 15,35 17 1,-18 0-16,-17-17 16,18-1-1,-18 19 1,18-36 46</inkml:trace>
+  <inkml:trace contextRef="#ctx0" brushRef="#br0" timeOffset="16092">9966 988 0,'0'17'32,"0"1"-17,0 0-15,18-1 16,-18 19-16,35 52 15,-17-18 1,-1-17 0,18 88-1,-35-123-15,0 17 32,0-17-32,-17-18 31,-1 0-16,-35-53 1</inkml:trace>
+  <inkml:trace contextRef="#ctx0" brushRef="#br0" timeOffset="16415.39">9895 1305 0,'18'-17'31,"0"17"-15,-1 0-1,19-36-15,-19 36 16,19-17 0,-1-1-1,-18 18 1</inkml:trace>
+  <inkml:trace contextRef="#ctx0" brushRef="#br0" timeOffset="16807.34">10248 1129 0,'18'0'16,"-1"0"-16,1 18 15,-18-1 1,35 18 0,-35 1-1,18-36-15,-18 35 0,0-17 16,0-1 15,0-34 47,-18-54-62</inkml:trace>
+  <inkml:trace contextRef="#ctx0" brushRef="#br0" timeOffset="17027.21">10248 988 0</inkml:trace>
+  <inkml:trace contextRef="#ctx0" brushRef="#br0" timeOffset="17741.05">10460 1094 0,'-18'17'31,"18"19"-15,0-19-16,0 18 16,0-17-1,18 0-15,0 17 16,-18-17 15,17-18-31,1 0 16,-1 0-1,19 0 1,-19 0 0,-17-18-1,18 0-15,17-35 16,-35 1 0,0 16-1,0 19 1,-17-1-1,-1 0-15,0 1 16,1-1 0,-1 18-16,0-18 15,1 18 1,-1 0 0,1 0-1,-1 18-15,18 0 31,0 17-31,0 0 32</inkml:trace>
+  <inkml:trace contextRef="#ctx0" brushRef="#br0" timeOffset="18446">10848 988 0,'0'35'46,"0"-17"-46,0-1 16,0 19 0,18-19-16,-18 1 15,0 0 1,17 17 0,-34-70 62,17-1-63,0 19-15,-18-19 0,18-34 16,0 52 0,0-17-1,0 17 1,18 18 15,-1 0-15,1 0-1,-1 0-15,1 0 16,0 0 0,-1 18 15,1 17-31,35 18 15,-35-18 1,-18-17 62</inkml:trace>
+  <inkml:trace contextRef="#ctx0" brushRef="#br0" timeOffset="20008.32">11695 1164 0,'17'0'32,"1"0"-17,0 0 16,-1 0-15,-17-17 31,18-1-47,-18 0 16,35-17-16,-17 0 15,-18-1 1,17-34-1,-17 52 1,-17 18 62,-19 0-78,1 0 16,-18 35-1,36-17-15,-1 0 16,0 17-16,1-35 16,17 35-1,0-17 1,0 17-16,0-17 31,0 17-31,0-17 16,0 17-1,0-17 1,35-1 0,-17 1-16,35 0 15,-1-18 1,-34 0 0,0 0-1,-1 0 1,19 0-1,-1-18 1,-17 0 0,-18 1-1,52-36-15</inkml:trace>
+  <inkml:trace contextRef="#ctx0" brushRef="#br0" timeOffset="20662.37">12012 1129 0,'0'18'15,"0"-1"1,18 18 0,-18-17-1,0 0-15,0-36 94,0-17-94,-18 0 16,0-1-16,1 1 15,17 17 1,0 1 0,0-1 15,17 18 16,1 0-32,0 18 1,-1-1-16,1-17 16,17 36-1,1-1 1,-19-17-1,18-1 1,-35 1-16,18-18 16,0 0-1,-1 0 1,1 0 0,35-18-16</inkml:trace>
+  <inkml:trace contextRef="#ctx0" brushRef="#br0" timeOffset="21451.07">12294 935 0,'-17'17'16,"-1"1"-16,18 0 15,0 17 1,0 0-1,0-17-15,0 17 16,0-17 0,35-18 31,1-18-32,-19-17 1,1 0-16,-1 17 15,19-17 1,-36 17 0,17 36 46,-17-1-46,18 1-16,-18 17 15,18 1-15,-18-1 16,17-17 0,1 34-16,0-34 0,-18 53 15,17-54 1,-17 19 0,0-1-1,0-18 1,0 1-1,-17-18 1,-19 0 0,-34 0-1,34-18 1,19 18-16,-18-52 16,-1 16-16,1 19 15,17-19 1</inkml:trace>
+  <inkml:trace contextRef="#ctx0" brushRef="#br0" timeOffset="21893.29">12612 952 0,'0'18'16,"17"-18"-16,-17 18 15,18 17 1,0-17-16,-1 17 16,-17-17-1,0-1-15,18 1 16,-36-53 46,-35-54-46</inkml:trace>
+  <inkml:trace contextRef="#ctx0" brushRef="#br0" timeOffset="22102.24">12471 670 0</inkml:trace>
+  <inkml:trace contextRef="#ctx0" brushRef="#br0" timeOffset="23559.93">12806 988 0,'0'17'63,"0"1"-47,0 35-16,17-35 15,-17-1-15,0 19 16,18-19-1,-53-34 79,35-36-94,-35 0 16,17 17-1,0 19-15,18-1 16,0 0 0,18 18 93,17 18-93,0 0-16,-17-18 15,0 17-15,-1 1 16,1-18 0,0 18-16,-1-18 15,1 17 1,0 1-1,-18 0 1,17-18 0</inkml:trace>
+  <inkml:trace contextRef="#ctx0" brushRef="#br0" timeOffset="24210.13">13106 988 0,'17'0'16,"1"0"0,0 0-1,-18-36 63,0 19-62,-18 17 93,0 17-93,18 1-16,0 0 16,-17-1-16,17 1 15,0 0-15,0-1 16,0 1-1,0 0 17,17-18 15,1 0-32,0 0-15,-1 0 16,1 0-1</inkml:trace>
+  <inkml:trace contextRef="#ctx0" brushRef="#br0" timeOffset="24826.29">13282 1023 0,'18'0'32,"-18"-18"-1,17 18-31,1-17 15,-18-1 1,18 18 0,-18-18-1,0 1-15,17 17 16,-17-18-16,-17 18 94,-1 0-79,0 0-15,18 18 16,0-1 0,0 1-16,0 17 15,0-17 1,0 0 46,18-18-46,0 0 0,-1 0-1,1-18 1,0 0-16,-1 18 15</inkml:trace>
+  <inkml:trace contextRef="#ctx0" brushRef="#br0" timeOffset="25191.05">13494 935 0,'0'0'0,"17"0"31,19 0-15,-19 0-1,1 17-15,0 1 16,-1-18-16,1 0 15,-18-18 64,0 1-79,35-18 15,-35 17 1,53-35-16</inkml:trace>
+  <inkml:trace contextRef="#ctx0" brushRef="#br0" timeOffset="25720.96">13935 670 0,'0'0'0,"-36"0"16,19 18-1,-1 0 1,18-1-1,0 1-15,0-1 16,0 1 0,0 0 15,0-1-15,18 1-16,-1 0 15,1-18 1,0 35-1,-1-17 1,-17-1 47,0 1-48,-17-18 1,-19 17-1,-16 1-15,-37-18 16</inkml:trace>
+  <inkml:trace contextRef="#ctx0" brushRef="#br0" timeOffset="27738.34">8220 2646 0,'0'17'47,"0"19"-47,0-19 16,0 1-16,0 35 16,0 0-1,17 0-15,1 35 16,0-53-1,-1 1-15,-17-19 16,0 1 62,18-18 594,-18 17-656,18 1-1,-1-18 1,-17 18-16,0-1 16,18 1-1,-1 0 1,-17-1-1,18-17 1,-18 18 0</inkml:trace>
+  <inkml:trace contextRef="#ctx0" brushRef="#br0" timeOffset="28620.03">8555 2575 0,'0'18'46,"17"35"-46,-17-18 16,18-17-16,0 17 16,-1 53-1,1-88 1,-18 36-16,0-1 16,18 0-1,-1 0 1,-17-17-16,0 0 47</inkml:trace>
+  <inkml:trace contextRef="#ctx0" brushRef="#br0" timeOffset="29447.38">8326 2946 0,'0'-18'94,"17"18"-78,1 0-16,-1 0 15,19 0-15,-19 0 16,-17-18-16,18 18 16,0 0 46,-1 0-46,107-70-1</inkml:trace>
+  <inkml:trace contextRef="#ctx0" brushRef="#br0" timeOffset="32400.15">8555 2628 0,'17'0'93,"-17"18"-93,0-1 16,0 1 0,0 0-16,0-1 15,0 1 1,18 35 0,-18-35-16,0 52 15,0-35 1,0-17-1,0 17 1,0-17 0,0 17-1,0-17 1,0 0 0,0-1 15,0 1 0,0-1-15,18 1 15,-18 0 0</inkml:trace>
+  <inkml:trace contextRef="#ctx0" brushRef="#br0" timeOffset="33415.93">8767 2822 0,'0'18'94,"0"0"-63,0 17-31,0-18 16,0 1-1,0 0 1,0-1 0,0 1-1,0 0-15,0-36 125,17-17-125,-17 17 16,18 0-16,-18-17 16,0 18-1,0-1-15,0 0 16,17 18 62,1 0-62,-18 18-1,0 0-15,18-18 16,-1 35-1,-17-18 1,0 1-16,18-18 47,0 0-47</inkml:trace>
+  <inkml:trace contextRef="#ctx0" brushRef="#br0" timeOffset="33799.98">8996 2769 0,'17'0'15,"1"18"1,-18 35 0,18-35-1,-1-1-15,-17 18 16,18-17 0,-18-53 62,0 17-63,0-35-15,0 0 16,0 36-16,0-1 31</inkml:trace>
+  <inkml:trace contextRef="#ctx0" brushRef="#br0" timeOffset="34544.01">9384 2663 0,'0'0'0,"-18"0"0,1 0 15,-1 36-15,0-19 16,18 19 0,0-19-1,0 19 1,0-19 0,0 1-1,0 0-15,0-1 31,18-17 32,17-35-47,1-53-1,-1-18-15,-35 35 16,0-17-1,0 18 1,0 105 47,17 0-63,1 0 15,0 1-15,-18-1 16,17 0-16,1-17 15,-18 17-15,18-17 16,-1-1 0,-17 1 15</inkml:trace>
+  <inkml:trace contextRef="#ctx0" brushRef="#br0" timeOffset="35149.12">9684 2575 0,'0'0'0,"0"18"0,17 17 16,-17-17-16,18-1 15,0 1 1,-1-18 0,-17 18-1,0-36 16,0-17-31,0 0 16,0-1-16,0-17 16,0 36 15,18 17 0,0 17-15,-1 1-1,1 0 1,-18-1 0,17 1-16,1-18 15,0 0 17,-1 0-1,1-18-16,0 1 1,-18-1-16,17-35 16,1 35-1,-18 1 1,18-18-16</inkml:trace>
+  <inkml:trace contextRef="#ctx0" brushRef="#br0" timeOffset="36228.12">10195 2328 0,'-17'0'16,"-1"0"-16,18 18 15,-18 0-15,1 17 16,17-17-1,0 17-15,0 0 16,0-17 0,0-1-1,0 1 1,0 0 0,17-18 15,1-18-16,-18 0 1,35 1-16,-35-36 16,36 35-1,-36 1-15,0-1 16,17 18 62,-17 18-62,18-18-1,-18 17-15,17-17 16,-17 18 0,18-18 30,0 0-46,-1-18 16,-17-17-16,18 0 16,0 17-1,-18 0 1,17 18 46,1 0-46,-18 18 0,18-18-16,-1 35 15,1-17 1,-18 0 0,0-36 46,0-17-46,0 17-1,0-17-15,0-1 16,0 19-16,0-1 16,0 0-16,18 36 78</inkml:trace>
+  <inkml:trace contextRef="#ctx0" brushRef="#br0" timeOffset="36960.99">10707 2275 0,'70'-35'0,"-52"0"16,35 17-16,-35-17 16,-1 0-1,-17 17 1,0 0-1,-17 18 64,-1 0-64,0 0 1,1 0-1,-1 0 1,0 0 0,-52 0-1,35 0-15,17 0 16,-17 18-16,17 17 16,0 1-1,18-1 1,-17 0-1,17 0 1,0 1 0,0-19-1,17-17 1,19 18 0,-1-18-1,35 0 1,-52-18-16,0 18 0,-1-17 15,1-1 1,-18 0 62,-18 18-31</inkml:trace>
+  <inkml:trace contextRef="#ctx0" brushRef="#br0" timeOffset="38764.11">8096 3616 0,'0'-18'16,"0"1"31,-17-1-31,-1 18-1,0-18 1,-17 18-16,0 0 15,0 0-15,-1 0 16,1 0 0,-53 36-1,70-36-15,0 17 16,18 19 0,-17-36-1,70 17 79,17-17-94,-17 0 16,35 18-1,-35-18-15,-35 0 16,0 0-16,-1 18 15,1-18-15,0 17 16,17 18 0,-18 18-1,1-17 1,-18-19-16,0 19 0,0-1 16,0 0-1,0-17 1,0-1 15,-18 1-15,1-18-16,-18 0 15,-1 0 1,19 0-16,-19 0 16,1-35-1,17 35 1,18-18 62,18 18-31,0 0 0,-1 0-32,1 0 1,0 0 93,-18-18-93</inkml:trace>
+  <inkml:trace contextRef="#ctx0" brushRef="#br0" timeOffset="39114.03">8431 3845 0,'0'0'0,"18"0"31,-18-17 48,0-1-64,18 18 1,-18-18-1,0 1 1,0-19 0,0 19-16</inkml:trace>
+  <inkml:trace contextRef="#ctx0" brushRef="#br0" timeOffset="39514.33">8449 3704 0,'-35'18'0,"35"-1"16,-18-17 0,18 36-1,-18-19 1,18 1 0,0 0-1,0-1 1,0 1-1,18-18 1,-18 18 0,18-18-16,-1 0 31,1 0-31,0 0 16,17 0-1,-17 0 1,17 0-1,-18 0-15,1-18 16,0 0 0,-1 1-1</inkml:trace>
+  <inkml:trace contextRef="#ctx0" brushRef="#br0" timeOffset="40016.01">8731 3687 0,'0'0'0,"0"17"0,0 1 16,0-1-16,0 1 16,0 0-1,0-1 1,0 1-1,18 0 1,0-18 0,-1 0-1,1 0 1,-1 0-16,36 0 16,-35 0-1,17 0 1,-17-18-1,17 18 1,-35-18 0,18 1-1,-18-1-15</inkml:trace>
+  <inkml:trace contextRef="#ctx0" brushRef="#br0" timeOffset="40384.51">9031 3651 0,'18'36'31,"-1"-36"-15,-17 17-16,18-17 15,-18 18-15,18-18 16,-18 17 15,17-17-31,1 0 16,0 0 0,-1 0-16,19-17 15,-19-1 1,-17 1-1,18-19 1,-18 1 0</inkml:trace>
+  <inkml:trace contextRef="#ctx0" brushRef="#br0" timeOffset="40909.11">9349 3545 0,'17'0'31,"1"0"-15,0 0-1,-1 36 1,1-36 0,17 35-16,-35-17 15,0-54 79,0-34-78,18 34-16,-1 1 15,-17 18 1,18 17-16</inkml:trace>
+  <inkml:trace contextRef="#ctx0" brushRef="#br0" timeOffset="41226.31">9684 3440 0,'17'0'15,"1"0"1,0 0-1,-18 17 1,17 1-16,-17-1 16,0 1-1,18 0 1,-36-18 46,1-36-46,-54-34 0</inkml:trace>
+  <inkml:trace contextRef="#ctx0" brushRef="#br0" timeOffset="41453.56">9596 3246 0,'17'0'94,"18"0"-79</inkml:trace>
+  <inkml:trace contextRef="#ctx0" brushRef="#br0" timeOffset="41857.81">9825 3193 0,'35'17'16,"-17"1"-16,-18 0 16,35-1-1,-35 1-15,0-1 16,35 19-1,-35-19 1,0 19 0,18-1-16,-18-17 15,0-1 63</inkml:trace>
+  <inkml:trace contextRef="#ctx0" brushRef="#br0" timeOffset="43158.26">9842 3369 0,'18'0'31,"-18"-18"-15,18 18-1,-18-17-15,17 17 16,1 0-16,17-18 16,-17 18-1,0-18 1,17 1 0,-17-1-1,17 1 1,0-1-1,-35 0 1,18 18 0,-18-17-1,17 17 48,1 17-48,-18 1 1,0 0 0,18-1-1,-18 1 48,17-18-48,1 0 1,17-18 0,-17 1-16,-18-1 15,0 0-15,0 1 16,0-1 0,17 18 77,-17 18-77,0-1-16,0 1 16,0 35-16,0-18 15,36 36 1,-19 52-1,1-35 1,0 1 0,-18-72-1,0 1-15,0-1 0,0 1 16,0 0 0,0-1-1,-18-17 1,0 0-1,-17 0-15,0 0 16,17 0 0,-70-53-1,53 36 1,17-18 0,18 17-1,0 0 1,0-17-16,18 17 15,-1 1 1,-17-19 0,0 19-1,18 17 1</inkml:trace>
+  <inkml:trace contextRef="#ctx0" brushRef="#br0" timeOffset="44842.85">7214 2222 0,'18'0'204,"35"0"-189,0 0-15,35 0 16,71 0-16,-36-17 15,89-1-15,-71 18 16,194-35 0,-53 0-1,-193 17 1,-1 18 0,-35-18-16,-36 18 15,1 0-15,52 0 16,-34 0-1,87 0 1,159 0 0,-140 0-1,122-35-15,-87 17 16,-54 1 0,36 17-1,-36-18 1,107 18-1,-178 0 1,301-35 0,-282 17-16,264-17 15,141-53 1,-370 70 0,159-52-1,-124 34-15,-88 19 16,0 17-16,141-36 15,17 36 1,-123 0 0,300 0-1,36-52 1,-160 34 0,-211 18-16,159-35 15,-124 17 1,0 18-1,1-18 1,-54 18 0,35-17-1,-52 17 1</inkml:trace>
+  <inkml:trace contextRef="#ctx0" brushRef="#br0" timeOffset="47249.34">7267 3246 0,'35'0'203,"18"0"-187,53 0 0,-53 0-1,53 0 1,-35 0-16,-54 0 16,54 0-1,-36 0 1,-17 0-1,17 0-15,18 0 16,35 0-16,0 0 31,-17 0-31,70 0 16,-88 0 0,53 0-1,17 0 1,-70 0-16,88-18 15,-53 0 1,159 1 0,-106 17-1,-17-18 1,35 0 0,-36 1-16,-70 17 0,53-18 15,106 0 1,-1 1-1,-158 17 1,141-35 0,212-1-1,-318 19 1,0 17-16,230-36 16,-18 1-1,-89 17 1,54-34-1,-54 34 1,195-17-16,-318 17 16,142 0-1,140-17 1,-229 17 0,-17 18-16,-1-17 15,283-19-15,-159 1 31,-212 18-31,53-1 16</inkml:trace>
+  <inkml:trace contextRef="#ctx0" brushRef="#br0" timeOffset="53635.18">7779 4674 0,'0'-17'125,"35"17"-109,18 0-16,53-18 15,0 18-15,88-53 16,17 18-1,1 17-15,35-17 16,229-53 0,-211 52-16,70-34 15,-176 35 1,-89 35-16,36-18 16,-35 0-1,17 18 1,-71 0-16,54 0 15,-36 0 1,89 0 0,52-17-1,-141 17 1,230-18 0,-71-17-16,-35 17 15,70-17 1,124 0-1,-283 35 1,177-36 0,18 19-1,-71-1-15,106-17 16,0-1 0,-247 19-1,141-18 1,-106 17-1,88 0 1,-35 18 0,-88 0-16,53-17 15,35-1 1,-123 0 0,35 18-1,-36 0 1,1 0-1,35 0 1,-35 0 0,17-17-1,-18 17 1,1 0 15,0 0-15,-1 0-16,19-18 15,-1 18 1,-17 0 0,17 0-16,-18 0 15,-17-18 157,0-17-156,0 0-1,0 17-15,0 1 16,0-19-16,0 1 16,0-18-1,0 0 1,0 0-16,0 36 16,0-19-16,0 19 15,0-36 1,0 0-1,0 18 1,0-18 0,0 35-16,0-52 15,-17 34 1,17 1 0,0 0-1,0-36 1,-18 18-1,18 0-15,0 0 16,0-17 0,-17 35-16,17-1 15,0-17 1,-18 18 0,18-35-16,0 34 15,0 19 1,-18-36-1,1-18 1,17 36 0,-18-36-1,0 1-15,1 17 16,17 18 0,0-18-1,-36-18 1,19-17-1,-1 17 1,18 54 0,-35-89-16,35 71 15,0-18 1,-18 0 0,1 0-1,17 18 1,0 17-1,-18 0-15,18-17 16,-18-18 0,18 35-1,0-52 1,-17 35 0,17-1-1,0 19-15,0-1 16,0 0-1,-18-17 1,18 0 15,0-36-31,0 36 16,-18 0 0,18 17-1,-17 0-15,17-17 16,0 18-1,0-36 1,-18 35-16,1-53 31,-1 36-31,0-18 16,1-35 0,-36 18-1,17-1 1,19 18-1,-1 35 1,1 18 31,17-17-31,0-1-1,-18 18 1,0 0-1,1 0 64,-1 0-64,-17 0 1,-1 0-16,1 0 15,17-18-15,-70 1 16,35 17 0,0 0-16,36 0 15,-71 0 1,17-18 0,18 18-1,-35 0-15,17 0 16,-52 0-1,-1 0 1,89 0 0,-88 0-1,-1 0 1,71 0-16,-105 0 16,87 0-1,-176 18 1,-70 17-1,123-17 1,-36-1 0,124 1-16,18 0 0,-300 17 15,300-17 1,-106-1 0,-124 1-1,248 0 1,-124-18-1,-35 0-15,34 17 16,19-17 0,106 0-1,-72 0 1,-69 18 0,140-18-16,18 0 15,-17 0-15,-71 17 16,70-17-1,-35 0 1,0 0 0,71 18-16,-88-18 15,-71 18 1,123-18 0,-35 0-1,-17 0 1,17 17-1,71-17 1,-36 0-16,18 0 16,-17 18-1,34-18 1,19 0-16,-19 0 16,1 0-1,-18 0 1,18 18-1,-53-1 1,52 1 0,-87 0-1,88-18 1,-18 0-16,18 17 16,-71 1-16,88-18 15,0 0 1,-52 17-1,52-17 1,1 18-16,-19-18 16,-34 18-16,-1-18 15,1 17 1,52-17 0,18 18 109,0 17 46,0-17-171,0 35 16,0 0 0,0 0-16,18 35 15,-1-53 1,1 18 0,0 0-1,-18-18 1,17 1-16,-17-1 15,0-18 1,18 19 0,-18-1-1,18 0-15,-18-17 16,17 52 0,-17 1-1,0-18-15,0-18 16,18 36-1,-18-54 1,17 54 0,-17-53-1,0 35-15,36 35 16,-36-71 0,0 36-1,17-17 1,1 16-1,-18 19 1,18 17 0,-1-53-1,1 89 1,-18-71 0,18 53-1,-18-18-15,17 0 16,-17-70-16,18 17 15,-1 89 1,-17-89 0,0 18-1,18 53 1,0-71-16,-18 18 16,0-18-1,17 18-15,-17-35 16,18 34-1,0 1 1,-18-17 0,17 34-16,19 54 15,-19-89 1,-17 36 0,35-1-1,-35-35 1,18 54-1,0-19 1,-18-35-16,17 54 16,-17-54-1,18 0-15,-18-17 16,18 17-16,-18 0 16,17 1-1,-17 17-15,18-1 16,-18-34-1,18 53 1,-18-36 0,35 35-1,-35-52 1,17 35-16,-17-35 16,0-1-1,18 19 1,-18-19 15,0 1-31,0-1 16,0 1-1,18-18 1,-18 18-16,0-1 16,0 1-1,0 0 1,17-18 328,19 0-344,34 0 15,1 0 1,17-18-16,53 0 15,0-17 1,-105 35 0,16-18-1,-16 18 1,-19 0 31,-17-17 15,0-1 48,0 1-95,-35-89 1</inkml:trace>
+  <inkml:trace contextRef="#ctx0" brushRef="#br0" timeOffset="54821.67">7020 3281 0,'18'0'94,"0"0"-79,-1 0 17,1 0-17,-1 0 1,1 0 0,0 0-16,-1 0 15,107 0 1,-89 0-1,36 0 1,17 0-16,-70 0 16,17-18-1,-18 18 1,1 0 0,0 0-1,-1 0 32</inkml:trace>
+  <inkml:trace contextRef="#ctx0" brushRef="#br0" timeOffset="56356.06">6720 2293 0,'18'0'156,"0"-18"-140,70 1-1,-53 17-15,53-18 16,18 0-16,-71 18 16,54-17-1,-36-1 1,-36 18-1,1 0-15,-1 0 32,1 0-17,0 0 1,17-17-16,0 17 16,-17 0-1,0 0-15,-1 0 16,1 0-1,0 0 17,17 0-17,-18 0 1,1 0 0,0 0-16</inkml:trace>
+  <inkml:trace contextRef="#ctx0" brushRef="#br0" timeOffset="71125.28">15857 12559 0,'0'18'281,"0"-1"-265,0 1-16,0-1 16,0 1-16,0 0 15,0-1 1,0 36-1,0-35-15,0 52 16,0-52 0,0 17-1,0 1 1,0-1 0,0 18-1,0-35-15,0 17 16,0 0-16,18 18 15,-18 0 1,0-18 0,0 18-1,18 0 1,-18-18 0,0 1-16,0-1 15,0 0-15,0-17 16,0 35-1,0 17 1,0-35 0,0 54-16,0-1 15,0-70 1,17 52 0,-17-52-1,0 70 1,0-70-16,0 52 0,0-17 15,18 53 1,-18-71 0,0 18-16,18 71 15,-18-72-15,0-16 16,17 140 0,1-70-1,-18-53-15,0 88 16,0-70-1,0-36 1,0 35 0,17 36-1,-17-53 1,0 0-16,0 0 16,0 18-1,18 34 1,-18-69-1,0 52 1,18 0-16,-18-53 16,0 36-1,0 17 1,0 18 0,17-53-1,-17 53 1,0-71-16,0 53 15,0-35 1,0-18 0,0 36-1,0-36 1,0 36 0,0-1-16,0-52 15,0 35 1,0 17-1,0-34 1,0 17 0,18-1-16,-18-34 15,0 35 1,0 18 0,0-54-1,0 1 1,0 52-1,0-52-15,18 35 16,-18 0 0,0-36-1,0 54 1,0 0 0,0-36-1,0-17 1,0 17-16,0 0 15,0 0 17,0-17-1,0 0-15,0-1 15,0 1-31,0 0 15,0 17 1,0-18 0,0 1-1,0 0 1,0-1-16,0 19 31,0-19-15,0 1-1,0 0 17,0-1 15,0 1-32,17-18 266,1 0-249,0 0-1,-1 0 16,1 0-32,-18-18 1,17 18 0,1-17-1,0 17 32,17 0-16,-17-18-15,-1 18 0,1 0-1,0 0-15,-1-18 16,1 18 0,0 0-1,-1-17-15,18 17 16,-17 0-1,0 0 1,-1-18 0,19 18-1,-19 0 1,36 0-16,-18 0 16,-17 0-1,17-18 1,-17 18-1,17 0 1,-17 0 0,0 0 15,-1 0-31,1 0 16,70 0 15,-70 0-31,17 0 15,0 0-15,36 0 16,-18 0 0,-18 0-1,-17 0 1,17 0-16,-17 0 16,34 0-1,-16 0-15,-19 0 16,36 0-1,0 0 1,-35 0 0,35 0-1,-18-17 1,-17 17-16,35 0 16,-18 0-1,0 0 1,0 0-1,1 0 1,-19 0 0,1 0-1,0 0 1,17 0 0,-17 0-1,17 0 1,18 0-16,0 0 15,-18 0 1,0 0 0,1 0-1,-19 0-15,1 0 16,52 0 0,-34 0-1,-19 0 1,1 0-1,0 0 17,-1 0-17,-17 17 1,18-17 0,-1 0-1,1 0 1,0 0-1,-1 0 1,1 0-16,0 0 16,-1 0-1,1 0 1,0 0 0,17 0-1,-18 0 1,1 0-1,0 0-15,17 0 32,-17 0-17,-1 0 1,1 0-16,0 0 16,-1 0-1,1 0 1,-1 0-1,1 0 1,0 0 0,-1 0 31,1 0 15,0 0-31,-1 0 1,1 0-17,0 0 16,-1 0-15,1 0 15,0 0-15,-1 0 15,1 0 0,-1 0-15,1 0 15,0 0 16,-1 0-47,1 0 63,-18-17 234,0-1-251,0 0-30,18 18 15,-18-17-31,0-1 16,0 1 0,0-1 15,0 0-16,0 1 1,0-1 15,0 0-15,0 1 0,0-1-1,0 0-15,0-34 31,0 34-15,0 0-16,0 1 0,0-19 16,0 1-1,0 0 1,0-36 0,0 36-1,0-36-15,0 1 16,0 35-1,0-54 1,0 19 0,0 52-1,0-35 1,0 36 0,0-19-1,0 19 1,0-19-1,0 19 1,0-1 0,0-17-16,0 0 15,0 17 1,0 0 0,0-35-1,0 36 1,0-36-16,0 0 15,0 35 1,0-17 0,0 0-1,0 17 1,0-105 0,0 52-16,0 36 15,0-53 1,0-1-1,0 54 1,0 0-16,0 0 16,0-1-1,0-34 1,0-1-16,0 54 16,0-54-1,0 18 1,0 18-1,0-36 1,0 36-16,0-18 31,0-35-15,0 53 0,0-1-16,0 1 15,0-141 1,0 123-16,0-36 15,0 1 1,0 18 0,0 17-1,0 0 1,0 18 0,0-1-16,0-17 15,0-17 1,0 17-1,0 35 1,0-70 0,0 71-1,0-1-15,0-53 16,0 18 0,0 36-1,0-36-15,0 18 16,0-54-1,0-16 1,0 69-16,0-34 16,0-19-1,0 54 1,0-53 0,0-18-1,0 53 1,0-17-16,0 17 15,0 18 1,0-54 0,0 54-1,0-53 1,-18 17-16,18 36 31,0 17-31,0-52 16,0 52-1,0-35 1,0 0 0,-18-17-1,18 35 1,0 17 0,0-35-1,-17 0 1,17 35-1,0 1 1,0-1 0,0 0 15,0 1 0,-18 17 532,0 0-563,1 0 15,-36 0-15,35 0 16,-35 0 0,0 0-1,18 0 1,17 0-16,-17 0 0,0 0 15,17 0 1,-35 0 0,-17 17-1,52-17 1,-52 0 0,-1 18-1,18-18-15,0 0 16,0 0-1,18 0 1,-18 0 0,18 0-16,-36 18 15,-52-1 1,88-17 0,-54 18-1,-87-18 1,70 18-1,18-1 1,53-17 0,17 0-16,-17 0 15,-36 18 1,54-18 0,-54 0-1,0 0-15,54 0 16,-36 0-1,35 0-15,18 18 16,-35-18 0,-18 0-1,18 0 1,17 0-16,-17 0 16,-18 0-1,35 0 1,-17 0-1,-18 17 1,35-17-16,-17 0 16,0 0-1,-36 0 1,18 0 0,-17 0-1,52 0 1,-35 18-16,0-18 31,36 0-15,-1 0 15,0 0-15,1 18-16,-1-18 15,-17 0 1,17 0-1,1 0 1,-1 0 0,0 0-1,1 0 17,-1 0-17,0 0 1,1 17-1,-1-17 1,-17 0-16,17 0 16,-17 0-1,17 18 1,1-18-16,-1 0 16,0 0-1,18 17 1,-17-17-16</inkml:trace>
+  <inkml:trace contextRef="#ctx0" brushRef="#br0" timeOffset="73694">4904 15363 0,'0'18'93,"0"0"-93,0 17 16,0 36 0,0-36-16,17 88 15,19-17 1,-1-71-1,0 54 1,-17-54 0,-18-17-1,17-1-15,1 1 16,0-18 31,-1 0-32,1 0 48,0 0-47,-18-18-1,17 1-15,1 17 16,-1-18-16,1-53 15,0 54 1,-1-54 0,-17 54-1,0-1 1,0 0-16,0 1 16,0-1-1,0 0 1,0 1-1,0-1 1,0-17 0,0 17-1,0 36 142,18-1-142,0 1-15,-1 17 16,1 1-16,17-19 15,-17 19-15,0-19 16,17 1 0,0-1-1,-17 1 1,-1-18-16,1 18 16,0-18-1,-1 0 16,1 0-15,0 0 0,-1 0-16,18-36 15,-17 19-15,0-36 16,-18 35 0,17-105-1,-17 105 1,0-88-1,0 36-15,0 17 16,-17 18 0,17 17-1,-18 18 1,0-35 0</inkml:trace>
+  <inkml:trace contextRef="#ctx0" brushRef="#br0" timeOffset="74683.73">5821 15363 0,'17'0'0,"1"0"47,0 0 31,17 0-62,-17-35-1,-1 35-15,-17-17 16,0-1-16,0 0 16,-17 18 109,-1 0-110,18 36 48,0-19-48,18 18 1,-1 18 0,1-35-1,0 0-15,-1 17 16,1-17 0,-1-1 15,-17 1 0,18-18-31,17 0 31,-17 18-31,0-18 16,-1 0 15,1-18 16,17-17-31,-35-1-1,0 19 1,0-1-16,18 0 0,-18 1 16,0-36 15</inkml:trace>
+  <inkml:trace contextRef="#ctx0" brushRef="#br0" timeOffset="75676.52">6085 15011 0,'36'17'78,"-36"1"-62,0 0-16,53 35 16,-53-36-16,35 36 15,0 18-15,0-18 16,-35-36 0,36 36-1,-36-35 1,17-18 62,-17-18-16,0 0-46,0-17 0,0 18-1,0-1-15,0 0 16,0 1-16,36-19 16,-19 36-1,-17-17 1,18-1-16,0 18 15,-1-18 1,1 18 0,-1 0-1,19 0 1,-19 18 0,19-18-16,-19 18 15,19 17 1,-19-17-1,1-1-15,-18 1 16,0 17 31,0-17-16,-18-18-31,1 0 16,-1 17-16,0-17 15,-35 18 1,36-18 0,-1 0 31</inkml:trace>
+  <inkml:trace contextRef="#ctx0" brushRef="#br0" timeOffset="80245.13">7426 13300 0,'0'17'94,"0"19"-94,0 17 16,0-18-16,0 18 15,0 35-15,0-35 16,0 17-16,0 36 16,-18 53-1,1 70 1,17-105-16,-36 70 15,19-53 1,-1-35 0,0 17-1,1 71 1,-1-70 0,18-1-16,0-17 15,0-53 1,0 70-1,-17-52 1,17 70 0,0-35-1,-18 17 1,18 71-16,0-52 16,-18 16-1,18-52 1,-17 53-1,-1-124 1,18 71 0,-18-18-16,1 0 15,17-17 1,0-1 0,-18 36-1,18-35 1,-18-1-1,18-34-15,-17 34 16,17-17-16,0 0 16,0-18-1,0 36 1,-18 70 0,18-106-16,0 1 15,0-19 1,0 1-1,0 0 1,0-1 0,0 1-1,0 17-15,0 0 16,0 18 0,0-17-1,0-19 1,0 18-1,18-35 110,-18 18-62,17-18-1,1 0 1,0 0-32,-1 0-31,19 0 16,17-18-1,52 1-15,19-1 16,-54 1 0,19-1-16,-36 18 15,70-35 1,-17-1 0,-36 36-1,72-35-15,-125 17 16,54 1-1,-18 17 1,17 0 15,1 0-31,-54 0 16,54 0-16,17-18 16,-53 18-1,-17 0 1,17 0-1,18 0 17,-17 0-32,-1 0 15,0 0 1,-17 0 0,17 0-1,-17 0 1,-1 0-1,19 0 1,-19 0 0,36 0-1,-35 0 1,17 0 0,-17 0 15,-1-17 156,-17-1-171,0 0-16,0-35 16,36-70-1,-19 35-15,19-71 16,-1 18-16,18-53 15,0 17 1,-18 89 0,-17-35-1,17-1 1,-18 36-16,1-35 16,-18 52-1,35-70 1,-17 53-16,0 35 15,-18 35 1,17-105 0,-17-1-16,18 89 15,0-89 1,-1 1 0,-17-18-1,0 53 1,18-53-1,-1 105-15,1-122 16,-18-1 0,0 35-1,0-34 1,0 69 0,0-16-1,0-1-15,0-53 16,0 106-1,0-106 1,-18-17 0,1 88-1,-1 52-15,1-122 16,17 122 0,-36-34-1,19-1 1,-1 18-1,0 0 1,1 1 0,-1 16-16,18 19 15,-18 17 1,18-18 0,-17 0-1,-1 1 1,18-1 15,-17 18-31,-1-18 31,0 18-15,1-17 0,-1-1-1,-17 1-15,17 17 16,0 0-16,-17-18 15,0 0 1,-53 1 0,70 17-1,-70 0-15,0 0 16,-1 0 0,-34 0-1,-53 0 1,123 0-1,-106 17 1,18 19-16,35-19 16,88-17-1,-52 18 1,52-18 0,-17 0-1,17 0-15,1 0 16,-19 17-1,19-17 1,-1 0 15,0 0 1,1 0-1,-1 18-16,0 0 1,-123 17 0,0 18-16,106-18 15,-89 0-15,72-17 16,-90 17 0,90-17-1,52 0 188,0 17-187,0-17-16,0 17 16,17 0-16,-17 0 15,18-35-15,-18 36 16,17-1-1,-17 0 1,18-35-16,-18 18 16,18-1-16,-18 1 15,0 0 1,0-1 46,17-17-46,-17 36-16,18-1 16,17 0-1</inkml:trace>
+  <inkml:trace contextRef="#ctx0" brushRef="#br0" timeOffset="82068.3">12488 15416 0,'18'0'63,"-18"53"-48,35-17-15,-17-1 16,0 18-16,-1 0 15,1-18-15,-18 0 16,17-17-16,-17 17 16,18-17-1,-18-53 110,0 17-125,-18-17 16,18-1 0,-17-34-1,17 52-15,0-35 16,0 18-1,0 17 1,17 18 93,1 0-93,0 36-16,17-19 16,-35 1-16,35 17 15,1 0 1,-19-17 0,-17 17-1,18-35 1,-18-35 109,0 17-125,0-17 31,0 18-31,0-19 16,0-17-16,0 36 15,0-1 1,17 18 62,1 0-78,0 0 16,-18 18-16,35-18 15,-17 35 1,17-17-16,-35-1 16,18-17-1,-18 18-15,17-18 0,1 18 16,0-18 15,-1 17-15,-17 1-16,18-18 31,-1 0-31,1 0 31,17-18 0</inkml:trace>
+  <inkml:trace contextRef="#ctx0" brushRef="#br0" timeOffset="83041.86">13194 15416 0,'-18'0'47,"18"18"-31,0 0-1,0-1 16,0 1-15,0 0-16,0-1 31,0-34 172,0-1-187,18 18 15,0 0 110,-1 0-125,1 18-1,-1-18 1,-17 17-16,18-17 94,0 0-79</inkml:trace>
+  <inkml:trace contextRef="#ctx0" brushRef="#br0" timeOffset="83429">13441 15434 0,'17'0'31,"1"18"0,0-18-31,-18 17 16,17 1-16,-17 0 15,0-1 1,18-17 0</inkml:trace>
+  <inkml:trace contextRef="#ctx0" brushRef="#br0" timeOffset="84440.31">13529 15134 0,'18'0'32,"-1"0"-17,1 18 17,17 17-32,-35-17 15,18-1-15,35 54 16,-36-18-1,19 0 1,-19 0 0,1-53-1,-18 17 1,0 1-16,0 0 31</inkml:trace>
+  <inkml:trace contextRef="#ctx0" brushRef="#br0" timeOffset="85195.94">13300 15081 0,'-18'0'15,"-17"0"1,17 18-16,1 17 15,-19-17 1,36-1-16,0 1 16,0 0-1,0-1-15,0 1 32,18-53 61,-18 17-93,0 0 16,0 1-16,0-1 16</inkml:trace>
+  <inkml:trace contextRef="#ctx0" brushRef="#br0" timeOffset="86764.09">14940 15452 0,'18'0'172,"35"0"-156,-18 0-16,18 0 15,17 0-15,1 0 16,0-18-16,34 18 16,-16-18-1,-36 18-15,88-35 16,-106 35-1,0 0-15,0 0 16,1-18 0,17 18-1,35-17 1,0-18 0,-35 17-1,-35 18 126,-1 0-141,-17-18 15,18 18 1,-1 0 15,19-17-31,17-1 16,-36 18 0,19-18-1,-36 1 1,17 17-1,1 0 1,0-18 0,-1 18-1,1 0 32,-18-18-31,17 18-1,-17-17 1</inkml:trace>
+  <inkml:trace contextRef="#ctx0" brushRef="#br0" timeOffset="87464.99">16228 14975 0,'17'0'110,"1"0"-95,35 0-15,0 18 16,17 0 0,-52-1-1,53 19-15,-54-36 16,19 17 0,-1 19-1,-18-19 1,-17 1-1,0-1 79,0 1-78,-17 0-16,-1-1 15,-17 19-15,0-19 16,-36 19 0,-35 16-1,18 1 1,70-17-16,1-36 16,-1 17-16,0-17 15,1 18 1,-1-18 15,-17 18-31</inkml:trace>
+  <inkml:trace contextRef="#ctx0" brushRef="#br0" timeOffset="88686.06">6279 16334 0,'53'0'141,"0"0"-141,18-18 16,17 0-1,0 1-15,18-19 0,123-17 16,-140 36-1,122-36 1,-87 18 0,-71 35-1,0-36 1,-36 36 0,1 0-1,17-17 1,0-1-1,1 18 1,34-18 0,-52 1-16,52-1 15,-52 18 1,0-17-16,17 17 31,-35-18-15,18 18-16</inkml:trace>
+  <inkml:trace contextRef="#ctx0" brushRef="#br0" timeOffset="89587.19">7655 15734 0,'18'0'78,"0"0"-63,34 0 1,1 0-16,-35 0 16,53 18-16,-36-18 15,71 35 1,-36-18-1,-52 1 1,0-18-16,-1 18 16,-17-1 156,0 1-172,-17 17 15,-19-17 1,36 0-16,-17-1 15,-1 1 1,18-1 0,-18 1-1,-17 17 1,17-17-16,-17 35 16,18-35-1,-1 17-15,0-35 16,1 35-1</inkml:trace>
+  <inkml:trace contextRef="#ctx0" brushRef="#br0" timeOffset="93451.09">12471 14693 0,'17'0'141,"1"0"-126,35 35-15,17-17 16,36 35-16,0 0 15,18 0 1,-19 0-16,89 17 16,-105-52-1,-36-18 1,-36 0 0,1 0-1,-18-18-15,17-17 0,36-106 16,-17 17-1,-1 72 1,-17-54 0,-1 70-1,1-34 1,-1 52-16,1 1 0,0-19 16,-1 1-1,36 0 1,-35 35-1,0-18 1,-1 18 62,1 0-62,0 0-16,17 18 15,-18-1 17,1 1-17,0 17 1,-18 1 0,0 52-16,0-71 15,0 19 1,0 17-1,-36 35-15</inkml:trace>
+  <inkml:trace contextRef="#ctx0" brushRef="#br0" timeOffset="95070.14">4974 14534 0,'0'18'47,"0"17"-31,18-35-16,-1 53 16,1-17-1,35 16-15,-35-34 16,87 106-1,1-36 1,-35-53-16,-53-35 47,-1-35-31,1-1-1,17-16 1,36-107-16,-54 106 15,36-35 1,-18 52 0,-17 19-1,17-1 1,18-17 0,-17 35-16,34 0 15,-35-18 1,-17 18-1,0 0 1,-1 0 31,1 0-31,17 18-16,-17-18 15,-18 18 1,17-18 31,-17 17-32,18 1-15,0-18 32,-18 17-32</inkml:trace>
+  <inkml:trace contextRef="#ctx0" brushRef="#br0" timeOffset="96577.99">8431 10495 0,'0'53'63,"0"0"-63,18 0 15,-18 0-15,18 53 16,-1 17-16,1-52 16,0 105-1,17 0 1,-35-87-1,35 34 1,-17 54 0,17-36-16,-35-36 15,35 37 1,-17-90 0,-18 1-16,18-35 15,-18 53 1,0-54-1,17 18-15,-17-17 63,0 0-47,0-1 15,18-17-31,-18 18 0,18-18 31,-18 18-15,0-1-1,0 1 1,0 0 0,0-1-1,0 1 16</inkml:trace>
+  <inkml:trace contextRef="#ctx0" brushRef="#br0" timeOffset="97319.85">8220 12541 0,'17'0'63,"1"0"-63,17 0 31,-35 18-31,36 0 0,-1-1 15,18 54 1,-36-71-16,36 70 16,0-34-16,71 87 15,-54-105 1,-34-1 0,-19 1-1,1-18 48,-1 0-32,1 0-15,0 0-16,-18-18 0,17 18 15,1-35-15,17 0 16,36-71-1,-36 53 1,53-70 0,-88 87-16,36-17 15,-1 18 1,-35 17 0,18 18-1</inkml:trace>
+  <inkml:trace contextRef="#ctx0" brushRef="#br0" timeOffset="112034.12">22560 12065 0,'18'0'31,"-18"18"-15,17-18-16,1 53 16,17 35-1,-17-53-15,17 88 16,1-34 0,-19 34-1,18-52 1,1 87-1,-36-122-15,0-1 16,17 36-16,1-18 16,-18-36-1,0 1 1,-35-53 46,17-18-46,-17 0-16,-18 0 16,35 0-16,-35-18 15,0-17 1,36 18-16,-36-19 16,35 19-1,-17 17 1,35 0-1,0-18 1,0 36 0,0-18-1,0 18-15,0 17 16,18-17 0,34 0-1,1 17 1,-17 0-1,70-17-15,-89 35 16,71 0 0,36 0-1,-89 0 1,89 18 0,-54 35-1,-17-36-15,-35 1 16,-18 0-1,17 52 1,-17 18 0,0-52-1,-105 140 1,87-141 0,-53 1-16,36-19 15,-36 1 1,54-18 15,-1 0-31,36 0 141,17 18-126,36-1-15,-36-17 16,36 18 0,34 17-16,-16-17 15,-37-18-15,1 35 16,-35-35-1,0 0 64</inkml:trace>
+  <inkml:trace contextRef="#ctx0" brushRef="#br0" timeOffset="112762.87">23566 12577 0,'17'0'31,"1"0"-15,-1 0 15,1 0-15,17-18 0,1 0-16,-19 1 31,-17-1-31,18 18 15,-18-35 1,0 17 31,-35 18-31,-1 0-16,1 0 15,0 0-15,17 0 16,-17 18-1,17-1-15,-17 1 16,35 0-16,0-1 16,0 1-1,0 0 17,0-1-17,18-17-15,-18 35 16,53-17-1,-18 0 1,35-18 0,-34 17-1,-19-17 1,1 0-16,0 0 16,34 0-16,-16 0 15,-1 0-15,0 0 16,18-35-1,0 17 1,18-34 0,-36 16-16,0 1 31</inkml:trace>
+  <inkml:trace contextRef="#ctx0" brushRef="#br0" timeOffset="114001.05">24112 12382 0,'0'0'0,"-17"0"0,-1 18 15,0 0 1,18-1 0,0 1-1,0 17-15,0-17 0,0 0 16,0 17 0,0-17-1,18-18 1,17 35-1,-35-18 1,18-17-16,0 0 63,17 0-48,-17-35 1,-1 18-1,-17-1 1,18-35 0,-18 18-16,0-1 15,0 19 1,0-36 0,-18 0-16,-17 0 15,0 0 1,17 35-1,-17-17 1,35 18 0,0 34 77,17 18-93,1 1 16,0-1-16,-1-17 16,1 17-16,17 35 15,18-17 1,-35-17 0,-1-1-1,1-17 1,-36-18 187,1 0-187,-1 0-16,0 0 15,-17-18 1,0 18-16,0 0 31,17 0 110</inkml:trace>
+  <inkml:trace contextRef="#ctx0" brushRef="#br0" timeOffset="114603.06">22296 12559 0,'17'0'47,"18"0"-31,18-18-16,36 18 15,52-17-15,17 17 16,-16-18-1,210-17-15,-140-1 16,35-17 0,-159 36-1,18-1-15,-88 1 16,-1 17 0</inkml:trace>
+  <inkml:trace contextRef="#ctx0" brushRef="#br0" timeOffset="115690.27">22490 12224 0,'35'0'31,"0"0"-15,36 0-16,17 0 15,53-18-15,53 18 16,229-53-1,-88 18 1,-264 35 0,70-18-1,-123 18 1,-18 36 62,-18 34-62,1-52-16,-54 52 15,0 18-15,-52 1 16,-36 69 0,89-105-1,-142 106 1,177-141-16,17-18 0,36 0 109,35-18-109,0 0 16,35-17-16,35 0 15,18 0-15,-53 35 16,248-89 0,-178 72-1,-34-1-15,-89 1 16,-52 17 93,-36 0-93,0 0 0,-71 17-16,1 18 15,-160 54 1,107-72-16,-106 19 15,176-19 1,-53 1 0,106-18-1</inkml:trace>
+  <inkml:trace contextRef="#ctx0" brushRef="#br0" timeOffset="117208.08">25947 11942 0,'0'0'0,"-18"0"0,-35 0 16,-53 0 0,1 0-1,-72 0-15,142 17 16,-71 18 0,88-35-1,18 18 1,-17 0-1,17 17 1,0-17 0,0-1-16,0 1 15,0 0 1,17-18 0,-17 17-1,36-17 1,17 18-16,-18-18 15,18 0-15,-36 0 16,107 0 0,-36 0-1,18 0 1,0 0-16,-89 17 31,19 1-15,-19-18-1,1 18-15,0-1 16,-18 1 0,17 17-16,-17 36 15,0-18 1,-17-36 0,-72 72-1,54-72 1,-124 36-1,124-53 1,-88 18-16,34-18 16,1 0-1,35-18 17,18-17-17,35 17-15,-18 18 16,18-17-16,0-19 15,0 19 1,0-19 0,53 1-1,-35 17 1,17 1 0,36 17-16,-36 0 0,0 0 15,18 0 1,36 0-1,-54 0 1,18 17-16,17 1 16,-17 0-1,-35-18 1,-18 17 0,17-17-1,1 0 1,0 0 15</inkml:trace>
+  <inkml:trace contextRef="#ctx0" brushRef="#br0" timeOffset="117892.08">26141 12330 0,'35'0'15,"-17"0"1,-1 0 0,1 0-16,0-18 15,-1 18 1,1 0-16,17 0 15,0-35 1,-17 35-16,0-18 16,-18-17-1,0 17 17,-18 18-17,0-18 1,1 1-16,-18 17 15,17 0 1,-17 0 0,17 17-1,0-17-15,18 18 16,-17 17 0,17-17-1,0 0 1,0-1-1,17 1 1,1 0 0,-18-1-16,53 1 15,35 17 1,-53-35 0,107 0-1,-72-18 1,18-17-1,-70 18-15,17-19 16,-17 19 0,-18-1-1,17 18 1</inkml:trace>
+  <inkml:trace contextRef="#ctx0" brushRef="#br0" timeOffset="118284.92">26776 12100 0,'0'0'0,"-18"18"31,18 0-15,0-1 0,0 18-16,0 1 15,0-19 1,18-17 0,-1 18-1,19 0 1,-1-18-1,0 0-15,1 0 0,-1 0 16,0-18 0,0 0-1,-35 1 1,0-1 0</inkml:trace>
+  <inkml:trace contextRef="#ctx0" brushRef="#br0" timeOffset="118622.88">27040 12136 0,'18'0'47,"-18"17"-32,18 1-15,-1-18 16,1 17-16,0 1 16,-1-18-1,1 0 1,0 0 0,-1 0-1,-17-18 1,35 1-16,-17-54 15,0 54 1,-18-19 0,0 19-1</inkml:trace>
+  <inkml:trace contextRef="#ctx0" brushRef="#br0" timeOffset="119072.32">27323 11977 0,'17'0'31,"1"0"-15,0 17 0,-1-17-1,1 36 1,-1-19-16,-17-70 94,0 36-79,18-36-15,0 18 16,-1-1-1</inkml:trace>
+  <inkml:trace contextRef="#ctx0" brushRef="#br0" timeOffset="119419.99">27658 11818 0,'17'0'31,"1"0"-31,-18 18 31,18-18-31,-18 17 16,0 19-1,17-19 1</inkml:trace>
+  <inkml:trace contextRef="#ctx0" brushRef="#br0" timeOffset="119628.05">27587 11448 0</inkml:trace>
+  <inkml:trace contextRef="#ctx0" brushRef="#br0" timeOffset="120598.67">28046 11465 0,'17'18'63,"-17"0"-47,18 17-16,0-35 15,-18 53-15,17-36 16,1 54-1,0-53 1,-1 17-16,-17-17 16,0-1-1</inkml:trace>
+  <inkml:trace contextRef="#ctx0" brushRef="#br0" timeOffset="121161.98">28063 11642 0,'18'-36'187,"0"36"-171,-1-17-16,19-1 16,-19 18-1,1-18-15,0 18 16</inkml:trace>
+  <inkml:trace contextRef="#ctx0" brushRef="#br0" timeOffset="122142.13">28416 11448 0,'18'0'63,"-18"17"-63,0 1 15,35 17 1,-35-17-16,35-1 15,-35 1 1,18-18 0,0 18-16,-1-18 31,1 0-15,35-53-16,-53 35 15,35-17-15,-35 0 16,35-18-1,-35 35 1,18 18 78,-18 18-94,18-1 15,-18 1-15,0 35 16,17-35-16,1 52 16,-18-35-1,18 1 1,-1 87 0,1-105-1,-18 17-15,0 53 16,0-17-1,0-18-15,-53 17 16,18-52 0,-18-18-1,-18 0 1,-123-18 0,124-17-1,52 0 1,18 17-1,0-35 1,35-35 0,-17 70-1,53-17-15,-19-35 16</inkml:trace>
+  <inkml:trace contextRef="#ctx0" brushRef="#br0" timeOffset="122981.79">25541 13088 0,'35'0'62,"36"-18"-46,17-17-16,36 0 16,70-18-16,35-18 15,71 18 1,300-70 0,158-53-16,-529 140 15,424-70 1,-318 36-1,-211 35 1,-19 17-16,-87 0 16,0 18-1</inkml:trace>
+  <inkml:trace contextRef="#ctx0" brushRef="#br0" timeOffset="126965.88">24765 11659 0,'35'0'125,"18"-17"-125,0-1 15,18 0-15,17 1 16,18-19-1,158-34 1,-158 35-16,88-1 0,-88 1 16,159-53-1,34 0 1,-105 70 0,-88-17-1,124-1 1,-107 19-1,124-18-15,-194 35 16,159-36 0,-18 1-1,-89 17 1,-52 1 0,-17 17-16,-1 0 15,18 0 1,35-18-1,-53 0 1,230 1 0,-177-1-1,106-17-15,-70 0 16,123-18 0,-212 17-1,-18 36 1,1 0 328,0 18-329,-1 0-15,-17 35 16,36-18-1,-19 18-15,1 0 0,17 53 16,18 70 0,-18 0-1,36 54 1,-18 34 0,-35-193-1,17 158-15,-18-176 16,-17-35-1,0 17-15,18-35 16,-18 18 0,0 17-1,18-18-15,-1 19 16,1 52-16,0-53 16,17 106-1,0 0 1,-17-70-1,17 53 1,0-19 0,-17-34-1,0-53 1,-18 17 0,0-18 15,17 1 0,-17 0-15,0-1-16,18 1 15,-18 0-15,0-1 16,0 1 0,-53 0 124,0-18-124,-53 17-16,18 1 15,-106 35 1,88-18-16,-70 18 16,52-18-1,-105 18 1,35 0 0,88-35-1,-53 17-15,36 0 16,-106 18-16,123-35 15,-18-1-15,36 1 16,-18 17 0,36-17-1,-54 0 1,-52 17 15,158-35-31,-52 18 16,17-18-16,-141 35 31,88-35-31,53 17 16,-70 1-16,-36 0 15,106-18 1,-71 17 0,36 1-1,53-18 1,-18 0-1,35 0-15,-17 0 16,0 18 0,17-18 15,1 0 47,-1 0 16,0 0-79,1 0 32,-1 0-15,0 0-17,1 0-15,-19 0 16,19 0-16,-1 0 15,-17 0 1,17 0 0,1 0 249,-1-18-233,0 0-17,18-17-15,0 17 16,-35-17-16,17-18 15,1 36 1,-19-89 0,1 53-1,18-18 1,-19 1 0,36 52-16,-17-35 0,-1 0 15,0-53 1,1 71-1,-19-53 1,1-35 0,0 17-1,-71-177 1,106 213-16,-35-1 16,-36-70-1,-17-123 1,53 158-1,-1-35-15,-16 17 32,-1-34-32,0 69 15,17 1 1,19 70 0,-1-34-1,1 34 1,69 18 218,54 0-234,-18 0 16,89 0-16,-1 0 15,-17-18 1</inkml:trace>
+  <inkml:trace contextRef="#ctx0" brushRef="#br0" timeOffset="128496.95">22243 15593 0,'17'0'62,"1"53"-46,0-53-16,-1 53 16,1-36-1,-1 19-15,-17 16 16,18-16-1,0-1-15,-18-17 32,0-36 61,0-35-93,0 0 16,0-35-16,0-18 16,0 36-1,0-107-15,0 89 16,0 53 0,17-1-1,-17 19 1,18 17-1,0 0 32,-1 0-47,36 17 16,-18-17-16,-17 36 16,53-1-1,17 53 1,-35-53-16,35 89 15,0-1 1,-35-34 0,0-19-1,-53-35 1,18 1-16,-54-36 109</inkml:trace>
+  <inkml:trace contextRef="#ctx0" brushRef="#br0" timeOffset="128893.14">22454 15734 0,'18'-18'78,"52"-17"-62,1 17-16,0-17 15,70-35 1,-106 52 0,18-17-16,-18 17 15</inkml:trace>
+  <inkml:trace contextRef="#ctx0" brushRef="#br0" timeOffset="129691.13">23001 15452 0,'18'0'15,"-1"0"1,19 17 15,-19-17-31,36 71 16,-17-36 0,-19 0-16,1-17 15,-18 0 1,17-1-1,-34-70 95,-18 18-95,-1-35-15,36 34 0,-35-70 16,17 54 0,18 16-1,0-17 1,0 36 0,18-1-1,0 18-15,17-18 16,0 1-1,0 17 1,-17 0 0,0 0-1,-1 17-15,1 1 16,0 35 0,-18 0-1,0 17 1,-36 19-1,1-54-15,17 0 16,18-17-16,-17-18 16,17-18 31,0 1-16,53-1-31</inkml:trace>
+  <inkml:trace contextRef="#ctx0" brushRef="#br0" timeOffset="130429.01">23530 15346 0,'18'0'16,"0"0"15,-18 53-15,17-36-16,1 36 15,-1-35 1,-17 17-1,0-17-15,0-36 79,-52-35-64,16-35-15,19 53 16,-1-53-16,0 35 15,18 17 1,0 19 0,0-1-1,36 18 48,17 0-48,-36 0 1,18 0-16,1 18 16,-19-18-1,19 70 1,-19-34 0,-17-19-1,0 1-15,0 0 16,0-1 15,-17-17-15,-1 0-1,0 0-15,1 0 16,-1 0 15</inkml:trace>
+  <inkml:trace contextRef="#ctx0" brushRef="#br0" timeOffset="131307.91">23742 14975 0,'18'0'31,"-1"18"1,-17 0-17,0-1-15,18 1 16,-1 35-16,1-35 15,17 70-15,-17-71 16,17 36 0,-17-17-1,0-19 1,-18 1 0,0-36 30,0-17-46,0 17 16,0 1 0,0-1-16,17 18 125,-17-35-32,0-36-77,0 36 0,-17-18-1,17 35 1,0 1 15</inkml:trace>
+  <inkml:trace contextRef="#ctx0" brushRef="#br0" timeOffset="132635.95">22931 16510 0,'17'18'78,"-17"35"-78,0-18 16,0 0-16,18 0 15,-1 36 1,1-18-16,-18-18 16,0-17-1,0-1 1,0-52 93,18 0-109,-1 0 16,-17-18-16,36 0 16,-19 17-16,1-16 15,35 16 1,-53 19-16,35-1 15,0-17 1,-17 35-16,0 0 31,70 88 1,-53-35-17,0 0-15,-35 35 16,0-53-1,0 1-15,0-1 16,-17 0 0,-36 0-1,35-35-15,1 0 16,-1 0 0,-17 0-1,17 0 1,0 0-1,18-17 17,-17 17-32,17-18 15</inkml:trace>
+  <inkml:trace contextRef="#ctx0" brushRef="#br0" timeOffset="133422.26">23442 16651 0,'18'0'32,"-1"0"-17,1 18-15,0-1 16,-1-17 46,1-17-46,0-1 0,-1-17-16,1 0 15,-1 17-15,1 0 16,0 18 0,-18-17-1,17 17 32,1 0-31,0 0-1,-1 0 1,1 0-16,0 0 0,-1 0 16,1 0 15,17 0-16,-17-18 1,17 0 0,0-17-16,-17 17 15,0 18-15,-1 0 32,1 0-17,0 0 1,-1 0-1,1 0 1,-18-17-16,17 17 47,19 0-16</inkml:trace>
+  <inkml:trace contextRef="#ctx0" brushRef="#br0" timeOffset="143549.78">8714 12506 0,'0'18'16,"0"-1"-16,0 1 15,0 0 1,0-1 0,35 36-1,-35-35 1,0-1-16,0 1 15,0 0 1,0-1 0,0 1-1,18 0 1,-18-1 0,0 1-16,0-1 15,0 1 1,17 0-1,1-1 17,-1-17 30,-17-53 63,0 36-125,0-36 16,0 18-16,0-1 15,0-34-15,0 17 16,-17 18 0,17-18-1,0 35 1,0 0 0,0 1-1,0 34 126,17 1-126,1 35-15,0-18 16,-18 36-16,17 17 16,1 18-1,-18-18 1,18 18 0,-18-124 77,0-17-77,0 0 0,0 17-1,0 0 1,0 1-1,-18-36 1,18 35-16,-18-17 16,18 17-1,0 1-15,0-1 16,0-17 0,-17 35-1,17-18 1</inkml:trace>
+  <inkml:trace contextRef="#ctx0" brushRef="#br0" timeOffset="146835.94">9631 8996 0,'0'17'47,"17"1"-32,-17 0 1,18-1-16,0 36 15,-18 0 1,35 0-16,-17-18 16,-1 71-1,1-18 1,0-35-16,-18-17 16,0-19-1,-18-70 79,-17 0-78,17 1-16,-17-19 15,17 18-15,0 0 16,1 18-16,-1-36 15,18 36 1,0 0-16,0-53 16,0 70-1,35-70 1,1 35 0,-1 18-1,-17 35 32,35 0 0,-18 17-47,18 1 16,-18-1-1,-17 1-15,35 35 16,0 0-1,17 53 1,-35-71-16,1 71 16,-1-36-1,-35-17 1</inkml:trace>
+  <inkml:trace contextRef="#ctx0" brushRef="#br0" timeOffset="147388.13">9772 9260 0,'0'-17'78,"0"-1"-78,18 18 15,-1 0-15,-17-17 16,35 17 0,-35-18-16,89 0 15,-72 18 1,89-53-1,-71 36 1,1-1 0,-19 18-16,1-18 15</inkml:trace>
+  <inkml:trace contextRef="#ctx0" brushRef="#br0" timeOffset="148268.98">10213 9013 0,'18'0'32,"17"18"-32,-18 17 15,19-17-15,-1 35 16,-17-18 0,-1-17-16,19 17 15,-19 0 1,-17-17-1,-35-53 95,17 0-110,-17-1 15,35 19-15,-18-1 16,1-35 0,-1 18-1,18 17 1,-18 0 0,18-34-16,0 34 15,0 0 1,0-17-1,18 35 1,-18-18-16,18 1 16,-1-1-1,1 18-15,0 0 47,-1 0-47,19 18 16,-19-1-1,1 19-15,0-36 16,-1 35-16,1 0 16,-18-17 15,0 17-15,0-17-1,-18-18-15,1 17 16,-1 1-1</inkml:trace>
+  <inkml:trace contextRef="#ctx0" brushRef="#br0" timeOffset="149201.97">10636 8908 0,'18'17'32,"0"1"-32,-1 17 15,1 0-15,35 36 16,-53-53-1,35 52 1,-17-52 0,-18 0-1,0 17 1,17-18-16,-17 1 16,-17-36 46,-19-17-46,1-18-16,0 0 0,-18-17 15,35 34 1,-17 1 0,17 0-1,1 35 1,17-18-16,0 1 15,0-1 1,0 0 0,17-17-1,19 0 1,-1 0 0,18 17-16,-18-17 15,0 17 1,-17 18 31,0 0-47,-1 0 15,1 18 1,0 17 0,-18-17-16,0-1 15,0 36 1,0-35-1,0 17 1,-18-17-16,0-1 16,1-17-1,-1 0 32,0 0-47</inkml:trace>
+  <inkml:trace contextRef="#ctx0" brushRef="#br0" timeOffset="149708.46">10936 8484 0,'18'0'32,"-1"36"-32,19-19 15,-19 18-15,36 54 16,-35-54-1,17 53 1,0-35 0,-17-18-1,-18 1 1,18-36-16,-18 17 16</inkml:trace>
+  <inkml:trace contextRef="#ctx0" brushRef="#br0" timeOffset="150017.76">11236 8696 0,'18'0'47,"-1"18"-31,1-1 0,0 19-1,-18-19-15,0 1 16,17-18-16,-17 17 15,-17-17 32,-19-35-31</inkml:trace>
+  <inkml:trace contextRef="#ctx0" brushRef="#br0" timeOffset="150255.04">11183 8449 0,'18'0'140,"70"0"-140</inkml:trace>
+  <inkml:trace contextRef="#ctx0" brushRef="#br0" timeOffset="151460.95">11483 8555 0,'0'-18'32,"-18"18"-32,1 0 15,-1 0 1,18 18-16,-18-1 15,1 19 1,17 17 0,0-18-1,0 0 1,17 1-16,-17-19 16,36 1-1,-36-1-15,17 1 16,1-18 15,0 18-15,52-18-16,-35 0 15,18-18-15,-17 0 16,69-34 0,-105 16-1,18 1 1,-18 17-1,0 1 17,0-19-1,-18 36-15,-17-17-1,0-1-15,17 18 31,1 0 16,17 18-31,0-1-16,0 19 16,0-19-16,0 1 15,0 17 1,0-17-1,0 0 1,17-18-16,-17 17 16,18-17-1,17 0 17,-17-17-17,-1-1 1,19-17-16,-19-1 0,1 1 15,-18 17 1,18 18 62,-18 18-62,0 0-1,0-1-15,17 1 16,1 17 0,-18-17-16,0 0 15,18-36 79</inkml:trace>
+  <inkml:trace contextRef="#ctx0" brushRef="#br0" timeOffset="151816.82">11942 8343 0,'0'18'47,"0"-1"-47,17 19 16,-17-19-1,18 19-15,-18-1 16,17-17-1,-17 17 1,18-18-16,-18 19 16,0-1-1,-18-35 1,18 18 0,-17-18-1,-1 0 1,1 0-16</inkml:trace>
+  <inkml:trace contextRef="#ctx0" brushRef="#br0" timeOffset="152136.93">11800 8537 0,'0'0'0,"53"0"0,-35 0 15,17 0-15,-17 0 16,0 0 0,-1 0-16,36 0 31,-35 0-16,-1-17-15,1 17 16,0 0-16,-18-18 16,0 0-1,0 1 1</inkml:trace>
+  <inkml:trace contextRef="#ctx0" brushRef="#br0" timeOffset="152488.26">12153 8449 0,'0'0'0,"0"18"15,0-1 1,0 1-16,18-18 16,-18 18-1,17 17-15</inkml:trace>
+  <inkml:trace contextRef="#ctx0" brushRef="#br0" timeOffset="152749.82">12083 8184 0</inkml:trace>
+  <inkml:trace contextRef="#ctx0" brushRef="#br0" timeOffset="153759.85">12277 8378 0,'0'18'47,"0"0"-47,0-1 15,0 1-15,0 0 16,0-1-16,0 1 16,0 0 15,17-18-15,-17 17-16,18-17 62,0 0-46,-18-17-1,17-1-15,-17-17 16,18 17 0,-1 18-16,-17-18 15,0 1 1,0-1-1,0 0 1,0 1 31,0-1-31,-17 1-1,-1 17 1,1-18-1,-1 18 48,0 18-63,18-1 16,0 18-1,0-17 1,0 0-16,0-1 31,18-17 16</inkml:trace>
+  <inkml:trace contextRef="#ctx0" brushRef="#br0" timeOffset="154717.81">12524 8326 0,'17'0'31,"-17"35"-31,0-18 16,0 1-16,0 0 15,0 17 1,0-17-1,0 17 1,0-53 78,0-17-79,0-18-15,0 0 16,0 0-16,0 0 16,0 36-16,0-1 15,0 0 1,18 18 62,0 0-62,-1 0 15,-17 18-15,18 0-16,-1-1 15,1 1 1,-18 0-1,0-1 1,0 1-16,0 0 16,18-1-1,-18 1 32,0-1 0,0-34 62</inkml:trace>
+  <inkml:trace contextRef="#ctx0" brushRef="#br0" timeOffset="159949.04">9948 9737 0,'18'0'156,"53"-18"-156,34 0 15,1-17 1,0 17-16,18-17 16,52 0-16,-35 0 15,88-18 1,-88 17 0,-105 19-1,-1-1-15,36 1 16,-36 17-1,0 0-15,18-36 16,53 19 0,-53-1-1,70-35 1,-35 35-16,18-34 16,-35 34-1,17-35 1,-35 35-1,106-35 1,-18 18 0,-71 0-16,54 0 15,-71 17 1,0 18 0,-18-18-1,-17 18 1,17-17-1,18 17 1,-18 0-16,-17-18 0,17 18 16,0-18-1,18 18 1,18-35 15,-54 35-31,54-18 16,-53 1-1,-1 17 1</inkml:trace>
+  <inkml:trace contextRef="#ctx0" brushRef="#br0" timeOffset="164808.22">8590 9119 0,'-18'0'140,"1"0"-124,-18-17-16,-18 17 16,-53-18-1,71 0-15,-107 1 16,90 17 0,-1 0-16,0 0 15,-35 0 1,-1 0-1,54 0 1,-53 17 0,53-17-16,-71 18 15,-71 17 1,89 1 0,-35-1-1,17-17 1,-18 17-1,71-18-15,1 1 16,-1 0 0,-36 17-1,-16 0 1,69-17 0,-105 35-16,18-18 15,87 0 1,-105 18-1,18 35 1,17-17 0,-17 17-1,87-53-15,-17 18 16,36-53 0,-1 36-16,-17-19 15,0 36 1,17-35-1,-17 52 1,17-52-16,-17 53 16,17-36-1,0 0 1,-17 36 0,35-36-1,-17 18-15,-36 53 16,35-89-1,-17 54 1,17 17 0,-35 18-1,18 17 1,-18-17-16,18-35 16,-1 52-1,19-17 1,-19 0-1,1 17 1,18-34 0,-1-1-1,18-35-15,-18-18 16,1 53 0,17 18-1,-18 18 1,18-72-1,0 54-15,0-53 16,0 35 0,0-35-1,0-35 1,0 35 0,0-35-1,0 17-15,0 18 31,0-18-15,0 18 0,0 17-1,0-17-15,0-35 16,0 35-16,0-18 16,0 1-1,18 52 1,-18-53-1,0 36 1,0-36 0,17 71-16,1-89 15,0 89 1,-18-53 0,17 0-1,1-18 1,-18 18-1,0-35-15,17-18 0,-17 17 16,18 19 0,0-36 31,-18 17-32,0 1 16,17-18-31,-17 18 16,18-1 0,0-17-1,-18 18-15,0 0 16,17-18 0,-17 17-1,0 1 1,18-1-1,-18 1 17,0 0-17,18-18-15,-1 17 16,-17 1 0,0 0 30</inkml:trace>
+  <inkml:trace contextRef="#ctx0" brushRef="#br0" timeOffset="166596.85">4516 13829 0,'17'0'125,"1"18"-109,-1 17 0,1-35-16,17 35 15,-17-17-15,88 70 16,-89-70-1,19-1-15,-19 1 16,1-18 0,0 17-1,-1-17 63,1 0 79,0 0-142,-1 0 17,1 0-1,0 18-16,-1-18-15,-17 18 16,18-18 0,-18 17-16,17-17 15,-17 18-15,18-18 16,0 18 0,-18-1-1,17-17 1,1 0-1,-18 18-15,18-18 16,-1 0 15,1 18 1,0-18-17,-1 0 1,-17 17-1,18-17 1,-1-17 93,-17-1-93,18-17-16,0-1 16,-1 1-1,1 0-15,0-18 0,-1 35 16,19-88 0,-19 71-1,1 0 1,0 0-1,-1-18-15,-17 17 16,0 1 0,18 17-1,-18 1 17,0-1-32,17 18 15,-17-17 63,18-1-46,-18 0-17,0 1 1,18 17-16,-18-18 15</inkml:trace>
+  <inkml:trace contextRef="#ctx0" brushRef="#br0" timeOffset="169453.97">11342 9842 0,'0'18'234,"17"0"-218,1-18-16,-18 35 16,18-17-16,17-1 15,-35 19-15,18-19 16,-1 1-1,-17 0-15,18 34 16,-18-34 0,18 17-16,17 54 15,-18 16 1,-17-69 0,36 52-1,-36 0 1,0-53-1,17 54-15,-17-37 16,0-16 0,0 34-1,18 18 1,-18-70 0,0 70-1,0-17-15,0-36 16,0 36-1,0 17 1,0-18 0,-18 36-1,1 0-15,17-71 16,-36 107 0,36-54-1,-35 18 1,0-1-1,-18 89 1,35-141-16,-70 141 16,71-141-1,-36 53 1,17-35 0,19-36-1,-36 35 1,35-52-16,18 0 0,-35 17 15,-18 18 1,-53 70 0,53-87-1,0 17-15,0-18 16,-70 88 0,70-87-16,-159 122 15,106-87 1,71-36-1,-53 18 1,35-18 0,0-17-1,0 35-15,18-35 16,-71 17 0,36 18-1,34-36 1,-70 19-1,54-1 1,16-17-16,-17-1 16,-17 1-1,17 17 1,35-35 0,-35 35-1,18-35 1,35 18-16,-35-18 15,17 18 1,1-18 15,-1 0 1,18 17 30,-18-17-46,1 0-16,-1 0 15,-17 18 1,17 0 0,0-18 62,1 0-78,-1 0 15</inkml:trace>
+  <inkml:trace contextRef="#ctx0" brushRef="#br0" timeOffset="170821.81">8943 13776 0,'-18'18'171,"18"-1"-171,-17 1 16,17 17-16,-36-35 16,36 35-16,-53 18 15,53-35 1,-17-18-16,17 18 16,-35 17-1,17-17 1,18-1-1,-18-17 1,1 18 0,-1 17-1,-35-17-15,35 17 16,-123 53 0,106-70-16,-18 17 15,18-17 1,52-1 296,36 1-296,53 0 0,-53-1-16,18 1 15,-36 0-15,18-18 16,53 17-1,-71-17 1,-17 18-16,-1-18 16,19 18-1,-19-18-15,1 0 16,-1 0 15</inkml:trace>
+  <inkml:trace contextRef="#ctx0" brushRef="#br0" timeOffset="174744.91">7832 17216 0,'-36'-36'15,"19"36"1,17-17-16,-18 17 16,0 0-1,1 0 17,-1 0-17,1 0 1,-1 0-1,-17 35 1,-18 18-16,35-36 16,0 19-16,-17-19 15,18 19 1,17-1-16,-36-17 16,36 52-1,-17-17 1,17-35-16,0 17 15,0 0 1,0-17 0,17-18-1,1 18 1,0-18 0,17 0-1,-18 0 16,1 0-15,0-18 0,-1 0-1,19-17-15,-36 0 16,53-1 0,-18-17-1,-18 18 1,1 0-1,17-18 1,-35 35-16,0 1 0,18-54 16,-18 54-1,0-107 1,0 89 0,0 17-1,0-52-15,0 52 16,-18 0-1,18 1 1,0 52 140,0 0-156,0 1 16,0 16-16,0-16 16,36 17-16,-19 17 15,19 1 1,-19-18 15,1-53 63,-18-18-79,18 0-15,-1 18 0,1-35 16,17-18 0,18-35-1,-53 53-15,18-1 16,-18 19-16,0-18 16,0 17 15,0 53 47,0 0-62,17-17-16,-17 17 15,18 1-15,-18-19 16,0 19-16,0-19 15,18 36 1,-18-35 0,0-1-1,17-17 48,1 0-48,17-17-15,18-1 16,0-52-16,53-19 31,-18 19-31,-70 17 16,-18 35 0,0-17 15,0 17-16,-18 18 79,18 18-78,0 0-1,0-1-15,0 19 16,0-19 0,18 18-1,-1 1-15,1 17 16,17-36 0,-35 1-16,18 17 15,-1 18 1,1-35-1,-18-1-15,0 19 16,0 34 0,0-52-16,-53 52 15,35-70 1,1 0 15,-1 0-15,-17 0-1,17-17-15,-17-54 16,35 36 0,0-36-1</inkml:trace>
+  <inkml:trace contextRef="#ctx0" brushRef="#br0" timeOffset="175677">8678 16810 0,'18'0'31,"-18"18"-15,18 17 0,-1 0-16,1-17 15,17 35 1,-17-18-16,17 18 15,-17-18 1,-18 0 0,17-17-16,-17 0 15,-35-36 95,17 0-95,1 1-15,-1 17 16,1 0-16,-1-18 16,0 18 15,18-18 0,0 1-15,0-1-1,18 1 1,0-1-16,17 0 16,0 1-16,-35-1 15,18 0 1,17 18-16,-17-17 62,17 17-46,-17 0 0,-18-18-1,35 18-15,-35-18 16</inkml:trace>
+  <inkml:trace contextRef="#ctx0" brushRef="#br0" timeOffset="176097.86">8996 16880 0,'17'18'16,"1"0"15,0-18-31,-18-36 141,0 1-126,0 0 1,35-89-16</inkml:trace>
+  <inkml:trace contextRef="#ctx0" brushRef="#br0" timeOffset="176829.14">9313 16651 0,'-17'0'15,"17"18"1,0-1 0,-18 19-16,18-19 15,0 36 1,0-35-16,0 17 15,0 0 1,18-35 0,-1 18-1,1-18-15,-18 18 16,18-18 0,-1 0 15,1 0-16,35-53 1,-36 35 0,-17-52-16,18 70 15,-18-53-15,0 35 16,0-53 0,-18 71-1,1-52 1,-18 34-1,17 18 48,18 35-47,0-17-1,0 35 1,18-36-16,-18 19 15</inkml:trace>
+  <inkml:trace contextRef="#ctx0" brushRef="#br0" timeOffset="177797.27">9631 16616 0,'0'17'16,"17"1"-1,-17 17-15,18 18 16,0-17 0,17-1-1,-17-35 1,-1 0 0,19 0-16,-19 0 15,71-71 1,-70 54-1,0-36-15,17-35 16,18-1 0,-53 19-1,18 70 48,-1 70-48,-17-52-15,0 0 16,0 52-16,18 18 16,-1-35-1,19 88 1,17 89 0,-36-107-1,-17 1 1,0-1-16,0-70 15,-17-18 1,-1-35 0,0 0-1,1 0-15,-1-17 16,-70-54 0,35 18-16,0 18 15,35 17 1,18 1-1,-17-1 1,-1 0 0,18 1-16,0-1 15,0 0 1,18-17 0,17 0-1,-17 35 1,35-35-1,-53 17-15</inkml:trace>
+  <inkml:trace contextRef="#ctx0" brushRef="#br0" timeOffset="179786.99">10601 15099 0,'-18'18'31,"1"17"-15,-1-18-16,-17 36 16,35-35-16,-35 17 15,17 1 1,-53 52 0,36-53-1,35 0-15,-53 1 0,0 34 16,53-35-1,-35 36 1,17-71 0,18 18-1,0-1-15,-17-17 16,17 18 0,0 0 15,0-1-16,-18-17 1</inkml:trace>
+  <inkml:trace contextRef="#ctx0" brushRef="#br0" timeOffset="181188.78">10724 14164 0,'-17'0'203,"-1"0"-203,-35 53 16,18-35 0,35-1-1,-35 36-15,17-18 16,0-17-16,18 17 16,0 54-1,0-1 1,0-71-1,18 19-15,17-1 16,-35-17 0,36-1-16,-1 1 0,0-1 15,-17-17 17,-1 0-1,1-17-16,17-54-15,-17 1 16,35-142 0,0-35-1,-18-53 1,-35 212 0,0 0-16,0 53 15,0 17-15,0 0 16,0 36 78,18 52-79,-1-17 1,1 36-16,0-54 15,-1 35 1,19-17-16,-36-17 0,17 17 16,1 17-1,-1-17 1,1-35 0,-18-1-1</inkml:trace>
+  <inkml:trace contextRef="#ctx0" brushRef="#br0" timeOffset="181840.9">11112 13988 0,'-35'88'0,"35"-18"15,0-52-15,0 0 16,0 52-16,35 18 15,-17-52 1,17-1 0,-17-35-1,17 35 1,-17-35 0,0 0-1,-1 0-15,-17-35 16,18-53-1,-18 35 1,0 18-16,0-1 16,0-34-1,-18 52-15,-17-35 16,0 36 0,17-1-1,0 36 79,1 17-78,17-18-1,0 19-15,0-19 16,0 1-16,0 0 15</inkml:trace>
+  <inkml:trace contextRef="#ctx0" brushRef="#br0" timeOffset="182484.95">11254 14111 0,'17'35'16,"1"-35"-1,-18 18-15,18 17 16,17 1 0,0-19-1,-35 1 1,18-18-16,-1 0 31,1 0-15,-18-35-16,18-54 15,-18 54 1,0 0 0,0 17-1,17 18 32,-17 18-31,18 35-16,0-53 15,-18 35 1,35 0-16,18 1 16,-36-36-1,36 17 1,-17-17-16,-1 0 16,-17 0-1,17-17 1,-35-19-1,17-17-15,-17 0 16,0-35 0</inkml:trace>
+  <inkml:trace contextRef="#ctx0" brushRef="#br0" timeOffset="183099.9">11783 13970 0,'0'18'15,"17"35"-15,1 17 16,0-35-1,-1 1 1,-17-1-16,18-17 16,-18-54 31,18-87-32,-1 70 1,-17 0-1,36 18-15,-1-18 16,-18 53 62,1 0-62,0 0-1,-1 17-15,1 1 16,0 0 0,-1 17-1,1 0-15,-18-17 16</inkml:trace>
+  <inkml:trace contextRef="#ctx0" brushRef="#br0" timeOffset="183743.9">11695 13547 0,'0'-18'16,"0"-17"-16,17-18 16,1-35-1,17 35 1,-17 17-16,-1-16 15,19-19-15,-19 18 16,1 53 0,-18-18-16,0 1 31,18 17-31,-18-35 16,17 35-1,1-53 1,17 35-16,18-70 15,-53 52 1,53 1-16,-35-18 16,17-17-1,0 17 1,0 18-16,1-18 16,-19 17-1,-17 19-15,18 17 16,-18-36-16,18 36 31,-18-17-31</inkml:trace>
+  <inkml:trace contextRef="#ctx0" brushRef="#br0" timeOffset="184495.72">12118 12153 0,'0'-17'110,"0"-1"-95,18 18 1,17-18-16,0 1 15,-17 17 1,-1 0 15,1 0 1,0 0-32,35 35 15,-36-17 1,36 52-1,-18 1 1,-35-36 0,36 18-16,-19 17 0,1 36 15,-18-70 17</inkml:trace>
+  <inkml:trace contextRef="#ctx0" brushRef="#br0" timeOffset="184956.81">12876 11712 0,'0'18'47,"18"52"-47,17 1 16,-35-36-16,36 18 15,-36-18-15,0 36 16,17-36 0,-17-70 62,-17-36-78,-36-52 15</inkml:trace>
+  <inkml:trace contextRef="#ctx0" brushRef="#br0" timeOffset="185688.06">13264 11130 0,'0'0'0,"36"0"16,-1 0-16,-17 0 16,-18 18-1,0-1 1,0 19-16,0 17 15,-18 52 1,-35 1 0,0-53-1,-17 35 1,34-52 0,36-19-16,-17-17 15,52 0 188,36 18-203,17 0 16,0-1-16,-35 1 16,0-18-1,0 18-15,17 17 16,-52-18-1,-36-17 79,1 0-94,-36 0 16</inkml:trace>
+  <inkml:trace contextRef="#ctx0" brushRef="#br0" timeOffset="186276.93">12929 11553 0,'0'0'0,"0"-17"16,0-1-16,0 1 16,0-19-1,0 19 1,0-19-1,0 19-15,18-1 16,-18 0-16,18-34 16,17 16-1,-17 19 1,70-72 0,-53 54-1,0 0 1,-17 17-1</inkml:trace>
+  <inkml:trace contextRef="#ctx0" brushRef="#br0" timeOffset="186965.45">13582 11465 0,'18'0'16,"-1"0"-16,18 0 15,1-17-15,-19 17 16,1 0-1,0-18-15,-1 0 16,-17 1 15,0-1-15,0 0 15,-17 1-15,-1 17-1,0 0 1,1 0 0,-1 17-16,18 1 15,0 0 1,0 17 0,0-17-1,18-1 1,-1 19-1,19-1-15,-19-18 16,36 19 0,-35-19-1,17-17 1,53 0 0,-35-17-16,-17-54 15,-1 36 1,-35 0-16,17-1 15</inkml:trace>
+  <inkml:trace contextRef="#ctx0" brushRef="#br0" timeOffset="187523.86">14005 11271 0,'-35'53'0,"70"-106"0,-70 124 0,35-54 16,0 19 0,0-1-16,0 0 15,0 1 1,0-19-16,0 18 16,18-17-1,-1 0 1,19-36 31,-19-35-47,18 18 15,-17-18 1,0-106 0,-1 89-16,-17-19 0,0 1 15,-17 35 1,-1 18-1,18 53 48,0-1-47,0 19-16,0-19 15,0 19-15,0 16 16,0 72-1,0-89-15,0 18 16,0-18 0,0-17-1,53 0 1,-53-1 0</inkml:trace>
+  <inkml:trace contextRef="#ctx0" brushRef="#br0" timeOffset="188335.26">14235 11236 0,'35'0'32,"-17"0"-17,-1 0 1,1 18-16,-1-1 15,19 19-15,-1-19 16,0 36 0,1-35-1,-19-18 48,1-36-63,-1 1 15,1-18-15,-18 0 16,0 18-16,0 0 16,0 17-1</inkml:trace>
+  <inkml:trace contextRef="#ctx0" brushRef="#br0" timeOffset="188804.19">14693 11077 0,'-17'0'15,"-19"35"-15,36-17 16,-17 53 0,17-36-1,0 18 1,17 0-16,1-36 16,0 1-1,-1 0 1,1-18-1,-1-18 17,19-52-17,-36 52 1,17-35 0,1-35-16,0 52 15,-18-105-15</inkml:trace>
+  <inkml:trace contextRef="#ctx0" brushRef="#br0" timeOffset="189060.09">14817 10848 0,'0'18'16,"0"17"-1,17 0-15,19 71 16,-19-71-1,18 36 1,-17-54-16,0 1 16,-1 0 15,1-18-31,17 0 16,-17 0-1,53-36-15</inkml:trace>
+  <inkml:trace contextRef="#ctx0" brushRef="#br0" timeOffset="190031.05">15205 11007 0,'0'0'16,"-18"0"-16,0 0 16,1 17-16,17 1 15,0 17 1,0-17 0,0 35-16,0-36 31,0 1-31,0 0 15,17-18 1,1 0 0,17 0-1,-17-18-15,17-53 16,-17 54 0,-18-1-16,0 1 31,18 17-16,-1 0 1,1 0 47,-18-18-17,0 0-30,17 18 31,-17 18-31,18 0-1,-18-1-15,18 1 16,-18-36 62,17-17-62,1 0-16,-18-1 15,18 19 1,-1-19-1,1 19-15,0 17 79,-1 0-64,1 0-15,0 0 16,-18 17-1,17-17-15,1 0 16,-1 0 0,19 0-1,-36-17 1,53-71 0</inkml:trace>
+  <inkml:trace contextRef="#ctx0" brushRef="#br0" timeOffset="190918.89">15716 10636 0,'0'18'78,"0"0"-78,0 17 15,0-18-15,0 1 16,36 17-16,-36-17 16,35 0-1,-18-18 1,1 0 0,17-18-16,-35-17 15,0-18-15,18-18 16,0 18-1,-1 53 64,-17 18-79,18-18 15,-18 18-15,18-18 31,17-18 1,-35-17-17,17-1-15,1 19 16,0-1 0,-1 18 30,-17 53-30,0-35-16,0 52 16,0-52-1,0 88 1,-17-89-16,17 54 16,0-36-1,0-17-15,-36 52 16,19 1-1,-1 17 1,1-88 0,17 18-16,-18-36 47,18-52-47,0-1 15,0 36 1,0-53-1,0 52-15,0 19 16,0-1 0,0 0 15,18 18-31</inkml:trace>
+  <inkml:trace contextRef="#ctx0" brushRef="#br0" timeOffset="197379.15">17551 10495 0,'0'35'93,"0"18"-93,0 0 0,0-17 16,0 34-16,0 1 16,17-1-1,1 1-15,0 123 16,-18-159 0,17 124-1,-17-53 1,0-36-16,36 54 15,-36-54 1,17-34 0,-17-1-1,0-18 1,0 1 0,0 17-16,18-17 15,-18 0 1,17 35-1,-17-36 1,0 18-16,18-17 16,0 35-1,-18 0-15,17-35 16,-17-1 0,0 1 15,0-1-16,0 1 1,0 0 0,18-18-1</inkml:trace>
+  <inkml:trace contextRef="#ctx0" brushRef="#br0" timeOffset="198369.38">17339 12118 0,'18'0'78,"-1"0"-63,1 0-15,0 0 16,17 18-16,18-1 16,-36 18-16,72 18 15,-1 18 1,-53-36 0,-17-35-16,17 53 15,36 0 1,-54-35-1,1-18 1,-18 17-16,17-17 16,-17 18-1,18-18 1,0 0 0,-18-18 124,35-35-124,-17 0-16,17-17 0,53-89 31,-70 53-31,70-52 16,-53 87-1,1-52 1,-1 87-16,-35 1 16,53-36-1,-53 54-15,35-54 16,-17 54-1,17-54 1,-35 53 0,18 18-16</inkml:trace>
+  <inkml:trace contextRef="#ctx0" brushRef="#br0" timeOffset="-210774.57">15646 2240 0,'17'0'125,"1"0"-93,0 0-1,-1 0-15,1 0-1,0 0-15,-1 0 16,54 0-1,-18 0-15,35 0 16,0 0 0,-53 0-1,1-18 1,34 1 0,-52 17-1,35 0 1,0 0-16,-36 0 15,19 0 1,-1-18 0,0 18-1,0 0 1,-17-17-16,0 17 16,-1 0-1,1 0 1,0 0-1,-1 0 1,1 0 0,-1 0-1,-17-18-15,18 18 16,0 0 0,17 0-1,-17 0 63,-18-18-62,17 18 0</inkml:trace>
+  <inkml:trace contextRef="#ctx0" brushRef="#br0" timeOffset="-208565.78">15628 2452 0,'18'0'94,"-1"0"-78,1 0-1,17 0 1,-17 0 0,0 0-16,-1 0 140,1 0-124,-1 0 0,19 0-16,-19 0 15,72 0 1,-19 0-1,-52 0-15,70 0 16,124 0 0,-54 0-1,-69 0 1,16-18-16,-52 18 16,0 0-1,-35 0 1,0 0-1,-1 0 64</inkml:trace>
+  <inkml:trace contextRef="#ctx0" brushRef="#br0" timeOffset="-206335.5">15628 2275 0,'35'0'250,"18"0"-234,0 0-16,-18 0 15,36 0-15,-18 0 16,88 0 0,-70 0-16,-1 0 15,1 0-15,17 0 16,-70 0-1,17 0 1,-18 0 15,1 0 32,0 0-32,-1 0-15,1 0-16,0 0 15,17 0-15,-17 0 16,17 0 0,18 0-1,-36 0 1,36-17-16,-17 17 15,-1 0 1,-17 0 0,-1-18-1,18 18 1,-17 0 0,-36 0 202,-17 0-202,0 0 0,-18 0-16,-18 0 15,-87 0-15,69 0 16,-69 0-1,52 0 1,53 0 0,35 0-1,54 0 282,16 0-281,19 0-16,0 0 15,-1 0-15,1 0 16,70 0 0,-35 0-1,0 0-15,-36 0 16,-17 0-16,-18 0 31</inkml:trace>
+  <inkml:trace contextRef="#ctx0" brushRef="#br0" timeOffset="-205069.83">16633 1993 0,'36'0'62,"-1"0"-46,0 0-1,1 18-15,17 17 16,-36-35 0,89 53-16,-35 0 15,-36-35 1,18 34 0,35 19-1,-35-18 1,-36-35-1,19 17-15,-1 0 16,-17-17 0,-18-1-1,17-17-15,-17 18 219,-17 0-203,-36 17-1,0 18-15,-53 17 16,53-34 0,-35 34-1,35-17 1,35-35-16,1 0 94,-1-1-94,0 1 31</inkml:trace>
+  <inkml:trace contextRef="#ctx0" brushRef="#br0" timeOffset="-190357.94">16422 6985 0</inkml:trace>
+</inkml:ink>
+</file>
+
+<file path=ppt/ink/ink12.xml><?xml version="1.0" encoding="utf-8"?>
+<inkml:ink xmlns:inkml="http://www.w3.org/2003/InkML">
+  <inkml:definitions>
+    <inkml:context xml:id="ctx0">
+      <inkml:inkSource xml:id="inkSrc0">
+        <inkml:traceFormat>
+          <inkml:channel name="X" type="integer" max="1920" units="cm"/>
+          <inkml:channel name="Y" type="integer" max="1080" units="cm"/>
+          <inkml:channel name="T" type="integer" max="2.14748E9" units="dev"/>
+        </inkml:traceFormat>
+        <inkml:channelProperties>
+          <inkml:channelProperty channel="X" name="resolution" value="36.43264" units="1/cm"/>
+          <inkml:channelProperty channel="Y" name="resolution" value="36.48649" units="1/cm"/>
+          <inkml:channelProperty channel="T" name="resolution" value="1" units="1/dev"/>
+        </inkml:channelProperties>
+      </inkml:inkSource>
+      <inkml:timestamp xml:id="ts0" timeString="2021-07-02T04:22:13.671"/>
+    </inkml:context>
+    <inkml:brush xml:id="br0">
+      <inkml:brushProperty name="width" value="0.05292" units="cm"/>
+      <inkml:brushProperty name="height" value="0.05292" units="cm"/>
+      <inkml:brushProperty name="color" value="#FF0000"/>
+    </inkml:brush>
+  </inkml:definitions>
+  <inkml:trace contextRef="#ctx0" brushRef="#br0">18644 1217 0,'0'18'31,"0"-1"-15,0 1-16,0 17 15,0 36-15,0-54 16,0 19-16,0 105 16,18-35-1,0-53 1,17 141-1,-35-124 1,17 1-16,-17-18 16,18 52-16,0-34 15,-18-36 1,0-17 0,0-36 155,-18-17-155,-17-18-16,-36-88 16,-17 0-1,53 70 1,-18-17-16,-18-35 0,36 35 16,-53-54-1,70 89 1,1 18-16,-19-71 15,19 71 1,-1 0-16,18-36 16,0 54-1,0-19 1,0 19-16,0-1 16,18-35 15,-1 35-16,1 1-15,53-18 16,105-18 0,-53 17-1,-34 19 1,16 17 0,-52 0-16,0 0 15,-17 0-15,16 0 16,-16 17-1,-1 54 1,-17-36 0,-1 53-1,-17 36 1,0-71-16,-70 17 16,-1 1-1,-52-1 1,-36 1-1,124-53 1,-106 17 0,105 0-16,36-17 109,18 0-109,17-18 16,0 35-16,71 0 15,35 36 1,-70-36-16,35 0 16,-36 0-16,54 18 15,-89-35 1,-17-18-1,-18 18 95</inkml:trace>
+  <inkml:trace contextRef="#ctx0" brushRef="#br0" timeOffset="749.02">19297 1870 0,'0'0'0,"18"0"16,-1 0 0,1 0 15,-18-18-16,35 18-15,-17-18 16,52-17 0,36-18-16,-35 0 15,-36 0 1,-17 36 0,-1-1-1,-17 1 1,0-1-16,-53 0 31,36 1-15,-71 17-1,35 0 1,-18 0-16,-17 35 16,53 0-1,17 0-15,18-17 16,0 0-1,0 17 1,0 0 0,0-17-1,18 17-15,17-17 16,0 17-16,36-17 16,17 17-1,0-17 1,18-18-1,-18 0 1,71-18 0,-36-35-16,-70 18 15,-17-36 1,-19 54 0,-17-19-16,0-34 15</inkml:trace>
+  <inkml:trace contextRef="#ctx0" brushRef="#br0" timeOffset="1458">20161 1535 0,'0'53'0,"0"-36"15,0 71 1,0-52-1,0 52 1,18-35 0,52 70-1,-34-70-15,-36-35 16,0-36 46,-53-17-46,35-36-16,-17 18 16,0-35-1,-1 35 1,19-17 0,17 17-1,0 35-15,0-17 16,0 17-1,17-17 1,1 35 0,17 0-1,18-18 1,18 1-16,-18 17 16,-18 0-16,18 17 15,0 19 1,0-19-1,-36 19 1,1-1 0,-18-18-1,-18 1 17,-140 35-1,122-53-16,1 0-15,35 18 32</inkml:trace>
+  <inkml:trace contextRef="#ctx0" brushRef="#br0" timeOffset="2019.04">20638 1517 0,'0'53'0,"-18"0"16,18-36-1,0 19-15,0-19 16,18-17 0,-1 18-1,1 0 1,17-18-16,-17 0 15,-1 0 1,1-18 0,0-17-1,-18-1 1,0 1 0,0 0-1,0 17-15,0 1 16,-18 17-1,18-18-15,-18 18 16,-17-18 0,17 18-16,1 0 15</inkml:trace>
+  <inkml:trace contextRef="#ctx0" brushRef="#br0" timeOffset="2550.23">20867 1429 0,'0'17'31,"0"1"-15,0 0-16,0-1 16,0 1-1,17-18-15,-17 18 16,36-18 0,-19 0-1,-17 17 1,18-17-1,0 36-15,-18-19 16,17 18 0,-17 1-1,0-19 1,0 1-16,-17-18 16,-19 18-1,19-18 1,-1 0-1,18-18 1,-18-53-16</inkml:trace>
+  <inkml:trace contextRef="#ctx0" brushRef="#br0" timeOffset="2893.18">21167 1429 0,'17'0'31,"1"17"-16,-18 1 1,0 0-16,18-1 16,-18 1-1,0 0 1,-71-36 46</inkml:trace>
+  <inkml:trace contextRef="#ctx0" brushRef="#br0" timeOffset="3138.9">21008 1270 0,'0'-18'16</inkml:trace>
+  <inkml:trace contextRef="#ctx0" brushRef="#br0" timeOffset="4633.42">21378 1094 0,'0'17'62,"0"19"-62,0-1 16,0-18-16,18 36 16,-18-35-16,18 53 15,-1-19 1,1-34-16,-18 17 16,18 1 15,-1-19-31,-17 1 31</inkml:trace>
+  <inkml:trace contextRef="#ctx0" brushRef="#br0" timeOffset="5136.89">21290 1323 0,'18'0'31,"-1"-18"1,1 18 15,0 0-32,-18-17 1,17 17-16,1 0 15,0 0 48,-18-18-47,0 0-16,17 18 15,1-17 1</inkml:trace>
+  <inkml:trace contextRef="#ctx0" brushRef="#br0" timeOffset="5946.86">21731 1147 0,'-18'17'0,"36"-34"0,-53 52 16,17-18-1,1 1-15,17 17 16,0-17-1,0 0 1,0-1 0,17-17-1,-17 18 17,18-18-17,-1 0 79,-17-35-94,0 17 16,0 0-1,0 1 16,0-1-31,0 0 16,0 1 0,-17-1-1,17 1 1,-18 17-16,18-18 31</inkml:trace>
+  <inkml:trace contextRef="#ctx0" brushRef="#br0" timeOffset="6376.01">21943 1199 0,'17'0'31,"1"36"-15,17-19-1,-35 1 1,18 0-16,0-1 15,-18-52 64,0 0-79,0 17 15,-18-35 1</inkml:trace>
+  <inkml:trace contextRef="#ctx0" brushRef="#br0" timeOffset="7167.92">22049 882 0,'17'0'0,"1"18"16,0 34-1,-1-34 1,1 0-16,17 17 16,-17-17-1,-1-18 1,1 0-1,35 0 1,-18-18 0,18-53-16,0-17 15,-53 71 1,0-1 0,0 36 46,0-1-46,0 19-16,0-1 15,0 18-15,18-36 16,-1 54 0,1-18-1,0 0-15,17 0 0,0 35 16,-35-70-1,18 87 1,-1 125 0,-17-195-1,-35 36 1,17-54 0,-52-34-1,-18-54 1,35 36-1,-18-71 1,54 71-16,17 17 16,0-17-16,0-1 15,0 1 1,53 17-16,-18-17 16,88-18-1,1 0 1,-1 0-16,-52 1 15,-36 34 1</inkml:trace>
+  <inkml:trace contextRef="#ctx0" brushRef="#br0" timeOffset="16715">15610 1023 0,'0'0'0,"-35"0"0,18 0 16,17-18-16,-18 18 15,0 0 1,1 0 31,-1 0-16,0 18-15,1 17-16,-1 1 15,-17-1 1,35 0 0,-18 36-1,18-54-15,0 1 0,0 53 32,18-71-17,17 35 1,-17-18-1,-1-17-15,1 18 16,-18 0 0,18-18-16,-1 0 15,1 0 1,0 0 0,-1-18 15,1 18-31,35-35 15,-36 17 1,54-17 0,-53 17-1,-1 18 1,-17-17-16</inkml:trace>
+  <inkml:trace contextRef="#ctx0" brushRef="#br0" timeOffset="17652.84">15804 829 0,'0'18'15,"18"17"-15,0 0 16,17 18 0,-17 0-1,-18-35-15,35 52 16,-17-52 0,-18 0-1,0-36 173,0 0-173,0 1-15,-18 17 16,18-18 0,0 0-1,0 1 1,0-1-1,0 0 1,0 1 15,18 17-31,-1 0 16,1 0 15,17 0-15,0 17-1,-17 1 1,0 0 0,17 17-1,-35-17 1</inkml:trace>
+  <inkml:trace contextRef="#ctx0" brushRef="#br0" timeOffset="18276.16">16210 1041 0,'0'-18'78,"0"0"-62,18 18-16,-18-17 16,0-1-16,-18 18 62,18-18-62,-18 18 16,1 0-1,-1 0 1,1 0 0,17 18-1,0 0 17,0-1-32,0 1 15,0 17 1,17-17-1,1-18-15,-1 18 16,1-1-16,0-17 16,-1 0-1,-17 18 1,36-18 0,52-18-1,-70 1 1,17-19-16,0 19 15</inkml:trace>
+  <inkml:trace contextRef="#ctx0" brushRef="#br0" timeOffset="18689.25">16439 847 0,'0'17'15,"0"1"1,0 17-1,0-17 1,0-1-16,18 1 16,17 0-1,-17-18 1,-18 17 0,53 1-1,-35-18 1,-1 0-16,18 0 15,1-18-15,-19 1 16,1-19 0,17-69-16</inkml:trace>
+  <inkml:trace contextRef="#ctx0" brushRef="#br0" timeOffset="18955.5">16704 670 0,'0'18'15,"0"17"1,18 0 0,-18-17-1,17 0 1,1-1-16,-18 19 15,18-19-15,-18 1 16,17 0 0</inkml:trace>
+  <inkml:trace contextRef="#ctx0" brushRef="#br0" timeOffset="19623.23">16898 617 0,'0'18'16,"0"17"0,0-17-1,0 0 1,0 17-1,0-18-15,-18 1 16,1 17 0,-1-17-1,1-18 1,-1 0 0,18-18 93,18 18-78,-1 0-15,1 0-16,-1 0 15,19 0 1,17 53 0,-36-35-1,19 0-15,-19 17 0,1-18 16,-1 1 0,1-18-1,-18 18 1</inkml:trace>
+  <inkml:trace contextRef="#ctx0" brushRef="#br0" timeOffset="23406.12">20038 2646 0,'0'0'0,"0"-35"15,0 17-15,-18-17 16,-17-18 0,-18-18-1,-18 1 1,1 17-1,-1 35-15,18 0 16,-17 18 0,35 0-1,-18 0 1,53 18 0,0 0 30,17 52-30,1-34 0,35 16-1,53 37 1,17 34-16,-70-105 16,18 35-1,-36-36 1,-35 1 15,0 0 0,-18-18-15,1 0 0,-19 17-16,19-17 15,-36 0 1,-18 0-1,36 0-15,17 0 16,1-17 0,-19 17-1</inkml:trace>
+  <inkml:trace contextRef="#ctx0" brushRef="#br0" timeOffset="24263.04">20055 2505 0,'0'0'15,"-17"0"1,-1 0-16,18 17 31,-18 1-15,18 0-1,0 17-15,0-17 16,0 17-16,18-18 16,17 19-1,18-19 1,-17 1-1,-19-18-15,19 0 16,-19 0 0,-17-18-1,18 1 1,-18-19 0,0 19-1,0-1 1,0-17 15,17 35 63,1 0-79,0 18-15,-18-1 16,35-17 0,-17 35-16,17 1 15,-17-36 1,-1 0 0,18-53 15</inkml:trace>
+  <inkml:trace contextRef="#ctx0" brushRef="#br0" timeOffset="24633.95">20443 2558 0,'18'0'47,"0"17"-31,-1-17-16,1 18 16,0-18-1,-1 18-15,-17-36 63,18 0-48,0-17-15,-18 17 16,0 1-16,0-19 16,0 19-1,0-1 1</inkml:trace>
+  <inkml:trace contextRef="#ctx0" brushRef="#br0" timeOffset="25331.73">20867 2275 0,'0'0'0,"-18"0"15,-17 0-15,17 0 16,1 36 0,-1-1-1,18-17-15,0-1 16,0 1-16,0 0 15,0-1 17,18 1-1,17-1-31,18 1 16,35-18-1,-17 0 1,-36 0-1,0-18 1,-17 18 0,-1-17-16,-17-1 15,0 1 79,-17-1-78,-1 0 15</inkml:trace>
+  <inkml:trace contextRef="#ctx0" brushRef="#br0" timeOffset="25875.1">20832 2328 0,'0'0'0,"-18"0"0,0 0 16,18 18-1,0 0 1,0-1-16,0 1 16,0 0-1,0-1 1,18 18-1,-18 1-15,35-19 16,0 36-16,-17-53 16,17 36-1,18-1 1,-17-18 15,-19-17-15,1 0-1,17 0 1,-17 0-16,17-17 16,-17-1-1,-1 1 1,19 17 0,-36-18-16,-18 18 140,0-18-124</inkml:trace>
+  <inkml:trace contextRef="#ctx0" brushRef="#br0" timeOffset="26923.99">20814 2452 0,'0'-18'16,"0"1"0,-18 17-1,18-18 1,0 0-1,0-17-15,0 17 16,-17 1 0,17-1-1,0 0 63,35 18-78,0-17 0,18-19 16,-18 36 0,-17-17-16,17-1 15,-17 18 32,0 0-31,-1 18-16,18-1 15,-35 1 1,0 0 78,0-1-94,0 1 15,-17 0 1,-1-1 0,1 1-1,17 0 79,-18-18-78,18 17-1,0 1 32,-18-18-31,18 18-1</inkml:trace>
+  <inkml:trace contextRef="#ctx0" brushRef="#br0" timeOffset="31472.8">8502 494 0,'18'0'94,"17"18"-94,0-1 16,0 18-16,1-17 15,17 17-15,-18 1 16,0-19 0,36 36-1,-54-18-15,19-17 16,-1 0-16,18-1 16,0 19-1,-36-36 1,19 0-1,-19 0 1,1 0 0,17 0-16,1-18 15,16-17-15,-16-1 16,175-122 0,-87 70-1,35-18 1,-71 18-1,0 17-15,-17 36 16,17-36 0,18 18-1,-89 36 1,71-36 0,-70 53-16,53-18 15,-18 18 1,-36 0 109,1 0-110,-1 0-15,1 18 16,-18-1 0,35 19-1,-17-1 1,0-18 0,17 19-1,-17-19 1,-18 1-16,17 0 15,-17-1 17,0 1-32,18-18 15,-18 18 1</inkml:trace>
+  <inkml:trace contextRef="#ctx0" brushRef="#br0" timeOffset="32860.91">20496 106 0,'0'17'63,"0"1"-48,0 17-15,0 1 16,0 17-16,18 0 16,17-1-16,-17-16 15,17 105 1,-17-88 0,0-18-16,-18 0 15,17-35 1</inkml:trace>
+  <inkml:trace contextRef="#ctx0" brushRef="#br0" timeOffset="33600.04">20391 617 0,'17'0'79,"18"36"-64,1-19-15,17 19 16,17-1-1,-34-18-15,16 19 16,-16-19 15,-1-17-31,-17 0 16,-1 0 0,1 0-1,17 0 1,-17 0-1,-1-17 1,1-1-16,0 0 16,-1-34 15,-17 16-15,0 1-16,0 0 15,-17-53 1,-1 70-1,-17-53 1,35 36 0,-18 35-16</inkml:trace>
+  <inkml:trace contextRef="#ctx0" brushRef="#br0" timeOffset="35568.01">13194 3722 0,'0'0'0,"18"0"16,-1 0-1,1 0 1,-1 0 0,1 0-1,0 0-15,35 17 16,0 36 0,-18-35-1,106 88-15,-106-71 16,71 36-16,-53-36 15,35 18 1,18 0 0,-88-53-1,-1 17 1,1-17 0,0 18-1,-1-18 1,1 0-1,-1 18 1,54-1-16,-36 1 16,1-18-16,17 18 15,-18-18 1,-18 0 0,1 0-1,123 17 16,-123-17-15,70 0-16,53 0 16,-70 0-1,-1 0 1,-17 0-16,-35 0 16,52 0-1,-34 0-15,87-17 16,-35-1-1,-35 0 1,177-35 0,-107 36-1,18-36 1,-106 53-16,18-35 16,-17 35-1,87-36 1,-17 19-1,-53-1 1,70 0 0,1-17-1,-1-18-15,-35 18 16,-35 17 0,0 1-1,18-36 1,-36 53-16,18-36 15,-18 19 1,-17-1 0,0 18-1,-1-17 1,-17-1 0,18 18-16</inkml:trace>
+  <inkml:trace contextRef="#ctx0" brushRef="#br0" timeOffset="36372.89">16845 3492 0,'18'0'78,"35"0"-62,-36 0-1,36 18-15,-17-18 16,-19 18-1,36-1-15,0 19 16,-35-36 0,17 17-1,-17 1 1,-18 0 31,17-18-47,-17 17 31,0 1 0,-17 0-31,-1-1 16,-17 1-16,-36 35 16,36-18-1,0-17 1,-1 17-1,19-35 1,17 18 0,0-1 15,0 1-15</inkml:trace>
+  <inkml:trace contextRef="#ctx0" brushRef="#br0" timeOffset="41216.04">17886 1076 0,'0'18'78,"0"-1"-62,17 36-16,1 18 15,0-18-15,70 141 16,18 35 0,-71-141-1,0 0 1,1 18-16,52 123 15,-35-70 1,17 35-16,-34-106 16,-19 36-16,18-18 15,1-18-15,-36-53 16,35 89 0,-17-71-1,17 17 1,-35-35-16,18 1 15,-1-1 1,-17-17 0,18-1-1,-1 36 1,1-18 0,17 36-16,-35-36 15,18 1 1,0-1-1,-1-17 1,-17-1 0,18-17 109,17 0-110,18 0-15,18 0 16,123-35 0,-18 0-1,89-18 1,35-36-16,-124 37 15,-17-1 1,52-18-16,177-17 16,-123 35-1,-159 18 1,88-1-16,-88 19 16,-71 17-1,36-18 1,-36 18-1,88-17 1,-17 17 0,-18-18-16,53 0 15,18-17 1,-124 35 0,36-18-1,35-17 1,-36 35-1,-34-18-15,70-17 0,-36 0 16,89 0-16,-106 17 16,158-53-1,-105 18 1,-70 1 0,-1 16-1,-18 1 1,-17 17-16,0-70 15,0 71 1,-17-142 0,-1 35-1,1 36 1,17-35-16,0 70 16,-18-18-1,18 36 1,0-18-1,-18-35 1,18 53 0,-35-107-1,35 107-15,-35-35 0,35 34 16,-18-52 0,18 53-1,-35-36 1,35 36-16,0 17 15,0 1 1,-18-1 0,18 0-1,0 1 1,-17-1 0,17 0-16,-36 1 15,36-18 1,-17 35-1,17-18 1,-18 18 0,18-18-1,-18 18 1,1-17-16,17-1 16,-36 0-1,1 1 1,-18-19-1,-17 1 1,17 18-16,-18-1 16,1 0-1,-19 1 1,72 17 0,-71-18-1,52 18 1,-52 0-16,-35 0 15,70 0 1,-71 0 0,1 0-1,70 0 1,-53 0 0,-35 0-16,88 0 15,-88 18 1,-18-1-1,18 1 1,70-18 0,19 0-16,-107 18 15,18-18 1,53 0 0,-1 0-1,-122 0 1,17 17-1,105-17-15,-87 0 16,88 0 0,-18 0-1,-53 0 1,89 0 0,-124 0-1,88 0-15,35 0 16,-87 0-1,-1 0 1,88 0 0,18 0-1,-70 0 1,88 0-16,-18 0 16,17 0-1,-17 0-15,36 0 16,-18 0-1,-36 0 1,53 0 0,-17 0-1,-18 0-15,18 0 16,17 0 0,-17 0-1,0 0 1,17 0-16,18 18 125,-18-18-125,18 17 15,-17 1-15,17 0 16,-36 52 0,36-34-1,-17 34-15,-18 18 16,35-70 0,0 35-1,-18-18 1,0 0-1,18 36 1,0 0-16,0-36 16,0 53-1,0-17 1,0-36 0,0-17-1</inkml:trace>
+  <inkml:trace contextRef="#ctx0" brushRef="#br0" timeOffset="49145.9">19262 4286 0,'0'36'157,"35"16"-157,0 54 15,36 194 1,17-18-1,-17-88 1,17 124 0,0-18-16,-53-159 15,0 0 1,1-35-16,34 176 16,-34-123-1,34 88 1,36 123-16,-71-246 15,18 140 1,0 1 0,-35-124-1,35 176 1,-36-158 0,19 88-16,16 71 15,-52-265 1,18 52-16,0 54 15,-1-71 1,-17-35 0,0 35-1,0-35-15,18 18 32,-18 17-17,18 0 1,-18-52-1,0 52 1,17-53-16,-17 36 0,0-36 16,0 35-1,0-52 1,0 35 0,18-53 15,0 0 94,-1 0-125,-17-18 15,36 1 1,-1-1 0,-18 0-16,19 18 0,-1-17 15,53-19 1,159-87 0,-123 88-1,70-53 1,-36 35-1,-34 17 1,52-17-16,-88 18 16,71 0-1,-35 17 1,-19 1 0,1-1-1,-53 0 1,0 1-16,18 17 15,-36-18 1,36-17 0,-19 35-1,90-53 1,-19 35 0,-88 1-16,36-1 15,-18 0 1,-36 1-1,1-1 142,0 0-142,-1 18-15,19-17 16,17-1 0,17-17-16,177-36 15,141 1 1,-141 17-1,-141 18 1,-71 17 0,-17 18-1,-18-18 32,0 1 109,0-1-156,0 0 16,17-35 0,-17 36-16,0-71 15,0-18-15,0 53 16,-17 0 0,-36-212-16,-71-193 15,89 281 1,-53-175-1,17 193 1,-17-229 0,-35 17-16,70 213 15,35 69 1,-35-105-16,-35-53 16,35 53-1,-35-53 1,-18-17-1,106 211 1,-35-71-16,-18 1 16,35 52-1,1 1 1,-19-54 0,-17 19-1,-17-54 1,35 71-16,-36-89 15,18 71 1,-17-35 0,52 106-1,-17-18 1,35 35 0,0 1-16,-18 17 15,18-18 1,0 1 15,-18 17-15,1-18 109,-1 18-110,0 0 1,1-18-16,-1 18 16,1 0-16,-1-17 15,-35 17 1,-18 0-16,36-18 15,-35 18-15,52 0 16,-88-18 0,18 18-1,53 0 1,-18 0-16,0 0 16,35 0-16,1 0 15,-36 0-15,35 0 16,-53 0-1,54 0 1,-71 0-16,-71 18 16,124-18-1,-142 18 1,89-1 0,53-17-1,-89 36 1,89-36-16,-36 0 15,1 17 1,-18 1 0,-18-1-1,71-17-15,-1 0 16,-17 18 0,-52 0-16,-1-1 15,-35 1 1,52 0-1,19 17 1,17-35-16,18 18 16,-1-18-1,1 35 1,17-35-16,-35 0 16,1 35-1,16-35 1,-52 35-1,53-17-15,17-18 16,-17 18-16,-53-1 16,17 36-1,36-53 1,0 18 0,-18 0-1,35-18 1,0 17-16,1 1 109,17-1-109,-18 19 16,18-19-16,0 1 15,0 0 1,0 17 0,-17 0-1,17-17-15,0-1 63,0 19-48</inkml:trace>
+  <inkml:trace contextRef="#ctx0" brushRef="#br0" timeOffset="50274.02">19632 4657 0,'0'17'32,"0"1"-17,18 0-15,-1 17 16,1 18-1,17-18 1,-17 18-16,35-18 16,-36-17-1,1 17 1,0-35-16,-18-17 94,0-1-94,17-35 15,-17 35-15,0 1 16,0-19-16,0 19 16,0-19-1,0 19 1,0-1-16,18 36 140,0-1-140,-1 1 16,19-18-16,-19 18 16,1-1-16,-1-17 15,1 0 48,-18-17-48,0-19 1,0-16 0,0-1-16,0-18 15,0 36 1,-18-18 0</inkml:trace>
+  <inkml:trace contextRef="#ctx0" brushRef="#br0" timeOffset="51048.65">20055 4322 0,'18'17'31,"0"18"-15,-1 1-16,-17-1 16,18 0-16,17 36 15,-35-1 1,53 19 0,-18 16-16,-17-87 15,-18 0-15,0-36 94,0-17-94,0 17 16,0-17-16,0 17 15,0-17-15,-18 17 16,18 1-1,0-1-15,0 0 47,18 18 0,0 0-31,-1 0-16,19 36 0,-19-19 15,54 19 1,-36 16 0,-17-52-16,-1 36 15,1-36 1,-18 17 0,0-34 15,0-1-16,35-17 1,-17-18-16</inkml:trace>
+  <inkml:trace contextRef="#ctx0" brushRef="#br0" timeOffset="51338.3">20638 4445 0,'17'0'16,"1"0"-1,-1 0-15,-17 18 16,18-18 0,-18 17-16,18 19 15,-1-19 1,1 18 0,0 18-1,-1-35-15,-17 0 16,-35-54 46,17 19-46,-70-124-16</inkml:trace>
+  <inkml:trace contextRef="#ctx0" brushRef="#br0" timeOffset="51573.79">20443 4233 0</inkml:trace>
+  <inkml:trace contextRef="#ctx0" brushRef="#br0" timeOffset="51947.9">20620 4198 0,'18'0'31,"-1"0"-31,1 18 15,17 17 1,0 18 0,1-18-16,17 36 15,-18-18 1,-18-36 0,1 36-1,0-18-15,-1-35 16,-17 18-16</inkml:trace>
+  <inkml:trace contextRef="#ctx0" brushRef="#br0" timeOffset="52229.07">20779 4410 0,'17'0'63,"1"0"-48,17 0-15,0 0 16,18-18 0,-35 18-16,0 0 15,-1 0 1,1-18 0</inkml:trace>
+  <inkml:trace contextRef="#ctx0" brushRef="#br0" timeOffset="52798.65">21026 4374 0,'17'0'62,"-17"-17"-46,18 17-1,-1 0-15,1-18 16,-18 1 0,18 17-16,-18-36 15,0 19-15,0-1 32,0 0-1,-18 18-16,0 0 1,1 0-16,-18 0 16,35 18-1,0 0 1,0-1 0,0 1-16,0 17 15,17-17 1,-17-1-1,18 1 1,-1-18-16,-17 18 16,18-1-1,0-17 1,-1 0-16,-17 18 16,18-18-1,0 0 16,-1 0-15,1 0 0</inkml:trace>
+  <inkml:trace contextRef="#ctx0" brushRef="#br0" timeOffset="54315.08">20055 6032 0,'18'36'78,"0"-19"-78,-1 19 16,1 17-16,0-36 16,17 54-16,0 17 15,-35-53 1,0-52 78,-35-36-94,0-18 15,-1 18-15,19 0 16,-19-17 0,36 52-1,-17-17-15,17 17 16,0 1-1,0-1 17,17 18 15,1 0-32,0 0-15,17 0 16,18 53-1,0-36 1,-36 1-16,1-18 16,-18 18-16,18-18 15,-18 17 1,0 1 0,0 0-1,0 17 1,-18-17-1,18-1 1,18-17 78,35 0-79,0 18-15,17 0 16,-17-1-16,0-17 16,-18 18-1,1-1-15,-19 1 16,1 0 0,-18-1-1,0 1 1,-35 17-1,-71 18 1,53-18-16,-88 1 16,70-1-1,-70 18 1,123-53 15,1 0-15,-1-18-1,0-17-15,1 17 16,17 1 0,0-1-16</inkml:trace>
+  <inkml:trace contextRef="#ctx0" brushRef="#br0" timeOffset="54756.97">20849 5962 0,'-17'35'16,"17"18"-1,0 0 1,17 18 0,-17-36-1,35 18-15,-17-18 16,0-17-1,-18-1 1,0 1-16,17-18 63,19-35-32</inkml:trace>
+  <inkml:trace contextRef="#ctx0" brushRef="#br0" timeOffset="55422.95">21202 5944 0,'0'0'16,"-18"0"-16,-17 0 16,-18 36-1,35-19 1,18 1-16,-35 17 16,35 0-16,0 1 15,0-1 1,0-17-1,35 17 1,-17 0 0,17-17-1,-17-18-15,0 0 32,-1 0-17,1-18 1,-18-17-1,18-36 1,-18 54-16,0-1 0,0-17 16,0 17 15,17 18 16,1 0-16,-18 18-31,17-18 16,1 35-16,0-17 15,-1-1 1,1 1 0,0-18-1,17 0-15,36-88 31,-71 52-15,17 1-16</inkml:trace>
+  <inkml:trace contextRef="#ctx0" brushRef="#br0" timeOffset="55759.07">21431 5891 0,'0'0'0,"-35"0"0,35 36 32,0-19-32,0 36 15,0 0 1,0 0 0,18-18-1,35 1-15,-36-1 16,1-35 31,-1 0-32,19-18 1,17-88-16,-53 89 16,17-89-1,-17 35 1</inkml:trace>
+  <inkml:trace contextRef="#ctx0" brushRef="#br0" timeOffset="56022.53">21625 5856 0,'18'18'31,"-18"-1"-15,18 1-16,-1 0 15,1 17-15,-1 0 16,-17-17 0,18-1-1,17-52 32,-17-35-47,0 17 16,-1-88-1</inkml:trace>
+  <inkml:trace contextRef="#ctx0" brushRef="#br0" timeOffset="56559.82">21837 5662 0,'0'18'16,"0"52"-1,0-52-15,0 17 16,0 0-1,0 54 1,0-54-16,0 0 0,-18-17 31,1-18 32,17-18-63,0 1 31,0-1-31,0 0 16,17 18-1,1-17-15,0 17 16,35 0 0,-18 0-16,-18 0 15,1 0 1,17 0-16,1 0 31,-19 0-15,-17 17-1,18-17 1,-18 18-16,18-18 0,-18 18 16,17-18-1,-17 17 16,-17-17-15,-1 0 0</inkml:trace>
+  <inkml:trace contextRef="#ctx0" brushRef="#br0" timeOffset="57819.04">19967 5627 0,'35'-18'109,"1"-17"-93,34 0-16,19 17 16,34-35-16,-52 53 15,34-35 1,107-36-16,-88 36 0,-1 0 15,124-54 1,18 19 0,-195 52-1,36 1 1,-18-19 0,-17 19-16,17-1 15,-18 0-15,-52 18 0,106-17 16,-54-1-1,-17 1 1,-35 17 0,35 0-16,17-18 15,71-17-15,53 17 16,-123 0 0,123 1-1,-106-1 1,18-17-1</inkml:trace>
+  <inkml:trace contextRef="#ctx0" brushRef="#br0" timeOffset="60626.79">23971 1482 0,'36'0'0,"-19"0"16,1 0-16,-1 0 15,19 0 1,-19 0 15,1 0-15,17 0 0,1 0-16,16 0 15,-34 0 1,35 0-1,-18 0 1</inkml:trace>
+  <inkml:trace contextRef="#ctx0" brushRef="#br0" timeOffset="62447.96">23848 1464 0,'17'0'141,"72"-18"-125,-1 18-16,35-17 15,-70-1-15,53 0 16,18 1-16,-72-1 16,72-17-1,-71 35 1</inkml:trace>
+  <inkml:trace contextRef="#ctx0" brushRef="#br0" timeOffset="63248.4">23989 1570 0,'70'0'79,"1"0"-79,-36-18 15,18 1-15,0 17 16,18-18-16,-18 0 15,35 1 1,-53 17 0,36 0-1,17-18 1,-18 18-16,1-18 16,-36 18-1,-17 0 1</inkml:trace>
+  <inkml:trace contextRef="#ctx0" brushRef="#br0" timeOffset="64068.91">24589 1129 0,'35'0'31,"18"18"-15,-36-18-16,36 35 15,88 35 1,-70-34-16,-36-19 15,53 36-15,-35-18 16,-35-35 0,0 36-1,-1-36 1,-17 17 0,18-17-1,-18 18-15,0 0 16,0-1-1,0 1 17,-18 0-17,1-18-15,17 17 16,-36 1-16,-17 17 16,18-17-1,18-1-15,-1 1 16,-35 35-1,18-35 1,17-18-16,0 17 31,18 1-31</inkml:trace>
+  <inkml:trace contextRef="#ctx0" brushRef="#br0" timeOffset="66748.37">25629 1182 0,'0'53'93,"0"-36"-93,0 19 16,18 17-16,0-18 16,-1 0-16,1 0 15,17-17 1,-17 0 0,-1-1-1,-17-52 48,18 0-48,-18-1 1,0 19-16,0-1 0,0-17 16,0 17-1,0 54 79,18-36-78,17 35-16,-17-18 15,-1 1-15,1 0 16,0-1-1,17-17 1,-18-35 31,-17 17-31,18-17-16,-18-18 15,0-17 1,0 52-1,0 0-15,0-17 0,0 18 32</inkml:trace>
+  <inkml:trace contextRef="#ctx0" brushRef="#br0" timeOffset="68044.28">25912 758 0,'0'18'47,"0"17"-47,17-17 16,-17 17-16,35 18 15,-17 0 1,-18-35-16,35 35 16,-17-36-16,-18 19 15,35 17 1,-17-18 0,0-18-16,-1 1 234,1 0-218,-1-1-1,-17 1 1,18 0 62,-18-1-62,18-17-16,-18 18 15,-18-53 79,-35-1-78,-35-105-16,70 88 15,-17 36-15,35-1 16,0 0-1,-18 1-15,54 34 157,-1 19-142,-17-1 1,105 53-16,-88-53 16,36 18-1,-53-53 1,-1 18-1</inkml:trace>
+  <inkml:trace contextRef="#ctx0" brushRef="#br0" timeOffset="68418.1">26476 1058 0,'18'18'16,"-1"17"-1,1-35-15,-18 18 16,35 35-16,-17-36 16,-1 1-16,1 0 15,0-1-15,-1 1 16</inkml:trace>
+  <inkml:trace contextRef="#ctx0" brushRef="#br0" timeOffset="68784.8">26300 758 0</inkml:trace>
+  <inkml:trace contextRef="#ctx0" brushRef="#br0" timeOffset="69269.88">26688 900 0,'0'17'16,"17"-17"-1,1 35-15,17 1 16,-17-19-16,-1 19 15,19-36-15,-19 53 16,19-18 0,-19-17-1,1-1-15,-18 1 16</inkml:trace>
+  <inkml:trace contextRef="#ctx0" brushRef="#br0" timeOffset="69930.03">27093 917 0</inkml:trace>
+  <inkml:trace contextRef="#ctx0" brushRef="#br0" timeOffset="70786.87">26723 988 0,'18'-18'93,"17"18"-77,0 0 0,18-18-16,-18 1 15,1-1-15,-19 18 16,1-17 0</inkml:trace>
+  <inkml:trace contextRef="#ctx0" brushRef="#br0" timeOffset="71560.62">27287 900 0,'0'-18'78,"0"0"-78,0 1 32,0-19-32,0 19 15,0-1 1,0 0-16,-17 18 31,17-17-31,-18 17 16,0 0-1,-34 0 1,-54 35-16,70-17 16,19-1-16,-1 1 31,18 17-16,0-17 1,18 35-16,-1-18 16,1-17-1,17 17 1,-17 0 0,0-17-1,35 17 1,-36-35-16,54 36 15,17-36 1,-53 0 0,-17 0-1,-1 0 1,1 0 0</inkml:trace>
+  <inkml:trace contextRef="#ctx0" brushRef="#br0" timeOffset="74301.91">2681 6985 0,'18'0'141,"35"0"-141,0 0 15,158 0 1,-87 0-16,17-18 16,247-17-1,-71 17-15,-105-17 16,53 18-16,193-19 16,-193 1-1,-1 0-15,-122 17 16,210 0-1,-228 1 1,211-1-16,-53 18 16,-123 0-1,176-17 1,106-1 0,-229 0-1,123 1 1,-88-1-16,141-35 15,247 35 1,-494 1 0,864-1-1,-617 18 1,106-35 0,18 0-16,-89-18 15,-194 53 1,124 0-1,53-18 1,70 18 0,-352 0-16,334 0 15,-334 0 1,317-35 0,-18 17-1,-299 18 1,193-18-1,-176 1-15,-53-1 16,-35 18 0,-53-17-1,18 17 1,-1 0 0,1 0-1,0 0 1,-1 0-1,1-18 1,0 18-16,-1 0 16,19-18-1,-19 18 1,19 0 0,16 0-16,37-17 15,-72 17 1</inkml:trace>
+  <inkml:trace contextRef="#ctx0" brushRef="#br0" timeOffset="74917.96">16087 5891 0,'35'0'78,"0"18"-62,0 0-16,18-18 16,-17 17-1,34 19-15,-17-36 16,0 35-1,-35-35 1,-1 0-16,-17 17 16,0 1 46,-17 0-46,-19 17-1,1-17-15,0 17 16,-18 18 0,-35 17-1,52-34 1,19-19 0,17 1-16,0 0 46</inkml:trace>
+  <inkml:trace contextRef="#ctx0" brushRef="#br0" timeOffset="76348.96">24024 4586 0,'18'0'109,"17"0"-109,18 0 16,18 0-16,105-35 16,-53 17-1,1 1-15,176-19 16,-124 1 0,-70 17-16,106 1 15,105-19 1,-88 1-1,-123 18 1,176-1-16,-193 0 16,105 1-1,-88 17 1,-18-18-16,-35 18 16,88-18-1,-53 18-15,18 0 16,-71 0-16,124 0 15,-106 0 1,-36 0-16,36 0 16,-35 0-1,17 0 1,-17 0 0,17 0-16</inkml:trace>
+  <inkml:trace contextRef="#ctx0" brushRef="#br0" timeOffset="76978.89">26811 3563 0,'18'0'15,"-1"0"1,19 0-16,17 18 16,52 35-16,37 0 15,316 88 1,-281-106-1,158 71 1,-212-71 0,18 0-16,-105-35 0,-19 0 15,-17 18 79,-17 0-78,-72 17-1,1 0 1,-18 0 0,-52 1-16,52-1 15,18 18 1,35-35-1,53-1 1</inkml:trace>
+  <inkml:trace contextRef="#ctx0" brushRef="#br0" timeOffset="86818.1">19703 11748 0</inkml:trace>
+</inkml:ink>
+</file>
+
+<file path=ppt/ink/ink13.xml><?xml version="1.0" encoding="utf-8"?>
+<inkml:ink xmlns:inkml="http://www.w3.org/2003/InkML">
+  <inkml:definitions>
+    <inkml:context xml:id="ctx0">
+      <inkml:inkSource xml:id="inkSrc0">
+        <inkml:traceFormat>
+          <inkml:channel name="X" type="integer" max="1920" units="cm"/>
+          <inkml:channel name="Y" type="integer" max="1080" units="cm"/>
+          <inkml:channel name="T" type="integer" max="2.14748E9" units="dev"/>
+        </inkml:traceFormat>
+        <inkml:channelProperties>
+          <inkml:channelProperty channel="X" name="resolution" value="36.43264" units="1/cm"/>
+          <inkml:channelProperty channel="Y" name="resolution" value="36.48649" units="1/cm"/>
+          <inkml:channelProperty channel="T" name="resolution" value="1" units="1/dev"/>
+        </inkml:channelProperties>
+      </inkml:inkSource>
+      <inkml:timestamp xml:id="ts0" timeString="2021-07-02T04:23:57.264"/>
+    </inkml:context>
+    <inkml:brush xml:id="br0">
+      <inkml:brushProperty name="width" value="0.05292" units="cm"/>
+      <inkml:brushProperty name="height" value="0.05292" units="cm"/>
+      <inkml:brushProperty name="color" value="#FF0000"/>
+    </inkml:brush>
+  </inkml:definitions>
+  <inkml:trace contextRef="#ctx0" brushRef="#br0">6015 4057 0,'0'18'234,"0"52"-218,0-17-16,0 0 15,0 0-15,0 0 16,0 0-16,0-18 16,17 88-1,-17 1 1,0-71-1,18 70-15,-18-34 16,0-37 0,0 37-1,0-19 1,0 18 0,0-17-1,0-36-15,0 53 16,0 1-1,0-19 1,0 107 0,0-36-1,-18 0 1,1-18-16,-1 36 16,1-53-1,17 53 1,-18 17-1,0-141 1,18 124 0,0-18-16,-17-88 15,-1 123-15,0 1 16,1-71 0,-1 70-1,18-52 1,-18 87-16,1-158 15,-1 212 1,18-212 0,0 70-1,-17 71 1,17-141 0,-18 35-16,-17 194 46,35-229-30,0 53-16,-18 0 31,0-35-31,18-54 16,-17 89 0,17-71-16,0 1 15,0-1 1,-18 35-1,18-34-15,-18 34 16,1 36 0,17 0-1,0-53 1,-35 70 0,35-70-1,-18 35-15,18-17 0,-18 52 16,1-70-1,17 18 1,-18 17 0,18-70-1,0-1 1,-18 1 0,18 0-16,0 17 15,0 0 1,0 36-1,-17-36 1,-1 53 0,0 18-1,18-53-15,-17 18 16,17-36 0,-18 35-1,18 19 1,-17-54-1,-1 71-15,18-36 16,0-17 0,-18 53-1,18-53 1,0-35 0,0-1-1,18-17 501,17 0-501,-17 0-15,-1 0 16,1 0-16,17 0 16,1 0-1,-19 0 1,1 0 0,17 0-1,0-17 1,-17 17-16,17 0 0,18 0 15,-17 0 1,-1 0 0,0 0-16,-17 0 15,17 0 1,0 0-16,-17 0 0,17 0 16,18 0-16,-35 0 15,35 0 1,35 0-1,-35 0 1,17 0 0,-17 0-1,18 0-15,70 0 16,-88 0 0,-18 0-16,71 0 15,-18 0 1,0 0-1,-35 0-15,-17 0 0,122 0 16,-70 0 0,-35 0-1,106 0 1,-71 0 0,-52 0-1,69 0-15,-16 17 16,-54-17-1,53 18 1,-70-18 0,52 0-1,-17 0 1,-17 0-16,52 17 16,70-17-1,-122 0 1,70 0-1,17 0 1,1 0 0,-54 0-1,71 0-15,-70 0 16,-18 0-16,0 0 16,17 0-1,-35 0 1,18 0-16,-17 0 15,-19 0 1,1 0 15,0 0 204,-1-17-204,-17-1-31,0 1 16,0-19-1,0 19 1,18-1-16,-1-70 15,-17 70 1,0-35 0,0 18-16,18 17 15,-18 1 1,0-36-16,18 35 16,-18-52-16,0 52 15,17-88 1,1 36-1,-18-19 1,18 36 0,-18-52-1,0 34-15,17-88 16,19 1 0,-19 16-1,1 90 1,-18-54-1,17 18 1,1 35-16,0-71 16,-18 71-1,35-53 1,0-35 0,-35 88-1,18-70-15,17 17 16,-17 71-1,-18-53 1,35-18 0,-17 53-1,-1-71 1,19 1-16,-19 70 16,1-106-1,17-35 1,-35 106-1,36-159 1,-19 18 0,-17 123-16,18-123 15,-18 17 1,0 124 0,0-106-1,0 105 1,0-140-1,0 53 1,0 88-16,0 17 16,0-52-1,0 70 1,-18-71 0,18-35-1,0 54 1,0 16-16,-17-105 15,17 106 1,0-18 0,-18-70-1,18 105-15,-18-34 32,1 52-32,-1 0 15,18-35 1,-18 35-1,1-36 1,-19-34-16,36 70 16,-17-35-16,-19-36 31,19 71-15,17 18-1,-18-71 1,18 53-16,-17 18 15,17-35 1,-18 34 0,18 1-1,0-71 1,0 53 0,0 18-16,-18 0 15,18-18 1,-17 0-1,17 35 1,0 1 0,0-1-1,0 0 1,0 1 0,-18 17 15,18-18 16,-18 18-16,1 0-15,17-18-1,-36 1-15,-16-1 16,34 18-1,-17-17-15,-18 17 16,-18 0 0,18 0-1,-17 0 1,52 0-16,-35 0 0,18 0 16,-18 0-1,-53 0 1,36 17-1,17 1 1,-36-18 0,72 0-16,-36 0 15,18 0 1,17 0 0,-35 17-1,0-17 1,-106 0-1,106 0-15,-52 0 16,-89 0 0,17 18-1,-34-18 1,-19 18 0,36-18-1,124 0-15,-36 17 16,53-17-16,-176 18 15,193-18 1,-69 0 0,16 18-1,54-18-15,-18 0 16,18 0 0,17 0-1,1 0 1,-19 0-1,1 0 1,-18 17 0,-53 1-1,36 0 1,-54-1 0,54 1-1,-54 17 1,71-17-16,53-1 250,0 1-250,0 17 15,18-35-15,0 36 16,-1-19 0,1 19-1,-1-19 1,-17 1-16,18-1 16,0 19-16,-1-1 31,1-17-31,-18-1 0,18 19 15,-1-1 1,-17-18 0,18 1-1</inkml:trace>
+  <inkml:trace contextRef="#ctx0" brushRef="#br0" timeOffset="1627.58">11748 2928 0,'0'35'46,"0"18"-30,0 88 0,0-70-16,0 17 15,0 36 1,17 17 0,-17-88-1,18-18 1,-18-88 78,0 0-94,-18 18 15,1-89 1,17 71-16,-18 0 15,18-17 1,0 17 0,0 18-1,0-18-15,18 18 32,-1-1-32,1 19 15,17-1 1,-35 0-1,18 18 1,17 0 47,0 18-63,-17 17 15,35-17-15,-18 35 16,0-36-16,36 72 15,-36-19 1,-17-35 0,-1 1-1,1-1 1,0 0 0,-18-17-16,0 0 15</inkml:trace>
+  <inkml:trace contextRef="#ctx0" brushRef="#br0" timeOffset="2176.38">11924 3457 0,'0'-17'109,"18"-19"-93,52 1-1,-52 17 1,17 1-16,18-19 16,-18 19-1</inkml:trace>
+  <inkml:trace contextRef="#ctx0" brushRef="#br0" timeOffset="2980.1">12171 3263 0,'17'0'16,"19"0"-1,-36 35-15,17-35 16,19 36-16,-19-1 16,36 36-1,-53-54 1,18-17 0,-18-17 46,0-1-46,-18-17-16,18 17 15,-17 0 1,17 1-16,0-19 16,0 1-16,0 18 15,0-1-15,0 0 16,17-35-1,18 18 1,-17 17-16,0 1 16,-1 17 31,1 0-32,17 35 1,-17 0-16,0 18 0,-1-17 15,-17 16 1,0 1 0,0-35 15,-17-18-15,-1 0-16,-17 0 15,-1 0 1,19 0-1,-19-18 1,36 1-16</inkml:trace>
+  <inkml:trace contextRef="#ctx0" brushRef="#br0" timeOffset="3794.96">12577 3175 0,'52'53'0,"-16"-35"16,17 34 0,-18 1-16,-17-17 15,17-19-15,-35 19 16,17-19-1,1 18 1,0-35 0,-18 18-1,0-36 63,0 1-62,-18-1-16,-17-35 16,35 0-16,-18 36 15,-17-107 1,35 71 0,0 36-16,0-1 15,0-17 1,0 17 15,18 18 0,-1 0-31,18 0 16,-17 0 0,17 18-1,-17-1-15,0 1 16,17 17-1,-17-17 1,-18 0-16,0-1 16,0 1-1,-36 0 1,1-18 0,-71 52-1,53-52 1,0 18-16</inkml:trace>
+  <inkml:trace contextRef="#ctx0" brushRef="#br0" timeOffset="4385.91">12365 3316 0,'0'18'16,"0"17"0,17-17-16,1 17 15,-18 0 1,18 0-16,17 1 16,-17-1-16,17 36 15,-17-36 1,-1-35-1,1 0 1,-18 18 0,18-18-1,-18 17 1</inkml:trace>
+  <inkml:trace contextRef="#ctx0" brushRef="#br0" timeOffset="4994.97">13212 2875 0,'17'0'47,"1"0"-32,-18 18 1,0 17-16,17-17 16,19 52-16,-36-34 15,17-1 1,1 18 0,0-36-16,-18 1 15,17 0 1</inkml:trace>
+  <inkml:trace contextRef="#ctx0" brushRef="#br0" timeOffset="5328.93">13388 3087 0,'18'0'31,"-1"0"-31,-17 17 16,35 19-1,-17-19 1,-18 1-16,18-18 31</inkml:trace>
+  <inkml:trace contextRef="#ctx0" brushRef="#br0" timeOffset="5630.08">13494 2910 0</inkml:trace>
+  <inkml:trace contextRef="#ctx0" brushRef="#br0" timeOffset="6103.03">13635 2946 0,'0'0'0,"-35"0"16,17 0 0,0 17-1,1 1-15,-1 35 16,0-35-1,18 17-15,0-18 16,0 1 0,18 17-1,17-17-15,-17 0 16,70-1 0,0-17-1,-17-17 1,-53 17-1,34-36 1,-52 19 0,0-19-1</inkml:trace>
+  <inkml:trace contextRef="#ctx0" brushRef="#br0" timeOffset="6665.99">13741 2981 0,'0'0'0,"-18"35"0,0-17 16,18 0-16,0-1 15,0 18-15,0-17 16,0 0-1,18-1 1,-18 1 0,18-18-16,-18 18 15,17-18-15,1 0 16,35-53 0,-35 35-1,-1 0 1,1 18 46,-1 0-30,1 0-17,0 18 16,-1 0-31,-17-1 16,18-17 0,0-17 31,-18-19-47,35-87 15,-35 17 1</inkml:trace>
+  <inkml:trace contextRef="#ctx0" brushRef="#br0" timeOffset="6883.24">14041 2628 0,'17'35'16,"-17"1"0,18-19-16,17 19 15,-35-1 1,35 18-16,-17-18 15,0-35 1,-18 18 0</inkml:trace>
+  <inkml:trace contextRef="#ctx0" brushRef="#br0" timeOffset="7183">14041 2875 0,'52'-17'79,"1"-1"-79,36 0 15,-54-17 1</inkml:trace>
+  <inkml:trace contextRef="#ctx0" brushRef="#br0" timeOffset="7825.91">14376 2752 0,'35'-18'47,"18"0"-31,-18-17-16,-17 35 16,35-35-1,-36 17 1,-17 1-1,0-1 32,-17 18-47,-1 0 16,-17 0 0,0 0-1,-36 0 1,36 0-16,35 18 0,-18-1 15,18 18 1,0-17 0,0 0-1,0 17 1,18-17-16,17-1 16,0 19-1,-17-36 1,0 0-1,34 17 1,19-17 0,-18 18-16,-18-18 15</inkml:trace>
+  <inkml:trace contextRef="#ctx0" brushRef="#br0" timeOffset="8822.99">14129 2381 0,'17'18'109,"19"17"-109,-19-17 16,1 35-16,53 35 15,-54-35 1,1-36 0,-18 1-1,0 0 1,0-1-1,17 1-15</inkml:trace>
+  <inkml:trace contextRef="#ctx0" brushRef="#br0" timeOffset="9996.94">14693 2540 0,'0'0'0,"-17"35"0,-1-17 32,18 0-32,0-1 15,0 1-15,0-1 16,18 19 0,17 17-16,18-36 15,0 19 1,-36-36-1,54 0 1,-36 0 0,-17 0-1,-18-53-15,0 35 16,0-17-16,0-18 16,-18 0-1,18 35 1,0 1 140,18 17-62,-1 53-94,1-36 15,0 18-15,-1 1 16,-17 17 0,18-18-16,-18-17 15,0-54 32,0-17-31,0 18-16,0-18 15,0-17-15,0 52 16,18 18 15,17 0-31,18 18 16,-18 17 0,-17-35-16,-1 18 15,-17-1-15,0 1 31,0-1-15,0 1 0,-17 0-1,17-1-15,-18-17 16</inkml:trace>
+  <inkml:trace contextRef="#ctx0" brushRef="#br0" timeOffset="10930.51">12382 4251 0,'-17'0'62,"17"18"-46,-35-1-1,17 19 1,18-19 0,-18-17-16,18 18 15,0-1 1,0 1-16,53 35 16,0-18-1,71 18 1,-19 0-1,-52-35 1,-17-1 0,-19 19-16,1-36 15,-18 17 1,0 19 0,0-19-1,-18-17 1,1 0-1,-36 0-15,-18 0 16,18 0-16,-106 0 16,124 0-1,18 0 1</inkml:trace>
+  <inkml:trace contextRef="#ctx0" brushRef="#br0" timeOffset="11611.15">13229 4198 0,'18'0'47,"-18"-18"31,0 1-62,0-1-1,0 1-15,0-1 16,-18 18 31,-17 0-32,0 0-15,-1 0 16,-52 18 0,18 17-1,70-18 1,-18 36-1,36-35 1,-1 17-16,54 1 16,-54-19-1,19 1 1,-19-18 0,1 17 15,0-17-31,17 0 15,18 0-15,0-17 16,0-1 0,-53 1-1,35-19-15</inkml:trace>
+  <inkml:trace contextRef="#ctx0" brushRef="#br0" timeOffset="11951.23">13317 4163 0,'0'0'0,"0"17"15,0 19-15,0-19 16,0 1 0,0 0-16,36-1 15,-19 1 1,19 0 0,-19-18-1,1 0 1,17-53 15</inkml:trace>
+  <inkml:trace contextRef="#ctx0" brushRef="#br0" timeOffset="12251.96">13476 4163 0,'18'0'16,"-1"17"0,1 1-1,0 0 1,-1-1-16,19 1 16,-19 0-1,36-18 1,35 0-16,-70 0 15,88-89 1,-89 19 0,-17 35-1,0-1 1,0-17-16</inkml:trace>
+  <inkml:trace contextRef="#ctx0" brushRef="#br0" timeOffset="12623.38">13917 3951 0,'18'0'32,"17"18"-32,0-1 15,-17 1-15,0 0 16,-18-36 93,0-35-109,0 35 16</inkml:trace>
+  <inkml:trace contextRef="#ctx0" brushRef="#br0" timeOffset="12856.59">14252 3828 0,'0'0'0,"0"17"16,0 1-16,18-18 16,-18 18-1,0-1 1,0 18-1,0 1-15,0-19 16</inkml:trace>
+  <inkml:trace contextRef="#ctx0" brushRef="#br0" timeOffset="13379.06">14605 3598 0,'0'18'15,"0"0"1,0-1 0,0 1-1,0 0 1,0-1 31,0 1-32,0-1 1</inkml:trace>
+  <inkml:trace contextRef="#ctx0" brushRef="#br0" timeOffset="14231.88">14464 3757 0,'18'0'16,"17"0"-16,18 0 15,0 0 1,0 0 0,-18 0-1,0 0-15,0 0 0,36 0 16,-53 0 0,-1-18-1,-17 1 1,0-1 15,18 1 110,-18-1-141,0 0 15,17 18 1,-17-17 0,18 34-1,-18 1 1,0 35-1,0-36 1,0 1-16,0 17 16,0-17-16,0 0 31,-35 17-15,17-17-1,1-1 1,-1-17-1,0 0-15,1 0 32,17-17-32,-18-1 15</inkml:trace>
+  <inkml:trace contextRef="#ctx0" brushRef="#br0" timeOffset="15370.89">13176 5362 0,'0'36'47,"0"16"-31,18 1-16,0 18 15,-1 52-15,1-87 16,-18 17-16,17 17 15,-17-35-15,0-17 16,0 0 0,0-54 77,0-34-77,0 17-16,0-18 16,0 18-16,0 36 15,0-18 1,18-1 0,0 36-16,35 0 31,17 0-16,36 18-15,0 35 16,-53-36 0,70 54-1,-105-53-15,17-1 16,-17 1 0,-1 0-1,1-1-15,0-17 16,-18 18-1,17-18 32,-17-18-31</inkml:trace>
+  <inkml:trace contextRef="#ctx0" brushRef="#br0" timeOffset="16002.3">13952 5556 0,'0'0'0,"-35"18"0,0 0 15,35 17 1,-18 0 0,18-17-16,0-1 15,0 19-15,0-19 16,0 1-1,0-36 64,18 1-79,-1-19 15,-17-17-15,36 1 16,-36-19-1,17 71 48,1 0-63,0 18 16,-18-1-1,35 1 1,-35 0-16,35 17 15,-17-18 1</inkml:trace>
+  <inkml:trace contextRef="#ctx0" brushRef="#br0" timeOffset="16323.14">14093 5503 0,'18'0'32,"17"0"-17,-35 18 1,36 0-16,-36-1 15,17 1-15,-17-36 94,0 1-78,0-19-16,0 1 15,0-53 1</inkml:trace>
+  <inkml:trace contextRef="#ctx0" brushRef="#br0" timeOffset="17186.14">14393 5362 0,'-17'0'31,"-1"0"0,0 18-15,18 17 0,-17-17-1,17-1-15,0 1 16,0 53 0,0-54-1,0 1 1,0 0-1,17-18 1,-17 17-16,0-34 47,18-19-31,0 1-16,-18-18 15,17 18 1,-17-89-1,0 71-15,0 18 0,-35-35 16,35 34 0,-18 1-1,1 35 1,34 18 46,1-1-46,0 1-16,-1 17 16,1 0-1,17 18-15,1 0 16,-36-35 0,35 0-16,-18 17 15,19-17 1,-19-18-16,89 17 15</inkml:trace>
+  <inkml:trace contextRef="#ctx0" brushRef="#br0" timeOffset="17838.16">14693 5203 0,'0'0'0,"-35"0"0,17 0 16,1 18 0,17 17-16,0 1 15,0-1 1,17-17 0,-17-1-1,18-17-15,-18 18 16,18 0-1,-1-36 32,-17-17-47,18-1 16,-1-34 0,1-1-1,0 18-15,-1 53 78,1 18-62,0 0-16,-18-1 16,17 1-1,-17-1 1,18-17-1</inkml:trace>
+  <inkml:trace contextRef="#ctx0" brushRef="#br0" timeOffset="18707.88">14922 4886 0,'18'0'0,"0"35"31,-18-17-31,17 17 16,1-17-16,-18-1 15,18 36 1,-1-35-1,1 0-15,-18-1 16,18 1 0,-18-36 46,0-35-62,17 18 16,-17 0-16,0 17 15,0-17-15,18 35 16,0 0 109,-18 18-94,17-1-31,1 18 16,-18-17-16,17 0 16,1 17-1,0-17 1,-1-18 31,1 0-32,0 0 1,35-53-16,-53 35 16,17-35-1,-17 18 1,18 53 62,-18-1-62,17-17-1,1 0 16,0 0-15,-1 0 0</inkml:trace>
+  <inkml:trace contextRef="#ctx0" brushRef="#br0" timeOffset="19787.55">15593 4727 0,'0'-17'0,"0"34"31,0 1-15,0-1-16,0 19 15,0-19-15,0 1 16,0 0 0,0 17-16,0-17 15,0-1 1,0 1-1,17-18 64,-17-18-79,18-17 15,-18 17-15,0 1 16,0-1-1,18 18 48,-1 0-47,-17 18-16,18-1 31,0-17 16,17-17-47,-17-1 15,-1 0 1,-17-17 0,18 0-16,-1 0 15,-17 17 16,18 18 32,0 0-47,-1 18-16,-17-1 15,18-17 1,0 0-16,-1 18 15,1-18-15,0 0 47,-18 17-47,17-17 16,1 0 0,-18-17-1,17 17 1,-17-18-16,0-17 15,0 17 1,0-17 0,0 17-1</inkml:trace>
+  <inkml:trace contextRef="#ctx0" brushRef="#br0" timeOffset="22867.96">6544 7990 0,'-18'0'31,"18"-17"-15,0 34 46,0 1-46,0 17-16,0-17 15,36 53-15,-36-36 16,17 0 0,1 18-1,0-18-15,-18-17 16,0-53 62,-18-18-62,18 0-16,-35-53 15,35 71 1,0-71-1,0 53 1,0-35-16,17 17 16,-17 54-1,18 17 63,0 0-62,17 35-16,0-18 16,36 54-1,-1 0 1,-52-36 0,0-17-16,-18-1 0,17-17 15,-34-35 79,17 0-78,-18-18-16,0 35 15,1-35-15,17-17 31,0 52-31,0-17 16,0-1 0,35 36 46,-17 0-46,17 36-16,0-19 15,-17 36-15,35-35 16,-36 17-16,1 0 16,35 18-1,-36-35 1,1 0-16,0-18 16</inkml:trace>
+  <inkml:trace contextRef="#ctx0" brushRef="#br0" timeOffset="23404.13">7144 7655 0,'0'18'47,"17"0"-31,1-1-1,0 1-15,-1-1 16,1 1 0,35 35-1,-18-35 1,-17-18-1,-18-36 64,0 1-79,0-18 15,0 0-15,0 18 16,0-36-16,0 36 15,0-18-15,-36-35 16</inkml:trace>
+  <inkml:trace contextRef="#ctx0" brushRef="#br0" timeOffset="23835.29">7338 7373 0,'70'71'0,"-52"-36"16,17 0-16,1 18 15,-1 0-15,0-18 16,0 36 0,-17-36-1,-18-88 63,-18 18-78,18 17 16,0-17 0</inkml:trace>
+  <inkml:trace contextRef="#ctx0" brushRef="#br0" timeOffset="24278.3">7549 7320 0,'18'18'31,"0"17"-31,-1-17 16,19 17-16,-19 0 16,1-17-1,35 52 1,-36-52-16,-17 17 16,18-17-16,0 17 15,-1-17 16,-34-18 63,-36 0-94</inkml:trace>
+  <inkml:trace contextRef="#ctx0" brushRef="#br0" timeOffset="24589.2">7602 7567 0,'18'0'47,"-18"-18"-32,18 18-15,17-17 16,-17 17 0,17-35-1,-18 35 1,1-18-1,0 0 1,17 18-16</inkml:trace>
+  <inkml:trace contextRef="#ctx0" brushRef="#br0" timeOffset="24869.99">7938 7408 0,'0'0'16,"17"0"-1,1 0 1,-18 36 0,0-19-16,17 19 15,1-1 1,0-18-1,-18 1 1</inkml:trace>
+  <inkml:trace contextRef="#ctx0" brushRef="#br0" timeOffset="25084.43">7779 7197 0,'70'0'63</inkml:trace>
+  <inkml:trace contextRef="#ctx0" brushRef="#br0" timeOffset="25844.14">8343 7267 0,'0'18'15,"0"-1"1,0 1-16,0 70 16,0-52-1,18-19-15,-18 19 16,17-1-16,-17-18 15,0 1 17,-35-18 61,18 0-77,-1-18-16,-17 1 16,-1-36-16,1 18 15,0-18-15,17 35 16,1-35-16,-1 35 31,18 1-15,0-1-1,0 1 1,35 17-16,18-18 16,35 0-1,-17 18 1,-54 0 0,36 18-1,-17 0 1,-1 52-16,-17-35 15,-1 1 1,-17-1 0,0 0-1,0-17 1,-53 17 0,0-17-16,36-18 15,-1 0 1,0 0-1,1 0 1,-1-18 0</inkml:trace>
+  <inkml:trace contextRef="#ctx0" brushRef="#br0" timeOffset="26720.1">8590 7197 0,'18'0'16,"-18"17"-1,17 19 1,1 16 0,0-34-1,-1 17 1,-17-17-16,0 0 16,18-1-1,17-34 32,-35-1-47,18 18 16,0-18-16,-1 18 15,-17-17-15,18-1 16,-1 18 0,1 0-1,0 0 1,-18-18-1,17 18-15,19-35 16,-19-18 15,-17 36-15,0-1 0,-53 18 30,36 0-30,-36 18-16,35 35 16,-17-1-1,35-34-15,0 35 16,0-35-16,0 17 16,35 0-1,-17 1 1,17-1-1,-17-18 1,-1-17 0,1 0-16,35 18 15,-18-18 1,18 0 0,-35 0-1,17 0 1,-17 0-16,-1 0 0,-17-18 31</inkml:trace>
+  <inkml:trace contextRef="#ctx0" brushRef="#br0" timeOffset="27456.07">8290 7461 0,'18'0'47,"0"18"-16,-18 17-31,0-17 16,17 35-1,1-36 1,-18 1-16,0 0 15,17 52 1,-17-17-16,18-35 16,0 88-1,-18-71 1,0-17 0,0-1 30</inkml:trace>
+  <inkml:trace contextRef="#ctx0" brushRef="#br0" timeOffset="28576.02">6597 8961 0,'0'-18'47,"-35"18"-32,17 0-15,-17 0 16,35 18-1,-36-18-15,36 17 32,0 1 15,18-1-32,17 19 1,1-1-16,-1-17 15,36 52 1,-1-17-16,-17 0 16,-35-35-1,-1 17 1,-17-17 0,18 17-1,-18-17-15,-18-1 16,1-17-1,17 18 1,-18-18 0,0 0-1,1 0 1,17-18 15,-18 18-15</inkml:trace>
+  <inkml:trace contextRef="#ctx0" brushRef="#br0" timeOffset="29298.98">7091 9137 0,'17'0'16,"1"0"-1,0 0 1,-1 0-1,-17-18 32,18 18-31,0-17-16,-18-1 16,35 0-16,-35 1 15,0-19 1,0 19-1,0-1 1,0 1 15,-35 17-15,-1 0-16,1 17 16,0 18-1,0-17-15,-18 35 0,17-18 16,19 1-1,17-19 1,0 1 0,0 0-16,0-1 31,0 1-15,17-18-1,-17 17 1,36 1-1,17-18 1,70 0 0,-70-35-1,35 0-15,-53-18 16,1 17 0,-19 1-1,1 0 1,-18 17-16</inkml:trace>
+  <inkml:trace contextRef="#ctx0" brushRef="#br0" timeOffset="29659.9">7426 9031 0,'18'0'63,"-1"0"-63,1 0 15,0 35 1,-1-17-16,-17 0 16,0-36 77,0 0-93,0 1 16,0-1-16,0-17 16,0 17-1,18 1-15</inkml:trace>
+  <inkml:trace contextRef="#ctx0" brushRef="#br0" timeOffset="30019.02">7602 8943 0,'18'0'47,"0"0"-47,-1 0 16,1 0 0,0 18-1,-1-18 1,1 0 15,-18-18 0,17 0-31,-17-35 16,0 36 0,18-1-1</inkml:trace>
+  <inkml:trace contextRef="#ctx0" brushRef="#br0" timeOffset="30324.19">7779 8837 0,'0'0'0,"17"0"15,1 0 17,17 35-32,1 1 31,-36-1-31,17-35 16,1 0-16,-18 18 15,-18-18 16,18-18-15,-35-53-16</inkml:trace>
+  <inkml:trace contextRef="#ctx0" brushRef="#br0" timeOffset="30531.76">7814 8678 0,'53'0'94,"18"0"-79,17 0-15</inkml:trace>
+  <inkml:trace contextRef="#ctx0" brushRef="#br0" timeOffset="30953.05">8326 8643 0,'0'0'0,"0"-18"16,-18 18-16,18-17 16,-18 17-1,-17 0 1,17 17 0,1 54-1,17-53-15,0 17 16,0 0-1,0-17 1,0-1 0,17 1-1,1 0-15,0-18 16,17 0 0,18 0-1,35 0-15,-35 0 16,-18 0-1,18-88 1,-35 88-16</inkml:trace>
+  <inkml:trace contextRef="#ctx0" brushRef="#br0" timeOffset="31830.12">8590 8643 0,'-18'0'0,"18"18"31,0-1-31,0 1 31,0-36 47,0 1-62,0-1 15,0 0-31,-17 18 16,-1 0 0,1 0-1,-1 0 16,18 18-31,0 17 16,0-17-16,0 17 16,18-17 15,-1-18-15,36 18-1,-18-18-15,1 0 16,34-53-16,-70 17 15,36-17 1,-36 18 0,0 17-1,0 1 1,-18 17 15,0 0-31,-17 0 16,35 17-16,0 19 31,0-1-15,0-17-16,0-1 15,18 19 1,-1-36 0,-17 17-1,18 1 1,0 0-1,-18 17-15,0 18 16,-36-18 0,1-17-1,-53 35 1,35-36 0,35-17-16,-35 18 15,-17-1 1,34-17-1,1 18 17</inkml:trace>
+  <inkml:trace contextRef="#ctx0" brushRef="#br0" timeOffset="33034.69">10266 8872 0,'53'0'188,"35"0"-173,53-17-15,88-19 16,-52 19 0,52-36-16,18 18 15,35-18 1,-105 0 0,-160 53-1,1 0 32,0 0-31,17 0-1,0 0-15,0-18 16,-17 18 0</inkml:trace>
+  <inkml:trace contextRef="#ctx0" brushRef="#br0" timeOffset="34196.94">10160 9155 0,'0'0'15,"-71"0"-15,107 0 141,105 0-125,0 0-16,35-18 15,18-17-15,18-1 16,0 1-16,17-18 15,106-17 1,-123 17 0,-195 53 62,1 0-63,0 0 1,-1 0 0,1 0-16,0-18 15,-1 18 1</inkml:trace>
+  <inkml:trace contextRef="#ctx0" brushRef="#br0" timeOffset="34994.21">11448 8167 0,'17'0'62,"19"0"-46,122 53 0,-52-18-16,0-17 15,88 52 1,-71-17-1,89 35 1,-71-17 0,-105-54-1,-19-17-15,1 18 0,-18 0 94,-35 35-63,-1 0-31,1-18 0,-18 35 16,0-34 0,-35 52-1,17-35-15,36 0 16,-35-18-16,-1 36 15,-17-1 1,53-35 0,-18 1-1,53-19 1</inkml:trace>
+  <inkml:trace contextRef="#ctx0" brushRef="#br0" timeOffset="39034.87">13811 7796 0,'0'36'94,"0"17"-94,18 17 16,17 54-1,-17-1-15,-1 1 0,1 105 16,0-70 0,-18 52-1,0 19 1,0-89-1,0 0 1,0-53-16,0-17 16,0 70-16,0 0 15,0-71 1,0-17 0,0 35-1,0-35-15,0-17 31,0 17-31,0-1 16,0-34-16,0 53 16,0 17-1,0 18 1,0-53-16,0-36 16,0 1 109,0 0-110,0-1 1,0 1 15,0-1 141,0 1-172,17-18 16,-17 18-16,18-18 15,-18 17-15,35 1 16,1 17-1,-1-35 1,106 71-16,-18-54 16,36 1-16,-35-18 15,264 0 1,35-35 0,-264 17-1,-18 1-15,-53-1 16,124-17-1,-177 35-15,71-36 16,-36 19 0,72-1-1,-54 18 1,-18-18 0,-34 18-16,34-17 15,-35 17 1,-17 0-1,17 0 1,-17 0 0,141-18-1,-124 18-15,88-17 16,-70 17 0,36-36-1,-72 36 1,-17-17-1,18 17 48,-18-18-16,17 18-47,-17-18 15,0 1 1,0-1 0,18-35-1,0 36 1,-18-107 0,17-35-16,-17 106 15,0-70-15,0 52 16,18-211-1,0 212 1,17-213 0,0 54-16,-17 53 15,-1 52 1,1-35 0,0 36-1,-18-71 1,0 141-1,0-159-15,0 89 16,0-89 0,0 159-1,0-53 1,0-35 0,0 88-1,0 18-15,0 0 16,0 0-16,0-54 15,0-69 1,0 105 0,0-53-1,0 0 1,0 53-16,0-35 16,0-53-1,0 106 1,0-36-1,0 53 1,-18-52 0,18 35-16,0-1 15,-35-17 1,35 18 0,-35-18-1,35 35 1,-36-17-1,36 18-15,0-1 32,-17 18-17,17-18 1,-18 1 0,18-1-16,-18 18 15,1-18 1,-1 18 46,-17 0-30,17-17-32,1 17 15,-1 0-15,-35 0 16,18 0-1,-53 0 1,35 0-16,0 17 16,-71 1-16,-105 53 15,105-54 1,-52 36 0,70-18-1,-123 36 1,35-18-1,123-35-15,-52-1 16,-18 1 0,53 17-1,-36-17 1,89-18 0,-18 17-16,18 1 15,17-18 1,0 0-1,-17 18 17,17-18-32,1 17 31,-1-17-31,-52 0 16,52 18-1,-70 17 1,0-35-1,17 35-15,18-17 16,-17-18 0,52 18-1,0-18 1,18 17 0,-17-17 77,-1 18-77,0-18-16,1 18 16,-1-1-1,18 1 1,-18-18-16,1 18 15,17 17 1,-18-35 0,18 18-16,-35-1 0,35 1 15,-18 17-15,-17 0 16,0 36 0,-1-18-1,19-18 1,-1 0-16,0 36 15,18-53 1,-17 70 0,-18-18-1,35 1 1,0-18 0,-18-18-16,18 18 0,-18-18 15,18 36 1,-17-1-1,17-34 1,0 17 0,0-18-1,0 0-15,0 0 16,0-17 0,0 0-16,0 17 31,0-17-16,0 17 1,0-17-16,0-1 0,0 18 16,0-17-1,17 35 1,-17-35 0,0-1-1,0 19 1,0 16-1,0-34-15,0 0 16,0-1 0,0 36-1,0-35 1,0 0 0,0-1-1,0 1 1,0-1 15,0 1-15,0 0 15,18 17-31,0-17 0,-1 17 16,1 0-1</inkml:trace>
+  <inkml:trace contextRef="#ctx0" brushRef="#br0" timeOffset="41501.15">18415 2417 0,'18'0'47,"-1"0"-47,1 0 16,17 17-1,-17 1-15,52 52 16,19 54 0,-72-71-1,36 35-15,-18-35 0,89 176 16,-71-141 0,53 124-1,-89-106 1,1-106-1,-53-71 32,-18 1-47,0-36 16,0 0 0,-35-70-1,-1-18 1,72 141-16,-1-71 15,18 107 1,0-1-16,0 0 16,0-17-1,0 17 1,35 1-16,-17-18 16,70-18-1,-52 0-15,87 0 16,-52 35-1,-36 18 1,35 0 0,-17 0-1,18 18-15,-71-1 16,35 19 0,-17 17-1,-18-36-15,0 19 16,0 69-1,-18-87 1,1 0-16,-19 17 0,-17 0 16,18-17-1,0-18 1,17 0 0,1 0-1,17 17 141,52 1-140,-16 17-16,-1-35 16,18 36-16,0-1 15,-35-35-15,17 35 16,18-17 0,-36 0-16,1-18 31,0 17-16,-1-17 48</inkml:trace>
+  <inkml:trace contextRef="#ctx0" brushRef="#br0" timeOffset="42128.43">19597 2752 0,'17'0'15,"1"0"1,0 0 0,-1 0-1,-17-18 1,0 0 31,0 1-32,18-1-15,-18 0 78,0 1-62,-18 17 0,1 0-16,-1 0 15,-17 35-15,0-35 16,-1 71 0,19-71-16,17 35 15,0-17 1,0-1 31,17 1-32,1-18-15,0 18 0,34-1 16,19 1 0,0-18-1,-54 0-15,89 0 31,-71-18-15,18-17 0,-18 17-16,-35 1 15,18-19 1</inkml:trace>
+  <inkml:trace contextRef="#ctx0" brushRef="#br0" timeOffset="43162.98">20020 2628 0,'0'0'0,"-18"0"0,1 0 16,-1 0-1,1 0-15,17 18 16,0-1-1,0 1 1,0 0 0,0-1-1,0 1-15,17-18 16,-17 18 0,18-18-1,-1 17 1,1-52 46,0 0-62,-1-36 16,-17 36 0,0-18-16,0 18 15,0 17-15,-17-35 16,34 88 109,-17 1-125,36-1 0,-36 0 15,17-17 1,1 17 0,0-17-16,-1-1 0,19 19 15,-19-1 1,1-35 0,-18-18 46,17-17-46,-17 17-16,0-17 15,18 35 95,0 0-95,-18 18-15,17-18 16,-17 17-16,18-17 16,0 0 15,-1 0-31,-17-17 15,18 17 1,0-18 0,-1-17-16,1 17 0,-1 1 31,-17-1-15</inkml:trace>
+  <inkml:trace contextRef="#ctx0" brushRef="#br0" timeOffset="44787.03">22154 1482 0,'53'17'94,"-35"1"-79,17 17-15,1 18 16,16 0 0,-34-18-16,35 36 15,-53-36 1,35 0-1,-17 1-15,0-1 16,-18-17 0,17-1-1</inkml:trace>
+  <inkml:trace contextRef="#ctx0" brushRef="#br0" timeOffset="45237.92">22895 1341 0,'18'17'62,"17"1"-62,-35-1 16,18 1-16,-1 0 15,1 35 1,17 0 0,1 0-1,-19 35 1,1-53-1,0-35-15,-18 18 0</inkml:trace>
+  <inkml:trace contextRef="#ctx0" brushRef="#br0" timeOffset="45631.29">22860 1605 0,'0'-17'78,"71"-1"-62,-19 0-1,54-17-15,-53 35 16,35-53 0,-70 53-1</inkml:trace>
+  <inkml:trace contextRef="#ctx0" brushRef="#br0" timeOffset="46538.24">23407 1288 0,'35'-36'16,"-35"19"-1,18 17 95,-1 0-95,1 0 1,0 35 0,-18-17-16,35-1 15,-35 1 1,0 70 0,0-17-1,0-36 1,0 18-1,0-18-15,0-17 16,35-18 93,-17-18-109,35 1 16,-18-1-16,-17-17 16,17 35-1,-17-18-15,-1 0 16,-17 1 31,-17 17 78</inkml:trace>
+  <inkml:trace contextRef="#ctx0" brushRef="#br0" timeOffset="52108.12">7373 14693 0,'0'53'94,"18"0"-79,-18 53-15,17 0 16,-17 35-16,18-18 16,-18 54-16,0-54 15,18-35 1,-18 18 0,17 18-16,1 52 15,-18-53-15,18 19 16,17 87-1,-35-176 1,17 88-16,1-35 16,-18-53-1,18 0-15,-18 0 16,17 70 0,-17-88-1,0 124 1,18-71-16,17 71 15,-17 0 1,0-18 0,-1 53-1,1-18 1,-18-123 0,35 141-16,-35 0 15,0-35 1,0-88-1,0-36 1,0 0 0,0-17-1,0-1-15,18-17 141,-1 0-125,1-35-1,123-18-15,-35 0 16,-18 18-16,71-53 15,123 17 1,106-17 0,-35 53-1,-159 17 1,71 0-16,-107 18 16,-69 0-16,16 0 15,54 0 1,-35 36-1,87-1 1,-140-17 0,-1-1-16,107 1 15,17 0 1,-124-18 0,54 0-1,423 17 16,-512-17-15,53 0-16,0 0 16,-52 0-1,-19 0 63,-17-35-62,18-18-16,-18 35 16,17-193-1,-17-19-15,0 125 16,0-125 0,0 107-16,0-36 15,0 18-15,0-35 16,-17-248-1,-1 265 1,-35-87 0,-17-107-1,17 35-15,18 177 16,35 0 0,0 53-1,-18-18 1,0 0-16,18 53 15,-17-17 1,17-36 0,0 35-1,-18 18-15,18 18 16,-18-88 0,1 70-16,17 0 15,0 35 16,0 1 1,0-1-17,0 0-15,-18 1 16,18-1 0,0 0-1,0-17 1,-18 17-1,1 18 48,17-17-47,-18-1-1,1 1 1,-1 17-1,0-18-15,-17 18 16,17-18 0,-35 1-1,0 17-15,18 0 16,0 0 0,-36 0-16,36 0 15,-71 0 1,53 0-1,-88 0-15,88 0 16,-17 0-16,17 0 16,-18 0-16,1 0 0,-1 0 15,-158 0 1,88 0 0,70 0-1,-52 0 1,-18 0-1,70 0-15,-194 17 16,177-17 0,-18 0-16,36 0 15,-89 0 1,18 0 0,88 0-1,-53 0-15,53 0 16,-17 0-1,-1 0 1,18 0 0,-35 0-1,-18 0 1,36 0-16,17 18 16,-18-18-16,-70 18 15,88-18 1,0 0-1,36 0 1,-1 0 109,0 17-109,1-17-1,-18 18 1,-54 17 0,54-35-16,-18 35 15,-17-35-15,-19 53 16,19-35-1,52 0 1,1-1 0,-1 1-1,18-1 1,-18 1 0,18 0 15,-17-18-31,17 17 15,-18 1 1,0 0 0,1-18-16,17 17 15,-18 1 1,0 0-16,18 17 16,-35 88-1,35-35 1,0-35-16,0 71 15,0-89 1,0 18 0,0-18-1,0-17 1,0 35 0,18-35-16,-18-1 15,17 1 1,-17-1-1,18-17 32</inkml:trace>
+  <inkml:trace contextRef="#ctx0" brushRef="#br0" timeOffset="52892.84">8731 12506 0,'0'18'63,"0"35"-48,0-18 1,36 88-1,-1-17-15,-35 18 16,35-54 0,-17 54-16,17-36 15,0 71-15,-35-124 16,18 0 0,-18-17-1</inkml:trace>
+  <inkml:trace contextRef="#ctx0" brushRef="#br0" timeOffset="53926.11">8961 12488 0,'17'18'109,"1"35"-109,-18 17 16,0 1-16,17 17 15,19 0 1,-19-17-16,19 88 16,-19-36-1,1-88 1,0 18 0,-18-35-16,0 0 15,17-1 1,-17 1 62,0 0-62,0-1-1,18 1 1,-18-1-16,0 1 15,0 0 1,0-1 0</inkml:trace>
+  <inkml:trace contextRef="#ctx0" brushRef="#br0" timeOffset="54747.24">8625 13388 0,'18'0'78,"0"0"-78,17 18 16,0 17-16,1 0 16,16 0-16,19 54 15,0-54 1,17 35-1,-35-34 1,-36-36 0,1-18 31,17-17-32,1 17 1,-1-35-1,0 18 1,-35 17-16,18-17 16,-1 17-1,-17 1 1,0-1 0,0 0-16,18 1 15,17-36 1,-17 18-16,0-1 15,-1 19-15,1-1 16,-1 0 0,-17 1-1</inkml:trace>
+  <inkml:trace contextRef="#ctx0" brushRef="#br0" timeOffset="56438.99">24853 4957 0,'0'-18'15,"0"0"32,0 1-31,0-1 31,0 0-32,18 1-15,-1-1 16,54-17 0,17-36-1,-35 54 1,53-36-16,0 35 16,-89 18 15,1 0 0,-18 35-31,0 71 16,0-35-1,-35-1 1,35-34 0,-18-19-16,1 1 15,17-1 1,0 1-16,17-18 156,18 0-140,1 18-16,-19-18 15,36 17-15,-17 19 16,-1-19 0,18 19-1,-36-19 1,-17 1-1,0-1 1,0 1-16,0 0 16,0-1-16,-35 36 15,-18-17 1,-53 34 0,1-17-1,-1-18 1,17-35-16,54 18 15,-18-18 1,36 0 0,-1 0-1</inkml:trace>
+  <inkml:trace contextRef="#ctx0" brushRef="#br0" timeOffset="57720.24">24836 4392 0,'0'0'16,"-36"35"-16,-17-17 0,18 0 15,0 17-15,-18 18 16,-18 17 0,18-17-1,-17 53 1,-18 35 0,70-123-16,-35 158 15,0-52 1,18 17-1,35-53 1,0 36 0,0-72-1,35 54-15,0-18 16,36 1 0,53 52-1,34-18 1,-105-105-16,0 17 15,159 53 1,-159-88-16,70 18 16,-70-18-1,35 0 1,53-53 0,36-35-1,-124 35 1,211-176-16,-105 52 15,-124 142 1,53-106 0,-35 17-1,-35 54 1,-18 17 0,0 18-16,0-18 15,0-53 1,-18 71-1,-35-89 1,1 54 0,-72-72-1,89 107-15,-89-88 16,71 87 0,-17-34-1,17 35 1,0-1-1,0 19 1,18 17-16,0 0 16,17 0-16,-17 0 15,-54 0 1,37 0 0,34 0-1,0 17 1,1-17-1,-1 18 17,-17 0-17</inkml:trace>
+  <inkml:trace contextRef="#ctx0" brushRef="#br0" timeOffset="64630.23">6032 882 0,'0'53'63,"0"-18"-63,18 36 0,0 35 15,-1-36 1,19 36 0,-1 0-16,-17-18 0,35 124 15,-1-18 1,-16-89 0,17 89-1,0-17 1,-18-107-1,0 36-15,0-35 16,-35-54 0,18 54-1,17 17 1,-17-52 0,0-1-16,-18 0 15,17 0-15,-17-17 16,18 0-16,0 17 15,-18-17 1</inkml:trace>
+  <inkml:trace contextRef="#ctx0" brushRef="#br0" timeOffset="67075.23">6191 723 0,'0'18'47,"0"-1"-1,0 1-46,0 0 16,0 17-16,0 18 16,18-18-16,-18 0 15,18 1 1,-1 17-16,18 88 16,-17-71-1,35 89 1,-53-88-16,35 70 15,1-35 1,-19-18 0,1 35-1,-1-70 1,19 71-16,-19 34 16,-17-140-1,36 88 1,-36-88-1,17 17 1,1-18 0,-18 36-16,0-35 15,18 0 1,-18-1 0,17 19-1,-17-19 1,18 1-1,-18-1-15,18 1 47,-18 0-15,17-18-32,1 0 46,-18 17-46,17 1 32,1 0-17,-18-1 1,18-17 0,-18 18 15,0 0 63,17-18-63</inkml:trace>
+  <inkml:trace contextRef="#ctx0" brushRef="#br0" timeOffset="68134.21">5980 2716 0,'35'36'125,"-18"-1"-125,36-17 16,-35 17-16,17-17 15,18 52 1,-35-52 0,17 17-16,0-35 15,-35 35-15,36-35 16,-19 18 0,1 0-1,0-18 1,-1 17-1,1 1-15,17-18 16,-17 0 0,-18 17-1,17-17 17,1 0 46,0 0-47,-1-17-15,1-1-16,0 1 15,17-19 1,-17 1-1,17-53 1,0 53-16,0-54 16,18-17-1,-53 89 1,18-1-16,0-17 16,-18 17-1,17-17 1,-17 17 78</inkml:trace>
+  <inkml:trace contextRef="#ctx0" brushRef="#br0" timeOffset="69661.19">776 3545 0,'-18'0'15,"1"0"1,-1 0-16,-70 0 16,0 0-1,-18 18-15,53 17 16,-159 54-1,107-1 1,87-71-16,0 19 16,18-1 15,0 18-15,0-18-1,0 36 1,18 35-16,17-54 15,36 19 1,-54-18-16,142 70 16,-124-105-1,36 17 1,0-17-16,-54-18 16,1 0-1,-1 0 1,1-53 15,0 0-15,-1 18-16,1-53 15,-18 35 1,0 35 0</inkml:trace>
+  <inkml:trace contextRef="#ctx0" brushRef="#br0" timeOffset="70935.28">635 4128 0,'0'17'47,"0"1"-31,0 17 0,0-17-16,0-1 15,18 1 1,-1 0-1,1-1 1,-18-34 93,0-19-93,0-17-16,0 18 16,0-18-16,-18 18 15,18 17 1,-17 1 0,-1-1-16,0 53 125,18-17-110,-17 0-15,17 17 16,-18 0-16,18-17 15,0 35 1,0-18-16,0 18 16,0-35-1,0-1 1,0 1 0,18-18-1,-18 17 1,0-34 93,17-36-93,1 0-16,-18 18 15,18-1 1,-18 19 0,0-18-16,0 17 15,17 18 157,1 0-172,17 35 16,-17-17-16,17 17 15,18 0-15,-53-17 16,53 0 0,-53-1-1</inkml:trace>
+  <inkml:trace contextRef="#ctx0" brushRef="#br0" timeOffset="71638.1">864 4039 0,'18'36'47,"0"-19"-31,-1 19-1,1-1-15,-1 0 16,1-17-1,-18-54 95,-18-34-110,1 35 15,17-18-15,0 17 16,0 1-16,0 17 16,0 1-16,0-18 15,0-1 1,0 19 0,35 17 46,0 0-62,18 35 16,-17-35-1,-19 35-15,36-17 16,-35 17-16,17 0 16,-17-35-16,-1 18 15</inkml:trace>
+  <inkml:trace contextRef="#ctx0" brushRef="#br0" timeOffset="72622.53">1799 3563 0,'0'18'31,"0"-1"-15,0 19-16,0-19 16,35 36-1,1 0 1,-19-53 62,1 0-62,-18-18-16,18-17 15,-1 0 1,-17 0-16,18 35 78,0 0-31,-1 0-47,1 0 16,-1 17-16,1-17 15,-18 18-15,18-18 16,-1 0-1,1 0 1,0 0 0,-1 0-1,-17-18 1,18 1 0,17-19-16,-35 1 0,0 17 15,0-35 1,0 36-1,0-1 1,0 1 0</inkml:trace>
+  <inkml:trace contextRef="#ctx0" brushRef="#br0" timeOffset="73341.77">2346 3440 0,'18'0'0,"-1"0"15,1 0 32,-18-18-31,0 0 0,0 1-1,0-1-15,0 0 16,-18 1 15,1 17-15,-19 0-1,19 0-15,17 17 16,-36 36 0,36-35-1,0 0 1,0-1-1,0 18-15,0 1 16,18-1 0,17 0-1,-35-17 1,18 0 0,0-18-16,-1 0 31,1 0-16,0 0-15,-1 0 16,36 0 0,-18 0-1,1-36 1,-19 36-16,-52 0 94</inkml:trace>
+  <inkml:trace contextRef="#ctx0" brushRef="#br0" timeOffset="77047.91">635 4815 0,'0'18'31,"0"53"-15,18-36 0,-1 18-1,1 0-15,17 17 16,-17-17-16,52 88 15,-34-70 1,-1 70 0,0-35-1,-17-53-15,17 35 32,-17-53-32,-18-70 93,0-53-77,0 17-16,0-17 16,0 70-1,0-35-15,0 18 16,17 0-16,1 0 15,0-1 1,17 36 0,0-17-1,-17 17 1,0 0 0,17 0-16,18 17 15,53 89 1,-71-71-1,18 18 1,0 18 0,-36-53-1</inkml:trace>
+  <inkml:trace contextRef="#ctx0" brushRef="#br0" timeOffset="77787.17">1676 5186 0,'0'0'0,"-53"70"0,0 19 15,0 34 1,0-52-16,35 17 16,18-71-16,0 89 15,0-70 1,0-19 15,36 1-15,-19-18-1,19 0-15,17-53 16,-18 18 0,18-106-1,-18 17 1,-17 106 0,-18-34-1,0 34 1,0 0-1,17 54 95,-17-19-110,18 1 15,0 35-15,-18-18 16,17-17 0,1-1-16,-18 1 15</inkml:trace>
+  <inkml:trace contextRef="#ctx0" brushRef="#br0" timeOffset="78167.94">1817 5362 0,'17'18'16,"1"-18"-16,0 18 16,-18-1-16,17 1 15,1-18 1,-18 17-1,0-34 64,35-142-64,-35 88 1</inkml:trace>
+  <inkml:trace contextRef="#ctx0" brushRef="#br0" timeOffset="78636.71">2134 4992 0,'-35'17'0,"17"1"15,18 0-15,-17 70 16,17-53 0,0 0-1,0-17 1,0 0 0,0-1-1,17-17 48,19-53-63,17 1 15,-36-37 1,18-16 0,1-37-16</inkml:trace>
+  <inkml:trace contextRef="#ctx0" brushRef="#br0" timeOffset="78868.03">2293 4780 0,'0'0'0,"53"106"0,-53-88 15,18-1 1,-18 19-16,0-19 15,17-17 1,1 0 0,17-35-1,-35 0 1</inkml:trace>
+  <inkml:trace contextRef="#ctx0" brushRef="#br0" timeOffset="79555.75">2487 4674 0,'18'0'15,"-18"18"1,17 0-16,1-1 31,0 1-15,-1-1-16,1-17 15,0 0 1,-1 0 0,1 0-1,-18-17 1,17-1 0,-17-17-1,0-18-15,0 18 31,18 35 16,0 17-31,-1-17-16,-17 18 31,18-18-31,0 0 16,-1 0 15,1 0-15,0-35-16,-1 17 15,-17 0 1,18 18 0</inkml:trace>
+  <inkml:trace contextRef="#ctx0" brushRef="#br0" timeOffset="98885.46">19632 11677 0,'0'0'0,"0"-18"16,0 1-1,0-1 1,0 0-1,0 1 17,18 17-32,-18-18 15,17 0-15,-17 1 16,36 17 0,34-53-1,18 53-15,-35-18 16,88 18-1,-70 0 1,0 0 0,-36 0-16,-18 0 15,19 0 1,-19 18 0,-17 0-1,36-1 1,-36 1-1,17-1-15,1 19 16,-18 17 0,0-18-1,0 18-15,0-35 16,-35 52 0,-1-52-1,1 35 1,17-36-1,1-17 17,-1 0-1,18-17-15,0-1-1,0 0 1,0 1-1,35-1 1,-17 18 0,17 0-1,-17 0 1,35 0-16,0 0 16,-18 18-1,0-1 1,-17-17-1,0 18 1,-1 17 0,-17-17-16,18 0 0,-18-1 15,0 36 1,0-18 0,0 18-1,0 0 1,-18-18-16,-35 18 0,-52 18 15,69-53 1,-17-1 0,-17 1-1,52-18 1,-52 0 0,34 0-16,1-18 15,17 1 1,1 17-16,17-18 15,-18 18 1,0-18 0,18 1-1,0-1 1</inkml:trace>
+  <inkml:trace contextRef="#ctx0" brushRef="#br0" timeOffset="102582.01">22454 11112 0,'18'0'94,"-18"18"-79,0 0 1,18-18-16,-18 35 15,0-17-15,17 17 16,1 0 0,-1 18-16,1 106 0,0-36 15,-18-70 1,17 18-16,-17-1 16,36 107-1,-36-107 1,17 19-16,-17-1 15,18 88-15,-18-105 16,0 52 0,0-70-1,0-18 1,0 36 0,0-36-16,0-17 15,18-18 204,17 0-203,35 0-16,1-18 15,52 1 1,-17 17-16,18-36 15,17 1-15,35 17 16,-140 1 0,-19 17-16,18-18 15,-17 18 1,0 0 0,35 0-1,17-18 1,71 1-1,-88-1-15,-17 1 16,16 17 0,-34-18-16,-18 0 78,0 1-63,0-1-15,0 0 0,0 1 16,-18-72 0,18 72-1,-17-71 1,-36-36 0,53 89-16,-18-89 15,-17-17 1,35 71-1,-18 17 1,18-53 0,0 0-1,0 53 1,0-35-16,0 0 16,0 0-1,0-53 1,0 105-1,0-52 1,0-71 0,0 124-16,0-35 15,0-1 1,0 36 0,0-1-1,0 19 1,-17-1-1,-1-17 1,18 17 0,0 1-1,-18-1-15,1 0 16,-1 1 0,0 17-1,18-18 1,-17 18-1,-1 0 1,1 0 0,-1 0-1,-17 0-15,-1 0 0,-34 0 32,-36 0-32,-17 18 0,-1 17 15,-105 18 1,88-18-1,17 0-15,71-17 16,-106 35-16,124-53 16,18 0-16,17 18 218,0-1-202,-18 1-16,18 0 16,0 17-1,-18 35-15,1-17 16,17 53 0,0-18-1,0-35 1,0-35-16,0 17 15,0 18-15,0-18 32</inkml:trace>
+  <inkml:trace contextRef="#ctx0" brushRef="#br0" timeOffset="113194.73">24712 10283 0,'0'18'47,"0"35"-32,0-18-15,18-17 16,-1 35 0,-17 0-16,18-18 15,0 36 1,-1 34-16,19 19 16,-19-36-1,1 53 1,-1 53-1,1-123 1,0 140 0,-18-87-16,0-71 15,0 0 1,0 0-16,0 17 16,0-34-1,0-1 1,0 35-1,0-52-15,0 17 16,0-17 0,0 0-1,0 17 1,0-18 0,0 1-1,0 0 1,0 17-1,0-17 1,0-1 47,0 1-32,0 0-31,0-1 31,17-17 141,1 0-94,17 18-62,36-18-1,-18 0-15,0 0 16,0 0-16,35 0 16,88 0-1,-17-35 1,-106 35-1,0-18-15,-36 0 16,19 18-16,-36-17 141,0-1-126,0-17 1,0-1 0,17 36-16,-17-35 15,0-18-15,0-17 16,0 34-1,18-34 1,-18 17 0,0-53-16,0 36 31,0-19-31,0 54 0,18-35 16,-18 34-1,0-34 1,0-1-1,0 1-15,0 17 16,-18-53 0,18 88-1,-18-35 1,18 0 0,0 36-16,-17-36 15,-1-35 1,18 52-1,0 1-15,-18 17 16,1-52 0,-1-18-1,1 52-15,17 19 16,-18-1 0,18-17-1,-18 0 1,1-1 15,-1 19-15,0-1-16,-17-17 15,35-1 1,-53 1 0,18 35-16,35-35 15,-35 35 1,-1-35-1,1 35-15,0-18 16,-1 0 0,1 18-1,0 0 1,0-17 0,-18 17-16,17 0 15,-17 0 1,36 0-1,-36 0 1,0 0 0,18 0-16,17 17 15,-17 1-15,0-18 16,-1 18 0,19 17-1,-54-17 1,18 17-1,36-18-15,-1-17 16,-17 18 0,35 0-16,0-1 93,-18-17-77</inkml:trace>
+  <inkml:trace contextRef="#ctx0" brushRef="#br0" timeOffset="114901.04">22948 11359 0,'-17'0'47,"-1"36"-31,18-19-16,0 1 15,0 35-15,0-18 16,0 0 0,18 36-1,-1-71 1,-17 18-16,18-1 15,-1-17 142,1-17-157,17-1 15,1-53 1,-19 36 0,-17 18-1,18 17 95,17 0-110,1 0 15,-36 17 1,17 1-16,18-18 15,-35 17-15,18-17 16,-18 18 0,18-18 62,-18-35-63,17 0-15,-17-1 0,0-34 32,0-1-32,0 54 15,0-1 1</inkml:trace>
+  <inkml:trace contextRef="#ctx0" brushRef="#br0" timeOffset="116566.06">25082 11060 0,'0'17'109,"18"1"-109,0-1 16,-1 19-1,-17-19-15,18 1 16,-18 0-1,0-36 126,0-53-125,0 54-16,0-1 15,18 1-15,-18-1 16,17 0 0,1 1-1,0 17 1,-1 0-1,1 0 1,0 0-16,34 0 16,-16 35-1,17 0 1,-18 0 0,-35-17-1,18 0 1,-18-36 62,-18-52-62,18 34-1,0 1-15,0 0 16,0 17-1,18 18 79,-1 0-94,1 35 16,17-35-16,-17 36 15,-1-19-15,1 19 16,0-1 0,-1-18-16,-17 19 15,18-36 1</inkml:trace>
+  <inkml:trace contextRef="#ctx0" brushRef="#br0" timeOffset="118890.72">26529 10354 0,'0'18'32,"0"-1"-17,0 19-15,18 17 16,-1-1-16,1 37 16,17 52-16,0 70 15,1-87 1,17 264-1,-18-247 1,-18-17-16,1-19 16,17 89-1,-35-123 1,0-18-16,0-36 16,18-17 140,0 0-94,-1 0-46,36 0-16,35 0 16,1-35-16,-1 18 15,71-36 1,-107 53-1,37-18 1,-54 0 0,-17 1-16,-1 17 0,1 0 15,-1 0 1,1-18 0,0 18-1,-1-18 1,1 1-16,0 17 15,17-18-15,-35 1 16,18-1 0,-18 0 15,0 1-15,0-19-1,0 19-15,0-1 0,0-17 16,0-53-1,0-1 1,-36 1 0,19 35-1,-19-70-15,19 70 16,-19-88-16,19 88 0,-36-124 16,35 142-1,-17-106 1,0 35-1,35 53 1,-18 0 0,0-35-16,18 71 15,-17-19 1,17-17 0,0 36-16,-18-1 15,-17-88 1,35 71-16,0 17 0,-18-35 15,-17 1 1,17 34 0,18 0-1,-17 18 17,17-17-17,0-1 1,-18 18-16,0 0 31,1 0-15,-1 0-1,-35 0-15,18 18 16,-71 17 0,36 0-1,34-35 1,19 18-1,-1-1-15,0 1 172,1-18-156,17 18-16,-18-18 16,18 17-16,-18 1 15,-17 0 1,35-1-1,0 1-15,-17-18 16,17 18 0,0-1 15,0 1-15,0-1-16,0 1 15,-18 35 1,18 18-1,0-54-15,0 19 0,0-1 16,0-18 0,0 1-1,0 0 1</inkml:trace>
+  <inkml:trace contextRef="#ctx0" brushRef="#br0" timeOffset="119967.36">26988 11130 0,'17'0'32,"-17"18"-17,0-1-15,18 1 16,-1-18-16,-17 35 15,18-17 1,-36-71 78,18 18-79,0-1-15,0 19 16,0-1 0,0 1-16,0-1 15,36 36 79,-19 17-94,1 0 16,0-17-16,-1 17 15,1-35-15,-18 35 16,18-35-16,-18-35 94,17-18-94,-17 18 15,0 0-15,18-1 16,-1 19-16,-17-1 16,0 0-1,18 18 48,0 18-48,52 35 1,-34-35 0,-19-1-1,1 18-15,-1-17 16</inkml:trace>
+  <inkml:trace contextRef="#ctx0" brushRef="#br0" timeOffset="120930.2">20197 11536 0,'-18'0'31,"0"17"-15,18 19-1,-17-1-15,-19 0 16,36 18-1,-53 71-15,36-36 16,-1-53 0,18-17-16,0 17 15,0-17 1,18-18 46</inkml:trace>
+  <inkml:trace contextRef="#ctx0" brushRef="#br0" timeOffset="121345.83">20902 11536 0,'0'17'31,"-18"-17"-15,1 36-1,-1-19-15,1 1 16,-36 88-1,0-53-15,0 17 16,-35 19 0,52-72-1,-17 36 1,53-35-16</inkml:trace>
+  <inkml:trace contextRef="#ctx0" brushRef="#br0" timeOffset="121748.88">20620 12012 0,'0'0'0,"-35"35"0,-18 1 16,17 17 0,-34 17-16,52-52 15,-17-1 1,17-17-1,1 0 32,17-17-31</inkml:trace>
+  <inkml:trace contextRef="#ctx0" brushRef="#br0" timeOffset="122142.34">20585 11606 0,'0'18'31,"-18"17"-15,0 1-16,-17 17 15,-18 17 1,53-35-16,-106 54 16,36-1-1,-1-35 16,71-36-15,-17-34 31,17-19-31</inkml:trace>
+  <inkml:trace contextRef="#ctx0" brushRef="#br0" timeOffset="122539.95">20338 11359 0,'0'18'31,"0"0"-15,-18-1-1,0 19-15,18-19 0,-17 19 16,-36 34 0,0 18-1,18-17 1,-36-1-1,18 19 1,35-54-16,1 0 16,17-17-1</inkml:trace>
+  <inkml:trace contextRef="#ctx0" brushRef="#br0" timeOffset="122999.12">20585 11712 0,'0'0'0,"17"106"16,-17-35-16,-35 34 0,-18 19 15,35-89-15,-35 89 16,1-54-1,-19 36-15,53-71 16,-17 1 0,0-1-1,17-35 79,1 0-78,-1 0-16,0 0 31</inkml:trace>
+  <inkml:trace contextRef="#ctx0" brushRef="#br0" timeOffset="124414.56">22684 8326 0,'0'35'141,"0"0"-141,0 0 16,0-17-16,0 0 15,17 35-15,-17-1 16,18-16-16,-18 17 15,18 70 1,-1-52 0,18 52-16,-35-52 15,18-1 1,17 36 0,-35-88-1,0 17 1,0 0-1,18-35-15,-18 18 16,0 17-16,18 1 16,-18-19-1,0 1 1,0-1-16,17 1 31</inkml:trace>
+  <inkml:trace contextRef="#ctx0" brushRef="#br0" timeOffset="125755.32">24518 8043 0,'0'18'16,"0"0"-1,0 35 1,18-36-16,-1 107 16,19-54-1,-1 89 1,0-36 0,0 19-1,1-19 1,-19 0-1,1-70-15,35 71 16,-35 17 0,-1-70-1,1-71 1</inkml:trace>
+  <inkml:trace contextRef="#ctx0" brushRef="#br0" timeOffset="126717.94">25788 7920 0,'18'0'31,"17"35"-15,0 36-16,1-36 15,52 88 1,-53-70-16,71 88 16,-89-70-1,72 70 1,-19 0 0,-35-105-1,36 69 1,-53-34-1,17-36-15,-17-17 0,-1 35 16,1-36 0,0 1-1,-18 0 1,17-1 15,-17 1-15,18-18-16,-18 18 15</inkml:trace>
+  <inkml:trace contextRef="#ctx0" brushRef="#br0" timeOffset="127347.05">26282 9031 0,'18'18'47,"-1"-1"-32,18 19-15,36 17 16,0 35 0,-54-53-1,36 18 1,-18-53-1,-17 0 48,0-35-47,-1-1-1,1 1 1,-18 18-16,0-19 15,18 36-15,-18-17 16,0-19-16,0 19 16,0-1-1</inkml:trace>
+  <inkml:trace contextRef="#ctx0" brushRef="#br0" timeOffset="128208.75">24359 9472 0,'18'0'15,"0"0"1,-1 0-16,36 18 16,35 35-1,-35-18 1,71 18 0,-36 0-16,-53-36 15,-17-17 1,-1 0 46,1-35-46,35 0-16,-18 0 16,1-18-16,-1-18 15,35-52 1,-70 87-1,0 19-15,18-1 32</inkml:trace>
+  <inkml:trace contextRef="#ctx0" brushRef="#br0" timeOffset="129125.03">22507 9807 0,'18'0'47,"17"18"-32,0-1-15,-17 19 16,35-1-16,0 0 16,-18 1-16,0-19 15,36 19-15,-71-19 16,35-17 0,-17-17 46,0-36-46,34-36-16,1 19 15,0-54-15,0 36 16,18-53 0,-18 71-16,-18 17 31,-17 17-31,-1 19 15,1-19 1,-18 19 15</inkml:trace>
+  <inkml:trace contextRef="#ctx0" brushRef="#br0" timeOffset="130679.83">23213 13194 0,'-18'18'47,"-17"17"-47,-18 0 16,-35 53-1,35-17-15,-176 176 16,34-53-1,90-71 1,-107 124 0,124-123-16,0 34 15,-1-34-15,-16 35 16,87-106 0,-53 35-1,54-35 1,17-36-1,-18 1-15,18 0 16,-18-18 0,1 17-1</inkml:trace>
+  <inkml:trace contextRef="#ctx0" brushRef="#br0" timeOffset="132186.06">21290 15716 0,'0'0'0,"18"-17"0,-18-1 15,17 18 1,-17-18-16,18 18 16,0-17-1,-1 17 1,1-18 0,0 0-16,-1 1 0,54-18 15,-36 35 1,-17 0-1,-1 0 17,1 0-17,0 0 1,-1 0 0,1 17-1,-18 1 1,18-1-1,-1 1 1,-17 0 0,0-1-16,0 1 31,18-18 125,-1 0-156,1 0 16,0 0-16,-1 0 15,1 18 1,0-18 0,-1 17-1,-17 1-15,18-18 16,0 35 0,-18 0-1,0 1 1,-18-1-1,0 0 1,-17-35-16,-18 53 16,0-35-1,18-18 1,-18 0 0,0 0-16,35 0 15,1 0 1</inkml:trace>
+  <inkml:trace contextRef="#ctx0" brushRef="#br0" timeOffset="133500.87">25594 12400 0,'0'35'63,"0"1"-63,0-1 15,-18 0-15,18 1 16,-17 16-16,-1 54 16,18-53-16,-18 35 15,1 89 1,17-124-1,-18 0-15,18 0 16,-35 52 0,0-16-16,17-37 15,-17 54 1,17-70 0,0-1-16,18 0 15,-35 0 1,35-17-16,0 17 15,-17-35 1,17 18 15,0 0-15,0-1 0,0 1-1,-18-18-15,18 18 94</inkml:trace>
+  <inkml:trace contextRef="#ctx0" brushRef="#br0" timeOffset="135534.85">24871 14658 0,'0'-35'78,"0"17"-62,0 0-16,0 1 15,0-19 1,35-34 0,0-18-16,1 70 15,17-52 1,52-1-1,-69 53 1,70-17 0,-1-18-1,-87 53-15,17-18 16,-17 18 15,0 0-15,-1 0-1,-17 18 1,35 0-16,-35 17 16,18-35-1,-18 53 1,0-35 0,0-1-1,0 19 1,-18-19-16,1 1 0,-18 17 31,17-17-15,-35-1-1,35-17 1,36-17 171,0 17-171,-1 0 0,1 0-1,17 0-15,-17 0 16,-1 0 0,1 0-1,0 0 1,-1 0-1,-17 17 1,36 1 0,-19 17-1,1-17 1,17 17-16,-17-35 16,-18 35-16,18-17 15,-1 35 1,-17-35-1,0-1 1,0 1 0,0 0-1,0-1-15,-17-17 16,-1 18 0,-35-1-1,-18 1 1,18-18-1,-35 35 1,-35-17-16,35-18 16,-54 18-1,54-1 1,71 1 0,-1-18-16,0 0 15</inkml:trace>
+  <inkml:trace contextRef="#ctx0" brushRef="#br0" timeOffset="137129.29">27852 12188 0,'0'18'109,"0"0"-93,35 35-16,-17-18 16,17-17-1,-17 34-15,35 1 16,-1 0-1,1 18 1,-35-36-16,35 36 16,-35-18-1,70 70-15,-18-17 16,-34-88 0,-1 52-1,-17-52 1,-1-18-1,-17 17 1,0 1 172</inkml:trace>
+  <inkml:trace contextRef="#ctx0" brushRef="#br0" timeOffset="138957.78">28628 13758 0,'0'0'0,"0"-17"16,0-1 15,0-17-16,0 17 1,0 0-16,18 1 16,-1 17-16,-17-18 15,18 18 17,-18-17-17,17 17 1,1 0-1,0 0-15,-1 0 94,1 0-63,0 0-15,-18 17 0,17 1-1,-17-1-15,0 1 32,0 0-32,0-1 15,0 1 1,0 0-1,0-1 1,0 1-16,18-18 172,0 0-141,17 18-31,-18-18 31,1 0-31,0 17 16,-1 1 0,1 0-16,0 17 31,-1-18-31,-17 1 16,18 0-1,-18-1 48,-18-17-32,1 18-31,-1-18 16,0 0-16,-35 0 15,36 18-15,-18-18 16,-18 0-1,0 0 1,35 0 31</inkml:trace>
+  <inkml:trace contextRef="#ctx0" brushRef="#br0" timeOffset="140765.32">28504 13388 0,'-17'0'31,"17"18"-15,-18 34-1,18-16-15,-17 87 16,-1-70-1,18 0-15,-18 18 16,18 34 0,0 37-1,0-107-15,36 18 16,-19 0 0,18-18-1,-17 18 1,0-35-1,-1-1-15,1 1 16,17 17-16,-17 0 16,141 71-1,52-18 1,-193-88 0,105 18-1,-87-18 1,-1 0-16,-17-35 15,17-18 1,0-18 0,-35-52-1,0-18 1,0 88 0,0-53-16,0 53 0,-35-18 15,-18-105 1,18 35-1,17 106 1,-17-54 0,0 37-16,-1 34 15,36 0-15,-17 1 16,-19-19 0,-17 19 15,0-1-16,18 18-15,-88 0 16,17 0 0,53 18-1,35-18 1,1 17 0,17 1-16</inkml:trace>
+  <inkml:trace contextRef="#ctx0" brushRef="#br0" timeOffset="141936.45">25365 13847 0,'0'0'0,"-18"0"0,-52 0 15,-1 0 1,-53 52-1,89-52 1,18 36-16,-19-19 0,-34 72 16,34-72-1,-16 71 1,-19 36 0,-17 17-1,0 18 1,35-71-16,17 106 15,36-18 1,0-123 0,71 88-1,52 0 1,-70-70 0,36 0-16,-37-54 0,90 54 15,-54-18 1,35-36-1,54-17 1,-124 0 0,35-17-16,-35-36 0,17-35 15,-52 52 1,35-105 0,-36-70-1,-17 34 1,18-52-1,0 88-15,-1 105 16,-17-34 0,0 35-16,0 17 15,0-35 1,0 18 0,0 17-1,0-17-15,-35-18 16,-35 0-1,34 0 1,-158-53 0,124 53-1,-36 0 1,35 18-16</inkml:trace>
+  <inkml:trace contextRef="#ctx0" brushRef="#br0" timeOffset="143075.97">21943 15046 0,'-35'0'31,"17"0"-31,0 0 15,-52 0-15,34 0 16,-87 0 0,35 0-1,0 35 1,88-17 0,-71 17-16,36 18 0,-54 0 15,-16 88 1,-54 36-1,71-89 1,-106 159 0,70-36-16,71-70 15,53-123 1,-17 70 0,17-35-1,35 35 1,18-35-1,0 18-15,17-18 16,1-18 0,-53-17-1,123-18 1,106 0 0,-106-53-1,88-53-15,-106 18 16,-70 52-1,-35 1-15,17 0 16,-35 0 0,36-36-1,-36-35 1,0 0-16,0-35 16,0-123-1,0 105 1,0 88-1,-18-34 1,0 52 0,1 17-16,17 1 15,-18 17 1,0 18 0</inkml:trace>
+  <inkml:trace contextRef="#ctx0" brushRef="#br0" timeOffset="144756.07">31662 12912 0,'0'0'0,"-35"-18"16,17 0 0,-35-17-16,35 17 15,-17 18-15,17 0 32,1 0-1,-1 0-31,0 18 15,1 17 1,-36 1 0,35 17-16,-70 88 15,70-71 1,-17 18 0,35-35-1,0-17-15,0-1 0,0 18 16,0-36-1,18-17 1,-1 0 47,19-17-48,-19-18-15,19-1 16,34-17-1,-52 36-15,35-36 16,0-35-16,-53 70 16,35-17-1,-35 17 1,0 0 0,18 1-1,-18-1 1,0 36 93,35 17-93,-35-17-16,18 17 15,-18 0-15,17 18 16,1-35 0,-1 35-1,-17-36-15,18 36 16,-18-35 15</inkml:trace>
+  <inkml:trace contextRef="#ctx0" brushRef="#br0" timeOffset="146225.07">31926 12859 0,'18'0'47,"0"0"-31,-1 35 0,-17-17-16,18 17 15,0-17-15,-18-1 16,0 1-1,0-36 79,0-35-94,0 18 16,0 17-1,17-35 1,1 1-16,0 16 16,-18 19-1,17 17-15,-17-18 16,18 18 46,-1 18-46,19-1-16,-19 36 16,1-35-1,17 52 1,-17-34 0,0-36-16,-1-18 109,-17-35-93,18 53-16,-1-18 0,-17-17 15,18 18 1,0 17 62,-1 0-62,1 0-16,0 0 46,-1 0-30,1-36 0,0 19-16,-18-1 15,17 18 1,1 0 187,-1 0-203,1 0 16,0 0-16,17-18 15,-17 1 1,17-1 0,-17 18-1</inkml:trace>
+  <inkml:trace contextRef="#ctx0" brushRef="#br0" timeOffset="146974.17">31521 14676 0,'17'35'94,"-17"-18"-94,0 1 16,18 17-16,-18 1 15</inkml:trace>
+  <inkml:trace contextRef="#ctx0" brushRef="#br0" timeOffset="153361.71">11183 1976 0,'-18'0'125,"18"17"-109,0 36-1,-17-18-15,-1 1 16,18-1-16,-18 35 15,1 19 1,-1-1 0,1-18-16,-1 1 15,0 52 1,18-52 0,-17 17-1,-1-35 1,0 106-1,18-53-15,0-71 16,0 53 0,0 0-1,0-35 1,0 71-16,0-71 16,0 53-1,0-54-15,36 107 16,-19-71-1,19 142 1,34 17 0,-52-124-1,52 71-15,-17 0 16,0-106 0,18 124-1,-36-141 1,-17-18-1,17-1-15,-17 1 16,-1-17-16,18 34 16,36 36-16,-53-53 15,35 17 1,-18-52 0,0 35-1,18 0 1,-35-18-16,70 36 15,0-1 1,-53-52 0,71 35-1,-18-18 1,-17 18 0,-36-53-1,-17 18-15,-1-18 16,1 0-16,17 0 31,-17 0-15,0 17-1,17 1 1,-17-18-16,52 0 16,1 18-1,-36-18-15,71 0 16,-36 0-1,89 0 1,-124 0 0,54 0-16,-72 0 0,71 0 15,-52 0 1,105 17 0,-88-17-1,70 18-15,71-18 16,-70 0-1,-18 0 1,-36 0 0,1 0-1,-36 0-15,18 0 16,141 0 0,-124-18-16,89 1 15,35 17 1,-123-18-1,264-88 1,-123 18 0,-107 70-16,125-88 15,17-17 1,53 17 0,35-53-1,-212 89 1,124-71-1,141-71-15,-282 159 16,70-70 0,-35 17-1,18-71 1,-141 89 0,17 35-1,-35 18-15,18-35 16,-18-36-1,0 70 1,0-105 0,0 88-16,-53-88 15,-35-141 1,52 176-16,-105-194 16,106 230-1,-106-195 1,70 159-1,-35-52 1,18 52 0,-35-53-16,52 89 0,-17-1 15,-318-317 17,107 176-17,-19 1 1,106 87-16,-87-17 15,104 70 1,1 1 0,124 35-16,-18-1 15,-212-52 1,-71-18 0,248 89-1,-371-36-15,212 53 16,141 0-1,-265 0 1,283 0 0,17 17-16,-88 36 15,88-17 1,-18 34-16,-17 36 16,0-18-1,124-70 1,-107 105-1,18 1 1,71-71 0,0-36-16,-18 89 0,35-18 15,0 1 1,18 34 0,0-17-1,0-53 1,0 88-16,18-35 15,0 0 1,35-18 0,-18 18-1,36-1 1,-1-16 0,1-1-16,-36-53 15,0 0-15,0 1 16,-35-19-1,36 1 1</inkml:trace>
+  <inkml:trace contextRef="#ctx0" brushRef="#br0" timeOffset="157769.01">6703 4657 0,'0'17'93,"0"19"-77,17-1 0,-17-18-1,0 1 1,18 0 0,-18-1-1,18 1 95,-18 0-64,17-18-46,-17 17 16,18-17 0,-18 18-16,18-18 15,-18 18 1,17-1 0,-17-34 109,0-1-110,0 0 1,0 1-1,-17 17 1,17-18 109,0 0-125,0 1 16,0-1-1,0-17-15,0 17 32,0 1-17,17 17 157,1 0-141,-18 17-31,18-17 16,-18 18 15,17-18-31,1 0 156,-18-18-156,17-17 16,-17 0-16,18 17 16,-18 0-16,0 1 15,18 17 126,-1 0-125,1 0-1,-18 17-15,18-17 16,-1 18-1,1-18-15,-18 35 16,18-35-16,-1 18 31,-17 0-15,18-18-16,-18 17 16</inkml:trace>
+  <inkml:trace contextRef="#ctx0" brushRef="#br0" timeOffset="158731.91">6985 5151 0,'0'17'47,"18"18"-31,-18-17-1,17 0-15,1-1 16,0-17-16,-1 0 16,1 0 62,-18-17-63,35-19-15,-35 19 16,18 17 78,-1 0-79,1 0 1,17 0-16,-17 0 16,17 0-1,0 0-15,1 0 16,-19 0 0,-17-18 15,18-17-31,-18 17 15,0-17-15,0 17 16,0-35 0</inkml:trace>
+  <inkml:trace contextRef="#ctx0" brushRef="#br0" timeOffset="159723.7">7161 5521 0,'0'35'46,"36"18"-30,-19-18 0,-17-17-16,18 0 15,0-1 1,-1 1 0,-17 17-1,0-17-15,18-18 16,-18-18 62,0 1-78,0-19 16,-18 1-16,18 17 15,0 1-15,0-18 16,0-1-1,0 19 1,18-1 0,17 0-1,0 18 1,1 0 0,-1 0-1,-17 0 1,-1 0-16,-17 18 15,18-18-15,0 35 16,-1-17 0,-17 0-1,0 17 1,0-18 15</inkml:trace>
+  <inkml:trace contextRef="#ctx0" brushRef="#br0" timeOffset="161592.09">3281 9631 0,'0'0'0,"70"-53"0,-52 53 16,70-53-1,-53 35 1,54-17-16,-36 0 0,105-36 15,-105 54 1,124-54 0,-71 18-1,17-17 1,-17 52 0,35-53-16,-123 71 15,52-35 1,71-18-1,-88 18 1,-18 35-16,1-35 16,70-18-16,-89 35 15,54-35 1,-18 18 0,0 17-1,70-35 1,-17 18-1,-53 0-15,35-1 16,0 1 0,-70 35-1,-18-17 1,17 17 0,-17-18 30,18 18-46,17-18 16,-17 1 0,0-1-1,35 0 1,-36 1-16,18-1 16,-17 18-16,17-35 15,-17 35 1,0-18-1,17 18 1,-35-17 0</inkml:trace>
+  <inkml:trace contextRef="#ctx0" brushRef="#br0" timeOffset="162965.94">3122 9648 0,'35'0'78,"-17"0"-78,35 0 15,-18 0-15,0-17 16,54-18-16,140-36 16,-158 36-1,175-53 1,-87 35-1,18 0 1,-107 35-16,1 0 16,-18 1-16,88-36 15,-106 35-15,71-17 16,-53 17 0,-18 1-1,-17-1 16,-1 18-31,1 0 16,-18-18-16,53 1 16,-18 17-1,36-36 1,-36 19 0,36-1-1,-19 1-15,72-36 16,-89 35-1,89-35 1,-71 18 0,-18 17-1,0 1-15,-17-1 16,35 0 0,-36 1-1,-17-1 1,71 0-1,-36 1 1,-35-1-16,18 0 16,17 1-1,-17-1 17,-1 18-17</inkml:trace>
+  <inkml:trace contextRef="#ctx0" brushRef="#br0" timeOffset="163710.99">5874 8079 0,'35'0'47,"0"0"-32,1 0-15,-1 0 16,106 0 0,-53 0-1,-70 0 1,-18 17 31,0 1-32,0 0 1,-18 17 0,18-18-16,-53 89 15,18-70 1,0-1 0,-1 35-1,-17 1 1,36-36-1,-36 36 1,18-18-16,-1-18 16,1 36-1,0-19 1,17-34 0,18 0-1,0-1 32</inkml:trace>
+  <inkml:trace contextRef="#ctx0" brushRef="#br0" timeOffset="165571.19">12065 7761 0,'0'-18'94,"18"18"-79,-1 0-15,36 0 16,0-17-16,35-18 16,106-1-1,-88 19 1,71-19-1,-19 1 1,-105 35 0,-53-18-16,18 18 0</inkml:trace>
+  <inkml:trace contextRef="#ctx0" brushRef="#br0" timeOffset="166509.87">12912 7373 0,'17'0'46,"36"0"-30,-17 35-16,-1-17 16,53 53-1,-70-54 1,17 18 0,-17-17-16,-1-18 0,-17 18 31,0-1 16,-17-17-32,17 18-15,-18 0 16,0 17 0,-35 35-16</inkml:trace>
+  <inkml:trace contextRef="#ctx0" brushRef="#br0" timeOffset="168619.22">23830 12806 0,'0'17'15,"-18"54"1,1-18 0,-18-18-1,-1 71 1,-17-35-16,-17 87 15,-71 72 1,105-177 0,-52 105-16,0-34 15,0-36 1,-36 53 0,19-70-16,52-1 15,-36-17 1,37-18-1,16 18 1,19-35 0,-19 35-1,1 0 1,17-36 0,1 19-1,-1-19 1,18 1-1</inkml:trace>
+  <inkml:trace contextRef="#ctx0" brushRef="#br0" timeOffset="170617.94">30445 16087 0,'-18'-18'62,"0"0"-46,-17 1-1,0-1 1,17 0 0,-70 1-16,0-18 15,-18 17 1,0 0 0,18 18-16,70 0 15,-70 0 1,71 0-1,-1 18 1,0 0-16,18 17 16,0 35-1,0 71 1,71 36 0,-18-107-1,88 54-15,-18-36 16,160 0-1,-54-70 1,-88-18 0,53-88-1,-123 17 1,-54 36-16,-17-71 16,0 0-1,0 53 1,-35-17-1,35 52 1,0-17 0,0 70 77,0 0-93,35 36 16,-17-18-16,-1-18 16,36 89-1,-53-71 1,18 52 0,0-69-16,-1 52 15,19 71 1,-36-124-1,17 18-15,1-18 16,-1 0 0,-17 18-1,18-35-15,-18 0 16</inkml:trace>
+  <inkml:trace contextRef="#ctx0" brushRef="#br0" timeOffset="172403.91">14764 13547 0,'0'-18'47,"17"0"-47,54-70 16,-18 53 0,70-71-16,-70 53 15,0 18-15,-18 17 16,1-17-1,-1 35 1,-17 0 15,-1 0 1,1 35-17,0-17 1,-18 35-1,0 17-15,0 1 16,-53-1 0,35-34-1,-17-1 1,35-17 0,35-18 93,18 0-109,-18 0 16,18 0-1,0 0-15,0 17 16,-18-17-1,18 53 1,-35-18 0,-18-17-16,0 53 15,-35 35 1,-1-54 0,-34 1-1,-1-17 1,-88 17-1,71-18-15,18-18 16,-1-17 0,53 0-16,1 0 15,-19 0 1,-34-52 0,52 52-1,18-36-15</inkml:trace>
+  <inkml:trace contextRef="#ctx0" brushRef="#br0" timeOffset="173231.9">14411 12488 0,'0'0'0,"-18"0"16,-35 36-16,36 34 15,-36-17 1,0 35-16,53-70 15,-35 70-15,17 106 16,18-159 0,0 107-16,35-1 15,1-53-15,34 123 16,-35-122 0,177 299-16,35-18 15,-88-193 1,0-36-16,-36-53 15,18 18 1,18-71 0,-106-17-1,141-18-15,-71-18 16,54-88 0,34-88-1,-158 106 1,88-353-1,-123 335 1,-18 0-16,0-70 16,-53 52-1,18 36 1,-71-71 0,-18 1-1,-34-1 1,-177-141-16,17 53 15,212 194 1,-388-88 0,212 106-1,88 35 1,-53 35 0,106 18-16,106-18 15,17 18 1,1-17-1,-1 52 1,18-18 0,0-17-16,0-18 15</inkml:trace>
+</inkml:ink>
+</file>
+
+<file path=ppt/ink/ink14.xml><?xml version="1.0" encoding="utf-8"?>
+<inkml:ink xmlns:inkml="http://www.w3.org/2003/InkML">
+  <inkml:definitions>
+    <inkml:context xml:id="ctx0">
+      <inkml:inkSource xml:id="inkSrc0">
+        <inkml:traceFormat>
+          <inkml:channel name="X" type="integer" max="1920" units="cm"/>
+          <inkml:channel name="Y" type="integer" max="1080" units="cm"/>
+          <inkml:channel name="T" type="integer" max="2.14748E9" units="dev"/>
+        </inkml:traceFormat>
+        <inkml:channelProperties>
+          <inkml:channelProperty channel="X" name="resolution" value="36.43264" units="1/cm"/>
+          <inkml:channelProperty channel="Y" name="resolution" value="36.48649" units="1/cm"/>
+          <inkml:channelProperty channel="T" name="resolution" value="1" units="1/dev"/>
+        </inkml:channelProperties>
+      </inkml:inkSource>
+      <inkml:timestamp xml:id="ts0" timeString="2021-07-02T04:31:26.615"/>
+    </inkml:context>
+    <inkml:brush xml:id="br0">
+      <inkml:brushProperty name="width" value="0.05292" units="cm"/>
+      <inkml:brushProperty name="height" value="0.05292" units="cm"/>
+      <inkml:brushProperty name="color" value="#FF0000"/>
+    </inkml:brush>
+  </inkml:definitions>
+  <inkml:trace contextRef="#ctx0" brushRef="#br0">11042 5733 0,'18'0'94,"-1"0"-47,1 0-16,-1 0-15,1 0-1,0-18 1,-1 18-16,1 0 15,0 0 1,17 0-16,0-18 16,1 18-1,16-17 1,-16 17-16,-1 0 16,18-18-1,17 0 1,1 1-1,17 17 1,0-18 0,36-17-16,-18 17 15,194-35 1,-89 0 0,-123 18-1,142 0 1,-124 17-16,-18 1 15,18-1-15,52-17 16,-17-1 0,-88 19-1,88-1 1,-35-17 0,-53 35-1,53-18-15,35-17 16,-70 17-1,52 1 1,-70-1 0,88 0-1,-17-17 1,-18 17 0,-18 1-1,-35-1 1,0 1-1,-1-19 1,-34 36 0,0-17-1,-1 17 1,-17-18-16,18 18 16,0 0 15,-18 18 219,17-1-250,-17 19 15,0-1-15,0-18 16,0 19-16,18 17 16,-18 70-1,18-17 1,-1-71 0,-17 142-1,18-19-15,0-87 16,-18-1-16,17 72 15,18 16 1,-17 19 0,0-107-1,17 124 1,-35-88-16,18 71 16,-1-54-1,1-35 1,17 89-1,0-54 1,-35-17 0,36 17-1,-36-87-15,35 105 16,0 0 0,1 18-1,-19-18 1,1-71-1,0 71-15,-18-123 16,35 105 0,-35-34-1,17-19 1,-17-34 0,18 16-1,-18 1-15,0 0 16,0-35-1,0 0 1,0-1 0,-18-17 62,-17 0-63,-18 0-15,-17 0 16,17 0-16,-18 18 16,-70 17-1,18 0-15,-124 18 16,70-17 0,-105 34-1,17-35 1,160-17-16,-107 17 15,106-35 1,-17 18-16,34 0 16,-140 17-1,106-17 1,-107 17 0,-17 0-16,212-17 15,-124-1 1,71 19-1,-88-1 1,141-35 0,-89 35-1,54-17-15,-36-1 16,18 1 0,70-18-1,-17 18 1,-1-18-1,19 17 1,-19-17 0,-17 18-1,36 0 1,-1-18 0,1 0-1,17 17 1,-18-17-1,18 18-15,-18-18 16,18 18 0,-17-18-1,-1-18 173,18 0-173,-18 1-15,18-1 16,-17-53 0,-19 1-1,36 35 1,-17-89 0,-1 89-16,1-18 15,-1-18-15,0-34 16,18 34-1,-17 18 1,-1-88 0,0 0-1,18 70 1,-17-87-16,-19-19 16,19 107-1,-1-19 1,0-52-1,1 71 1,-1-71 0,1 17-1,-1 18 1,0 53 0,1-35-1,17 35 1,-18 0-16,0-35 15,18 53 1,-17-18-16,-1-53 31,0 0-15,18 71 0,0-18-16,0-35 31,-17 53-31,17-1 15,-18-52 1,18 53 0,0 0-1,0-36-15,0 53 16,0-17 0,0-35-1,0 52 1,0-17-1,0 17 1,0-35-16,0 0 16,0 36-1,-17-19 1,17 19-16,0-36 31,0 35 0,-18-17-31,18 17 16,0 1 0,0-1-1,0 0 1,0 1 31,-18 17-32,18-18 1,0 0 31,0 1 15,0-1-46,0 0 15,0 1-15,18 17 31,-18-18 0,18 18-16,-1 0-15,1-17-1,-1-1 1,19 18-1,-19 0 1,1 0 0,17 0-16,-17 0 15,0 0 1,17-18 0,-18 18-1,1 0 1,0 0-1,-1 0-15,1 0 16,0 0 31,-1 0-31,1 0-1</inkml:trace>
+  <inkml:trace contextRef="#ctx0" brushRef="#br0" timeOffset="1714.97">13564 9543 0,'18'0'47,"0"53"-47,-1-18 15,18 0-15,-17 36 16,17-18-1,-17-1 1,17 19-16,-35-18 16,53 18-1,-53-36 1,0 0-16,0-17 16,18-1-16,-18 19 0,0-19 15,0 1 1,0 0-1</inkml:trace>
+  <inkml:trace contextRef="#ctx0" brushRef="#br0" timeOffset="4209.07">12418 11112 0,'17'0'0,"1"0"15,17-17-15,1 17 16,105-35-16,-35-1 16,35 19-16,-88-1 15,141 0-15,-18 1 16,283-71 0,-195 52-1,54-17 1,-107 36-16,54-36 15,-89 18 1,-17-1 0,-106 36-1,-18 0 1,-17-17 0,17 17-16,-17 0 15,17 0 1,36-18-1,-1 0 1,-52 18 0,35-17-1,-36 17-15,19 0 16,52-18 0,35 0-1,-52 1 1,105-18-1,36-18 1,-124 17-16,18 19 16,-88 34 156,-18 1-172,0 0 15,17 35-15,-17 17 16,18 1-1,-18-1-15,18-17 16,17 159 0,-35-159-16,35 211 15,0-34 1,1-72 0,17 89-1,0-88 1,-53-53-1,17-71-15,-17-17 16,0 52 0,18 1-1,-18-18 1,0-36 0,0 89-1,0-88-15,0 17 16,0 36-16,17-18 15,-17-18 1,0 18 0,0-36-1,0 1 1,0 0 0,0-1 15,-17-17-31,-1 0 15,-105 18 1,70-18-16,-194 0 16,53 18-1,-18-18-15,-17 0 16,-124 17 0,36 1-1,-230 0 1,229-1-16,-70 19 15,18 34 1,246-52 0,-34 17-1,105-17 1,53-1 0,-18-17-16,-53 18 15,1 35 1,17-36-1,-106 54 1,18-36 0,35-17-1,-35 17-15,53-17 16,0 17-16,0-17 16,-106 35-1,158-53 1,19 0-16,17-18 156,0 0-140,0-52-1,0 35-15,0-18 16,0-36-16,-18-16 0,18 34 16,-18-52-16,1 52 15,-1-176 1,0 124-1,18 52 1,0 18-16,-17 0 16,17-35-16,0 35 15,0 18-15,-18 0 16,18-18 0,-17 0-1,-19-53 1,36 71-1,0 17-15,-17 0 16,17 1 0,0-1-1,0 0 17,0 1 14,0-1-30,17 18-16,-17-17 16,36 17-1,-1-18 1,35 0 0,-52 1-16,53-1 15,-36 18 1,-18 0-1,1 0 17,-18-18-17,18 18-15,-1 0 16,19-17 0,52-19 15,-71 36-16,54-35-15</inkml:trace>
+  <inkml:trace contextRef="#ctx0" brushRef="#br0" timeOffset="5338.4">16969 8114 0,'-18'0'0,"18"-18"109,18 18-77,-18-17-32,35-1 15,-17 0-15,70-17 16,-18-18 0,36 18-1,-35 0 1,17-1-16,-18 1 15,1 17 1,-36 1-16,-17-1 109</inkml:trace>
+  <inkml:trace contextRef="#ctx0" brushRef="#br0" timeOffset="6084.18">17533 7567 0,'35'0'109,"1"0"-93,-36 18-1,17-18-15,1 0 16,-18 17-16,18-17 15,-1 0-15,18 53 16,-17-35 0,0 35-1,-18 0 1,0-18 0,0 18-1,0 18-15,0-54 16,-53 124-1,18-88 1,17 0 0,0-18-1,1-35 48,17 18-48</inkml:trace>
+  <inkml:trace contextRef="#ctx0" brushRef="#br0" timeOffset="7216.52">18344 7391 0,'36'35'47,"-19"18"-32,19 35-15,-1-35 16,-17 0-16,34 35 15,-16-35-15,-19 18 16,36 17 0,-53-53-1,18 0-15,-18-17 16,0-53 62,-18-36-62,-17-35-16,35 53 15,-35-70-15,-1 70 16,19-53-16,-1 53 16,1-53-1,-1 18 1,18 53-1,0-53-15,0 70 16,0-17-16,0 0 16,53-36-1,-53 53 1,17 1 0,19-19-1,-19 36 16,19 18-15,-19 17 0,71 106-1,-17-52 1,-53-54-16,-1-17 16,1 34-1,-18 1 1,0-35-1,0 17-15,-18 1 16,-35 17 0,36-18-16,-1-35 15,-35 70-15,0-34 16,36-36 0,-36 35-1</inkml:trace>
+  <inkml:trace contextRef="#ctx0" brushRef="#br0" timeOffset="8198.74">18962 7444 0,'-18'0'16,"18"17"0,-17 1-1,17 17-15,-18 36 32,18-54-32,18 36 15,-1-35 1,-17 0-1,18-18-15,-1-18 125,-17 0-125,18 18 16,-18-35-16,0 17 16,0 1-16,0-19 15,0 1 1,0 18 0,0-1-16,0 0 15,0 1 1,18 52 93,-1-17-109,-17-1 16,18 1-16,-18-1 15,0 1 1,18-18 15,-1 0 1,1 0-17,0 0 1,-1-18-1</inkml:trace>
+  <inkml:trace contextRef="#ctx0" brushRef="#br0" timeOffset="8809.24">19244 7338 0,'0'17'63,"-18"-17"-63,18 18 15,0 0-15,0-1 16,0 1 15,0 0-15,36-1-16,-1-17 15,-35 18 1,18-18 0,-1 18-1,-17-1 1,18 36 0,-18 18-1,0-54-15,0 19 16,-18-36-1,1 0 79,17-18-94</inkml:trace>
+  <inkml:trace contextRef="#ctx0" brushRef="#br0" timeOffset="9371.78">19703 7250 0,'0'0'0,"-36"35"15,19-18 1,17 1-16,0 0 78,17-1-62,1-17-1,0 18 1,-18 0 15,0-1-15,0 1-16,0 0 15,-18-18 1,18 17 0,-18-17 15,18 18-31,-17 0 15,-1-1 1,18 1 15</inkml:trace>
+  <inkml:trace contextRef="#ctx0" brushRef="#br0" timeOffset="10158.16">19826 7373 0,'0'18'16,"0"17"-16,18-17 15,-1 17 1,19-17 0,-36-1-16,35-17 15,53 18-15,-35-18 16,53 0 0,-36-35-1,-52-1 1,-18 19-1,18-19 1,-18 54 93,0 0-93,0-1 0,17-17-16,1 18 31,17-18-31,1 0 16,-1 0-1,18-53 1,0 0-1,-36 35 1,-17 1-16,36-36 16,-36 35-1,0-17-15,0 17 16,0 1 0</inkml:trace>
+  <inkml:trace contextRef="#ctx0" brushRef="#br0" timeOffset="10886.2">20690 7144 0,'0'0'0,"-17"0"16,17 17-16,-18 19 16,1 17-1,17-36 1,0 36-16,17-18 15,1-17 17,-1-18-32,1 18 15,17-18 1,-17 0 0,0-36-1,-18 19 1,0-1-16,17-35 15,-17 36-15,0-1 16,0 0 0,0 1-1,0-1-15,-17 18 16,-1 0 15,0 0-15,1 0-1,-1 0 1</inkml:trace>
+  <inkml:trace contextRef="#ctx0" brushRef="#br0" timeOffset="11295.07">20902 7144 0,'0'17'15,"18"-17"1,-18 36 0,17-19-16,1 1 15,0 0 1,-18-1-16,17-17 31,-17-17 32,18-1-63,0 0 15,-18 1-15,17-19 16,1 19-16,-18-1 16,17 18-1</inkml:trace>
+  <inkml:trace contextRef="#ctx0" brushRef="#br0" timeOffset="12068.56">21378 6879 0,'0'0'0,"-35"35"15,35-17-15,0 17 16,-18 36 0,1-53-16,17 34 15,0-16 1,0 17 0,0-36-1,0 1-15,17 17 16,1-17-1,17-18 1,-17 0 0,0 0-1,-1-18-15,19-17 16,-19-71-16,1 71 16,-18-53-1,0-89 1,0 89-1,-18 35-15,18 18 16,0 0-16,0 70 63,0 18-48,0-18 1,0 18-1,0-35-15,18 17 16,-18 0 0,17-35-16,-17 18 15,0-1 1,0 1 0,0 0-1</inkml:trace>
+  <inkml:trace contextRef="#ctx0" brushRef="#br0" timeOffset="17349.03">6985 2999 0,'18'0'16,"17"-18"-1,-17-17 1,-1 35-1,18-53-15,36 0 16,52-53 0,36 0-1,-53 36 1,-18 34-16,18-17 16,229-70-1,-141 70-15,283-18 16,158-52-1,-177 70 1,495-53 0,-459 71-16,105-18 15,-422 53-15,863-18 16,-264 18 0,-352 71-1,-124 70 1,-177-35-1,-35 0 1,36 88-16,-54 0 16,1-53-16,-18-35 15,88 176 1,-71-106 0,-34-87-1,-1-54 1,-35-18-1,18-34 64,35-18-79,0-18 15,-1 35-15,19-35 16,35 18-16,-71 17 15,159-52 1,-141 34 0,123 1-16,-87 17 15,440-17 1,-265 35-16,407 0 16,122 35-1,-352 18 1,353 71-1,-300-18-15,-212-18 16,18 53 0,-88 71-1,-159-107 1,70 142 0,-17 71-1,-53-195-15,17 54 16,-17-54-1,-53-105 1,18-18 125,0 0-126,17 0-15,53 0 16,-17 0-16,211 0 16,-123 18-1,176 70 1,-212-35-1,-17 0-15,-18 17 0,53 107 16,-70-36 0,35 194-1,-36-18 1,-52-17 0,35 141-16,-35 71 15,-18-407 1,-106 354-1,-71-124 1,-52 71 0,158-283-1,-105 142-15,-18 70 16,71-176 0,70-71-1,-18 0 1,36-88-1,35 18 1,0 17 93,35 18-109,0-18 16,18 71-16,-35-35 16,35 35-16,0-1 15,17 107 1,36 176 0,-88-194-16,35 18 15,-53 17-15,0 265 16,-36-229-1,-52 105 1,-194 212 0,229-476-1,-300 370 1,300-388-16,-317 300 16,88-211-1,-106-18 1,123-107-1,-158-52 1,105-17 0,195-18-16,105 35 15,18-18 17,0 53 46,18-17-78,17 70 15,-17-35-15,-1 70 16,-17-17-16,-17 88 16,-36-53-1,-18-17 1,-17 35-16,-106 105 15,-53-52 1,124-142 0,-36 19-16,-106-19 15,-229-35 1,-17-35 0,-36-35-1,-35 0 1,53 0-1,247 35-15,17-18 16,230 18 0,35-18 15,-18 18 31,0 36 1,1-1-47,-36 35-16,-71 89 0,36-35 15,-35-1-15,-18 36 16,70-106-1,-88 88-15,-52 0 16,52-35-16,-264 106 16,352-195-1,-352 54 1,176-71 0,123-53-1,18 18-15,-52-36 16,-160-123-16,-246-124 15,140 89 1,72 70 0,193 71-1,141 88 1,18-17 15,18-19-15,-18 19-16,18-1 15,-1 18 32,-17 35 0,-17 18-31,-19-18-1,1-17-15,-18 17 16,35-35-16,-52 0 16,-89 18-1,-53-18 1,142 0 0,-442-53-1,195-17 1,105-19-16,-88-52 15,18-70 1,123 69 0,-105-193-1,105 124 1,71 70-16,-53-124 16,105 141-1,19 19 1,17-1-1,-18 0 1,18 71 0,0-1-16,-17 19 156,-107-89-140,36 35-16,-36-34 15,-17-54-15,-441-459 16,141 125-1,-353-442 1,336 370 0,87 71-1,160 142 1,140 87-16,54 159 16,-1-176-1,18 158 1,71-158-1,-1 88-15,-17 71 16,18-36-16,-1 36 16,18 17-16,0 35 15,-88 54 1,36 17 0,-36-18 109,0 0-63,-18-17-62,-35-36 16,0-17-1,-35-35-15,0-1 0,-106-211 16,70 88 0,71 53-1,-17-35 1,52-18-1,18 194 1,0-141 0,0 0-16,0 123 15,53-87 1,0 34 0,0 71-1,18-17 1,-18 34-16,-53 19 125,17 17-110,-17-18-15,0-35 16,0 18 0,0-36-16,0-70 15,0 18 1,-17 17-16,-1 35 16,0-52-1,18 70 1,0-88-1,53-88-15,0 105 16,71-88 0,158-158-1,-106 158 1,142-70 0,52-35-1,-70 140-15,141-34 16,-282 158-1,352-88 1,18 52 0,-141 54-1,177-18 1,-107 36-16,-281 17 16,-54 0-1</inkml:trace>
+  <inkml:trace contextRef="#ctx0" brushRef="#br0" timeOffset="21399.97">24853 12965 0,'0'17'47,"18"1"-31,-18 17-16,17 0 16,-17-17-16,18 17 15,-18 1 1,0-19-1,0 1 48,0 0-32,0-1 0,0 1-15,18-18 0,-18 17-16,0 1 15,17 17 1,-17-17 0,0 17-1,18 1 1,-18-19 93</inkml:trace>
+  <inkml:trace contextRef="#ctx0" brushRef="#br0" timeOffset="23709.92">24694 12506 0,'0'18'109,"0"-1"-77,0 1-17,18-18 1,0 18-1,-1-18 79,-17-18-78,18 0-16,17-17 15,-35 17-15,18-35 16,0 36 0,-18-36-1,0 35 1,0 1 0,0-1-16,0 0 15,0 1 16,-36 17-15,1-18 0,0 18-1,-1 0-15,1 0 16,0 0 0,17 0-1,18 18 1,0-1 15,0 1-31,0 0 16,0-1-1,0 18 1,0-17 0,0 0-1,18-1 1,-18 1-16,18-18 15,-1 0 79,-17-18-78,35 1-16,-17 17 31,-18-18-31,18 18 16,-18-18 15,0 1-31,17 17 16,1-35-1,-18 17 1,18-17-16,-1 17 15,-17-35-15,0 35 16,0 1 0,0-1-1,-17 36 48,-1 17-48,0-35 1,18 35-16,-17-17 16,17 17-1,-18-17-15,18 17 16,0-17 0,0-1-1,0 1 1,0 0-1,18-1 1,-18 1 15,17-18 1,1-18 14,0 1-30,-18-1 0,17 0-1,-17 1 1,0-1 15,0 1 0,0-1 1,-17 18-1,-1 18 0,18-1-15,-18-17-1,18 18-15,0-1 32,0 1-17,0 0 1,18-18 0,0 0 15,-1 0-31,1 0 15,0 0 17,-1 0-17,1-18 1,17 0 0,-35 1-16,18-1 15,-18-17 1,0 17-1,0 1 1,-18-1 15,18 0-31,-35 18 16,17 0 0,-17 0-1,17 0 1,1 0-16,17 18 15</inkml:trace>
+  <inkml:trace contextRef="#ctx0" brushRef="#br0" timeOffset="24970.15">25312 12894 0,'-18'0'156,"-17"0"-140,17 18-1,1-1 1,-1-17 0,0 18-16,18 0 15,0-1 48,0 1-63,18 0 15,35-1 1,-35 1-16,17 17 16,-18-17-1,1-1 1,35 36-1,-18-35 1,-35 0-16,0-1 16,18 1-1,-18-1 1,0 1 15,0 0-15,0-1-1,-35 1 1,17-18 0,0 18-1,-17-18 1,0 0-16,17 0 16,1 0-16,-1 0 15,0 0 1</inkml:trace>
+  <inkml:trace contextRef="#ctx0" brushRef="#br0" timeOffset="25591.17">26176 12965 0,'18'0'16,"-1"17"-1,1 19-15,0-1 16,17 0-1,-35 0-15,53 36 16,-36-36 0,1 0-16,0-35 15,-1 0 1,-17-52 46</inkml:trace>
+  <inkml:trace contextRef="#ctx0" brushRef="#br0" timeOffset="26276.59">26123 12647 0,'0'18'16,"-17"-18"0,17 17-16,0 1 15,0 0 1,0-1-1,17 1 1,1 0-16,-18-1 16,35-17-16,-17 0 15,17 0 1,-17 0 0,-1-17-1,-17-1 1,0 0-1,18-17-15,-18 17 16,0 1 0,0-19-1,-35 19 17,-18 17-32,35 0 15,0 0-15,1 0 16,-18 0-1,35 17 48</inkml:trace>
+  <inkml:trace contextRef="#ctx0" brushRef="#br0" timeOffset="26750.36">26547 12700 0,'0'0'0,"35"35"16,-35-17-16,17 0 15,1 34 1,0-16 0,-1-1-1,19 18-15,-36-35 16,0-1 0</inkml:trace>
+  <inkml:trace contextRef="#ctx0" brushRef="#br0" timeOffset="27132.1">26370 12965 0,'0'-18'16,"18"18"-1,-1-18 1,36-17 0,-17 35-16,17-18 15,17 1 1,-52 17-1,17-18-15,-17 18 0,-1 0 16</inkml:trace>
+  <inkml:trace contextRef="#ctx0" brushRef="#br0" timeOffset="28158.14">27570 12541 0,'17'71'0,"1"-54"16,-18 54-16,17-36 15,36 36-15,-53-54 16,53 107-1,-17-71 1,-36-18 0,0-52 77,0-19-93,-53-52 0,0-35 16,0 34 0,35 54-1,-35-35 1,53 52 0,-17-17-16,17 17 15,0 0-15,0 1 16,0-1-1,0 0 1,17 1 15,19-1-15,-1 18-16,18 0 0,0 0 16,0 0-1,-36 0 1,1 0-1,0 18 1,-1 17 0,1-35-1,-18 35-15,0-17 16,0 0 0,-35 17-1,17-17 1,-53 17-1,18-18 1,36 1-16,-1-18 16</inkml:trace>
+  <inkml:trace contextRef="#ctx0" brushRef="#br0" timeOffset="28746.05">27940 12488 0,'0'0'0,"0"18"16,0 17 0,0-17-1,0 0 1,0-1 0,0 1-16,18-18 15,-1 0 1,1 0-1,0 0 1,-1 0 0,1-18-1,-1 1-15,1-1 16,0-17 0,-18 17-1,0 0 1,0 1 15,0-1 0</inkml:trace>
+  <inkml:trace contextRef="#ctx0" brushRef="#br0" timeOffset="29565.17">28275 12241 0,'-17'18'16,"-1"0"-16,0-1 15,18 1 1,0 0 0,0-1 15,0 1 16,53-1-47,-35-17 31,52 36-31,-52-19 16,0-17-16,35 53 15,-36-35 1,-17 0 0,0 17-1,0-17 1,-17-18 15,-1 0-31,18 17 16,-35-17-1,17 0 1,0 0 0,1 0-16,17-17 15</inkml:trace>
+  <inkml:trace contextRef="#ctx0" brushRef="#br0" timeOffset="30159.51">28628 12118 0,'-18'0'15,"18"18"32,18-1-47,17 18 16,0-35 0,-17 18-16,35 17 15,-53-17 1,18-18-1,-18 18 1,0-1 0,0 1-1,0 0 1,-36-1 0,1 1-1,35-1 1,-18-17 46,18-17-46,0-36 0</inkml:trace>
+  <inkml:trace contextRef="#ctx0" brushRef="#br0" timeOffset="30617.99">29210 12153 0,'0'0'0,"0"18"0,0-1 15,18 1-15,-1 0 16,1 17 0,-18-17-1,18-18 1,-18 17 0,17-87 62</inkml:trace>
+  <inkml:trace contextRef="#ctx0" brushRef="#br0" timeOffset="30916.05">29210 11765 0</inkml:trace>
+  <inkml:trace contextRef="#ctx0" brushRef="#br0" timeOffset="31619.36">29422 11553 0,'0'0'0,"0"89"0,17-19 16,-17-17-1,36 35-15,-19-52 16,19 52-16,-1 35 15,0-52 1,-35-54 0,0-34 62,0-1-63,0-35-15,0 18 16,18 17-16,-1 1 16,-17-1-16,36 0 15,-36 1-15,17 17 16,54-35 0,-54 35-1,54 0 1,-18 0-1,-18 0-15,0 35 16,-17-18 0,-18 1-1,0 0 1,0-1 0,-18 19-1,1-19 1,-18 1-1,-1-18 1,19 0 0</inkml:trace>
+  <inkml:trace contextRef="#ctx0" brushRef="#br0" timeOffset="32047.24">30004 11906 0,'0'0'0,"0"18"0,35 17 16,-17 0 0,-1 1-16,1-1 15,0 0 1,-1 1-1,1-19 1,-18 1 0</inkml:trace>
+  <inkml:trace contextRef="#ctx0" brushRef="#br0" timeOffset="32659.03">30357 12012 0,'17'0'0,"1"0"16,-1-18 46,1-34-46,-18 16-1,-18 54 64,1-18-64,-18 18-15,17-1 31,0 1-31,18-1 16,-17-17-16,17 53 16,0-35-1,0 0 1,0-1 0,17 1-1,1 0-15,35-1 16,-18 1-1,0-18-15,-17 0 16,17 0 0,-17-18-1,0 18-15,-1 0 16,1-17 0</inkml:trace>
+  <inkml:trace contextRef="#ctx0" brushRef="#br0" timeOffset="33611.06">24500 14093 0,'18'0'31,"53"0"-16,34 0-15,107-52 16,300-19 0,317-88-1,-353 71 1,547-106 0,-406 71-16,1-19 0,-19 19 15,301-106 1,-635 193-1,317-69 1,-247 16 0,-229 72-16,-71 17 15,-17 0 1</inkml:trace>
+  <inkml:trace contextRef="#ctx0" brushRef="#br0" timeOffset="38929.1">22190 2346 0,'17'0'16,"-17"-18"0,18 18 30,-18-17-30,0-1 0,0-35-1,18 18-15,-18-18 0,0 18 16,17-89 0,-17-17-1,0 53 1,-35-53-1,0 53 1,35 70-16,-36 0 16,36 1-1,-17 17 32,-1 0-31,-17 17-16,17 19 15,-52-1-15,52 0 16,-52 53 0,52 18-1,0-71 1,1 89-16,17-18 31,0-53-31,35 88 16,18 0-1,0-18 1,0 1 0,-53-71-16,70 70 15,-17 36 1,-18-88 0,36 70-1,-36-36 1,0-52-1,-17 18-15,0-1 16,-18-52 0</inkml:trace>
+  <inkml:trace contextRef="#ctx0" brushRef="#br0" timeOffset="39296.96">21837 3104 0,'18'-17'47,"-1"-1"-47,1 18 15,70-17-15,-53-1 16,71-17-16,-71 17 16,124-35-1,-53 18 1,-88 35 0</inkml:trace>
+  <inkml:trace contextRef="#ctx0" brushRef="#br0" timeOffset="39671.99">22719 2805 0,'18'0'0,"-1"35"32,1-35-32,-18 35 15,17 0-15,1 1 16,0-1-1,-18-53 79</inkml:trace>
+  <inkml:trace contextRef="#ctx0" brushRef="#br0" timeOffset="39920.01">22737 2452 0</inkml:trace>
+  <inkml:trace contextRef="#ctx0" brushRef="#br0" timeOffset="41515">22737 2293 0,'0'0'0,"17"0"63,1 0-47,-1 0-1,-17 18 16,0 17-31,0-17 16,0 17-16,0 18 16,-35-18-1,18 0 1,17-17 0,-18-18 46,-17-53-62,35 35 16,0 1-1,-18-18-15,18 17 0,0-17 16,0 17 0,0 0-16,0 1 15,0-1 1,0 0-1,18 18 1,-1 0 15,1 0-15</inkml:trace>
+  <inkml:trace contextRef="#ctx0" brushRef="#br0" timeOffset="42317.15">22931 2593 0,'17'0'47,"1"0"-31,17 35-1,0-17-15,-35-1 16,36 1 0,-1 17-16,-35-17 15,18-18 1,-18-35 93,0-53-93,0 52 0,0 19-1,0-1 1</inkml:trace>
+  <inkml:trace contextRef="#ctx0" brushRef="#br0" timeOffset="43045.02">23230 2522 0,'0'0'0,"18"0"31,0 0-15,-1 0-1,1 0 1,0 0-16,-1-35 16,1 17-1,-18-17 1,-18 35 78,1 0-94,-1 18 15,0-1 1,18 1 15,0 0-15,0-1-1,0 1 17,0 0-1,0-1-15,18-17-1,0 0-15,-1 0 16,36 0-1,-35-17 1,-1 17 0,1 0 15,0 0-31,17-18 31</inkml:trace>
+  <inkml:trace contextRef="#ctx0" brushRef="#br0" timeOffset="43864.95">23954 2081 0,'0'18'16,"0"0"0,0-1-1,0 1-15,0 17 16,17-17-16,-17-1 31,18 1-31,0-18 63,-18-18-63,35 1 15,-18-1 1,1-17-16,-18 17 16,18 1-1,-18 34 110,17-17-125,-17 18 16,18-18-1,0 0 1,-1 0-16,19 0 16,-1 0-1,0-35 1,-17 17-16,-1 0 16,19 1-16,-19-1 15,1-17 1,0 35-1,-1-35 1,-17 17 0</inkml:trace>
+  <inkml:trace contextRef="#ctx0" brushRef="#br0" timeOffset="44530.98">24694 1711 0,'-17'0'16,"-1"0"-16,1 0 16,-1 0-1,18 35-15,-18-35 16,1 18-1,17 17 1,0-17 0,0-1 15,17-17 16,1 0-32,0 0 32,-18-35-15</inkml:trace>
+  <inkml:trace contextRef="#ctx0" brushRef="#br0" timeOffset="44776.16">24642 1782 0,'17'0'47,"1"0"-32,-18 17-15,0 1 31,17-18-31,-17 17 32,18-17-32,0 0 15,35 0 1</inkml:trace>
+  <inkml:trace contextRef="#ctx0" brushRef="#br0" timeOffset="45132.11">25012 1517 0,'18'0'31,"-1"35"-15,1 1-1,-1-19-15,-17 18 16,36-35 0,-36 18-16,0 0 15,17-36 48,1-17-48</inkml:trace>
+  <inkml:trace contextRef="#ctx0" brushRef="#br0" timeOffset="45437.85">25277 1217 0,'17'35'63,"1"-35"-63,-18 18 15,0 0-15,17-1 16,-17 1-16,0 0 15,18 17 1,0 0 0,-18-17-1,0-1 1,17-17-16,-17 18 16,0 0-1,0-1-15</inkml:trace>
+  <inkml:trace contextRef="#ctx0" brushRef="#br0" timeOffset="46654.17">23583 3104 0,'18'0'16,"-1"0"15,-17 18-15,18 0-1,0 17-15,-18-17 16,17-1 0,1 36-16,17 0 15,-35-18 1,18 1 0,-18-1-1,18-17 1,-18-1-16,0 1 15,0-1 1,17 1-16,-17 17 16,0-17-1</inkml:trace>
+  <inkml:trace contextRef="#ctx0" brushRef="#br0" timeOffset="47483.17">23513 3387 0,'0'35'0,"17"0"16,-17-17-16,18 17 15,17 0-15,-35-17 16,18 0 0,-1 17-16,1 0 15,0-17 1,-1-18-1,-17 18-15,18-18 16,0 0 47,-1 0-48,1 0 32,0 0-31,-1-18-16,1-17 15,-1 35-15,19-36 16,-19-34 0,36-1-1,-53 36-15,36-53 16,-19 70-16,1-105 15,17 17 1,-35 71 0,0-1-1,0 72 95</inkml:trace>
+  <inkml:trace contextRef="#ctx0" brushRef="#br0" timeOffset="48402.01">23495 4621 0,'-18'0'0,"18"18"16,0 17-1,0-17 1,0 17-16,0 18 15,0-18 1,0-17 0,0 0-16,0-1 15,0 1-15,18 0 16,17-36 62,-17 0-62,0 1-16,17-19 15,18 1 1,-53 17 0</inkml:trace>
+  <inkml:trace contextRef="#ctx0" brushRef="#br0" timeOffset="48946.92">23671 4674 0,'18'0'16,"0"0"-1,-18 18-15,17-18 32,-17 18-17,18-18 79,0 0-78,-1-18-16,1 0 15,-1 1 1,1-1-16,0 18 16,-1-35-1,1 17 1,-18 0-1,0 1-15,0-1 16,0-17 0,0 17-16,0 1 15</inkml:trace>
+  <inkml:trace contextRef="#ctx0" brushRef="#br0" timeOffset="49819.16">24007 3810 0,'0'18'0,"0"17"15,17 0-15,-17 0 16,18 1-16,-1-1 16,-17 0-16,18 18 15,35 71 1,-35-36 0,-1-18-1,1 19 1,0-36-16,-18-36 15,0 1 1,0-36 125,0-17-126,0-18 1,0 35-16,0-17 16,17 0-16,-17 17 15,18 1 1,-1 17-1,1 0 32,17 0-31,1 35 0,-19-18-1,1-17 1,0 18-16,-18 0 0,17-18 15,1 17 17,0-17 15,17-35-16,88-53-31</inkml:trace>
+  <inkml:trace contextRef="#ctx0" brushRef="#br0" timeOffset="50519.12">24712 4092 0,'-53'36'0,"36"-19"16,-1 18-16,0-17 16,18 0-1,-17 17-15,17-17 16,-18 17-1,36-53 157,-18 1-156,0-1 0,17 18-1,1 0 16,0 0-15,-1 18 0,1-1-1,-1 19 1,19-19 0,-19-17-1,1 0 32,0-53-31,-18 36-16,0-19 15,0-34 1</inkml:trace>
+  <inkml:trace contextRef="#ctx0" brushRef="#br0" timeOffset="50802.1">24836 3916 0,'17'17'16,"1"19"0,-1-1-1,19 0-15,-36 1 16,17 17-16,1-1 15,0-16 1,-18-19-16,0 1 16,0 0-1</inkml:trace>
+  <inkml:trace contextRef="#ctx0" brushRef="#br0" timeOffset="51151.13">24871 4163 0,'0'-18'78,"0"1"-62,17-1-1,1 0-15,-18 1 16</inkml:trace>
+  <inkml:trace contextRef="#ctx0" brushRef="#br0" timeOffset="52188.04">25665 3334 0,'0'-18'16,"0"0"-16,0 1 15,-36-1 1,36 1-16,-35-1 16,17 0-1,1 18 1,-1 0 15,0 0-31,1 18 16,17 0-16,0 52 15,-18-52 1,18 105 0,18-70-1,17 0 1,-17-18-1,17 18-15,-35-35 16,18 0 0,-18-1-1,0 1 1,0-1 15,0 1-31,0 0 16,-18-1-1,0-17 1,1 18 0,-1-18 15,-17 0-15,35-18-1,-18 18 1</inkml:trace>
+  <inkml:trace contextRef="#ctx0" brushRef="#br0" timeOffset="52906.65">25770 3492 0,'0'18'16,"18"-18"-16,0-18 78,17-17-78,-17 18 15,-1-19-15,1 19 16,0-36 0,-36 53 62,0 0-78,1 17 15,17 1 17,-18 0-17,18-1 1,0 1-16,0 0 15,0-1 1,0 1 0,0-1-1,0 1 17,18-18-17,-1 0 1,19 0-16,-1 0 15,-18-18 1,-17 1 0,18 17-16,0-18 15,-1-17 1,1 17 0</inkml:trace>
+  <inkml:trace contextRef="#ctx0" brushRef="#br0" timeOffset="53307.1">26053 3334 0,'17'17'62,"1"-17"-62,-18 18 32,0-36 77,18-17-109,-1 17 16,1-17-16,-1 0 15</inkml:trace>
+  <inkml:trace contextRef="#ctx0" brushRef="#br0" timeOffset="53736.15">26282 3193 0,'18'17'31,"-18"1"-16,35 0 1,-35-1-16,17-17 47,1 0-47,0-35 16,17 17-1,0-52 1,1 17-16,-19 0 15,-17 35-15</inkml:trace>
+  <inkml:trace contextRef="#ctx0" brushRef="#br0" timeOffset="54268.12">26599 3052 0,'18'0'31,"0"-18"-15,-1 0-1,1 1 1,-18-1-16,0 0 16,0 1-1,-18 17 32,-17 35-31,35-17-16,-18-1 15,1 36 1,17-18 0,0-17-1,17-18 17,1 0-17,0 0 1,35-18-1,35-52 1,-35 17 0,-18 0-16,-17 18 15,-18 0 1</inkml:trace>
+  <inkml:trace contextRef="#ctx0" brushRef="#br0" timeOffset="54748.06">26882 2787 0,'0'18'16,"0"-1"-16,0 1 15,0 0 1,0-1 0,17-17-1,19-17 16,17-36-15,-18 0 0,-18 17-1,19 1-15,-19 0 16,1 35 0,0 0 15,-1 0 0,1 0-31,0 17 16,17 1-16,0-18 15,-17 0 17,-1 0-17,1-18 1,0-17-16,-18 18 15,0-1-15,0-17 16,0 17 0,0-17-16</inkml:trace>
+  <inkml:trace contextRef="#ctx0" brushRef="#br0" timeOffset="55695.44">24289 5609 0,'-36'18'16,"36"-1"-1,0 19 1,0-19 0,0 1-16,0 0 15,53-54 79,-17 1-78,-1 0-16,-17 35 0,17-53 31</inkml:trace>
+  <inkml:trace contextRef="#ctx0" brushRef="#br0" timeOffset="56016.99">24430 5556 0,'18'18'47,"-1"0"-32,1-1 1,-1-17-16,1 18 16,0-18-1,70 17-15,18-17 16,-71-17 0,53-36-1,-70 35 1,-18 1-16,35-36 15,-35 35 1,0-35-16,0 36 16</inkml:trace>
+  <inkml:trace contextRef="#ctx0" brushRef="#br0" timeOffset="56681.16">25047 5256 0,'0'0'0,"-35"53"0,0-35 16,35 17-1,-18-17-15,0 0 0,18 17 16,0-18-1,0 1 1,18-18 109,35 0-125,0-18 16,0 18-16,-18 0 15,18-17-15,-35 17 16,17-18 0,-17 18-1</inkml:trace>
+  <inkml:trace contextRef="#ctx0" brushRef="#br0" timeOffset="57508.99">26176 4480 0,'0'0'0,"0"36"0,0 16 16,0 19 0,0-18-1,18-35 1,-1-18 46,1-18-62,0-17 16,17-18-16,-17 17 16,-1 19-16,1 17 78,-1 35-63,1-17 1,0-1-16,-1-17 16,19 18-1,-1-18 1,18 0-16,-35-18 16,105-52-1,-105 52-15,35-70 16,-36 53-1,-17-1 1,0 19 0,0-1-1,0 1-15</inkml:trace>
+  <inkml:trace contextRef="#ctx0" brushRef="#br0" timeOffset="57886.18">26899 4198 0,'0'0'0,"36"71"0,-19-36 16,-17 0-16,18-35 15,-18 18 1</inkml:trace>
+  <inkml:trace contextRef="#ctx0" brushRef="#br0" timeOffset="58158.39">26882 3986 0</inkml:trace>
+  <inkml:trace contextRef="#ctx0" brushRef="#br0" timeOffset="58473.95">27005 3951 0,'0'0'0,"18"18"0,-18-1 16,0 1-1,17 0-15,19 35 0,-36-36 16,17 36 0,1-18-1,-18-17 1,18-18 0</inkml:trace>
+  <inkml:trace contextRef="#ctx0" brushRef="#br0" timeOffset="58771.97">27376 3634 0,'0'35'16,"0"-17"-16,0-1 16,0 1-1,17-18 1,-17 17-1,0 1-15,18-18 16,-18 18 0,0-1-1,0 1 1</inkml:trace>
+  <inkml:trace contextRef="#ctx0" brushRef="#br0" timeOffset="60112.09">23936 6809 0,'0'17'15,"0"36"-15,18-18 16,-1 54-16,19 16 16,34 19-1,-70-106 1,18 17 0,-1-18-1</inkml:trace>
+  <inkml:trace contextRef="#ctx0" brushRef="#br0" timeOffset="60822.28">24271 7073 0,'18'0'15,"-18"-17"48,17-1-47,1 18-16,17-71 15,-35 36 1,0 17-16,0 1 15,-35 17 64,0 17-79,-1 19 15,19-36-15,17 17 16,-18-17-16,18 18 15,0 0 1,0-1 62,0 1-62,18-18-16,-1 0 15,-17 18 1,18-1-16,17-17 16,-17 0-1,0 0 32,52-35-31</inkml:trace>
+  <inkml:trace contextRef="#ctx0" brushRef="#br0" timeOffset="61163">24571 6668 0,'18'0'16,"-18"17"0,17 18-16,-17-17 15,18 0 1,0 35-16,17-18 15,-35-17 1,0 17 0,17-18-1,-17 1 1</inkml:trace>
+  <inkml:trace contextRef="#ctx0" brushRef="#br0" timeOffset="62114.01">24571 6791 0,'18'0'109,"17"-18"-109,18 1 16,35-36-1,-70 35-15,-1 18 16,19-35-16,-19 35 31</inkml:trace>
+  <inkml:trace contextRef="#ctx0" brushRef="#br0" timeOffset="62668.23">25576 6156 0,'0'0'0,"0"53"0,18-18 31,-18 0-31,18 1 16,-1 17-1,1-18 1</inkml:trace>
+  <inkml:trace contextRef="#ctx0" brushRef="#br0" timeOffset="63342.85">25347 5927 0,'-18'0'32,"18"17"-32,0 1 15,0 0 1,0-1 0,0 1-1,18-18 1,-18 17-1,35-52 48,18 0-47,-17 0-16,-19 17 0,18-17 15,-17 17 1,17-17-16,-70 35 94,17 17-79,-17 1-15,35 0 31,-17-18-15,17 17 0</inkml:trace>
+  <inkml:trace contextRef="#ctx0" brushRef="#br0" timeOffset="64018.08">25964 5980 0,'0'35'15,"0"-18"-15,0 1 16,0 0-16,0-1 15,0-34 142,0-19-157,0 1 15,0 0-15,0 0 16,0 17-16,0 0 16,0-17-1,18 17-15,-18 1 16,18 17-16,-1 0 47,19 0-32,-19 17 1,19 1-16,-1 17 16,0 1-1,-17-19 1,-1 1-1,-17 0 1</inkml:trace>
+  <inkml:trace contextRef="#ctx0" brushRef="#br0" timeOffset="65361.17">24218 7902 0,'0'-17'31,"35"17"-16,-17-18 1,-18 36 93,0 35-93,0-36-16,0 18 16,0 1-16,0-19 15,0 1-15,-18 0 16,54-54 62,17 19-62,-18-36-16,-17 35 15,17-17 1,-17 0 0,-1 17-16,-17-17 0,0 17 46,-17 18 33,17 18 46,17-1-110,-17 1-15,0 0 16,18-1-16,-18 1 15,17 17 1,1 0 0,-18-17-1,0 0-15,18 17 0,-1 0 16,-17-17 0</inkml:trace>
+  <inkml:trace contextRef="#ctx0" brushRef="#br0" timeOffset="66157.16">23989 8678 0,'0'36'62,"0"17"-62,35 17 16,-17-17-16,-1 18 15,1 17-15,17-18 16,18 107 0,-17-71-1,-36-89 1</inkml:trace>
+  <inkml:trace contextRef="#ctx0" brushRef="#br0" timeOffset="66859.32">24289 9172 0,'17'0'0,"1"-17"110,-18-1-110,0 0 0,0 1 15,18-19 1,-18 19 0,0-1-1,0 0 1,0 1-16,-18 17 16,18-18-16,-18 1 15,1 17 1,-1 0-1,18 17 64,0 18-64,0-17-15,0 0 0,18 17 16,-1-17-1,1 35 1,0-36-16,-1-17 16,1 0 62,17-17-78,1-19 15,-1 19-15,-18-19 16,36-34 0</inkml:trace>
+  <inkml:trace contextRef="#ctx0" brushRef="#br0" timeOffset="67229.02">24659 8767 0,'18'17'31,"-18"18"-31,35 1 16,-17-1-16,-1 0 15,1 1 1,0-19-16,-1 18 0,1-17 16,-18 0-1,-18-18 79,-17 0-78</inkml:trace>
+  <inkml:trace contextRef="#ctx0" brushRef="#br0" timeOffset="67623.98">24694 8996 0,'0'-18'16,"0"1"0,0-1-1,18 0 1,0 18-1,-18-17-15,17-1 16,19 0 0,-19 18 77,-17-17-61,53-1-32</inkml:trace>
+  <inkml:trace contextRef="#ctx0" brushRef="#br0" timeOffset="68449.08">25506 8467 0,'0'0'0,"-18"17"0,1 1 16,17 0-16,0-1 15,0 18 1,-18-17 0,18 35-1,0-35-15,0 17 16,35-35 78,0-18-94,-17 1 15,17-1 1,-17-17 0,0-1-1,-1 19 1,-17-1-16,0-17 15,-17 35 17,-1-18-17,-17 18 1,17-17-16,0 17 16,1 0-1,17 17 126,17 1-126</inkml:trace>
+  <inkml:trace contextRef="#ctx0" brushRef="#br0" timeOffset="68957">25788 8431 0,'0'36'31,"0"-1"-31,0 0 16,0 0-1,18 1 1,-18-19-16,17-17 16,1 0 31,0-17-32,17-36 1,-17 18-16,-18-1 15,17-17-15,-17 18 16,0-35 0,0 52-1,0 0 1</inkml:trace>
+  <inkml:trace contextRef="#ctx0" brushRef="#br0" timeOffset="69323.16">25982 7955 0,'18'0'16,"-18"18"-1,35 17-15,-17 0 16,-1 1 0,1-19-1,17 19-15,-17 16 16,17-34-1,-35 0 1,0-1 0,18-17-1,-18 18 1</inkml:trace>
+  <inkml:trace contextRef="#ctx0" brushRef="#br0" timeOffset="69660.23">25982 8114 0,'18'0'47,"17"-18"-32,18 1 1,-18-1-16,18 0 15,-18 1-15,-17-1 16,0 18-16,-1 0 16,1-18-1,-18 1-15,18 17 16,-18-35 0</inkml:trace>
+  <inkml:trace contextRef="#ctx0" brushRef="#br0" timeOffset="72315.5">21960 265 0,'-17'0'0,"17"17"15,-35 36 1,17 35 0,18-35-1,0 18-15,0-1 16,18 89-16,17-106 16,18 70-1,17-52 1,-34-53-1,87 35 1,-52-36 0,-54-17-16,18 0 15,-17 0 1,0-35 62,-18 17-78,17-17 16,-17 0-16,0-1 15,18 19-15,-18-1 16,0 1 0,0-1-16,0 0 15,-18-17 1,1-18-1,-1 35 1,0 18-16,1-35 16,17 18-1,-18 17 32,18-18-31,-17 18-1,-1-18 1,0 1-16,-17-1 16,17-17-1,-17 17 1,-18-35 0,36 53-1,-19-35 1,19 35-16,-1-18 31</inkml:trace>
+  <inkml:trace contextRef="#ctx0" brushRef="#br0" timeOffset="73034.16">22578 529 0,'0'0'0,"-53"18"16,0 17 0,35-17-16,-17 17 15,0 18 1,35-35-1,0-1 1,0 1 0,0-1-1,0 1 1,17 0 0,36 17-1,-35-35 1,141 106-1,-71-53-15,-18-18 16,-34 0 0,-19 1-1,-17-19 1,0 19 0,0-19-1,0 1-15,-35-1 16,-18 19-1,36-19 1,-54 19 0,36-19-16,-18 1 15,35-18-15,-17 18 16,-89 17 0</inkml:trace>
+  <inkml:trace contextRef="#ctx0" brushRef="#br0" timeOffset="73821.14">21608 1729 0,'17'17'78,"1"-17"-62,52 0-16,72 18 15,-37-18-15,89 0 16,0 0-16,106 0 16,18-53-16,-106 18 15,211-18 1,-247-18 0,54 18-1,-142 18-15,-71 17 16,1 18 46,0 0 95,-1 0-142</inkml:trace>
+  <inkml:trace contextRef="#ctx0" brushRef="#br0" timeOffset="79447.71">22278 16457 0,'0'-18'78,"35"18"-62,-17 0-1,17 18-15,-17 0 16,52 35-1,1 17 1,-54-35 0,54 54-1,-53-54 1,17-17-16,-35 17 0,53 35 16,-35-52-1,-1 17 1,-17-17-1,0-71 126,-17 18-125,-1 0-1,18-1-15,-53-52 16,53 70-16,-18 18 16,18-17-1</inkml:trace>
+  <inkml:trace contextRef="#ctx0" brushRef="#br0" timeOffset="80579.21">23036 16475 0,'0'-18'15,"-17"18"-15,17-18 16,-18 18-1,0-17-15,1-1 16,-1 18 0,-17 0-1,-36-17 1,54 17 0,-19 0-1,19 0 1,-18 35-1,35-18 1,-36 36 0,36-35-16,-35 35 15,17-35-15,18-1 16,0 1-16,0-1 31,0 1-15,18-18-1,70 35-15,-17-35 16,-54 0 0,36-17-1,-17-36 1,-19 35 0,1-88-1,-18 71-15,0 17 0,0 1 16,0-18-1,17 52 64,1 18-79,35 1 15,-35-19-15,-1 19 16,1-19-1,-18 1 1,18 0 0,-1-1-16,-17 18 15,36 1 1,-36-19 0,17-17-1</inkml:trace>
+  <inkml:trace contextRef="#ctx0" brushRef="#br0" timeOffset="81204.03">23178 16351 0,'0'0'0,"0"-53"16,0 18-16,17 0 15,36-18 1,-35 18-1,-1 35-15,1 0 63,0 0-47,17 17-1,-17 18-15,-1-35 16,1 36-16,-1-19 15,1 36 1,-18-17 0,0-19-16,0 1 15,0 0 1,18-18 109,17-18-109,18-53-1,-53 36 1,35 17-1</inkml:trace>
+  <inkml:trace contextRef="#ctx0" brushRef="#br0" timeOffset="81606.75">23742 16140 0,'0'-18'31,"18"18"-31,-18-18 32,0 1 15,0-1-32,0-17 1,0 17-1,0-17 1,17-36 0</inkml:trace>
+  <inkml:trace contextRef="#ctx0" brushRef="#br0" timeOffset="82080">24624 15099 0,'18'18'16,"-18"52"-1,17 1-15,1 70 16,-1 106 0,1-124-1,17 71 1,1-35-16,-19-124 15,-17 0 1,18-35 78,35-88-79</inkml:trace>
+  <inkml:trace contextRef="#ctx0" brushRef="#br0" timeOffset="83230.27">24994 15099 0,'0'106'31,"0"-18"-31,0-18 16,0 19-16,0-36 15,18 0-15,-18-1 16,18 1 0,-1 0-16,1-17 15,-18-19 1,17-17-16,-17 18 16,18-18-1,0 0 1,-1 0 15,1-18 16,0 1-31,-18-19-16,17-17 15,1 18 1,-18-18-1,0 36 1,-35 17 15,35-18-15,-36 18 0,19 0-1,-1 0-15,18 18 31,35-18 32,36 0-47,-36-18-16,-17 0 15,35-35 1,-36 18-1,1 35 1,-18-18 15,-18 18 1,1-17-32,-1 17 15,1 0 1,-1 17-1,18 1-15,0 0 16,0 17 0,18 18-1,34 17 1,-16-52 0,-19 0-16,1-1 15,-36-52 110,18-35-109,0 52-16,0-17 15,0 17-15,0 0 32</inkml:trace>
+  <inkml:trace contextRef="#ctx0" brushRef="#br0" timeOffset="83547.58">25559 15416 0,'17'-17'94,"1"-1"-94,0-35 16,17 18-1</inkml:trace>
+  <inkml:trace contextRef="#ctx0" brushRef="#br0" timeOffset="83861.05">25806 15134 0,'17'0'31,"19"71"-15,-1-36-16,-35-17 15,18 35-15,17-18 16,-35 0-16,35 0 16,-17 36-1,-1-36 1,1-35-16,-18 18 16,18-18 30,-18-35-30,35-124 0</inkml:trace>
+  <inkml:trace contextRef="#ctx0" brushRef="#br0" timeOffset="84106.03">26158 15187 0,'18'0'31,"-18"-18"78,88-34-93,0-19 0</inkml:trace>
+  <inkml:trace contextRef="#ctx0" brushRef="#br0" timeOffset="84457.97">26529 14817 0,'18'17'31,"-18"36"-15,35 0 0,-35-18-1,0-17 1,17 17-16,1 1 0,-18 17 15,18-1 1,-1 1 0,1-17-1,-18-19 1,0 1 0</inkml:trace>
+  <inkml:trace contextRef="#ctx0" brushRef="#br0" timeOffset="87091.16">22225 15840 0,'0'-18'47,"0"-17"-47,0 17 15,0-17-15,0 0 16,0-54 0,0 54-1,35 0-15,-35 0 16,88-36 0,-52 36-16,70-36 15,52-17 1,-105 53-1,106-18 1,-71 18 0,0 17-16,195-35 15,-125 18 1,213-36 0,-107 1-1,142-36 1,-335 88-1,317-88-15,-300 89 16,88-36-16,-105 35 16,140-35-1,-87 18 1,-1 17 15,-105 18-15,0 0-16,35 0 15,-36 0 1,36 18 0,53 35-1,-53-36 1,0 1-16,-36-18 16,1 0-1,17 18 1,18-18-1,-17 0 1,105 0-16,53 0 16,-71 0-1,36 0 1,-106 0 0,-35 0-16,-1 0 15,1 0 16,-1 17-15,1-17 0,35 36-16,-18-36 15,71 70 1,-18 1 0,-70-54-16,52 54 15,-52-36 1,17 0-16,-17 18 15,53 106 1,-54-53 0,18 35-1,-17 88-15,-18-87 16,-35 140 0,-36-53-1,-17-88 1,70-70-16,-87 52 15,-54 71 1,53-88-16,-70 18 16,-71 17-1,-88-53 1,17-18 0,-52-34-1,70-1 1,-194 0-16,-388 18 15,706-53 1,-477 35 0,582-35-1,-264 18 1,88-18 0,141 0-16,18 0 15,18 0 1,52 0-1,-17 0 1,17 0 0,1 0-1,-1 0 1,0 0 0,1-18-1,-36 1 1,0-36-1,-35 18 1,-1-36-16,36 53 0,18-17 16,-106-106-1,106 106 1,-53-89-16,17 1 16,53 70-1,-17-88-15,17 53 16,18-1-1,0 54 1,0 17-16,0 1 16,36-54-1,-1 18 1,0 36-16,54-54 16,-1 1-1,53-1 1,-35 0-1,-89 54 1,89-36 0,-88 35-1,17 1-15,0-19 16,1-17 0,-19 53-1,1-17 1,-18-1-1,18 18 110</inkml:trace>
+  <inkml:trace contextRef="#ctx0" brushRef="#br0" timeOffset="88239.16">15487 13758 0,'18'36'110,"17"34"-110,-35 1 15,53 52-15,17 36 16,-17-18-16,0 0 15,53 106-15,-18 35 16,-35-123 0,35 88-1,-35-35 1,-35-142 0,17 71-16,-17-70 15,-1-53 1,-17-36 140,-17-17-140</inkml:trace>
+  <inkml:trace contextRef="#ctx0" brushRef="#br0" timeOffset="89418.23">15416 13917 0,'-17'0'140,"17"18"-124,0 17-16,-18 0 15,-17 18-15,35 0 16,0-18-16,-35 36 16,35-53-1,-18 35 1,18-18-16,-18-18 16,1-34 93,17-54-109,-18 18 16,0-35-16,1-35 15,17 52-15,0-52 16,0 17-1,0-35 1,17 70-16,1-35 16,17 18-1,-35 70 1,36 1 0,-36-1-1,17 18 48,1 0-48,-1 0 1,54 53-16,-36-18 16,-35-17-16,53 35 15,18 17 1,-1 19-1,-17-19 1,-17 1-16,-1-36 16,-35-17-1,17-1 1,1 19 0,-18-19-1,35 1 1,-17 17-16</inkml:trace>
+  <inkml:trace contextRef="#ctx0" brushRef="#br0" timeOffset="90174.06">17268 14305 0,'18'0'47,"17"18"-31,-17 17-16,35 18 15,0-18-15,17 36 16,-34-36-1,87 89-15,-88-89 16,54 71-16,-54-71 16,0 0-1</inkml:trace>
+  <inkml:trace contextRef="#ctx0" brushRef="#br0" timeOffset="90924.93">17886 14199 0,'-18'0'78,"-17"36"-62,17 17-16,-52 17 16,34-17-16,1 18 15,-18-1 1,0 1-16,18-1 15,-88 107 1,105-142-16,-53 71 16,36-53-1,17-36-15,1 19 16,-18 16 0,17-34-1,0 0 1,1-18-1,-1 17-15</inkml:trace>
+  <inkml:trace contextRef="#ctx0" brushRef="#br0" timeOffset="92069.93">17216 14323 0,'17'17'125,"71"72"-110,1-1-15,16 35 16,-16-17-16,16 35 16,-16-88-1,-19 35-15,36 18 16,35 35 0,-88-88-1,-53-106 220,0 0-220,18-17 1,-18-124-16</inkml:trace>
+  <inkml:trace contextRef="#ctx0" brushRef="#br0" timeOffset="93127.47">18027 14182 0,'-18'0'78,"18"35"-78,-53 18 16,18 35-16,17-53 15,-17 36 1,-53 70 0,-18 53-1,53-106-15,-70 89 16,-1-1-1,71-88 1,-17-17 0,70-54-16,-18 1 15</inkml:trace>
+  <inkml:trace contextRef="#ctx0" brushRef="#br0" timeOffset="94668.9">16528 14834 0,'0'0'0,"0"-17"0,0-1 32,0 0-17,0 1 1,0-1-1,0 0-15,0-34 16,17-1 0,1-53-1,-18 53 1,18 35 0,17-105-1,-18 35-15,19 17 16,-19 0-1,19 1 1,34-36 0,-52 71-1,35-18 1,-36 18-16,1 17 0,17-35 16,71-35-1,-71 35 1,1 35-16,70-70 15,-36 18 1,-17 34-16,123-87 16,-87 70-16,-1-18 15,18 18 1,88-35 0,123-88-1,-105 105 1,-106 36-16,105 0 15,-105 17 1,123 0 0,18 18-1,-123 0 1,123 0 0,17 89-16,-122-54 15,140 35 1,18 19-1,-177-54 1,106 53 0,-70-17-16,-71-18 15,71 35 1,88 71 0,-194-124-1,264 176 1,-140-105-1,-142-70-15,89 52 16,-54-35 0,-52-36-1,17 19 1,36 17 0,-1 17-1,-17 1-15,18-1 16,-36 1-1,18-1 1,0-17 0,-36-17-1,19 16 1,-1 1-16,0 0 16,-35-35-1,18 0 1</inkml:trace>
+  <inkml:trace contextRef="#ctx0" brushRef="#br0" timeOffset="95358.08">22490 14517 0,'17'17'78,"36"19"-78,-18-1 15,1-17 1,34 35-16,18-1 0,-52-16 16,52 17-1,-53-36 1,-17-34 62,17-54-62,0 1-1,18-1-15,-35 36 16,35-36-16,-18-17 16,-17 70-16,-18-35 15,17 36 1,-17-1-1,0 1 17</inkml:trace>
+  <inkml:trace contextRef="#ctx0" brushRef="#br0" timeOffset="100074.36">28363 15293 0,'18'18'94,"0"34"-94,17 54 15,18 0-15,-18-35 16,18 17-1,-18 0-15,1-53 16,-36-17 0,17-18 77,18-53-93,36-17 16,0-1-16,-1-17 16,1 0-16,70-71 15,-88 71 1,35-36-16,-18 54 16,89-107-1,-123 124 1,34-35-1,-17 35-15,-35 53 16,-18-17 0,17 34 93,36 89-93,-18-35-16,-35-36 15,36 35 1,-1 36-16,-17-35 16,-18-36-16,17 18 15,1-18 1,-18 1-1</inkml:trace>
+  <inkml:trace contextRef="#ctx0" brushRef="#br0" timeOffset="120616">6650 8220 0,'0'-18'16,"0"0"-1,18-17 1,-18 18-16,0-36 15,0 35 1,0-17 0,17-1-1,-17 19 1,35-36-16,1 0 16,-1 18-1,-35 17 1,35 0-1,1-17 1,52 0-16,18-18 16,-71 35-16,18 1 15,0-1 1,-36 18 0,36 0-1,-18 0 1,-17 0 15,17 0-15,1 35-16,-19-35 15,54 71 1,-36-18 0,0-36-16,-17 36 15,0-17 1,-18-1-16,17 0 31,1-17-15,-18-36 109,18 18-110,-18-17-15,17 17 16,1 0 0,17 0-1,0 0 1,71 0-16,-70 0 15,34 0 1,-35 17 0,-17 1-1,0 17-15,17 0 16,53 54-16,-17 16 16,-18-16-1,17 87 1,-52-123-1,-1 106 1,-17-54 0,0-69-1,-17-1-15,-1 0 16,1-35 0,17 18 171,35 17-187,18 18 16,35-18-16,0 36 15,-35-36-15,0 1 16,-18 16-16,53 72 16,-35-54-1,-35 54 1,-18 70-1,-35-124 1,-159 177 0,0-123-16,123-54 15,-17-17-15,0-17 16,-18 17 0,53-18-1,35-35 16,1 0-31,-1-18 47,-35 1-31,0-54 0,18 53-16,17-17 15,1 0 1,17 17-1,0 53 95,0 18-95,17-17-15,-17-19 16,18 19-16,-18 17 16,0-18-1,0 0-15,0 0 16,-35-17-16,35 17 16,-36 1-16,-17 16 15,-17 1 1,-18 0-16,0 18 15,35-54 1,-36 19 0,54-36-1,0 0 1,17 0 0,-17 0-16,17 0 15,-52-53 1,17-18-1,18 36 1,17 17 0,0-17-1,1 35-15,-1-53 16,0 18 0,-17 0-1,0-18 1,17 106 109,-17-18-110,17-17 1,-17 34-16,-18-34 0,35 17 16,1-35-1,-18 18 1,-1-36 15,1 1-15,-71-124-16,-17-18 15,-124-141 1,158 159 0,-34 0-16,52 35 15,54 88 1,17 1 0,0-1 234,-18 18-235,18-18-15,-17 18 16,17-35-1,-106-124 1,70 89-16,-52-107 16,35 54-16,-35-159 15,53-1 1,35 142 0,0 106-1,35-71 1,18 71-16,-18 0 15,18 17 1,-35 0-16,0 18 16,-18-17 249,17 17-265,18-35 16,1-1-16,-1 1 16,36 17-16,-19-17 15,-16 17 1,87-52-16,-88 70 15,18-35 1,-35 35 0,17 0-1,-17 0 1,35 0 0,-35 0-16,-1 17 0,1-17 15,-1 18 1,19 17-1,34 0 1,-34 1 0,-1-19-16,0 1 0,-17 0 15</inkml:trace>
+  <inkml:trace contextRef="#ctx0" brushRef="#br0" timeOffset="122138.05">2028 9366 0,'18'0'93,"17"0"-93,-17 0 16,0 0-16,52 0 16,-17 18-16,-18-18 15,1 0 1,87 0 0,-88 0-16,124 0 15,-35 0 1,-54 0-1,265-35 1,-123-1 0,-89 19-1,1 17-15,-1-18 16,248-17-16,-265 17 16,70-17-1,-17 17 1,-89 1-1,142-1-15,-88-17 16,-89 17 0,53 0-1,-53 18 1,36-17 0,-36-1-1,-17 0-15,17 18 16,0-17-1,-35-1 1,71 1 0,17-19-1,-17 19 1,-36-1-16,71 0 16,-18 1-1,-35-1 1,-18 18-1,0-18 1,-17 18 47,0 0-48,-18-17 1,17 17-16,1 0 15,0 0 1,-1 0-16,1-18 16,-1 18-1</inkml:trace>
+  <inkml:trace contextRef="#ctx0" brushRef="#br0" timeOffset="123138.22">5821 8520 0,'35'0'172,"0"17"-172,-17 1 16,35-1-16,0 19 16,-36-19-16,19 1 15,34 35-15,-34-53 16,-1 18-1,-17-1-15,34 19 16,-52-19-16,18-17 16,17 18-1,-17-1 1,-36 19 140,-17-19-156,0 36 16,-18-35-16,-18 35 15,-17 0-15,35-18 16,-88 71 0,-18-18-1,89-53 1,-18 36 0,88-53-16,-18-18 15</inkml:trace>
+  <inkml:trace contextRef="#ctx0" brushRef="#br0" timeOffset="124685.16">476 12118 0,'18'35'62,"17"36"-62,0-18 16,1 17-1,-1 1-15,-17 17 16,70 53 0,-71-106-1,1 1-15,0-1 0,-1 18 16,-17-36-1,0-34 95,0-18-95,0-18-15,0 17 16,0-34-16,-35-36 16,17 53-16,1-35 15,-1-71 1,18 106 0,0-35-1,0 53-15,0 17 16,0 0-16,0-17 15,35 0 1,-17 17 15,0 18 16,-1 0-47,19 36 16,34-1-16,-35 0 15,54 36 1,-36-54 0,-36 19-16,1-19 15,17 18-15,-17-17 16,-1 17 0,19 18-1,-36-35 1,17 35-1,-17-36-15,18-17 16,-18-17 62,18-89-62</inkml:trace>
+  <inkml:trace contextRef="#ctx0" brushRef="#br0" timeOffset="125440.05">1323 12083 0,'18'0'15,"-1"0"1,1 0 0,-1 0-16,1 0 31,0 0-15,-1 0-1,1-18 1,0 0-1,-1 1 1,1-19-16,-18 19 16,0-1-1,-18 18 17,18-17-17,-17 17 1,-1 0-1,0 0 1,1 0 15,17 17-15,0 1 0,0-1-16,0 19 15,0-19 1,0 1-1,0 0 1,17-1 0,1 1-1,0 0 1,-1-1-16,1-17 16,17 18-1,1-1-15,-1-17 16,35 0-16,-52 0 31,0 0-15,-18-17-1,35-36 1,-17 18 0,-1 17-16,-17-17 31</inkml:trace>
+  <inkml:trace contextRef="#ctx0" brushRef="#br0" timeOffset="126244">1658 11659 0,'0'18'47,"18"0"-47,17-1 16,18 54-16,-18-36 15,18 18 1,-18-18 0,1-17-16,-19 17 31,1-35-16,-36 0 95,1 0-110,-1 0 15,-17-17-15,17 17 16,0-18-16,-17 0 16,0 1-1,35-1-15,-18 18 16,18-18 0,18-17 171,105-18-171,-70 18-16,-17 35 15,16-35 1,1 17-16,-53 0 16</inkml:trace>
+  <inkml:trace contextRef="#ctx0" brushRef="#br0" timeOffset="127737.03">2187 11536 0,'0'17'15,"0"19"-15,18-1 16,-18 18-16,0-18 16,35 18-1,0 0 1,-35-35-1,36-18 1,-19 0 0,1 0-16,17-36 15,36-34 1,-36 35 0,-17-89-1,-18 89-15,0 52 78,17 1-62,-17 0-16,0-1 16,18 1-16,0-18 15,-18 18 1,17-1-1,1-17 1,0 0 0,34 0-16,1-70 15,-17 52 1,-36-52 0,0 52-1,0-17-15,0 17 16,0-17-1,-18 35 32,36 35 16,-1-35-48,19 0-15,-1 0 16,18 0 0,-36 0-16,1 0 15,0-18 1,-18 1 0,0-1-1,-18 18 95,0 53-95,1-35 1,17-1-16,0 71 15,0-52 1,0-1 0,17 0-1,-17 1 1,18-36-16,0 0 31,-1 0-15,19-18-1,-19-17 1,-17-1 0,18 19-16,-18-19 15,0 19-15,0-18 16,0-1 0,-18 19 15,18-1-16,-35 18 1,17 0-16,1 0 16,-1 0-1,18 18 79</inkml:trace>
+  <inkml:trace contextRef="#ctx0" brushRef="#br0" timeOffset="128268.13">3052 11377 0,'0'0'0,"17"0"47,1 0-31,-1 0-16,1 0 16,0 18-1,-1-18-15,1 17 16,-18 1-1,18-18 48,-1 0-32,-17-18-15,18-35-1,-18 1-15,0 16 16,18-52 0,-1 70-16</inkml:trace>
+  <inkml:trace contextRef="#ctx0" brushRef="#br0" timeOffset="129330.78">3334 11060 0,'0'17'47,"17"18"-31,1 18-16,0 0 15,17 0 1,-17-17-16,-18-1 16,17-35-1,-17 17 1,0-69 62,0 34-62,0-17-16,0-36 15,0 18 1,0 18-16,0 17 0,0 1 62,18 17-30,-1 0 14,1 17-30,-18 1-16,0-1 16,0 19-1,0-19-15,-18-17 16,-17 53 0,0-35-1,53-18 110,17 0-125,-18 0 16,1-18-16,17 18 15,-17 0 1,0 0 0,-1 0-1,1 0 1,0 0 46,-18 18-62,17-18 32</inkml:trace>
+  <inkml:trace contextRef="#ctx0" brushRef="#br0" timeOffset="-203501.94">2222 564 0,'0'18'63,"0"17"-63,0 18 16,0 18-16,0-1 15,18-17-15,0 35 16,-1 36-1,-17 17 1,18-88-16,0 35 0,-18-35 16,35 88-1,-35-35 1,18-53 0,17 18-1,-35-54 1,0 1-16</inkml:trace>
+  <inkml:trace contextRef="#ctx0" brushRef="#br0" timeOffset="-202973.9">1076 564 0,'35'-17'94,"124"-36"-94,-18 35 16,18-17-1,158-36 1,-140 36-16,140-35 16,-246 52-1,35 0-15,-71 1 16,0-1-1</inkml:trace>
+  <inkml:trace contextRef="#ctx0" brushRef="#br0" timeOffset="-201872.89">1570 2399 0,'18'-18'125,"17"1"-110,-18 17-15,19 0 16,-19-18-16,36-17 16,-17 35-16,52-18 15,-18-17 1,-34 35-1,-1-18 1,0 0 62,18 1-62,0-18-16,53-18 15,-53 17-15,70-17 16,18-17-16,-35 17 16</inkml:trace>
+  <inkml:trace contextRef="#ctx0" brushRef="#br0" timeOffset="-201109.77">3175 1605 0,'18'53'47,"-18"-35"-31,0-1-16,0 1 15,17-18-15,-17-53 172,0 0-172,18 0 16,0 0-16,-1 0 15,1 18-15,-1 0 16,1-18 0,0 53-16,-18-35 15,70-1 1,-52 19 0,17 17-1,-17 0 1,-1 0 15,1 0-31,17 35 16,89 124-1,-106-124 1,70 106 0,-35-88-1,-53-18-15,17-17 16</inkml:trace>
+  <inkml:trace contextRef="#ctx0" brushRef="#br0" timeOffset="-200725.73">3351 1640 0,'0'-17'0,"0"-1"16,0 1-16,36-1 16,-36 0-1,88-17-15,-71 17 16,36 1-16,-35-1 15,17 0 1,1 1 0,-19 17-1,-17-18 1,18 18-16</inkml:trace>
+  <inkml:trace contextRef="#ctx0" brushRef="#br0" timeOffset="-200016.89">3810 1288 0,'18'0'16,"-1"0"-16,1 35 0,0 18 15,52 53 1,-35-89 0,-17 36-1,0-35 1,-18-53 46,0-1-46,0 19-16,0-54 16,17 36-16,-17-18 15,0 18-15,18-1 16,0 1 0,-1 0-1,1-18 1,17 35-1,-35 1 1,35-1-16,-35 0 0,18 18 16,-18-17-1,18 17 17,35 35-17,-18-17-15,35 70 16,-17-18-1,0-17 1,-17 35 0,-19-52-1,-17-1 1,0 0-16,0-17 16,-35 17-1,-36-17 1,54-18-1,-36 0 1,18 0 0</inkml:trace>
+  <inkml:trace contextRef="#ctx0" brushRef="#br0" timeOffset="-199698.68">4163 1464 0,'53'-35'16,"-36"35"-16,36-18 15,-17 0-15,16 18 16,-34 0-1,17-17 1,1-1 0,-19 18-16,19-17 31,-19 17-31,1-18 16,17 0-1</inkml:trace>
+  <inkml:trace contextRef="#ctx0" brushRef="#br0" timeOffset="-199140.63">4692 1094 0,'-18'0'31,"1"0"-31,-1 17 16,18 1 0,-18 0-1,18 34 1,0-16 0,0-19-16,36 36 15,-36-35 1,17 0-1,1-18 1,-18 17 0,18 1-1,-1-18 1,1 0-16,-18 17 16,0 1 15,-18 17 0,1 1-15,-54-1-16,53-17 15,-17 17 1,-53 18-16,70-18 16,-52 18-1,52-35-15,0-18 16</inkml:trace>
+  <inkml:trace contextRef="#ctx0" brushRef="#br0" timeOffset="-190522.04">935 3298 0,'0'0'0,"35"-35"16,-17 18-16,-1-1 16,19 0-1,-19 1-15,19-1 16,-1 18 0,-17 0-16,-18-18 15,35 18 16,-18 0-15,1 0 0,17 18-16,-35 0 15,18-18-15,0 0 16,-1 17 0,-17 1 15,18-18-31,-18 18 15,0 17 1,0-18 0,0 19-1,0-19 1,-18 1 0,36-18 171,0 0-187,-1 18 16,-17-1-16,53 1 15,-35-18 1,-1 18-16,1 17 16,-18-18-1,18 1 1,-1 17-16,-17 1 31,0 17-31,-17-18 16,-1 0-1,0-35 1,1 18 0,-19-18-16,19 0 31,-1 0-31,1 0 15,-1 0 1,-53 0 0,54 0-1,-1 0 32</inkml:trace>
+  <inkml:trace contextRef="#ctx0" brushRef="#br0" timeOffset="-189867.67">1764 3193 0,'18'0'32,"-18"17"-17,35 1-15,-35 0 16,35-1-16,-35 18 15,53 1 1,-53-19 0,18-17-1,-18 18 1,0 0 15,17-18-31,1 0 31,0 0-15,-1 0 0,71 0-1</inkml:trace>
+  <inkml:trace contextRef="#ctx0" brushRef="#br0" timeOffset="-188533.56">2328 3140 0,'-17'0'16,"17"17"140,0 1-125,0 0-15,17-18 93,1 0-109,0-36 16,-1 36-16,-17-35 16,0 17-1,0 1 1,0-1 15,0 1 0,-17 17-31,-19 0 16,-17 0 0,36 0-1,-1 17 1,18 1 0,-18-1-16,18 1 15,-17 17-15,17-17 16,0 0-1,0-1 1,0 1 15,0 0-15,17-18 62,36-18-62,-35 0-1,17-17-15,1 17 0,-36 1 16,17-1 0,-17 0-1,18 18 1,-18-17-16,18 17 125,-1 17-110,-17 1 1,18-18-16,-1 35 16,-17-17-1,18-18-15,-18 18 16,35-18 31,1-53-32,52-71-15</inkml:trace>
+  <inkml:trace contextRef="#ctx0" brushRef="#br0" timeOffset="-187661.76">2699 2893 0,'17'17'78,"-17"1"-78,0 0 16,18-18-1,0 0 32,17 0-31,-17 0-1,-1-18-15,19 0 16,-36 1-16,17-18 16,-17 17-1,18 36 126,-1-1-141,-17 18 15,0-17 1,0 17-16,18 18 16,-18-17-16,0 16 15,0 54 1,0-70-16,-18 34 16,1-35-1,17-17-15,-35 17 31,17-35-15,0 0 0,-17 0-16,17-17 15,1-1 1,-1 0 0,18 1-1,0-1 1,0 0-16,0 1 31,18-18-31,-1 17 16,19 0-1,-1-17 1,35 0 0,-17-1-16,18 1 15,-53 18 1</inkml:trace>
+  <inkml:trace contextRef="#ctx0" brushRef="#br0" timeOffset="-186839.88">3157 2999 0,'53'-18'16,"0"18"-16,-35 0 15,52-35 1,89-1 0,-88 1-1,35 0 1,-54 0 0,-69 35 93,-1 0-109,-35 0 16,36 0-16,-36 0 15,17 0 1,19 0-1,-1 0 1,18 17 31,0 1-47,0 0 16,0-1-1,0 1 1,0-1-1,0 1 1,18-18-16,-18 18 16,35-18-1,-17 17 1,-1-17-16,1 0 0,0 0 16,87 0-1,-16-17 1,-36-19-1,35 1 1,-35-18 0,-18 18-1,-35 17-15,0 1 32</inkml:trace>
+  <inkml:trace contextRef="#ctx0" brushRef="#br0" timeOffset="-186421.83">4057 2681 0,'18'0'78,"-1"18"-78,-17-1 16,18 1-16,-18 0 15,18-71 79,-1 0-78,1 0-16,-1 18 15,19-54 1,-19 89 0,-17-17-1</inkml:trace>
+  <inkml:trace contextRef="#ctx0" brushRef="#br0" timeOffset="-185119.04">1411 4092 0,'0'18'125,"0"0"-109,0 17-16,0 0 15,0-17-15,0 17 16,0-17-16,0 17 15,0 18 1,0-18 0,0 0-1,0-17-15</inkml:trace>
+  <inkml:trace contextRef="#ctx0" brushRef="#br0" timeOffset="-184481.88">1005 4410 0,'18'0'62,"-18"17"-62,35 19 16,-17-19-16,0 1 15,-1 0-15,1-1 16,35 18 0,-36-17-1,1-18 17,17 0-17,-17 0-15,53-35 16,34 0-1,-16-1 1,34-17 0,1-17-1,-107 35 1,54-18-16,-36 0 16,-17 35-1,-1-17 1,-17 0-1</inkml:trace>
+  <inkml:trace contextRef="#ctx0" brushRef="#br0" timeOffset="-180875.94">758 5362 0,'0'-17'94,"0"52"0,0 18-79,0 0-15,18 53 16,-18 17 0,0-52-1,18 17 1,-1-18 0,-17-87 77,0-1-77,0 0-16,0 1 16,0-1-16,0 0 15,18-34 1,0 34-1,35-35 1,-1 0-16,-16 18 16,34 0-1,-52 17 1,0 18 0,-1 0-1,1 0 1,17 35 15,-35-17-31,35 17 16,-17 36-1,0-54 1,-18 1-16,17 17 16,-17 0-16,18-35 15</inkml:trace>
+  <inkml:trace contextRef="#ctx0" brushRef="#br0" timeOffset="-180388.92">1464 5450 0,'-88'36'16,"70"-19"-16,-17 36 16,17-17-16,-17-1 15,17 0-15,1 0 16,-1 36-1,18-18 1,0-36 0,18 1-1,-1-18 1,1 0 0,0 0 15,-1-18-16,36-52 1,-35-1 0</inkml:trace>
+  <inkml:trace contextRef="#ctx0" brushRef="#br0" timeOffset="-180076.06">1552 5203 0,'18'0'16,"-18"36"-1,35-19 1,-17 36 0,-1-35-1,1 53 1,0-54-16,-18 1 15,0-1 1,0 19 0,17-19-16</inkml:trace>
+  <inkml:trace contextRef="#ctx0" brushRef="#br0" timeOffset="-179503.99">1729 5345 0,'17'0'16,"-17"35"-1,18-17 1,-18 17 0,18 0-1,-18-53 95,0-17-110,0 0 15,0 17-15,0 1 16,0-1-16,17 0 16,1 18 46,-1 0-46,1 18-16,17 0 15,-35-1-15,18 1 16,17 0 0,-35-1-16,36-17 15,-19 0-15,-17 18 16,18-18-16,-1 0 15,36 0 1,18-35 0,52-89-16</inkml:trace>
+  <inkml:trace contextRef="#ctx0" brushRef="#br0" timeOffset="-178982.66">2399 4939 0,'0'0'0,"-71"35"15,18-17-15,18 52 16,17-52-16,-34 17 16,16 18-1,36-35-15,0-1 16,0-52 62,18-18-62,0 0-16,-1-17 15,18-36 1,-35 53-1,18 53 32,0 71-15,-1-36-17,1-35-15,-18 35 16,18 0-1,-18-17-15</inkml:trace>
+  <inkml:trace contextRef="#ctx0" brushRef="#br0" timeOffset="-177759.87">5256 1147 0,'36'0'141,"-19"0"-141,1 0 15,17 0 1,18 0-16,-35 0 16,17 0-16,18 0 15,-35 0-15,35 0 16,-36-18 0,18 18-1,1-18-15,34 1 16,-52-1-1,52 0 1,-17 1 0,-35 17-1,17-18 1,1 0-16,-1 18 31,-35-17 0</inkml:trace>
+  <inkml:trace contextRef="#ctx0" brushRef="#br0" timeOffset="-177032.7">5627 688 0,'35'18'47,"0"-1"-47,18 36 15,35-18-15,-35 1 16,36 17-16,-19-1 15,-17-16-15,-18-1 16,18 0 0,0 1-16,-18-1 15,-17-35 1,0 18 0,-1-1-1,-17 1 79,0-1-94,-70-17 16,-1 36-16,-17-1 15,0 18-15,35-35 16,-18-1-1,1 18-15,17 1 16,35-36 0,18 17-16</inkml:trace>
+  <inkml:trace contextRef="#ctx0" brushRef="#br0" timeOffset="-175585.73">6720 811 0,'-17'0'31,"-1"0"-15,1 0 15,17 18-31,-18 0 0,0-1 16,18 19-1,-17 34 1,17-52-16,0-1 15,0 36 1,0 18 0,17-36-16,36 106 15,-18-70 1,-35-54 0,18 1-16,0 0 15,-1-18 1,1 0-1,17 0 1,18-18 0,35-52-1,-52 34 1,69-34 0,-69 17-1,-19 35-15,1 1 16,-18-1-1,0 0 1,0 1 0,0-1-1,0 0 1,-18 1-16,-35-19 16,18 1-1,-35 0 1,-1 17-1,36 1 1,0-1-16,17 18 16,0-18-1,1 18 63,-1 18-46,0-18-17,18 18 1</inkml:trace>
+  <inkml:trace contextRef="#ctx0" brushRef="#br0" timeOffset="-174812.89">7144 829 0,'-18'0'0,"0"0"16,1 35-1,-1-35-15,18 18 16,-17 0-16,-1-1 16,18 1-16,0-1 15,0 1 1,0 0-1,0-1 1,53 19 0,-36-19-16,54 1 15,35 35 1,-71-53 0,0 18-1,18-1 1,-53 1-1,36-18-15,-36 17 16,0 1 31,0 0-31,0-1-1,-36 1-15,19 0 16,-36-1-1,35-17 1,0 0 31,1 0-16</inkml:trace>
+  <inkml:trace contextRef="#ctx0" brushRef="#br0" timeOffset="-174075.84">7867 670 0,'0'18'47,"0"0"-32,0-1 1,0 1-16,0-1 16,35 72-1,-17-36 1,-18-18 0,18-18-16,-18 1 0,17 17 15,-17-17 1,0 0-1,18-1 1</inkml:trace>
+  <inkml:trace contextRef="#ctx0" brushRef="#br0" timeOffset="-173167.51">8096 1023 0,'18'0'62,"-18"-18"-46,18 1 15,-1-1-31,1 0 16,-1 1-16,1 17 16,0-18-1,-18 1 1,0-1 78,-18 0-79,-17 18 1,17 0 15,1 0-31,-1 0 16,0 0 15,1 0-15,17 36-1,-18-1 1,18-18-1,0 19 1,0-19-16,0 1 16,0 35-1,0-35 1,0-1 0,0 1 15,18-18-16,-1 0 1,19 0 0,-1 0-1,0-18 1,-17 18-16,-1 0 16,19-17-16,-1-19 15,-35 19 1,18 17-1</inkml:trace>
+  <inkml:trace contextRef="#ctx0" brushRef="#br0" timeOffset="-172696.65">8396 811 0,'18'0'46,"-1"18"-46,1 17 16,17-17-16,-17 0 16,17 17-1,-17-35 1,-1 0 62,1-53-62,0 35-16,-1-17 15,1-18-15,0 35 16,-18 1 0</inkml:trace>
+  <inkml:trace contextRef="#ctx0" brushRef="#br0" timeOffset="-171992.04">8749 758 0,'18'0'31,"-1"0"-15,18 0 0,-17 0-1,17 0 1,-17 0-1,-18-17 1,-35 17 93,-18 17-93,35-17-16,1 18 16,17 0-1,0-1 1,0 1 0,0 0-1,0-1-15,0 1 31,17-18 1,-17 18-17,18-18-15,17 0 0,71 0 32,35-36-17,-106 36 1,-17-17-1,17-1 1,1-17-16,-1-1 16,-18 19-1</inkml:trace>
+  <inkml:trace contextRef="#ctx0" brushRef="#br0" timeOffset="-171669.96">9331 529 0,'18'0'47,"-18"18"-31,0 17-1,17-17-15,-17-1 16,18 1 0,-18 17-16,35 1 15,-35-19 1,18 1 0,-18-1-1,0 1-15</inkml:trace>
+  <inkml:trace contextRef="#ctx0" brushRef="#br0" timeOffset="-170244.87">6473 1588 0,'36'0'78,"52"0"-63,-17 0 1,34 0-16,19 0 16,158-36-1,-176 19 1,35-19-16,88 19 0,159-54 15,-70 1 1,-142 34 0,142-34-1,-195 52 1,142-35-16,-106 18 16,-89 35-1,18-18 1,-35 1-1,-35 17 1,-1-18 0</inkml:trace>
+  <inkml:trace contextRef="#ctx0" brushRef="#br0" timeOffset="-167226.53">5027 2452 0,'-18'17'125,"1"1"-110,-1 0-15,1-18 16,-1 35-1,0-17-15,18-1 16,-35 1-16,17 17 16,1-17-1,-36 35 1,-35 35 0,52-70-1,-105 140-15,35-34 16,36-71-1,-71 123 1,-18 0 0,88-87-1,-87 105 1,17 17-16,123-175 16,-123 140-1,53-35 1,35-53-1,35-52-15,-35 34 16,-35 89 0,35-71-1,-53 71-15,89-124 16,-89 142 0,0-19-1,35-17 1,36-105-1,-18 87-15,-17 1 16,34-89 0,-17 35-1,53-34 1,-35-1 0,17-17-1,18-1-15,0 1 16,-17-18-1,-1 0 1,18 18 0,-17-1-1,-1-17 17,18 18-32,0-1 15,-18-17 1,1 0 31,17 18-32,-18 0 1,0-18 0,18 17-1,0 1 1,-17-18-1,-1 18-15,18-1 16,-35 19 0,17-36-1,18 17-15,-18-17 16,-17 36 0,35-19-16,-17 1 15,17-1 1,-18-17-1,0 18 1,1-18 0,-1 18-1,0-1 17,18 1-17,-17-18-15,-1 0 16,0 0-1,-17 18 1,0-1-16,-18-17 16,-106 36-1,106-19 1,0 1-16,-17-1 16,-159 36-1,52-17-15,-70 17 16,36 0-1,158-36 1,-141 18 0,53 18-1,105-53 1,-105 18 0,106-18-16,-71 18 15,106-36 204,0-88-219</inkml:trace>
+  <inkml:trace contextRef="#ctx0" brushRef="#br0" timeOffset="-165147.87">0 2963 0,'0'-17'78,"18"17"0,17 0-62,0-18-16,18 0 15,35 1 1,1-1-16,16 1 16,142-19-16,-141 19 15,212-19 1,-124 19 0,-71-1-1,54-17 1,-125 17-1,54 0-15,-53 1 0,53 17 16,-53 0 0,88-18-1,18 1 1,52-1 0,-87-17-1,176-1-15,-124 19 16,-35-1-1,89-17 1,122-36 0,-299 54-1,177-36 1,-72 17-16,-105 19 0,106-19 16,-36 1-1,-87 35 1,87-35-1,-52 0 1,-1 35 0,-34 0-16,17-18 15,-36 18 1,18-18-16,1 18 16,-19 0-1,36 0 1,-35 0-16,0 0 15,-18 36 204,0-1-219,0-17 16,0 17-16,0 0 15,-18 0-15,18-17 16,0 17-16,0 18 16,-35 0-1,35 0 1,0-35 0,-36 35-1,19 0 1,17-18-16,-18 0 15,0-17 1,18-1 125,-17 1-126,-1 0-15,1-1 16,-1 1 0,0 0-1,18-1 1,-35 1-16,35 0 15,-18-18-15,18 17 16,-17-17-16,-1 18 16,18-1-1</inkml:trace>
+  <inkml:trace contextRef="#ctx0" brushRef="#br0" timeOffset="-162414.97">10654 864 0,'18'0'156,"-1"0"-140,18 0-16,-17 18 15,17-18-15,18 0 16,-17 0 0,16 0-1,-34 0 1,0 0-16,17 0 0,36 0 15,-36 0 1,-18 0 0,1 0 15</inkml:trace>
+  <inkml:trace contextRef="#ctx0" brushRef="#br0" timeOffset="-161847.92">10619 1164 0,'17'0'63,"1"0"-32,0 0 0,17 0-31,18-17 16,-18 17 0,18 0-16,0 0 15,-18-18 1,-17 18 0,-1-18-1,1 18 1,0 0-1,-1 0 1,-17-17-16,18 17 16</inkml:trace>
+  <inkml:trace contextRef="#ctx0" brushRef="#br0" timeOffset="-160858.37">10901 423 0,'17'0'62,"1"18"-46,35 0-16,-18 17 16,-17 0-16,70 0 15,-70 1-15,52 17 16,-52-36 0,17 1-1,-17-18 1,0 18-1,-18-1 1,17-17 0,-17 18 31,0-1-16,0 19-31,0-19 15,0 1-15,-17 17 16,-19 18 0,1 18-1,17-54 1,1 1-16,-1 0 0,0-1 16,18 1-1,-17 0 1,-1-18-1,-17 35 1,17-17 0,1-18-1,-19 35-15,19-35 16,17 17 15,0 1 47</inkml:trace>
+  <inkml:trace contextRef="#ctx0" brushRef="#br0" timeOffset="-157582.7">11730 547 0,'0'17'62,"0"1"-62,0 17 16,0 18-16,0-17 16,0-1-16,0-18 15,0 36 1,0-35 0,0-36 93,0 1-93,0-1-16,0-17 15,-18 0 1,1-18-1,-1-36 1,18 54 0,0 18-1,0 34 79,18 1-78,-1 17-16,1-17 15,-18 17 1,35 0-16,-17-17 16,-1 35-16,-17-18 31,18-35-16,-18-18 95,0-34-95,18 16 1,-18 1-16,0-18 16,17 35-1,1-17 1,-18 18 0,18 17 46,-1 0-31,19 35-15,-36-18 0,35 19-16,-18-19 15,1 19 1,0-19-1,-18 1 1</inkml:trace>
+  <inkml:trace contextRef="#ctx0" brushRef="#br0" timeOffset="-157004.75">12171 512 0,'17'0'31,"1"17"-31,-18 1 16,0-1-16,18-17 15,-1 18 1,1-18 78,0-18-48,-1 1-46,-17-18 16,18 35-16,-18-18 16,18-35-16,-18 35 15,17 1 1,-17-1 0</inkml:trace>
+  <inkml:trace contextRef="#ctx0" brushRef="#br0" timeOffset="-156565.03">12418 441 0,'0'0'0,"17"18"0,-17 17 15,18-17-15,0-1 16,-1 36-1,-17-35 1,18-1 0</inkml:trace>
+  <inkml:trace contextRef="#ctx0" brushRef="#br0" timeOffset="-156225.27">12682 282 0,'18'0'16,"0"36"-1,-1-1 1,-17-18-16,18 19 16,0-19-1,-18 19 1,17-19-1,-17 19 1,0-19 0</inkml:trace>
+  <inkml:trace contextRef="#ctx0" brushRef="#br0" timeOffset="-155915.97">12665 441 0</inkml:trace>
+  <inkml:trace contextRef="#ctx0" brushRef="#br0" timeOffset="-155410.02">12771 370 0,'35'0'15,"-18"18"1,1-18-16,0 35 15,17-17 1,-35 0-16,35-1 16,-35 1-1,18 17-15,-18-17 16,18-1 0,-1 1 15,-17-36 94,-17 1-110,-19-54-15</inkml:trace>
+  <inkml:trace contextRef="#ctx0" brushRef="#br0" timeOffset="-155019.02">13070 353 0,'0'0'16,"18"17"-16,0-17 15,-18 18 1,0 0-16,0-1 15,0 1 1,0 17 0,-18-17-1,18 0 1,-18-1 0,1-17 46</inkml:trace>
+  <inkml:trace contextRef="#ctx0" brushRef="#br0" timeOffset="-154686.83">13194 370 0,'0'0'0,"18"53"0,-1-17 16,1-19-16,-1 1 15,-17 0 1,0-1 0,0-34 46,0-19-46</inkml:trace>
+  <inkml:trace contextRef="#ctx0" brushRef="#br0" timeOffset="-153986.17">13388 388 0,'0'0'0,"18"0"16,-1 18-16,1-18 15,-1 0 1,1 0 15,0-18-15,-1-17-16,1 0 15,-18 17 1,0 0 0,-18 36 46,1-18-62,-36 35 16,18 0-16,17-17 15,0 35-15,-17-35 16,35-1-16,-18 19 16,1-1-1,17 0 1,0-17 0,0-1 30,35-17-30,-17 0 0</inkml:trace>
+  <inkml:trace contextRef="#ctx0" brushRef="#br0" timeOffset="-153377.83">13935 970 0,'17'0'78,"-17"18"-63,36-18-15,17 17 16,-18 1 0,-18 0-16,89 17 15,-35-17 1,-1-1 0,-87-17 46,-1-35-46</inkml:trace>
+  <inkml:trace contextRef="#ctx0" brushRef="#br0" timeOffset="-152892.81">13829 758 0,'53'0'31,"0"36"-31,35-19 16,-53 1-1,212 88-15,-194-89 16,71 36 0,-36 0-1,-71-35 1,1 0 0,-18-1-1,0 1 1,-18 17-1,1-17-15,-19 17 16,-34 18-16,17-35 16,-88 35-1,106-36 1,-18 1-16,35-18 16</inkml:trace>
+  <inkml:trace contextRef="#ctx0" brushRef="#br0" timeOffset="-152113.78">14640 1147 0,'0'0'0,"-17"17"0,17 1 16,-18 17-1,18 0 1,0-17-16,0 35 16,53 0-1,-53-36 1,70 36 0,-17-17-1,18-19 1,17 1-16,-53-18 0,-17 0 15,53 0 1,-54-18 0,1-35 15,-18 0-31,0 36 16,0-18-1,-18-1 1,1 19-1,-1 17 1,0-18 0,1 18 15,-1 0-15,0 0-16,18 18 93</inkml:trace>
+  <inkml:trace contextRef="#ctx0" brushRef="#br0" timeOffset="-151062.68">14993 1235 0,'18'0'16,"-18"17"-16,0 1 15,17 17-15,1 1 16,-18-19-1,35 18-15,-17 1 16,0-19-16,-18 1 16,0 0-1,17-18 1,1 0 62,-18-18-78,0-17 16,0 17-1,0-17 1,-35 17-16,17-35 16,-17 36-1,17 17 1,18-18-1,-18 18 1,1 35 78,17-17-79,0 0-15,0 17 16,0-18 0,0 1-1,17-18 32</inkml:trace>
+  <inkml:trace contextRef="#ctx0" brushRef="#br0" timeOffset="-150491.77">15205 1199 0,'-36'36'0,"72"-72"0,-72 125 15,36-72 1,0 1-1,0 0 1,18-1 0,35 18-1,70-35 1,-52 0 0,53 18-1,-72-18-15,-34 0 16,-18 18-1,0-1 1,0 1 0,0 0-16,0-1 15,-35 1 1,-71 17 0,53-35-1,35 0 1,-17 0-1,17 0 1,1 0 0,17-35-1</inkml:trace>
+  <inkml:trace contextRef="#ctx0" brushRef="#br0" timeOffset="-150123.89">15610 970 0,'18'18'15,"-18"-1"-15,35 36 16,-17-17 0,35 52-1,-53-53-15,35 18 16,-17-35-16,-1 17 16</inkml:trace>
+  <inkml:trace contextRef="#ctx0" brushRef="#br0" timeOffset="-149752.96">15946 1023 0,'0'0'0,"17"0"16,18-18 0,-17 18-16,0-17 78</inkml:trace>
+  <inkml:trace contextRef="#ctx0" brushRef="#br0" timeOffset="-148401.53">15610 917 0,'0'53'63,"18"-35"-48,0 35-15,-18 0 16,35 52 0,-17 1-1,-1-70-15,1 34 16,-18-35 0,18-17-1,-18 0 1,17-18-1,-17 17 1,0 1 0,0 0-1,0-1 1</inkml:trace>
+  <inkml:trace contextRef="#ctx0" brushRef="#br0" timeOffset="-147305.8">15540 1323 0,'18'0'79,"-1"0"-48,1-18-31,-1 18 0,1 0 15,0 0 1,-1-17 0,1 17-16,0-18 15,-1 18 1,19 0 0,-1-18-1,0 18 1,-35-17-1,35-1-15,1 18 16,-19 0 0,1-18-1,0 18 204,-18-17-203,17 17-16,1 0 15,-1-18 1,1 1 0,0 17-1,-1 0 1,-17-18-16,18 18 15,17-18 1,-17 1 0,17-1-1,-17 0 1,-1 1 0,1 17 15</inkml:trace>
+</inkml:ink>
+</file>
+
+<file path=ppt/ink/ink15.xml><?xml version="1.0" encoding="utf-8"?>
+<inkml:ink xmlns:inkml="http://www.w3.org/2003/InkML">
+  <inkml:definitions>
+    <inkml:context xml:id="ctx0">
+      <inkml:inkSource xml:id="inkSrc0">
+        <inkml:traceFormat>
+          <inkml:channel name="X" type="integer" max="1920" units="cm"/>
+          <inkml:channel name="Y" type="integer" max="1080" units="cm"/>
+          <inkml:channel name="T" type="integer" max="2.14748E9" units="dev"/>
+        </inkml:traceFormat>
+        <inkml:channelProperties>
+          <inkml:channelProperty channel="X" name="resolution" value="36.43264" units="1/cm"/>
+          <inkml:channelProperty channel="Y" name="resolution" value="36.48649" units="1/cm"/>
+          <inkml:channelProperty channel="T" name="resolution" value="1" units="1/dev"/>
+        </inkml:channelProperties>
+      </inkml:inkSource>
+      <inkml:timestamp xml:id="ts0" timeString="2021-07-02T04:41:06.116"/>
+    </inkml:context>
+    <inkml:brush xml:id="br0">
+      <inkml:brushProperty name="width" value="0.05292" units="cm"/>
+      <inkml:brushProperty name="height" value="0.05292" units="cm"/>
+      <inkml:brushProperty name="color" value="#FF0000"/>
+    </inkml:brush>
+  </inkml:definitions>
+  <inkml:trace contextRef="#ctx0" brushRef="#br0">2858 2663 0,'-18'18'47,"0"0"-32,1 35 1,17-18-16,0-17 16,0 17-16,0 71 15,0-53 1,0-18-16,70 71 16,-52-89-1,35 36 1,-18-17-1,0-1-15,1-35 16,-19 17 0,54-17-1,-18 0 1,-18-17 0,35-36-1,19-71-15,-36 19 16,-1-19-1,-16 1 1,-36 70 0,0 35-1,0-17 1,0 17 0,0 1-16,-53-19 31,18 19-16,-107-1 1,125 18 0,-124 0-16,105 0 15,-158 88 1,53-17 0,106-54-1,-53 72 1,88-72-16,0 1 15,0 0 17</inkml:trace>
+  <inkml:trace contextRef="#ctx0" brushRef="#br0" timeOffset="541.75">2981 3263 0,'18'0'15,"-18"18"1,53 35 0,-53 0-16,35 0 15,0 17 1,0 107 0,-17-107-16,17 54 0,-17-54 15,0 54 1,-1-71-1,-17-18-15,0 0 16,0-17 0</inkml:trace>
+  <inkml:trace contextRef="#ctx0" brushRef="#br0" timeOffset="938.82">3210 3792 0,'-17'36'63,"-19"34"-63,1-17 15,17-18-15,-34 54 16,34-54-16,-53 35 15,-17 36 1,71-53 0,17-70 46,0-19-46</inkml:trace>
+  <inkml:trace contextRef="#ctx0" brushRef="#br0" timeOffset="1332.38">3140 3828 0,'17'0'15,"1"0"-15,0 0 16,17 17 0,0 19-16,18-19 15,-18 1 1,36 35-1,-1-36 1,-70 1 0,53 0-16,-35-1 15,0-17 1,-1 18 0,1 0-1,0-18 1,-18 17-16</inkml:trace>
+  <inkml:trace contextRef="#ctx0" brushRef="#br0" timeOffset="1767.8">2999 4392 0,'17'0'78,"-17"18"-78,18-1 16,-18 1-16,18 17 15,-18 1 1,0-19 0,0 1-1,0-1-15</inkml:trace>
+  <inkml:trace contextRef="#ctx0" brushRef="#br0" timeOffset="2231.71">3404 4092 0,'18'0'31,"-18"18"-15,18 0-16,-18 17 15,35 18 1,-18 17 0,-17-52-1,18 17-15,-18-17 0,18-1 16,-18 1-1,17 0 1,-17-1 0,0 1-1,-17-18 32,-1 0-31,0 0-1,1 0 1,-1 0 0</inkml:trace>
+  <inkml:trace contextRef="#ctx0" brushRef="#br0" timeOffset="3186.7">3351 4286 0,'-17'0'0,"-1"36"62,0-19-46,1 18-16,-1 1 0,1-19 16,17 1-16,-18 17 15,0-17 1,18 0-1,-17-36 110,17-17-109,0-1 0,-18 19-16,18-19 15,0 1 1,0 0-16,18 0 16,-1 17-1,19-17 1,-19-1-1,1 36 1,-1 0 78,1 0-63,35 18-31,-35 0 16,17 17-16,18 0 15,-18 1-15,0-1 16,18 18 0,-35-53-1,17 17-15</inkml:trace>
+  <inkml:trace contextRef="#ctx0" brushRef="#br0" timeOffset="3912.83">4427 3492 0,'18'0'63,"0"0"-63,17 0 16,35 0-16,-17 0 15,18-17-15,52-1 16,-34 1-1,-54-1 1</inkml:trace>
+  <inkml:trace contextRef="#ctx0" brushRef="#br0" timeOffset="4505.91">4586 3175 0,'53'0'63,"18"18"-48,17-1-15,-18 19 0,-52-19 16,70 18 0,-35 1-16,0-1 15,-18 0 1,-17 1 0,0-1-1,-18 0 1,0-17-1,0-1-15,0 19 16,-18-19 0,18 1-1,-53 17 1,35-17 0,-70 35-1,35-18-15,36-35 16,-1 18-1,0-1 1,18 1 0,-17-18-1</inkml:trace>
+  <inkml:trace contextRef="#ctx0" brushRef="#br0" timeOffset="5781.93">7161 2646 0,'0'17'110,"0"19"-110,36-1 0,-36 18 15,17 0 1,1 35-16,0-17 15,34 123 1,-34-106 0,0 18-1,17-18-15,-35-53 16,0 0 0,18-17-1,-18 0 1,17-18 46,1-89-30</inkml:trace>
+  <inkml:trace contextRef="#ctx0" brushRef="#br0" timeOffset="7060.82">7549 3140 0,'0'17'78,"0"1"-63,0 0-15,18 35 16,0-18 0,17 0-16,-17 0 15,17-17-15,-35 0 16,35-1-1,18 19 1,-35-19 0,-1-17-1,1 0 1,17 0 0,-17 0-1,53 0 1,17-70-1,-53 52-15,18-17 16,-53 17 0,18 0-1,-18 1 1,0-1 0,0 1-1,0-1 126,0 0-94,0 1 0,-18-1-16,0 18-31,1-18 31,-1 1-15,18-1-16,-18 18 15,1-18 1,-1 18-16,0-17 16,1-1-16,-18 18 15,17 0 1,-35 0-1,18 0 1,17 0 0,-17 0-1,-1 0-15,19 0 0,-54 0 16,36 0 15,35 18-15,-18-18-16,18 17 62,0 19-46,36-1 0,-1-35-16,-35 18 15,35-1 1</inkml:trace>
+  <inkml:trace contextRef="#ctx0" brushRef="#br0" timeOffset="7954.96">8308 2981 0,'0'0'0,"-18"0"16,18 18 15,0-1-31,0 1 16,0 17 0,18 18-1,-18-35-15,35 35 16,-17-18-1,-1-17 1,1-18 0,-18 17-1,18-17-15,-1 0 32,1 0 30,0-35-62,17 17 16,-35-17-1,18 0 1,-18 17 0,0 0-1,0 1-15,0-1 16,0 1-1,0-1 1,0 0 0,-36 1-1,19 17 1,-72-36 0,54 19-16,18 17 15,-1 0 1,0 0-1,18 17 79,0 1-78,0 0-16,18-1 15</inkml:trace>
+  <inkml:trace contextRef="#ctx0" brushRef="#br0" timeOffset="8931.77">9331 2575 0,'18'0'47,"-18"18"-32,17 17-15,1-35 16,-18 18 0,18 35-1,-1 0-15,-17-36 0,18 89 16,-1-35 0,1-1-1,0-17 1,-18-35-1,17 17-15,19-35 188,-1 0-188,0 0 16,-35-18-1,18 1 1</inkml:trace>
+  <inkml:trace contextRef="#ctx0" brushRef="#br0" timeOffset="9405.95">9754 2893 0,'18'0'63,"0"17"-47,-1 1-16,1 0 15,-1-1-15,-34-87 110</inkml:trace>
+  <inkml:trace contextRef="#ctx0" brushRef="#br0" timeOffset="12010.06">10107 2734 0,'0'-18'31,"0"1"0,-18 17 32,1 0-48,17 17 1,0 1 0,0 0-1,0 17 1,0-17-1,0-1 1,0 1 0,0 0-1,17-18 1,1 0 0,0 0 15,17 0-31,0 0 15,1-18 1,34-17-16,-35-1 16,-17 1-1,-18 17 1,0 1 15,0-1 0,-18 18 16,18 18-47,-17-18 16,17 17 0,0 19-16,0-19 15,0 1 16,0 0-15,0-1 0,17-17-16,1 0 15,0 0 17,17-17-1,0-1-31,-35-17 15,36-1 1,-19 19-16,-17-19 0,18 1 16,-1 35 62,1 18-78,-18 17 15,0-17 1,18-18-16,-18 35 16,0-17-1,0-36 79,0 0-78,17 1-1,-17-1 1,36 0-16,-19 18 16,19 0-1,-19 0 1,1 0-16,70 0 15,-35 0 1,53 0 0,-53-35-1,-53 18 1,17 17-16,-17-36 16,0 1-16,0 17 31,-35 18 16,17 0-16,18 18-31,0 0 16,0-1-1,0 1 16,18 0-15,0-1-16,-18 1 31,17-18-31,-17 17 16,0 19 0,0 17-1,0-36-15,0 19 16,0-89 62,18 35-62,0-17-16,17-18 15,-18 0-15,19 35 16,-19-52-1,1 34 1,-18 19 0,0-1 15,-18 18 31,18 18-30,0-1-17,0 19 1,18-36-16,-18 17 16,18-17-1,-1 36-15,1-19 16,-18 19-1,18-19 1,-1 18 0,-17-17-1,0 17 1,-35 1 0,17-36-1,1 0 1,-1 0-1,-17 17-15,-1-17 16,19 0 0</inkml:trace>
+  <inkml:trace contextRef="#ctx0" brushRef="#br0" timeOffset="13658.73">8590 3986 0</inkml:trace>
+  <inkml:trace contextRef="#ctx0" brushRef="#br0" timeOffset="15314.75">8784 4568 0,'0'0'0,"-17"0"0,-1 0 15,0 0-15,1 0 16,-1 0 0,0 0-1,1 0 1,-1 0-16,-17 18 31,35 0-31,-18 35 16,18 17-1,0-52 1,0 17-16,0-17 16,53 35-1,-35-36 1,17 1-16,0 0 15,-17-18 1,52 17 0,-17-17-1,-17 0 1,105 0 0,-106 0-16,0 0 15,1-17 1,-36-1-1,17 0 1,1-52 0,-18 34-16,0 19 31,0-1-31,-18-17 16,-17 0-1,17 35 1,1-18-1,-19-17-15,19 35 16,-19-36 0,19 36-1,-54-17 1,36 17 0,-18-18-1,18 18-15,17 0 16</inkml:trace>
+  <inkml:trace contextRef="#ctx0" brushRef="#br0" timeOffset="16071.05">9349 4445 0,'-36'0'16,"19"0"-1,-19 0-15,1 0 16,18 0 0,-1 0-16,0 18 15,18-1 48,36 19-48,16-19 1,-16 1 0,34 17-1,18 0 1,-35-35-16,71 71 15,-71-53 1,-36-1 0,-17 1-1,0-1 1,0 1 0,0 0-16,0 17 0,-53 36 15,-17-18 1,17-18-1,-88 0 1,88-17 0,0-18-16,35 0 15,1 0 1,-18 0-16,17-18 16,0 0-1,1 18 1,17-17-16</inkml:trace>
+  <inkml:trace contextRef="#ctx0" brushRef="#br0" timeOffset="16945.08">10336 4551 0,'18'0'78,"17"0"-62,1 0-16,17 0 15,17-18-15,-35 18 16,54-17-16,69-1 15,-87 18 1,88-18 0,-107 1-1,37-1 1</inkml:trace>
+  <inkml:trace contextRef="#ctx0" brushRef="#br0" timeOffset="17511.79">10742 4198 0,'71'0'46,"52"0"-30,-88 0-16,36 0 16,-18 18-16,0 17 15,17 0 1,-52-17-16,17 0 16,-35-1-1,0 1 1,18-18-1,-18 17 1,0 19 0,-35 34-16,-18 1 15,17-54 1,-17 36 0,18-35-1,35 0 1</inkml:trace>
+  <inkml:trace contextRef="#ctx0" brushRef="#br0" timeOffset="18245.11">12224 3775 0,'0'0'0,"-141"0"15,105 0-15,19 0 16,-36 17 0,35 19-1,1-19-15,17 1 16,-18 70-16,18-53 16,0 54-1,0-72 1,35 89-1,0-71-15,-17-17 16,0 0 0,35 17-16,35 0 15,-53-17 1,89-18 0,-54 0-1,-17 0-15,18-18 16,-18-17-1,-53 17 17</inkml:trace>
+  <inkml:trace contextRef="#ctx0" brushRef="#br0" timeOffset="18942.2">12506 4039 0,'0'18'47,"0"0"-47,0-1 31,0 19-31,35-1 16,-35-18-1,18 1-15,0 0 16,52-1-1,-52-17 1,17 0-16,-17 0 16,-1 0-1,1 0 1,0 0 0,-18-17-1,0-1 1,0-17-1,0 17 1,0-17 0,-18 17-16,0 1 15,1-1 1,17 0 0,-18 18-1,0-17 1,1 17-16,-19 0 15,19 0 1</inkml:trace>
+  <inkml:trace contextRef="#ctx0" brushRef="#br0" timeOffset="19599.71">12929 3845 0,'0'0'0,"-17"18"15,17 0 17,0-1-17,0 1 1,0-1 0,0 1 15,17 0-31,19-1 15,-19-17 1,19 18 0,-19 0-16,1-18 15,-1 0 17,-17 17-17,0 1 1,0 0-1,0-1 1,-17 1-16,-1 0 16,-52-1-1,52 1-15,0-18 32,1 0 14,17-53-30</inkml:trace>
+  <inkml:trace contextRef="#ctx0" brushRef="#br0" timeOffset="20010.75">13335 3704 0,'18'0'62,"-1"35"-46,1-17-16,17 17 15,-17-17-15,17 35 16,-17-18 0,-1 0-16,1-17 0,-18 0 15,18 17 1,-18-17-1,-53-18 32,-88-53-31</inkml:trace>
+  <inkml:trace contextRef="#ctx0" brushRef="#br0" timeOffset="20436.33">13123 3863 0,'0'-18'47,"53"1"-32,18-19 1,52 1 0,-87 17-1,52-17-15,18 0 16,-36 17 0,-35 18-16,-35-17 15,18 17 16</inkml:trace>
+  <inkml:trace contextRef="#ctx0" brushRef="#br0" timeOffset="42589.7">7638 6244 0,'0'0'0,"-18"-17"0,0 17 140,1 0-124,-1 0 15,18 17-15,0 1 15,0-1 0,0 1-31,0 0 16,18-18 0,-1 17-16,1 19 15,17-1 1,-17-35-16,17 18 16,0-18-1,-35 17 48,18 1-48,-18-1-15,18-17 16,-18 18 0,17 17-1,-17-17-15,-35 35 16,0-18-1,17-35 1,-88 53 0,53-18-1,36-35 1,-1 0-16,1 0 47,17-35-16</inkml:trace>
+  <inkml:trace contextRef="#ctx0" brushRef="#br0" timeOffset="44756.07">8114 6174 0,'-18'0'16,"-17"0"-1,17 0-15,-17 17 16,17 1 0,1 17-16,-1-17 15,-17 17-15,35-17 16,-18 17 0,18-17 15,18-18 47,17 17-62,18-17-16,-35 0 15,17 0-15,-35-17 78,0-1-62,0-17 0,0-1-1,-18 19 1,1 17-16,-1-18 15,18-17 189,18 17-204,35-17 15,-36 17-15,19-35 16,-19 0-1,-17 18 1,0 0 0,0 0-1,0 17 1,0 53 62,0 1-62,0-1-16,18-18 0,-18 36 15,53 71 1,-18-18 0,0-53-1,1 52 1,-19-69-1,1-1-15,-53-35 63,-18-35-47,35 17-16,0 0 15,-17 1-15,17-18 16,1 35-16,17-18 15,0 0 1,0 1 0,0-1-1,0 0 17,35 18-17,0-35-15,-17 17 16,70-17-1,-35 0-15,35 17 16,-35-17 0,-35 17-1,-18-17 79,0 17-78,0 1-1,0-1 1,17 18 109,1 35-109,17 1-1,-17-19-15,17 36 16,-35-35-1,36 70-15,-19-88 16,1 35 0,-18-17-16,-18-18 78,-17-18-78,0-17 15,17 0-15,-17 35 16,-1-53 0,19 35-1,-1 18 1,18-17-16,35-1 94,-17 0-94,35 18 15,0-17-15,18-1 16,-19 0 0,-16 1-16,-19 17 15,1 0-15,17-18 16</inkml:trace>
+  <inkml:trace contextRef="#ctx0" brushRef="#br0" timeOffset="46602.9">8925 6015 0,'0'17'15,"0"1"1,18-18-1,0 18 1,-1-1-16,1 1 16,-1-18 46,1 0-46,-18-35-1,18 35-15,-1-18 0,-17-17 16,0 17 0,18 18 62,0 18-63,-1-18 1,-17 17 0,36-17-16,-36 18 15,17-18-15,1 0 16,0 18-16,17-18 16,-18 0-1,1 0 1,17-36-1,-35 19 1,18-54 0,-18 54-16,0-1 15,0 0 1,18 18 15,-1 0 0,-17 18-31,18-18 16,17 0 0,-17 0-1,17-18 1,-17 18-16,17-17 16,-17-19-1,-1 36 1,1-17-1,-18-18 1,0 17 0,0 0-1,-18 18 1,1 0 0,-1 0-1,0 71 1,1-18-16,17-18 15,0 18 1,0 17 0,35-34-1,-35-19 1,35-52 31,-35 17-32,36-17-15,-19-18 16,1 18 0,-1 17-1,-17 1 1,18 17 31,-18 17-32,18-17-15,-1 18 16,-17 0 0,18-18 31,-18-18-47,0 0 15,0-17 1,0 17-1,18 18 79,-1 18-78,1-18-1,0 18 1,-1-1-16,18 1 16,-17-18-16,0 18 15,-1-18-15,1 0 16,17 0 0,-17-36 15,0-17-16,-18 36-15,0-1 16,0 36 31,-18 17-31,18-17-1,0 35-15,0-36 16,0 1 15,-18-18 32,1 0-48,-19 0 1,19-18-1,-19 1 1,19 17-16</inkml:trace>
+  <inkml:trace contextRef="#ctx0" brushRef="#br0" timeOffset="48001.49">10760 5786 0,'0'-18'16,"-18"0"-1,0 18 1,-17-17 0,18 17 15,17-18 0,-18 18 32,53-35 171,0 17-234,1 18 16,-1-18-16,18 1 15,-18 17-15,18-18 16,0 1-16,-18-1 15,18 0 1,-53 1 0,0-1 109</inkml:trace>
+  <inkml:trace contextRef="#ctx0" brushRef="#br0" timeOffset="48651.8">10848 5345 0,'53'0'62,"17"0"-46,1 17 0,-18 1-16,17 0 0,19-1 15,-36 1 1,17 17-1,-52-35 1,-18 18 0,0-1 46,0 1-62,0 0 16,-18-1-16,-17 19 15,17-19 1,-17 18-16,35-17 16,-35 0-1,17-1 1,18 1-16,0 0 16,-18-18 62,1 0-63</inkml:trace>
+  <inkml:trace contextRef="#ctx0" brushRef="#br0" timeOffset="52353.72">12153 5186 0,'0'17'78,"18"54"-46,-18-36-32,17 1 15,1-1-15,0-17 16,-18-1-16,17 18 15,-17 1 1,36 34 0,-19-52-1,1 0 1,0-1-16</inkml:trace>
+  <inkml:trace contextRef="#ctx0" brushRef="#br0" timeOffset="53743.67">12382 5309 0,'0'36'46,"18"-19"-46,-18 1 16,18 0-16,-18-1 16,17 1-1,1-18 17,-18 17-32,18-17 46,-1 0-30,1 0-16,0 0 16,-1 0-1,1 0 1,0 0 0,-1 0-1,-17-17-15,18-1 16,-18 1-1,0-1 1,0-17 0,0 17-16,0 0 15,0 1 17,0-1-17,-18 0 1,1 18-1,-1-17-15,0 17 16,18-18 15,-17 18 79,-1 0-95,18 18 1,-18-18-16,18 17 406,-17 1-390,-1-18-16,18 18 15,0-1 1</inkml:trace>
+  <inkml:trace contextRef="#ctx0" brushRef="#br0" timeOffset="55135">13406 4974 0,'17'0'15,"-17"35"1,18 18 0,-1-35-1,1 35 1,0-18-16,-1 0 15,1 1-15,-18-19 16,18 1-16,-18 0 16,-36-54 124,36 19-140,-53-19 16,1 1-16,34 18 16,-17-36-1,17 17 1,-17-17-1,35 18 1,0 18 0,0-1-16,0-17 15,0 17 1,0 0 0,35 18-1,-17 0 110,-18 18-109,0 0-16,17 17 0,-17-17 15,0-1 1,0 36 0,0-35-16,0-1 15,-17 19 1</inkml:trace>
+  <inkml:trace contextRef="#ctx0" brushRef="#br0" timeOffset="56735.71">13159 4886 0,'17'0'31,"1"18"-15,-18-1 0,0 19-16,0-19 15,18 1 1,-1 52 0,-17 36-16,0-88 15,0 17-15,0 18 16,0-18-1,0-17 17</inkml:trace>
+  <inkml:trace contextRef="#ctx0" brushRef="#br0" timeOffset="58033.96">13617 4815 0,'0'0'0,"0"18"15,18 17-15,-1 18 16,1 0-1,0 0-15,-1-35 16,1 35-16,17 35 16,-17-53-1,-18-17 1,0-1 0,-18-34 46,-35-54-46,-35 18-16,0-70 15,-53-36 1,123 124-16,1 17 16,17 0-16,-18 1 31,18-18-16,0 17 1,18 0 15,-1 18-15,36 0-16,0 0 16,18 0-1,-36 0 1,18 18-1,-36 0-15,1-1 16,0-17-16,-1 35 16,1-17-1,-18 0 1,0 17 0,0-17-16,0-1 15,0 1 1,0 0-16,-18-18 94</inkml:trace>
+  <inkml:trace contextRef="#ctx0" brushRef="#br0" timeOffset="58413.66">13829 4480 0,'18'53'15,"-1"-35"-15,1 35 0,-1-18 16,1 0 0,0 1-16,-18-1 15,53 35 1,-18-34 0,-35-1-16,18-17 15,-18-1 1,17-17-1,-17-106 64</inkml:trace>
+  <inkml:trace contextRef="#ctx0" brushRef="#br0" timeOffset="58681.97">14076 4727 0,'17'0'16,"1"0"0,0 35-1,-1-35 1,1 18-16,0 0 15,-18-1 1,17-17 0</inkml:trace>
+  <inkml:trace contextRef="#ctx0" brushRef="#br0" timeOffset="58875.73">14164 4710 0</inkml:trace>
+  <inkml:trace contextRef="#ctx0" brushRef="#br0" timeOffset="59639.5">15381 4586 0,'0'-18'140,"18"1"-140,35-1 16,0 1-16,-36-1 16,1 18-1,35-18 1,-36 18-16,1 0 15,-18-17 32</inkml:trace>
+  <inkml:trace contextRef="#ctx0" brushRef="#br0" timeOffset="60225.57">15275 4233 0,'36'0'62,"16"0"-62,-16 0 16,17 0-16,35 18 16,-53 0-16,36-1 15,-36-17-15,0 0 16,1 18-1,-1 17 1,-18-35 0,1 35-1,0 18 1,-18-17 0,0-1-16,0 0 15,0-17 1,-18 17-1,-35 0 1,36-17 0,-1 0-16,18-1 15,-18-17 17</inkml:trace>
+  <inkml:trace contextRef="#ctx0" brushRef="#br0" timeOffset="61596.94">16863 3810 0,'17'18'78,"1"17"-78,0 0 16,-1 0-16,1 18 16,0-35-1,-1 0-15,-17-1 16,36 1-1,-36 0 1</inkml:trace>
+  <inkml:trace contextRef="#ctx0" brushRef="#br0" timeOffset="62852.85">16528 3634 0,'-18'0'16,"-17"17"15,35 1-31,0 17 16,-18-17-1,0 70-15,18-17 16,0 52-16,0-88 15,18 18-15,0-35 16,17 35 0,-17-36-1,-1 19 1,19-19 0,-19 19-16,18-19 15,-17 1 1,17-18-1,1 18 1,34-1 0,-34-17-1,-19 18-15,18-18 16,-17 0 0,17 0 15,-17-18-31,0 1 0,-1-1 15,19-17 1,-19 35 0,-17-18-1,18-17 1,-1 35 0,1-36-16,0 1 15,-18 18 1,0-1-1,0-17 1,0-1 0,0 19-1,0-19-15,-18 19 16,18-1 0,-18-17-1,18 17 1,-35 1-1,0-19 1,35 19-16,-71-54 16,54 71-1,-36-35 1,0 0 0,35 17-1,-17 18 1,17 0-16,1 0 15,-1 0 1,0 0 0,1 0-1,-1 0 1,0 0 0,1 0-16,-1 0 15,1 18 1,-1-18-1,18 17 1,-18-17-16,18 18 16,-17-1-16,17 1 31,0 17 63</inkml:trace>
+  <inkml:trace contextRef="#ctx0" brushRef="#br0" timeOffset="64613.12">17551 3810 0,'17'-35'203,"36"17"-203,35-35 15,-35 18-15,53-36 16,18 18 0,-71 18-1,-18 17 1,-17 18-16</inkml:trace>
+  <inkml:trace contextRef="#ctx0" brushRef="#br0" timeOffset="65261.78">17903 3334 0,'53'0'47,"36"0"-32,16 17-15,37 1 16,-37 0-16,-34-1 16,-36 1-1,-17-18-15,-1 0 16,-17 18 31,0-1-47,-17 36 15,-18 0 1,-89 106 0,54-89-1,17 19-15,0-1 0,-53 35 16,88-105 0,18 0-1</inkml:trace>
+  <inkml:trace contextRef="#ctx0" brushRef="#br0" timeOffset="66302.98">19315 2875 0,'-18'0'0,"18"-17"16,-35 17-1,-1 0-15,19 0 16,-89 0 0,-35 0-1,35 35 1,71-35-16,-71 53 16,71-36-16,-18 36 15,-53 71 1,71-89-1,-1 71-15,36-71 16,-17 106 0,17 18-1,17-124-15,54 71 16,-1-53 0,-17-35-1,247 35 1,-141-53-1,-36-18 1,-17-35-16,-53 18 0,0-18 16,-35 35-1,-18 1 1,0-1 0,0 0-1,0 1-15</inkml:trace>
+  <inkml:trace contextRef="#ctx0" brushRef="#br0" timeOffset="67469.55">19385 3475 0,'-17'0'31,"17"35"-15,0 0-1,0-17 1,0 0-16,0-1 16,17-17-1,1 0 95,-18-17-110,0-1 15,0 0 1,0 1-16,-18-1 16,18 0-1,-17 1 1,17-1-1,17 18 126,36-17-125,-18-1-16,-17 0 15,0 1 1,-18-1-16,0-17 16,0 17-1,0 0 1,0 1-1,-18 17 17,0 0-17,1 0-15,-1 17 16,18 1 0,0 17-1,0-17 1,0 0-1,0-1 1,0 1-16,35 0 16,18 17-1,18 0 1,-18-17 0,-53-1-1,17 1 1,-70 17 31,1-35-32,52 18-15,-18 0 16,18-107 62</inkml:trace>
+  <inkml:trace contextRef="#ctx0" brushRef="#br0" timeOffset="67783.7">19650 3016 0,'17'0'16,"1"0"15,0 0-15,17 36-16,0-1 16,0 0-16,1 18 15,34 18 1,-34-36-1,-36-18 1,17 1-16,-17 0 16,-17-18 31</inkml:trace>
+  <inkml:trace contextRef="#ctx0" brushRef="#br0" timeOffset="67995.64">19720 3246 0,'53'-36'63,"18"1"-63,-1 17 15,1-17-15,-18 0 16,-18 17 0</inkml:trace>
+  <inkml:trace contextRef="#ctx0" brushRef="#br0" timeOffset="69183.2">5768 4410 0,'18'0'32,"-1"0"-32,18 35 15,-17-17-15,53 52 16,-1-17-16,1 18 15,52 34-15,-70-52 16,88 18 0,-70-36-1,-1-17-15,1 0 16,-53-18 0,35 0-1,211-142 1,-176 89-1,353-211 1,-88 52 0,-88 36-16,-36-1 15,-106 89 1,-87 53 0,-19 53 93,19 35-93,16-1-16,-34 19 15,53 53 1,-18 52-1,-18-70 1,35 123 0,-52-176-1,-18-35-15,0 34 16,18-34 0,-18 0-1,0-1 1</inkml:trace>
+  <inkml:trace contextRef="#ctx0" brushRef="#br0" timeOffset="70503.55">5450 6809 0,'18'0'94,"0"0"-94,-1 0 31,1 0 0,0 17-31,17 19 16,-17-19-16,70 54 15,-53-54 1,-35 1 0,18-18-1,17 0 1,-17 0 0,17 0-16,35 0 15,1-18 1,70-70-1,35-88 1,18-36 0,-123 159-1,141-158-15,-71 87 16,-71 53 0,36 1-1,-53-1 1,-18 54-1,-17 52 95,0 18-95,-18-18-15,17 18 16,1 71 0,0-71-1,-18 17 1,17 18 0,-17-70-1</inkml:trace>
+  <inkml:trace contextRef="#ctx0" brushRef="#br0" timeOffset="76455">18768 11077 0,'0'-17'125,"0"-19"-109,0 19 0,17-19-1,1 1 1,0 17-16,17 1 16,0-18-1,-17 35 16,0 0-15,-1 0 0,36 0-16,106 17 15,-89-17 1,-34 18-16,17-1 16,0 1-1,-36-18-15,1 0 31,-18 18-31,0-1 16,17 19-16,-17 17 16,0 17-1,-52 18 1,-72 89 0,18-54-16,0-17 15,71-88 1,53-36 109,17 0-125,-17 1 15,17-1-15,-17 0 16,17 1 0,-18 17-1,1 0-15,0 0 16,35 0 0,17 17-1,1 1-15,17 0 16,-35-1-1,-35 1 1,-1 0 15,-17 17-15,0-17 0,0 17-16,0 35 15,0-17 1,0 53-1,-35-53-15,17-18 16,-17-17 0,-18 53-16,35-54 0,-52 1 15,52-18 1,-52 0 0,-19 0-1,37 0 1,34 0-16,0 0 62,1-18-62,-1 1 16,0 17 0,1-18-16,17 0 31,-18 18-16</inkml:trace>
+  <inkml:trace contextRef="#ctx0" brushRef="#br0" timeOffset="77907.85">19967 11624 0,'0'18'78,"35"17"-47,-35-17-31,18-1 16,0 36-1,-18-35-15,17-1 16,-17 1-1,0-36 126,0 1-125,0-18-16,0 17 15,0-17-15,0-1 16,-17 1 0,-1 0-16,18-1 15,0 19 1,0-1-1,35 18 48,1 18-47,34 17-1,-52-17-15,17-1 16,-35 1-16,18-18 15,17 35 1,-35-17 0,18 0-1,-18-36 79,-36-35-78,36 35-16,-17-17 15,17 0-15,0 17 16,0-35 0,0 36-1,17 17 16,19 0-15,-1 0 0,18 17-1,-18 19 1,36-1 0,-18 0-16,-36-17 15,1-18 1,0-18 78</inkml:trace>
+  <inkml:trace contextRef="#ctx0" brushRef="#br0" timeOffset="78533.49">20602 11377 0,'0'35'31,"0"-17"-31,0 0 16,0 17 0,0 0-1,36 36 1,-19-36-16,1 0 16,17-35-1,-17 0 32,-1-17-31,1-54-16,17-17 15,-17 0 1,0 35 0,-18 35-1,0 1 1,-18 17-1,0 0 1,-17 0 0,35 17-16,-18-17 15,18 35 1,-17-35-16,17 18 16,0 0-1,0-1 1,0 1 15,0 0-15,17-1-1,19-17 1,52 0 0</inkml:trace>
+  <inkml:trace contextRef="#ctx0" brushRef="#br0" timeOffset="79153.11">21096 11289 0,'18'0'15,"-1"18"1,-17-1-1,18 54 1,0-18 0,-18-36-1,0 1 1,0 0 0,0-71 62,-36-53-63,36-18-15,0 54 0,0 17 16,18 35 0,0 18 30,-1 0-46,36 35 16,-35 1 0,-1-1-1,19-17-15,-36 17 16,35 36 0,-17-36-1,-18-18 1,17 1-16,-17 0 15,18-18 1,35-124 47</inkml:trace>
+  <inkml:trace contextRef="#ctx0" brushRef="#br0" timeOffset="80280.45">21537 10918 0,'18'18'46,"-1"35"-46,19-18 16,-19-17-16,-17 35 16,36 17-16,-19-17 15,1 0 1,-18-17 0,0-19-1,0 36-15,0-35 16,0-1-1,-35-17 17,17-17-17,-35-1-15,35-35 16,-17 18-16,35 17 16,0 1-1,0-1 1,0 0 46,18 18-30,-1-17-17,19-1-15,-19 0 16,1 1-16,0-19 15,-1 1-15,1 0 16,-18-18 0,17-18-1,1 54 1,-18-18 0,0-18-1,0 35 1,0 0-16,18 18 0,-18-17 15,17 34 48,-17 1-63,36 17 16,-1 71-1,0 0 1,-17-71-1,0 18 1,-18-35-16,0-1 16,0-34 62,0-36-78,0-18 15,17 36-15,1-18 16,-18 35 0,17 1-1,1 17 1</inkml:trace>
+  <inkml:trace contextRef="#ctx0" brushRef="#br0" timeOffset="81726.5">19597 8731 0,'17'-17'47,"1"17"-31,88-53-16,0-18 16,88-17-16,35-18 15,-53 0-15,89-70 16,405-265-1,-52-71 1,-301 230 0,124-176-1,-88-19-15,-177 213 16,-70 105 0,-18 18-16,71-212 15,-124 230 1,1-142-1,-36 0 1,-18 71-16,-105-211 16,17 87-1,-35 36 1,-159-318 0,70 212-1,1 88 1,-88-52-16,211 263 15,-476-369 1,141 193 0,0 54-1,317 175 1,-352-87 0,264 88-16,-246 17 15,-213 18 1,-228 70-1,405 1 1,-141 0 0,123 17-16,54-35 15,-36 35-15,-106 0 16,300-53 0,-105 71-1,246-35 1,124-36-1,17 0 1,0-17 0,1 88-1,-36 0 1,53-71 0,-18 35-16,-35 72 15,18 34 1,17-106-16,1 107 15,17-1 1,0-88 0,0-35-1,0-17 1,0-19 0,0 1 30,0 0-30,0-1 0</inkml:trace>
+  <inkml:trace contextRef="#ctx0" brushRef="#br0" timeOffset="82700.83">18627 8237 0</inkml:trace>
+  <inkml:trace contextRef="#ctx0" brushRef="#br0" timeOffset="83503.63">19562 10513 0,'0'-18'62,"0"-17"-46,0 17 0,0-52-16,0 17 15,0 17-15,-18-105 16,-53-159 0,1 89-16,-230-565 15,124 282 1,17 106-1,-229-547 1,0 71 0,335 740-1,-124-352-15,89 194 16,35 176 0,36 35-16,-19 18 15,19 0 1,17 36-1,0-1 64,-18 18-64,18-17 1,0-1-16,0 0 47</inkml:trace>
+  <inkml:trace contextRef="#ctx0" brushRef="#br0" timeOffset="84154.48">17427 4815 0,'0'0'0,"-35"106"0,0-53 15,17 0-15,-35 123 16,53-105 0,0-18-16,-18-18 15,18 1 1,0-54 62,0-35-62,0-53-16,18 53 15,0 36 1,-1-19-16,-17 19 0,18-1 16,0 18 109,-1 0-125,1 0 15,0 0-15,-1 0 16,18 18-16,18 35 15,-17-18 1,-1-18 0</inkml:trace>
+  <inkml:trace contextRef="#ctx0" brushRef="#br0" timeOffset="85352.91">2346 11977 0,'0'-18'62,"18"18"-31,-18-17-15,0-36-16,17 0 16,19-177-1,-36-69 1,0 52-16,0-71 16,-36 195-1,-70-89 1,1 88-1,34 89 1,18 0-16,0 17 16,-35 1-16,70 17 15,-17 17 1,-35 124 0,17-17-1,17 17 1,19 35-1,17-70-15,0-53 0,35 123 16,53 54 0,18-36-1,53 141 1,35 0 0,-141-229-1,105 176-15,-140-229 16,70 123-1,-70-105 1,-71-89 93,0-35-93</inkml:trace>
+  <inkml:trace contextRef="#ctx0" brushRef="#br0" timeOffset="87309.54">2364 12665 0,'0'-18'16,"17"18"0,1-18-1,0 18 1,-1-17-1,-17-1 1,18 18 0,-1-17-1,1 17 1,0-18 0,-1 0-1,1 1-15,0-1 16,-1 18-16,1-35 15,-18 17-15,18-17 16,-18 17 0,0 0-1,0 1 1,17 17 187,18-35-187,-17 17-16,17-35 15,-35 35 1,18 1-16,-18-1 16,0 0-1,0 36 95,0 0-95,0 17-15,0 0 16,0 1-1,18-1 1,-18 0 0,35 0-1,-17-17-15,17 0 16,0-18 0,-17 0-1,88-18 1,-71-17-1,18-1 1,0-34-16,-36 70 16,-17-53-1,0 35 1,0 1 0,0-1-1,0 0 1,-17 18-1,-1 0-15,0 0 16,1 0-16,-1 0 16,-17 0-16,35 18 15,-18 17 1,18-17 0,0 0-1,0-1-15,0 1 16,0 0-1,0 17 1,18 0 0,0-35-1,-1 0 1,1 0 15,-1-18-15,19-34-16,-1-1 15,0-18-15,-35 36 16,0 17 0,0 36 62,0-1-78,0 1 15,0-53 48,0-18-47,0 0-16,0 18 15,0-1-15,0 19 16,36 17 109,-19 17-110,71 54 1,-17-18-16,-36-18 16,36 36-1,-54-36 1,19 36 0,-19-19-16,-17-16 15,0-19 1,0 1-16,0 0 15,-17-18 48,17-18-47,-18 0-1,0-17-15,1-124 16</inkml:trace>
+  <inkml:trace contextRef="#ctx0" brushRef="#br0" timeOffset="87677.84">3634 11783 0,'17'0'16,"1"35"-1,0 0-15,17 1 16,-18-19 0,1 36-16,17-18 15,-35 1 1,18-36-1,-18 17 17,-71-175 30</inkml:trace>
+  <inkml:trace contextRef="#ctx0" brushRef="#br0" timeOffset="87892.76">3369 11254 0,'18'0'93,"-18"-18"-77</inkml:trace>
+  <inkml:trace contextRef="#ctx0" brushRef="#br0" timeOffset="88582.72">3722 10672 0,'35'35'31,"0"53"-31,1 0 15,-19 0-15,54 71 16,-36-18 0,0-53-16,1 18 15,-1-18 1,-17 1-16,17-54 16,-17 71-1,-1-89 1,-34-87 46,-1 17-46,0 0-16,18 35 16,0-17-1,0 17-15,0 1 16,0-1-1,18 18 17,0 0-32,-1 0 15,18 0 1,-17 0 0,-18 35-1,18-35 1,-18 18-16,17 35 15,-17-18-15,0 54 16,-53-19 0,18-35-1,0 1 1,17-36 15,1-36-15,-1-69-16,18 16 15</inkml:trace>
+  <inkml:trace contextRef="#ctx0" brushRef="#br0" timeOffset="88917.82">4180 11007 0,'53'35'0,"-35"35"16,17-17-16,1-17 16,-1 34-16,-18-34 15,1-1 1</inkml:trace>
+  <inkml:trace contextRef="#ctx0" brushRef="#br0" timeOffset="89537.67">4392 11324 0,'18'-35'109,"-1"0"-93,-17-1-16,18 1 15,0-18-15,-1 18 16,-17-18-16,18 18 15,-18 52 79,-18 1-94,18 0 16,0-1-16,-17 1 15,17-1-15,0 19 16,0-19 0,0 1-16,0 0 15,0-1 1,17-17 15,-17 18-15,36-18-16,-19 0 15,18 0-15,54 0 16,-72-18 0,1 1-1,0 17 17,-18-18-32</inkml:trace>
+  <inkml:trace contextRef="#ctx0" brushRef="#br0" timeOffset="90436.77">5680 10425 0,'0'0'0,"-18"0"16,0 0-16,1 0 16,-1 0-1,1 17-15,-19 19 16,19 16-16,-1-34 15,0 35 1,18-18 0,18-52 62,35-1-63,-18-17 1,-17 17-16,17 0 0,-35 1 16,18-1-1,-18 1 1,0-1 0,0 0-1,0 1 1,35 34 78,-35 1-79,18 17-15,-1-17 16,19-1-1,-19 1 1,-17-53 62,18-53-62</inkml:trace>
+  <inkml:trace contextRef="#ctx0" brushRef="#br0" timeOffset="90770.63">5838 10354 0,'36'0'62,"-19"53"-46,19-35-16,-36-1 16,17 1-1,-17 0-15,0-36 63,0-35-48,0 0 1,0-35-16,36 0 16,-19 35-16,1 35 15,-18 0 1</inkml:trace>
+  <inkml:trace contextRef="#ctx0" brushRef="#br0" timeOffset="91738.58">6121 10125 0,'17'0'16,"1"0"62,0 0-78,-1 0 15,-17-18 1,18 18-16,-18-18 0,-18 18 109,1 18-109,17 0 16,-18-18 0,18 17-1,0 1 1,0 0-16,0-1 15,18 1 1,35-18 0,-18 0-1,18 0 1,0 0 0,-36-35-16,19-18 15,-19 17 1,-17 19-16,0-1 15,0 1 17,-35 17-17,17 0 1,1 0 0,17 17 30,0 1-46,0-1 32,0 1-17,35-18-15,-17 0 16,34 0 0,1 0-16,0-35 15,18 0 1,-53 35-1,17 0 1,-18 0 0,1 0 31,0 17-16,-1 1 0,1-1-15,35 19-16</inkml:trace>
+  <inkml:trace contextRef="#ctx0" brushRef="#br0" timeOffset="96636.72">512 8184 0,'0'18'32,"0"17"-17,0 1-15,35 52 16,18 0-1,-53-70 1,17 17-16,1 0 16,-18-17 15,0-36 94,0-17-109,0 17-16,-18-35 15,-35-70 1,36 105-16,-18-140 15,35 52 1,0 70 0,0-69-1,0 16 1,0 72 0,17-1-16,1 18 46,-1 0-46,1 0 16,17 18 0,18 52-1,0-52-15,18 88 16,17 17 0,-70-70-1,17 0 1,-18 0-1,-17-35-15,-17-18 79,-1-53-64,-17 17-15,17-16 16,-17 16-16,35 1 15,-18-18-15,1 18 16,17-36 0,0 54-16,0-19 15,0 1 1</inkml:trace>
+  <inkml:trace contextRef="#ctx0" brushRef="#br0" timeOffset="96887.66">952 7673 0,'0'0'0,"89"53"0,-72-53 16,54 70-16,-18-34 15,0 17 1,-36-36-16,19 19 16,17 34-1,-53-52 1,17-18-1</inkml:trace>
+  <inkml:trace contextRef="#ctx0" brushRef="#br0" timeOffset="98186.66">1464 7691 0,'-18'0'16,"1"0"0,-1 0-1,0 17 1,18 1-16,0-1 0,0 1 15,0 17 1,0-17 0,0 17-1,18-35 79,-18-17-94,0-1 16,18 0-16,-18-35 31,17 36-31,-17-36 16,0 35 15,18 18 31,17 18-62,-17 17 16,17-17-16,-17-1 16,0 19-16,17-19 15,-35 1 1,0-36 31,0-17-32,0 0-15,0-18 16,0 35 0,17 18 15,1 0-31,0 36 15,-1-1 1,1 0 0,0-17-16,-1 52 15,1-17 1,-18-35 0,0-36 62,0-17-78,0 0 15,0-18 1,0 17 0,0 19-16,18-36 15,-18 35-15,35-17 16,-18 17-1,1 18 1,0 0 0,35 36-1,0-19 1,-36 19-16,18-19 16,1 18-1,-36-52 110,0-1-125,0-17 16</inkml:trace>
+  <inkml:trace contextRef="#ctx0" brushRef="#br0" timeOffset="99077.68">2258 7250 0,'0'17'63,"35"18"-48,-35 18-15,35 0 16,1 53 0,-1-53-16,18 35 15,-36-52-15,1 16 16,0-16 0,-1-1-1,-17-17 1,0-36 62,0-17-78,-35-18 16,17 0-16,-17-35 15,35 52-15,-35-16 16,17-19-1,18 36 1,0 17 0,0-17-16,0-1 15,0 19 1,18 17-16,0-18 16,34-35-1,-34 53 1,0-17-1,-1 17-15,1 0 32,0 17-17,17 1-15,-17 35 32,-1-18-17,-17-17-15,0 17 16,0 0-1,-17 1 1,-1-36-16,18 17 16,18-17 77</inkml:trace>
+  <inkml:trace contextRef="#ctx0" brushRef="#br0" timeOffset="99775.02">2769 7285 0,'18'0'32,"-18"17"-17,0 1-15,18 17 16,-1 1-1,1-19-15,-18 1 16,35 0 0,-17-18 46,-18-18-62,53-17 16,-53-18-16,35 17 15,-35 19 1,18-1-16,-18 1 16,0-1-16,0 0 31,-18 18 47,0 0-62,1 0 15,17-53 94</inkml:trace>
+  <inkml:trace contextRef="#ctx0" brushRef="#br0" timeOffset="100697.99">2963 7144 0,'18'0'16,"-18"17"0,18 1-1,-1 0 1,-17-1-1,18-17 32,0-53-31,-1 0-16,-17 36 16,18 17 30,-18 17-30,35-17 0,-17 18-16,17 0 15,-17-1 1,-1-17 0,1 0-1,0 0 1,-18-35-1,17-35-15,1 52 16,-18 0 0,17 18 31,19 0-16,-19 0-16,19 0-15,-1 0 16,-17 0 0,17 0-1,-18 0-15,19-35 16,-36 17 0,0-17-1,0 0 1,0 17-1,0 53 32,0-17-31,0 0-16,0-1 16,0 1 30,17-18-46,1 0 16,0 0 0,-1 0-1,19 0 1,-36-18 0</inkml:trace>
+  <inkml:trace contextRef="#ctx0" brushRef="#br0" timeOffset="101671.6">811 14058 0,'0'-17'15,"0"-1"17,36-35-17,-1 35 1,0-35-16,36 18 15,105-106 1,71 0 0,-141 70-16,123-70 15,-123 71 1,0-36 0,-53 71-1,-18 17 1</inkml:trace>
+  <inkml:trace contextRef="#ctx0" brushRef="#br0" timeOffset="102322.64">1164 13917 0,'18'0'78,"-1"0"-47,1-35-31,17 35 16,1-53-16,69 0 15,1 18-15,0-18 16,106-71 0,-53 36-1,-107 70 1,-16-34-1,-19 34-15</inkml:trace>
+  <inkml:trace contextRef="#ctx0" brushRef="#br0" timeOffset="103080.73">1429 12982 0,'0'-17'31,"35"17"-15,53-36-16,-17 19 15,-1-19 1,36 19-16,18-1 16,87-17-1,-158 35-15,-35 0 0,17 0 31,-17 0-15,-18 17 0,17 19-1,19 52-15,-36-35 16,0 53 0,0-36-1,0 54 1,-36-18-1,1-18-15,-18 0 16,-17 53 0,70-123-1,-36 52 1,1-34 0,35-19 15</inkml:trace>
+  <inkml:trace contextRef="#ctx0" brushRef="#br0" timeOffset="108332.56">4551 5592 0</inkml:trace>
+  <inkml:trace contextRef="#ctx0" brushRef="#br0" timeOffset="109152.89">3828 5733 0,'17'0'110,"19"-36"-95,-19 36-15,36-35 16,0 0-16,53 0 15,17-1-15,-87 1 16,122-18 0,-52 0-1,-88 36 1,-1-1-16,19 18 16,-36-18 93</inkml:trace>
+  <inkml:trace contextRef="#ctx0" brushRef="#br0" timeOffset="109973.7">4516 5221 0,'17'0'78,"18"0"-78,1 0 16,-19 0-16,19 0 16,-1 0-16,0 0 15,-17 0 1,-1 0 0,1 0-1,-18 18 1,0-1 31,0 19 0,-35-1-47,17-17 15,-35 35-15,18-18 16,-18 0-16,53 0 15,-70 36 1,70-53 0,-18-1-16,18 1 31,0-1 47</inkml:trace>
+  <inkml:trace contextRef="#ctx0" brushRef="#br0" timeOffset="128404.65">8731 12559 0,'0'0'0,"-17"0"0,-1-35 16,0 35-16,18-18 16,-17 18-1,-1 0 16,0 0-31,1 0 47,-1 0-31,-17 0-16,0 0 16,17 18-1,0-1 1,1 1-16,-1 0 15,-17 52 1,35-35 0,0 1-1,0-19-15,0 19 16,17-19 0,19 18-1,69 18 1,-52-35-1,106 0 1,-141-18 0,17 0-16,0 0 15,-17-18 32,-18 0-31,0 1-16,18-54 15,-18 18-15,0-17 16,0 17-16,0 35 16,0-70-1,0 70 1,0 1 0,0 34 62,0 36-63,35-17-15,-17 16 16,-1-16 0,18 17-16,1 35 15,34 88 1,1-35-1,-36-17-15,0 105 16,-35-123 0,0-36-1,0-17 1,-35-17 0,18-36-1,-1 0 1,-17 0-16,-36-53 15,-70-35 1,17-1 0,-87-69-1,140 87 1,36 53-16,35 1 62,35-1-62,36-35 16,17 18 0,53-18-16,-17-17 0,158-54 15,-88 53 1,-88 36 0</inkml:trace>
+  <inkml:trace contextRef="#ctx0" brushRef="#br0" timeOffset="129597.94">9719 12682 0,'0'-17'78,"0"-1"-78,0 0 15,0-17-15,0 18 16,0-19 0,0 19-16,-35-19 15,-1 19 1,19-1 0,-18 18-1,-36 35 1,18 18-1,35 18-15,1 17 16,17 0 0,35 0-1,-17-70 1,35 17 0,-18-17 15,0 0-31,-17-18 0,35 0 15,35 17 1,18-17 0,-53-53-1,-36 36-15,54-72 0,-36 1 16,-17 71 0,-18-72-1,-18 54 1,18 18-1,0-1-15,0 36 63,0-1-47,0 18-1,0 1 1,0 17-1,0-18-15,35 18 16,-35-36 0,0 1-1,0-36 48,-17-52-63,-1 17 15,1 0-15,17-17 16,0 52 0,0-88-16,0 71 15,17-1 1,1 36 15,70 18-15,-35 0-1,70 35 1,-52 17 0,-53-70-1,-1 18-15,1 0 32,0-18-1</inkml:trace>
+  <inkml:trace contextRef="#ctx0" brushRef="#br0" timeOffset="129896.83">10619 12435 0,'17'0'31,"1"18"-31,-18 0 16,18 17-16,-1 0 16,1 1-16,-1-19 15,-17 18 1,18-17-1,-36-53 32,1-18-31,-107-124-16</inkml:trace>
+  <inkml:trace contextRef="#ctx0" brushRef="#br0" timeOffset="130124.52">10354 11994 0</inkml:trace>
+  <inkml:trace contextRef="#ctx0" brushRef="#br0" timeOffset="130956.66">10795 12277 0,'18'0'15,"-1"0"1,1 0 0,-18 35-1,35 0 1,0 18 0,-17-18-16,0-17 15,52 53 1,-52-54-16,17 36 15,-35-35 1,0-53 47,0-18-63,0 0 15,18-53 1,-18 35-1,17 18 1,-17 36-16,18-1 16,17 0-1,-35 1-15,36-1 16,17 18 0,-18 0-1,71 0 1,-71 0-1,-17 18-15,70 52 16,-35-34 0,-36-36-1,1 35 1</inkml:trace>
+  <inkml:trace contextRef="#ctx0" brushRef="#br0" timeOffset="131350.98">11624 12153 0,'0'18'31,"0"-1"-15,0 1-16,0 0 31,18-1-31,17 19 16,-17-19 0,-1 1-1,1-18 1,17-35 15,-35 17-15,35-53-16,-17 19 15,-18 16 1,35-70 0,-35 54-16</inkml:trace>
+  <inkml:trace contextRef="#ctx0" brushRef="#br0" timeOffset="132189.09">12277 12012 0,'0'0'0,"17"-35"94,-17 17-94,0-17 16,0 17-16,0-17 15,0 17 1,-17 18 15,-1 0-31,-17 0 16,17 18-16,-35 35 16,36 0-1,17-18 1,0-17-1,0-1 1,0 1 0,0 0-1,17-18-15,1 0 16,35 0 0,-18 0-1,36 0 1,-36-36-16,0-52 15,-35 71 1,0-54 0,0 53-1,0 1 1,-18-1 0,18 36 30,0-1-30,0 1 0,0 17-1,36-17-15,-1 17 16,-17-17 0,-1-1-1,-17 36 16,0-17-15,0-1-16,-53 0 16,0-17-1,1-1-15,16 1 16,19-18 0,-54 18-1</inkml:trace>
+  <inkml:trace contextRef="#ctx0" brushRef="#br0" timeOffset="132769.62">13476 11536 0,'53'-35'78,"35"-18"-62,-35 35-16,35-17 15,1-18 1,-37 18-16,-34 35 16,17-36-1</inkml:trace>
+  <inkml:trace contextRef="#ctx0" brushRef="#br0" timeOffset="133250.14">13564 11112 0,'0'0'0,"212"-17"16,-141-1-16,-19 18 15,1 0 1,18 0-16,-53 0 16,-18 18 15,0 17-16,0-17 1,-18 52 0,0-34-16,-17 17 15,17-36 1,-17 1 0,70-18 46,-17 0-46,105 0-1</inkml:trace>
+  <inkml:trace contextRef="#ctx0" brushRef="#br0" timeOffset="133924.18">14411 10954 0,'0'17'31,"-18"19"1,18 17-17,0-36-15,0 1 0,0-1 16,0 1-16,53 0 31,-17-18-15,-19 0-1,1 0 1,-1 0 0,1-36-1,0-16 1,-18 34-16,0 0 15,0-35 1,0 36 0,0-1-16,0-17 15,-18 35 1,0-18 0,-17 18-1,18-17 1,-1 17-16,-17 0 15,-1 0 1,19 0-16,-1 17 16,36-17 46</inkml:trace>
+  <inkml:trace contextRef="#ctx0" brushRef="#br0" timeOffset="134506.85">14711 10760 0,'0'0'0,"-18"0"16,18 17 0,0 1-1,0 0 16,0-1-15,0 1 0,18 0-1,-1-18 1,1 17 0,17-17-16,-35 18 15,0-1 16,18-17-31,-18 18 16,0 0 0,0-1-1,0 19-15,-35-36 16,35 17 0,-18-17 30,18-35 1,71-53-47</inkml:trace>
+  <inkml:trace contextRef="#ctx0" brushRef="#br0" timeOffset="134909.39">15117 10513 0,'17'17'62,"1"-17"-62,-1 36 16,1-19-16,0 1 16,-1 17-16,-17 1 15,18-36 1,0 35-16,-18-18 15,0 19 1,0-19 0,-18 1-1,0-18 1,-35 0 0,-70 0-16</inkml:trace>
+  <inkml:trace contextRef="#ctx0" brushRef="#br0" timeOffset="135268.75">14905 10707 0,'17'0'63,"-17"-18"-63,36 1 15,17 17-15,35-53 16,-18 35 0,19-17-1,-72 35 1</inkml:trace>
+  <inkml:trace contextRef="#ctx0" brushRef="#br0" timeOffset="135861.1">15540 10213 0,'18'0'47,"-1"18"-31,1-1-1,-1 18-15,1-17 16,0 17 0,35 36-16,-18-36 15,0 1-15,-35-19 16,35 1-1,-35-1 17,18-17 15,17-35-47,18 18 15,124-89 1,-124 70-1,35-17 1,-35 1-16,0 34 16</inkml:trace>
+  <inkml:trace contextRef="#ctx0" brushRef="#br0" timeOffset="136138.6">16334 10195 0,'17'0'62,"-17"18"-46,0 0-16,18-18 15,-18 17-15</inkml:trace>
+  <inkml:trace contextRef="#ctx0" brushRef="#br0" timeOffset="137340.6">16104 9931 0,'71'0'125,"35"17"-125,-53-17 16,17 18-16,36-18 16,-71 0-1,-17 0 1,0 0-16,-36 0 156,0 18-140,1-1-1,17 1-15,0 0 16,-18-18 0,18 17-16,0 1 15,0-1 16,35 1 1,-17-18-32,17 0 15,18 18-15,-18-18 16,36 0 0,-53-18-16,-1 0 15,1 1 1,-18-1-1,0 1-15,0-1 16,0-17-16,0 17 156,35 18-140,0-35 0,-35 17-16,0 0 15,0 1 16,18 17 63,0 0-78,17 17-1,-17 19-15,-1-36 16,19 53 0,-19-36-1,-17 19 1,0-1 0,0-18-1,0 1 1,-17-18-16,-1 18 15</inkml:trace>
+  <inkml:trace contextRef="#ctx0" brushRef="#br0" timeOffset="138923.17">10619 14182 0,'35'0'78,"-17"53"-78,-1-36 15,36 54 1,18 35-16,-54-53 0,54 35 16,-1 18-16,-70-71 15,71 88 1,-36-35 0,0-17-1,-35-53 1,18 35-16,0-36 15,-36-34 64,-17-36-79,-53-71 15,35 54 1,-18-36-16,1 0 15,-36-53 1,35 53-16,36 1 16,17 52-1,18 35-15,0 0 16,0 1 0,0-19-1,18-16 1,17 16-1,53 1 1,-17 0 0,0 17-16,-19 0 15,90 18 1,-72 0 0,-52 0-16,35 18 15,-18 17 1,-17 18-1,-18-17 1,17 52 0,-17-53-1,-17 71-15,-54 0 16,53-89 0,-105 54-1,105-36-15,-17-35 16,0 18-1,17-18 1</inkml:trace>
+  <inkml:trace contextRef="#ctx0" brushRef="#br0" timeOffset="140094.71">11783 14393 0,'0'-17'31,"17"17"-15,-17-18 77,18-52-77,0 52-16,-1-17 16,-17-1-16,0 1 15,0 0 1,0-1 0,-17 36-1,-19-17 1,19 17-16,-36 0 0,18 0 15,-71 35-15,70-17 16,-34 35 0,52-18-1,1 18 1,17-18-16,0-17 31,0-1-15,0 1-16,35 0 15,-17-1 1,-1 1 0,1-18-16,-1 18 15,1-18 1,53 17 0,-1-17-1,-34 0 1,-19 0-16,36-35 0,-18 17 15,-17 1 1,0-1 0,-1-17-1,-17 17 17,0 1-1,0-1-16,0 0-15,0-17 16,0 17 15,18 18 47,-18 18-62,35 0-16,-17-1 16,17 1-16,-17 0 15,-1-1-15,-17 1 16,0-36 62,0-17-62,0 0-16,0-18 0,0 17 15,0 1 1,36-18 0,-36 36-16,17 17 15</inkml:trace>
+  <inkml:trace contextRef="#ctx0" brushRef="#br0" timeOffset="141563.6">12171 13212 0,'17'0'31,"1"17"-15,-18 1-1,53 35-15,0 35 16,17 71 0,-52-124-1,0 0-15,17 36 16,-35-36-1,18-17 1,-1 17-16,-17-17 94,0-1-79,18-17 1,-18 18-16,0 0 31,18-18-31,-1 17 16,-17 36 0,18-35-16,0 17 15,-18-53 141,0-17-156,0 17 16,0-17-16,0-35 16,0-1-1,0 0 1,0 36-16,0-18 16,17 18-1,1 35 16,-1 18-15,36 17 0,18 18-1,-36-36 1,18 19-16,-53-1 16,18-35-16,-18 18 15,17-1 1,1-17-1</inkml:trace>
+  <inkml:trace contextRef="#ctx0" brushRef="#br0" timeOffset="142280.6">12965 13441 0,'-18'0'32,"18"17"-32,0 1 15,0 0-15,0 52 31,18-34-15,-1-1-16,19 0 16,-36-17-16,35 17 15,-18 0 1,1-35-16,0 0 16,-1 0 30,-17-17-46,18-1 16,0-35 0,-1 18-1,1 17-15,-18 1 16,0-19 0,0 19-16,0-19 15,0 19 1,-18 17 15,18-18-15,-17 18-1,-1 0 17,0 0-17,1 18 1,-1-18-16</inkml:trace>
+  <inkml:trace contextRef="#ctx0" brushRef="#br0" timeOffset="142743.46">13176 13370 0,'0'18'0,"18"17"15,0 0-15,-1-17 16,18 17-16,-17 1 16,17-19-1,18 19 1,-35-19-1,0-17 32,-1-17-31,-17-19 0,18 1-1,-1-36-15,-17-17 16,0 71-1,0-36 1,0 35 0</inkml:trace>
+  <inkml:trace contextRef="#ctx0" brushRef="#br0" timeOffset="143733.94">13494 13282 0</inkml:trace>
+  <inkml:trace contextRef="#ctx0" brushRef="#br0" timeOffset="145118.76">13617 13159 0,'35'0'93,"-17"53"-77,53-1 0,-54-16-16,1 17 15,17 0 1,-35-89 62,-17-17-62,-1 0-16,18 1 15,0 16-15,0-17 16,0 18-16,0 0 15,0 17-15,0 1 16</inkml:trace>
+  <inkml:trace contextRef="#ctx0" brushRef="#br0" timeOffset="146693.5">6932 13652 0,'0'36'94,"18"70"-79,-18-53 1,17 52-16,-17-34 16,18 52-1,17 177-15,-17-194 16,0 88-16,-1-70 15,18 175 1,-17-193 0,17 53-16,-17-71 15,0 18-15,-1-71 16,1 18 0,-18-35-1,0 0 48,18-18 30,-1 0-77,1 0-16,35-18 16,35 18-16,0-18 15,230-52 1,-124 34 0,17-16-16,19-1 0,-72 17 15,178-52 1,-89 0-1,-212 70 1,0 1 0,-35-19 156,0 1-141,-53-53-31</inkml:trace>
+  <inkml:trace contextRef="#ctx0" brushRef="#br0" timeOffset="147280.65">9013 14905 0,'53'0'125,"-35"17"-110,70 19-15,-17-19 0,-54 1 16,72 35 0,-19-35-16,-35 17 15,1 0 1,-1 0 0,-17-35-1,-18 18-15,0 0 16,0-1-1,0 19 1,-18 34 0,0-17-1,-52 35-15,17-35 16,35-17 0,1-36 62,52-18-47,194-53-15</inkml:trace>
+  <inkml:trace contextRef="#ctx0" brushRef="#br0" timeOffset="147927.85">14817 12806 0</inkml:trace>
+  <inkml:trace contextRef="#ctx0" brushRef="#br0" timeOffset="149995.82">14041 12153 0,'0'53'63,"0"18"-48,17 34-15,18-16 16,1 69-16,-1-69 15,0 69 1,36 107 0,-36-159-1,0 0-15,1 17 0,-1 1 16,-17-89 0,-1-18-16</inkml:trace>
+  <inkml:trace contextRef="#ctx0" brushRef="#br0" timeOffset="150641.04">14517 13018 0,'35'35'47,"-35"0"-31,18-35-16,-1 18 15,-17-36 63,36-35-62,-19 53 0,1-17-16,0 17 15,-18-18 1,17 18 62,1 0-62,35-53-1,-36 35-15,19 1 16,-1-1-1,-17-17-15,17 35 16,-18-18 0</inkml:trace>
+  <inkml:trace contextRef="#ctx0" brushRef="#br0" timeOffset="152546.5">13159 15064 0,'0'35'172,"17"0"-156,-17 0-16,0 1 15,36 17-15,-19 0 16,1-1-1,17 72 1,-17-89-16,-1 36 16,-17-36-16,36 0 15,-36-17 1,0 0 0,0-1-1,17-17 1,-17 18-16,18-18 15,0 35 1,-18-17 0,17-1-1,1-17 173,35-17-173,17-18-15,-17-1 16,53 1-16,141-53 16,-106 35-1,-17 18-15,-36-1 16,123-34 0,-193 70-1,0 0-15</inkml:trace>
+  <inkml:trace contextRef="#ctx0" brushRef="#br0" timeOffset="153112.85">14199 15099 0,'18'0'78,"88"18"-63,-53-18-15,0 17 16,-18 18-16,18-17 16,0 17-1,-36 1-15,19 17 16,-19-36 0,1 18-16,-18-17 15,0 70 1,0-17-1,-35-1 1,17-17-16,-17-35 16,-1 0-16,36-1 15,-52 1 1,34-18 0,0 0-16,1 0 46</inkml:trace>
+  <inkml:trace contextRef="#ctx0" brushRef="#br0" timeOffset="154372.62">15416 14834 0,'0'-17'32,"18"-19"-32,0 36 15,-1-35-15,1 35 16,0 0 109,-1 35-110,1 1-15,0-19 0,-18 1 32,0 0-32,0-1 15,0 18 1,0-17-16,0 0 16,-36 17-1,36-17 1,18-1 140,35 1-140,-18 0-16,0-1 15,-17 1-15,0 0 16,-1-1 0,-17 1-1,18-18 1,-18 17-1,-18 19 1,1-36 0,-54 0-1,36 0 1,-36 0 0,1 0-16</inkml:trace>
+  <inkml:trace contextRef="#ctx0" brushRef="#br0" timeOffset="156062.62">15910 14799 0,'0'35'78,"18"1"-62,0-1-16,-1 0 16,18 0-1,-35-17-15,18 17 16,-18-52 78,0-1-79,-35-53-15,17 19 16,18 16-16,0 1 16,0 0-1,0-1-15,0 19 16,0-1-1,0 1-15,18 17 63,-18 17-63,53 18 16,-36-17-1,19 35-15,17 18 16,-53-54-1,17 18 1,-17-52 47,-17-18-63,-1 17 15,18 0-15,0 1 16,0-1-16,0 0 15,0 1 1,18-19-16,17 36 16,-18-17-1,36 17 1,-35 0 0,17 0-1,1 0 1,-36 17-16,35 19 15,0-19 1,-35 1 0,18 0-1,-1-1 1,19-17-16,-19 0 16,1 0-1,-18-53 1,18 36-16,-18-1 15,0-17 1,0 0 0,0 17-16,0 36 125,0-1-110,0 1-15,0-1 16,0 1-16,0 17 16,35-17-1,-35 0 1,18-18-1,-1 0 32,-17-18-47,18 0 16,-18-17-16,17 17 16,-17-34-1,0 34 1,0 0-1,-17 1 1</inkml:trace>
+  <inkml:trace contextRef="#ctx0" brushRef="#br0" timeOffset="156793.82">16616 14623 0,'17'0'15,"-17"17"1,18-17 0,17 36-16,-17-19 15,0 18 1,-18-52 78,0-36-94,0 35 15,0-17-15,0 17 16,0-17-16,0 17 15,0 1 1,0-1 0,17 18 62,1 0-78,35 18 15,-35-1-15,-1-17 16,1 18 0,-1-18 15,1 18-15,0-18-16,-18 17 15,17-17 1,-17 18-1,18 0-15</inkml:trace>
+  <inkml:trace contextRef="#ctx0" brushRef="#br0" timeOffset="157268.54">16898 14058 0,'35'18'125,"-35"17"-125,18-35 15,35 71-15,-35-54 0,-1 19 16,18 17 0,1-1-1,-36-34 1,17 17 0,-17-17-16,18 0 31,-18-1-31,18-17 15,-18 18 1,0 0 15,-18-1-15</inkml:trace>
+  <inkml:trace contextRef="#ctx0" brushRef="#br0" timeOffset="157589.66">16880 14482 0,'0'-18'78,"53"0"-63,0-17-15,-17 17 16,-1-17-16,0 17 16,-17-17-16,-1 18 15,1-19 1,0 36-16,-18-17 15,0-36-15</inkml:trace>
+  <inkml:trace contextRef="#ctx0" brushRef="#br0" timeOffset="158261.88">17145 14023 0,'18'18'47,"-18"-1"-32,17 18-15,1-17 16,17 53 0,-35-54-1,35 54-15,-17-53 16,0 17-1,-18-18 1,17-17 0,1-17 62,-18-18-78,0-1 15,35 36-15,-35-35 16,18 35 0,0-18-16,-1 18 62,1 0-31,-1 0 16</inkml:trace>
+  <inkml:trace contextRef="#ctx0" brushRef="#br0" timeOffset="158967.79">18697 14076 0,'0'-18'47,"18"18"-32,17 0-15,71-17 16,-53-1-16,53-17 16,0 17-1,17-17 1,-35 17-16</inkml:trace>
+  <inkml:trace contextRef="#ctx0" brushRef="#br0" timeOffset="159497.21">18609 13564 0,'18'0'31,"-1"0"-15,36 0-16,18 36 15,35-19-15,17 18 16,53 1 0,-17-1-16,71 36 15,-178-71 1,-34 17-16,0-17 16,-18 18 30,0 0-46,0-1 16,0 18-16,-36 1 16,1-1-16,-88 88 15,87-105 1,-34 53 0,-1-18-1</inkml:trace>
+  <inkml:trace contextRef="#ctx0" brushRef="#br0" timeOffset="161483.54">21008 13441 0,'70'-35'78,"-17"17"-62,-17-35-16,-1 35 16,18-52-1,-36 70 95,1 0-95,0 0 1,-1-18-16,54-17 16,17-18-1,-35 35-15,18-35 16,-18 18-1,35 0-15,-35 17 16,-36 18 0,19-17-1,-19 17 1,19 0 0,16 0-1,1 0 1,36 0-1,-19 0 1,-35-18 0,36-17-1,-36-1 1,0 19-16,18-19 16,36-16-1,-54 34 1,106-35-1,-18 53 17,-34-18-17,-54 18-15,0 0 0,18 0 16,-18 0 0,-17-17-1,53 17 1,-18-18-1,-18 0-15,35 1 16,-34-18 0</inkml:trace>
+  <inkml:trace contextRef="#ctx0" brushRef="#br0" timeOffset="163261.6">10478 8149 0,'0'18'15,"0"17"1,35 177 0,0-36-16,36 159 15,-18-123 1,105 352 0,-34-105-1,-36-194 1,0 105-1,-53-247-15,54 107 16,-36-124 0,-53-71-1,17 0 1,1-17-16</inkml:trace>
+  <inkml:trace contextRef="#ctx0" brushRef="#br0" timeOffset="163973.9">10848 11130 0,'0'18'78,"18"-1"-62,-1 19-16,36-19 16,-18 19-16,1 17 15,-1-36-15,18 36 16,-36-53-16,36 35 16,-17-17-1,-19 0 1,1-18 15,0 0-31,-1 0 31,19 0-31,-19 0 16,71-36 0,-17-52-1,-18 53 1,-53 0-16,35-18 0,0-18 15,1 1 1,-36 17 0,0 17-1,0 19 1,0-1 0</inkml:trace>
+  <inkml:trace contextRef="#ctx0" brushRef="#br0" timeOffset="177797">26211 6791 0,'0'35'78,"0"-17"-62,0 0-16,0-1 15,18 89 1,-18-71 0,18 1-16,-18-19 15,0 18-15,0 1 16,35 52 0,-35-70-1,18 17-15,-18-18 16,0 1-1,0 0 48,17-18-47,-17 17-1,0 1-15,0 0 47,0-1-16,18-17-15,-18-17 140,0-19-140,0 19-1,-18-19-15,1 1 16,17 18-16,-18-19 16,-17-17-1,35 36-15,-18-19 16,18 19 0,-18-1-1,18 1 1,-17-1-1,17 0 1,-18 18-16,18-17 16,0-1-1,-18 0 1,-17-17 0,0 0-1,0 0 1,-1-1-16,19 19 15,-1-1 1,0 0 0,1 1-1,-1-1 1,1 0 0,-1 18-1,0 0 1,-17 0-16,0 0 15,-71 71 1,18 0 0,70-19-1,-17 37-15,35-1 16,0-35 0,0-18-1,17 0 1,1-17-1,0 17 1,17-35-16,71 53 16,-36-35-1,71 17 1,53-17 0,-52-1-1,52 19 1,-141-36-16,-1 17 15,-34 1 1,17 35 0,-17 35-1,0-53 1,-18 53-16,-36 71 16,-17-71-1,-88 36 1,-159 35-1,159-106 1,-123 17 0,176-70-16,52 0 15,19 0 1,-36-53 0,53 36-1,-18-54 1,18 36-1,35-18-15,71-35 16,-18 35 0,89-35-1,-18 35 1,-54 35 0,-52 18-16,0 0 15,-35 0 16,-1 0-15,1 18 0,0-18-1,-1 0-15,1 0 16,35 0 0,-35 0-16</inkml:trace>
+  <inkml:trace contextRef="#ctx0" brushRef="#br0" timeOffset="178909.52">26829 7497 0,'-18'17'15,"18"1"1,0 17-16,0-17 16,0 35-1,0-18 1,0-17 0,18-18 15,-1 0-16,1 0 17,17 0-32,1-36 15,-1 1 1,-35 17-16,0 1 16,0-54-1,-18 54 16,1 17-15,17-18 0,17 18 109,1 0-110,17-35 1,0-1 0,-35 19-1,18 17 1,0-36-1,-18 19 1,0-19 0,0 19-16,0-1 15,0 1 1,0-1-16,0-70 16,0 52-1,-18 19-15,18-36 16,-53 0-1,53 18-15,-53-36 16,36 54 0,17 34 31,0 36-32,0 53-15,70 53 16,-52-71-1,35-18-15,0 36 16,0-53 0,-18 18-16,0-36 15,36 71 1,-36-71-16,18 18 16,-18 18-1,-17-54 1,-36-17 31,-35-17-32,36-19-15,-54 1 16,-52-71 0</inkml:trace>
+  <inkml:trace contextRef="#ctx0" brushRef="#br0" timeOffset="179467.81">27411 7091 0,'17'0'47,"-17"17"-31,18 1-1,-18 0-15,18-1 16,-1 19-16,-17-1 15,18-17-15,0 17 16,-1 35 0,-17-52-1,18 53 1,0-54 0,-18 19-16,0-19 31</inkml:trace>
+  <inkml:trace contextRef="#ctx0" brushRef="#br0" timeOffset="179854.65">27376 7355 0,'17'-17'15,"-17"-1"-15,18 18 16,-18-18-1,17 18 1,1-17 0,35-18-1,-18 17 1,1 0-16,-19 18 16</inkml:trace>
+  <inkml:trace contextRef="#ctx0" brushRef="#br0" timeOffset="180509.91">27781 7108 0,'0'18'15,"0"0"-15,0-1 16,0 19 0,18-19-16,-18 1 15,35 35 1,-35-36-16,18-17 16,-1 0-1,1 0 1,0 0-1,-1 0 1,1-52-16,17-19 16,-35 53-1,18 1 1,0 17 31,-1 0-32,18 17 1,-17-17-16,-18 18 16,35-18-1,-17 0 1,17 0 0,-17 0-16,0-18 31,-18-17-16,17 17-15,-17-34 16,0 16 0,0 19-1,0-19-15</inkml:trace>
+  <inkml:trace contextRef="#ctx0" brushRef="#br0" timeOffset="181802.49">28222 6950 0,'0'17'78,"0"1"-78,0 17 0,0 1 16,18-19 0,0 1-16,-1 35 15,1-36 1,-1 19-1,1-36 32,-18-36-47,0 19 16,18-36-16,-18 35 16,0-17-1,0 17-15,0 1 16,17 17 46,1 17-30,-18 1-32,18-18 15,-18 18 1,17-18-16,1 17 15,0-17 17,-1-35-17,1 17-15,-1-17 16,1-18-16,0 35 16,-18 1-1,0-1 16,17 36 1,-17-1-17,18-17 1,-18 18 0,18-18 77,-1 0-77,1 18 15,0-1-31,-1-17 16,-17 18-1,18-18 1,17 0 0,18-35-16,-18-18 15,-17 0-15,0 18 16,-1 17 0,-17 0 15,-17 18-16,-1 18 1,18 0-16,0 17 16,0-17-1,0-1 1,0 1 0,0 17-1,0-17-15,0-1 0,18 1 31,-18 0-15,17-18 31,18-18-47,124-17 16,-71-1-1</inkml:trace>
+  <inkml:trace contextRef="#ctx0" brushRef="#br0" timeOffset="182440.62">29863 6421 0,'35'17'63,"-35"1"-47,18 17-16,-1-17 15,18 35 1,-17-36-16,0 19 15,-1-19 1,-34-70 62,-89-211-62</inkml:trace>
+  <inkml:trace contextRef="#ctx0" brushRef="#br0" timeOffset="183065.25">29404 5750 0,'0'18'47,"0"0"-31,18-1-16,-1-17 16,1 35-1,0-17-15,17-18 16,-17 0 31,-1 0-32,-17-18 1,53-52-16,-53 52 16,0 1-1,0-1 63,-18 18-78,1-18 16,-18 18-16,17 0 16,-35 0-1,53 18 16,0 0-15,0-1 0,0 1-16,18 0 15,17 52 1,18-35 0,-36-17-1,36 17-15,88 89 0</inkml:trace>
+  <inkml:trace contextRef="#ctx0" brushRef="#br0" timeOffset="183760.59">30198 6191 0,'0'18'32,"17"17"-17,1 18 1,0-18-16,-1 18 15,-17-35 1,18-18 0,-18-18 46,-35 1-62,17-19 16,0 1-16,18-18 15,-17 18 1,17 0 0,0 17-1,17 18 48,1 0-48,17 18-15,-17-18 16,17 35 0,1-17-16,-19 17 0,18-18 15,1 1 1,-19-18 46,-17-35-46,18-18-16,0-71 16,-1 71-1,-17 18 1</inkml:trace>
+  <inkml:trace contextRef="#ctx0" brushRef="#br0" timeOffset="184053.48">30515 5891 0,'18'0'31,"17"18"-15,-17 17 0,35 18-16,-18 18 31,0-18-16,-17-18-15,0 0 16,-1-17 0,-52-18 46</inkml:trace>
+  <inkml:trace contextRef="#ctx0" brushRef="#br0" timeOffset="184296.76">30515 6050 0,'18'0'16,"0"0"-16,-1 0 31,1-18-31,-1 18 16,1-17-16,17 17 15,1-18 1,-1 1 0</inkml:trace>
+  <inkml:trace contextRef="#ctx0" brushRef="#br0" timeOffset="184838.61">30815 5944 0,'0'-17'16,"18"17"-1,-1-18-15,1 18 16,0-18 0,52-17-1,-52-18-15,0 36 16,-18-19 0,-18 36 46,-17 0-46,17 36-16,18-19 15,-18 1-15,18 17 16,0 0 0,0 1-1,0 17 1,0-36-16,0 1 15,18-18 1,17 0 31,18-35-31,-35 17-1,-1 0-15,36-70 16,-53 53-1</inkml:trace>
+  <inkml:trace contextRef="#ctx0" brushRef="#br0" timeOffset="185121.8">31115 5750 0,'18'0'15,"-1"0"1,1 36-1,-18-19-15,18 1 16,-18-1-16,17 1 16,1 0-1,-18-54 63,0 1-62,0 0 0,0 0-16,0-18 15</inkml:trace>
+  <inkml:trace contextRef="#ctx0" brushRef="#br0" timeOffset="186286.38">31274 5133 0,'0'18'47,"0"-1"-31,17 1-1,-17-1 1,18 1 0,-18 0-1,18-18-15,-18 17 16,0 19 0,53 34-1,-53-52-15,0 17 16,35 0-1,-18 36-15,-17-53 16,36 52 0,-1 1-1,0-18 17,-52-53 93,-19-18-110,1 18-15,0-18 16,17-17-16,-17 17 15,35 1-15,-35-1 16,35-17 0,0 17 15,0 1 16,17 17-32,-17-18 1,18 0-16,17 18 16,18-35-1,-35 35 1,17 0-16,-35-18 0,35 18 16,-35-17-1,18-1 1,0 18-16,-1 0 15,1 0 1,17-35-16,-17 35 16,35-35-16,-53 17 15,17 18 1</inkml:trace>
+  <inkml:trace contextRef="#ctx0" brushRef="#br0" timeOffset="186920.97">31715 5256 0,'0'0'0,"-36"18"0,36 0 15,-17 52 1,17-34 0,0-19-1,0 36-15,35-18 16,-35-17 0,0 0-1,18-18 1,-18 17-16,17-34 47,1-19-32,0-17-15,-1 1 16,1 16 0,-18 19 46,18 17-46,-1 0 15,-17 17-15,18 1-16,-1-18 15,1 18 1,-18-1-1,18-17 1,17 0 0,36 0-1,-54-35 1,19-18-16,-36 18 0,35-1 16</inkml:trace>
+  <inkml:trace contextRef="#ctx0" brushRef="#br0" timeOffset="187534.41">32156 5098 0,'0'17'47,"0"19"-31,0-19-1,17 1-15,-17-1 16,18 19-1,0-19 1,-1-17 0,1 18-1,17-18 1,-17 0 0,17 0-16,0-35 15,18-36 1,-35 18-1,0-53 1,-18 89 0,0-1-1,0 36 48,0-1-48,17 1 1,1 17-16,-1 1 16,1-19 15,0-17-15,-18 18-16,0-36 62,17-17-46,-17 17-16,18 18 15,-18-17-15</inkml:trace>
+  <inkml:trace contextRef="#ctx0" brushRef="#br0" timeOffset="189600.53">28751 7585 0,'18'0'32,"0"0"-17,-1 0-15,1 0 16,0 0-1,-1 35 1,1 0-16,-1 1 16,19 16-16,-19 19 15,36 35 1,-35-36-16,17 19 16,-35-54-1,18 18-15,-18-36 16,0 19-1</inkml:trace>
+  <inkml:trace contextRef="#ctx0" brushRef="#br0" timeOffset="190160.72">28840 8114 0,'17'0'63,"1"0"-48,17 0-15,-17 18 16,35 17-16,-36-35 16,89 88-1,-71-53 1,-35-17-1,18-18 1,0 0 31,-18-18-31,35-17-16,-17 0 15,17-1-15,-17 1 16,17-18-16,-18 18 15,-17 17 1,0 1 0,0-1-1,0 0 1</inkml:trace>
+  <inkml:trace contextRef="#ctx0" brushRef="#br0" timeOffset="191883.81">27129 10460 0,'17'35'47,"19"18"-31,-1 0-1,-18 0-15,19 17 16,-1 1-16,18 35 16,0 53-1,0-54 1,0 37 0,-36-125-1,1 1-15</inkml:trace>
+  <inkml:trace contextRef="#ctx0" brushRef="#br0" timeOffset="192504.53">27728 10478 0,'-17'0'15,"-1"35"-15,0 18 16,-17 0-16,35-36 16,-18 124-1,18-35 1,0-18 0,0 1-16,18-19 0,53 18 15,-71-70 1,70 35-1,-34-35 1,-19-18 0,54 0-1,17-18-15,-53 0 16,36-88 0,-18 36-16,-53 52 15,0-17 1,0 0-1,0 17 1,0 0-16,0 1 0,-53-19 16,0 36-1,35-17 1,-52 17 0,34 0-1,19 0-15</inkml:trace>
+  <inkml:trace contextRef="#ctx0" brushRef="#br0" timeOffset="193321.53">28346 10583 0,'-18'0'0,"0"0"16,18 18 0,0 17-1,-17 36-15,17-54 16,0 54-1,0-53 1,0-1 0,17-17-1,19 0 1,-1-17 0,-17-36-16,70-88 15,-88 105 1,0 1-1,17 35 17,1 0-32,-18 18 15,35 17 1,1 53 0,-19-35-1,19 88 1,-1-17-16,-35 17 15,0-35-15,0-36 16,0 89 0,-18-124-1,-52 53 1,-1-35 0,36-53-16,0 0 15,-36-17 1,36-36-1,-18-35 1,35 17 0,18-35-1,71 0-15,-18 36 16,52-36 0,-52 53-1,-35 18 1</inkml:trace>
+  <inkml:trace contextRef="#ctx0" brushRef="#br0" timeOffset="194111.53">28522 10372 0,'18'0'94,"-1"35"-94,19 18 16,-19-18-16,19 0 15,-1 54 1,-18-54-16,19 18 16,-19-18-16,1 0 15,0 1 1,-36-72 46,0 1-46,18 17-16,0-17 16,0 0-1,0 0 1,0 17-16,18 0 15,0 18 1,-1 0 0,19 0-1,-19 0-15,1 0 16,-1 18-16,19 17 16,-19 1-1,1-19 16,-18 1-15,0 17 0,0-17-16,-35 17 0,-1 0 15,-16 1 1,34-19 0,0 1-1,1-18 16,-1 0-31,0-18 16</inkml:trace>
+  <inkml:trace contextRef="#ctx0" brushRef="#br0" timeOffset="194938.73">29333 10072 0,'18'17'110,"0"19"-95,17 17-15,-35-36 16,35 36-16,-17-18 16,-18 1-1,18-1 1,-18-70 46,-18-18-46,18 18-16,0-18 16,0-71-1,0 89 1</inkml:trace>
+  <inkml:trace contextRef="#ctx0" brushRef="#br0" timeOffset="195980.78">29880 9913 0,'0'0'0,"-17"0"0,-19 0 15,19 0 1,-1 18 0,0-1-1,1 1-15,17 17 32,0 1-32,0-19 15,0 1 1,17-1-1,1-34 79,17-36-94,1 0 16,-19 18-16,19-18 15,-36 17 1,17 1-16,1 35 16,-18-17-1,17 17 32,1 17-31,0 1-1,-1 17-15,19-17 16,-36 17 0,35-17-16,-35-1 15,18-17-15,17-35 63,-35 0-63,17-18 15,1 0-15,-18 35 32,18 18 108,-1 0-124,1 0 15,-18-17-15,18 17-1,-1 0 17</inkml:trace>
+  <inkml:trace contextRef="#ctx0" brushRef="#br0" timeOffset="196931.79">27675 13176 0,'18'0'31,"0"18"-15,-1 0-16,-17-1 16,36 18-1,-36-17 1,17 0-16,-17 17 15,-70-158 95</inkml:trace>
+  <inkml:trace contextRef="#ctx0" brushRef="#br0" timeOffset="197464.47">27358 12788 0,'0'35'63,"0"-17"-47,0 0-1,18-1 1,-1-17-16,1 0 78,-1 0-62,-17-17-1,18-1-15,0 0 16,-18 1-16,0-18 15,0-1 1,0 19-16,0-1 31,0 0-15</inkml:trace>
+  <inkml:trace contextRef="#ctx0" brushRef="#br0" timeOffset="197947.49">28240 12682 0,'35'18'31,"-35"17"-15,18 1-16,17-1 15,-35-18-15,35 36 16,-17 0 0,0-35-1,-1-36 63</inkml:trace>
+  <inkml:trace contextRef="#ctx0" brushRef="#br0" timeOffset="203518.54">28081 12894 0,'18'0'125,"-1"-35"-109,1 35-16,0-36 15,17 19-15,0-18 16,18 17-16,18-35 31,-1 18-31,-52 17 16,0 18 62,-1 0-78,1 0 16,-1 18 15,1-1-31,-18 19 16,35-1-1,-35 0 1,36 71-16,-36-35 15,0-36 1,0-17-16,0 17 16,0 0-1,0-17 1</inkml:trace>
+  <inkml:trace contextRef="#ctx0" brushRef="#br0" timeOffset="204512.69">28981 12735 0,'17'-17'156,"1"17"-140,0-18-16,-1 18 16,-17-18-16,36 1 15,-19-1 1,1 18 0,-1-35-16,1 35 15,17-35 1,-17 17-1,17-17 1,-17 17-16,0 18 0,-18-18 16,17 1-1,1-1-15</inkml:trace>
+  <inkml:trace contextRef="#ctx0" brushRef="#br0" timeOffset="204936.64">29492 12100 0,'0'18'47,"18"0"-47,17 34 16,-35-16-1,71 34-15,-71-34 16,17-19 0,1-17 46,35-53-46</inkml:trace>
+  <inkml:trace contextRef="#ctx0" brushRef="#br0" timeOffset="205532.84">29792 12065 0,'0'35'32,"0"1"-17,0-1-15,0 0 16,0 0-16,0 1 16,18-19-1,-18 19 1,17-36-16,-17-18 78,36-53-62,-19 36-1,-17 17-15,0 1 16,0-1-1,0 1 1,0-1 0,0 0 156,53-52-172</inkml:trace>
+  <inkml:trace contextRef="#ctx0" brushRef="#br0" timeOffset="206684.43">30251 11342 0,'0'17'62,"0"36"-46,17-17-16,-17 17 16,0 17-1,18 18-15,0 106 16,-1-70 0,19 52-1,-19-70-15,1-53 0,-18-18 16,0 0-1,0-52 32,-18-18-47,-17 17 16,17-35-16,-17 18 16,35 17-1,-18 0 1,18 1 109,0-18-94,36-1-15,-19 1-16,19 0 15,-1-53 1,0 17-16,-17 0 16,-18 19-1,17-37-15,-17 54 16,0 53 62,0-1-78,0 36 16,18 0-16,-18-18 15,18-17-15,-18 35 16,17 0-1,1 17 1,0-70 62,-1 0-62,1-17-1,17-18 1,-17 17 0,-1 18-1,-17-18 1,18 18-16</inkml:trace>
+  <inkml:trace contextRef="#ctx0" brushRef="#br0" timeOffset="208382.55">30956 11465 0,'-17'-17'0,"-1"-1"15,0 18 1,-17 18-1,17 17 1,1 0-16,17-17 16,0 17-1,0-17 1,17-18 46,1-18-46,17-17-16,-35 17 16,18-17-1,0 53 63,-1-1-62,19 124 0,-36-88-1,0 18-15,17 52 16,-17 54 0,0-72-1,0-16 1,0-36-1,-17-53 32,-1-36-47,-35-17 16,35 18-16,18 17 16,-17 1-1,17-71 1,0 70-16,0 0 0,17-17 15,-17 17 1,18 18 0,0-17 15,52-1-15,-35 18-16,18-17 15,-17-1-15,-1 0 16,-35 1 15,0-1 0,18 18-31,-18-18 16,0 1 0,0-1 15,17 18 0,-17-18-15,18 18-1,17-52 1,-17 16 0,-1-17-1,-17 36-15,18-1 0,-18 0 16,0 36 78,0 0-79,18-18 32,17-18-31,0-17-16,18-18 15,-18 18-15,1-18 16,-19 35 0,1 18 62,0 0-31,-1-18-32,19 1-15,-1-1 16,0-17-16,18 0 15,0-18-15,-18 17 16,-17 19 0,35-36-16,-36 35 15</inkml:trace>
+  <inkml:trace contextRef="#ctx0" brushRef="#br0" timeOffset="211009.88">26194 10407 0,'0'0'0,"-53"71"0,18-36 16,-1 18-16,19 35 16,-19-18-1,19 19 1,-1 34-16,18-52 15,0-1-15,0 18 16,18 124 0,17-141-1,0 105 1,1 71 0,-19-124-16,36 124 15,35 36 1,-52-107-1,69 142 1,-16-72 0,-1-52-1,18 36-15,-36-71 16,1-1 0,35 1-1,-89-141 1,36 70-1,18-18-15,-36-34 16,-17-19 0,35 19-16,17 17 15,-35-53 1,89 70 0,105-17-1,-158-53-15,317 53 16,53-53-1,88-35 1,512-159 0,-177-53-1,-88-18 1,-70-52-16,-424 158 16,212-123-1,-406 211-15,-53 18 16,0 0-1,1-35 1,-19 17 0,1 19-16,0-54 15,-18 70-15,0-105 16,17 0 0,-17 18-1,0-54 1,-17 107-1,-1-1-15,18-17 0,-53-35 16,35 34 0,1 72-16,-36-107 15,0 18 1,-18-17 0,1 17-16,-54-35 15,19 35 1,-72-70-1,-17 17 1,159 124 0,-124-89-16,53 36 15,0 18 1,-17-1-16,-53-52 16,-18 17-1,141 70 1,-124-34-1,71-1 1,1 36 0,34 0-16,-52-1 15,70 19 1,-71-18 0,-88 17-1,160 0 1,-19 18-16,-17-17 0,-142-1 15,142 18 1,-70 0 0,-195 18-1,247-18 1,-123 35 0,105-17-16,-123 17 15,-176 53 1,264-53-1,-105 36 1,-19-1 0,-17 1-1,159-18-15,-158 17 16,157-34 0,19 34-16,17-52 15,-106 52 1,1 54-1,175-89 1,-105 53-16,106-52 16,-53 17-1,-36 35 1,107-71 0,-18 1-1,17 0 1</inkml:trace>
+</inkml:ink>
+</file>
+
+<file path=ppt/ink/ink16.xml><?xml version="1.0" encoding="utf-8"?>
+<inkml:ink xmlns:inkml="http://www.w3.org/2003/InkML">
+  <inkml:definitions>
+    <inkml:context xml:id="ctx0">
+      <inkml:inkSource xml:id="inkSrc0">
+        <inkml:traceFormat>
+          <inkml:channel name="X" type="integer" max="1920" units="cm"/>
+          <inkml:channel name="Y" type="integer" max="1080" units="cm"/>
+          <inkml:channel name="T" type="integer" max="2.14748E9" units="dev"/>
+        </inkml:traceFormat>
+        <inkml:channelProperties>
+          <inkml:channelProperty channel="X" name="resolution" value="36.43264" units="1/cm"/>
+          <inkml:channelProperty channel="Y" name="resolution" value="36.48649" units="1/cm"/>
+          <inkml:channelProperty channel="T" name="resolution" value="1" units="1/dev"/>
+        </inkml:channelProperties>
+      </inkml:inkSource>
+      <inkml:timestamp xml:id="ts0" timeString="2021-07-02T05:05:40.651"/>
+    </inkml:context>
+    <inkml:brush xml:id="br0">
+      <inkml:brushProperty name="width" value="0.05292" units="cm"/>
+      <inkml:brushProperty name="height" value="0.05292" units="cm"/>
+      <inkml:brushProperty name="color" value="#FF0000"/>
+    </inkml:brush>
+  </inkml:definitions>
+  <inkml:trace contextRef="#ctx0" brushRef="#br0">7532 5874 0,'0'17'204,"0"1"-189,0 0 1,0 17-16,0-17 15,0-1 1,-18 54 0,18-54-16,0 19 15,0 17-15,-17 17 16,-1 18 0,18-70-1,0 53 1,0 52-1,-18-88 1,18 1-16,0 17 16,0 17-1,-17 36 1,17-88 0,0 87-1,-18-34 1,18 17-16,0-53 15,0 71 1,0-88 0,0 70-1,0 18 1,-18 0 0,18-18-16,0-53 15,0 53-15,0-52 16,0 105-1,-17 0 1,17-106-16,0 89 16,0-54 15,0 36-31,0-53 0,0 0 16,0 159-1,0-142 1,0 54-1,0 87-15,0-52 16,0-53 0,0-36-16,0 160 15,0-36 1,0 0 0,0-106-16,0 247 15,0-141 1,0 0-1,0-106 1,0 36 0,0-18-1,0-53-15,0 35 16,0 18 0,0-1-1,0 1 1,0-53-1,0 0-15,0 18 16,-18 52-16,18-52 16,0 52-1,-18 18 1,18-17 0,0-54-1,-17 71-15,-1-52 16,0 52-1,1-18 1,-1 36 15,18-106-31,0 0 16,0 17-16,-17 36 16,17 0-1,-18-53 1,18-18-1,-18 71 1,18 0 0,0-71-1,0 18-15,-17 0 16,17 53 0,0-36-1,-18 1 1,18 70-1,-18-53-15,18 0 16,0 36-16,-17-36 16,17 35-1,0 1-15,-18-36 16,18 71 0,-18-89-1,18-52 1,18-18 249,0 0-249,-1-18 15,1 18-15,0-17-16,17 17 16,18-18-16,-36 18 15,54-35 1,53 0-1,-36 17 1,-71 18-16,19-18 16,105 1-1,-53 17-15,-17 0 16,87 0 0,-122 0-1,87 0 1,-35 0-1,0 0 1,-17 0-16,35 0 16,-71 0-1,18 0 1,18 0 0,70 0-1,-88 0 1,35 0-16,-53 0 15,124 0 1,-106 0 0,53 0-1,17 0 1,-70 0 0,53 0-16,0 0 15,-54 0 1,178 17-1,-89-17 1,0 18 0,-35-18-1,88 0-15,-124 0 16,89 0 0,-35 0-1,-54 0 1,36 0-1,-18 18 1,-35-18-16,71 0 16,-36 0-1,-35 0 1,0 0 0,35 0-1,-70 0 1,-1 0-1,18 0 1,18 0 0,-35 0-1,17 0-15,-17 0 219,-18-36-219,0 1 16,18-35-16,-18-1 15,0-35 1,35-88-16,-35 53 16,35-141-16,-17 105 15,-18 54 1,17-142-1,-17 71 1,0 71 0,0-230-1,0 106 1,0 159-16,0-283 16,0 319-1,0-90-15,0-34 16,0 123-1,0-176 1,0 35-16,0 35 16,0-176-1,0 88 1,0 0 0,0 18-1,0 158-15,0-35 16,0-141-16,0 177 15,0-142 1,0 89 0,0 87-1,0-140 1,0 88 0,0 17-16,0-70 15,18 35 1,-18 71-1,0-88 1,0 52 0,0 53-1,0-70-15,0 18 16,0 34 0,0-105-1,0 0 1,0 88-1,-18-70 1,18 52-16,0-70 16,-17 0-1,17 70 1,0-70 0,-18 0-1,18 18 1,0 35-16,0-36 15,0 54 1,0-36 0,0 18-1,0 52 1,0-87 0,0 52-1,0 36-15,0-18 16,0 0-1,0 35 17,0 1-32,0-1 15,0-17 1,0 17 0,0 1-1,0-1 1,0 0 203,0 1-204,-18-36 1,18 35-1,0-35-15,0 36 16,0-36-16,-17-36 16,-1 1-1,18 53 1,0-18 0,0 35-16,0 1 15,-17-1 1,17-17-16,0 17 15,-18 18 48,0 0 218,1 0-265,-1 0-1,0 0-15,1 0 32,-1 0-17,-17 0 1,17 0 0,-17 0-16,0 0 15,-1 0 1,1 0-1,17 0 1,-35 0 0,1 0-16,-37 0 31,54 0-31,-53 0 16,70 0-1,-52 0-15,-1 0 16,-35 18-1,18 0-15,-35-18 16,-71 17 0,158-17-1,-105 18 1,35-18 0,1 17-1,34-17-15,-35 0 16,0 0-1,89 0 1,-19 0 0,-17 0-16,18 18 15,-71-18-15,71 0 16,17 18-16,-70-18 16,35 0-1,-52 0 1,87 0-1,-53 0 1,1 0 0,52 0-16,-70 0 15,17 0 1,18 0 0,18 0-1,-35 0 1,34 0-16,1 0 15,-18 0-15,-17 17 16,34-17 0,-105 18-1,106-18 1,-18 0-16,35 0 16,-70 18-16,71-18 15,-19 0 1,19 0-1,-19 0 1,-17 0 0,36 0-1,-18 0-15,-18 17 16,0-17 0,17 0-1,-34 18 1,17-18-1,18 18-15,-18-18 16,17 0-16,-34 0 16,35 0-1,-54 17 1,72-17 0,-1 18-1,-17-18 1,17 0-16,18 17 515,0 19-499,0-1 0,0-17-1,0-1-15,0 71 16,0-70 0,0 0-16,0 17 15,0 0 1,-17-35-1,17 18-15</inkml:trace>
+  <inkml:trace contextRef="#ctx0" brushRef="#br0" timeOffset="7152.74">7920 9842 0,'-18'0'63,"18"18"-48,0 0 1,0-1-16,-17 19 15,17 17 1,0-18 0,17 0-16,1 36 0,35-1 15,-18-34 1,36 34 0,-1-17-1,-35-35 1,36 35-1,-36-53-15,-17 0 16,0 0 15,-1 0-15,-17-18 0,18 0-16,-18-35 15,0 18-15,0-88 16,0 52 15,0 18-15,-35 0-1,17 53 1,0-35-16,1 17 16,34 36 171,1 17-187,0-17 16,-1 0-16,18 17 15,-17-35-15,0 35 16,-1-35-16,36 35 16,-35-35-1,17 0 1,-17 18-1,-1-18 1,1 0 15,-18-18 1,0-17-17,0 0 1,0-18-1,0 18 1,0-18-16,0 17 16,0 1-1,-18 17 1,18 1 0,-17 17 15,17-18-31</inkml:trace>
+  <inkml:trace contextRef="#ctx0" brushRef="#br0" timeOffset="7926.88">8678 9842 0,'18'0'16,"0"0"62,-1 0-78,1-17 16,0-1-1,-1-17 1,1 17-16,-1 1 16,-17-1-1,0-17 1,0 17 31,-17 18-16,-1 0-15,-17 0-16,17 0 15,1 0 1,-1 18-1,0-1 1,18 1-16,-17 35 16,17-35-1,0 34 1,17-16 0,1-19-16,53 36 31,-54-35-31,1 0 0,35-1 15,17 1 1,-17-18 0,-18 0-1,-17 0 17,0-35-17,-18-1 1,17-17-16,-17 18 15,0-18 1</inkml:trace>
+  <inkml:trace contextRef="#ctx0" brushRef="#br0" timeOffset="8794.29">8749 9260 0,'0'18'31,"18"0"-31,-1 17 16,54 18-1,-36 0 1,18 17 0,-18-34-16,36 52 15,-18-18 1,-36-70 0,1 18-1,-18 0 1,0-36 78,-18-35-79,18 35 1,0-34-16,-17 34 15,17-17 1,0 17 0,-18-17-1,18 17 1,18 18 0,-18-18-1,17 18-15,19 0 16,-1 0-1,18 18 1,17 17 0,-52-17-16,35 0 0,-53 17 15,35-17 1,-35 17 0,0 0 15,-35 18-16,17-18 1,-35-17-16,18 0 16,0-1-1,0-17 1,17 0 0,0 0-16,1 0 15,17-17 16</inkml:trace>
+  <inkml:trace contextRef="#ctx0" brushRef="#br0" timeOffset="9645.51">9825 9102 0,'0'0'0,"-18"0"16,1-18 0,-1 18-1,0 0-15,1 0 16,-19 0 0,19 35-1,-1-17 1,18 0-1,0-1 17,0 1-32,0 0 31,18-18-31,-1 17 16,1-17-1,17 18-15,18-1 16,-35 1-1,-1 0-15,1-1 16,17 19 0,-17 17-1,0-36 1,-18 18-16,0 1 16,0-19-1,-18 1 1,-17 17-1,-1-17 1,1 0 0,0-18-16,17 0 0,1 0 15,-19 0 1,19 0 0,-1-18-16,0 0 15</inkml:trace>
+  <inkml:trace contextRef="#ctx0" brushRef="#br0" timeOffset="10405.37">9913 9260 0,'0'0'0,"18"0"16,-1 0-1,1 0 1,0 0-1,17 0 1,-17 0-16,17 0 16,-18-17-1,1 17 1,0-35 0,-1 17-1,-17 0 1,0 1-16,-17 17 47,-19-18-32,1 18 1,-18 0 0,36 0-16,-19 0 15,36 35 1,0 1-1,0-19 1,0 18 0,0-17-16,53 35 15,-17-18 1,-36 1 0,70-1-1,-35-18 1,-17-17-1,35 0 1,0 0-16,-36 0 0,19-17 31,-19 17-15,-17-18-16,36 1 16,-19-1-1,-17 0 1,18-70-16</inkml:trace>
+  <inkml:trace contextRef="#ctx0" brushRef="#br0" timeOffset="10873.4">10301 9119 0,'18'0'31,"-1"18"-15,1-18-16,17 0 16,-17 35-16,0-35 15,-1 0 1,19 36-1,-19-1-15,1-35 16,-18 17-16,17-17 31,-17-52 32,0-1-48,0-18-15,0 53 16,0-17-16,0 0 16,18 17-1</inkml:trace>
+  <inkml:trace contextRef="#ctx0" brushRef="#br0" timeOffset="11415.58">10760 8996 0,'17'35'32,"-17"-17"-17,18-1 1,-18 1-16,0 0 15,18-1 1,-18 1 0,17-18-1,1 0 17,-18-18-1,18 1-31,-1-1 15,-17-35-15,0 0 16,0 0 0,0 18-1,18 35 48</inkml:trace>
+  <inkml:trace contextRef="#ctx0" brushRef="#br0" timeOffset="12190.28">11007 8925 0,'17'0'0,"1"0"125,-18-17-16,-18 17-77,18 17-17,0 1 17,0 0-17,0 17-15,0-18 16,18 19-1,-18-19 17,18-17-17,-1 18 32,1-18-31,-1 0-1,1 0 1,0-35 0,-18 17-1,0 0-15,17 18 16,-17-17 0,0-1-16,0 1 15,18 17 1</inkml:trace>
+  <inkml:trace contextRef="#ctx0" brushRef="#br0" timeOffset="12801.86">11218 8872 0,'18'18'62,"-18"0"-46,18-18 0,-18 17-1,0 1-15,0 0 32,0-36 77,0 0-93,0-17-16,-18-18 15,0-17 1,18 34-1,0 19-15</inkml:trace>
+  <inkml:trace contextRef="#ctx0" brushRef="#br0" timeOffset="15338.42">11042 8678 0,'18'0'47,"-1"0"-31,18 0-1,-17 0 1,17 0 0,-17 0-1,0 18 1,-18 0 0,17-18-16,1 17 15,0-17 1,-18 18-1,17 17 1,1-17 0,0-18-1,-18 35 1,17-17 0,-17-1-1,0 1 1,-17-18 140,-1 0-156,0 0 47,1-18-16,17 1-15,0-19-1,-18 19 17,18-1-17,0-17 1,0 17 0,0-17-1,0 0-15,18-36 16,-18 53-1,35-34 1,-35-1 0,18 35-1,-1 0-15,-17-17 16,18 35 0</inkml:trace>
+  <inkml:trace contextRef="#ctx0" brushRef="#br0" timeOffset="17441.43">11077 8661 0,'18'0'140,"-1"17"-140,1-17 16,0 0 0,-1 18-1,1-18-15,0 0 0,-18 18 16,17-1 0,1 1-1,0 0-15,-1-1 16,1 1-1,0-18 1,-18 17-16,17 1 16,-17 0-1,18-1 17,-18 1-17,0 0 1,0-1-1,0 1 17,-18-18 93,1 0-94,-1-18-15,18 1-16,-18-19 15,18 19 1,0-19-1,0 19 1,0-18 0,0 17-16,0 0 15,0-17 1,0 0 0,0 17-1,0 0-15,0 1 16,18-19-16,0 19 31,-18-18-15,35-1-1,-35 1 1,17 0-16,19-1 16,-36 19-1</inkml:trace>
+  <inkml:trace contextRef="#ctx0" brushRef="#br0" timeOffset="27684.58">10830 4392 0,'0'18'78,"0"17"-78,0 18 16,0-18 0,0 53-1,0-52-15,0 34 16,0 18-1,-17-17-15,-1 52 16,18-70 0,0 18-16,-18-1 15,1 54 1,17-89 0,0 71-1,0 53-15,0-106 16,0-18-16,0 0 15,0 18 1,0-18 0,0 1-1,0-1 1,0 0 0,0-17-1,0 0-15,0-1 16,0 18-1,0 1 1,0-1 0,0 0-1,0-17 17,0-36 155,0-17-187,0 0 16,0 17-16,-18-35 15,18 18-15,-18-36 16,18 36 0,-17-53-1,17 0 1,0 17-1,0 1 1,0-71 0,0 105-1,0 19-15,-18-72 16,18 19 0,0 35-1,0-18 1,0-36-1,0 54-15,0-18 16,0 18 0,0-18-1,0 35 1,0-35-16,0 36 16,0-36-1,0 35 1,0 1-1,0-1 1,0-17 0,0-1-16,0 19 31,0-1-31,0 1 31,0-1-15,0 0-1,0 1 1,18 17 31,-18-18 187,0 0-218,0 1-16,0-1 16,0-17-1,17 35 1,-17-18-16,0 1 15,0-1 1,0 0 0,0 36 171,0 0-187,18 34 16,-18-34-16,0 35 15,0-18-15,0-17 16,0 52-16,0 1 16,0-36-1,0 53 1,0-70 0,18 17-1,-18-17-15,0 0 16,0-36 171,0 0-171,0-17-16,0-18 0,0 0 16,0 18-1,0-71 1,0 18-1,0 70-15,0 1 16,0 34 140,0 19-140,0-1 0,0-17-16,0 34 0,0-34 15,0 88 1,0-18-1,0-35 1,0 0-16,0-35 16,17-1-16,-17 19 15,0-1 1,0 0 0,0 0-1,0 18 1,0-35-16,0 35 15,0-36 1,0 1 0,0 35-1,0 0 1,0 35 0,0-53-16,0 18 15,0-17 1,0-1-1,0 18 1,0-18 15,0-17-31,0-1 0,0 1 16,0 0 0,0 52-1,18-52 1,-18-1-1,0 1 1,0 0 0,0-1-1,0 1 17,18-18 14</inkml:trace>
+  <inkml:trace contextRef="#ctx0" brushRef="#br0" timeOffset="29331.33">10672 4304 0,'17'0'281,"18"0"-265,1 0-16,-1 0 15,71 0 1,-53 0-1,70 18-15,-17-18 16,0 0 15,-36 0-31,-17 0 0,0 0 16,-17 0 0,69 0-1,-52 0-15,0 0 16,-17-18-16,34 18 15,1-18 1,-36 18 0,35 0-1,1 0 1,-36 0-16,71 0 16,-53 0-1,18-17-15,-1 17 16,-35-18-1,18 18 1,-35 0 31,-18-18 78</inkml:trace>
+  <inkml:trace contextRef="#ctx0" brushRef="#br0" timeOffset="30520.27">12294 3969 0,'18'0'94,"0"0"-94,17 0 15,-18 17-15,36 1 16,-17 0-16,34 17 16,1 0-1,-36-17 1,18 17-1,0-17 1,-35-18-16,-18 17 16,17-17-1,-17 18 1,18-18 0,-18 18 15,0 17 203,-71 18-218,54-53-16,-1 18 15,-17 17-15,-18 0 16,35-17 0,-17 17-1,0 0 1,17-35 0,0 18-1,1 0-15,17-1 16,-18-17-1,0 18 1,18-1 31</inkml:trace>
+  <inkml:trace contextRef="#ctx0" brushRef="#br0" timeOffset="32729.27">13882 4057 0,'0'18'63,"0"-1"-47,17 19-1,-17-19 1,18 36-16,-18-18 15,18 71 1,-1-71 0,-17 1-16,0-1 15,0-17 1,0-54 109,-17 1-109,17-18-16,-18-17 15,-17 34-15,35-17 16,-18 1-16,18-1 15,0 35 1,0-17-16,0-18 16,0 35-1,0-17 1,0 17 0,18 18 46,-1 0-46,19 0-1,-1 18-15,0-1 16,36 36 0,-54-53-1,36 53 1,-17-17-16,-36-19 15,35 1-15,0 52 16,1 1 0,-19-71-1,1 53 1,-1-35 0,-17-1-1</inkml:trace>
+  <inkml:trace contextRef="#ctx0" brushRef="#br0" timeOffset="33229.29">13935 4269 0,'17'0'0,"-17"-18"31,18 18-15,0 0-1,-1 0 17,1 0-17,0 0 1,-1-18-16,1 18 16,-1 0-1,1 0 1,0 0-1</inkml:trace>
+  <inkml:trace contextRef="#ctx0" brushRef="#br0" timeOffset="33880.22">14288 4092 0,'17'0'47,"1"18"-15,-1 0-32,1-18 15,35 70 1,-35-52-16,17 17 15,0-17-15,-17-18 16,35 35 0,-36-35-1,-17-18 48,0 1-63,0-19 15,0-17-15,0 36 16,-35-36 0,35 0-16,-53 0 15,18 35 1,35 1 0</inkml:trace>
+  <inkml:trace contextRef="#ctx0" brushRef="#br0" timeOffset="35235.53">15046 3898 0,'-18'0'15,"18"-17"1,-17 17-16,-1 0 31,0 0-15,1 0-16,-1 0 31,18 17-15,0 18-1,0-17 1,0 0-16,0-1 16,0 1-1,0 0-15,0-1 16,0 1-1,18-18-15,-1 18 16,1-1 0,0-17-1,-1 0 1,19 0 0,-19-53-1,1 18 1,-18 0-16,0 17 15,0 0-15,0 1 16,18 17 78,-18 17-79,0 1-15,17 0 16,1 35 0,-18 0-16,35 35 15,-17-71 1,-18 36-16,35 53 16,-35 0-1,0-53 1,0-35-16,0 17 15,-18 0 1,-35-17 0,18-18-16,-53 0 15,53 0 1,-106-71 0,70 18-1,53 53 1,-17-35-1,17 17-15,18 1 32,0-1-17,0 0 1,18 1 0,53-36-16,-1 18 15,1-18 1,17 17-1,-53 19 1,1-1 0,-19 18-1</inkml:trace>
+  <inkml:trace contextRef="#ctx0" brushRef="#br0" timeOffset="36916.41">15963 3792 0,'18'0'110,"-1"18"-110,1 0 15,0 17 1,-1-17-16,1 17 15,0 18-15,-1-18 16,1 18 0,0-18-1,-18 1 1,17-19-16,-17 18 16,18-35 15,-36 0 109</inkml:trace>
+  <inkml:trace contextRef="#ctx0" brushRef="#br0" timeOffset="39853.44">16228 3757 0,'17'0'63,"1"-18"-1,0 18-46,-1 0 0,-17-17 15,18 17 47,0 0-62,-1 0-1,1 0 1,-36 0 312,1 0-312,-19 0-1,1 17 1,17-17-1,-17 18 1,17 0 0,1-18-16,-1 0 15,18 17 1,0 1 140,18 0-140,-18-1-1,17-17-15,-17 18 16,0 0 0,18-18-1,-18 17 1,18 1-16,-1-18 125,19 0 31,17 0-156,0 0 16,-1-18-16,-16 18 15,17-17-15,0 17 16,-36 0-16,1 0 31,-1 0-15,1 0 0,0 0-1,-1 0 1,1 17-16,0-17 15,-18 18 1,0-1-16,17-17 16,1 0 15,-18 18-15,0 0-1,18-1-15,-18 1 16,0 0-1,0-1 1,0 1 31,-18 0-31,0-18-16,1 17 15,-19 1 1,1-18-1,17 18-15,1-18 16,-1 17 0,1-17-1,-1 0 1,0 0 0,1 0-1,-1 0 1,0 0-1,1 0-15,-1 0 16,0 0 0,1 0-1</inkml:trace>
+  <inkml:trace contextRef="#ctx0" brushRef="#br0" timeOffset="41190.19">15681 3704 0,'-18'0'31,"1"0"0,-1 0-15,0 18-1,1-1 17,17 1-32,0 0 15,-18-1 17,18 19-32,-17-36 15,17 17-15,0 19 16,-18-19-1,18 18-15,0 1 32,0-1-17,0-17 1,18 35 0,-18-36-16,0 1 0,17 0 15,1 34 1,-1 1-1,1 0 1,0-53 0,-1 36-16,-17-19 15,36 18 1,-19 1 0,1-1-1,17-17 1,-17 17-1,-1-35-15,1 18 16,-18-1 0,35 1-1,-17-1 1,0 1 0,17 0-1,0-1 1,0 1-1,-17 0 1,0-18 0,-1 0 31,1 0-32,0 0 1,-1 0-16,-17-18 15,36 18 1,-19-35-16</inkml:trace>
+  <inkml:trace contextRef="#ctx0" brushRef="#br0" timeOffset="42786.52">16422 3351 0,'17'0'78,"1"0"-78,35 0 16,0 18-16,0 0 15,17-1 1,19 36-1,-1-18-15,-53-17 0,-17 0 16,52 35 0,-34-18-1,-1-17 1,18 35 0,-18-18-1,18 18 1,-18-18-16,18 18 15,-53-18 1,53 18 0,-35-18-1,17 36 1,-17-18-16,-18-35 16,17 34-1,1-16 1,-18-19-1,17 19 1,-17-1 0,18-17-1,-18-1 1,0 1 0,0-1-1,0 1 1,-18 0 15,1-1 0,-1 1-15,1 0-16,-1-18 16,18 17-16,-18-17 15,1 18-15,-1-18 16,18 18-1,-18-18-15,1 0 16,-1 17-16,18 1 16,-18-18-1,-34 17-15,16 1 32,19 0-17,-1-18 251</inkml:trace>
+  <inkml:trace contextRef="#ctx0" brushRef="#br0" timeOffset="43914.27">17709 3704 0,'18'0'125,"0"0"-125,-1 0 31,1 18-15,0-18-16,-1 0 16,19 0-16,-19 0 15,18 0 1,18 0 0,53 0-16,-70 0 15,69 0 1,-16-18-1,-19 18 1,-70-17 0</inkml:trace>
+  <inkml:trace contextRef="#ctx0" brushRef="#br0" timeOffset="44674.25">18027 3422 0,'18'0'62,"-1"0"-46,1 0-16,17 0 16,-17 0-16,-1 18 15,89 34 1,-70-16-1,-1-19-15,53 54 16,-53-36-16,1-17 16,16 17-1,-16 0 1,-36-17 0,0 17 77,-18-35-93,-17 36 16,0-19-16,-1 19 16,-34-1-16,17-18 15,-53 19 1,35 17-1,36-53 1</inkml:trace>
+  <inkml:trace contextRef="#ctx0" brushRef="#br0" timeOffset="46085.5">19191 3563 0,'0'-18'0,"0"1"16,0-1 0,0 0-1,-35 1 1,17 17-16,18-18 16,-17 18-1,-1-17 1,0 17-1,1 0 1,-19 0 0,19 0-1,-19 0-15,-34 0 16,17 17 0,53 1-1,-35-1 1,17 1-1,18 0 1,0 17 0,0-17-1,0 17 1,18-17 0,-1-1-1,-17 1 1,36 0-16,-1-1 0,0-17 15,0 0 1,1 0 15,-19-35-15,-17 17-16,18-17 16,-18 17-1,18 18 126,-1 0-110,-17 18-31,36 0 16,-19 17-1,18 0 1,-17 0-16,17 1 16,-17-19-16,0 54 15,17-18 1,-35-18-1,0-17 1,0-1-16,0 1 16,0 0-1,-18-1-15,-35 19 16,18-36 0,17 17-16,-52-17 15,17 0 1,0 0-1,18 0 1,17 0-16,-52-53 16,34 0-1,36 36 1,-17 17-16,-1-53 16,18 35 15,0 1-31,18 17 0,-18-18 15,53-17-15,0 17 16,-36 18-16,1-18 16,35 1-1</inkml:trace>
+  <inkml:trace contextRef="#ctx0" brushRef="#br0" timeOffset="46579.48">19156 3687 0,'17'0'16,"1"0"15,35 0-31,-35 35 16,17-35-1,-17 0-15,-1 17 16,1 1-16,-18-36 109,0-17-109,0-18 16,18 0-16,-1 36 15,1-1 1,-18-17 0</inkml:trace>
+  <inkml:trace contextRef="#ctx0" brushRef="#br0" timeOffset="47798.6">19597 3545 0,'0'0'15,"17"0"-15,1 0 47,0 0-16,-1 0-15,1-17-16,0-1 16,-1 0-1,-17 1 1,-35 17 62,17 0-78,-17 0 16,35 17-16,-18 1 15,18 0 1,0-1 0,0 1-1,0 0 1,0-1-1,0 1 1,0 0 0,18-18-16,-18 17 15,35-17-15,1 18 16,17-18 0,70 0-1,-105-18 1,140-17-1,-16-36 1,-125 36 0,1 35-16,-1-35 15,-17 0-15,0 17 32,-17 0-17,-1 18 1,18-17-1,-17 17-15,-1 0 16,-17 0-16,-18 0 16,35 35-1,18-17 1,0 17 0,-18 0-1,18-17 1,0-1-16,0 19 15,0-19 17,18 1-17,17-18 32,-17-35-47,0-1 16,17 1-1,-17 0 1,-18 0 0,17 35 31,18 17-16,-35 1-31,18-1 15,-18 1-15,18-18 16,-1 18 0,1-18 15,0 0-15,17 0-1,-17 0 16,34-88-31</inkml:trace>
+  <inkml:trace contextRef="#ctx0" brushRef="#br0" timeOffset="48152.74">20479 3157 0,'0'18'15,"0"17"1,17-17 0,-17 0-16,18 17 15,-18-18 1,18 1 0,-1 0-1,1 17 1,-18-17-16,0-1 15,0 1 1,-35-18 31,-18 0-31,-18 0-16,36-35 15,17 17 1</inkml:trace>
+  <inkml:trace contextRef="#ctx0" brushRef="#br0" timeOffset="48529.36">20285 3298 0,'17'0'63,"36"-17"-48,-35 17 1,17-18-16,18 1 16,-35 17-1,52-18 1,-34-17 0,-1 35-1,0-18 1,0 0-16</inkml:trace>
+  <inkml:trace contextRef="#ctx0" brushRef="#br0" timeOffset="54680.55">9560 14799 0,'0'18'93,"0"-1"-77,0 19-16,0-1 16,0-18-16,0 1 15,0 35 1,0-18-16,0 18 15,0-35-15,0 52 16,0-34 0,0 52-1,0-53 1,0 53-16,0 1 16,0-54-1,0 18 1,0 17-1,0-52 1,0 17 0,0 36-16,0-54 15,0 36 1,0 0 0,0-35-1,18 88 16,-18-71-31,0 0 16,18 18 0,-18-18 15,0-17-15,0 0 171,17-18-156,-17 17-31,0 1 16,18 35 0,-1-35-1,-17-1 1,0 1-1,0 0-15,18-18 375,0 0-359,-1 0-16,1 0 16,17 0-1,1-18 1,-1 18-16,35-18 16,19 1-1,-54 17 1,35-18-1,1 0 1,-18 18 0,17-17-16,-17 17 15,-17-18 1,-19 18-16,1 0 16,35-18-1,-18 18 1,0 0-1,1-17-15,34 17 16,18-18 0,-70 18-1,70-18 1,-52 18 0,-1 0-1,0 0-15,-17 0 0,52 0 16,-17-17-1,-18 17 1,1-18 0,-19 18-1,1 0 1,0 0-16,-1 0 16,1 0-1,17 0 1,-17 0-1,17 0 1,-17 0 0,-1 0-16,1 0 15,0 0 1,-1 0 15,1 0-15,0 0-16,-1 0 31,1 0 0,0 0 47,-18-17 1,0-19-48,-36 19-31,19-19 15,-19 36 1</inkml:trace>
+  <inkml:trace contextRef="#ctx0" brushRef="#br0" timeOffset="55833.01">11095 15716 0,'17'0'109,"19"0"-93,-19 0 0,72 36-1,-54-19 1,0 18-16,106 36 16,-88-53-1,88 70 1,-52-35-1,-1-18-15,-35 18 16,-36-53 0,19 35-16,-36-17 250,-18 17-235,0-35-15,18 18 16,-35-1-16,35 1 16,-35-18-16,17 18 15,0-1 1,1 1-16,-1 0 15,1-1 17,-1-17-17,18 18 1,-18-18 0</inkml:trace>
+  <inkml:trace contextRef="#ctx0" brushRef="#br0" timeOffset="57706.4">12912 15434 0,'0'18'78,"0"17"-78,0 18 15,0-18-15,17 0 16,1 54-16,0-19 16,17 54-1,-35-71 1,18 52 0,17 1-1,-18-53-15,-17 53 16,18-88-1,-18-1-15,0 1 16,18-18 0,-18 18-1</inkml:trace>
+  <inkml:trace contextRef="#ctx0" brushRef="#br0" timeOffset="58692.4">13353 15893 0,'-18'-18'15,"0"18"16,18 35 1,0 1-17,0-19 1,0 18-16,0 18 16,0-35-1,18 88 1,0-89-16,-18 1 15,17 17-15,19 1 16,-19-1 0,18-17-1,-17-1 1,0-17-16,17 18 31,53-18-15,-35-18-1,-35 18 1,35-53 0,-53 18-16,17 17 15,-17-17 1,0 17 0,0 1-16,-35-36 31,17 35-16,1 1-15,-1-1 0,-35-17 16,0-1 0,36 19-1,17-1 1,-36 18 0,19 0-1,17-17-15,-18 17 31,18 17 32,0 1-1,0-1-46,71 1 0</inkml:trace>
+  <inkml:trace contextRef="#ctx0" brushRef="#br0" timeOffset="59678.32">14058 15963 0,'0'0'0,"-53"-17"0,18-1 15,17 0-15,1 18 16,-19 0-16,19 0 47,-1 36-16,18-19-31,0 1 16,0-1-1,0 19-15,0-19 16,0 19 0,0-1-1,0-17 1,0 17-1,18-35 1,-18 17-16,17-17 0,1 18 31,0-18-15,-1 0 0,1 0-1,17 0 1,-17-18-16,0-17 15,-1-18 1,1 36 0,-1-19-16,-17 1 15,0 17 1,18 36 125,0 0-126,-18-1 1,35 19-16,-17-19 15,-1 1 1,1 0-16,0-1 16,17 18 15,-17-35-31,-1 0 16,18 0-1,1-52 1,-19 16-1,19-34-15</inkml:trace>
+  <inkml:trace contextRef="#ctx0" brushRef="#br0" timeOffset="60512.26">14464 15875 0,'-18'-18'0,"1"18"16,-1 0 0,0 0-1,-17 0-15,0 18 16,35 0 0,-18-1-16,18 1 15,0 0 1,0 34-1,0-16 1,0-19 0,35 19-1,-17-19-15,-18 1 16,35 0-16,-17-1 16,0-17 15,-1 0-16,1 0 1,17-53 0,-35 18-16,18-36 0,-18 19 15,0-72 1,0 36 0,-35 0-1,-1 35 1,19 0-1,34 53 64,-17 53-64,53 0 1,-35-18-16,35 18 15,-18 17 1,0 1 0,1-53-16,-19 35 15,18-1-15,-17-16 16,-18-19 0</inkml:trace>
+  <inkml:trace contextRef="#ctx0" brushRef="#br0" timeOffset="62695.63">15469 15575 0,'18'0'47,"0"18"-32,-18-1-15,17-17 16,1 18-16,0 0 15,-18-1-15,17 1 16,-17 0 0,18-18-1,-18 17-15,17 1 16,1 0 0,-18-1 15,-18-34 141,18-1-157,-17 18 1,17-18 0,17 36 171,1 0-171,-18-1-1,18-17-15,-18 18 16,17-1 0,-17 1 15,18-18 0,0 18-15,-36-18 77,0 0-77,-52-53 0</inkml:trace>
+  <inkml:trace contextRef="#ctx0" brushRef="#br0" timeOffset="63991.39">15258 15293 0,'17'0'109,"1"0"-93,-18 18-16,18-18 141,-18-18-126,0-17 1,17 35-16,-17-18 15,0 0 1,0 1 0,0-1-1,0 0 1,-17 18 62,-19 0-62,-34 0-1,34 0 1,19 18 15,17 0-31,-18-1 16,1 19-1,17-19 1,0 19-16,0-1 31,0 18-15,35 0 0,-18-36-16,1 1 15,0 0-15,17-18 16,-17 0 15,17-36 0,-35 19-31,0-1 16,18-17-16,-18-18 16,0 35-1,0 1 1,0-1-16,0 0 15,0 1-15,0-1 32,-18 18-17</inkml:trace>
+  <inkml:trace contextRef="#ctx0" brushRef="#br0" timeOffset="64923.29">15822 15610 0,'0'36'16,"18"-1"0,-1-35-1,1 18-15,0-1 16,-18 1-1,17-18 1,-17 18-16,36-1 16,-54-17 77,-17-35-77,-1 0 0,19 17-16,17 0 15,-18 1 1,18-19-16,0 19 16,0-1 15,18 18-16,-1 0 1,1 0 0,17 0-1,53 0-15,-52 18 16,17-1 0,-36-17-1,-17 18 1,18 0-1,0-18 17,-18 17-1,17-17 31,107-35-62</inkml:trace>
+  <inkml:trace contextRef="#ctx0" brushRef="#br0" timeOffset="65763.39">16475 15381 0,'-18'0'0,"0"0"16,1 18-1,-1 35 1,18-36-1,0 36-15,0-17 16,0-19 0,0 18-1,0-17 1,18 0 0,-18-1-1,17-17-15,1 18 31,0-18-31,-1 0 32,1 0-17,0-35 1,17-1-16,-35 19 16,18-18-16,-18 17 15,0 0 16,17 18 63,1 0-94,-1 0 16,-17 18-16,18-18 15,0 0 1,17 35-16,-17-17 16,-18-36 77,0-17-77,0 17-16,0-17 16,0 17-1,0 1 1</inkml:trace>
+  <inkml:trace contextRef="#ctx0" brushRef="#br0" timeOffset="67687.41">16828 15469 0,'17'0'31,"1"0"1,-18 18-17,17-18-15,1 0 0,0 0 16,-1 0-1,-17-35 95,0 17-95,-17-17 1,-1 35 0,0 0 62,18 17-63,0 1-15,0 0 16,0 17 0,0 0-1,36 18 1,-36-35 0,17-1-16,-17 1 15,36 0 1,-19-18-1,1 0 17,0 0-17,-1 0 1,1 0 0,17-18-1,-17 0 1,-1-17-16,19-18 15,-19 18 1,-17 17 0,0 1-1,-17 17 95,-1 0-95,18 17 1,-18 1 0,1 0-16,17-1 15,0 19 1,0-19-1,0 1 1,17-18 93,1-18-93,0 1-16,-1-19 0,-17 19 16,0-1-1,18-17 1,0 35 46,-18 17-30,17-17-32,-17 18 15,18 0-15,-1-18 16,-17 17-16,18 1 16,-18 0-1,18-18 32,-1 0-31,1-36-1,-18 19 1,0-1-16,0-35 16,0 35-1,0 1 1,0 34 93,0 1-93,0 0-1,18-18 1,-18 17-16,17 1 16,1 0-1,-18-1 1,18 19 0,-18-19-1,0 1 1,0-1-16</inkml:trace>
+  <inkml:trace contextRef="#ctx0" brushRef="#br0" timeOffset="68470.48">17604 15487 0,'17'0'62,"1"0"-46,0 0 15,17-18-15,0 18 0,-35-17-16,35-1 0,-35 0 15,0 1 1,0-1-1,0 0 1,0 1 0,-17 17-1,-1-18-15,-105 18 16,87 35 0,1 18-1,17-17 1,18-19-1,0 19-15,0-19 16,18 1 0,0 0-1,17-1 1,0 1 0,1-1-1,-1-17-15,-18 0 0,1 0 16,17 0-1,1 0 1,-1 0 0,-17 0-1,17-17 1,-18 17 62,1 0-47,17 0-31</inkml:trace>
+  <inkml:trace contextRef="#ctx0" brushRef="#br0" timeOffset="95233.59">16951 2187 0,'0'35'141,"0"-17"-141,0 35 0,0-35 16,0 35-1,0 35 1,0-53-1,0 0-15,0 18 16,0-35-16,0 17 16,0-17-1,18 17 1,-18-17 0,0-1-16,0 19 15,17-1 1,-17 18 15,0-18-15,0 0-1,0 1-15,0-19 16,18 19 0,-18-1-1</inkml:trace>
+  <inkml:trace contextRef="#ctx0" brushRef="#br0" timeOffset="96351.31">16933 2170 0,'18'0'125,"0"0"-109,-1 0-16,1 0 15,0 0-15,-1 0 16,71 0 0,-70 0-1,17 0-15,-17 0 16,52 0-1,-52 0 1,0 0-16,17 0 0,0 0 16,1 0-1,34 0 1,-35 0 0,-17 0-1,35 0-15,-35 0 16,35 0-16,-18 0 15,-18-18-15,1 18 16,0 0 0</inkml:trace>
+  <inkml:trace contextRef="#ctx0" brushRef="#br0" timeOffset="97333.28">17568 1870 0,'36'0'93,"-19"0"-77,1 17-16,17 1 16,-35 0-1,53-1 1,-18 1-1,-35 0-15,36-18 16,-36 17-16,17-17 16,19 35-1,16-17 1,-52 0 0,36 17-16,-19-35 15,-17 18 1,0-1 140,-17 36-140,-19-35-16,-16 35 15,16 0-15,1-18 16,0-17-16,-1 35 16,19-18-1,-1-35 1,1 17-16</inkml:trace>
+  <inkml:trace contextRef="#ctx0" brushRef="#br0" timeOffset="99600.24">18627 1711 0,'0'-18'235,"17"18"-220,-17-17-15,0-1 16,18 18-16,0-18 31,-1 18-15,1 0-1,-1-17-15,19 17 16,34-18 0,-34 18-1,-19 0 1,1 0 0,0 0-1,-1 0-15,1 0 16,-1 0-1,19 18 1,-19-18 0,1 0-1,0 17-15,-1 1 16,1 0 0,0-1-1,-18 1 1,0 0-1,0-1 1,0 1-16,0 0 16,0-1-1,0 1 1,-18-1 0,-35 19-1,18-19 1,17 1-16,-35 0 15,36-1 1,-1-17 0,18 18-1,-18-18 48,18 18-63,0-1 15,0 18 1,0-17 0,0 0-1,0-1-15,0 1 16,0 0 0,18-1-1,-18 1-15,18 0 16,-18-1-1,17 1 1,-17-1-16,18 1 16,-18 0-1</inkml:trace>
+  <inkml:trace contextRef="#ctx0" brushRef="#br0" timeOffset="101465.39">19244 2117 0,'0'-18'0,"0"0"47,0 1-16,18 17-15,-1 0-1,1 0 1,17 0-1,-17 0-15,17 0 16,0 0 0,-17 0-1,0 0 1,-18 17 0,17 1-1,-17 0 1,0 17-16,0 0 15,0-17-15,0-1 16,-17 1 0,-1-18-16,18 18 15,-18-18-15,1 0 16,-1 0 0,-35 0-1,18 0 1,0-18-1,17 0 1,18 1 0,0-1-1,0 1 1,0-36 0,0 35-16,18 0 15,-1-17 1,19 17-16,-19 1 15,1 17 1,17 0 15,18 0-15,-53 17-16,35 1 16,-17-18-1,-18 18 1,0-1-1,18 1 1,-18 0 0,0-1-1,-18 19-15,-17-19 0,-1 1 16,1-18 0,18 0-1,-19 0 1,19 0-1,-1 0 1,18-18 15,0 1-31,0-1 16,0 0 0,0 1-1,18 17 16,-1 0-15,1 0 0,17 0-1,-17 35 1,-1-17 0,-17-1-16,0 1 15,0-1-15,0 1 31,0 0-15,-17-18 15,-1 0-15,1 0 0,-1-18-1,18 0 16,0 1-31,0-1 16,0 1 0,18 17 31,-1 0-47,1 0 15,-1 0 1,-17 17-1,18-17 1,-18 18 0,0-1-1,-18-17 63,18-17-31</inkml:trace>
+  <inkml:trace contextRef="#ctx0" brushRef="#br0" timeOffset="102996.21">13423 9349 0,'18'-18'47,"-1"18"-32,1 0 1,0-18-16,-1 1 16,1 17-16,35-18 15,-18 0 1,71 1-1,-53-1-15,-18 1 16,18 17-16,71-18 16,-71 0-1,17 1 1,1-1 0,-54 18-1</inkml:trace>
+  <inkml:trace contextRef="#ctx0" brushRef="#br0" timeOffset="104367.46">13547 9472 0,'17'0'63,"1"0"-48,0 0 32,-1 0-16,1 0-15,-1 0-16,1 0 16,17-18-16,18 18 15,-17-17 1,105-1 0,-106 18-16,36-35 15,-36 17 1,0 18-1,-17 0 48,-1 0-32,-17-17-31,18 17 16,0 0-1</inkml:trace>
+  <inkml:trace contextRef="#ctx0" brushRef="#br0" timeOffset="105331.15">13705 8819 0,'18'0'47,"0"0"-32,-1 0 1,1 0-16,53 0 16,-19 0-1,107 18 1,-71 17-1,18 1 1,-53-19-16,-18 1 16,36 17-1,-18 0 1,-18-17 0,18 35-1,-35-53-15,-18 18 16,17-18-16,-17 17 125,0 1-125,-35 0 15,0 35-15,17-18 16,1 0 0,-1 36-1,0-54-15,18 19 16,-17-19-16,17 36 16,0-35-1,0 17 1,0-17-1,0-1 1</inkml:trace>
+  <inkml:trace contextRef="#ctx0" brushRef="#br0" timeOffset="107257.62">15363 8625 0,'0'0'0,"-52"-17"31,52-1-31,-18 18 16,0 0 15,1 0-31,17 18 15,-18-18-15,18 35 16,0-17 0,0-1-1,0 19-15,0-1 16,18-17-16,-18 17 16,53 35-1,17 19 1,-35-72-1,36 18 1,-18 1-16,-35-36 31,-1 0-15,1 0-16,-1 0 16,36-53-1,-35 35 1,17-17-16,-35-36 0,36 1 15,-36 35 1,0-36 0,0-17-1,-18 35 1,-17 0 0,17 35-16,0 18 15,1-17 1,-19 17-1,19 0 1,-36 0 0,-35 0-1,52 0-15,-17 35 16,18 0 0,35-17 15,0-1-16,0 1 1,0 0-16,0-1 16,18 19-1,17 17 1,0-18 0,1 0-1</inkml:trace>
+  <inkml:trace contextRef="#ctx0" brushRef="#br0" timeOffset="107746.36">15857 8520 0,'0'17'15,"18"18"-15,0 1 16,17 52-1,0-35-15,0 35 16,18-53 0,-53-17-1,18 0-15,0-18 47,-18-18-31,17-35-16,-17 0 15,18-53 1,-18 71 0,0-18-1,0 18 1</inkml:trace>
+  <inkml:trace contextRef="#ctx0" brushRef="#br0" timeOffset="108382.37">16316 8661 0,'0'0'0,"18"0"32,-18-18-17,17 0 1,1 1 0,17-19-16,-17 19 0,17-54 15,-17 36 1,-18 0-1,0-1 1,-18 36 31,-52 0-47,-1 0 16,0 36-1,54 17 1,-1 0-1,18-1 1,0-34-16,0 35 16,18-35-1,17-1 1,-17 1 0,-1-18-1,36 18-15,35-1 16,-70-17-1,106-17 1,-54-19 0,-52 1-1,-1-18 1,-17 18-16,0 0 31</inkml:trace>
+  <inkml:trace contextRef="#ctx0" brushRef="#br0" timeOffset="108735">16686 8502 0,'18'18'47,"17"-18"-32,-35 17-15,53 18 16,-35-17 0,0 0-1,-18-36 48,0-17-48,0-36-15,-18-35 16,18 54 0,0 16-1,0 1 1</inkml:trace>
+  <inkml:trace contextRef="#ctx0" brushRef="#br0" timeOffset="110603.86">17216 8167 0,'0'17'94,"0"1"-78,0 0 31,0-1-32,0 1 17,0 0-17,0-1 1,0 1 15,0 0-15,0-1-16,0 1 31,0-1-15,17 1-1,-17 0 1,18-18-1,-1 0-15,1 17 16,0-17 15,-1 0-31,1 0 16,17 0-16,-17 0 16,0 0-1,17 0-15,0 0 16,53 0-1,-52-17 1,-19 17 0,1-18 31,0 18-32,-18-18 1,0 1 31,0-1-32,0-35 1</inkml:trace>
+  <inkml:trace contextRef="#ctx0" brushRef="#br0" timeOffset="111485.35">17427 7990 0,'0'0'0,"-17"0"16,-1 0-1,0 0 1,18 18 0,-17 0-1,-19-1 1,36 1 0,-17 0-16,17-1 15,0 1 16,0 0-15,0-1 0,0 1-1,0-1-15,0 1 16,0 17 0,17 1-1,-17-19 1,18-17-1,-18 18 1,18 0 0,-18-1-1,17-17 1,1 18 0,0-18-1,17 0 1,-18 17-1,1-17-15,53 0 16,-18 0 0,-36 0-1,1 0 1,0 0 0,-18-35 93</inkml:trace>
+  <inkml:trace contextRef="#ctx0" brushRef="#br0" timeOffset="112392.32">17445 7973 0,'-18'0'16,"1"17"-16,-1-17 16,0 18-16,1 0 15,-1-1 1,-17 19 0,35-19-1,-18 1-15,0 0 16,1 17-1,17 0-15,0-17 16,0-1 0,0 19-1,0-19 1,0 1 0,0 17-1,0 0 1,0-17-1,17 0 1,19-1 0,-19 1-1,1-18 1,-18 18 0,35-18-16,-17 0 15,0 0 1,34 0-1,19 17 1,-53-17-16,52 18 16,-34-18-1,-19 0 1,18 0 0,18-18-1,-17 1 1,34-19-16,-52 36 15,-18-17 48,0-1-32</inkml:trace>
+  <inkml:trace contextRef="#ctx0" brushRef="#br0" timeOffset="113323.16">17727 8114 0,'-18'0'0,"36"0"0,-36 18 0,18-1 16,0 1-1,0-1 1,0 1 0,0 17-16,0 1 15,0-19 1,0 19-16,18-19 15,0 18 1,-1-17 0,19 0-16,-19 17 15,1-35 1,17 0 0,0 0-1,-17 0 16,0 0 1,-1-18-1,-17 1-31,18-1 16,-18-52-1,0 52-15,0-53 16,0 36-1,-18 0 1,1 35-16,17-18 16,-36 18-1,36-17-15,-35 17 16,18 0 0,-1 0-1,0 0 1,18 17 78,0 1-94,18-1 15,-18 19-15,18-1 16,-1-35-1,-17 18-15,18-18 0,-18 17 16,17-17 0</inkml:trace>
+  <inkml:trace contextRef="#ctx0" brushRef="#br0" timeOffset="115134.21">18045 8043 0,'17'0'16,"1"0"-16,-18 18 15,35 53 1,-35-54-1,35 36 1,-17 0-16,-18-35 16,18-1-1,-54-34 63,19-54-78,-18 1 16,17 52 0,0-17-16,18 17 15,0 0 17,0 1 14,36 17-30,-19 0 0,36 17-16,0 1 15,-18 0 1,18 17 0,-18-17-1,-17-1 1,-18 1-1,0-36 79,0-17-94,0 0 16,-18-1-16,18 19 15,0-19-15,0 19 16,0-18 0,18 17-1,0 0 1,-1 18 0,1 0-1,0 0 1,-1 0-16,36 0 15,0 18 1,-18 0 0,1 17-16,-1-18 15,-17 1 1,-1-18 0,-17 18-1,18-18 1,-1 0-1,1 0-15,0 0 16,-1-18 0,36-52-1,-53 52 1,18 18 78,-18-18-94,18 18 31,-1 0 16,1 0-32,17-17 1,-17-1 0,-18 0-1,0-17 1,0 17 0,0 1-1,0-1 1,-18 18-1,1 0-15,-1 0 16,0 0-16,1 0 16,-36 0-1,35 0 1,0 18-16,18-1 16,0 1-1,0 35 1,0-35-1,0 17 1,0 0 0,18-17-16,-18-1 15,18 1-15,-1 0 32,1-18-17,-18 17-15,18-17 16,-1 0-1,1 0 1,35 0 0,-18 0-1,-17 0 1,-1 0 0,-17-17-1,18 17 63,0 0-46,-18-18-17</inkml:trace>
+  <inkml:trace contextRef="#ctx0" brushRef="#br0" timeOffset="144384.15">19420 7743 0,'0'-17'141,"18"17"-126,-18-18-15,35 18 16,-17 0-16,0-17 16,35-1-1,-36 18 1,-17-18-16,18 18 16</inkml:trace>
+  <inkml:trace contextRef="#ctx0" brushRef="#br0" timeOffset="144963.25">19350 7867 0,'0'0'0,"35"0"0,-17 0 31,-1 0 16,-17-18-47,18 18 15,0 0 1,-1 0 0,1-17-16,17-1 0,-17 18 15,35-18 1,0 1 0,-36 17-1,19-18 1</inkml:trace>
+  <inkml:trace contextRef="#ctx0" brushRef="#br0" timeOffset="145535.7">19579 7497 0,'18'0'62,"35"0"-46,17 0-16,-17 0 15,71 17-15,-36 18 16,-18 1-16,-34-36 16,34 35-16,-52-17 15,17 17 1,-35-17-16,0 17 16,0-18-1,0 1-15,-35 35 16,-71 18-1,71-54 1,-89 54 0,36-36-16,70-35 15</inkml:trace>
+  <inkml:trace contextRef="#ctx0" brushRef="#br0" timeOffset="146562.32">20514 7532 0,'0'17'47,"18"1"-32,-1 35-15,1-35 0,0 17 16,-18-17 0,17-1-16,-17 1 15,18-18 1,-36-35 31,-17-18-32,17 17-15,1 1 16,17 0 0,-18 0-16,18-1 15,53 36 63,0 18-78,-18 0 16,0-18-16,36 52 16,-36-34-1,1 17 1,52 54-1,-71-72-15,-17 1 16,18-1-16,-18-34 63,-18-18-48,-35-18-15,53 35 16,-35-35-16,18-35 15,17 70 1,0-17 0,0 17-1,17 18 32,18 0-31,1 36-1,-1-36-15,0 53 16,53-1 0,-70-16-16,53 17 15,-18-36 1,-36 1 0,36-18-1,-35 0-15,-1-18 16,19-17-1,-1-18 1,-17 35-16</inkml:trace>
+  <inkml:trace contextRef="#ctx0" brushRef="#br0" timeOffset="147167.53">21202 7391 0,'0'0'0,"-35"17"0,17 1 15,18 0 1,0-1-16,0 1 16,0 0-1,0 17 1,18 0-1,-1-17 1,19-1 0,-36 1-16,35-18 0,0 18 15,-17-18 1,-1 0 0,19 0-1,-19-36 1,36-52-1,-35 71-15,-18-36 16,0 0 0,0 70 62,0 1-63,18 17 1,-1-35 0,-17 18-1,18-18-15,-1 0 47,1 0-16</inkml:trace>
+  <inkml:trace contextRef="#ctx0" brushRef="#br0" timeOffset="147448.35">21625 7373 0,'18'0'16,"0"0"-1,-1 0 1,1 35-16,-1-17 16,36 35-1,-35-35 1,17-1 0,-17 1-16,-18-36 62,0-17-46</inkml:trace>
+  <inkml:trace contextRef="#ctx0" brushRef="#br0" timeOffset="147712.17">21555 7073 0,'17'18'94,"1"-1"-78,53 19-1</inkml:trace>
+  <inkml:trace contextRef="#ctx0" brushRef="#br0" timeOffset="148317.28">21943 7285 0,'17'17'32,"-17"1"-17,18 0 1,-18-1-1,18 1-15,-18 0 16,35 52 0,-35-52-1,18 0-15,-1 34 16,1-34 0,-18 17-1,0-88 48,0 18-63,-18-18 15,18 18-15,0 17 16,0 1-16,0-1 16,18 18 46,0 0-62,34 18 16,1-1-1,-17 1-15,-19-18 16,1 18 0,0-18-1,-1 0 1,1 0-1,-1-18 17</inkml:trace>
+  <inkml:trace contextRef="#ctx0" brushRef="#br0" timeOffset="148869.85">22437 7056 0,'17'0'15,"1"0"1,0 17 0,52 54-1,-17-1-15,-18-34 16,18-1 0,-17 35-1,-19-52 1,1 17-1,-36-35 32,-123 0-31,106 0-16,-36 0 16,36-17-1,17 17-15,18-18 47,0 0 16,36 18-48,-1-17 1,0-1-16,36 0 15,17 1-15,-35 17 16,-36-18-16,54-17 16,-53 35-16,17-35 15,0 17 1,0-17-16</inkml:trace>
+  <inkml:trace contextRef="#ctx0" brushRef="#br0" timeOffset="149623.17">22931 7091 0,'-71'0'0,"36"17"32,158-34-32,-264 70 15,265-106-15,-248 123 0,124-52 16,0 0-1,0-1 1,18 1 0,-18 0-1,17-1 1,1-17-16,17 0 16,1 0-1,-1-70 1,-18-1-1,-17 53 1,0 1-16,18 17 47,0 0-31,-1 17-1,1 1 1,-18 0-16,18-1 31,-1-17-31,19 18 16,-19-18-1,19-18 1,-19-17 0,1 17-16,-18 1 31,17 17 47,1 17-62,0-17-16,-1 36 15,-17-19 1,18 1-1,0 0 1,-18-54 31,-18 1-47,0-18 16</inkml:trace>
+  <inkml:trace contextRef="#ctx0" brushRef="#br0" timeOffset="149857.31">22983 6650 0,'18'0'47,"0"0"-47,-1 0 15,-17 18 1,18-1-16,17 1 16,1-1-16,17 36 15,35-17 1</inkml:trace>
+  <inkml:trace contextRef="#ctx0" brushRef="#br0" timeOffset="150451.41">23654 6844 0,'0'35'62,"0"-17"-46,0 17-16,0 0 0,0 1 15,0-19 1,0 19-16,0-19 31,0-34 16,0-19-31,0 19-16,0-19 15,0 1-15,0 0 16,0 17 0,17 18 62,1 0-63,17 35 1,-17-17 0,0-18-1,-1 35 1,1 1 0,-18-19-16,17 36 15,-17-35 1,0-1-1</inkml:trace>
+  <inkml:trace contextRef="#ctx0" brushRef="#br0" timeOffset="151842.97">17410 9631 0,'0'17'63,"17"1"-48,1 0-15,-1 52 16,1-52 0,-18 0-16,18-1 15,-18-70 79,0 0-78,0 0-1,0 18-15,0 0 16,0 17-16,0-35 15,53 71 79,-18 17-94,18 1 16,0-19-1,-18 36-15,-17-35 16,17-1 0,-17 1-1,-18-71 79,0 0-94,0 0 16,17-17-16,1 17 15,-18 35-15,18-17 16,-1 0-16,-17 17 31,18 18 0,17 18-15,-17-1-16,17 19 16,0-1-16,-17 0 15,35 0 1,-18 18 0,-17-35-16,-1-18 31,-17-35 31</inkml:trace>
+  <inkml:trace contextRef="#ctx0" brushRef="#br0" timeOffset="152257.46">18186 9402 0,'0'17'31,"17"1"-15,-17-1-16,18-17 15,0 36-15,17-1 16,-17-17-1,-1-18 1,1 0 62,-18-18-78,17 0 16,-17-17-1,0 17-15,18 1 16,-18-18 0,0 17-16,0 0 15,0 1-15,0-1 16,0 0 0</inkml:trace>
+  <inkml:trace contextRef="#ctx0" brushRef="#br0" timeOffset="152658.21">18380 9225 0,'17'0'32,"19"18"-17,-36-1-15,35 19 16,-17-19-1,17 36 1,-18-35-16,-17 0 16,18-1-16,-18-34 47,18 17-32,-18-18 1,0-17-16</inkml:trace>
+  <inkml:trace contextRef="#ctx0" brushRef="#br0" timeOffset="152976.23">18644 9049 0,'18'0'16,"0"0"-1,34 53 1,-52-36 0,53 36-1,-35-17-15,17-1 16,1 0 0,-19-17-1,-17-1 1</inkml:trace>
+  <inkml:trace contextRef="#ctx0" brushRef="#br0" timeOffset="153272.29">18732 9225 0,'18'0'62,"35"-17"-46,-35-1-16,35 0 15,0 18 1,-36-17-16,18-1 16,-17 18-1,-18-18 1</inkml:trace>
+  <inkml:trace contextRef="#ctx0" brushRef="#br0" timeOffset="153568.32">19015 9084 0,'17'0'46,"1"18"-30,0-1 0,-18 1-1,17 0 1,1-1 0,-18 1-1,0-53 32,-53-71-31</inkml:trace>
+  <inkml:trace contextRef="#ctx0" brushRef="#br0" timeOffset="153779.24">18944 8837 0,'18'0'109,"-1"0"-93,89 35-16</inkml:trace>
+  <inkml:trace contextRef="#ctx0" brushRef="#br0" timeOffset="154478.42">19262 8943 0,'17'0'31,"1"18"-16,0-1 1,17 36-16,-35-35 16,53 70-1,-53-70 1,0-1-16,17 19 16,-34-36 46,-1-18-46,1-17-16,-1 17 15,0-17-15,1-1 16,-1 1-16,0 0 16,18 0-1,0-1 1,0 19-1,18 17 48,0 0-47,17 0-16,0 0 15,53 35 1,-17 0 15,-53 0-31,-18-17 31,0 0-15,-18-18 0,18 17-16,-18 1 15,1-18 1,-1 0-1,18-18 32</inkml:trace>
+  <inkml:trace contextRef="#ctx0" brushRef="#br0" timeOffset="154805.21">19632 8802 0,'18'0'15,"-1"17"1,-17 1-1,0 0-15,18-1 16,0 1-16,-18 0 16,0-1-1,17 1 1,-17 0-16,18-18 16,-18 17-16,18-17 15,-18 18 1</inkml:trace>
+  <inkml:trace contextRef="#ctx0" brushRef="#br0" timeOffset="155411.54">19826 8943 0,'18'0'15,"-1"0"32,-17-18-31,18 18 0,0-17-1,-1 17 1,-17-18-16,18 0 0,-18-35 31,0 18-15,0 18-16,0-1 15,-18 18 17,1 0-17,17 18 1,0-1-16,0 1 15,0-1 1,0 1 0,0 17-16,17-17 0,1 0 15,0-1 1,-1-17 0,-17 18-1,18-18 1,17 0-1,-17 0 1,-1 0 0,1 0-1,0-18 1</inkml:trace>
+  <inkml:trace contextRef="#ctx0" brushRef="#br0" timeOffset="156695.29">21343 8290 0,'-18'0'63,"1"0"-48,-19 0-15,19 0 16,-1 0-1,1 0 1,-1 36 0,-35-1-16,35-18 15,-87 89 1,34-53 0,53-35-1,18-1 1,0 1 93,18-18-109,0 35 31,-1-17-31,1 17 16,-18-17 0,0 0-1,0-1 1,0 1 0,-18 0 15,18-1-31,-35 1 15,-18 17 1,-35-17 0,70-1-1,1-17 1</inkml:trace>
+  <inkml:trace contextRef="#ctx0" brushRef="#br0" timeOffset="157494.19">21184 8696 0,'18'0'15,"-18"-18"-15,18 18 32,-1 0 15,-17-17-47,18-1 15,35 0 1,-36 1-16,36-19 15,-35 19 1,0 17 0,-36 0 62,0 0-63,-17 17-15,17-17 16,1 0 0,17 18-16,0 0 62,0-1-62,0 1 31,0 0-15,0-1 0,0 1-1,17-18 32,1 0-31,17-18-16,-17 18 15,0-17-15,-1 17 16,36-18 0</inkml:trace>
+  <inkml:trace contextRef="#ctx0" brushRef="#br0" timeOffset="157914.18">21519 8572 0,'18'0'63,"0"18"-63,-1-18 15,1 18 1,-18-36 78,18-17-79,-18 0 1,17 17-16,1 0 15</inkml:trace>
+  <inkml:trace contextRef="#ctx0" brushRef="#br0" timeOffset="159188.14">21784 8502 0,'18'0'62,"-1"0"-31,1 0-15,0 0-16,-1 0 31,1 0 0,-18-35-15,18-1 0,-18 19-16,17-36 15,1 53 1,-1 0 62,1 17-62,0-17-16,-1 0 15,19 18-15,-19-18 16,1 0 0,0 0-16,-1 0 78,-17-18-63,18 1-15,-1 17 16,-17-18 0,0 1-1,0-1 1,-17 18 46,17 18-46,0-1 0,-18-17-16,18 18 15,0-1-15,0 1 47,35-18 16,1 0-48,-1 0 1,0 0-16,-17 0 15,0 0 17,-18-18-32,0 1 15,0-1 1,17 18 46,1 0 32</inkml:trace>
+  <inkml:trace contextRef="#ctx0" brushRef="#br0" timeOffset="159852.23">23442 7796 0,'35'53'63,"-35"-17"-48,18-19 1,17 36-16,-17-18 16,0-17-16,-18 0 15,35 52 1,-35-52-1,0 0-15,-18-18 63</inkml:trace>
+  <inkml:trace contextRef="#ctx0" brushRef="#br0" timeOffset="160170.16">23125 8132 0,'0'-18'47,"17"18"-32,1 0 1,17 0-16,18-18 16,-35 1-16,123-1 31,-124 0-31,19 1 16,-1 17-16,-35-18 15,18 18 1,-18-18-16</inkml:trace>
+  <inkml:trace contextRef="#ctx0" brushRef="#br0" timeOffset="160800.24">23548 7955 0,'18'0'16,"-1"0"-16,1 18 31,17 35 0,-17-36-15,-1 1-16,1 0 0,0-18 15,17 0-15,18 17 16,-18-17 0,-17 0-1,17-53 1,-17 36 0,-1-19-16,-17 19 62,-35 17-46,17 0-1,1 0-15,-1 0 16,0 0 0,1 17 15,17 1 0,0 0-15,17-18 62,36-36-78,18 36 15,-36-35 1</inkml:trace>
+  <inkml:trace contextRef="#ctx0" brushRef="#br0" timeOffset="161594.18">24059 7320 0,'0'18'31,"18"17"-16,-18-17 1,35 17 0,1 36-16,-19-54 15,54 89 1,-36-18 0,0-53-16,-17 18 15,0-17 1,-18-54 78,0-35-79,0 18-15,17 0 16,1-18-1,0 35 1,-1 0-16,19 1 16,-1-1-1,0 18 1,0 0-16,18 0 16,-35 18-1,35-1 1,-36 19-16,1-19 0,17 36 15,-35-35 1,0 52 0,0-52-1,-70 35 1,35-35-16,-18-1 16,35-17-1,-17 0 16,35-17-15,-18-1 0,18-17-16,0 17 15</inkml:trace>
+  <inkml:trace contextRef="#ctx0" brushRef="#br0" timeOffset="162301.2">25047 7497 0,'0'0'0,"-35"0"15,-18 0-15,35 35 16,-17 0-16,0 18 16,35-35-1,-18-1-15,1 19 16,17-19 15,17-17 16,18 0-31,-17 0-16,0-35 15,35 17 1,-18-35-16,-35 18 15,18 0 17,-1 35 46,1 0-78,-18 17 15,17 19 1,1-19-16,0 1 16,-1 0-1,19-1-15,-36 1 0,17-18 16,1 0 15,-18-18-31,0-52 16,0-36-1</inkml:trace>
+  <inkml:trace contextRef="#ctx0" brushRef="#br0" timeOffset="162574.01">25206 7214 0,'0'18'15,"0"0"1,18-1-16,-1 18 15,-17-17 1,18-18 0,-18 35-1,18-17 1,-1 0 0,1-1-16,-18 1 15,17-18-15,-17 18 16,36-18-1,-19 0 1</inkml:trace>
+  <inkml:trace contextRef="#ctx0" brushRef="#br0" timeOffset="163748.25">25488 7267 0,'0'0'0,"0"-17"0,-17 17 16,-1 0-1,0 17 1,18 1 0,0-1-1,0 1 1,0 35 0,18-53 46,0 0-46,17-18-1,-35-35 1,0 36-16,17-1 16,1 18 15,0 0 31,-1 18-46,1-1 0,-18 1-1,18-18-15,-1 0 47,1-35-47,-18 0 16,0-1-1,0 19 1,18 17 109,-1 0-109,-17 17-1,18 1 1,-18-36 93,0-17-109,0 17 16,0-17-16,18 35 31,-1 0 32,1 0-63,-1 0 31,1 18-31,0-18 31,-1 0-31,1 0 16,0 0-1,17-36 1</inkml:trace>
+  <inkml:trace contextRef="#ctx0" brushRef="#br0" timeOffset="164080.1">25929 6985 0,'-17'0'0,"-1"0"31,18 35-31,0-17 16,0 0-1,0 17 1,0-18 0,0 1-16,18-18 31,-1 0-15,1 0-16,-1 0 15,19-53 1,-19 53-1,-17-35-15,18 0 16</inkml:trace>
+  <inkml:trace contextRef="#ctx0" brushRef="#br0" timeOffset="165072.1">18538 10372 0,'18'0'78,"-18"17"-62,35 19-1,-17-19-15,0 36 16,17 0-1,-35-35 1,18 17 0,-18-17-16,0-1 15,0 1 1,-36-18 62</inkml:trace>
+  <inkml:trace contextRef="#ctx0" brushRef="#br0" timeOffset="165560.5">18450 10530 0,'0'-17'62,"36"-18"-46,-19 35-16,18-18 16,1 0-16,17 1 15,0-1 1,-36 0-16,1 18 16,17-17 77,0-1-77,18 0 0</inkml:trace>
+  <inkml:trace contextRef="#ctx0" brushRef="#br0" timeOffset="166648.1">18909 10336 0,'0'18'47,"0"0"-47,0-1 16,18 19-16,-1-1 16,-17-17-16,35 34 15,-17-34 1,0-18-1,-1 18 1,1-18 0,0 0-1,-1 0 17,1 0-17,-18-18 1,35-17-1,0 0-15,-35-1 16,0 1 0,0 17-1,0 1 17,-17-1 14,-1 18-30,-35-18 0,36 18-1,-1 0 1,0 0 78,-17 0-79,17 18-15,1-18 16,-1 0-16</inkml:trace>
+  <inkml:trace contextRef="#ctx0" brushRef="#br0" timeOffset="168797.25">20338 9948 0,'0'36'63,"17"-1"-48,1 18 1,17 0-16,-17-36 16,17 36-1,36-17 1,-18-19 0,-36-17-1,1 0 1,0 0-16,-1 0 15,54-17 1,-36-19 0,-17-17-16,17 0 15,-35-17 1,0 35-16,0-18 31,0 70 63,35 19-78,-17-19-1,-18 1-15,17-18 31,1 0 1,0 0-17,17-35 1,18-54-16,17-16 16,-52 52-1,-18-18 1,0 36-1,0 17 1,0 1-16,-18 17 16,18-18-1,-17 18 1,-1 0 0,18 18 30</inkml:trace>
+  <inkml:trace contextRef="#ctx0" brushRef="#br0" timeOffset="169989.16">21378 9596 0,'0'0'0,"-35"0"15,0 0-15,-1 0 16,-16 0-16,16 0 16,1 35-1,0 0 1,35-17 0,0 17-1,0 0 1,0-17-16,0 17 15,35 0 1,0-35 0,53 53-1,-17-35 1,-36-18-16,-17 0 16,0 0-1,-1 0 1,-17-18-1,0 1 1,0-1 0,0 0-16,0-17 15,0-18-15,0 36 16,0-19 0,-35 19 15,17-1-16,1 18 1,17-18-16,-36 18 16,19-17-1,52 17 79,18 0-94,0 0 16,0-18-16,-36 1 15,-17-1 17,0 0-17,0 1-15,0-1 16,18 18 109,17 35-125,54 18 15,-54-35 1,-35-1-16,17-17 16,1 18-1,-18 0 1,0-36 31,0 0-32,-35-17-15,0-35 16,-1 17-16,36 0 16,-35 18-1,17 17-15</inkml:trace>
+  <inkml:trace contextRef="#ctx0" brushRef="#br0" timeOffset="170379.96">21855 9349 0,'17'17'47,"1"1"-47,-18 0 16,35 17-1,-17-18 1,-18 19-16,17-36 15,1 35 1,-18-17 0,0-36 15,18 0-15</inkml:trace>
+  <inkml:trace contextRef="#ctx0" brushRef="#br0" timeOffset="170958.24">22102 9225 0,'0'18'47,"0"-1"-47,0 19 15,-18-19-15,18 1 16,-18 0 0,1-1-16,52-17 172,18 0-172,53 0 15,17 0-15,18 36 16,-70-36-16,35 17 15,-1 18-15,-52 1 16,-17-1 0,-19 18 15,-17-18-15,0-17-1,0-1 1,-35-17 15,0 0-15,-18 0-16</inkml:trace>
+  <inkml:trace contextRef="#ctx0" brushRef="#br0" timeOffset="171778.25">20814 10336 0,'18'0'31,"-1"0"-15,1 0 15,-1 18-15,1 0-16,0-1 15,17 36-15,36 88 16,-36-88-1,18 71 1,53 87 0,-71-105-1,71 141 1,-53-123-16,-36-71 16,19-1-1,-19-16 1,-17-19-1,-17-17 79,-1 0-78</inkml:trace>
+  <inkml:trace contextRef="#ctx0" brushRef="#br0" timeOffset="172356.23">20884 11430 0,'18'0'47,"17"0"-31,18 18-16,0 35 15,18-1 1,-18 1-16,-18-35 15,88 88 1,-17-53 0,-35-18-16,-18-17 15,-18-1 1,0-17 0,-17 0-1,0 0 1,-1-17-16,18-89 15,-35 71 1,18-124 0,-18 53-1,-18 18 1,18 53 0,-17-1-16,17 19 31</inkml:trace>
+  <inkml:trace contextRef="#ctx0" brushRef="#br0" timeOffset="173876.47">21431 13000 0,'0'0'0,"0"-18"16,0 1 93,0-1-93,0-17-16,0 17 16,18-17-1,35-53 1,-18 35-16,36-18 15,-1 18 1,-35 36 0,-17-1-1,0 18 1,-1 0 0,1 0-16,35 0 31,-35 0-31,35 35 0,-18-17 15,-18-1 1,54 36 0,-18 36-1,-35-89-15,-1 105 16,-17-34 0,0-18-1,0 17 1,-53 19-1,0-54 1,36-17-16,-71 34 16,17-16-1,18-19 1,18 1 0,17-18-1,18 18-15,-18-1 16,1-17-16,-1 18 31,18 17-15,0-17-1,0-1 1,0 19-16,0 17 16,18-18-1,17-17 1,-17 34-16,-1-34 15,-17 0-15,0-1 16,18-17 0,0 18-1,-1-18 63</inkml:trace>
+  <inkml:trace contextRef="#ctx0" brushRef="#br0" timeOffset="175554.43">22031 13564 0,'0'0'0,"0"-17"16,18 17 62,17 0-47,-17 0-15,-18 17-16,17-17 16,-17 18-1,0 0-15,0-1 16,0 1-1,0-1 1,-17-34 78,17-1-94,0 1 15,0-1 1,0 0 0,17 18-1,-17-17 1,18 17 0,-1 0-16,1 0 15,0 0 1,-1 17 15,1-17-31,-18 18 16,0 0-1,-18-18 63,1-18-15,17 0-47,17 18 77,-17 18-77,18 0 0,-18-1-16,0 1 15,0-1 1,-18-17 78,18-17-94,-17 17 15,17 17 173,-18-17-126</inkml:trace>
+  <inkml:trace contextRef="#ctx0" brushRef="#br0" timeOffset="177263.37">21731 5133 0,'0'18'172,"35"-1"-156,-35 18-16,36 1 16,-19 17-1,1-18 1,0 0-16,-1 1 0,1 16 15,0 54 1,-1-70 0,18 16-16,-35-16 15,53 87 1,-35-52-16,0-54 16,-1 54-1,-17-36 1,0-17-16,18-1 15,-18 1 1,18 0 0,-18-1-1,0 1 1,0 0 15</inkml:trace>
+  <inkml:trace contextRef="#ctx0" brushRef="#br0" timeOffset="178337.38">21819 5927 0,'36'17'172,"-19"1"-156,1 0-16,0-1 15,34 36-15,-34-35 16,17 17-16,54 53 16,-72-88-1,18 36 1,-17-1-1,0-35 1,-18-35 140,0 17-140,0 0-16,0-35 16,0 0-16,0 18 15,-18 17 1,18-34-1,0-1 1,-18 53 0,18-18-16,0 0 0,0 1 31</inkml:trace>
+  <inkml:trace contextRef="#ctx0" brushRef="#br0" timeOffset="181076.2">16069 11289 0,'0'-18'125,"0"1"-94,53-1-15,35-17-1,-35-1-15,35 1 16,0 17-16,18-34 16,0 16-16,18-34 15,-71 52 1,-53 0 0,17 18 30,-17-17-30,18 17 0,-1-18-16,1 1 15</inkml:trace>
+  <inkml:trace contextRef="#ctx0" brushRef="#br0" timeOffset="181904.13">16369 11342 0,'18'0'125,"-1"-18"-109,18 18-16,54-53 16,-36 36-16,-18-1 15,18-17 1,17 17 0,-17-17-1,-17 35-15,-19-18 0,36 0 16,-18 1-1,-17 17 17,0-18-32,-1 18 31,-17-17 125,-17-19-156,-1 19 16</inkml:trace>
+  <inkml:trace contextRef="#ctx0" brushRef="#br0" timeOffset="182684.74">16704 10672 0,'18'0'109,"-1"0"-93,19 0-1,-1 0 1,0 0-16,0 0 16,54 17-1,-36 1-15,-1-1 16,-16 1-16,140 70 15,-158-88 1,17 18 0,-35 0-1,0-1 110,-18 18-109,-17 1 0,17 17-16,-34-18 15,16 53 1,-17-17-1,18-36 1,17 0-16,1-35 0,-18 53 16,17-35 15,18-1 31</inkml:trace>
+  <inkml:trace contextRef="#ctx0" brushRef="#br0" timeOffset="184682.59">21308 14958 0,'17'53'63,"1"-18"-63,0 0 15,17 18-15,0 18 16,1-18-16,-19-18 16,1 35-1,-1-52-15,1 35 16,-18-35 15,0-54 32,-18-17-63,-17 1 15,35-1-15,-35 0 16,17-18-16,1 18 15,17 18-15,0-18 16,0 0 0,0 18-1,0 0-15,0-1 16,0 19 0,0-1-1,17 18 32,89 71-31,-53-54-1,0 36-15,70 35 16,-105-52 0,17-1-16,-17-17 31,-18-54 78,-18 1-109,1-18 0,17 18 16,0-18-16,0 0 15,0-18 1,0 36 0,0 0-16,0 17 15,0 1 1,17 17 15,1 0 0,35 17-31,-18-17 16,18 35 0,-35-17-16,17 0 15,18 17-15,-35-17 16,17-1 0,-18 19-1,1-36 1,0 17-1,-18 1 32,17-18 0,19 0-31,-1 0-1,0-18-15</inkml:trace>
+  <inkml:trace contextRef="#ctx0" brushRef="#br0" timeOffset="186023.4">22419 14693 0,'-35'0'0,"17"0"15,0 0 1,18 18 0,-17-1-16,17 1 15,0 17 1,0-17 0,0 0-1,0-1-15,17 1 0,19 17 31,-19-17-15,1-18 0,0 0 31,-1-35-32,1-1 1,0-17-16,-1 18 0,-17 0 15,0 17 1,0-17 0,18 35 46,-1 18-46,-17-1-16,36 18 15,-36-17-15,35 0 16,-17 17 0,-18-17-1,0-54 48,0 1-48,0 0-15,0 0 16,17 35 62,1 17-62,0-17-1,-1 18-15,1 17 16,0-17 0,-18-54 77,-18-16-77,0 34-16,18-17 16,0 17-16,0-17 15,0 17 1,0-35-16,0 36 16,18 17-1,0 0 16,-1 0-15,18 0 0,1 17-16,-1 1 15,-17-1 1,17-17-16,-17 36 16,17-36 15,-35 17-16</inkml:trace>
+  <inkml:trace contextRef="#ctx0" brushRef="#br0" timeOffset="187434.07">23107 14376 0,'0'17'109,"0"1"-93,18 17-16,-1 1 15,-17-19-15,18-17 16,-18 18-16,18-18 47,-1-18 46,1-17-77,-1 17-16,1-35 16,-18 36-1,18-1-15,-18 0 16,0-17-16,0 18 16,0-1 15,0 0-31</inkml:trace>
+  <inkml:trace contextRef="#ctx0" brushRef="#br0" timeOffset="188321.23">23477 14288 0,'-17'0'32,"-1"0"-17,0 0 1,1 17-1,-1-17-15,18 35 16,0-17 0,-17 35-1,17-18-15,0-17 16,0-36 125,17 1-126,1-1-15,-18 0 16,0 1-16,17 17 94,1 0-63,0 17-16,-1-17 1</inkml:trace>
+  <inkml:trace contextRef="#ctx0" brushRef="#br0" timeOffset="188810.07">23495 14199 0,'18'0'62,"-1"0"-46,1 18-1,0 0 1,-1-1-16,1 19 16,17-1-1,0 35 1,-35-34-16,18-19 0,0-17 15</inkml:trace>
+  <inkml:trace contextRef="#ctx0" brushRef="#br0" timeOffset="190280.2">24853 13988 0,'0'17'78,"18"19"-78,-18-19 16,17 18-16,-17-17 15,18-18-15,-18 18 16,18-1-16,-18 1 16</inkml:trace>
+  <inkml:trace contextRef="#ctx0" brushRef="#br0" timeOffset="191211.42">25118 13406 0,'17'0'62,"1"17"-46,0 18-16,-1-17 15,-17 17-15,36 1 16,-36-19-16,17 19 16,1-19-1,-18 1 1,-18-53 62,1-1-78,-19-34 31,19 17-31,-1 0 0,18 18 16,0 17-1,0-17 1,0 17 0,0-35-1,0 36-15,0-1 32,35 18 30,-17 18-46,53 34-1,-19-16-15,-16-1 16,17 0 0,-53-17-16,53 17 15,-1 36 1,-16-36-1,-1 0-15,-17-17 16,-18 0 0,17-1-16,1-17 15,-18 18 1,18-1 0,-18 1-16</inkml:trace>
+  <inkml:trace contextRef="#ctx0" brushRef="#br0" timeOffset="191690.37">25224 13564 0,'0'-17'31,"17"-1"31,1 18-46,0 0 0,-1-18-16,1 18 15,-1-17-15,1-1 32</inkml:trace>
+  <inkml:trace contextRef="#ctx0" brushRef="#br0" timeOffset="192270.23">25629 13264 0,'-17'0'15,"-1"36"-15,18-19 16,0 1 0,0 17-1,0 1 1,0-19-16,0 1 15,18-1-15,-1 1 16,1 0 0,17-1-1,-17-52 63,0 0-78,-18 0 16,0-18-16,0 17 16,0 19-16,0-1 15,17 18 32</inkml:trace>
+  <inkml:trace contextRef="#ctx0" brushRef="#br0" timeOffset="193526.22">25859 13035 0,'0'18'47,"17"17"-31,1-17-16,-18-1 15,18 1-15,17 35 16,-18-18 0,-17-17-16,36 17 15,-36-17 1,17 17 0,-34-35 46,-1 0-62,-17 0 16,0-18-16,-1 1 15,19 17-15,17-18 16,-18 18 0,18-18-16,0 1 171,18 17-155,17-18-16,-17 1 16,-1-1-16,1 0 15,-1 18 1,-17-17 0,18-1-16,-18 0 15,35 1 1,-35-1-1,18 18 95,-18 18-95,35 17 1,-35-17-16,18-1 16,0 1-1,-1-18 17,1 0-17,-1 0 1,19-18-1,-19-35-15,1 36 16,-18-19 0,0 19 15,0-1-31,0 1 16,-18 17 15,1 0-16,-1 0-15,0 0 16,1 0 0</inkml:trace>
+  <inkml:trace contextRef="#ctx0" brushRef="#br0" timeOffset="195419.15">26335 12859 0,'17'0'94,"1"17"-94,-18 1 16,18 0-16,-1 17 15,1-17 1,-18-1-1,0-52 95,-18 17-110,18 1 15,0-1 1,0 36 125,18-1-126,0 1 1,-18-36 93,0-35-77,0 18-32,0 17 15,17-17-15,-17 18 16,18 17-1,0 0 32,-1 0-31,19 35 0,-19-35-1,1 35 1,-18-17-1,17-18 79,54-18-63</inkml:trace>
+  <inkml:trace contextRef="#ctx0" brushRef="#br0" timeOffset="196167.08">26776 12700 0,'-18'0'31,"18"18"-16,-17-1 1,17 1-16,-18 0 16,18 17-1,0-18 1,0 1 0,0 0-1,0-1 1,18-17 78,-18-17-79,17-1-15,-17 0 0,18 1 16,-18-1-1,17 18 95,-17 18-110,18-18 15,-18 17 1,18-17-16,-1 0 31,1-35 1,-18 18-17,0-36-15,0 35 16,0-105-16</inkml:trace>
+  <inkml:trace contextRef="#ctx0" brushRef="#br0" timeOffset="196491.06">26864 12453 0,'18'18'31,"-18"-1"-16,17 1-15,1 17 16,0 1-16,17 34 16,0-35-1,0 36 1,-17-53 0,-18-1-1,0 1-15,-18-18 78,1 0-78,-18-35 32</inkml:trace>
+  <inkml:trace contextRef="#ctx0" brushRef="#br0" timeOffset="196740.15">26917 12682 0,'0'-17'78,"35"-1"-62,-17 0-16,0 1 16,34-1-16,-34 1 15,0-1 1,-1-35-16</inkml:trace>
+  <inkml:trace contextRef="#ctx0" brushRef="#br0" timeOffset="197047.2">27164 12453 0,'18'18'16,"17"-1"-1,-35 19-15,17-19 32,1 1-32,-18 0 15,0-36 48,-35 0-48</inkml:trace>
+  <inkml:trace contextRef="#ctx0" brushRef="#br0" timeOffset="197238.16">27093 12330 0,'18'0'94</inkml:trace>
+  <inkml:trace contextRef="#ctx0" brushRef="#br0" timeOffset="197799.13">27587 12330 0,'-17'0'16,"-1"0"-16,0 0 15,1 0 1,-19 0-16,19 0 16,-1 35-16,0-18 15,1 19 1,17-19-16,0 1 15,0 0 1,0-1-16,0 1 31,17 0 1,19-18-17,-1 0 1,18 0-1,-18 0-15,-35-18 16,18 18 0,-1 0 46,1 0-62,17 0 16,1 0-16,-1-18 15</inkml:trace>
+  <inkml:trace contextRef="#ctx0" brushRef="#br0" timeOffset="-175860.36">22472 15699 0,'0'17'109,"0"1"-109,18 17 16,-1 0-16,-17 1 15,0-1-15,18 0 16,-1 53-1,-17-52 1,18 52 0,0-70-16,-18 34 15,17 1 1,-17-35 0,0 0-1</inkml:trace>
+  <inkml:trace contextRef="#ctx0" brushRef="#br0" timeOffset="-174608.5">22578 15769 0,'0'18'140,"0"-1"-140,0 1 16,17 17-16,1 36 16,-18-36-1,18 53 1,-1-35-1,1-17-15,-18-1 16,18 35-16,-18-52 16,17 17-1,-17-17 79,0 0 0,18-18-94,-18 17 15,0 1 17,18-18 140,34-18-157,1 1-15,0-1 16,35-17-16,-35 17 15,124-53 1,-54 54 0,-35-18-1,-70 35 1,0 0-16</inkml:trace>
+  <inkml:trace contextRef="#ctx0" brushRef="#br0" timeOffset="-172968.84">22419 15787 0,'18'17'78,"-18"1"-62,0 0-16,17-1 16,-17 1-1,18 17-15,-18-17 16,35 70-1,-35-53 1,18 18-16,-1-17 16,1 16-16,-18 19 15,0-36 1,18 36 0,-1-36-1,-17-17 1,0-1-1,0 1-15,0 0 16,18-1 0,0 1 46,-18 0-31,17-18 141,1 0-156,35 0 0,-18 0-16,18-18 15,123 0 1,-87 1-16,34-19 15,36 1 1,-124 35 0,18-35-1,-18 35 1,-17-18 0,0 18-16,-18-17 15,17 17 1,1-18 62,-18 0-62,18-17 15</inkml:trace>
+  <inkml:trace contextRef="#ctx0" brushRef="#br0" timeOffset="-172375.65">23354 16016 0,'18'0'31,"-1"0"-15,18 0-16,1 0 15,-19 0-15,107 35 16,-1 1 0,-105-36-1,52 35 1,-34-17-1,-19-1-15,-17 18 16,0 36 0,0-53-1,-17 70 1,-1-53 0,-17 0-16,35-17 15,-35 0 1</inkml:trace>
+  <inkml:trace contextRef="#ctx0" brushRef="#br0" timeOffset="-171612.69">24095 16210 0,'0'-18'32,"17"18"-32,1 0 15,0-17 16,-1-1-15,1 18-16,17-35 16,0 17-16,36-35 15,-18 0-15,18-35 16,-54 53 0,-17 0-1,0 17 1,0 0-1,0 1 1,-17-1 0,-19 18-1,-52 0 1,53 35 0,-18 36-1,35-36-15,1-35 16,17 36-16,0-19 15,0 1 1,0-1 0,0 1-16,17 0 15,1-1 1,-18 1-16,35 0 16,36 35-1,-54-53 1,54 0-1,-1 0 1,-34 0 0,34-18-1,18-88-15,-70 71 16,0-18 0,-18 35-16</inkml:trace>
+  <inkml:trace contextRef="#ctx0" brushRef="#br0" timeOffset="-171333.68">24730 15822 0,'0'18'31,"17"-1"0,1 19-31,0-19 16,-18 1-16,17 0 16,19-1-1,-19 1 1,1-18-16,-1 0 16,1 0-1,35 0-15,70-88 31</inkml:trace>
+  <inkml:trace contextRef="#ctx0" brushRef="#br0" timeOffset="-170345.7">25171 15646 0,'0'0'0,"-36"0"16,1 0-1,0 35 1,0-17 0,17 52-1,0-35 1,18-17 0,0 0-16,0-1 15,0 1 16,18-18 16,0 0-31,-1 0 0,1 0-16,-1-18 15,36-52 1,-35 52-1,-18 1-15,0-1 16,18 18 62,-1 0-78,1 0 16,0 35-16,-1-35 15,-17 18-15,18-18 16,0 0 0,-18-35 15,0-1-15,0 1-16,0-18 15,0 0 1,0 88 78,0-17-79,0 17 1,17-35-1,1 18-15,-1 17 16,1-17 0,0-18-1,-1 18 1,-17-1 0,18 1-1,-18-1-15,0 1 16,0 17-1,0-17 1,0 0 0,0-1-16,-18-17 31,1 18-31,-1-18 16</inkml:trace>
+  <inkml:trace contextRef="#ctx0" brushRef="#br0" timeOffset="-169687.79">25876 15452 0,'0'17'47,"0"1"-32,18 0-15,0 17 16,-1 0-1,1 0 1,-18-17-16,35 53 16,-35-54-1,0 1 1</inkml:trace>
+  <inkml:trace contextRef="#ctx0" brushRef="#br0" timeOffset="-169359.32">25912 15681 0,'0'-18'0,"0"1"62,17-1-46,18 0-1,-35 1-15,18 17 16,17-18-16,-17 1 16,0 17-1,17-18 1,-35 0-16,18 18 16</inkml:trace>
+  <inkml:trace contextRef="#ctx0" brushRef="#br0" timeOffset="-169026.31">26247 15452 0,'17'0'0,"1"0"15,0 17 17,-1 1-17,1-18-15,-18 18 16</inkml:trace>
+  <inkml:trace contextRef="#ctx0" brushRef="#br0" timeOffset="-168794.74">26282 15363 0</inkml:trace>
+  <inkml:trace contextRef="#ctx0" brushRef="#br0" timeOffset="-168300.48">26776 15240 0,'0'0'0,"-18"0"16,1 0-16,-1 18 15,0-18 1,-17 35 0,35-17-16,0-1 15,0 1-15,-18-1 16,18 1-1,0 17 1,0-17 15,0 0-31,18-18 16,0 0-16,17 17 31,18-17-15,0-17-1,-18-1-15,0-17 16</inkml:trace>
+  <inkml:trace contextRef="#ctx0" brushRef="#br0" timeOffset="-168037.66">27023 15258 0,'17'0'63,"1"17"-47,-18 1-1,18 0 1,-18-1-16,0 1 15,0-1 1,17-17 0</inkml:trace>
+  <inkml:trace contextRef="#ctx0" brushRef="#br0" timeOffset="-167834.16">26935 15117 0</inkml:trace>
+  <inkml:trace contextRef="#ctx0" brushRef="#br0" timeOffset="-167485.55">27252 14975 0,'18'36'47,"-1"-19"-32,-17 1-15,36 17 16,-36 18-1,35 18-15,-17-36 16,-1 0 0,1-17-1,-71-18 32</inkml:trace>
+  <inkml:trace contextRef="#ctx0" brushRef="#br0" timeOffset="-166695.56">27217 15205 0,'0'-18'62,"17"18"-46,19 0-16,52-53 16,-35 36-1,-18-19-15,-17 19 16,-1-19 0,-17 19-16,18-1 15,0 18 48,-1 0-48,-17 18 1,18-18 0,0 17-16,-18 1 15,17 0 1,1-18-16,-1 0 15,1-18 1,0 0 0,35-35-16,-36 18 15,1-18 1,0 36 0,-1 17-1,1 0 1,0 35-1,-1 106 1,1-35 0,-1-18-16,-17 0 0,36 89 15,-19-107 1,1 36 0,-18-53-1,0-35 1,-18-18-1,1 0 1,-54-18-16,18-17 16,-35-18-1,70 35 17,18 0-32,0 1 15,0-1 16,18-17-31</inkml:trace>
+  <inkml:trace contextRef="#ctx0" brushRef="#br0" timeOffset="-156863.55">1393 8414 0,'0'17'62,"0"1"-46,0 17-16,18 1 16,-18-19-16,18 36 15,-18-18 1,17 54-16,-17-54 16,0 0-1,0-17 1,0-1-1,18-17-15,-18-17 110,-18-71-110,18 70 15,-17 0-15,-1-105 16,0 70 0,1 35-16,17 1 15,0-19 1,0 19 0,-18-1-1,18 0-15,0 1 31,0-1 16,18 18 63,-1 0-110,19 18 15,-19-1-15,19 1 16,-1 17-16,0-17 16,1 0-1,-1 35 1,0-1-16,-35-34 15,18 0 1,-1-18 0,1 17-1,-18 1 1,0 0 0,18-18-16,-18 17 15,17-17-15,-17 18 16,-35-18 93</inkml:trace>
+  <inkml:trace contextRef="#ctx0" brushRef="#br0" timeOffset="-156413.46">1464 8625 0,'0'-17'16,"0"-1"-1,35 0 1,1 1 0,-1-1-16,0 1 15,0 17 1,1-18-16,17-17 16,-18 35-1,-17-18 1</inkml:trace>
+  <inkml:trace contextRef="#ctx0" brushRef="#br0" timeOffset="-155567.3">1782 8378 0,'17'18'31,"-17"0"-31,35 17 16,-17 18-16,17 17 15,1 19 1,-19-72 0,-17 1-16,-17-36 93,-1-17-77,-17 17-16,35-17 16,-36 0-1,19 0 1,-1-1-16,18 19 15,-17-19 1,17 1-16,-18 35 16,18-18-1,0 1 1,0-1-16,0 1 16,0-1-1,35-17 1,0 17-1,1 0 1,17-17 0,-18 35-16,-17 0 31,-18 18-15,35 35-1,-35-36-15,0 36 16,0-18-16,0 1 15,-35 17 1,-1-36 0,19-17-1,-1 0 1,0 0 0,-17 0-1,17 0-15,1 0 16</inkml:trace>
+  <inkml:trace contextRef="#ctx0" brushRef="#br0" timeOffset="-154708.64">2222 8237 0,'0'18'15,"0"0"1,0-1-16,0 19 16,18-1-1,0 35 1,-1-34-16,-17 17 16,0-18-1,0-18-15,-53-87 110,1-1-95,52 18-15,-36 18 16,19 0-1,17 17 1,0 1 15,0-1 1,17 0-17,1 18-15,0 0 47,-1 0-16,18 18-15,-35 0-16,18-1 16,-18 19-16,18-19 15,-1 18 1,-17-17-1,0 0 17,-17-18 30,-1 0-62,0-18 31</inkml:trace>
+  <inkml:trace contextRef="#ctx0" brushRef="#br0" timeOffset="-154225.52">2240 7990 0,'53'71'16,"-35"-36"-1,-1 18-15,1-35 16,17 70 0,1-53-1,-36 1-15,35-1 16,-35-18-1</inkml:trace>
+  <inkml:trace contextRef="#ctx0" brushRef="#br0" timeOffset="-153921.65">2417 8220 0,'17'0'31,"1"0"-31,-1 17 16,19-17-1,-36 18-15,17-18 0,1 35 16,0-17 0,-36-18 30,18-35-30,-18 17-16,-17-88 16</inkml:trace>
+  <inkml:trace contextRef="#ctx0" brushRef="#br0" timeOffset="-153702.86">2452 7990 0,'35'18'109</inkml:trace>
+  <inkml:trace contextRef="#ctx0" brushRef="#br0" timeOffset="-153179.52">2628 8114 0,'-17'0'0,"-1"0"16,0 35-1,1-17 1,-1-1-16,18 1 16,0 0-1,0-1-15,0 1 16,0 0-1,18-1-15,17-17 16,-35 18 0,70-18-16,-52 0 15,53 18 1,-36-18-16,18 0 16,-18 0-1,18 0-15,-35-18 16,-1 18-16,1-18 15,-18 1 1,18-36-16</inkml:trace>
+  <inkml:trace contextRef="#ctx0" brushRef="#br0" timeOffset="-152590.33">2752 8079 0,'0'0'0,"-18"35"32,18 0-32,0-17 15,0 17-15,0 0 31,18-35-31,-18 18 16,17-18-16,-17 18 16,18-18-1,0 0 1,17 0 0,-17-36-1,17-34 1,-35 52-16,17 1 15,1 17 79,0 17-78,-1-17-16,19 35 15,-19-17 1,1 0-16,-18-1 16,18-17 15,-18-53-15,0-17-1,0-18-15,0 35 16</inkml:trace>
+  <inkml:trace contextRef="#ctx0" brushRef="#br0" timeOffset="-152325.73">3016 7796 0,'18'0'16,"-18"18"-1,18 17-15,-1 1 16,1 17-1,17 17 1,0-17-16,1 0 16,-36-35-16,35 52 15,-17-52 1,-18 17 0,-18-35 15,0 0-16,-70-88-15</inkml:trace>
+  <inkml:trace contextRef="#ctx0" brushRef="#br0" timeOffset="-152073.64">3052 8079 0,'0'-18'16,"17"18"15,1 0-31,17 0 16,18 0-1,0 0-15,53-18 16,-71 18 0,-17-17-1,-1 17 1,-17-18-1</inkml:trace>
+  <inkml:trace contextRef="#ctx0" brushRef="#br0" timeOffset="-151803.74">3404 7955 0,'0'35'47,"18"-35"-32,-18 53-15,18-53 16,-18 36-16,17-1 16,-17-17-1,0-54 48</inkml:trace>
+  <inkml:trace contextRef="#ctx0" brushRef="#br0" timeOffset="-151584.67">3228 7655 0,'0'18'78,"106"35"-47</inkml:trace>
+  <inkml:trace contextRef="#ctx0" brushRef="#br0" timeOffset="-150953.33">3722 7814 0,'0'0'0,"-35"0"16,17 0-16,0 0 15,1 0 1,-1 18-16,0 17 0,18 0 15,-17 1 1,17 34 0,0-17-1,17-18 1,19 1-16,-1-1 31,71-35-31,0 0 16,-54 0-1,-16 0-15,34-53 16,-17 0 0,-35 18-16,-18-1 0,0-34 31,0 52-15,-35 1-1,-36-1 1,18 0-1,18 18-15,-36-17 0,-35 17 16,54 0 0,34 0 15,18 17-15,35-17 15</inkml:trace>
+  <inkml:trace contextRef="#ctx0" brushRef="#br0" timeOffset="-150209.79">4145 7796 0,'18'53'31,"-18"-35"-31,0 0 0,17 17 16,1-17-16,-18-1 15,0 1 1,-18-36 62,-17-17-62,0-18-16,-36-35 15,36 17 1,17 18-16,18 18 16,0 17-1,0 1-15,0-1 16,0 0-1,18 18 32,0 0-15,-1 0-17,1 0 1,0 18-16,-18 0 15,17-18 1,1 0 0,17 17-16,18-17 15,-35 0 1,17 18 0,0 0-1,-17-18 1,0 0-1,-1 0-15,1 0 16,-1 17 0,1-17-1</inkml:trace>
+  <inkml:trace contextRef="#ctx0" brushRef="#br0" timeOffset="-148953.47">4904 7673 0,'0'-18'0,"0"1"31,0-1-31,0 0 16,0 1 0,17 17-1,1-18 1,-18 0-16,18 18 16,34-17-1,-16-1 1,-1 18-16,106-17 15,-35-19 1,17 19 0,-17 17-16,-70-18 15,69 18-15,-69 0 0,211 0 16,-212 0 0,194 0-1,-52 0 1,-72 0-16,107 18 15,141 17 1,-265-35-16,230 18 16,-107 17-1,-158-35 1,53 35 0,-35-17-1,17 52 1,-53-70-1,53 53-15,-35-18 16,35 1 0,0 17-1,-70-36 1,17 1 0,1 17-1,-19-17-15,54 52 16,-36-34-1,0-19 1,1 19 0,-19-19-1,1-17-15,-18 18 16,18 0 0,-1-1 30,-17 1 17</inkml:trace>
+  <inkml:trace contextRef="#ctx0" brushRef="#br0" timeOffset="-148221.53">8378 8114 0,'18'0'47,"17"0"-32,1 18 1,-19-1 0,19 18-1,-1-17-15,-18 17 0,72 18 16,-54-35-1,-17 0-15,-1-18 16,36 17 0,-35-17 46,-18-17-46,0-1 15,0-53-15,0 36-16,0-18 15,0 18 1,0 17 0,0 1-1,0-1 1,-18 18 93</inkml:trace>
+  <inkml:trace contextRef="#ctx0" brushRef="#br0" timeOffset="-146400.67">2699 9049 0,'0'17'93,"17"1"-77,1 35-16,-18-35 16,35 70-1,-17-53 1,17 71-16,-17-36 16,0-34-1,-1-36 1</inkml:trace>
+  <inkml:trace contextRef="#ctx0" brushRef="#br0" timeOffset="-145447.64">2611 9419 0,'17'0'78,"1"0"-63,-1 18-15,19-1 16,-1 19 0,18 17-1,-35-36 1,17 19-16,-17-36 16,-1 0 62,1-18 31,-1-17-93,-17 17-1,0-17-15,18 17 16,-18 0 0,0 1-1,18-18-15,-18 17 16</inkml:trace>
+  <inkml:trace contextRef="#ctx0" brushRef="#br0" timeOffset="-143950.58">2258 10319 0,'17'35'78,"1"0"-62,17 18 0,-35-17-16,53 16 15,-53-16 1,18-1-1,0 0 1,-1-35 31,-17 18-31,18-18 15,-1 0 109,1 0-108,0 0-1,-1 0-15,19-18-1,-19 18-15,1 0 16,35-35-1,-36 35 1,1-18-16,0 18 16</inkml:trace>
+  <inkml:trace contextRef="#ctx0" brushRef="#br0" timeOffset="-142507.29">2946 10283 0,'0'0'0,"-36"18"16,36 17 0,-17-35-16,17 18 15,-18 17 1,18-17-16,0 0 31,53-18 79,-35 0-110,17-18 15,0-17 1,18 17-1,-18 0-15,1-17 16,-36 17 15,0 1-15,17-1 0,-17 1-1,0-1-15,0 0 16,-17 1 15,-1 17-15,0-18-1,-34 18 1,16 0-16,-17 0 16,0 0-1,36 18 1,-18-1-1,35 1 1,0 0-16,0-1 16,0 18-1,0 1 1,0-1 0,35 18-1,0 0 1,0-35-16,1-1 15,-19-17 1,1 0 0,0 0-1,-1 0 1,1 0 0,-1-17-16,1-1 15,-18-17-15,18 17 16,-18-17-1,0 17 1,0-17 0,0 17-1,0 0-15,-18-17 16,0 18 0,1 17-1,-1 0 32,1 0-31,-1 0-1,0 0-15,1 17 16,-1 18 0,18-17-1,-18 35-15,18 0 16,0-35-1,0-1 1</inkml:trace>
+  <inkml:trace contextRef="#ctx0" brushRef="#br0" timeOffset="-141709.83">3228 10178 0,'-18'0'16,"18"17"-16,0 1 16,0 0-1,0-1 1,0 1-16,0-1 0,0 1 16,36 35-1,-1-35 1,-35-1-1,17-17 1,19 0 15,-19-53-15,1 18-16,0 0 16,-18-18-1,0 18 1,17 35 93,19 35-78,-1 0-15,-18-17 0,1-1-1,0-17 1,-1 0-16,1 0 31,0-35-15</inkml:trace>
+  <inkml:trace contextRef="#ctx0" brushRef="#br0" timeOffset="-141032.78">3492 10072 0,'-35'70'31,"35"-34"-31,0-19 16,0 1-16,0 70 16,0-53-1,18-17 1,-1-18-1,1 0 17,0 0-17,-1 0 1,19-35-16,-36-1 16,35-52-1,-17 35 1,-18-17-16,-18 17 15,-17-35-15,-1 35 16,-17-18 0,53 54-1,18 52 95,0-18-110,35 19 15,53 123 1,-54-107-16,54 90 16,-53-72-1,0-17 1,-53-71 46</inkml:trace>
+  <inkml:trace contextRef="#ctx0" brushRef="#br0" timeOffset="-140541.42">4128 9948 0,'17'0'46,"18"36"-30,-17-1 0,17-17-1,-17-1-15,-18 18 16,18-35 0,-36-141 62</inkml:trace>
+  <inkml:trace contextRef="#ctx0" brushRef="#br0" timeOffset="-139988.56">3969 9296 0,'-18'0'31,"18"17"-31,0 1 15,0 0 1,0 17-16,0-17 16,18 34-1,17-34 1,-17 17 0,-1-17-1,1-18-15,0 0 16,-1 0 46,1-123-30,-18 105-17,0 0 1,0 1-1,-18 17 17,1 0-32,-1 0 15,0 0 1,1 17 0,-36 19-16</inkml:trace>
+  <inkml:trace contextRef="#ctx0" brushRef="#br0" timeOffset="-139238.58">4304 9790 0,'35'17'0,"-17"1"16,-1 17-16,36 18 16,-17 0-1,-1-18-15,0 36 16,0-36-16,-17 0 16,0 1-1,-18-72 32,-18-52-31,-17 35-16,0-70 15,17 52 1,0 36 0,18 0-16,0 17 31,18 18-16,0 0 1,17 0 0,0 0-1,0 0-15,-17 0 16,17 0 0,1 35-1,16 1 1,-16-19-16,-19 1 31</inkml:trace>
+  <inkml:trace contextRef="#ctx0" brushRef="#br0" timeOffset="-138854.55">4886 9596 0,'-35'17'15,"35"18"-15,0-17 16,0 0-16,0-1 16,0 36-1,0-17 1,53-1-1,35 35 1,-71-70-16,19 0 16,-19 0 15,1 0-15,35-141-1</inkml:trace>
+  <inkml:trace contextRef="#ctx0" brushRef="#br0" timeOffset="-138528.43">5133 9525 0,'0'18'31,"35"-1"-15,-17 1-16,-1 17 16,19-17-16,-19 17 15,1-17-15,0-1 16,-18-34 62,0-19-62,0 1-1,0-35-15</inkml:trace>
+  <inkml:trace contextRef="#ctx0" brushRef="#br0" timeOffset="-138045.87">5468 9454 0,'35'18'0,"-17"-18"31,17 0-15,1 0-16,-1-35 15,-18 17 1,54-35-16,-53 36 15,17-72 1,-35 54-16,-35 35 47,17 0-47,-35 0 16,35 35-1,1-17-15,-1 17 16,1 18-16,17-35 15,0 35 1,0-36 0,35 1 15,-18 0-31,19-18 16,-19 0-1,1 0 1,0 0-1,-1 0 1</inkml:trace>
+  <inkml:trace contextRef="#ctx0" brushRef="#br0" timeOffset="-135775.58">3016 10760 0,'0'17'31,"18"36"-15,0-17-16,-1-19 16,36 124-1,18 18 1,-54-88-1,36 17 1,-53-35-16,35 0 16,-17 35-1,-18-71 1,18-17 0,-54-17 62,36-18-63,-70-124-15</inkml:trace>
+  <inkml:trace contextRef="#ctx0" brushRef="#br0" timeOffset="-135218.75">3122 10777 0,'18'0'0,"-1"0"31,1 0-31,17 36 15,-35-19 1,36 36 0,16 53-1,-34-18-15,17-35 16,-17 0 0,-18-35-16,18 17 15,-18-17-15,17-18 16,-17 17-1,0 1 1,0 0-16</inkml:trace>
+  <inkml:trace contextRef="#ctx0" brushRef="#br0" timeOffset="-134637.65">3016 11430 0,'18'0'31,"0"0"-15,-1 0-16,18 0 15,-17 18 1,17-18-16,1 35 0,-1-17 15,0-1-15,-17 1 16,70 35 0,-35-36-1,-35 1-15,34 0 16,-16-18 0,-1 0-16,-17 0 46,17-36-30,-35 19-16,35-71 16,1 52-16,-36 1 15,17-53 1,18-89-16</inkml:trace>
+  <inkml:trace contextRef="#ctx0" brushRef="#br0" timeOffset="-133262.54">2152 12471 0,'0'17'47,"18"-17"-32,-18 36 1,35 17-16,0 17 16,18 36-1,-35-18-15,-1-17 16,-17-54 0,0 1-16,0-36 78,-17-52-78,-1 17 15,18 18-15,-18-18 16,18 17-16,0 19 16,0-19-1,0 1 1,18 35 46,35 0-62,-18 0 16,18 0-16,-35 18 16,35-1-1,-36 1-15,1 0 16,17 35-1,1-18 1,-36-53 93,0-35-93,0-17-16,0 35 0,0-1 31,-18 36-31,18-35 16,0 17 0,18 36 30,34 0-30,-34-1 0,35 19-16,-35-19 15,17 18 1,0-17-16,-17 0 16,-18-36 62,0-17-63,35-18 1</inkml:trace>
+  <inkml:trace contextRef="#ctx0" brushRef="#br0" timeOffset="-132858.58">2910 12400 0,'36'18'16,"-19"-1"-1,19 19-15,-1-1 16,-17 0 0,17 1-1,-18-36 1,-17-18 31,18 0-47,0-35 15,-18 36 1,17-36-16,-17 35 16,0-35-1</inkml:trace>
+  <inkml:trace contextRef="#ctx0" brushRef="#br0" timeOffset="-132392.55">3175 12224 0,'18'0'16,"-1"17"-16,1-17 16,0 36-16,34-1 15,1 35 1,-35-52 0,17 35-1,-17-35-15,-18-1 16</inkml:trace>
+  <inkml:trace contextRef="#ctx0" brushRef="#br0" timeOffset="-131917.7">3422 12118 0,'18'0'15,"-1"0"1,1 0 0,-1 0 15,1 0-16,0 53 1,-1-36 0,-17 19-16,36-19 15,-19 36 1,1-35-16,0 17 16,-18-17-1</inkml:trace>
+  <inkml:trace contextRef="#ctx0" brushRef="#br0" timeOffset="-131612.56">3492 12241 0,'36'0'0,"-19"0"16,-17-17-16,18 17 16,17-18-16,-17 18 15,35-35-15,-35 35 16,-18-18 0</inkml:trace>
+  <inkml:trace contextRef="#ctx0" brushRef="#br0" timeOffset="-131288.5">3757 12118 0,'53'18'0,"-35"-1"15,-1 1 1,-17-1-16,18-17 16,-18 18-1,0 17-15,18-17 16,-36-18 15,0-18-15,-105-140-1</inkml:trace>
+  <inkml:trace contextRef="#ctx0" brushRef="#br0" timeOffset="-131083.59">3581 11836 0,'17'0'94,"19"0"-79</inkml:trace>
+  <inkml:trace contextRef="#ctx0" brushRef="#br0" timeOffset="-130389.64">4128 11871 0,'17'0'0,"1"0"15,-18 35-15,0 1 16,35 52 0,-17 18-1,-18-36-15,17-52 16,1 35-16,0 0 15,-18-36 1,-18-17 31,18-35-31,-53-71-16,35 71 15,-17-36 1,18 54-1,17-19 1,0 19 0,0-19-1,0 19-15,17 17 16,-17-18-16,35 1 16,1-1-1,52 0 1,-70 18-1,17 0 1,-18 0 0,1 0-1,0 36 1,-18-19 0,0 1-16,0-1 15,0 19-15,-18-1 31,0-35-15</inkml:trace>
+  <inkml:trace contextRef="#ctx0" brushRef="#br0" timeOffset="-130070.65">4480 11765 0,'36'53'16,"-19"-18"-1,1 1-15,-1 17 16,19-18 0,-36 0-1,0-17-15,17-18 63,-17-36-63,18-16 15</inkml:trace>
+  <inkml:trace contextRef="#ctx0" brushRef="#br0" timeOffset="-129478.68">4710 11836 0,'17'0'62,"1"0"-30,-18-18-1,0 0-31,0 1 16,0-1-16,-18 18 78,1 0-78,-1 35 15,18 1 1,0-19-16,0 1 16,0 17-1,0-17 1,0 17-1,35-35 1,-17 18 0,-1-18 15,1 0-15,0 0-16,-1 0 15,19-18 1,-19 18-1,1-17 1,0 17-16,-1 0 16,1-18-1,0 18 1,-1-18-16,1 18 31</inkml:trace>
+  <inkml:trace contextRef="#ctx0" brushRef="#br0" timeOffset="-127990.23">1182 13600 0,'-18'0'109,"1"0"-78,-19 35-15,19 0-16,-1 0 15,18-17 1,0 0 0,0-1-16,0 1 78,18-18-78,-1 35 15,1-35-15,17 53 16,-17-35-16,17 17 16,-17-17-16,-1-1 15,-17 1 17,0 0-17,0-1-15,0 1 31,0 0-31,-35 17 16,17-35 0,1 17-1</inkml:trace>
+  <inkml:trace contextRef="#ctx0" brushRef="#br0" timeOffset="-127317.64">1605 13829 0,'18'0'94,"-18"-18"-94,17 1 16,-17-1-1,18 0-15,0-17 16,-18 17 0,-18 18 77,0 18-93,1 0 16,-1-1-16,18 1 16,0 0-1,0-1 1,0 1-1,0 0 1,18-1 15,-1-17-31,-17 18 16,18-18 0,0 0-16,-1 0 15,1 0-15,17 0 31,-35-18-15</inkml:trace>
+  <inkml:trace contextRef="#ctx0" brushRef="#br0" timeOffset="-126996.35">1764 13794 0,'18'0'0,"-1"17"31,18 19-15,-17-19-16,0 1 15,-1-18 48,-17-35-63,18-1 15,-18-52-15,0 53 16,0-18 0,18 0-16</inkml:trace>
+  <inkml:trace contextRef="#ctx0" brushRef="#br0" timeOffset="-126277.21">2187 13529 0,'0'0'0,"-17"18"16,-19 17 0,36 0-1,0 0 1,0-17-16,0 0 16,0-36 77,18-17-77,0-18-16,-18 35 16,17 1-16,1-19 15,-1 72 48,-17-19-48,18 1-15,-18 0 16,18-1 0,-18 1-1,17-1-15,1-52 78,0-88-78</inkml:trace>
+  <inkml:trace contextRef="#ctx0" brushRef="#br0" timeOffset="-125780.55">2311 13476 0,'17'0'16,"1"0"-16,0 0 16,-1 0-1,19 18-15,-1-1 0,-18-17 16,54 0-1,-53 0 1,-1-17 0,1-19-1,-18 19 1</inkml:trace>
+  <inkml:trace contextRef="#ctx0" brushRef="#br0" timeOffset="-125018.74">3016 13335 0,'18'0'15,"0"18"16,-18-1-15,17 1 0,1 0-16,-1-1 15,-17 1 1,18 17 0,-18-17-1</inkml:trace>
+  <inkml:trace contextRef="#ctx0" brushRef="#br0" timeOffset="-124192.58">3263 12947 0,'18'0'16,"-18"18"-1,17 17-15,-17 35 16,0-17-1,18-35-15,-18 17 16,18 36 0,-18-36-1,0-17 1,17-18 0,-17 17-1,18-17 157,0 0-172,17 0 16,-17 0-16,-1 0 15,1 0-15,-1 0 94,19 0-78,34 0-16,19-17 15,-54-1 1,18 0-16,-18 1 16</inkml:trace>
+  <inkml:trace contextRef="#ctx0" brushRef="#br0" timeOffset="-123419.64">3651 13070 0,'0'0'0,"-17"18"0,-1-18 16,18 18-16,-35-1 15,35 19 1,-18-1 0,18-17-1,0-1 1,0 18-1,18 1-15,-1-19 16,19 1 0,-1 17-1,-17-35 1,-18-17 15,35-19-15,-35 1-16,17-18 15,1 18 1,-18-18 0,0 35-1,0 1 1,18 17 78,-18 17-94,17 1 15,19 17-15,-19-17 16,1-18 0,-18 18-1,18-18 1,-18 17-16,17-17 47</inkml:trace>
+  <inkml:trace contextRef="#ctx0" brushRef="#br0" timeOffset="-122661.8">4039 13053 0,'-35'0'16,"35"17"-16,-18 1 0,1 0 15,-1-18 1,18 53 0,0-18-1,0 0 1,0 0-16,18-35 15,-1 0 48,-17-35-47,36 0-1,-19 0-15,-17 17 16,0-17-16,0-1 15,0 1 1,18 35 78,17 18-63,-35-1-31,18 1 16,0 0-16,-1 17 15,1-35 1,-1 18 0,1-1-1,-18 1-15,18-18 16,17 18-1,-17-18 1,52-36 0,-35 19-1</inkml:trace>
+  <inkml:trace contextRef="#ctx0" brushRef="#br0" timeOffset="-121939.12">4322 12912 0,'0'0'0,"-53"53"15,35-53-15,0 35 16,18 0-16,0 0 16,0 1-1,0-1 1,0 0 0,0-17-1,0 0-15,18-18 16,-18 17-16,35-17 15,-17 0 1,17 0 0,0 0-16,18-35 15,-17 0 1,-1-18-16,0-35 16,-35-89-1,0 124 1,-35-141-1,0 124 1,-1 17 0,36 70 15,0 19-15,36 52-1,-1-71 1,-17 54-16,17-18 15,-18-53 1,19 35 0,-36-17-1,17-18 1,-17 17 0,18-17-16</inkml:trace>
+  <inkml:trace contextRef="#ctx0" brushRef="#br0" timeOffset="-121052.98">5133 12136 0,'0'17'15,"0"18"1,0 1-16,18-1 16,-18-17-16,17 35 15,1-1-15,17 1 16,0 71 0,1-36-1,-19-70 1,1 35-1,-18-71 64,18-70-64,-1 35-15,1 18 16,0-1-16,-1 19 15,-17-1-15,35 0 16,18 1 0,-35-1-1,17 18 1,-17 0 0,-18 18-1,0-1 1,0 19-16,0 17 15,0 35 1,-53 0 0,35-53-16,-17 1 15</inkml:trace>
+  <inkml:trace contextRef="#ctx0" brushRef="#br0" timeOffset="-120367.64">5838 12330 0,'-17'0'16,"17"17"0,-18 18-1,1 1 1,-1 34-16,18-34 15,0-1 1,0-17 0,0-1-1,0-34 17,18-1-17,-18-17-15,17-1 16,1 1-1,-18 17-15,17 36 79,-17 0-48,18-1-16</inkml:trace>
+  <inkml:trace contextRef="#ctx0" brushRef="#br0" timeOffset="-119872.77">5980 12188 0,'0'0'0,"0"18"16,0 0-16,17-1 15,-17 1 1,0 0 0,18-18-1,-1 0 63,1-18-62,-18 0-16,35 18 16,-17-17-1,0 17 48,-1 0-48,-17-18-15,18 18 0,53-35 16,-54 17 0,18-17-1,-35 17-15,18 1 32,-18-54-32</inkml:trace>
+  <inkml:trace contextRef="#ctx0" brushRef="#br0" timeOffset="-119610.52">6227 12012 0,'0'0'0,"-18"35"15,18 1 1,0-19-16,0 1 16,0 0-1,0-1-15,18 18 16,17-35-1,53 18 1,-35-18-16,-18 0 16,0 0-1,1-18 1,-36 1 15</inkml:trace>
+  <inkml:trace contextRef="#ctx0" brushRef="#br0" timeOffset="-118783.59">3281 14146 0,'17'36'62,"19"17"-62,-19-18 16,19 18-16,-19 17 15,54 54 1,-18 17 0,-18-71-1,-17 1-15,-1-53 16,1-1 0,-18-52 62,0-88-63</inkml:trace>
+  <inkml:trace contextRef="#ctx0" brushRef="#br0" timeOffset="-118371.6">3651 14041 0,'0'17'47,"18"1"-47,0 35 15,-1-18-15,36 106 16,-35-106 0,35 124-1,-36-124-15,1-17 16,-18 17-1,0 1-15,18-19 0,-18 1 16</inkml:trace>
+  <inkml:trace contextRef="#ctx0" brushRef="#br0" timeOffset="-117807.66">2787 14975 0,'18'0'46,"70"53"-30,-53-35 0,18 17-16,0-17 15,17 17 1,36 18 0,-88-53-1,0 18-15,-1-18 16,1 0 15,-1 0-15,19 0-1,17 0-15,123-106 16,-35-18 0,-123 89-1,52-35-15,-17-19 16,-17 19-1,-1-1 1,-35 18-16</inkml:trace>
+  <inkml:trace contextRef="#ctx0" brushRef="#br0" timeOffset="-116771.52">2275 15857 0,'0'0'0,"-17"0"31,-1 18-15,-35 35 0,36 0-16,17-18 15,0 0-15,0 1 16,0 17 0,0-36-1,0 18 1,52 1-1,-16-36-15,17 35 16,0-17 15,-18-1-31,-17 1 16,-1 17 0,1-17-16,-18 0 15,0 17-15,0-18 16,-35 36-1,-36 0 1,-35 18 0,53-36-1,-17 0 1,52-35-16,-17 0 0,17 0 62,18-17-46,-18 17 0</inkml:trace>
+  <inkml:trace contextRef="#ctx0" brushRef="#br0" timeOffset="-115777.61">2611 16192 0,'-18'18'31,"18"17"-15,0 18-16,0-35 15,0 17 1,0-52 125,18 17-141,-18-36 15,17 1-15,1 17 16,-18 1-1,0-1 1,0 0 47,-18 1-32,1 17-16,-1 0-15,0 0 63,1 35-47,17-17-16,0 17 15,0-17 1,0 17-1,0-17 1,0-1-16,53 54 31,52-36-15,-69-17-16,52-18 16,18 0-16,-18-18 15,-53 0-15,0 1 16,18-18-1,-53-1 1,18 36 0</inkml:trace>
+  <inkml:trace contextRef="#ctx0" brushRef="#br0" timeOffset="-115334.77">3069 16122 0,'18'18'47,"-18"-1"-31,17 1-16,-17-1 15,0 1 1,18 0-1,0-1-15,-18-34 79,0-19-79,0-16 15,0 16-15,0-17 16,0 36-1</inkml:trace>
+  <inkml:trace contextRef="#ctx0" brushRef="#br0" timeOffset="-114893.7">3228 16051 0,'18'0'15,"-1"0"1,-17 18-16,18-18 16,-18 18-16,35-1 15,-17 1 1,-1-18 0,-17-18 46,18 1-62,-18-19 16,35-17-1</inkml:trace>
+  <inkml:trace contextRef="#ctx0" brushRef="#br0" timeOffset="-114569.7">3440 15946 0,'17'0'31,"18"17"-15,-35 18-16,36-17 15,-36 17 1,35-17 0,-35-106 46</inkml:trace>
+  <inkml:trace contextRef="#ctx0" brushRef="#br0" timeOffset="-113448.61">3510 15787 0,'18'0'125,"17"0"-125,18 0 16,-18 0-16,-17 0 15,17 0-15,-17 0 16,-1 35 359,1 0-359,0-17-1,-1 17-15,-17-17 0,36 0 32,-19-36 46,19-17-63,-36 17-15,35 0 16,-35-17 0,0 17-1,17 1 126,-17-1-141,18 1 15,17-54 1,-17 36-16,-18 17 16,18-17-1,-18 17-15,0 36 63</inkml:trace>
+  <inkml:trace contextRef="#ctx0" brushRef="#br0" timeOffset="-113142.49">4128 15610 0,'0'0'0,"17"0"16,1 18 0,-18 0-16,17 35 15,1-18 1,0-17-1,-18-1 1</inkml:trace>
+  <inkml:trace contextRef="#ctx0" brushRef="#br0" timeOffset="-112933.68">4039 15399 0,'36'0'93,"-1"-18"-77</inkml:trace>
+  <inkml:trace contextRef="#ctx0" brushRef="#br0" timeOffset="-111750.6">4374 15205 0,'18'0'16,"-18"17"-16,18 1 15,-18 17-15,17 18 16,-17-35 0,18 52-1,-18-34 1,0-19-1,0-52 32,0-18-47,0-17 16,0 34 0,0-34-1,0 34-15,0 1 16,18 18-1,-1 17 1,1 0 0,17 0-1,-17 17-15,17 1 16,0-1 0,-17-17-1,0 0 1,-1 0-1,1-17 1,0-18-16,-18-18 16,0 17-1,0 19 1,0-1 0,0 0-1,-71 18 1,0 18-16,71 0 15,-35 17-15,35 0 16,0 18 0,0-18-1,0 36 1,35-36 0,18-17-1,0-18 1,35-53-16,71-88 15,-141 106 1,35-36 0,-53 53-1,17 36 32,-17 53-47,0 70 16,0-35-1,0 141-15,0-106 16,0 35-16,18-17 16,35 158-1,-35-193 1,-18 34 0,-18-158 15,-17-17-16,-89-71-15,54 17 16,-89-123 0,106 106-1,53 0 1,0 52-16,0 19 16,0-19-16,18 19 15,17-18 1,18-1-1,-18 1 1,36-36 0,-36 36-1,-35 18-15,18-19 16,17 1 0</inkml:trace>
+  <inkml:trace contextRef="#ctx0" brushRef="#br0" timeOffset="-110598.47">1235 4745 0,'0'17'0,"0"54"15,35 35-15,0 17 16,53 213 0,36 34-1,-89-229 1,53 159-1,-17-53-15,-53-212 16,-1 71 0,1-106-1,-18 18 1</inkml:trace>
+  <inkml:trace contextRef="#ctx0" brushRef="#br0" timeOffset="-109958.54">1358 4145 0,'0'35'31,"0"36"-15,0 0 0,35 70-16,-17 0 0,106 300 15,-89-300 1,18 106-16,70 194 15,-87-283 1,-1-16 0,18-19-1,-53-70-15,0-35 63,17-18-48,-17 17 1,18 19 0,-18 16-16,18-34 15,-1 17 1,-17-17 0</inkml:trace>
+  <inkml:trace contextRef="#ctx0" brushRef="#br0" timeOffset="-109278.78">1058 6297 0,'0'0'0,"18"0"62,17 18-46,1 35-16,-1-18 16,18 0-1,-18 36-15,71 35 16,-36-36-16,19 18 15,-54-52 1,18-19-16,-18 19 16,-17-36 46,-1 0-46,19-71-16,17 18 15,-36 0 1,54-53-16,-18 18 16,-18-18-16,0 53 0,36-123 15,-71 123 1,0-35 0,17 70-1,-17 1 1</inkml:trace>
+  <inkml:trace contextRef="#ctx0" brushRef="#br0" timeOffset="-105133.72">3687 17216 0,'0'35'109,"0"0"-109,0 89 16,0-54-1,0-17 1,-18 18-16,18 17 16,0 53-1,0-18-15,0-70 16,0 0-1,0 0 1,-18-35 15,18-1 1,0 1 14,0 0-46,0-1 16,0 1 0,0 0-1,0-1 1,0 1-16,18-18 344,0 0-329,-1 0 32,1 0-31,-1 0-16,19 0 15,17 0-15,0 0 16,52 0 0,19 0-1,-71 0 1,-18-18 0,18 18-16,-35 0 0,-1 0 15,19 0-15,-19 0 16,107 0-1,-71 0 1,52 0 0,19 0-1,-71 0-15,17 0 16,-52 0 0,0 0 93,-89-88 16</inkml:trace>
+  <inkml:trace contextRef="#ctx0" brushRef="#br0" timeOffset="-103200.7">3792 17039 0,'0'53'15,"0"-106"-15,-17 106 0,17-35 16,0-1-1,0 1 204,0 17-203,0 1-16,0-19 15,0 36 1,17 0 0,-17-35-1,0 70 1,0-18-16,0-34 16,0-1-1,0 0-15,18 53 16,-18-70-1,0 35 1,0 18 0,0-1-1,0 1 1,0-36 0,0 0-1,0 1 1,0-19-16,0 1 15,0-1 17,0 1 93,0 0-110,0 17-15,0-17 16,0-1 0,18-17 187,-1 0-172,19 0-15,16 18-16,37 0 15,-36-1-15,17-17 16,54 18-1,-19-1 1,-52-17 0,18 0-16,35 0 15,-53 0-15,-18 0 16,18 0-16,-18 0 16,-17 0 93</inkml:trace>
+  <inkml:trace contextRef="#ctx0" brushRef="#br0" timeOffset="-102605.55">4674 18133 0,'36'0'47,"-19"0"-47,36 17 16,-18 1-16,36 17 15,-36-35-15,124 106 16,-88-53 0,-36-35-16,18 35 15,17-18 1,-52-17 0,0-1-1,-18 1 32,0-1-47,-36 19 16,19-19-1,-19 1 1,1 0-16,0 17 16,17-35-1</inkml:trace>
+  <inkml:trace contextRef="#ctx0" brushRef="#br0" timeOffset="-38615.54">13053 10760 0</inkml:trace>
+</inkml:ink>
+</file>
+
+<file path=ppt/ink/ink17.xml><?xml version="1.0" encoding="utf-8"?>
+<inkml:ink xmlns:inkml="http://www.w3.org/2003/InkML">
+  <inkml:definitions>
+    <inkml:context xml:id="ctx0">
+      <inkml:inkSource xml:id="inkSrc0">
+        <inkml:traceFormat>
+          <inkml:channel name="X" type="integer" max="1920" units="cm"/>
+          <inkml:channel name="Y" type="integer" max="1080" units="cm"/>
+          <inkml:channel name="T" type="integer" max="2.14748E9" units="dev"/>
+        </inkml:traceFormat>
+        <inkml:channelProperties>
+          <inkml:channelProperty channel="X" name="resolution" value="36.43264" units="1/cm"/>
+          <inkml:channelProperty channel="Y" name="resolution" value="36.48649" units="1/cm"/>
+          <inkml:channelProperty channel="T" name="resolution" value="1" units="1/dev"/>
+        </inkml:channelProperties>
+      </inkml:inkSource>
+      <inkml:timestamp xml:id="ts0" timeString="2021-07-02T05:14:27.651"/>
+    </inkml:context>
+    <inkml:brush xml:id="br0">
+      <inkml:brushProperty name="width" value="0.05292" units="cm"/>
+      <inkml:brushProperty name="height" value="0.05292" units="cm"/>
+      <inkml:brushProperty name="color" value="#FF0000"/>
+    </inkml:brush>
+  </inkml:definitions>
+  <inkml:trace contextRef="#ctx0" brushRef="#br0">2170 2452 0,'0'35'46,"17"18"-46,1 0 16,35 106 0,-53-71-1,35 0-15,36 141 16,-54-176 0,19 35-16,-1 36 15,0-36 1,-35-53-1,0 1 1,0-19 0,0-34 62,0-19-63,-35-34 1,17 52-16,-17-88 0,17 71 16,-105-212-1,52 88 1,36 89 0,-71-89-16,53 18 15,36 123 1,-1-70-1,0 53 1,18 17 0,0 1-1,0-1-15,0 0 16,36-17 15,-19 17-15,1 18 15,-1 0-15,1 0-16,0 0 15,17 0 1,18 36 0,-35-19-1,34 36 1,1 18-16,-17-54 15,-19 19 1,1 34 0,-18-17-1,0-35 1,-35 70 0,-1-53-1,-17 18 1,36-17-1,-18-36 1,35 17-16</inkml:trace>
+  <inkml:trace contextRef="#ctx0" brushRef="#br0" timeOffset="608.91">2452 2840 0,'17'0'47,"19"0"-32,-19 35 1,19-17-16,-36-1 15,17 1-15,1 0 16,0-18 0,-18-18 77,17 0-93,-17-17 16,18 0-16,-1 0 16,1-18-1,0 0-15,-1 17 16</inkml:trace>
+  <inkml:trace contextRef="#ctx0" brushRef="#br0" timeOffset="1268.03">2787 2575 0,'0'18'47,"0"0"-31,0-1-16,0 36 15,0-18-15,18-17 16,-1 0 0,19 35-16,-19-36 15,1-17 1,-1 0 0,1 0-1,0 0 1,17-35-1,-17 17-15,-18 1 16,0-19 0,0 1-1,0 17 1,0-17 0,-36-18-1,19 36-15,-1 17 16</inkml:trace>
+  <inkml:trace contextRef="#ctx0" brushRef="#br0" timeOffset="2391.94">3016 2452 0,'0'0'0,"0"35"0,-17-17 15,-1 17-15,0-17 16,18 35 0,0-1-1,0-16-15,18-36 16,-18 17 0,18-17-1,-1 0 1,1 0-1,17 0-15,-17 0 16,70-53-16,-35 1 16,-18-37-1,-17 36 1,-18 18 0,0 18-1,0-1 1,-18 36 46,1 17-46,-1-35-16,18 17 16,0 1-16,0 0 15,0-1 1,0 1-1,0 0 1,18-1-16,-1 1 16,1 0-16,17-18 15,36-18 1,-18-53 0,-18 18-1,18-70 1,-36 17-1,-17 53-15,0 36 16,-17 17 15,-1 0-15,-17 17 15,35 1-15,0 17-16,0-17 15,17-1 1,-17 1 0,18 0-1,0 17 1,-18-17-16,17-18 16,1 17-16,-18 19 15,0-19 1,0 18-1,-18 1 1,18-54 47,0 0-63,18 1 15</inkml:trace>
+  <inkml:trace contextRef="#ctx0" brushRef="#br0" timeOffset="2889.81">3669 2152 0,'-18'0'15,"18"18"17,0-1-17,18 18 1,17-17-1,-35 0 1,18-1-16,-1 1 16,1 0-1,-18-1-15,0 1 16,18-18 0,-18 35-1,0-17 1,-18 0-16,0-1 15,1 1 17,-1-18 15,1 0-47</inkml:trace>
+  <inkml:trace contextRef="#ctx0" brushRef="#br0" timeOffset="4088.93">4445 1976 0,'-18'0'47,"1"17"-32,-1-17-15,18 18 16,0-1-16,-18 1 16,1-18-16,17 18 15,0-1 1,0 19-16,0-1 15,17 0 1,-17 0-16,53 1 16,-35-19-1,0-17 1,17-17 15,-17-19-15,52-52-16,1-53 15,-54 88 1,-17 18-16,18 0 16,-18-1-1,-18 36 48,1 18-48,-1-18 1,18 18 0,0-1-1,18-52 63,-1-18-62,19-17-16,-1-19 16,0-69-1</inkml:trace>
+  <inkml:trace contextRef="#ctx0" brushRef="#br0" timeOffset="4689.92">4798 1376 0,'0'35'16,"-18"18"0,18-35-16,0 17 15,0 0 1,0 1-16,0 16 0,18 1 16,17 36-1,18-19 1,-53-35-1,53 71 1,-35-88 0,-18-1-1,0 1 1,-18-36 46,-17 1-46,-18-36-16,35 53 16,-17-18-16,-1 1 15,19 17 1,-1-18 0,18 0 93,18 1-93,-1 17-1,-17-18-15,36 18 16,-36-35-1,17 35 1</inkml:trace>
+  <inkml:trace contextRef="#ctx0" brushRef="#br0" timeOffset="5305.51">5662 1464 0,'18'0'15,"-1"0"1,1 0-16,0 18 15,17-1-15,0 19 16,-17-19 0,-1 19-1,1-36 1,-18 17-16</inkml:trace>
+  <inkml:trace contextRef="#ctx0" brushRef="#br0" timeOffset="5797.26">5574 1199 0,'-18'0'31,"18"18"1,0 0-32,0-1 15,18-17 63,0-17-62,-1-1 0,-17 0-1,0 1 1,18-18-16</inkml:trace>
+  <inkml:trace contextRef="#ctx0" brushRef="#br0" timeOffset="6661.97">6297 1446 0,'0'18'0,"0"0"15,0-1-15,-18-17 16,18 36-16,0-19 16,0 1-1,-17-18 1,-18-53 46,-1 0-46,19 18-16,-1-1 16,0-16-16,1 34 15,17 0 1,-18-17-1,18 17-15,0 1 16,18-19 0,17 19-1,36 17 1,-1-18 0,-35 18-1,-17 0-15,53 35 16,-36-17-16,0 17 15,36 36 1,-54-53 0,-17-1-16,18 1 15,0-1 1,-1-17-16,19-17 62</inkml:trace>
+  <inkml:trace contextRef="#ctx0" brushRef="#br0" timeOffset="7026.92">6668 1217 0,'0'0'0,"-18"35"0,0 1 16,18-19-16,0 19 15,0 34 1,71 71-1,-36-123 1,0 17-16,-17-35 16,53 0-1,-54 0-15,71-35 16,-17-71 0,-53 53-1,34-53 1</inkml:trace>
+  <inkml:trace contextRef="#ctx0" brushRef="#br0" timeOffset="7392.74">7126 1252 0,'18'0'47,"-1"18"-31,1 0-1,0-1-15,-18 1 16,17-18-1,-17-71 64,18 36-64</inkml:trace>
+  <inkml:trace contextRef="#ctx0" brushRef="#br0" timeOffset="8833.83">7779 1058 0,'0'0'0,"-88"0"16,70 18 0,0-18-16,18 18 15,0-1 1,0 1-1,0 35 1,0-36 0,0 19-16,0 17 15,0-18-15,18-17 16,0-18 31,-1 0-32,1 0 1,17-53-16,0 35 0,-17-17 16,-18 17-1,0 0 1,0 1 0,0-1-1,-18 18 16,-17 0-15,-88 0 0,17 35-1,35-17 1,36 35 0,35-35-1,0-1 1,0 1-16,18 0 15,-1 17 1,19 0 0,-19-35-16,1 0 15,-1 0 1,89-18 0,0-52-1,-53 35 1,18-18-16,-1-18 15,-52 71 1,-1-53-16,-17 36 16,0-1 15,0 36 63,0-1-79,0 1-15,0 0 16,0-1 62,0 1-62,0 17 15,0-17-31,0-1 16,0 19-16,0-19 15,0 36 1,0-35-1,-17-18 32</inkml:trace>
+  <inkml:trace contextRef="#ctx0" brushRef="#br0" timeOffset="9165.07">8202 1094 0,'18'17'31,"-1"-17"-31,-17 18 16,0 0-16,18-1 15,-18 1 1</inkml:trace>
+  <inkml:trace contextRef="#ctx0" brushRef="#br0" timeOffset="9961.14">8290 952 0,'18'0'15,"-18"36"1,35-19-16,-17 36 15,-1-17 1,-17-1 0,18 0-1,0-35 1,-18 18-16,0-36 62,-18-52-46,18 34-16,0-17 16,0 36-1,0-1-15,0 0 16,18 18 31,17 0-32,0 0-15,1 0 16,-1 0 0,-18 0-16,19 18 15,-19-18 1,1 18 0,0-18 15,17-18-16,-35-17-15,35 17 16,1-70 0,-36 53-1</inkml:trace>
+  <inkml:trace contextRef="#ctx0" brushRef="#br0" timeOffset="10558.9">8731 776 0,'0'0'0,"-17"35"15,-1 1 1,0 17 0,18-36-16,0 18 15,0-17 1,18-18 0,0 0-1,70-70 1,-53 34-16,0-17 15,-17 53 1,-18-17-16,18 17 47,-18 17-31,17 54-16,1-1 15,0 1-15,-1-18 16,1 53-1,-18 17 1,0-70 0,0 18-1,-18-71 48,-35 0-63,0-53 15,36 53 1,-1 0 0,18-18-16,0 1 31,0-1-31,0 0 16,0-17-1,35 17-15,-17 1 16,0-1-16,-18 0 15,17-17 1</inkml:trace>
+  <inkml:trace contextRef="#ctx0" brushRef="#br0" timeOffset="11055.21">9225 670 0,'0'18'31,"18"17"-15,-1 18-16,19 18 15,-1-36 1,0 35 0,-35-52-1,18 0-15,-18-1 16,18 1-16,-18 0 31</inkml:trace>
+  <inkml:trace contextRef="#ctx0" brushRef="#br0" timeOffset="11347.26">9225 952 0,'0'-17'63,"18"-1"-48,-1 1 1,1 17-16,0-36 15,17 1 1,-17 17 0,-1 1-1,36-19-15</inkml:trace>
+  <inkml:trace contextRef="#ctx0" brushRef="#br0" timeOffset="12240.41">9490 617 0,'0'18'32,"0"17"-32,17-17 15,1 70 1,0-53-16,-1 18 15,-17-35-15,18 17 16,0 0 0,-18-52 93,17-18-109,-17-1 16,18 36-16,-1-35 15,1 17-15,-18 1 16,35 17-16,-35-18 16,18 18-1,0 0 1,-1 0-1,1 18-15,35 17 16,-36-35 0,19 18-1,-19-18 1,1 0 0,0 0-1,35-36-15,-53 19 16,53-107-1,-53 107 1,0-1-16,0 0 16,-36 36 31,19 0-32,-1-1 1,18 19-1,0-19 1,0 1-16,0-1 16,0 1-16,0 0 15,18-1 1,-1-17 0,1 0-1,0 0-15,-1 0 16,71 0-16,-70 0 15,17-17 1,-17 17 0,0-18-1</inkml:trace>
+  <inkml:trace contextRef="#ctx0" brushRef="#br0" timeOffset="13560">6015 3069 0,'0'0'0,"35"-17"16,18-19-16,0 1 16,-18 17-1,-17 18 1,17 0 0,0 36-16,71 69 15,-35-16 1,-18-1-1,0-18 1,-53-34-16,17-36 16,-17 17-1,0-34 32,0-1-31,-35-105-1,35 52 1,-35-17-16,17 35 16,18 0-1,0 35 1,0 1-16,0-19 16,0 19-1,18-18-15,-18 17 16,35 0-16,-17 1 31</inkml:trace>
+  <inkml:trace contextRef="#ctx0" brushRef="#br0" timeOffset="14253.84">6791 3228 0,'0'-18'15,"18"1"48,17-19-48,-17 1-15,17 0 0,-35 17 16,17-17 0,1 0-16,-18-1 15,0 19 1,-18 17 62,-17 0-78,18 0 16,-1 17-1,0 1-15,1 17 16,17-17-1,0 0 1,0 17 0,17 0-1,-17-17 1,18-18 0,0 0-1,-1 0 1,1 0-1,17 0-15,-17 0 16,158-53 0,-123 18-16,-35 17 15,35-17 1,-18-1 0,0-52-16</inkml:trace>
+  <inkml:trace contextRef="#ctx0" brushRef="#br0" timeOffset="14681.31">7285 2716 0,'0'0'15,"-18"0"-15,18 18 16,0 0 0,0-1-1,18-17-15,-18 18 16,17-18 0,19 53-1,-36-35-15,17-18 16,-17 17-16,0 18 15,0 18 1,0-35 0,0 35-1,-35 17 1,17-70-16,18 18 16,-17-18 15</inkml:trace>
+  <inkml:trace contextRef="#ctx0" brushRef="#br0" timeOffset="15324.84">7514 2734 0,'-17'0'16,"17"18"0,0-1-1,-18 1-15,18 35 32,0-35-32,0-1 15,0 18-15,0-17 16,18-18-1,17 0 1,-18 0 0,1 0-1,0-18-15,17-17 32,0 18-32,-35-19 0,0 19 31,0-1-16,0 0-15,-17 1 16,-1 17 0,0-18-1,1 18 1,-1 0 15</inkml:trace>
+  <inkml:trace contextRef="#ctx0" brushRef="#br0" timeOffset="16314">7708 2681 0,'18'18'125,"-1"-18"-125,1 0 16,-18 17-16,18-17 15,-1 18-15,1-18 32,-18 18-1,0-71 109,0 0-124,0 0 0,0-18-16,0 54 15,0-19-15,0 19 16,0-1 0</inkml:trace>
+  <inkml:trace contextRef="#ctx0" brushRef="#br0" timeOffset="17538.91">8149 2540 0,'0'18'31,"18"35"-31,-18-36 16,0 18-16,17 18 16,1-35-1,0 35 1,-1-35-16,1-18 47,17-36-32,18-34-15,-35 17 16,17-124 0,-17 107-1,-18 35-15,17 52 78,1 1-62,0 0 0,-1-1-1,1-17-15,-18 18 16,18-18-16,-1 17 31,1-17-15,-1-35-1,19 0 1,-36 17-16,17-35 16,-17-35-1,0 35 1,0 36 0,-53 17-1,36 35 1,-1 71-1,18-89 1,0 36-16,0-35 16,0 52-1,18-52 1,-18 0 0,17-18-16,19 0 15,70-36 1,-36-16-1,-52 52 1,-18-18-16,17 18 0,1 0 16,0 0 15,-18 53-15,0 0-1,0 17-15,0-17 16,0 0-1,0-18 1,0-17-16,0 0 31,0-1-15,-18-17 15,0 0 16,-17 0-47,0 0 16,0 0-16,17 0 15,0 0-15,1 0 16,-1 0 0,0 0-1</inkml:trace>
+  <inkml:trace contextRef="#ctx0" brushRef="#br0" timeOffset="18661.22">10583 1993 0,'0'35'94,"0"-17"-78,0 0-1,18-1-15</inkml:trace>
+  <inkml:trace contextRef="#ctx0" brushRef="#br0" timeOffset="19351.99">10213 1482 0,'-18'0'32,"18"35"-32,0-17 15,0 17 16,0-17-15,18-18-16,0 0 16,-18 17-16,17-17 31,1 0 16,-18-17-47,0-1 78,0-17-78,0 17 31,-18 18 94,53-53-31</inkml:trace>
+  <inkml:trace contextRef="#ctx0" brushRef="#br0" timeOffset="20073.61">10301 1358 0,'-18'88'16,"1"-70"-16,17 0 15,0 17-15,17 0 16,-17-17 0,18-18 15,-18 18-31,18-18 16,-1 0-1,1 0-15,88 0 16,-18-18-1,-88 0 1,35 1 0,-35-1-1,0-17 1,-17-1 0,-19 1-1,-34 17 1,52 18-1,-35 0 1,18 0-16,17 0 31,18 18-15,0 0 0,-17-1-1,17 1 1,0 0-16,0-1 15,0 1 1,0-36 62,0 1-62</inkml:trace>
+  <inkml:trace contextRef="#ctx0" brushRef="#br0" timeOffset="21011.85">10901 1764 0,'0'18'0,"0"17"15,0-18 1,17 36-16,-17-35 15,0 0 1,-17-89 78,-1 53-94,1-17 15,-1 0-15,18 17 16,-18 18 0,18-17-1,0-1 1,0 0-16,0 1 16,18 17-1,0-18 1,17 0-1,-18 18 17,1 18-17,0-18-15,17 35 16,0 1 0,-35-19-1,18-17 1,-18 18-1,18-18-15,-1 0 32</inkml:trace>
+  <inkml:trace contextRef="#ctx0" brushRef="#br0" timeOffset="22364.95">11977 1217 0,'-18'-18'0,"1"18"31,-1 0-31,0 0 16,-52 0-1,52 0-15,-17 0 16,0 0-1,35 18-15,-18-18 0,18 18 16,0-1 0,0 19-1,0-19 1,0 36 0,0-35-1,0 17-15,0-17 0,0-1 16,18 1-1,-1-18 1,1 0 0,-1 0-1,89-88 1,-106 70-16,71-88 16,-71 53-1,17 89 79,-17-19-78,0 1-16,18 0 15,0-18-15,-18 35 16,17-35-16,-17 18 15,18-18 1,0 0 0,-1 0-1,36-89 1,-35 36 0</inkml:trace>
+  <inkml:trace contextRef="#ctx0" brushRef="#br0" timeOffset="22947.07">12224 1094 0,'17'0'31,"-17"35"-31,0-17 32,18-18-32,0 35 15,-18 0 1,17 0-1,-17-70 79,0 0-94,0-18 16,0 18-16,18-18 15,-18 17-15,0 19 16,35-19 0,-17 36 46,17 0-46,18 18-1,-35 17-15,17-35 16,-17 36 0,17-19-16,-17-17 15,-18 18 1,0 0 0,17-1 15</inkml:trace>
+  <inkml:trace contextRef="#ctx0" brushRef="#br0" timeOffset="24271.87">5168 4427 0,'0'0'15,"-17"0"-15,17-17 16,-18 17 0,0 0-1,1 0 1,-1 0-16,18 17 15,-35 19 1,17-1 0,18-17-16,0-1 15,0 36 1,18-18 0,-1-17-1,19 0 1,-19-1-1,1-17-15,0 0 16,-1-53 0,18 36-1,1-124 1,-1 35 0,-35 53-1,0 0-15,0 18 16,0 17-16,0-17 15,0 52 48,35 36-32,1 0-31,-36-17 0,0-19 16,35 18-1,-35 1 1,18-19-16,-1 1 16,1-18 46,17-53-46</inkml:trace>
+  <inkml:trace contextRef="#ctx0" brushRef="#br0" timeOffset="24607.15">5592 4198 0,'17'18'16,"-17"-1"-1,18 19-15,-18-19 16,17 1 0,1 0-16,-18-1 15,18-17-15,-18 18 16,35-36 31,-35 1-47,35-19 15,1 1 1,-1-71-16,18 36 16,-36 17-1,1-36-15</inkml:trace>
+  <inkml:trace contextRef="#ctx0" brushRef="#br0" timeOffset="25661.94">5927 3828 0,'17'0'16,"1"17"-16,17 19 15,-17-1-15,17 18 16,-17 0 0,17 17-16,0-34 15,-17-1-15,0 18 16,-18-36 0,17 1-1,-34-18 48,-36 0-48,17-18-15,1 1 16,17 17-16,-17-18 16,35 0-1,0 1 32,0-1-16,18 1-31,70-19 16,-35 1-16,-18 17 16,36-17-16,52 0 15,-52 17 1,-1 0-1,-70 1 95,0 34-63,0 1-47,-17 0 15,17 17 1,0 18 0,0-35-16,17 35 15,-17-36 1,18 1-16,-18-1 15,53-34 17,-35-18-17,-1 17-15,19-17 0,-19-36 16,1 36-16,-1-18 16,-17 0-1,0 35 1,-17 54 78,-1-19-94,18 1 15,0-1 1</inkml:trace>
+  <inkml:trace contextRef="#ctx0" brushRef="#br0" timeOffset="27820.02">6826 3757 0,'18'53'16,"-18"0"-1,0-18-15,18 36 16,-1-36 0,-17-17-1,0-54 48,0 1-48,0 0 1,0 17-16,0-35 16,0 18-16,0 17 15,18 18 32,-1 0-31,1 18-1,17-18-15,1 35 16,-19-35-16,36 53 16,-18-18-1,-17-35 1,-18-17 62,18-36-78,17-35 16,-17 17-16,-1 1 15,19 17-15,-19 35 16,-17 0-1,18 18 1,17 18 15,-35 0-15,53 52 0,-18-34-16,-35-19 15,18-17 1,0 0 31,-18-17-32,17-1-15,1 0 16,-18 1 0,0-1-16,0 0 15,0-17 1,-18 0-1,18 17 1,-17 0-16,-1 36 47,0 17-31,-17 36-1,35 0 1,0-36-16,0 0 0,0-17 15,0-1 1,0 1 0,18-18 15,17-53-15,18-17-16,-18-1 15,-17 0-15,17 18 16,-17-17-1,-18 52 1,0 36 15,17 0-31,-17 17 16,18 53 0,0-17-1,-1-71 1,-17 17-16,18-52 47,0 0-47,-18-36 15,0 1-15,17-1 16,-17 18 0,0 35-1,18 18 16,-18 36-31,17 17 16,19 35 0,-19-35-1,1 35 1,-18-17-16,18-19 0,-1-16 16,-17 52-1,0-70 1,0-54 31,-53-17-32,53 36-15,-70-71 16,52 70 0,18 0-1,35 18 79,1 0-78,-1 0-16,53-17 31,-70 17-31,35-53 15,-53 17 1,17 19-16,1-1 16,-18-35-1,0 18 1,18 35 46,-18 18-46,0-1 0</inkml:trace>
+  <inkml:trace contextRef="#ctx0" brushRef="#br0" timeOffset="61463.51">3369 7250 0,'0'-18'16</inkml:trace>
+  <inkml:trace contextRef="#ctx0" brushRef="#br0" timeOffset="66822.02">8149 7144 0,'0'17'94,"0"1"-78,0 0-16,0 17 15,0 0-15,0 18 16,0 0-16,0 0 16,18 106-1,-18-53 1,0-54-16,0 72 0,0 17 15,0 0 1,0 53 0,0-88-1,0 70 1,0 71 0,0-106-16,0 142 15,-18 34 1,18-246-1,0 246 1,0-123-16,0-123 16,0 193-1,0-87 1,0 70-16,0-89 16,-17-69-16,-1 52 15,-17 53 1,35-141-1,-36 70-15,36-70 0,-35 159 32,17-159-32,-17 158 15,35-122 1,-53 175 0,0-52-1,53-159-15,0 0 16,-35 105-16,17-69 15,18-36 1,-35 70 0,17-52-1,18-36 1,-17 18-16,17-36 0,0 19 16,-18-19-1,18 1 1,0 0 15,0-1 47,0 1-78,-17-1 16,17 1 15,0 0 32,0-1-48,0 1 1,0 0 15,-18-18-31,18 17 31,0 1-15,0 0-16,0-1 31,0 1 16,18-18 250,17 0-281,0 0-1,-17 0-15,17 0 16,0 0-1,18 18-15,35-18 16,-52 17 0,87 1-16,-35-1 15,124 1 1,-159-18 0,176 35-1,-105-35 1,123 18-1,-194-18-15,123 0 16,-141 0 0,53 0-1,36 0 1,-89 0-16,36 0 31,-18 0-31,70 18 0,-70-18 16,88 0-1,18 17 1,-89-17 0,125 0-16,-160 0 15,0 0-15,36 18 16,-54-18 0,19 0-1,-19 0 1,18 18-1,18-1-15,18-17 16,35 18 0,35-18-1,-71 0 1,72 17 0,-54-17-1,-53 0-15,-17 0 16,17 0-1,0 0 1,-17 0 0,17 0-1,-17 0 1,17 0-16,0 0 16,-17 0-1,0 0 32,-1 0-31,1 0-1,0 0 1,-1 0 0,-17 18-16,18-18 15,-1 0 1,1 0-1,0 0 1,-18-18 140,0 1-140,17-1-16,-17-17 16,0 17-16,0-70 15,18-88 1,-18-18-1,0 123 1,0-17-16,0 17 16,0-158-16,0 70 15,0 71 1,0-159 0,0 212-1,0-89-15,0 1 16,0-177-16,0 247 15,0-264 1,-18 70 0,18 70-1,-17-70 1,-1 0 0,18 18-1,0 35-15,0 124 16,0-195-1,-18 0 1,18 177 0,-17-123-16,17 105 0,0-229 15,-18 88 1,18 17 0,0 54-1,0-36 1,0 36-1,0-53-15,18 123 32,-18 70-32,17-105 15,-17 106 1,0-53 0,0 17-1,18 1-15,-18-36 16,18 18-1,-1-18 1,-17 71 0,0-1-1,0 1 1,0 0-16,18 0 16,-53 52 202,-18-17-218,18 0 16,-54 18-16,19-1 16,-71 1-16,-195 35 15,213-18 1,-194 36-1,-1-18 1,195-18 0,-89 0-1,124-17-15,52-18 16,19 18 0,-19-18-1,19 0 16,-1 0-15,1 0-16,-36 0 16,-36 0-1,19 0 1,-54 0 0,1 0-1,70 0 1,-88 0-1,53 0-15,17 0 16,36 0 0,17 0-1,1 0 17,-1 0-1,0 0-31,1 0 94,-1 0-94,-17 0 15,0 0-15,-54 0 16,-17 0-1,-52 17-15,34 1 16,-87-1-16,105 1 0,35-18 16,1 0-1,70 18 126,0-1-16,0 1-125,0 17 16,0-17-1,17 0-15,-17 17 16,18 18-1,-18-36-15,35 36 16,-35 0 0,0-17 15,18-36-31,-18 17 16</inkml:trace>
+  <inkml:trace contextRef="#ctx0" brushRef="#br0" timeOffset="68459.89">8819 8696 0,'0'35'78,"0"18"-63,0 0-15,0 0 16,0 18 0,-35 52-16,0-52 15,17-36 1,18-17 0,18-18 171,17 0-187,18-36 16,-18 19-16,1-1 15,-19 0-15,19-17 16,-19 35 0,-17-18-1,0-17 1,0 17-1,0 1 1,0-1-16,0 1 0,-17-36 31,-19 17-15,19 19 0,-1-19-1,0 1 1,18 18-1,0-1-15,-17 0 16,17 1 0,0-1-1,0 71 95,17-18-95,-17 0 1,36 36 0,-19-71-16,1 35 15,-18-17 16,18-18 48,-1 0-64,1 0 1,-1 0-1,1 0 1,0 0 0,35 0-16</inkml:trace>
+  <inkml:trace contextRef="#ctx0" brushRef="#br0" timeOffset="69447.25">9260 8502 0,'0'0'0,"-17"0"16,-18 18-1,17 34 1,-35 1 0,35-17-16,18-1 15,0-17-15,0 17 16,0-17 0,36-1-1,17-17 1,52-17-1,-34-36 1,-53 35 0,17-17-16,-35 17 15,0 0 1,0 1 0,-35-1 15,35 36 31,0-1-62,0 19 16,17-1 0,-17-17-16,18 17 15,-1 18-15,1-36 16,-18 72-1,0 52 1,-35-106 0,-53 71-1,52-71 1,1-17-16,17-18 62,1-35-46,-1 17-16,-17-53 16,35 54-16,0-19 15,0-69 1,35-1 0,0 53-1,36-18-15,-18 36 16,53-53-16,-36 35 15,-70 35 1</inkml:trace>
+  <inkml:trace contextRef="#ctx0" brushRef="#br0" timeOffset="70322.25">9578 8008 0,'0'18'15,"0"17"1,0 0-1,0 18 1,18 0-16,17 71 16,0-72-1,0 19-15,18 52 16,-35-70 0,0-35-1,-1 17-15,1 1 0,-18 17 16,17-36-1,-17-52 126,0 17-125,0 1-1,0-1-15,0 0 16,18-17 0,53 0-1,-18 17 1,-36 0-16,1 18 15,-18-17-15,0 34 47,18 19-31,-1-1 0,-17 18-1,0 0-15,0-18 0,0-17 16,-35 35-1,0-18 1,17-17 0,0-18-1,1 0 17,-1 0-32,0 0 15,1 0 1</inkml:trace>
+  <inkml:trace contextRef="#ctx0" brushRef="#br0" timeOffset="72942.12">9084 10019 0,'0'0'0,"0"-18"15,0-17 1,18 17-16,-18 1 15,35-19 1,-17 1 0,-1 17-16,19-17 15,-19 18 1,18-1-16,1 18 16,-19-18-1,1 18 16,0 0-15,-1 0 0,1 0-16,0 18 15,-18 0 1,52 34 0,-34 1-1,-18 0 1,0-17-16,0 17 0,0 88 15,-35-88 1,0-1 0,35-16-1,-36-19 1,36 1 0,-17-18-16,-1 0 62,0-18-46,18 1-1,-17-1-15,17 0 16,0 1 0,0-1-1,0-17 1,0 17-1,17 1 1,1-1-16,0 18 31,-1 0-15,1 0 0,0 0-1,-1 0-15,18 0 16,-17 0-1,0 0 1,-1 0 0,1 0-1,0 0 48,-1 0-63,1 0 15,-18-18-15,0 1 16</inkml:trace>
+  <inkml:trace contextRef="#ctx0" brushRef="#br0" timeOffset="73794.81">10037 9648 0,'-18'0'62,"0"0"-62,1 0 16,-19 0-16,36 18 16,-35 17-16,35-17 15,0 0 1,-18 52-16,18 1 15,0-54 1,0 19-16,18-19 16,17 19-1,1-36 1,-1 0 0,0 0-1,0 0 1,54-36-1,-72 19 1,36-1-16,-35 0 16,-1-17-1,1 17 1,-18 1 0,0-18-1,0 17 1,0-17-16,0 17 15</inkml:trace>
+  <inkml:trace contextRef="#ctx0" brushRef="#br0" timeOffset="74453.8">10266 9596 0,'-35'0'0,"35"35"15,-18-18-15,18 1 16,0 0-16,0-1 16,0 19-1,0-1 1,18-17-1,17-1-15,-35 1 16,17-18 0,1 0-1,0 0 1,-18-18 62,17 18-78,-17-35 16,0 0-16,18 17 15,-18 0-15,18-17 16,-18 17-16,0-17 16,0 0-1,0 17 1,0 1-1,-36 17 48,36 17-63,-35-17 16,35 18-1,0 0 1,0-1 31,18 1-47</inkml:trace>
+  <inkml:trace contextRef="#ctx0" brushRef="#br0" timeOffset="74841.84">10460 9525 0,'18'0'16,"-1"0"-16,1 35 15,17-17-15,-17 0 16,-1 34-16,1-34 16,17 53-1,-17-71 1,-18-18 62,0 0-78,0-17 16,-18-18-1,18 0-15</inkml:trace>
+  <inkml:trace contextRef="#ctx0" brushRef="#br0" timeOffset="75559.32">10866 9543 0,'0'0'0,"52"0"16,-34 0-16,0 0 15,-1 0 1,1 0 0,-18-18 31,0-17-32,0 17-15,0-35 16,0 36-1,-18-1-15,-17 0 32,17 18-17,-34 0-15,-1 0 16,17 0-16,1 18 16,35 17-1,-18 36 1,18-36-1,0 36 1,53-36 0,-35 0-1,17-17-15,-17-18 0,35 17 16,0 1-16,-18-18 16,36 0-1,-36 0 1,-18 0-1,1 0-15,0 0 16,-1 0-16,1 0 16</inkml:trace>
+  <inkml:trace contextRef="#ctx0" brushRef="#br0" timeOffset="79259.94">9472 14623 0,'0'35'78,"0"0"-62,0-17-16,0 17 16,18 0-16,-1 1 15,1 69-15,-18-87 16,0 53-16,18-1 16,17 107-1,-35-72 1,18-16-1,-18-1 1,0-70-16,0-1 0,0 1 16</inkml:trace>
+  <inkml:trace contextRef="#ctx0" brushRef="#br0" timeOffset="80178.35">9754 14640 0,'0'18'93,"0"0"-77,0 17-16,18 0 16,0 36-16,-18-36 15,17 18-15,18 88 16,-35-106-1,18 18-15,0 0 16,-1 53 0,1-88-1,-18 34-15,18-16 0,-18-19 16,0 19 15</inkml:trace>
+  <inkml:trace contextRef="#ctx0" brushRef="#br0" timeOffset="82380.78">9507 14446 0,'-17'36'109,"17"-19"-93,-36 54-1,36-18 1,-35 0 0,35-18-16,-35 35 15,-18 19 1,35-37-1,18-16-15,-35-1 16,35-17 15,0-36 157,0-17-173,0 17 1,0-52-16,0 34 16,0-70-1,0 18 1,0 71-16,0-54 16,0 36-1,18 17-15,-18 1 31,0-1-15,0 0 0,17 18-16,-17-17 31,0-1-31,0 0 16,18 18-1,-18-17 1,18 17-1,-1 0 142,1 0-142,17 0 1,-17 0 0,-1 0-16,36 35 15,18-17 1,-36 17-1,36 0 1,-18-17 0,-36-1-16,19 1 15,-1 0 1,-18-1 0,36 19-1,-35-36 1,0 17-16,-1 1 15,1-18 1,17 18 0,-35-1-16,36-17 15,-19 18 1,1-18 0,35 17-16,-18 19 15,0-19 1,-17-17-1</inkml:trace>
+  <inkml:trace contextRef="#ctx0" brushRef="#br0" timeOffset="84303.18">9648 14411 0,'-17'18'63,"-18"17"-63,17 0 15,-17-17-15,17 35 16,18-36-16,-35 19 16,35-1-1,-18-17-15,0-18 16,1-18 171,-1-53-171,1-17-16,17 35 0,0 0 16,0 18-1,0-18 1,0 18 0,0 17-16,17 18 15,-17 18 95,0 35-110,0 0 15,-35 17-15,-18 71 16,18-52-1,-1-54 1,-52 124-16,53-107 16,0 1-1,35-35 1,0-36 156,0-35-157,0 36-15,17-1 16,-17-17 0,18 0-16,0 17 15,-1-35-15,19 18 16,-1 0 0,-18 17-1,1 0 1,0-17-1,17 35 1,-35-35-16,18 35 0,-1-36 16,1 19-1,0 17 48,-1 0-16,1 0-32,52 0-15,-52 0 16,35 0 0,35 0-16,-53 17 15,54 19-15,-54-36 16,53 53-1,-35-18 1,0-17 0,0 17-16,0 0 15,-18-17 1,-17-18 15</inkml:trace>
+  <inkml:trace contextRef="#ctx0" brushRef="#br0" timeOffset="91392">5503 8220 0,'0'0'0,"-17"0"0,-1 0 16,0 0 15,1 0-16,-1 0 17,18 17-17,0 1 1,-17-18-16,17 18 0,0 17 16,0-17-1,0 52 1,0-35-1,0 1 1,35-1 0,-18-35-16,36 35 15,0-17 17,-17-1-17,-19 1 1,1-18-16,-1 35 0,19-17 15,-36 17 1,35 36 0,-35-1-1,0 36 1,-18-53-16,1 0 16,-107 88-16,107-105 15,-54 16 1,53-52 31,18-17-32,-52-36-15,34 18 16,0-18-16,-17-71 16,17 71-1,18-53 1,0 71-1,0-35 1,36-19 0,-19 72-16,19-19 15,-19 19 1,1 17 0,-18-18-1,17 18 16,-17-17-15,18-1 0,0 18-1,-1-18 1,-17-17-16,36 17 16,-36 1-1</inkml:trace>
+  <inkml:trace contextRef="#ctx0" brushRef="#br0" timeOffset="92508">6121 8414 0,'-18'0'62,"0"17"-62,-17 1 16,0 0-16,0 17 15,17 0 1,-17 0-16,17 1 16,18-19-1,0 19 1,0-1-1,0-17 1,18-54 62,17 19-62,-35-1-16,18 18 15,-18-18-15,17 1 16,1 17 109,-18 17-125,53 36 16,-36-17-1,1-36-15,17 53 16,1 17 0,-1-35-1,-35 1-15,0-19 16,0 54-16,0-18 15,-35 53 1,17-71 0,-123 88-1,88-87 1,53-19-16,-18-70 47,18-17-47,0 17 15,18-71 1,0 71 0,34 1-16,-34 16 0,17 1 15,-17 0 1</inkml:trace>
+  <inkml:trace contextRef="#ctx0" brushRef="#br0" timeOffset="93222.96">6262 8414 0,'17'53'32,"-17"-18"-17,18 0 1,0 0-16,-1 36 16,19 0-1,-36-54 1,0 19-16,17-36 15,-17 17 1,0 1 0,18-18-1,0-53 79,-1 18-78,1 17-16,-1 0 15,1-17-15,0 35 32,-1 0 14,1 0-46,17 18 16,-17-1-16,0 19 16,17-1-16,-17 0 15,-1 0-15,1 54 16,-18-72 0,0 19-16,-18-1 15,-35 18 1,18-18-1,17-17-15,-17-1 16,17-17 0,-17 0-1</inkml:trace>
+  <inkml:trace contextRef="#ctx0" brushRef="#br0" timeOffset="94580.02">5662 10125 0,'18'0'46,"-18"17"-30,17 1-16,1 35 16,-18-18-16,0 18 15,0 18 1,0 70 0,-18-35-1,-17-36 1,17-35-1,18-17-15,36-36 125,17-34-125,0 16 16,-1 1 0,-34 0-1,0 35-15,-1-18 16,-17 0 15,0 1 0,0-1-31,0 1 16,-53-54 0,36 53-16,-18-52 15,17 70 1,18-18 0,0 53 109,35 1-110,-35-19 1,35 36-16,1 0 15,-19-18-15,19 1 16,-1 34 0,-17-52-1,-1 17-15,-17-17 16</inkml:trace>
+  <inkml:trace contextRef="#ctx0" brushRef="#br0" timeOffset="95150.54">6332 10213 0,'0'18'16,"-17"-1"-1,17 1-15,0-1 31,-18 19-31,18-19 16,0 1 0,0 35-1,0-35 1,18-1 0,-1-17 15,1 0-16,0 0 17,17 0-17,-17 0 1,-1 0-16,1-35 16,-1 0-1,19 17 1</inkml:trace>
+  <inkml:trace contextRef="#ctx0" brushRef="#br0" timeOffset="95636.82">6509 10142 0,'0'18'31,"0"0"-15,-18-1 0,18 19-16,0-19 15,0 18 1,0-17 0,0 0-16,0-1 15,18 1-15,-1-18 47,1 0 16,0-18-48,-18 1-15,17-19 16,1 1-16,-18 18 15,0-19-15,18 1 16,-18 17 0,0 1-1,0-1-15,0 0 32</inkml:trace>
+  <inkml:trace contextRef="#ctx0" brushRef="#br0" timeOffset="96559.85">6791 10019 0,'18'0'31,"-1"0"-31,19 35 16,-1 0-16,0-17 16,-17 35-16,17 0 15,0-35 1,-35-1-1,0-70 48,18 0-63,35-17 16,0-1-16,-53 54 15,35-19 16,-17 36-31,17 0 32,-17 0-17,-1 0 17,1 0-17,-1 0 1,1-17-1,0-1 1,35-17-16,0-1 0,-18-34 16,-17 52-16,17-17 15,-35 0 1,0 17 0,-53 53 30,0 1-46,-18 52 16,54-53 0,-1 36-1,18-1 1,0-52 0,0 0-16,18-1 15,-18 1-15,17-18 16,-17 17-1,18-17 1,0 0 0,35 0-1,-36 0 1,19 0-16,16 0 16,-34 0-1,0-17 1</inkml:trace>
+  <inkml:trace contextRef="#ctx0" brushRef="#br0" timeOffset="124200.11">22331 3404 0,'17'-17'62,"1"-1"-31,-18 0-31,0 1 32,18 17-32,-18-18 15,17 0 1,-17 1-16,18 17 16,0-18-1,-1 1 1,1 17-1,-18-18 1,35 0 0,0 1-16,1 17 15,-1-18 1,53-17-16,177-53 31,-124 52-15,-18 1-16,54-18 15,-142 53 1,71-18-16,-53 18 16,176-35-1,-35 18 1,-123 17 0,17-18-16,124 18 0,-36 0 15,18 0 1,0 0-1,-159 0 1,18 0-16,-35 0 16,35 18-1,-36-18-15,19 35 16,-1 0 0,0-17-1,-17-1 1,17 19-1,0 17 1,-17-53-16,0 52 16,-1-52-1,1 36-15,17 17 32,-35-36-17,0 36-15,18 18 16,-18-54-1,0 19 1,0 17 0,0-36-1,18-17 1,-18 18-16,0-1 16,0 1-1,17-18 345,18 0-360,36 18 15,17-18-15,36 17 16,105 1-1,-88-18 1,88 18-16,-105-1 16,52 19-1,1-1 1,-124-35 0,70 53-1,-52-18-15,-36-17 16,35 17-16,54 36 15,17 52 1,-70-88 0,17 54-1,-35-19 1,0 18 0,-36-17-16,36 88 15,-35-124 1,-1 124-1,-17-71 1,0 0 0,-17 18-1,-18-18-15,-1-53 16,1 36 0,17-36-1,1-35 1,-1 35-1,18 1 173,71-1-188,-18 0 16,35 1-1,-18 34-15,107 36 16,-124-71-1,17 18-15,-35-18 16,36 18 0,-53-17-16,17 16 15,18 37 1,-53-72 0,35 54-1,-17-18 1,-1 0-1,-17 0 1,0-18 0,0 18-16,0-18 15,0 36 1,0-18 0,-17 70-16,17-105 15,-18 140 1,-17-69 15,35-72-15,-35 124-16,17-105 15,0 17 1,1-36 0,17 1-1,17-1 188,36 19-203,-18-1 16,54 18 0,-36-18-16,17 18 15,-35-18-15,18 18 16,-17-35-16,-19 35 15,36 0 1,-35-18 0,-1 0-1,-17 1-15,0-1 0,18 53 16,0-70 0,-1 158-1,1-52 1,-18 17-1,0 176 1,0-193 0,0-1-16,0 1 15,0-71 1,-53 70 0,0 1-1,0-19 1,-53 36-16,1-17 15,69-89 1,-52 53 0,35-52-1,18-1 1,17-17-16,36-18 219,-18 17-219,18 18 15,-1-17-15,-17 35 16,35 0 0,-17 70-1,0-34-15,-18-36 0,0 52 16,0 19-1,-36 105 1,-16-123 0,-37 141-1,-52 0 1,88-141-16,-70 52 16,35-52-1,-1-35 1,19-1-16,17-52 15,-159 88 1,177-106 0,-88 53-16,87-36 15,1-17 1,0 0 0,35 18 155,-18 0-155,18-1-16,-35 36 16,17-35-16,18 0 15,-53 70-15,53-71 16,-35 19-16,17-1 16,-17 0-1,17 18 1,1-35-1,17-1 1,0 1 0,-18 0-16,18-1 15,-17 1 1,-1 0 15,18-1-15,-18 1-16,1 0 0,-1-18 15,0 35-15,-35-18 16,0 36 0,-88 18-1,-53-1 1,0-17-16,-53 0 16,106-35-1,18 0-15,52-18 16,1 0-1,34-18 17,-17-88-32,36 71 15,-1-18 1,1 35-16,17-17 16,0 17-1,0-17 1,0 0-1,0 17-15,0 1 16,0 34 203,-18 1-219,0 17 15,-17-17-15,-71 52 16,-176 71 0,123-70-16,-141 52 15,89-70 1,70 0-16,-53 0 16,-18 0-1,71-18 1,0-35-1,105 0-15,19 0 16,-19 0 0,19-17-1,-107-89 1,89 71 0,-35-36-16,-36-35 15,70 89 1,36-1-1,-17 0-15,17 1 16,-18-1 0,18 0-1,0 1 1,0-1 0,0 0-1,-18 18 126,1 36-126,-18-19 1,-18 36-16,0-53 16,-53 36-1,18-19 1,17-17 0,-35-17-16,36-1 15,34-35 1,-69-18-1,-19-17 1,107 71 0,-107-72-16,18 1 31,71 53-31,-53-18 0,70 35 16,-35-35-1,36 18 16,-1 18-31,18-1 16,0 0 140,-18 18-140,18-17-16,-35-1 16,35 0-1,-53-17 1,35 0-1,-70-18 1,-123-88 0,122 70-16,1 1 0,18-1 15,-107-52 1,89 52 0,70 71-1,1-18 1,17-17-1,-18 18 1,18-1 0,-17-53-1,17 18 1,0 36 0,0-1-16,0 1 15,0-1 141,-18 0-140,0-17 0,-17 0-16,0-54 15,-89-105 1,89 159 0,0-71-16,-36 1 15,1-19 1,17 18-16,53 71 15,-18-36-15,0-52 16,1 35 0,17 70-1,0-70 1,0-18 0,35 0-1,-35 89-15,71-89 16,-71 88-1,70-70 1,-17 53 0,-18-18-1,-17 53 1,0 0-16,-18-18 156,-18-35-156,0 0 16,-17-17-16,-18-71 15,35 105 1,-34-122 0,-1-36-1,17 88 1,19-18-16,-1-17 16,0 53-1,18 53 1,0-1-1,0-17 1,0 36 0,0-1-16,0 1 15,0-1 1,0 0 0,18 18-1,17-17 1,-35-1-1,18 18-15,0-18 0,-18-17 157,0-53-142,-18 70 1,-17-35-16,-18-88 16,0 53-1,0 0-15,35 17 16,-70-123-1,18-35 1,17 123-16,-18-176 16,53 141-1,18 88 1,-17-35 0,17 52-1,0 1-15,0-35 16,17 34-16,19-17 15,-19 36 1,19-19 0,-19 19-1,1-1-15,0 0 16,34-17 0,-34 35-1,-18-17 110,0-36-125,0-53 16,0 53-1,-18-194-15,-17 0 32,35 159-32,0 0 0,0 35 15,-17-71 1,17 89 0,0-36-1,0 1 1,0 35-16,35-18 15,-18 17 1,19 19 15,-36-1-15,35 0-16,-17 18 16,-1 0-1,1 0 16,0 0 32,-18-17-47,35-89 15,0-53-31,36 36 15,-36-18-15,53-142 16,-35 89 0,-18 106-1,-35 71 1,18-1 0,0-53-1,-1 36-15,-17 0 16,18 35-16,0-35 15,-18 17 1,17-17 0,1 17-1,-18 0 1,17 18-16,1 0 16,0 0 30,-1 0-46,19 0 16,17 0 0,0 0-1,-36 0 1,1 0 0,-1 0 15,1-17 16,-18-1-32,35-17-15,1-36 16,17 36 0,35-53-1,-53 70-15,36-52 16,-19 34-1,-34 36 1,17-17 0,-17-1-1,0 18-15,-1-18 16,19 18-16,-19 0 16,1 0-1,-1 0 16,1 0-31,0 0 32,-1 0-32,-17 18 0,36-18 15,-1 18 1,-17-18 0,35 35-1,-1-17 1,54 17-16,35 18 15,-17-18 1,-89 0 0,106 1-1,-88-1 1,-35-35-16,17 0 16,-17 18-1,-1-18 110,1 0-109,0 0-1,17 17-15,-17-17 16,52 18 0</inkml:trace>
+  <inkml:trace contextRef="#ctx0" brushRef="#br0" timeOffset="128433.79">9701 14658 0,'-17'53'47,"17"0"-47,-18 0 16,18 17-16,-18 18 15,18-35-15,-17 18 16,-1 35-1,18-71 1,-17 18-16,17 0 16,0-36-1,0-87 157,-18 17-172,-17-123 16,35 105-1,0 36-15,-18-18 16,18 18 0,0-36-1,0 53-15,18 36 78,17 17-62,-17 1-16,17 16 16,0 1-16,-17-35 15,17 53 1,-17-18-16,17 17 16,0 54-1,18 34 1,-35-105-16,-1-17 15,-17-107 64,0 18-79,-17-18 15,17 36-15,0 18 16,-18-1-1</inkml:trace>
+  <inkml:trace contextRef="#ctx0" brushRef="#br0" timeOffset="131469.79">21467 5415 0,'0'-17'32,"17"17"-32,18 0 15,-35-18-15,18 0 16,17 1 0,71-36-1,-88 35 1,70-35-1,-35 35 1,88-70-16,-70 53 0,52-18 16,-70 35-1,35 1 1,-70 17 265,-1 0-250,-17 17-15,0 1-16,18 17 16,0 36-1,17-18 1,-17 0 0,-18 35-16,53 35 15,-36-87 1,1 87-1,-1-88 1,19 107 0,-19-54-1,1-53-15,0 0 16,-18 18 0,0-18-16,17 1 15,1 70 1,0-71-1,-18 0-15,0-17 16,35 52-16,-35-34 16,0-1-1,18-17 1,-54 17 140,-123 0-140,36 0-16,0-17 15,-36 17-15,18 1 16,-89 34 0,142-52-16,-18 35 15,89-53 1,17-36 203,0-16-204,0 34 1,0-35-16,-18 0 0,18 18 16,-18-71-1,-17-35 1,18 70-1,17-52 1,0 105 0,-18-35-16,18 36 15,0-19 1,0 19 0,0-19-1,0-34 1,0 35-1,0-18-15,0 17 16,0 19 0,0-36-1,0 18 1,0-1 0,0-17-1,18 36-15,-18-1 0,0 0 16,0-17-1,17 0 1,-17 0 0,0 17-1,0 0-15,0 1 16,18-1 0,-18 0-1,0 1 32,0-1-16,17 18 1,19 0 46,-1 0-47,0 0-31,18-18 16,-18 18-16,1 0 15,17 0 1,-36 0-1,1 0-15,0 0 16,35 0 0,-36 0-1</inkml:trace>
+  <inkml:trace contextRef="#ctx0" brushRef="#br0" timeOffset="133867.95">24994 4639 0,'18'0'47,"0"0"-16,-1 0-31,18-18 16,71 1-1,-53-1 1,106-35 0,-71 36-16,-17 17 15,-1-36 1,-52 36-1,0 0 1,-1 0 0,-17-17-1,18 17 142,17 35-126,-35-17-16,18 17-15,-1 0 16,1 36 0,17-18-16,1 17 15,-1 18-15,-17 1 16,17-37 0,0 54-16,0-53 0,1 71 15,-19-71 1,1 17-1,-18-17 1,18 0-16,-1-18 16,1 1-1,-18-19-15,0 1 16,17 35 0,-17-36-1,0 19 1,0-19-1,-35-17 95,-18 0-95,0 0-15,0 0 16,-17 0-16,-1 18 16,1-18-1,-36 18-15,18-1 16,-36 36-16,71-53 16,-17 35-1,52-17 1,1 0-1,-19-18 1,1 17 0,35-34 109,-18-1-110,1-17-15,17-1 16,-36 1-16,19-35 16,-1 34-16,-17-52 15,0 35-15,17-17 16,0-18-1,1 52 1,-1-34 0,18-19-1,0 72-15,-35-54 16,35-17 0,0 53-1,0 0 1,0-1-1,0 19 1,0-19-16,0 19 31,0-1-15,0 0 0,0 1-1,0-1 16,0 0 94,17 18-125</inkml:trace>
+  <inkml:trace contextRef="#ctx0" brushRef="#br0" timeOffset="136257.9">21872 8572 0,'0'-17'47,"18"17"-31,35-18-16,-36 18 15,107-35 1,-89 17-16,89-17 16,17 0-1,-106 35 1,0 0-16,36-18 16,-54 0-1,36 18 1,-17-17-16,-1-1 31,-17 18 0,-1 0-15,1 0 0,0 0 15,-18-17-31,17 17 15,1 0 1,-1-18 0,1 18-16,0 0 109,-18 35 0,0 18-93,0 0-16,0 0 16,17 17-16,1-17 15,17 36 1,-35-36-16,36 35 16,-1 18-1,-18-54 1,36 90-1,-35-54 1,0-35-16,-1-18 16,1 18-16,0-35 31,-18-1-15,0 1-16,0-1 15,-18 1 141,-70 0-140,35-18 0,-53 35-16,-35 0 15,17 1-15,1-1 16,-18 0-16,17 18 16,19-53-1,52 18-15,17-18 16,36-36 234,-17 1-235,17 0 1,-18-71 0,-17 53-16,0-53 15,-1 0-15,-17-52 16,36 105 0,-1-35-1,0 17 1,18 53-1,-17-35-15,17 1 16,0 34 0,0 0-1,0-17 1,0 17 0,0 1-1,17 17 16,-17-18 16,18 0-31,0 1 15,-1 17-31,-17-18 16,18 18-16,17-18 15,1 1 1,-1-1 0,0 18-16,-17-17 15,-1 17 1,1 0 0,17 0-16</inkml:trace>
+  <inkml:trace contextRef="#ctx0" brushRef="#br0" timeOffset="139002.93">25576 7497 0,'18'0'46,"17"0"-30,18-18 0,18 0-1,35-17-15,-1 17 16,54-17 0,-106 35-1,-18-18 1,1 18-1,-19-17-15,1 17 16,17-18 0,0 0-1,18 1 1,-53-1 0,18 18-16,0 18 187,-1 17-171,1 0-16,0 1 15,17-1-15,-17 18 16,17 17 0,0 1-1,0 0-15,-35-19 16,71 72-16,-53-71 15,-18-18-15,35 18 16,-18-18 0,-17-17-1,0 0 173,-35-18-173,0 0-15,-18 0 16,35 17-16,1-17 16,-36 0-1,0 0 1,18 0 0,-18 0-16,53 18 15,-53-18 1,0 0-1,18 18-15,-18-1 16,17-17 15,19 0 1,-19 18-17,19-18-15,17 17 16,-35-17-1,17 0 1,-17 18 0,17 0-1,0-18-15,1 0 16,-1 0 0,0 0 93,1 0-93,-1 0-1,1 0 173,-19-36-173,36 1-15,-53-35 16,36 17 0,-19 0-16,19 0 15,17 18 1,-18-1-16,18-17 0,-17-35 15,17 71 1,0-19-16,0-17 16,-18 36-16,18-1 15,0 0 1,0 1-16,-18-1 16,18 1-16,0-1 31,0 0-16,0 1 142,18 17-157,0-18 15,-1 0-15,1 18 16</inkml:trace>
+  <inkml:trace contextRef="#ctx0" brushRef="#br0" timeOffset="141357.85">24642 9596 0,'0'-18'94,"17"18"-78,1-18-16,-1 18 15,19-17 1,-1-1-16,0 18 15,18-18 1,35 1 0,-70-1-16,0 18 15,17 0 1,35-18 0,-34 18-16,34-17 15,36-18 1,-53-1-1,0 36-15,35-35 16,-70 70 250,-1 1-251,1 34-15,-18-35 16,18 1 0,-1 17-16,-17-18 15,18 0 1,0 0-1,-18-17 1,0 17 0,17-17-16,-17 17 15,18 0 1,-18-17 0,18-18-1,-18 18 1,35 52 15,-35-52-15,0 0-16,0-1 0,18-17 15,-18 18 63,0 0-62,0-1 0,0 1-16,0-1 47,-18 1 109,0-18-156,-35 18 15,0-1-15,-17-17 16,-36 18-16,-17 17 16,-54 1-1,124-19 1,-17 1 0,70-1-16,-18-17 15,18-35 235,0 18-250,-35-36 16,17 17-16,18-17 15,-18 1-15,-17-54 16,18 53 0,-1-88-1,0 88 1,1 17 0,17-16-16,0 34 15,0 0 1,0 1-1,0-1 142,17-17-142,1 17 1,17-52-16</inkml:trace>
+  <inkml:trace contextRef="#ctx0" brushRef="#br0" timeOffset="144063.92">23918 7197 0,'36'-18'140,"17"0"-140,35-17 16,35 17 0,-105 18-16,17-17 15,-17 17-15,17-18 31,-17 18-15,-1-17 0,1 17-1,0-18-15,-1 0 16,1 18 0,17-17-1,0-19 1,54-17 15,-72 89 157,1 17-173,-18-18-15,0 0 16,18 18-1,-1-18-15,1 36 16,-1 52 0,36-52-1,-35 0 1,0-1-16,17-35 0,-17 18 16,-1-35-1,-17 0 1,0-1-1,18-17 17,-18 18 15,0-1-1,-35-17 64,-18 0-95,-18 18 1,36 0-16,-18-18 16,18 0-16,-71 35 15,71-17 1,-18-18-16,17 0 16,-17 35-1,36-35 1,-1 0 281,18-35-297,-18 17 15,1-35-15,17 0 16,-18 18 0,-17-18-16,35 0 15,-35 18-15,17 0 16,18-36-16,-35 18 15,17 18 1,0-53 0,1 35-1,17 17 1,0 19 0,-18-1-16,18 0 15,0 1-15,-17 17 16,17-18 15,52 18 328,-16-17-343,-19-1-16,19 18 16,-19 0-16,1 0 15,0 0 1,-1 0 0</inkml:trace>
+  <inkml:trace contextRef="#ctx0" brushRef="#br0" timeOffset="145694">24465 13370 0,'18'36'78,"-18"-1"-62,0 35-16,35 1 16,-17 52-16,-18 1 15,17-54-15,1 89 16,-18-88-16,18 193 15,-1-105 1,1-53 0,17 88-1,-35-106 1,0-53 0,0-17-16,0 0 15,0 17 1,18 0-1,-1-17 17,-17-36 46,0-17-63,-17-71-15,-18-17 16,-1-177 0</inkml:trace>
+  <inkml:trace contextRef="#ctx0" brushRef="#br0" timeOffset="149495.15">24465 13247 0,'0'35'79,"0"0"-64,-17 1-15,-1-1 16,0 0-1,18 18-15,-17-18 0,-1 36 16,0-18 0,-35 53-1,36-36 1,-19 18 0,19-52-16,-18 17 15,17-53 1,18 17-1,0-52 95,0 0-110,0 17 15,18-35-15,-18 0 16,17 0-16,-17 18 16,18-18-16,-1 35 15,1-52 1,-18 35 0,18 17-1,-18 0 1,17-17-16,1 17 15,17-34 1,-35 16 0,36 19-1,-36-19 1,35 1-16,-35 17 16,18 1 77,-18-1-93,17 18 16,1-35-16,-1 35 16,36-53-1,-35 35 1,0 18-16,-18-17 15,17 17-15,19 0 141,-1 35-125,0 0-1,-17 1-15,-1-19 16,36 18-16,0 18 16,-35-35-1,-1 17 1,1-17-1,-18 0 1,18-18 0,-1 0-1,-17 17-15,0 1 47,18-18-16,-18 17-15,18-17 0,-18 18-16,17 0 93,-17-1-77,18 1 15,0 0-31,-18-1 0,17-17 16,-17 18-16,35 17 31,-35-17-15,0-1 15,18-17-31,-18 18 16,18 17-1,-36-35 126,-17-53-141,-18-17 16,18 35-16,17-1 15,0 36-15,18-17 16,-17 17-1,-1-36 1,0 19 0,18-1-1,-35-17-15,0-18 16,17 35 0,1-35-1,-19 36 1,36-1 62,-17 18-78,17-17 31,-18 17-31,0 0 31,1 0 63,-1 17-78,-52 71-16,17-52 15,-53 87-15,18-52 16,-36 34 0,-87 90-16,87-90 15,106-87 1,18-36 109,0-17-125,0 17 16,18 1-16,0-18 15,-18-1-15,53-34 16,-18 17-1,35-53 1,1-18 0,0 36-1,-54 71-15,36-36 16,-53 35 0,18 0-1,-18 36 110,0 0-109,0 35-16,0 0 0,0 70 15,-18-17 1,-52 70 0,52-105-1,0-36 1,18-53 62,0-17-62,0-18-16,36 0 15,-19-35-15,18 18 16,36-89 0,-18 71-1,-18-1 1,-17 37-1,-18 34-15,35-17 0,0-54 16,1 37 0,-19 34-1,1-17-15,0 35 16,-1-18 0,1 18 30,35 35-14,-18 18-32,-17-18 15,52 36 1,-34-36-16,-19 1 0,18-1 16,1 0-1,-36 0 1,17-17-1</inkml:trace>
+  <inkml:trace contextRef="#ctx0" brushRef="#br0" timeOffset="155283.82">15646 3986 0,'0'36'63,"0"17"-63,17 0 15,19-1 1,-36 37-16,17-54 15,19 53-15,-19-35 16,18 88 0,-17-106-1,35 142 1,-35-142 0,-18 0-16,35 36 15,-35-53 1,18-18-1,-18 17 1,17 1 0,1-18 77,-1-18-77,1 18 0,0-17-1,-1-1 1,-17 0 0,36 1-16,-19-19 15,1 19 1</inkml:trace>
+  <inkml:trace contextRef="#ctx0" brushRef="#br0" timeOffset="156135.21">16263 4480 0,'-18'36'47,"18"-19"-47,0 18 16,0-17-16,0 17 16,0-17-16,0 0 15,0-1 1,36 19-1,-1-1 1,-17-35 0,35 17-16,-36-17 15,1 0 1,-1 0-16,1 0 16,0 0-1,-1-17 1,1 17-1,-18-35-15,18 35 16,-18-18-16,0 0 16,35-35-1,-35 18 1,0-18 0,0 36-1,0-1-15,-18 18 16,1-18-1,-1 18 1,0 0 0,-52 0-1,-71 0 1,105 0-16,-69 0 16,87 0-1,0 36 63,1-1-62,17-18-16,0 1 0,0 17 16</inkml:trace>
+  <inkml:trace contextRef="#ctx0" brushRef="#br0" timeOffset="157082.94">16686 4304 0,'0'0'16,"-17"0"-16,17 18 15,-18 17 1,18-18 0,0 19-16,0-1 15,0-17 1,0-1 0,0 1-16,18-18 140,-1-18-140,-17 1 16,18-1-1,-18 0-15,0 1 0,18-1 16,-18 0 0,17 18 109,1 0-110,-18 18-15,18 0 16,17-1 0,-17-17-1,-18 18-15,17-18 31,1 0-15,-1-18 15</inkml:trace>
+  <inkml:trace contextRef="#ctx0" brushRef="#br0" timeOffset="157545.53">17127 4128 0,'0'0'0,"-35"52"0,0-34 15,0 35 1,17 18 0,0-54-1,1 18-15,17 1 16,-18-36 0,18 35-16,18-35 93,35-35-93,-1-18 16,1 0 0,-17-18-16,-19 36 15,19-18 1,-19-17-16,18-36 15</inkml:trace>
+  <inkml:trace contextRef="#ctx0" brushRef="#br0" timeOffset="157759.92">17286 3916 0,'18'35'31,"-18"-17"-31,0 17 16,17 18-16,1 0 15,0-18 1,-1-17 0,19-18 46</inkml:trace>
+  <inkml:trace contextRef="#ctx0" brushRef="#br0" timeOffset="158640.92">18009 2858 0,'0'0'0,"-17"35"0,17 0 16,-18 36 0,18-1-16,0 1 15,0-36-15,0 36 16,35 52 0,-35-35-1,18-70 1,0 70-1,-1-70 1,-17-1-16,0 1 16,0-53 46,0-54-46,0 54-16,0 0 15,18 17-15,-18 1 16,0-1 15,18 18-15,-1 0-16,1 0 16,-1 0-1,19 0 1,-19 18-1,1-1 1,17 19-16,-17 16 16,0 1-1,-18-17 1,0-19-16,0 36 16,-18-35-1,-17 17 1,17-35 15,-17-35-15,17 17-1,18 1 1</inkml:trace>
+  <inkml:trace contextRef="#ctx0" brushRef="#br0" timeOffset="159386.72">18627 3140 0,'0'0'0,"-36"17"15,-17 1-15,36 0 16,-54 52-1,36 1 1,17-54 0,18 1-1,0 0 1,0-1-16,0 1 16,0 0-1,18-18 1,0 0 15,17 0-15,0-18-1,36-17-15,-18-54 16,-18 1 0,-35 71-1,0-19 1,0 19-1,18 17 17,-18 17-17,0 1 1,0 17 0,17-17-16,1 35 31,-18-18-31,17-17 15,-17-1 1,0-52 31,18-18-31,35-176-1</inkml:trace>
+  <inkml:trace contextRef="#ctx0" brushRef="#br0" timeOffset="159703.45">18821 2840 0,'0'35'15,"0"-17"1,17 17-16,-17 36 15,36-36 1,105 335 47,-124-352-63,-17 0 15,18-18 1,17-18 15,-17-17-15</inkml:trace>
+  <inkml:trace contextRef="#ctx0" brushRef="#br0" timeOffset="160343.24">19279 2999 0,'0'0'0,"-17"0"0,-1 0 16,0 17-1,1 19 1,-19-19 0,36 36-1,-17-18 1,17 1-16,0-1 16,0-17-16,0 17 15,17-35 16,19 0-15,-1-53 0,0 0-1,1 0-15,-1 0 0,-17 0 16,-18-35 0,0 70 15,17 18-16,1 18 32,-1 17-31,-17 1-16,0-19 16,0 1-1,18 0-15,0-18 0,-1-36 78,19-52-78</inkml:trace>
+  <inkml:trace contextRef="#ctx0" brushRef="#br0" timeOffset="161182.93">19544 2805 0,'18'17'47,"-18"19"-31,0-1-16,17-35 16,1 53-1,-18-36 1,0 1-16,17 17 0,-17-17 15,0-53 48,0-18-63,0 0 16,0-18-16,0 1 15,0 34-15,0-17 16,0 36-1,0-1 1,18 18 0,0 0-1,-1 0 1,19 53 0,-36-35-1,35 35 1,-17-36-16,17 19 15,-18-19 1,1-17 31,17-35-47,1 17 16,17-52-1,-53 52-15,17-35 16,-17 18-1,0 17 1,0 1 0,0-1-1,-17 18 1,-1 0-16,0 0 16,1 53-1,-1-35 1,18 52-1,0-35 1,0 18 15,0-35-15,18-18 15,-1-18-31,1 1 16,0-1 15</inkml:trace>
+  <inkml:trace contextRef="#ctx0" brushRef="#br0" timeOffset="161907.85">19420 3845 0,'36'53'31,"34"0"-31,177 194 32,0 0-32,-88-88 15,-18 17-15,106 53 0,35 36 16,336 317 0,-72-176-1,-263-212 1,-248-177-1,-53-52 32,1-18-31,-1 0-16,0 0 16,-17-52-1,0 34 1</inkml:trace>
+  <inkml:trace contextRef="#ctx0" brushRef="#br0" timeOffset="162635.99">20055 3687 0,'18'0'47,"53"0"-47,-1 35 15,71 0-15,142 53 16,-107-52-16,159 52 16,-53-18-1,36-17-15,811 177 16,-653-107-1,459 89 1,-212-18 0,-423-88-16,70-18 15,-193-18 1,-142-52 15,-17 0-15</inkml:trace>
+  <inkml:trace contextRef="#ctx0" brushRef="#br0" timeOffset="164548">18944 3598 0,'0'0'16,"71"18"-16,-18 0 0,0 17 15,88 0 1,53 36 0,-141-36-1,194 53 1,-89-17-16,160 52 15,17 18 1,-18 0 0,107 18-1,34 0 1,-246-71 0,211 89-1,-52 17-15,-212-106 16,70 35-1,-70-52 1,-1 35 0,-69-71-16,-19 18 15,-52-36-15,70 54 16,-53-18 0,-17-53-1,35 53 1,-36-18 15,1-35 47,-18 18-62,0-1-1,18 1 1,-1-18 0,1 35-1,53 53 1,-54-70-16,18 35 16,-17-35-16,35 35 15,-35-36 16,-1 1-15,1 17 0,0-35-1,-18 18-15</inkml:trace>
+  <inkml:trace contextRef="#ctx0" brushRef="#br0" timeOffset="165558.78">19544 3739 0,'53'89'16,"17"52"-16,19 18 15,16-36 1,1 71-16,53 35 0,176 248 16,-53-72-1,53 89 1,54 0 0,-90-71-1,-16 107 1,-178-354-16,37 141 15,-37-105 1,-52-88 0,35 105-1,-17-17 1,-53-195 0,-1 107-1,1-36-15,-18-53 16,0-17-1,0-36 95,0-17-95,-18-18 1,-17-53-16</inkml:trace>
+  <inkml:trace contextRef="#ctx0" brushRef="#br0" timeOffset="166751.73">18785 3545 0,'18'0'47,"35"53"-47,18 0 15,17 18-15,18-1 16,17 36-1,53 0-15,-70-18 16,282 177-16,-35-36 16,-177-105-1,124 52 1,-17 18 0,-160-123-1,177 140 1,-88-70-16,-36-17 15,18-18 1,-88-36 0,-18 1-16,-53-36 15,124 71 1,17 17 0,-70-52-1,-70-53-15,34 52 0,71 18 16,-53-17-1,18-1 1,-53-17 0,18-17-16,-36-1 31,-17-35-31,35 35 16,-18 0-1,18-17 1,0 0-1,-36 17-15,19-17 16,-19-1 0,18 1-16,89 52 15,-89-34 1,124 34 0,-88-52-1,-89-36 79,0-35-78</inkml:trace>
+  <inkml:trace contextRef="#ctx0" brushRef="#br0" timeOffset="168099.26">18450 3616 0,'0'0'0,"18"35"16,17-35-16,-35 18 0,18 0 15,52 34 1,36 19-1,-18 0 1,71 17 0,0 35-16,0-52 15,-106-36 1,123 71-16,89 35 16,-195-88-1,301 176 1,264 159-1,-265-211 1,53 87 0,-52-52-16,-230-142 0,106 89 15,176 71 1,-17-1 0,-300-159-1,282 124-15,-124-35 16,107 53-1,-230-142 1,35 19 0,-70-37-1,35 37 1,-35-36-16,35 0 16,-123-18-1,35-18 1,-36 1-1,54 17 1,-54-17 0,107 17-16,-18 18 15,-53-35 1,-18-18-16,0 17 16,-17-17 30,-18 18-30,18-18 0</inkml:trace>
+  <inkml:trace contextRef="#ctx0" brushRef="#br0" timeOffset="170085.01">18309 3969 0,'18'0'62,"-1"17"-46,36 36-16,-35-35 16,35 35-16,53 53 15,0-18 1,52 18-16,-69-18 16,246 141-1,-53-17 1,-106-89-16,177 177 15,-141-141 1,158 158 0,53 36-1,54 35 1,-142-105 0,-159-125-16,-17-34 15,35 34 1,-18 1-1,-158-123 1,53 16 0,-1 37-1,-52-72-15,17 1 16,0 17-16,18 0 16,-35-17-1,0 0 1,-1-1-1,1-17-15,-1 18 32,36 35-32,0-18 15,71 89 1,35 17 0,-71-53-1,35 18 1,18 17-16,-141-87 15,71 16 1,35 54 0,-89-70-1,72 52 1,-37-18-16,37-17 16,-36 0-1,-18-18 1,-18-35-1,1 18 1,0-18 0,-1 0-1,-17 18 1,18-18 0,0 0 15,-18 17-16,0 1 17</inkml:trace>
+  <inkml:trace contextRef="#ctx0" brushRef="#br0" timeOffset="171478.47">23901 9049 0,'0'17'78,"17"-17"-63,1 18-15,0 17 16,-1-17-16,71 53 16,-52-36-1,-1-18-15,18 19 16,0-1 0,-36-35-1,1 0 63,-18-35 0,0 17-62,0-17-16,0 0 16,0 17-16,18-35 15,-18 35 1,17-17 0,1 17-1,-18 1 1,0-1-16,18-17 15,-18 17 32</inkml:trace>
+  <inkml:trace contextRef="#ctx0" brushRef="#br0" timeOffset="175465.83">31327 7320 0,'-18'0'78,"18"-18"-47,-18 18-31,-17 0 16,17 0-1,-34 0 1,34 0-1,0 0-15,-35 0 16,-17 0-16,35 0 16,-18 0-16,-36 0 15,1 0 1,18 0 0,-19 0-1,1 0 1,18 0-16,-1 0 0,-35 0 15,-70 0 1,70 0 0,18 0-1,35 0 1,0 0 0,35 0-16,-17 0 0,-53 0 15,35 0 1,-194 0-1,-35 18 1,194-18 0,-18 0-16,18 0 0,-36 18 15,71-18 1,-35 0 0,18 0-1,52 0 1,-70 17-1,-18 1-15,35 0 16,-87-1 0,-19 19-1,107-19 1,17 1 0</inkml:trace>
+  <inkml:trace contextRef="#ctx0" brushRef="#br0" timeOffset="176421.01">27799 7003 0,'-35'53'78,"-36"17"-78,36-35 15,-18 54-15,0-19 16,0-35-16,18 18 16,-18 0-16,18 0 15,17-18 1,0-35 15,89 53 172,17 0-187,71 35-16,-36-35 16,195 53-1,-230-70-15,0-1 16,-35-35-1,0 0 1,-35 0-16</inkml:trace>
+  <inkml:trace contextRef="#ctx0" brushRef="#br0" timeOffset="189072.01">21731 15840 0,'0'88'47,"0"0"-47,0 106 15,0-70 1,0 87 0,0-123-1,0 159-15,0-105 16,0-72-1,0-52-15,0 35 16,0-36 0,18-17-1,-18-17 110,17-19-109,1-17 0,0-35-1,17 35 1,-17 0-16,17 18 15,-17 0 1,17 17 0,0 18 31,0 0-32,1 53 1,17-18-16,52 36 15,-87-36 1,88 53 0,-89-52-16,19-19 15,-19 19-15,1-1 16,-18-17 15</inkml:trace>
+  <inkml:trace contextRef="#ctx0" brushRef="#br0" timeOffset="189776.15">22737 16828 0,'0'0'0,"-18"0"16,18 17 15,0 18-31,0 1 16,0-19-16,0 19 16,0 17-1,0 35 16,18-71-31,-1 1 16,1-18 0,-1 0-1,54-18 1,0 1-16,-36-19 16,-18 19-1,19-18-15,-36 17 16,0 0 31,0 1-16,-18 17-31,18-18 16,-18 0-16,1 18 15,-1-17-15,-35 17 31,36 0-15</inkml:trace>
+  <inkml:trace contextRef="#ctx0" brushRef="#br0" timeOffset="190198.13">22931 16863 0,'17'0'16,"1"0"0,-1 17-1,36 19-15,-17 17 16,17 0-1,-36-53 1,-17-18 62,18-17-62,0-36-16,17 18 0,-18 36 15,-17-1 1</inkml:trace>
+  <inkml:trace contextRef="#ctx0" brushRef="#br0" timeOffset="190494.73">23230 16810 0,'18'0'47,"0"35"-31,17-17-16,-35-1 15,18 1-15,-1 0 16,19 17-1,-19-17 1</inkml:trace>
+  <inkml:trace contextRef="#ctx0" brushRef="#br0" timeOffset="191553.98">23142 16245 0,'-35'18'31,"0"17"-16,17-17-15,0 0 16,18-1-16,-17-17 16,17 18-1,0 0 1,0 17 0,17-35-16</inkml:trace>
+  <inkml:trace contextRef="#ctx0" brushRef="#br0" timeOffset="192385.66">23795 16669 0,'17'-36'47,"36"36"-32,0-17 1,-53-1-1,18 18 17,-18 18-17,0-1-15,0 19 16,0 52 0,-53 35-1,-35-17 1,88-88-16,-35 17 15,52-35 64,36 0-79,-18 0 15,89-35 1,-89 35-16,-17-18 15,-1 1-15,1 17 16,17-18 0,-17 0-1,53-17 1,-54 0-16,124-71 16</inkml:trace>
+  <inkml:trace contextRef="#ctx0" brushRef="#br0" timeOffset="192949.84">24412 16581 0,'0'0'0,"-53"35"0,18-18 15,35 19 1,-18-19-16,18 36 15,0-35 1,0 0-16,0-1 16,0 19-1,36-19 1,-19 1 0,19-18-16,-1 0 15,-17 0 1,-1 0-1,18-53 1,-35 35 0,36-35-16,-36 18 15,0 17 1,0-17 0,0 17-16,0 1 15,-18-1 1,0 1-1,1 17-15,-1 0 16,1 0 0,-1 17-1,0-17 1,1 18 0,34-18 15,36-18-16,18-35 1,-36 36 0</inkml:trace>
+  <inkml:trace contextRef="#ctx0" brushRef="#br0" timeOffset="193614.85">24642 16387 0,'17'17'31,"-17"18"-15,18 1-16,-18-19 16,17 19-1,-17-1 1,0-17 0,0-54 93,0-17-93,18 0-16,-18-17 15,0 17-15,0 18 16,0 17-1,18 18 95,-18 18-95,0-1-15,0 19 16,17-19 0,1 1-16,-18 17 15,35 36 1,1-18 0,-19-18-1,-17 0 1,18-35-1</inkml:trace>
+  <inkml:trace contextRef="#ctx0" brushRef="#br0" timeOffset="194015.75">25100 15998 0,'0'18'47,"18"0"-47,-1 17 16,-17 0-16,18 18 15,17 0-15,1 35 16,-19 1-1,1-19 1,0-35-16,-18 1 31</inkml:trace>
+  <inkml:trace contextRef="#ctx0" brushRef="#br0" timeOffset="194439.76">25206 16228 0,'0'-18'94,"18"18"-78,35 0-16,-36-18 15,1 18-15,-1 0 16,19 0 62,-1-17-78,0 17 16,18-35-16,-35 17 15,17 0-15,18 1 16</inkml:trace>
+  <inkml:trace contextRef="#ctx0" brushRef="#br0" timeOffset="195313.79">25612 16034 0,'-36'0'0,"19"35"15,-19-17-15,19-1 16,-1 1 0,1 35-1,17-18-15,0 0 16,0 18-16,0 18 31,17-53-15,1-18-16,-1-18 62,-17-17-46,18-18-16,0 0 15,-1 17-15,-17 19 16,0-1-16,0 1 16,18 17-16,0 17 93,-18 18-77,17 1-16,1-19 16,0 19-1,-18-19 1,17-17 15,1-35-31,35-53 16,17-71-1,-34 53 1,-19 36 0,-17 52-16,0 0 15,0 54 48,0-1-63,18 0 15,0 1-15,-18-1 16,17 0 0,18 53-16,-35-52 15,18-1 1,0-35-16,-18 17 16</inkml:trace>
+  <inkml:trace contextRef="#ctx0" brushRef="#br0" timeOffset="196163.92">27305 15328 0,'-18'0'31,"18"-17"-15,-17-1-16,-19 18 15,19 0 1,-1 0 0,-35 35-1,36-17 1,-1-1-16,-35 36 15,35-35 1,1 17-16,-1 1 16,18-1-1,0-17 1,0 17 0,18-18-1,-1-17-15,54 36 0,0-1 16,-36-17 15,-18-1-15,1 19-1,-18-19-15,18 1 16,-18 35 0,0-18-16,0-17 15,0-1 1,-18 1-1,0-18 1,1 0 47</inkml:trace>
+  <inkml:trace contextRef="#ctx0" brushRef="#br0" timeOffset="196759.97">27464 15646 0,'-18'0'31,"0"0"-15,1 17-1,17 1 1,0 0-1,0-1-15,0 1 0,0 35 16,0-18 0,35 0-1,0-17 1,18-18 15,-35 0-31,17-18 0,0 18 16,1-35-1,-19 35 1,1-18-16,0 1 16,17-71-1,-35 52-15,0-87 32,0 88-32,0-36 15</inkml:trace>
+  <inkml:trace contextRef="#ctx0" brushRef="#br0" timeOffset="197329.98">27728 15399 0,'-53'17'0,"18"19"15,35-19-15,-18 1 16,1 53 0,17-54-1,0 54 1,0-36-16,0-17 15,0 17 1,35-53 78,-35 1-94,18 17 15,-18-18-15,17 0 32,1 18-32,0 0 109,-1 18-93,1 0-16,-18-1 15,18-17-15,-18 18 16,17-36 46,19-35-46,-1 18-16,18-71 16</inkml:trace>
+  <inkml:trace contextRef="#ctx0" brushRef="#br0" timeOffset="197646.88">28116 15222 0,'0'71'0,"0"-53"15,0 17 1,0 0-16,0 0 0,0 1 16,0-1-1,36 18 1,-36-35-16,0-1 15,17 1 1,1-36 47,17-17-48,18-53-15</inkml:trace>
+  <inkml:trace contextRef="#ctx0" brushRef="#br0" timeOffset="197912.92">28540 14940 0,'17'18'16,"-17"-1"-16,18 19 15,-18-1 1,53 53-1,-35-70 1,-1-1-16,-17 19 0,35-1 16,-35-17-1,18-18 32,17-36-16</inkml:trace>
+  <inkml:trace contextRef="#ctx0" brushRef="#br0" timeOffset="198179.46">28857 15099 0,'18'0'31,"-1"0"-16,-17 35-15,18-17 16,0 35 0,-1-36-16,-17 1 15,0-71 63,0-123-62</inkml:trace>
+  <inkml:trace contextRef="#ctx0" brushRef="#br0" timeOffset="198382.74">28945 14834 0,'18'0'110,"106"-17"-95</inkml:trace>
+  <inkml:trace contextRef="#ctx0" brushRef="#br0" timeOffset="199341.73">29228 14852 0,'0'35'15,"17"-17"1,-17-1 0,0 19-1,18-19 1,-18 1-16,0-53 94,18-1-79,-18 1-15,17 18 16,1-1-16,-18 0 15,17 18 64,1 0-64,0 0 1,-1 0-16,19-35 0,-19 17 15,19-17 1,-19 0-16,1-18 16,-18 0-1,0 35 1,-35 54 15,-1 17-15,1-1-16,17 19 15,18-53 1,0 17-16,0-17 16,0-1-1,18-34 32,70-36-16,-70 53-31,0 0 47,-1 0-47,18 70 16,-17-35 0,17 18-16,-35 0 15,18-35-15,-18 35 16,18 0-1,-18 0-15,0 0 16,0-36 0,-18 1-1,0-18 17,1 0-17,-1-18 1,18-17-16,-18 35 15,18-35 1,18-18 0,17 18-1</inkml:trace>
+  <inkml:trace contextRef="#ctx0" brushRef="#br0" timeOffset="213122.81">18150 14482 0</inkml:trace>
+</inkml:ink>
+</file>
+
+<file path=ppt/ink/ink18.xml><?xml version="1.0" encoding="utf-8"?>
+<inkml:ink xmlns:inkml="http://www.w3.org/2003/InkML">
+  <inkml:definitions>
+    <inkml:context xml:id="ctx0">
+      <inkml:inkSource xml:id="inkSrc0">
+        <inkml:traceFormat>
+          <inkml:channel name="X" type="integer" max="1920" units="cm"/>
+          <inkml:channel name="Y" type="integer" max="1080" units="cm"/>
+          <inkml:channel name="T" type="integer" max="2.14748E9" units="dev"/>
+        </inkml:traceFormat>
+        <inkml:channelProperties>
+          <inkml:channelProperty channel="X" name="resolution" value="36.43264" units="1/cm"/>
+          <inkml:channelProperty channel="Y" name="resolution" value="36.48649" units="1/cm"/>
+          <inkml:channelProperty channel="T" name="resolution" value="1" units="1/dev"/>
+        </inkml:channelProperties>
+      </inkml:inkSource>
+      <inkml:timestamp xml:id="ts0" timeString="2021-07-02T05:21:50.664"/>
+    </inkml:context>
+    <inkml:brush xml:id="br0">
+      <inkml:brushProperty name="width" value="0.05292" units="cm"/>
+      <inkml:brushProperty name="height" value="0.05292" units="cm"/>
+      <inkml:brushProperty name="color" value="#FF0000"/>
+    </inkml:brush>
+  </inkml:definitions>
+  <inkml:trace contextRef="#ctx0" brushRef="#br0">6191 5398 0,'0'35'78,"0"0"-63,18 0-15,-18 1 16,18 17-16,-18-18 16,35 53-1,-18-35 1,-17 35-16,36 53 16,-19-88-16,36 141 15,-35-123 1,0 35-1,-1-36 1,-17-52 0,0-1-1</inkml:trace>
+  <inkml:trace contextRef="#ctx0" brushRef="#br0" timeOffset="685">5380 5433 0,'18'-18'78,"17"-17"-62,0 0-16,18-1 15,35-17 1,-53 36-16,71-36 16,71-53-1,-89 71-15,18-18 16,-53 35-1,-18-17 1,-17 35 0,-1 0-1,1 0 1</inkml:trace>
+  <inkml:trace contextRef="#ctx0" brushRef="#br0" timeOffset="1453.16">5821 7250 0,'0'-18'62,"17"18"-46,1-18-16,17 1 15,-17 17-15,0-18 16,87-35 0,-34 35-16,105-34 15,-123 34 1,141-53-1,-88 54 1,-35-36 0,-18 53-16,-36-18 15,1 1 1,0-1 15</inkml:trace>
+  <inkml:trace contextRef="#ctx0" brushRef="#br0" timeOffset="2448.13">6773 6491 0,'18'0'62,"0"18"-62,-1-1 16,1-17 0,-18 36-16,18-36 15,-18 17 1,52 54 0,-52-53-16,0-1 0,18-17 15,-18 35 1,0-70 93,-18 18-93,18-1-16,-17 0 15,17-17-15,0 17 16,-18-17-16,18 17 16,-17-17-1,17 0 1,0 17 0,0 1-1,17-1 1,-17 0-16,18 18 15,-1 0 1,1 0 0,0 0 15,35 0-15,-36 0-16,36 18 15,0 0 1,0 17-1,-18 18 1,1-36 0,-19 1-16,1 0 15,-1-18 1,-17 17 78,18-17-79</inkml:trace>
+  <inkml:trace contextRef="#ctx0" brushRef="#br0" timeOffset="3399.93">7391 6279 0,'-18'0'0,"0"0"16,18 18-16,-17 0 16,17 35-1,0-36-15,0 1 16,0 17-1,0 18-15,0 18 16,17-54 0,19 36-1,-19-35 1,1-18 0,0 0 30,-1 0-30,19-53 0,-36-18-1,17 18-15,-17 18 16,0-18-16,0 0 16,-17-17-16,-19 17 15,1-18 1,0 36-1,17 0 1,0 17-16,1 0 16,52 36 140,0 17-156,-17-17 16,17 70-16,1-70 15,16 70-15,-16-53 16,-1 18-16,-17-17 15,17-1 1,-17-35 31,-1 0-31,36 0 15</inkml:trace>
+  <inkml:trace contextRef="#ctx0" brushRef="#br0" timeOffset="3729.02">7779 6209 0,'0'18'31,"17"17"-15,1-18-16,17 36 15,-17-17 1,-18-19-1,0-34 48,-18-1-47</inkml:trace>
+  <inkml:trace contextRef="#ctx0" brushRef="#br0" timeOffset="3963.68">7567 5997 0</inkml:trace>
+  <inkml:trace contextRef="#ctx0" brushRef="#br0" timeOffset="5078.72">8008 6050 0,'-18'0'16,"1"-18"-1,-1 18 17,1 0-17,17 18 1,-18 17-1,18 1 1,0-19-16,0 1 0,0 0 16,0 17-1,18-17 1,-1-18 0,-17 17-1,18-17 1,17 0-1,0 18 1,-17-18 0,0 0-1,-1-18 17,1 1-32,-18-54 15,0 36 1,0-36-1,0 53 1,0 36 93,18 0-93,-1-1 0,-17 1-16,18 0 15,-1-18-15,-17 35 16,18 0 0,-18-17-1,18-18-15,-18 18 141,-18-18-126,0 0 1,1 0 0,-1 0-1</inkml:trace>
+  <inkml:trace contextRef="#ctx0" brushRef="#br0" timeOffset="6530.18">9666 5927 0,'35'-18'156,"18"0"-140,18 18-16,17 0 16,0-17-1,36-19-15,-54 36 16,18-35-16,89 0 15,-107 35 1,36-35 0,-53 35-1,-18 0 1,-17-18 0,0 18 15,-1 0 0,1 0 0</inkml:trace>
+  <inkml:trace contextRef="#ctx0" brushRef="#br0" timeOffset="7558.42">9596 5680 0,'17'0'93,"36"0"-77,-18 0-16,18 0 16,0-18-16,0 0 15,53 1 1,0-1 0,-36 1-16,19-1 15,-19 18-15,-17-18 16,-18 1-16,54 17 15,-19 0 1,-52 0 0,35-18-1,-36 18-15,1-18 32,0 18-32,-1 0 125</inkml:trace>
+  <inkml:trace contextRef="#ctx0" brushRef="#br0" timeOffset="8571.11">10442 5186 0,'18'0'93,"35"0"-93,-18 0 16,0 0-16,18 17 16,53 19-1,18 34 1,-72-52-1,37 17 1,-54 1-16,0-19 16,-17 1-16,17-1 15,-17 1 1,-18 0 15,17-1-15,-17 1 109,0 0-110,0 17 1,-17-35-16,-1 35 16,0-17-16,-17 17 15,18-17 1,-54 35-16,53-18 16,-52 35-16,52-70 15,-52 71 1,17-18-1,35-35 1,-17 17 0,17-18-1</inkml:trace>
+  <inkml:trace contextRef="#ctx0" brushRef="#br0" timeOffset="10566.19">12876 4921 0,'0'18'31,"0"0"-15,0-1-1,0 1 1,18 35 0,17 0-16,-17-18 15,17 18 1,71 70 0,-53-87-1,18 17 1,17-1-1,-71-52-15,54 36 16,-18-36 0,-36 0-1,36 0 1,88-71 0,-70-17-1,-18 53-15,18-71 16,-54 71-1,1-36 1,-18 36 0,0-18-1,-35-18 1,17 54-16,18-1 16,-18 18-16,-17-35 15,17 35 1,-35-36-1,0 19 1,36-1 0,-1 18-1</inkml:trace>
+  <inkml:trace contextRef="#ctx0" brushRef="#br0" timeOffset="11474.11">14129 4710 0,'0'0'0,"-53"-18"16,35 18-16,1 0 16,-54 0-1,36 0-15,17 18 16,-52 17 0,70 0-16,-18 0 15,0-17 1,18 0-1,0-1 1,18 1 0,0-18-1,70 0 1,0 18 0,71-18-1,-18 0 1,-124 17-16,1-17 15,0 0-15,17 18 16,-35 0 0,53 34-1,-53-34 1,0 53 0,0-36-1,0 0-15,0-17 16,-18-1-16,-35 19 15,0-19 1,-17-17 0,-18 0-1,52 0 1,-17 0 0,18 0-1,18-17-15,-1 17 16,-17-18-1,17 0 17</inkml:trace>
+  <inkml:trace contextRef="#ctx0" brushRef="#br0" timeOffset="14164.46">15963 4251 0,'-35'0'16,"-18"0"-16,18 0 16,-18 0-16,-35-18 15,-1 18 1,-87 0-1,88 0-15,17 36 16,36-36-16,-36 53 16,36-18-1,0 88 1,17-70 0,1 88-1,17-35 1,0-53-16,0 18 0,17-18 15,36-1 1,-35-16 0,70-19-1,-17-17 1,-1 0-16,89-88 16,105-124-1,-211 160 1,88-160-1,-105 53 1,-36 124 0,0-106-16,-36-18 15,-69 0 1,34 36 0,36 70-1,0 18-15,-36-54 16,0 19-16,71 52 15,0 36 48,0 17-47,18 0-16,17 1 15,-17-19 1,17 54-16,71 105 15,-35-70 1,17 35 0,0-53-1,-17 1-15,-54-54 0,54 53 16,-36-53 0,0 1-16,-17-36 15,0 17 1,52 1-1</inkml:trace>
+  <inkml:trace contextRef="#ctx0" brushRef="#br0" timeOffset="14816.49">16457 4216 0,'0'0'0,"-18"0"16,18 17-1,-17 1 1,17 17 0,0-17-1,17 17-15,-17 0 16,36 1 0,-36-19-1,35 1 1,-35-124 46,0 53-62,0-17 16,0 17-16,0 18 16,0-1-1,0 1-15,0 53 63,35-1-63,-17 36 15,17-35-15,-17-1 16,17 54-16,0-53 16,1 17-16,-1 0 15,-17-17 1,-1-18-16,1 17 15,0-17 1,-1-17 0</inkml:trace>
+  <inkml:trace contextRef="#ctx0" brushRef="#br0" timeOffset="15469.94">16845 3616 0,'0'35'15,"18"1"-15,-1 16 16,-17-16 0,89 105-16,-72-71 15,1-52-15,35 70 16,0-17-1,-36-18 1,19-18 0,-36-17-1,0-1-15,-71-34 47,-17-19-31,70 19-1,-17-1-15,-18-17 16,18 0-16,0 17 16,17 0-1,18 1 126,35 17-125,18-18-16,0 0 15,0 18-15,35-35 16,18 35-1,17-53 1,-87 35 0</inkml:trace>
+  <inkml:trace contextRef="#ctx0" brushRef="#br0" timeOffset="16109.13">17321 3845 0,'-17'0'31,"17"18"-31,0 17 16,0-17-16,0 17 16,0 0-16,0-17 15,17 53 1,1-36-1,0-17 1,-1-18 0,1 0 15,0-53-31,-18 17 16,35-52-1,-35 53 1,0 17-1,17 18 32,-17 18-31,18-1 0,0-17-1,-18 18-15,0 0 16,0-1 46,17-17-46</inkml:trace>
+  <inkml:trace contextRef="#ctx0" brushRef="#br0" timeOffset="17004.12">18133 3598 0,'0'0'0,"-53"0"0,18 0 15,-18 0 1,17 0-16,-17 36 16,36-19-16,-54 36 15,54-53-15,-36 53 16,35-35-1,18-1 1,0 1 0,0 0-16,18 17 31,-1-17-15,1-1-16,-18 1 15,18-1 1,-1-17-1,1 18-15,17 0 16,53-18 0,-70 0-1,35-18 1,18-17 0,-54 17-1,-17 1-15</inkml:trace>
+  <inkml:trace contextRef="#ctx0" brushRef="#br0" timeOffset="17666.39">18150 3845 0,'18'0'15,"-18"-17"1,18-1 62,-18 0-62,0 1-1,-18 17 142,0 17-142,1-17 1,17 36-16,-18-36 16,18 35-1,0-17-15,0-1 16,0 18-1,0-17 1,18-18 0,-1 0 15,1 0-31,0 0 31,-1 0 0,-17-18-15</inkml:trace>
+  <inkml:trace contextRef="#ctx0" brushRef="#br0" timeOffset="18338.16">18256 3722 0,'18'0'16,"-18"17"-1,0 1-15,35 17 16,-35-17-1,35 0-15,-35-1 16,0 1 0,18-18-16,-36-18 93,1-17-77,17 17-16,-18-17 16,18 17-1,18 18 95,-1 0-95,1 0-15,0 18 16,-1 0-16,19-1 16,-36 1-16,17 0 15,19-1 1,-19-17 46,1-106-62</inkml:trace>
+  <inkml:trace contextRef="#ctx0" brushRef="#br0" timeOffset="18612.04">18591 3440 0,'0'0'0,"18"0"15,-18 17-15,18 1 16,-1-18-16,1 35 16,0 0-1,17 1 1,-35-19-16,35 36 15,-35-35 1,0 0 0,-35-18 31</inkml:trace>
+  <inkml:trace contextRef="#ctx0" brushRef="#br0" timeOffset="18886.16">18397 3651 0,'18'-17'15,"17"-1"1,18 18 0,53-35-16,-71 17 15,1 18 1,-1-18-16,0 1 16,-17 17 15</inkml:trace>
+  <inkml:trace contextRef="#ctx0" brushRef="#br0" timeOffset="19458.29">18821 3510 0,'17'0'16,"1"0"15,0 0-31,17-18 16,-17 18 0,17-17-1,-18-18 1,1 35-16,-18-18 15,0-17 1,0 17 0,0 0-1,-18 18 1,1 0-16,-18 0 16,17 0-1,0 18 1,1 0-16,17-1 15,0 1-15,0 0 16,0 17 0,0 0-1,17-17 17,1-1-32,0 1 15,17-18 1,-18 0-1,36 0 1,0-35 0,-35-1-1,0-69-15</inkml:trace>
+  <inkml:trace contextRef="#ctx0" brushRef="#br0" timeOffset="19805">19121 3298 0,'17'0'63,"1"0"-63,-1 18 15,1 17 1,0-35-1,-18 18-15,17-18 16,-17 18-16,18-1 31,-18-34 16,0-19-31,-18-17-16,18-52 15,0 52 1</inkml:trace>
+  <inkml:trace contextRef="#ctx0" brushRef="#br0" timeOffset="27317.93">16792 6156 0,'0'18'188,"0"17"-173,0-17 1,0 17-16,0-18 16,0 1-16,0 17 15,0-17-15,0 0 16,0 52 0,0-17-1,0-35 1,0 17-16,0 0 0,0 1 15,0-1 1,0 18 0,0 0-1,0-36-15,0 19 16,0 52 0,0 0-1,18 18 1,-18-71-1,0 89 1,0-36 0,18 18-1,-18-18-15,0 35 16,17-17 0,-17 18-1,18-1 1,-18-70-1,35 70 1,-17 1-16,-18-89 16,17 89-1,1-19 1,0-69 0,-1 87-1,-17-70-15,18 18 16,17 35-1,-17-71-15,-18 18 16,17 106 0,19-71-1,-36-35 1,0 88-16,17-53 16,1-18-1,-18-52 1,18 88-1,-18-88 1,0 34 0,17 19-16,1-36 15,0 54 1,-18 34 0,0-105-1,0 52 1,0-17-1,0-18-15,0 18 16,0-17 0,0-19-16,17 54 15,-17-36 1,0 0 0,0 36-1,0-1-15,0-34 16,0-19-1,0 36 17,0-35-17,0 0 1,0-1 31,18-17 234,17 0-250,53-35-15,-52 35 0,-1 0-16,18-18 15,53 1 1,-36 17-1,71-18 1,-17 0-16,-107 18 16,125-17-1,-19-1 1,-35 0 0,36-17-1,-1 35-15,-52-17 31,-54 17-31,54-18 0,-36 0 16,-17 18 0,-1 0 15,1 0 0,0 0-31,-18-17 16,17 17-16,1 0 15,17 0 1,-17-18 0,0 18-1,34 0-15,-34-18 16,17 18 0,1 0-16,-1 0 15,0-17-15,0 17 16,18-18-1,-17 18-15,-19 0 63,1 0-47,0 0-16,17 0 15,-17-18 1,-1 18-16,1 0 15,-1 0-15,19 0 16,-19 0 0,1 0 93,0 0-93,-1 0-1,1 0 32,52 0-31,1 0-1,-36 0-15,36 0 16,-36-17-16,-17 17 16,35 0-1,-36 0 17,1 0 30,17 0-46,-35-18-1,18 18 1,-1 0 78,-17-17 140,0-19-234,0 1 16,0 0-1,0-18-15,0-88 32,-17 88-32,17 0 0,0-18 15,0-52 1,-18-36-1,1-17 1,17 105-16,-18-70 16,18 35-1,-18 89 1,18-54 0,0 18-1,-17 0-15,17 0 16,-18 0-1,18-17-15,-18-36 16,18 71 0,0-71-1,-35-35 1,17-18-16,1 106 16,-1-106-1,1 1 1,-1 16-1,0 107 1,1-88 0,17 87-16,-18-105 15,18 88 1,-18 18 0,1-106-1,17 123 1,-18-52-1,18 34-15,0 1 0,-18-18 16,18-17 0,-17-1-1,17 18 1,0 18 0,-18 0-16,1-53 15,-1 52-15,18 1 16,0 0-1,-18-36 1,1 36 0,17-18-1,0 18-15,-18-36 0,0 53 16,1-52 0,17 17-1,0 35 1,-18-35-1,0-17 1,18 52-16,0 1 16,-17-19-16,17 19 15,-18-19 1,18 19 0,0-1-1,0-17 1,-17 17-1,-1 18 360,0-17-359,1 17-16,-36 0 31,17 0-31,1 0 16,-18 0-16,0 0 16,0 0-1,0 0 1,1-18-1,-1 18 1,0 0 0,35 0-16,-35-18 15,18 18 1,0 0 0,-18 0-1,35 0 1,-53 0-1,36 0-15,0 0 16,-36 18 0,36 0-1,-35-18 1,17 17 0,0-17-1,-35 18-15,-1-1 16,72-17-16,-72 0 15,-34 18 1,-18 17 0,123-35-1,-52 18-15,34-18 16,-17 18-16,1 17 16,-19-35-1,71 18 1,-53-18-1,18 17 1,17 1 0,-17-18-16,17 17 15,1-17 1,-36 18 0,0 17-1,-35 1 16,70-36-15,-53 17-16,36 1 0,0-18 16,-18 18-1,35-18 1,1 0-16,-1 0 31</inkml:trace>
+  <inkml:trace contextRef="#ctx0" brushRef="#br0" timeOffset="29902.04">4339 10178 0,'0'17'63,"35"19"-63,1 16 15,-1-16-15,53 123 16,-35-54 0,0-34-1,0 35-15,-35-53 0,52 70 16,-70-105-1,35 17 1,-35-17 0,0-36 31,18-17-32,-18-1-15,18-87 16,35-265-1</inkml:trace>
+  <inkml:trace contextRef="#ctx0" brushRef="#br0" timeOffset="30598.61">4904 9966 0,'0'18'47,"-18"17"-47,0 18 15,1 35-15,-19-17 16,-34 87 0,35-52-1,-1-18-15,19-35 16,17-35-16,-18 17 0,18-17 16,0-36 77,0 1-93,0-1 16,35 0-16,18-17 16,-18 17-1,89-17 1,-71 17-16,-35 18 15,17 0-15,0 0 16,0 18 15,18 0-15,-17-1 0,-19-17-1</inkml:trace>
+  <inkml:trace contextRef="#ctx0" brushRef="#br0" timeOffset="31321.15">5186 10372 0,'17'0'94,"1"0"-47,-18-18-16,0 0-31,0 1 32,0-1-17,0 0 16,-18 18-31,18-17 16,-17 17 15,17 17-15,-18 1 0,18 35-1,0-35-15,18 35 16,17-18-1,-17-35 1,-18 18-16,17-1 16,19 1-1,-19-1 1,1 1-16,0-18 16,17 0-1,0-18 1,18-70-1,-18 53 1,1-18 0,-1-106-16</inkml:trace>
+  <inkml:trace contextRef="#ctx0" brushRef="#br0" timeOffset="31997">5503 10072 0,'0'35'16,"0"-17"-1,0-1-15,0 1 16,18 17 0,17 1-16,-17-19 15,17 1 1,18-18-1,-18 0 1,18-35 0,-17-36-1,-1 18-15,-18 0 0,-17-35 16,0 35 0,0 35-1,0 36 48,0 35-63,18-18 15,0 18-15,-18-18 16,17 18 0,19 53-1,-19 53 1,-17-141-16,0 52 0,0-17 15,0 0 1,0-18 0,-17-17-1,-1-18 1,-17 0-16,-1-18 16,-34-35-16,-18-52 15,52 69 1,19-34-1,17 17-15,0 35 16,17-17 0,89-53-16,53-18 15,-141 106 1,52-35 0,-17-1-1</inkml:trace>
+  <inkml:trace contextRef="#ctx0" brushRef="#br0" timeOffset="32474">6103 9772 0,'-18'0'0,"1"18"16,17-1-1,0 1 1,-18 35-16,18-18 16,0-17-1,53-1 1,-35 1-1,70 17 1,-35 1 0,-36-19-16,-17 1 15,18-18 1,-18 17 0,0 1-1,0 17 1,-18-35-16,-17 18 15,18-18 1,-1 0 0,0 0-1</inkml:trace>
+  <inkml:trace contextRef="#ctx0" brushRef="#br0" timeOffset="32795.07">6368 9490 0,'17'17'16,"1"19"-1,-18-1-15,35 18 16,-17-53-16,17 106 16,-17-18-1,-1-88 1,1 70 0,-18-52-1,0 0 1,0-1-16,-18-17 31</inkml:trace>
+  <inkml:trace contextRef="#ctx0" brushRef="#br0" timeOffset="33063.08">6385 9860 0,'0'0'0,"18"-35"16,0 35-16,-18-18 16,17 18-16,18-17 15,1 17 1,-19 0 0,36-18-1,18 0 1,-53 18-1,-1-17-15,36 17 16,-18-53-16</inkml:trace>
+  <inkml:trace contextRef="#ctx0" brushRef="#br0" timeOffset="33529.87">6791 9560 0,'-53'0'16,"53"18"-16,0 0 16,-18 34-1,18-34 1,0 0-16,0 17 0,0-17 16,18-1 15,0 1-16,-1-18 1,1 18 0,0-18-16,-1 0 15,36-18 1,-53-35 0,18 18-1,-18-18 1,0 35-16,0 1 15,-18-1 1,1 18 0,-19 0-1,19 0 1,-1 35 0,18-17-16,0-1 15,0 1 1</inkml:trace>
+  <inkml:trace contextRef="#ctx0" brushRef="#br0" timeOffset="34456.17">6967 9543 0,'18'0'16,"-18"17"0,18-17-1,-1 53 1,-17-35-16,36 35 15,-36-18 1,0-70 47,0 17-48,-18-17-15,18-18 16,0-18-1,0 54-15,0-1 16,18 0 0,-1 18-1,1 0 1,17 18 15,-17 17-15,-1-35-1,1 0 1,0 0 0,-1 0-1,1-17 1,52-89 0,-52 88-16,-18-17 15,18 0-15,-18 17 16,0 0 15,-18 18-15,0 0-1,-17 0 1,-18 18-16,53 0 16,-17-1-16,-1 1 15,18 17 1,0 1-1,18 16 1,17 19 0,-17-53-16,17 17 15,-18-35 1,36 0 15,-35 0-15,0 0-16,17-35 15,0-1 1</inkml:trace>
+  <inkml:trace contextRef="#ctx0" brushRef="#br0" timeOffset="36129.22">4957 11765 0,'17'18'78,"-17"-1"-62,18 19-16,-1-36 15,-17 17-15,18 1 16,-18 0-16,0-71 125,0 0-125,0-18 15,-35-88 1,35 107 0,0-1-16,0 0 15,0-18 1,0 54 0,0-1-1,17 18 1,1 0-1,0 0 1,35 0 0,0 0-1,-18 18-15,0-18 16,53 70-16,-88-52 16,36 17-16,17 0 15,-18 36 1,-18-54-1,1 1 1,-36-53 62,1-18-78,-1 35 16,1-17-16,-1-18 15,0 18 1,18 17 15,0 1 1,18 17-32,0-18 15,-1 18-15,18 0 31,-17 0-15,0 0 0,35 18-1,-36 17-15,1-18 0,17 19 16,0 17 0,-17-18-1,-18-17 1,18-1-1,-1-17 48,1-35-32</inkml:trace>
+  <inkml:trace contextRef="#ctx0" brushRef="#br0" timeOffset="36794.91">5786 11254 0,'0'0'15,"0"35"-15,-18-17 0,18 17 16,0-18 0,0 19-16,35 17 31,0-18-16,-17-35-15,17 18 16,-17-1 0,0-17-1,-1-17 1,-17-19 0,36-17-1,-36 18-15,0 0 16,0 17-1,0-17 1,0 17 0,-18 1 15,0 17-15,1 0-16,-19 0 15,19 0 1,-1 0-1,18 17 79,0 1-78,0 0-16,18-1 15,17 18 1</inkml:trace>
+  <inkml:trace contextRef="#ctx0" brushRef="#br0" timeOffset="37639.46">6156 11183 0,'0'18'31,"0"-1"-31,0 1 16,18 17 0,-1-17-1,1 0 1,0-1-16,17 1 15,-18-18 17,1 0-17,0 0 1,-18-35-16,17 17 16,1 0-1,0-17-15,-18 17 16,0 1-1,0-1 1,0 0 0,0 1 46,-18-1-62,0 18 16,18-18-1,-17 18-15</inkml:trace>
+  <inkml:trace contextRef="#ctx0" brushRef="#br0" timeOffset="38265.01">6473 10936 0,'0'18'47,"0"-1"-32,0 1-15,0 0 31,18-1-15,0 1 0,-1 0-1,1-1-15,0 1 16,-1-1-16,-17 1 16,18 0-1,-18 17 1,0-17-16,0-1 15,0 1 1,-18 0 0,1-18 15,-1 0-15,-35-36-16,35 1 15</inkml:trace>
+  <inkml:trace contextRef="#ctx0" brushRef="#br0" timeOffset="38903.01">6826 10954 0,'0'-18'63,"18"18"-48,0 0 1,-18-35-16,35-36 15,-35 1 1,0 52 0,0 0-1,0 1 1,-18 17 0,1 0-1,-19 0-15,1 35 16,17 18-1,1-35 1,17-1-16,0 19 16,0 16-1,17 19-15,-17-53 16,36 17 0,-19-35-1,-17 18-15,36-1 16,-19-17-1,36 0 1,-35 0 0,-1-17-16,1-19 15,-18 19 1</inkml:trace>
+  <inkml:trace contextRef="#ctx0" brushRef="#br0" timeOffset="40749.37">9349 9525 0,'17'0'125,"1"0"-109,70-18-16,0 18 15,53-35-15,18 17 16,0-17-16,-18 18 16,194-36-1,-141 0 1,159 17 0,-265 19-16,89-1 15,-89 1-15,194-19 16,-194 36-1,71-17 1,-106-1-16,-18 18 16,53-18-1,-52 1-15,87 17 16,-52 0 0,52-18-1,53-17 1,-52 17-1,17 0-15,35 1 16,-87-18 0,52 17-1,-35-17 1,-71 17 0,124 0-1,-18 1-15,-88-1 0,123 0 16,-53-17-1,107 18 1,-160-1 0,-17 0-1</inkml:trace>
+  <inkml:trace contextRef="#ctx0" brushRef="#br0" timeOffset="43232.92">9278 9278 0,'18'0'110,"-18"-18"-95,17 18-15,19 0 16,17-35-16,-36 35 16,89-17-1,70-36 1,-123 35 0,212-35-1,-177 35 1,36 1-16,105-36 15,-176 35 1,88-17 0,-71 35-1,19-18 1,-36 18-16,17-17 16,-35 17-1,106-36 1,-35 36-1,-53 0 1,141-35 0,-158 35-1,16-18-15,178 1 16,-107-1 0,36 1-1,0-1 1,88 0-1,-194 1 1,17 17-16,1-18 0,123-17 16,-18-1-1,1 19 1,17-19 0,-142 19-1,37-1 1,-54 18-1,-17 0 1,-1 0 0,18 0-1,1 0 1,-1 0-16,-17 0 16,17 0-1,-17 0-15,17-17 0,18 17 16,-18-18-1,36 18 1,-18-18 0,-36 18-16,1 0 15,-18-17 17</inkml:trace>
+  <inkml:trace contextRef="#ctx0" brushRef="#br0" timeOffset="43949.16">13635 8132 0,'17'0'16,"19"0"-1,34 0-15,-34 0 16,69 35-16,-69-35 16,140 70-1,1 1 1,-125-71-16,72 88 16,-71-70-16,17 35 15,-52-36 1,-18 1-1,18 17 1,-18-17 0,0 17-1,-18 53 1,-53 53 0,36-105-1,-71 122-15,1 1 16,-19 18-1,53-72 1,54-87-16,-1 0 16</inkml:trace>
+  <inkml:trace contextRef="#ctx0" brushRef="#br0" timeOffset="45950.31">17374 6985 0,'0'18'47,"18"17"-31,0 0-16,-1 0 15,1-17 1,-1 35-16,36 0 16,-53-18-1,36 0 1,-19-35-16,1 0 16,0 0 46,-1-17-46,1-18-16,-18-1 15,18-17 1,-18-17 0,0 52-1,-36-52-15,19 52 16,-1 0-1</inkml:trace>
+  <inkml:trace contextRef="#ctx0" brushRef="#br0" timeOffset="46595.45">17745 6897 0,'-18'0'16,"0"17"-1,18 1 1,0 0 15,0-1-15,0 1-1,18-18 1,17 0-16,-17 0 0,105 0 16,-87 0-1,-19 0 1,-17 18 15,0-1-15,0 1-1,0 17 1,-53 18 0,36-53-1,-1 18 1,1-1-16,-1-17 15,-17 0 1,17 0 0,0 0-16</inkml:trace>
+  <inkml:trace contextRef="#ctx0" brushRef="#br0" timeOffset="48239.13">17780 7867 0,'0'0'0,"-35"-18"0,17 1 16,-17 17-1,-36-18 1,18 18-1,18 0-15,-18 35 16,35-17 0,1 0-16,17 17 15,0 0 1,0 18 0,0-18-1,17-17 1,1 0-1,0 17 17,17-17-17,-17-18-15,-1 0 47,-17-18-31,18 0-16,-18 1 15,0-19 1,18-34-16,-18 35 16,0-36-1,0 36 1,-18-36 0,0 18-1,36 53 141,-18 18-140,35 17-16,-35-17 16,36 35-1,-19-36-15,18 54 16,1-36 0,-1 0-1</inkml:trace>
+  <inkml:trace contextRef="#ctx0" brushRef="#br0" timeOffset="49394.66">17568 7691 0,'18'0'62,"0"0"-46,-1 17-1,19 1 1,-19 17-16,18 0 16,1 18-1,-19-17 1,19-1-1,-36-17 1,17 17-16,1-35 16,-71-35 93,35-18-109,-35 0 16,36 35-16,-18-53 15,17 71-15,0-35 16,36 35 156,-18 18-157,35 17-15,-17 0 16,52 36 15,-52-18-31,17 0 16,-35-36 0,36 19-1</inkml:trace>
+  <inkml:trace contextRef="#ctx0" brushRef="#br0" timeOffset="50385.7">17974 7726 0,'-18'0'16,"1"0"-1,-1 0-15,0 0 16,1 17 0,-1 1-16,18 17 15,0-17 1,0 17 0,18-17-1,-18 0 1,35 35-16,0-36 15,1-17 1,-36 18 0,17-18 15,-17-18-15,36 1-16,-19-19 15,-17-34 1,0 34-1,-17-17 1,17 18-16,-18 35 16,0-17-1,36 34 79,-18 1-78,35-1-16,-35 19 15,36-1 1,-1 0 0,-18-17-1,1 0 1,-18-1-16,18-17 47,17-17 0,-17-19-32,-1-34 1</inkml:trace>
+  <inkml:trace contextRef="#ctx0" brushRef="#br0" timeOffset="50824.91">18203 7549 0,'18'0'47,"0"36"-31,-1-19-16,1 1 15,17 35 1,-17-35-16,35 17 16,0 53-1,0-35 1,-53-35 0,17-18-16,-52 0 78,-18 0-63</inkml:trace>
+  <inkml:trace contextRef="#ctx0" brushRef="#br0" timeOffset="51132.51">18256 7796 0,'0'-17'47,"0"-1"0,18 18-47,35-35 16,0 17-16,-36 18 15,1-17-15</inkml:trace>
+  <inkml:trace contextRef="#ctx0" brushRef="#br0" timeOffset="52315.99">18662 7549 0,'0'-17'16,"-35"17"-16,17 0 15,-17-18 1,17 18 0,0 0-16,1 0 31,17 18-31,0 17 16,-18-35-1,18 18 1,0 35-1,0-36-15,0 1 16,0 0 0,18-1-1,-18 1 1,17-18 0,1 0-16,35 0 15,18-35 1,-36-18-1,-18 0 1,-17 0 0,0 18-16,0 17 15,0 36 32,18-18-31,-18 17-16,0 1 15,0-1 1,18 1-16,-18 0 0,0-1 16,17 1-1,1-18 1,-18 18 0,18-1 46</inkml:trace>
+  <inkml:trace contextRef="#ctx0" brushRef="#br0" timeOffset="53525.12">19103 7267 0,'-18'0'297,"1"18"-297,17-1 15,0 1 1,0 0-1,0-1-15,0 19 16,0-19 0,0 19-1,0-1 1,0-17 0,0-1-1,17-17-15,-17 18 31,18-18-15,17 0 0,-17 0-1,-1 0 1,1-18-16,-18 1 16,0-1-1,0 0 1</inkml:trace>
+  <inkml:trace contextRef="#ctx0" brushRef="#br0" timeOffset="54670.05">19191 7426 0,'18'0'32,"-18"-18"-17,35 1 32,0-1-31,-17 0-1,-18 1-15,0-1 16,0 0 0,0 1-1,-18 17 1,1 0-16,-19 17 16,19 1-16,-1 0 15,0 35 1,18-36-1,0 1-15,0 17 16,0-17 15,18-18-15,17 0 0,-17 0-1,35 0-15,-18 0 16,18-35-1,-35 17 1,-18 0 0,0-17-16,0 0 15,0 17 1,0 0 0,17 36 93,1 0-93,0-1-16,-18 1 15,17 17-15,-17 1 31,18-36-31,-18-53 79,0 17-79,0-34 15,0 17-15,0 35 16,0-17-16,0 17 31,18 18-15,-1 0-1,1 0 1,0 0 0,-18 18-16,17-18 15,-17 18 1,18-1-1,-18 19 1,17-19-16,-17 1 16,18-18-1,-18-18 48,0 1-63,-18-19 31</inkml:trace>
+  <inkml:trace contextRef="#ctx0" brushRef="#br0" timeOffset="55133.61">19597 6844 0,'17'0'16,"1"0"0,0 35-16,-1-17 15,-17-1-15,36 19 16,-36-1 0,35 36-1,-17-1-15,-1-52 16,1 52-1,-1-52 1</inkml:trace>
+  <inkml:trace contextRef="#ctx0" brushRef="#br0" timeOffset="55446.33">19738 7197 0,'0'-18'31,"0"0"-15,0 1-16,18-1 15,-1 18 1,1-18 0,-1 1-1,-17-1 1,36 18-16,-36-17 15,17-1 1</inkml:trace>
+  <inkml:trace contextRef="#ctx0" brushRef="#br0" timeOffset="56345.12">19932 6985 0,'18'0'16,"-1"0"15,1 0-15,-1 0-16,-17-18 15,18 1-15,-18-1 16,18-17 0,-18 17-1,0 1 1,0-1-16,0 36 62,0-1-46,-18 36 0,18-35-1,0-1-15,0 1 16,0 0-16,18-1 16,-1-17 15,-17 18-16,18-18 17,0 0-32,-1-18 15,1-17 1,0 0 0,-18-18-1,0 35-15,0 1 16,0-1-16,0-17 15,17 35 79,1 17-63,0-17-15,-18 18 0,17-18 93,1-18-93,-1 18-1,1-17 1,0-19-16</inkml:trace>
+  <inkml:trace contextRef="#ctx0" brushRef="#br0" timeOffset="63332.86">10354 13899 0,'0'36'110,"0"34"-95,35 1-15,-17-36 16,0 53-16,17 36 16,-35-71-1,53 123-15,-18 106 16,-17-211 0,17 105-1,-35-88 1,0-52-16,18-1 15,-1 18 1,1-53 125,17-18-126,36 1 1,-36-1-16,71-35 16,0 18-1,35 0-15,141-36 16,-35 18-1,-176 18 1,-1 35 0,-52 0 124,52-53-140</inkml:trace>
+  <inkml:trace contextRef="#ctx0" brushRef="#br0" timeOffset="64856.09">12083 14517 0,'0'0'0,"-18"0"16,0 0 0,1 0-1,17 17 1,-18 1-1,18 0-15,-35 17 16,17 18 0,-17-18-1,35 0-15,0 18 32,0-35-17,0 0 1,0-1-16,0 1 15,0 0 1,18-1 0,-1-17-1,18 0-15,54 0 16,-54 0 0,53-35-1,-53 17 1,-17-17-16,0 17 15,-18-35 1,0 18 0,0 0-16,0 17 15,0 36 79,17 17-78,-17-17-1,36 17-15,-36-17 16,17-1 0,-17 1-16,0 0 15,18-18 1,-1 0-1,1-53 1,17-53 0,18-88-1,-35 53-15,-18-71 16,-18 53 0,-35 54-1,36 87 1,17 53 31,35 0-47,-17 18 15,17 0-15,18 18 16,-18 35 0,-17-89-1,35 72-15,-18-1 16,0-53-1,-35 36 1,36-36 0,-19 18-1,-17-36-15,18 1 16,-18 0-16,-35-18 47,-1-36-32,-70-69 1,71 87 0,-35-53-16,-19 1 15,72 70 1,-36-35 0,70 35 77,19 0-77,-1 0 0,36-18-16,34 18 15,-52 0-15,141-35 16,-158 35-1,17-18-15</inkml:trace>
+  <inkml:trace contextRef="#ctx0" brushRef="#br0" timeOffset="65889.08">13106 14270 0,'17'0'78,"1"0"-47,0 0-15,17-18-1,-17 1 1,-18-1 15,0 0-15,0 1 62,-36 17-47,1 0-15,17 0-16,1 0 47,17 17-32,-18 1 1,18 0-16,0 17 16,0-17-16,0-1 15,0 18 1,0-17 0,0 0-1,18-18-15,17 17 16,18 1-1,17-18 1,-17 0 0,-35 0-1,17 0 1,-17 0-16,-18-18 16,18-17-16,-1 17 15,-17-17 1</inkml:trace>
+  <inkml:trace contextRef="#ctx0" brushRef="#br0" timeOffset="66540.03">13494 14164 0,'17'0'16,"1"0"0,0 0-1,-18 35 1,17 1-1,1-1-15,-18 0 16,18-17-16,-1-1 16,-17 19-1,18-19 1,-36-52 62,1 0-78,-1 17 16,0-17-16,18 17 15,0 1-15,0-1 16,0 0 0,0 1-16,18 17 46,35 0-30,0 0-16,-36 0 16,54 0-16,-18 0 15,53 0 1,-71 17 0,-17-17-16,-1 18 15,1-18 1,-18 18-1,18-18 79,-1-18-78,1 18-1</inkml:trace>
+  <inkml:trace contextRef="#ctx0" brushRef="#br0" timeOffset="67662.66">13935 14023 0,'0'0'0,"-36"0"15,1 18-15,18 17 16,-19-18 0,36 19-1,0-19 1,0 1-16,0 0 15,18 17 1,52 0 0,-34 1-1,-1-19 1,0-17-16,-17 0 16,0 0-16,-1-17 15,36-54 1,-18 18-1,1 0 1,-19 0 0,1 18-1,-18 17-15,0 1 16,0-1 15,0 36 16,18 35-31,17-36-1,-35 18-15,35-17 16,0 17 0,54-35-1,-54 0-15,35-35 16,-52-18-1,17 0-15,-35 36 16,0-1-16,0-35 16,0 35-1,0 89 32,0-36-47,0 18 16,0 106-1,18-71 1,0-35-16,-1 18 0,1 34 16,-18-52-1,0 53 1,0-71 0,-18-17-1,-35 17 1,-141-35-16,89 0 15,-107 0 1,88-70 0,71 52-1,53 1-15,0-19 32,0 19-32,53-19 15,36 1 1,-37 0-1,143 17 1,-90 1-16,-52-1 16,35-17-1,1-1-15,-36 1 16,-36 35 0,1-18-1,-18 1 16,17-1-31</inkml:trace>
+  <inkml:trace contextRef="#ctx0" brushRef="#br0" timeOffset="68775">15293 13723 0,'0'0'15,"-35"0"-15,52 0 141,1 0-125,0 0-1,-1 0-15,71 0 16,18-18-16,-53 1 15,71-19 1,-71 36 0,35-17-1,-106 34 63,-52 19-78,17-1 16,-88 53-16,70-52 16,0 16-16,-34 1 15,34-17 1,36-36-16,52 0 172,1 0-157,35 0 1,-35-18-16,87-17 16,-69 17-1,140-17-15,36-36 16,-159 54 0,35-19-1,-53 36 1,-35-17 93,-18-1-109,-34-35 31</inkml:trace>
+  <inkml:trace contextRef="#ctx0" brushRef="#br0" timeOffset="69369.89">15716 13406 0,'36'0'31,"16"0"-15,-16 0-1,17 0-15,35 35 16,-35-18-16,53 36 16,-36-17-1,1-1 1,-18 18 0,-36-36-1,1 19-15,-18 17 16,0-36-1,0 19 1,0-1 0,0 0-16,-53 18 15,-18 18 1,36-36-16,-35 18 16,34-36-1,36 1 32,0 0-31,18-18-1,0 0 1,17 0-16,-18 0 16,178-71-1</inkml:trace>
+  <inkml:trace contextRef="#ctx0" brushRef="#br0" timeOffset="70345.66">17092 12965 0,'35'0'31,"-17"35"-15,0-17-16,17 17 16,0 18-1,36 53-15,-54-89 16,54 107-1,-1-1 1,-52-70 0,0-18-1,-18-17 1,-88-36 46,17 18-62,36-17 16,-71-1-16,53 0 16,0 18-1,-17-17-15,52 17 16,-17-36 0,17 19-1,0 17 1,18-18 62,18 18-78,0 0 16,-1-17-1,36-1-15,18 0 16,-36 1-16,88-19 15,36-34 1,18 17 0,-160 35-1,19 1-15</inkml:trace>
+  <inkml:trace contextRef="#ctx0" brushRef="#br0" timeOffset="70751.42">17745 13141 0,'0'0'0,"17"35"0,1-17 16,0 0-16,17 17 16,0 18-1,-17-36 1,-1 1-1,-17 0 1,-17-18 31,-1-18-31,-17-35-1,0-35-15</inkml:trace>
+  <inkml:trace contextRef="#ctx0" brushRef="#br0" timeOffset="71357.07">17586 12841 0,'18'0'63,"-1"18"-47,-17-1-1,18-17 1,0 36-1,-1-36 1,1 17-16,-1-17 16,1 0 31,-18-17-32,0-1-15,0-17 16,0 17-1,0 0 1,-35-17 0,17 35-1,1-17 1,-1 17-16,0 0 31,1 17 0,17 1-15,0-1 0,0 1-16,0 17 15,35-17 1,0 17 0</inkml:trace>
+  <inkml:trace contextRef="#ctx0" brushRef="#br0" timeOffset="72470">18168 13106 0,'0'0'0,"0"17"0,0 36 16,0-35-16,0 0 15,0-1 1,0 1 0,-18-36 46,1 1-62,17-36 16,-18 0-16,1 17 15,-1-34 1,18 35-16,0 17 16,0 0-1,35 36 48,53 35-48,-35-35-15,0 17 16,-35-18-16,17 1 16,0 17-1,-17-17 1,-18-36 93,-35-17-93,17 0-1,0 17-15,18 1 0,0-1 16,0 0 0,0 1-1,18 17 1,17 0 0,-17 0-16,17 0 15,36 0 1,-36 0-1,-17 17 1,-1-17-16,1 18 16,17 0-16,-17 17 15,0-18 17,-1 1-17</inkml:trace>
+  <inkml:trace contextRef="#ctx0" brushRef="#br0" timeOffset="73180">18662 12982 0,'0'0'0,"18"0"15,-1 0 1,1 0 15,-1 0 32,19-17-48,-19 17 1,-17-18-16,0 0 31,0 1 0,-17 17 1,-1-18-17,0 18-15,-34 0 16,16 0-1,1 0 1,35 18 0,0-1-1,0 1 1,0 17-16,18 1 16,-1-36-1,36 70 1,0-52-1,-18-1 1,159-17-16,-141 0 16,53 0-16,-71 0 15,71-35 1,-106 17 15,0 1-15</inkml:trace>
+  <inkml:trace contextRef="#ctx0" brushRef="#br0" timeOffset="73799.24">19597 12083 0,'17'0'15,"19"17"1,34 36 0,-34-53-1,16 53-15,19-18 16,52 89-16,-52-71 16,53 88-1,-54-71 1,-52-34-1,17-1 1,-17-17 0,-18-1-1,0 1 1,-18-18 15,0 0-15,-17 0-1,-35 0 1,-72-18-16</inkml:trace>
+  <inkml:trace contextRef="#ctx0" brushRef="#br0" timeOffset="74131.03">19808 12594 0,'0'0'0,"106"-35"0,-53 35 16,-35-18-16,70 18 16,-70-17-1,17 17 1,0 0-1,-17 0 1,0-18-16,-1 18 16,1-18-1,17 1 1,-17 17 0,-18-18-1</inkml:trace>
+  <inkml:trace contextRef="#ctx0" brushRef="#br0" timeOffset="74801.12">20496 12312 0,'0'0'0,"-70"0"0,52 0 16,1 0 0,17 18-1,0-1-15,0 1 16,0-1-1,0 19-15,17-36 16,1 35-16,17 0 16,-17-17-1,17 17 1,-35-70 46,18-18-46,-1 35-16,-17-17 16,0 17-1,0 1 1,18 17 31,0 0-32,-1 17-15,-17 1 16,18 17 0,0 1-16,17-1 15,-18-35 1,-17 18 0,0-36 15,0 0-16,0 1-15,0-36 16</inkml:trace>
+  <inkml:trace contextRef="#ctx0" brushRef="#br0" timeOffset="75146.07">20690 12206 0,'0'18'47,"36"17"-47,-1-17 15,0 52 1,1-52-1,-19-1-15,1 1 16,-1 17-16,1-35 16,0 18-1,-1-36 32,1-17-31</inkml:trace>
+  <inkml:trace contextRef="#ctx0" brushRef="#br0" timeOffset="75781.25">21043 12136 0,'0'17'47,"0"36"-31,0-35 0,0 17-16,0-17 15,-17-18 126,34 0-94,18 0-32,-17 0 1,0 0-16,35 0 16,-36 0-1,19 0-15,-19 0 16,36 17-1,-35-17 1,-1 0-16,1 0 78,0-17-78,17-19 16,0 1-1</inkml:trace>
+  <inkml:trace contextRef="#ctx0" brushRef="#br0" timeOffset="77012.97">21484 12118 0,'18'0'16,"-1"0"-16,1 0 31,0 0 1,17 0-17,53-35-15,-35-18 16,0 17-1,-53 19-15,18-36 16,-18 35-16,0 1 16,0-1-1,-18 18 1,-17 0 0,-36 18-1,18 35 1,36-18-1,17-18 1,0 1 0,0 17-1,0-17 1,0 0-16,0-1 16,0 1-1,17 0-15,1-18 16,-18 17-1,53 1 17,17-18-32,-34-35 15,17 17 1,17-35-16,-35 0 16,-17 35-1,-18-17 1,18 35 78,-18 18-79,17-18 1,-17 17-16,0 1 31,0 0-31,-17-36 78,-19-17-78,1-36 16,35 54-1,0-1 17,18 0-32,70-17 15,-35 17 1,-35 18 0,34 0-16,1-17 15,-35 17 1,0 0-1,-1 0 17,1 0-17,0 0 1,-1 17 0,18 36-1,-17-35-15,0 17 16</inkml:trace>
+  <inkml:trace contextRef="#ctx0" brushRef="#br0" timeOffset="77831.05">23724 11042 0,'0'-18'78,"0"-17"-62,0 0 0,0-1-16,0 1 0,0-18 15,0 0-15,0-17 16,-17 35 0,-36-71-1,0 53-15,0 18 31,53 17-31,-18 18 16,18 18 31,0 34-31,0-34-16,18 123 15,35-53 1,-36-17-16,19 17 15,17 88 1,0-52 0,-1-36-16,1 53 15,0-70 1,-35-54 0,-36-17 46,1 0-46,-19-17-1</inkml:trace>
+  <inkml:trace contextRef="#ctx0" brushRef="#br0" timeOffset="78137.06">23689 11377 0,'0'-18'31,"18"1"-16,-1 17 1,1-18-16,17 18 16,-17 0-1,-1-35 1,1 35 0,-18-18-1,35 1 1</inkml:trace>
+  <inkml:trace contextRef="#ctx0" brushRef="#br0" timeOffset="78774.36">23901 11183 0,'17'0'16,"-17"18"15,18-18-15,-18 17-16,18 1 0,-18 0 15,35-1 1,-17 19-1,34-19 1,1 1 0,-35-18-16,0 0 15,-1 0 17,-17-18-17,0 1 1,0-19-1,0 1 1,-35 35 0,17-18-16,1 1 15,-36 17 1,35 0-16,1 0 16,-1 0 15,18 17 16,0 1-32</inkml:trace>
+  <inkml:trace contextRef="#ctx0" brushRef="#br0" timeOffset="79238.12">24095 11183 0,'0'0'0,"35"0"0,0 18 15,-17-1 1,35 19-16,-18-1 15,0-17 1,-17-1 0,0-17-16,-18-17 78,0-1-63,0-17-15,0 17 0,17 0 16,1 1 0</inkml:trace>
+  <inkml:trace contextRef="#ctx0" brushRef="#br0" timeOffset="80124.99">25259 10760 0,'-35'17'62,"35"1"-62,-18 0 16,0-1-16,18 19 16,0-19-16,0 18 15,0 18 1,0-35-1,0 0-15,18-1 16,-18 1 0,18-18-1,-1 0 1,71-18 15,-35-17-31,-35 35 16,0-35-1,-18-1 1,0 1 0,0 18-1,0-1 1,-18 0-16,-17 1 16,-1-19-1</inkml:trace>
+  <inkml:trace contextRef="#ctx0" brushRef="#br0" timeOffset="80810.98">25665 10654 0,'0'18'15,"0"-1"-15,17 1 16,-17-1-16,18 36 16,0-17-1,-18-19 1,0 1-1,-18-18 79,18-18-94,-18-17 16,18 17-16,-17 1 15,17-1 1,0 0 0,0 1-1,0-1 1,17 18 0,1 0-16,88 0 15,-71 0 1,0 0-16,-17 0 15,35 18 1,-36-18 0,-17 17-1,18-17-15,0 0 32,-18 18-17,17 0 1,19-18 15,69 0-15</inkml:trace>
+  <inkml:trace contextRef="#ctx0" brushRef="#br0" timeOffset="81391.2">26388 10672 0,'17'-18'62,"1"0"-46,-18 1-1,0-1 1,0 0 15,-18 18-15,1 0 0,-1 0-16,0 0 15,18 18 32,0 0-31,0-1-16,0 1 15,0 0 1,0-1 0,0 1-1,18-18 1,0 0-1,17 0 1,18 0 0,-18 0-1,18 0-15,-18-18 0,-35 1 16,18 17 0</inkml:trace>
+  <inkml:trace contextRef="#ctx0" brushRef="#br0" timeOffset="82944.22">18362 14905 0,'0'-18'47,"-18"1"-16,1 17-15,-1 0-1,1 0-15,-1 0 16,0 0 15,18 17-31,0 1 63,18-18-48,0 17 1,17-17-16,35 36 15,19-19 1,-72 1-16,36 0 16,18 17-16,-18 18 15,17 0 1,-52-18 0,-1 0-1,1 1 1,-18-19-1,0 1 1,-35 0-16,-1-18 16,-16 17-1,-19 1 1,18-1 0,0-17-1,36 0 1,-1-17-1,0-1 1,1 1 0,17-1-1,0 0 17,17 18-17,-17-17 1,71-1-1,-18 18 1,17 0-16,1 0 16,-36 0-1,0 0 1,-17 0 0,0 0 46,17-18-62,0 1 16,1-19-1</inkml:trace>
+  <inkml:trace contextRef="#ctx0" brushRef="#br0" timeOffset="83384.06">18979 14958 0,'0'17'47,"0"1"-47,0 0 31,18 17-16,0-35-15,-1 18 47,1-18-31,35 0 0,-35 0-1,-1-18-15,18 0 16,-17-17-1,-18 0 1,0-1 0,0 1-1,0 18-15,0-1 16</inkml:trace>
+  <inkml:trace contextRef="#ctx0" brushRef="#br0" timeOffset="84925.47">19473 14711 0,'-35'0'16,"0"0"-16,17 17 16,18 1 15,-17 0-31,17-1 16,-18-17-1,18 18 1,-18 0-16,18-1 0,0 1 15,18 0 17,0-18-1,-1 17-15,1 1-16,17-18 15,106 0 1,0 0-16,18 0 15,-88-35 1,70-36 0,-71 18-1,-70 18 1,0 17 0,0 1-1,-35-1 1,0 0-1,-1 1-15,-17-1 16,18 18 0,18 0-1,-1 0 32,18 18-31,-35-1-1,35 1-15,0 0 16,-18-1 0,18 1-1,18 17 1,-18-17 0,17-18-1,1 0 16,17 0-15,18 0-16,0 0 16,0-36-16,18-16 15,-54 34 1,1-35 0,-18 18-1,0-1 1,0 1-1,0 18-15,17 17 110,-17 17-95,18-17-15,-18 18 16,18-18 0,-1 17-1,1-17 1,-18 18 0,18-18-16,-1 18 15,-17-1 1,18 19-1,-18-19 1,0 1-16,0 0 31,-18-18 1,1 0 14</inkml:trace>
+  <inkml:trace contextRef="#ctx0" brushRef="#br0" timeOffset="85436.45">20655 14305 0,'0'0'0,"-35"18"0,17-1 16,1 1-1,-1-18-15,18 18 16,-18-18-1,18 17 32,36 1-31,-19-18 0,19 18-1,16-1-15,-34 1 16,0 0-1,-18-1 1,0 1 0,0 17-1,-18-17 1,0-1-16,-17 1 16,0-18-1,17 0 1,1 0 15,-1-35-15</inkml:trace>
+  <inkml:trace contextRef="#ctx0" brushRef="#br0" timeOffset="86502.93">20726 14340 0,'0'-17'31,"0"-18"-31,35 17 16,-17-35-1,-1 35-15,1-17 16,0-88 0,-18 70-1,0 17-15,0 1 16,-18 0 0,0 17-1,1 18 1,-1 0-1,0 0 1,1 0 0,-1 0-1,0 18 1,18 70 0,0-35-16,53 53 15,36 17 1,-72-105-1,54 88 1,-71-89 0,35 36-1,0-17-15,-35-19 16,-17-17 62,-19 0-78,1 0 16,0-17-1,17-1-15,-17 0 16,35 1 0,0-1-1,0 0 1,0 1 15,0-1 0,18 18-15,-18-18-16,17 1 16,18 17-1,1-35 1,17 17-1,-36 0 1,1 18-16,-18-17 16,18 17-1,-18-18 17,0 0-32,17 18 15</inkml:trace>
+  <inkml:trace contextRef="#ctx0" brushRef="#br0" timeOffset="87178.28">21061 14182 0,'17'0'16,"-17"-36"78,0 19-79,0-1 1,0 36 78,18-18-94,-18 35 15,18-17-15,-18-1 16,17-17-16,1 18 15,0 0 1,-1-1 0,1 1-1,0-18-15,-1 0 32,1-18-1,-18-17 0,0 17-31,0-35 16,0 36-1</inkml:trace>
+  <inkml:trace contextRef="#ctx0" brushRef="#br0" timeOffset="87614.43">21537 13864 0,'0'18'31,"0"17"-15,18-17 0,-1 35-16,1-36 15,0 36 1,-1-35 0,-17-1-1,18 1 1,-18 0-1,18-18 1,-18 17 0</inkml:trace>
+  <inkml:trace contextRef="#ctx0" brushRef="#br0" timeOffset="88269.77">22684 13423 0,'0'0'0,"-18"0"15,0 0-15,1 0 16,-1 18 0,0 52-1,18-52-15,0 70 16,0-17 0,0-18-1,18-18 1,17 36-1,1-54 1,52 18-16,-18-17 16,89-18-1,-106-35-15,35-18 16,-70 35 0,17-52-1,-17 52 1,-18-35-16</inkml:trace>
+  <inkml:trace contextRef="#ctx0" brushRef="#br0" timeOffset="88829.16">22895 13511 0,'0'0'0,"0"18"31,0 53-15,0-36 0,0 0-16,0 0 15,18-35-15,0 36 16,34 17 0,-34-53-1,70 35 1,-52-35-1,-19 0-15,-17-53 47,0 35-31,0-17 0,0 0-16,0 17 15,0-17-15,-17 17 16,34 18 171</inkml:trace>
+  <inkml:trace contextRef="#ctx0" brushRef="#br0" timeOffset="90487.12">23424 13406 0,'0'17'15,"18"18"16,-18-17-31,18 35 16,-18 18 0,17-19-1,-17-16-15,18-19 16,-53-52 46,17-18-46,0 36-16,-34-89 16,52 70-16,0-16 15,-18 34-15,18 0 16,35 18 62,18 36-62,-35-1-1,17-18 1,-17 1 0,-1 0-16,-17-36 93,0-17-77,0 0-16,0-1 16,18-17-16,0 53 46,-18-17-46,17 17 16,1 0 15,-1 0-15,-17 17 0,36-17-16,-36 18 15,35 0 1,-35-1-16,0-34 62,0-36-46,0 17-16,0 19 16,18-1-1,-1 18 48,1 18-63,0-1 15,-1-17-15,-17 18 16,18 0 0,-1-1-16,1 1 31,-18-36 63,0 1-79,0-1 16,18 18 32,17 0-47,-17 18-1,-1-1-15,1 1 16,-18-53 78,0-1-94,0 1 15,18-18-15,17 18 16,-35 17-16,18 18 47,-1 0 0,1 0-47,-1 18 15,1 0 1,0-1-16,-1 1 15,1 0-15,0-1 16,-1-17 0,1 0 15</inkml:trace>
+  <inkml:trace contextRef="#ctx0" brushRef="#br0" timeOffset="91135.08">24395 12947 0,'0'18'31,"0"17"-15,0-17-16,0-1 15,17 1-15,-17-1 16,18-17-1,0 18-15,-1-18 32,1 0-1,-1-18-15,1 1-1,-18-1 1,0 1-16,0-1 15,0 0 1,0 1 0,0-19-1</inkml:trace>
+  <inkml:trace contextRef="#ctx0" brushRef="#br0" timeOffset="92070.93">24765 12859 0,'18'0'62,"-1"35"-46,-17-17-16,0 17 16,18-17-1,-18-1 1,0-52 93,0 0-93,0-18-1,0 35-15,0-17 16,18 0 0,-18 17-16,17 18 47,1 0-16,17 35-16,-17-35 1,-18 18-16,17-1 16,19 19-1,-19-19 1,1-17 62,0-17-62,17-1-1</inkml:trace>
+  <inkml:trace contextRef="#ctx0" brushRef="#br0" timeOffset="92369.99">25312 12647 0,'17'0'16,"1"18"-1,-18-1 1,18 1 0,-18 0-1,0-1 1,17-17-1,-17 18-15,-53-71 94</inkml:trace>
+  <inkml:trace contextRef="#ctx0" brushRef="#br0" timeOffset="92612.98">25206 12506 0,'71'18'141</inkml:trace>
+  <inkml:trace contextRef="#ctx0" brushRef="#br0" timeOffset="94447.04">25612 12577 0,'-36'0'0,"19"0"31,-1 0-31,0 0 0,18 17 16,-17 1 0,-36 52-1,53-52-15,0 17 16,0-17 0,0 0-16,53 17 15,70 0 1,-17-35-1,-35 0 1,-71-18 47,17-34-48,1 16-15,-18 1 16,18 17-16,-18 1 15,0-1 1,-18 18 78,0 0-63,18 18-31,0-1 31,0 1-15,-17-18 0,17 18-16,0-1 15,0 1 16,17-18 63,1-18-94,0 1 16,-1-19-16,1-17 15,-18 36 1,18 17 15,-1 0-15,1 0 0,-18 17-1,0 1-15,17-18 16,1 35-1,0 1 1,-1-36 0,-17-18 62,0 0-78,18-52 15,-18-36 1,0 53-16,18 53 63,-1 0-48,1 35 1,-18-17-16,18 0 15,-1 17 1,1 35 0,-1-52-1,19 35 1,-36-18 0,17-35-16,-52 0 62,35-17-62,-35-1 16,35 0-16,-18 1 15,18-1 17,0 0 77,53 1-93,71-36-1,-89 35 1,71-35-1,-89 53 1,1-17-16</inkml:trace>
+  <inkml:trace contextRef="#ctx0" brushRef="#br0" timeOffset="95515.18">27093 11307 0,'-17'0'15,"17"17"1,-18 1-16,18 17 16,-18 18-1,1 123 1,17 54-1,0-107-15,0 54 16,0-19 0,17-70-1,19 18 1,17-17 0,-36-72-1,1 1-15,0-1 0,-1-17 47,1 0-31,35 0-1,70-17-15,-70 17 16,18-35 0,-18 17-16,-18 0 15,-18-17-15,19-36 16</inkml:trace>
+  <inkml:trace contextRef="#ctx0" brushRef="#br0" timeOffset="96233.06">27764 11748 0,'0'0'0,"-36"-18"15,19 18 1,-1 0 0,0 0-16,1 0 15,-19 18 1,19 17 0,-1-18-1,18 1 1,0 0-1,35-1 17,-17 1-32,0 0 15,17-18 1,-17 17 0,52 36-16,-17-18 15,-53-17 1,18 0-16,-18-1 0,17-17 15,-17 53 1,0-35 15,-88 17-15,-88 0 0,88 1-16,-18-19 15,88-17 1,71-53 46,0 18-62,18 0 16,-19 0 0</inkml:trace>
+  <inkml:trace contextRef="#ctx0" brushRef="#br0" timeOffset="97173.28">27887 11765 0,'0'18'15,"0"17"1,0-17-1,35 17 1,-17 0 0,17 1-16,36-19 15,-36-17 1,0 0 0,-17 0-1,0-53 1,-18 36-16,17-36 15,-17 35 1,18 36 93,-18 17-109,18-17 16,-1 35 0,1-1-16,-18 1 15,35 36 1,-35-72-16,0 71 16,0-52-1,0 17 1,0-36-1,-70-17 1,34 0-16,-70 0 16,36 0-1,35-17 1,-1-1 15,36 0-15,-17 1-16,17-1 0,0-17 15,0 17-15,70-35 32,-17 18-17,0 0 1,-35 17 0,-18 0-16,17 18 62,1-17-62</inkml:trace>
+  <inkml:trace contextRef="#ctx0" brushRef="#br0" timeOffset="97872.8">28346 11818 0,'17'0'15,"1"0"-15,17 18 16,-35-1 0,53 72-1,-53-72-15,35 18 16,-35-17-1,0-36 110,0-17-109,18-18-16,0 18 16,-1 0-16,1 17 15,0-17-15,-18 17 16,17 18 0,1 0-1,0-17 1,-1 17 31,18 17-32,1 18 1,34 36 0,-52-53-16,0-1 15,-1 1 1,-17-36 62,35-17-78,-35 17 16,71-52-1</inkml:trace>
+  <inkml:trace contextRef="#ctx0" brushRef="#br0" timeOffset="98505.88">29087 11359 0,'17'36'78,"54"52"-63,-36-18-15,0-17 16,18 18 0,-35 0-1,-1-54-15,-17 1 16,-17-18 46,-1 0-46,-17-18-16,35 1 0,-18 17 16,-17 0-1</inkml:trace>
+  <inkml:trace contextRef="#ctx0" brushRef="#br0" timeOffset="98850.95">29034 11730 0,'0'-18'0,"0"1"15,0-1 1,17 18-1,1-18-15,0 18 32,-18-17-32,17 17 15,1-36-15,-1 36 16,19-35 0,17 0-1,-53 17 1,17 1-1,1 17 17,0-18-17,-1 0-15,18 18 32</inkml:trace>
+  <inkml:trace contextRef="#ctx0" brushRef="#br0" timeOffset="99919.34">29968 10989 0,'0'18'47,"-17"17"-31,17 0-16,0 36 15,0 17-15,0 18 16,17-18 0,-17 0-16,0-17 0,0-36 15,0 53 1,0-105 46,-17-19-46,-1-17-16,-17 0 0,35 1 16,-18-37-1,18-16 1,0 52-16,18-18 16,17 18-1,-17 18 1,17 0-1,-17 17 1,-1 18 15,1 0-15,0 0 15,-1 0-15,19 0-1,-19 35-15,1-35 16,-1 18-16,1-1 16,17 36-1,1 0 1,-19 18 0,1-18-1,0 17 1,-18-52-1,0 0 1,17-18 0,-17 17-1,0 1 17,18 0-17,-18-1-15,0 1 16,0-1-1,-18-17 1</inkml:trace>
+  <inkml:trace contextRef="#ctx0" brushRef="#br0" timeOffset="100378.95">29845 11483 0,'0'-18'15,"0"1"1,0-1 15,18 18-31,-1-18 31,1 18-31,0-17 32,-1-1-32,1 18 15,-1 0 1,72-53-1,-19 36 1,-35-1-16,71-17 16,-88 17-16</inkml:trace>
+  <inkml:trace contextRef="#ctx0" brushRef="#br0" timeOffset="101016.84">30762 11042 0,'0'0'0,"-17"0"15,-1 0 1,0 0-16,1 18 16,-19-1-1,1 1 1,17 17 0,18-17-1,-17-1-15,-18 36 16,35-35-1,-18 35 1,18-18 0,53-35 62,159-35-63,-142 17 1,18-17-16,18-18 16,106 0-1,-177 35 1,0-17 0,-35 18-16,0-36 31</inkml:trace>
+  <inkml:trace contextRef="#ctx0" brushRef="#br0" timeOffset="101368.95">31238 10901 0,'18'0'78,"-18"35"-62,18-17-16,-1-1 15,1 1 1,-18 0-1,0-1 1,18-17 0,-1 0-1,1-17-15,17-19 16,0 19 0,18-36-16</inkml:trace>
+  <inkml:trace contextRef="#ctx0" brushRef="#br0" timeOffset="101821.23">31556 10760 0,'0'35'47,"0"0"-31,0 1-16,0-1 15,0 18-15,0-36 16,-35 19-1,35-19-15,-18-17 47,0 0-31,1-35 0,17 17-1,17 1 16,19 17-15,-1-18-16,18 18 16,-18 0-16,0-18 15,1 18 1,-19-17 0,1-1 15,0 18-31,-18-17 15,17-1-15,36-53 16,-35-70 15</inkml:trace>
+  <inkml:trace contextRef="#ctx0" brushRef="#br0" timeOffset="102415.99">31538 9860 0,'36'0'15,"122"0"1,-87 18-16,-18-1 15,0-17-15,-36 0 16,36 36 0,-17-19-1,-1 54 1,-17-36 0,-1-17-16,107 141 15,52 52 1,-70-52-1,70 70 1,-70-52 0,-71-142-1,-35-17-15,0 17 32,-35 18-17,-53 70 1,17-70-1,-105 159 1,141-177-16,-36 18 16,18 0-16,-17 0 15,34-53 1</inkml:trace>
+  <inkml:trace contextRef="#ctx0" brushRef="#br0" timeOffset="127083.1">17886 17498 0,'17'0'62,"1"35"-46,0-17 0,-1 17-16,36 18 15,-53 0 1,18-36 0,0 19-16,-1-1 15,-17-17-15,0-36 63,-17-17-48</inkml:trace>
+  <inkml:trace contextRef="#ctx0" brushRef="#br0" timeOffset="127887.1">17604 17004 0,'0'35'62,"0"-17"-46,0-1 0,17 1-1,1-18-15,35 18 16,-36-18-16,89 17 16,-35-17-1,17-35 1,0 0-1,18-36 1,-71 36 0,-17 0-16,-18 17 15,0 0 17,-35-17-17,-1 18-15,-69-36 16,-19 35-1,89 18 1,-89 0 0,89 0-1,-53 0-15,70 0 16,-52 35-16,17 1 16,35-36 15,18 17-31,0 1 15,0-1 17,18 19-32,17-36 15,53 35 1,36-17 0,-18-18-1,-18 0 1</inkml:trace>
+  <inkml:trace contextRef="#ctx0" brushRef="#br0" timeOffset="128922.7">18468 17022 0,'18'0'63,"-1"0"-32,18-18-31,18-17 15,-17 17-15,-19-17 16,1-36 0,-18 36-1,0 0-15,0-1 16,0 1 0,-18 35-16,1-18 15,-19 18 1,1 0-1,0 0 1,0 71 0,17-71-16,18 35 15,0 18 1,0 35-16,0-70 16,53 53-1,-18-1 1,-17-52-16,17 35 15,18 52 1,17 1 0,-52-88-16,17 88 15,-17-89 1,0 19-16,-18-1 16,0-17-1,-36-18 16,-34-18-31,-1-17 16,18 17-16,0-17 16,-35-36-1,53 18 1,17 18 0,18 17-16,0 1 15,18-1 1,88-17-1,0 0 1,123-54 0,-35 1-1,-141 71-15,-35-1 16</inkml:trace>
+  <inkml:trace contextRef="#ctx0" brushRef="#br0" timeOffset="129956.84">20514 16210 0,'0'18'32,"18"-1"-17,-18 1-15,35 17 16,-17 1-16,17-1 15,0 0 1,-17-17 0,35-18-1,-36 0 1,36 0-16,53-71 16,-18 1-1,-70-1 1,35 1-1,-53-1 1,0 53 0,0 1-16,0 34 62,0 19-62,0 17 16,17-18-16,19 53 15,-19 0 1,72 36 0,-54-36-1,18 18 1,-53-89-16,17 19 16,-17 17-16,0-18 15,0-17 1,-17-1-1,-1-17-15,0 18 16,-123-1 0,106-17-1,-53-17-15,0-36 16,70 53 0,-35-53-1,36 0 1,17 35-1,0-17-15,0 17 16,17-34 0,89-37-1</inkml:trace>
+  <inkml:trace contextRef="#ctx0" brushRef="#br0" timeOffset="130569.13">21643 16087 0,'0'0'0,"-18"35"15,1 0-15,-1 18 16,0 18 0,18-18-1,0-18 1,18-17-16,0-18 15,-1 17 1,1-17 0,17 0-1,36-17 1,-18-36 0,-36 17-16,-17 1 15,0 17 1,0-17-1,-17 17-15,-1 1 16,-35-18 0,18 35-1,17 0 1,18-18-16,-17 18 31,17 18 32</inkml:trace>
+  <inkml:trace contextRef="#ctx0" brushRef="#br0" timeOffset="130933.04">21749 16104 0,'17'0'15,"19"0"1,-19 18-16,19-18 15,-36 18 1,53 17-16,-36-18 16,18 19-1,-17-19 1,-36-34 46,1-19-46,-18-16 0</inkml:trace>
+  <inkml:trace contextRef="#ctx0" brushRef="#br0" timeOffset="131460.16">21890 16104 0,'18'18'31,"-1"0"-16,1-1 1,-1 1 0,19 17-16,-36-17 0,17-1 15,36 19 1,-35-36 0,0 0 15,17 0-16,0 0 1,-17-18-16,35-53 16,-36 36-1,-17-18 1,0 0 0,0 36-1,-35-19-15,0 19 16,17 17-1,0-18 1</inkml:trace>
+  <inkml:trace contextRef="#ctx0" brushRef="#br0" timeOffset="131986.75">22154 15963 0,'18'0'16,"0"0"-16,17 18 16,-17-18-16,-1 17 15,19 1-15,-36 0 16,52 17-1,-34 0 17,0-17-1,-1-18 0,-34-18 47,-1-35-62,0 18-16,18-18 16</inkml:trace>
+  <inkml:trace contextRef="#ctx0" brushRef="#br0" timeOffset="132904.91">23107 15311 0,'18'0'46,"17"88"-30,18-35 0,-18 0-16,-17 17 15,52 89 1,-17-53 0,-53-71-1,18 0 1,-1-35 93,1-17-93,17-1-16,36 0 15,35-35 1,-53 36 0,52-1-1,-52-17-15,-35 35 16</inkml:trace>
+  <inkml:trace contextRef="#ctx0" brushRef="#br0" timeOffset="133728.34">23901 15487 0,'0'0'0,"0"18"16,0-1-16,-18 1 15,18 0 1,0 17-1,0 0-15,0 0 16,18-17 0,-1-18 15,1 0 16,17 0-32,-17 0 1,0-18 0,-18 1-1,17-19 1,-17 19 0,0-1-1,0 1 1,18 34 78,-1 1-94,-17-1 15,18-17-15,0 18 16,-18 0-1,17-1-15,-17-52 79</inkml:trace>
+  <inkml:trace contextRef="#ctx0" brushRef="#br0" timeOffset="134104.91">24059 15275 0,'18'0'31,"0"18"-31,-18 0 16,35-1-16,0 1 16,-17 17-1,52 18 1,-52-18 0,0 1-1,17-19 1,-35 19-16,18-36 15,-71 0 64</inkml:trace>
+  <inkml:trace contextRef="#ctx0" brushRef="#br0" timeOffset="134391.14">24148 15416 0,'17'0'62,"1"0"-62,0-17 16,-1 17 15,18-18-31,-17 18 31,17-18-15</inkml:trace>
+  <inkml:trace contextRef="#ctx0" brushRef="#br0" timeOffset="134672.23">24465 15346 0,'18'0'16,"-1"0"-1,1-18-15,0 18 32,-18-17-17,0-1 1,0 0-1</inkml:trace>
+  <inkml:trace contextRef="#ctx0" brushRef="#br0" timeOffset="134981.09">24448 15240 0,'0'0'0,"0"35"15,-18-17-15,18 0 16,0-1 0,0 1-1,18-1 1,-18 1-16,17-18 16,1 0-1,-1 18 1,1-18-1,0 0 1,-1 0-16,1 0 16,0-18-1,-1 0 1</inkml:trace>
+  <inkml:trace contextRef="#ctx0" brushRef="#br0" timeOffset="135571">24642 15240 0,'17'0'15,"-17"18"1,18 17 0,-1-17-16,-17-1 15,0 1-15,18-1 16,0 1-16,-18 0 15,0-1 1,0-52 62,0-18-62,0 18-16,0 0 15,0 17-15,0 0 16,0 1 0,35 17 46,-17 0-46,-1 17 15,1 1-31,0-18 16,-18 18-1,17-18 1</inkml:trace>
+  <inkml:trace contextRef="#ctx0" brushRef="#br0" timeOffset="136713.85">25100 15046 0,'-18'0'141,"1"0"-126,-18 18 1,17 17-1,0-17 1,18-1 0,0 1-1,0-1 1,18-17 93,-18 18-93,18-18-16,-1 0 16,18 0-1,-17 0 1,17-35-1,1 35 1,-1-18 0,-17 1-1</inkml:trace>
+  <inkml:trace contextRef="#ctx0" brushRef="#br0" timeOffset="137608.09">25224 14993 0,'17'0'47,"1"0"-31,0 0 0,-1 35-16,1-17 15,-1 0 1,1-18-16,0 0 47,-1 0-32,1-18 1,0 0 0,-18 1 15,17 17 47,1 0-47,-18 17-15,0 1-16,53 35 15,-53-18 1,17-17-16,1 17 0,0 18 16,17 18-1,-35-36 1,0-18 0,0 1-1,-18-18 16,1 0-15,-89-35 0,53 0-1,-18-1 1,54 36-16,17-17 16,0-19 30,35 19-30,-17-1-16,52-35 16,-34 18-1,-36 17 1,17 18 0</inkml:trace>
+  <inkml:trace contextRef="#ctx0" brushRef="#br0" timeOffset="138089.81">25823 14834 0,'18'0'15,"0"0"1,17-17-16,-17 17 16,70-36-1,35-17 1,-105 53-16,-1 0 15</inkml:trace>
+  <inkml:trace contextRef="#ctx0" brushRef="#br0" timeOffset="138575.85">25982 14552 0,'18'0'31,"-1"0"-15,19 0 0,-19 0-16,1 0 15,35 0 1,-18 18 0,53 35-1,-70 0-15,0-53 16,-18 17-16,0 36 15,0 18 1,-18-54 0,0 1-1,-17 17 1,17-17 0,36-18 77</inkml:trace>
+  <inkml:trace contextRef="#ctx0" brushRef="#br0" timeOffset="139736.82">27217 14340 0,'0'36'46,"17"-1"-46,1 0 16,0 18 0,-1-18-1,1-17-15,-18 17 16,0-17 0,0-36 62,0-17-78,-18-18 15,1 0-15,-1 0 16,18 36-16,0-1 16,0 0-16,-18 18 15,54 0 110,-19 18-125,19 0 16,-19-1-1,1 1-15,0 0 16,-1 17-16,1-17 16,-1-18-1,-17-36 79,0 1-94,0-36 16,0 54-1,18 17 32,-18-18-31,18 18-16,-1 0 15,1-17-15,0 17 16,-1 0 0,1 0-1,0 0 1,-1 0-16,18 35 16,1-18-1,-19 19 1,1-36-1,-18 17 1,18-34 31,-18-1-31</inkml:trace>
+  <inkml:trace contextRef="#ctx0" brushRef="#br0" timeOffset="140050.99">27764 14252 0,'17'0'16,"1"0"15,0 18-31,-1 0 15,1-18 1,-1 35 0,1-35-16,0 17 15,-36-34 63,18-18-62,-53-71-16</inkml:trace>
+  <inkml:trace contextRef="#ctx0" brushRef="#br0" timeOffset="140559.94">27746 13970 0,'-18'0'31,"18"18"47,18-18-47,0 0-15,-1 0 15,-17-18 0</inkml:trace>
+  <inkml:trace contextRef="#ctx0" brushRef="#br0" timeOffset="141719.69">28063 14111 0,'36'35'62,"-36"1"-46,53 34-16,-36-52 16,-17 0-16,36 17 15,-36-18-15,0 1 16,0-36 46,-18-17-46,0 0-16,1 0 16,17-1-1,0 1 1,17 35 124,19 18-124,-19-1-16,1 1 16,-18 0-1,18-18-15,-1 0 172,-17 17-156,18-17-16,-18 18 15,17-18 1,-17 18 62,36-18-62,-19 0 62</inkml:trace>
+  <inkml:trace contextRef="#ctx0" brushRef="#br0" timeOffset="142162.07">28698 13988 0,'18'0'15,"-18"17"-15,0 1 16,0 0 0,0-1-1,18-17-15,-1 18 16,-17-1 0,18 1 15,-53-18 94,-53-53-110</inkml:trace>
+  <inkml:trace contextRef="#ctx0" brushRef="#br0" timeOffset="142836.47">28434 13794 0,'18'0'47,"-1"0"-32,1 0-15,-1 0 16,1 0-16,0 0 16</inkml:trace>
+  <inkml:trace contextRef="#ctx0" brushRef="#br0" timeOffset="144689.01">28928 13847 0,'0'17'16,"0"18"15,17 1-15,-17-1-16,18-17 15,0-1 1,-1 36-16,-17-35 15,0-1-15,18-17 16,-36-17 93,1-18-93,-1-1-16,18 19 16,0-1-1,0 0-15,0 1 47,18 17 0,-1 0-31,19 0-1,-36 17 1,17 1 0,1-18-1,17 35 1,0-17-16,-35 0 15,18-1 1,-18 1 0,0-36 77,-18-35-93,1 36 16,17-1 0,0 0-16,0 1 62,17 17-15,1 0-16,0 0-31,-1 0 16,1 0 0,0 35-16,-1-35 15,1 18-15,0-1 16,-1-17 46,1 0-46,52-53 0,-52 36-16,0-1 15,-18 0 1,17 18 109,1 0-110,0 0 1,-1 0 0,1 0-1,-18 18-15,18-18 16,-1 0 0,-17 18-16,18-18 15,-1 0 32,1-18-47,-18-35 16,35 18-1,-35-18-15,0 18 16</inkml:trace>
+  <inkml:trace contextRef="#ctx0" brushRef="#br0" timeOffset="145643.1">29722 13741 0,'17'0'16,"1"0"-16,-1 17 16,19 19-1,-19-1-15,1-17 16,0 17 0,-18-53 93,0-17-109,-18-18 16,18 18-16,-18-1 15,18-17 1,18 53 46,0 0-46,35 36 0,-36-1-16,36 18 15,0 18 1,-18-54-1,-17 1 1,-18-53 62,0 17-78,0-35 16,0 18-16,0-1 15,18 19 1,-1-19-16,1 36 16,-1 0 15,1 0-15,17 18-1,-17-18-15,17 35 16,-17-17-1,0-18 1,-1 0 47</inkml:trace>
+  <inkml:trace contextRef="#ctx0" brushRef="#br0" timeOffset="146878.07">28593 14834 0,'17'0'63,"1"18"-47,0 17-16,-18-17 15,52 52 1,-52-52-16,53 88 15,-35-18 1,17-17 0,-17-1-16,0-35 15,-1 18 1,-17-17 0</inkml:trace>
+  <inkml:trace contextRef="#ctx0" brushRef="#br0" timeOffset="147427.97">28557 15311 0,'18'0'62,"17"35"-46,36 18-16,-54-53 15,1 17-15,17 19 16,1-19 0,-19-17 46,1-35-46,17 0-16,-17-1 15,-1 19-15,1-36 16,17 35 0,-35 1 46,0-1-46,0 0-1,0-17 1</inkml:trace>
+  <inkml:trace contextRef="#ctx0" brushRef="#br0" timeOffset="148784.75">27340 16951 0,'18'35'32,"17"1"-32,0 16 15,36 54 1,-36-35 0,71 105-1,-88-123-15,35 18 16,-53-36-16,53 36 15,-53-36 1,-36-53 62,1-52-78,-18 34 16,35 1-16,-34-36 15,16 19-15,-17 16 16,36-34 0,-36-1-1,18-17-15,17 53 16,18-18 0,-18 0-1,18 35 1,0-17-1,18-18 17,0 18-32,-1 35 15,1-18 1,-1 18 0,1 0-1,0 0 1,17 18-1,18-1-15,-53 1 16,70 35 0,-52-35-1,0-1 1,-18 1-16,0 0 16,0-1-1,0 71 1,0-52-1,-18-1-15,-17 18 16,0 0 0,17-53 15,0 0 0</inkml:trace>
+  <inkml:trace contextRef="#ctx0" brushRef="#br0" timeOffset="149506.01">28310 17092 0,'0'-18'125,"0"1"-109,0-1-1,0-17 1,0 17-1,0 1 1,-17 17-16,-1-18 16,18 0-1,-88 18 1,35 0 0,-18 0-16,36 18 0,18 0 15,-54 70 1,18 0-1,35-70 1,1 52 0,17-52 15,17-18 0,1 0-15,0 0-1,-1 17-15,54-17 16,-18 0 0,-36 0-16,36 0 15,36 0 1,-54-17 0,18-18-1</inkml:trace>
+  <inkml:trace contextRef="#ctx0" brushRef="#br0" timeOffset="149921.92">28293 17092 0,'17'0'62,"1"0"-46,35 35 0,-35-17-16,35 0 15,-18 17 1,-53-35 62,18-18-78,0-35 16,0-17-16,0-1 15,35-17-15,1 35 16,-1 18-1</inkml:trace>
+  <inkml:trace contextRef="#ctx0" brushRef="#br0" timeOffset="150947.67">28963 16810 0,'0'-18'16,"0"1"15,0-1-31,-18 0 16,-17-17 0,0-36-16,-36-17 15,54 53 1,-107-71-1,54 53 1,-36-17 0,71 52-1,17 71 32,0 0-47,1 0 16,17 53-1,0-53 1,35 17-16,-17-17 0,52 53 16,-52-71-1,17 36 1,36 17 0,-54-53-1,36 18 1,-35-18-1,-1 1-15,1-1 16,-53-35 62,17-35-62,0-1-16,1 19 15,-1-19-15,18 1 16,-17 0 0,-1 17-16,18 1 15,18 17 63,-18-18-62,35 18 0,35-18-1,19 1-15,-37-1 16,37-17 0,-54 17-1</inkml:trace>
+  <inkml:trace contextRef="#ctx0" brushRef="#br0" timeOffset="152253.85">28998 16775 0,'-17'17'16,"17"1"-1,0 0 1,0-1-1,17-17 79,1 0-78,0 0-16,17 0 15,18-17 1,-36-19 15,1 19-15,-18-1-16,0 0 16,0 1 234,-53-19-235,36 19-15,-19-1 16,19 0-1,-1 18 1,0-17 0,1 17-16,-1 53 15,18 17 1,0-52 0,0 70-1,18-53 1,-18 1-1,0-19 1,17-17-16,1 0 31,0 18-31,-18 0 16,17-18 0,19 0-1,-1 0-15,-18 0 31,1 0-15,-18-18 0,18 18-1,-18-18 1,35-17-16,-35 0 16,0 17-1,0 1 1,0-19-1,0 19 1,0-1 0,-18 18-1,1 0 1,-19 0 0,-34 0-1,17 0-15,18 0 16,-1 0-1,72 0 48,193-18-47,-141-17-1</inkml:trace>
+  <inkml:trace contextRef="#ctx0" brushRef="#br0" timeOffset="152800.41">29369 16616 0,'17'0'47,"1"35"-31,-18-17-16,18-1 16,-18 1-16,17 0 15,-17-1 1,0-34 78,0-19-79,0 19-15,0-36 16,0 0-16,0 18 15,0-1 1,0-17-16</inkml:trace>
+  <inkml:trace contextRef="#ctx0" brushRef="#br0" timeOffset="153738.13">29510 16387 0,'18'0'0,"17"17"15,0 18 1,-17 1-16,-1-1 16,1-17-1,0 17 1,-18-53 62,-18-17-78,18 17 16,-18-35-1,18 1-15,0 34 16,0 0-1,0 1 1,18 17 15,0 17-15,-1 19 0,36-1-16,-35-18 15,17 36-15,-17-35 16,17 35-1,-17-53 1,-36 0 47,18-18-63,0-17 15,0 0-15,0-18 16,0 18-16,0-1 15,35 1 1,-17 35 0,0 0-1,-1 0 1,36 18 0,-35 17-1,17-35-15,0 35 0,-17-17 16,0-1-1,-1-17 1,1 0 15,-1-17-15,-17-1-16,0 1 16</inkml:trace>
+  <inkml:trace contextRef="#ctx0" brushRef="#br0" timeOffset="154737.1">30110 16281 0,'-18'17'16,"18"19"-16,0-19 15,0 1-15,0 0 16,18-1-16,-1 1 16,-17-1-1,18-17 17,-18-35 14,0 18-46,0-1 16,0 0 0,17 18 46,1 0-31,0 0-15,17 36 0,-17-36-1,-1 0 1,1 0 0,-18-36 15,0 19-31,18 34 125,-18 1-110,0-36 64,0-17-79,0 0 15,0-1-15,0 1 16,35-18-1,-17 18-15,-1 17 16,1 18 15,-1 0-15,36 18 0,-17 17-1,-19-17-15,19 35 16,-1-36-1,-18 1 1,1 0 0,0-18-1,-1 0-15,1-36 16,17-17 0</inkml:trace>
+  <inkml:trace contextRef="#ctx0" brushRef="#br0" timeOffset="155057.7">30850 15946 0,'-35'35'15,"35"-18"-15,-17-17 0,-19 53 16,36-35-1,0 0 1,0-1-16,88-17 94,18-70-79,-35 52 1,-18-52 0</inkml:trace>
+  <inkml:trace contextRef="#ctx0" brushRef="#br0" timeOffset="155561.76">31097 15928 0,'18'0'16,"0"0"31,-1 0-32,1 0-15,17 0 16,0-18 0,1 1-1,-36-1-15,0 0 16,0 1-1,-36 17 32,19 0-47,-18 0 16,17 17 0,0 1-16,18 0 15,0-1 1,0 1-1,0 17 1,0-17 0,18-18-1,0 0 32,-1 0-16</inkml:trace>
+  <inkml:trace contextRef="#ctx0" brushRef="#br0" timeOffset="156135.23">32332 15363 0,'18'0'31,"-1"0"1,1 53-17,0-35-15,-1 0 16,-17 17-16,36 18 15,-19-35 1,-17-1 0,-17-17 31,17-17-32,-36-54-15</inkml:trace>
+  <inkml:trace contextRef="#ctx0" brushRef="#br0" timeOffset="156375.13">32350 15187 0,'106'-35'109</inkml:trace>
+  <inkml:trace contextRef="#ctx0" brushRef="#br0" timeOffset="157004.07">32755 15117 0,'-17'0'16,"-1"0"-1,-17 17 1,35 1 0,-18 17-1,1 18-15,34-53 94,18 18-78,-17-18-1,17 17-15,-17 1 16,0 0 0,-18-1-1,17-17-15,-17 18 16,0 35-16,-17-36 15,-19 36-15,19-35 16,-19 17 0,19-35-1,-1 0 1,1 0 0,-1 18-1</inkml:trace>
+  <inkml:trace contextRef="#ctx0" brushRef="#br0" timeOffset="158904.51">31926 17074 0,'-17'0'109,"-1"-17"-93,-35-1-1,18 1-15,17 17 16,1 0-1,-1 0 1,-17 0-16,17 35 16,-17 0-16,17 0 15,-17 18 1,35-35 0,35-18 77,-17 0-77,52-35-16,1 17 16,-36-17-16,-17 35 15,-1-36-15,1 19 16,-18-1-1,0 1 1,0-1 0,18 18 31,-1 0-32,1 18 1,-18-1-1,35 36 1,-17-35-16,17 88 16,-17-71-1,-18 71 1,0-71-16,0 35 16,0 1-1,0-36-15,-53 1 16,35-19-1,-70-17 1,35 0 0,-53-17-1,18-1 1,71 18-16,-1 0 16,18-18 30,0 1-30,0-36 0,18 17-1,-1 1-15,1 35 16,-18-17 0,35-1-1,0 0 1,142-35-1</inkml:trace>
+  <inkml:trace contextRef="#ctx0" brushRef="#br0" timeOffset="160939.04">32262 17110 0,'0'35'62,"-18"-17"-62,18 17 16,0 0-16,0-17 16,0-36 109,0 1-125,0-1 15,0 0 1,0-17-16,0 17 16,0 1-1,0-1 16,18 36 110,-1-18-94,-17 17-31,0 19 140,-17-1-156,17 0 15,0-17 1,0 17 0,0-17-16,0-54 140,0 19-124,0-18 0,0 17-16,0 0 15,0-17-15,0 17 16,0 1-1,0 34 189,0 1-204,0 0 15,0 17-15,0-17 16,0-1-16,0 1 15,17-1-15,1-17 16,-1 18 0,-17 0-1,18-18 1,0 0 0,35 17-1,35-17 1,-35-35-1,-18 17-15,0-17 16,18 0 0,-53 17-16,-17 18 62,-1 0-46,0-17-1,1-1 1,-89 0-16,18 18 16,-1 0-1,54 0 1,18 0 0,17 18-1,0 0 16,0-1-15,0 1 0,0 0-1,17-18 95,18 0-95,18 0 1,-35 0-16,35 0 16,17 0-1,19-18 1,-1-35-1,-35 35-15,-18-17 16,-35 17 0</inkml:trace>
+  <inkml:trace contextRef="#ctx0" brushRef="#br0" timeOffset="161511.04">32632 17039 0,'0'0'0,"-53"18"0,-18 35 16,54-53-1,-1 35-15,18-17 63,18-18-48,-1 0 17,1 0 15,0 0-32,17 0 1,-17-18-16,-1 0 15,-17-17 1,0 17 0,36 18 140,34 0-140,18-35-16,18 0 15,-18-18 1</inkml:trace>
+  <inkml:trace contextRef="#ctx0" brushRef="#br0" timeOffset="161870.21">32861 16880 0,'0'0'0,"-70"89"15,34-54-15,36-17 16,0-1 0,-17 36-1,17-35-15,0-1 16,17-17 46,19 0-46,-1-35-16,0 17 16,1 1-16,-19-36 15,18-53 1,-17 36 0,-18 34-16</inkml:trace>
+  <inkml:trace contextRef="#ctx0" brushRef="#br0" timeOffset="162083">32967 16739 0,'18'0'16,"17"18"15,-35 0-15,53 35 0,-18 17-1,-17-35-15,17 36 16,-17-53-1,-18-1-15,17-17 16,-17 18 0</inkml:trace>
+  <inkml:trace contextRef="#ctx0" brushRef="#br0" timeOffset="164124.25">22719 3334 0,'-18'0'62,"-17"0"-46,17 0-16,-70 0 15,-18 35 1,36 0 0,17 1-1,-35 34 1,70-70-1,18 35-15,0-17 0,0 35 16,0 18 0,0-36-1,0-18 1,35 19 0,124 17 15,-71-53-31,-35 0 15,71 0-15,17-18 16,70-35 0,-158 18-1,53 0-15,-71-1 32,-17 19-32</inkml:trace>
+  <inkml:trace contextRef="#ctx0" brushRef="#br0" timeOffset="164469.01">23266 3475 0,'0'35'31,"17"0"-31,-17 1 16,18-1-16,17 0 15,-35 1-15,36-19 16,-36 1-1,17-18-15,-17 17 16</inkml:trace>
+  <inkml:trace contextRef="#ctx0" brushRef="#br0" timeOffset="165101.07">23636 3422 0,'0'18'32,"0"-1"-17,-18 18 1,18-17 0,0 0-16,0 17 15,0-17 1,18-1-1,0-17 48,-1 0-63,1-17 16,0-1-16,-1 0 15,1-35-15,0 18 16,-1-35-1,-17 52-15,-17-35 16,17 35 0,-18 18-1,0 0 1,1 0 0,-1 0-1,18 18 1,-18-18-1,18 18 1,0-1 0,0 1 15,0 0-31</inkml:trace>
+  <inkml:trace contextRef="#ctx0" brushRef="#br0" timeOffset="165690.51">24077 3316 0,'0'18'31,"0"-1"-15,0 1-16,0 0 16,0 17-16,0-17 31,0-1-31,0 1 15,35-1 1,1-17-16,-19 0 16,19 0-1,-1 0 1,0-35 0,-17-18-1,17-53 1,-17 71-16,-18 0 15,0 0 1</inkml:trace>
+  <inkml:trace contextRef="#ctx0" brushRef="#br0" timeOffset="166831.96">24747 2981 0,'0'0'16,"-88"53"-16,71-35 15,-19 17-15,1 18 16,0-18-1,35-17 1,0 17 0,0-17-1,0-1 17,17-17-17,1 18 1,35-1-1,-35-17 1,17 0 0,-18-35-16,19 0 15,-19-36 1,1 36 0,-18-35-16,0-1 15,0 0 1,0 19-1,0 69 48,0 1-47,0 17-1,0-17-15,0 17 16,0-17-1,0-1-15,0 1 16,18 0 0,17-1-1,35-17-15,1-17 16,0-36 0,-19-71-1,-52 71 1,0 18-1,0 0 1,18 35 93,0 0-93,-1 35-16,19-17 16,-36 17-1,35-35 1,-35 53 0,18-36-16,-18 19 15,0-19 1,-18-17-1,-17 36-15,-1-36 16,-34 53 0,-18-36-1</inkml:trace>
+</inkml:ink>
+</file>
+
+<file path=ppt/ink/ink19.xml><?xml version="1.0" encoding="utf-8"?>
+<inkml:ink xmlns:inkml="http://www.w3.org/2003/InkML">
+  <inkml:definitions>
+    <inkml:context xml:id="ctx0">
+      <inkml:inkSource xml:id="inkSrc0">
+        <inkml:traceFormat>
+          <inkml:channel name="X" type="integer" max="1920" units="cm"/>
+          <inkml:channel name="Y" type="integer" max="1080" units="cm"/>
+          <inkml:channel name="T" type="integer" max="2.14748E9" units="dev"/>
+        </inkml:traceFormat>
+        <inkml:channelProperties>
+          <inkml:channelProperty channel="X" name="resolution" value="36.43264" units="1/cm"/>
+          <inkml:channelProperty channel="Y" name="resolution" value="36.48649" units="1/cm"/>
+          <inkml:channelProperty channel="T" name="resolution" value="1" units="1/dev"/>
+        </inkml:channelProperties>
+      </inkml:inkSource>
+      <inkml:timestamp xml:id="ts0" timeString="2021-07-02T05:25:59.246"/>
+    </inkml:context>
+    <inkml:brush xml:id="br0">
+      <inkml:brushProperty name="width" value="0.05292" units="cm"/>
+      <inkml:brushProperty name="height" value="0.05292" units="cm"/>
+      <inkml:brushProperty name="color" value="#FF0000"/>
+    </inkml:brush>
+  </inkml:definitions>
+  <inkml:trace contextRef="#ctx0" brushRef="#br0">7867 3193 0,'18'0'125,"-1"0"-109,1 0 0,17 0-16,-17 0 15,105-18 1,1-17 0,158-18-1,-141 35-15,0-17 16,18 0-1,106-36-15,-142 53 16,18-34 0,71-1-1,-71 0 1,-35 17 0,88-17-16,-106 18 15,35 18 1,-52-19-1,-53 36 1,70-17 0,-18-19-1,-17 19-15,18-1 16,-54 53 203,-17 36-219,18-18 15,-18 53-15,18 0 16,-1-1-16,1 36 16,0 36-16,17 17 15,-17-106-15,-1 53 16,18 18-16,-17-71 15,0 71 1,-1-89 0,-17-52-16,0 0 15,0-1 110,0 1-109,-53 0-16,-17 35 16,-36-1-1,53-34-15,-158 88 16,105-53-1,-18 0-15,-87 35 16,16-35 0,-228 53-1,317-71 1,-317 53-16,194-53 16,140-17-1,37 0 1,34-18 140,0-36-140,-17-34-16,17 35 15,-17-54-15,-18-16 16,18 69 0,-18-87-16,53 88 0,-106-159 15,53 70 1,-17-35-1,34 18 1,19 53 0,-1 70-1,1-70-15,-1 71 16,18-54 0,0 36-1,0-1 1,0-17-1,0 18 1,0-18 0,0 18-1,18 17 1,-1 1 0,-17-1-1,35 0-15,36-52 16,-36 70-1,-17-18-15,17 1 16,-35-1 0,18 18 77,-1 0-77,1 0 0</inkml:trace>
+  <inkml:trace contextRef="#ctx0" brushRef="#br0" timeOffset="746.67">9543 4974 0,'0'18'63,"17"17"-48,1 0-15,-18 1 16,18 34-16,17 36 15,0 0-15,0 17 16,71 354 15,-88-372-31,-1 37 16,1-90-16,17 54 16,-35-70-1,-17-36 48</inkml:trace>
+  <inkml:trace contextRef="#ctx0" brushRef="#br0" timeOffset="2916.14">9366 6509 0,'88'-18'94,"-35"0"-79,36-17-15,-19 18 16,36-19-16,17 1 15,177-53 1,-141 35 0,123-18-16,-70 18 15,-106 36 1,70-36 0,-123 53-1,-53 17 188,18 1-187,-1 17-16,-17 18 16,18-17-16,0 52 15,-1-18-15,-17-17 16,18 18-1,35 141 1,-53-160-16,17 19 16,1 17-16,0 18 15,-18-71 1,0 1 0,0-19-1,-36-17 110,-16 0-109,-19 18-16,-35-1 15,-17 19-15,52-19 16,-105 19 0,-54 17-1,125-18-15,-1 0 16,-18 0-16,36 1 16,18-1-16,17-35 15,-71 53 1,71-35-1,18-1 1,-18 1-16,18-1 31,17-17 157,0 0-173,1-17 1,-18-1 0,17-17-16,0 17 0,-35-70 15,18 53 1,-88-177 31,87 159-47,19 18 15,-1-18-15,18 35 16,-18 1 0,18-1-16,0-17 15,-17 0 1,17 17 15,0 0-31,0-17 16,0 17-1,0 1 1,0-1 31,0 0-31,35 18-16,-35-17 15,35-18 1,-17 35-1,0-18-15,35-35 16,-36 53 0,71-35-1,-17-1 1,-53 36 0,17-35-1,18 35 1,-53-18-1,17 18 1</inkml:trace>
+  <inkml:trace contextRef="#ctx0" brushRef="#br0" timeOffset="4481.33">811 4445 0,'36'35'46,"-19"1"-30,19 16-16,-19-34 16,36 88-16,-35-53 15,35 70-15,-18-70 16,53 141 0,-70-158-16,17 52 15,-17-53-15,-1 18 16,-17-71 93,0 1-93,0-1-1,0-17-15,0 17 16,0-17 0,0 17-1,0-17 1,0 17-16,18 1 16,0-19-1,35 36 1,17-53-16,-35 53 15,-17 0 1,0 0 15,-18 18-15,35 35 0,-35-35-16,18 35 0,-18 35 15,0-71 1,0 19-1,-18-19-15,0 1 16,1-18 0,-19 0-1,1 0-15,-53 0 16,35-35 0,18 35-1,-1 0 1,1 0-1,18 0-15</inkml:trace>
+  <inkml:trace contextRef="#ctx0" brushRef="#br0" timeOffset="5445.71">1623 4921 0,'0'18'47,"0"0"-47,17-18 16,-17 17-16,18 36 15,0-35-15,-18 17 16,53 36 0,-36-54-1,36 36 1,-18-35 0,-17-36 30,0-35-30,-18 36-16,17-19 16,19-70-16,-36 71 15,17-35-15,-17 34 16,0-17 0,0 36-16,0-1 15</inkml:trace>
+  <inkml:trace contextRef="#ctx0" brushRef="#br0" timeOffset="6100.67">1958 4710 0,'0'0'0,"-35"0"0,17 35 16,18-18 0,0 1-1,0 0 1,0-1-1,53 1-15,-53 0 16,70 17 0,1-17-1,-36 17 1,-17-35 0,0 18-16,-1-1 15,-17 1 1,0-1 15,-17 19-31,-1-19 16,-106 54-1,19-36 1,16 0-16,19-17 0,52-18 16,1 18-1,-1-18 16,18-18-15</inkml:trace>
+  <inkml:trace contextRef="#ctx0" brushRef="#br0" timeOffset="6518.37">2258 4762 0,'17'0'0,"1"0"15,0 18 1,-18 0 0,17-18-16,-17 35 15,18 0 1,-18-17-1,18-18-15,-36 0 63</inkml:trace>
+  <inkml:trace contextRef="#ctx0" brushRef="#br0" timeOffset="6935.32">2028 4392 0,'0'18'32,"0"-1"-32,18 19 15,-18-19 1,35 1-16,-35 0 15,18-1-15,0-17 47,-1-17-31,-17-1 0,0 0-1,0 1 1</inkml:trace>
+  <inkml:trace contextRef="#ctx0" brushRef="#br0" timeOffset="8416.29">2364 4710 0,'0'0'0,"17"0"16,1 17-16,0 1 15,-18 17 1,35 0-1,-35 18 1,35 18 0,-17-53-1,-18-1-15,0-52 47,0-18-31,0-18-1,0 1-15,0 35 16,0-18-16,0 0 16,17 17-1,1 19 1,0 17 0,-1 0-1,1 0 1,17 0-16,18 35 15,-18-17 1,1-1-16,17 19 31,-36-1-15,1-35-16,0 0 47,-18-18-16,0-17-31,0 0 16,0 17-1,0 0-15,0 1 32,-18 17-17,0 0 1,1 0-1,-1 0-15,-17 35 16,35-17 0,-18 35-1,18 0 1,0-18 0,18-18-1,-1 1-15,36 0 16,0-18-1,35 0 1,-17-71 0,-1-35 15,-52 1-31,-18 87 16,0 0-16,0-17 31,-18 35 0,1 0-15,34 18 62,1-1-63,17 1-15,18 35 16,-17-18 0,-19 0-1,1 18 1,-18-17 0,0-19-16,-18-17 62,1 0-31,17-17-31,0-1 16,0-17-16,0-18 16,17 35-1</inkml:trace>
+  <inkml:trace contextRef="#ctx0" brushRef="#br0" timeOffset="8839.39">3334 4357 0,'-18'17'15,"18"1"-15,0 0 16,18-1 15,-1-17-15,1 36-16,0-19 16,-1-17-1,19 53 1,-19-18-1,-17-17 1,0 17 0,0 1-16,0-19 15,-17-17 1,-36 0 0,17 18-1,19-18 1</inkml:trace>
+  <inkml:trace contextRef="#ctx0" brushRef="#br0" timeOffset="9709.66">2593 5556 0,'0'18'47,"18"0"-47,-1 17 16,1-18-16,35 54 31,-36-53-31,36 17 16,-17 0-1,52-17 1,-71-18-16,36 0 15,0-53 1,-35 35 0,0-17-16,-1 17 15,1-35 1,-18 1 0,0 34-1,0 0 1,-18 1-1,-17-36-15</inkml:trace>
+  <inkml:trace contextRef="#ctx0" brushRef="#br0" timeOffset="10421.24">3034 5433 0,'0'0'0,"70"53"0,-52-36 16,53 72-1,-54-54 1,36 35-16,-35-52 16,-1 0-1,-34-18 48,-18-53-48,17 0-15,0 0 16,1 18-16,17-1 16,-18-34-1,18 35 1,0-1-16,0 1 15,18 35-15,17-18 32,71 18-17,-89 0 1,36 0-16,0 18 16,35 35-1,-52-35 1,-19-1-16,19 18 15,-19 1 1,1-19 0,0 19-1,-1-36 1</inkml:trace>
+  <inkml:trace contextRef="#ctx0" brushRef="#br0" timeOffset="10711.26">3704 5450 0,'18'0'32,"-18"18"-17,17-18-15,-17 18 16,18-18-16,0 17 16,-36-17 30,18-17-30</inkml:trace>
+  <inkml:trace contextRef="#ctx0" brushRef="#br0" timeOffset="11103.3">3581 5115 0,'0'18'46,"17"-18"-30,1 18 15,0-18-15,-18 17-16,17-17 16,-17 18-16,18-1 15,-18 1 1</inkml:trace>
+  <inkml:trace contextRef="#ctx0" brushRef="#br0" timeOffset="11633.39">3845 5062 0,'18'0'31,"-18"18"-31,18 0 0,-18-1 16,17-17-1,1 53 1,-1-53-16,-17 35 0,36 1 31,-19-19-31,1 19 16,0-1 0,-1 0-1,1-17 1,-53-36 31,17 18-47,-35-35 15,-35-18 1</inkml:trace>
+  <inkml:trace contextRef="#ctx0" brushRef="#br0" timeOffset="11909.69">3775 5221 0,'35'-18'63,"0"18"-32,18-17-31,35-18 0,-52 35 15,-1-36 1,0 19-16,1-1 16,-1 0-1</inkml:trace>
+  <inkml:trace contextRef="#ctx0" brushRef="#br0" timeOffset="13612.18">8520 864 0,'17'18'47,"-17"0"-31,35 34-16,1 37 16,-1-54-1,18 88 1,0-34-1,-35-36 1,17 52 0,0-34-1,-35-36-15,35 18 16,-35-35 0,0-1-1</inkml:trace>
+  <inkml:trace contextRef="#ctx0" brushRef="#br0" timeOffset="14655.68">8731 723 0,'0'18'63,"0"-1"-47,0 19-16,36 34 15,-19-34 1,1-1-16,-1 0 15,1 18-15,-18-18 16,35 54 0,1 34-1,-1-35 1,-17-53 0,-18 1-16,35 34 15,-35-34 1,17-19-1,-17 1 1,0 0 0,18-1-1,0-17 1,-18 18-16,0-1 16,17 1-1,-17 0 1</inkml:trace>
+  <inkml:trace contextRef="#ctx0" brushRef="#br0" timeOffset="15306.19">8520 1588 0,'17'0'15,"1"0"17,17 0-17,-17 0 1,35 0 0,-18 35-16,18-18 15,-35 1-15,17 17 16,53 18-1,-35-17 1,-18-19 0,18 18-1,-18-35-15,-35 18 16,18-36 46,-18 1-46,18-18-16,-18-1 16,0-17-16,35 18 15,-17-53 1,-18 17 0,0 54-16,0-1 31</inkml:trace>
+  <inkml:trace contextRef="#ctx0" brushRef="#br0" timeOffset="16498.23">3069 6368 0,'35'53'47,"-17"-36"-47,17 54 16,-17-18-16,0 0 15,35 35 1,-18-53-16,-18 18 16,1-35-1,-18-1-15</inkml:trace>
+  <inkml:trace contextRef="#ctx0" brushRef="#br0" timeOffset="16912.29">3298 6297 0,'18'35'31,"0"1"-15,-1-19-16,1 36 16,17 18-1,-17-54-15,0 36 16,-1 0-1,1-17 1,-18-1-16,17 0 16,1 18-16,-18 0 15,0-35 1</inkml:trace>
+  <inkml:trace contextRef="#ctx0" brushRef="#br0" timeOffset="17333.46">2928 6862 0,'18'0'31,"-1"0"-31,36 0 16,0 0-16,35 0 15,36 0 1,-1-18-16,-70 18 15,53-35-15,18 17 16,52-17 0,-158 17-16,17 18 15</inkml:trace>
+  <inkml:trace contextRef="#ctx0" brushRef="#br0" timeOffset="18526.27">4004 6385 0,'-18'0'62,"1"18"-62,-36 35 16,0 0 0,0 17-16,-18-17 15,-52 71 1,70-71-16,-35 17 15,70-35 1,1-35 78,17 18-94,0 0 15,-18-18 1</inkml:trace>
+  <inkml:trace contextRef="#ctx0" brushRef="#br0" timeOffset="19446.18">2205 8484 0,'0'-17'16,"-18"17"15,-17 0-15,0 0-1,17 35-15,0 0 16,-35 18-1,36 18 1,-1-54-16,1 54 16,-1-1-16,18-17 15,0 0 1,35-17 0,-17-19-1,-1 1 1,36-18-1,-35 0-15,35 0 0,17 0 16,-34-18 0,-19-17-1,36 0 1,-35-18 15,0 0-31,-18 18 16,17 17-1</inkml:trace>
+  <inkml:trace contextRef="#ctx0" brushRef="#br0" timeOffset="21899.83">2434 8290 0,'0'36'47,"35"-1"-47,-17 35 16,0-17-16,17 35 15,-17-17 1,17 53 0,-17-89-16,-18-18 15,0 1-15,-18-53 63,0 35-48,18-18-15,0-17 16,-17 35-16,17-35 16,0-18-1,0 35 1,0-17-16,35-1 15,0 1 1,0 18 0,-17 17-16,0 0 15,-1 0 1,1 0 0,0 0-1,-1 0-15,19 17 0,17 36 31,-36-35-15,1-1-16,-1-17 63,-17-17-32,18 17 31,0 0-30,-18-18-32,17 18 15,-17-18-15,36 1 16,-1-36-16,0 18 15,-17 17-15,-1-17 16,1-1 0,-18 19-1,0-18-15,0 17 32,-18 18 30,-17 18-62,-18 17 16,36-18-1,-1 1-15,18 0 16,0 17 0,0-17-1,0-1 1,0 1-1,0 0-15,0-1 16,0 1 0,18-1-1,-1-17 1,1 0 0,17 0-1,18-52 1,-35 52-16,35-106 15,-36 70 1,-17 19 0,0-18-1,0 17 1,0 36 93,0-1-93,0 1-16,0-1 16,0 1-16,0 0 15,18-1 1,-18 1-1,18-18 32,-18-18-47,17 1 16,1-19 0,-18 19-1,0-1-15,17 18 141,1-17-79,-18-19-46,18-34 0,-18 34-1,17 72 32,-17-19-31,18 19-1,-18-1-15,18 0 16,-1 18-16,-17-18 16,36 36-1,-19-53-15,-17 17 16,18-35 15,-18-18 32,-35-70-63,35 53 15,-18 17-15,0-35 16,1 0-16,17 18 15,0-18 1,0 18-16,0 17 16,0-17-16,0 17 31,0 1-15,35-1-1,0 18 1,-17 0 15,-1 0-15,19 35-1,-36-17 1,0 35 0,0-36-16,0 36 15,0-35-15,-36 53 16,19-54-1,-1-17 1,1 18 0</inkml:trace>
+  <inkml:trace contextRef="#ctx0" brushRef="#br0" timeOffset="22916.42">3634 8184 0,'17'0'16,"1"0"15,-18-17 47,35-18-78,-17 17 16,-1 0-16,-17 1 16,18-1-16,0-17 15,-18 17 1,-18 18 62,-17 35-62,35-17-1,0 0 1,0-1 0,0 1-1,0 0 1,0-1 15,17-17-15,1 0-1,0 0 1,-1 0-16,19 0 16,-1-35-1,-17 35 1,17-71-1,-35 54 1,17 17 140,1 0-156,0 17 16,-18 1 0,17-18-1,-17-18 48,0-17-48,0 17 1,18-34-16,0 16 16,17-17-1</inkml:trace>
+  <inkml:trace contextRef="#ctx0" brushRef="#br0" timeOffset="26356.28">4727 7373 0,'0'18'47,"18"17"-31,-1 0-16,1 1 16,17-1-16,-17 18 15,0-36-15,-1 19 16,-17-19-1,0-34 64,0-1-79,0-17 15,0 17-15,0-52 16,0 52-1,0 0-15,0 1 16</inkml:trace>
+  <inkml:trace contextRef="#ctx0" brushRef="#br0" timeOffset="26982.66">4886 7444 0,'18'0'0,"-1"0"16,1 0 62,0-18-62,-1 0-16,1 1 15,-1-1 1,-34 36 62,-18-18-62,17 35-16,0-35 15,18 35 1,0-17 0,-17 0-1,17-1-15,0 1 16,0-1-1,17-17 1,1 0 15,0 0-15,-1 0-16,1 0 16,35 0-1,17 0 1,-52-35-1,17 0 1,-35 0-16,35-54 16</inkml:trace>
+  <inkml:trace contextRef="#ctx0" brushRef="#br0" timeOffset="27446.21">5186 7232 0,'0'0'0,"0"18"16,-18-18-16,18 17 15,0 1 16,0-1-15,18 1 0,-1 0 15,1-1-15,0-17-16,-18 18 15,17 17 1,-17-17-1,0 0-15,-17 35 16,17-36 0,-18-17-1,0 0 48</inkml:trace>
+  <inkml:trace contextRef="#ctx0" brushRef="#br0" timeOffset="28116.4">5345 7302 0,'0'0'0,"-18"18"16,18 0 0,0-1-1,0 1-15,0 0 16,0-1-1,18-17 17,-1 0-32,19 0 15,-19 0 1,1 0-16,35-17 16,-36-19-1,1 1 1,-18 17-1,18 1 1,-18-1 0,-18 18 15,18-17-15,-18 17-16,-17 0 15,0 0 1,17 0-1,-17 17-15,0 1 0,-1-1 16</inkml:trace>
+  <inkml:trace contextRef="#ctx0" brushRef="#br0" timeOffset="28623.18">5503 7197 0,'36'35'0,"-36"-17"31,35-1-31,-17 1 16,-1-18 0,1 17-1,-1-17 1,1 0-16,0-35 16,-1 18-1,-17-19 1,18 1-16,-18 17 31,0 1-15,0-1-16</inkml:trace>
+  <inkml:trace contextRef="#ctx0" brushRef="#br0" timeOffset="29037.26">5715 7108 0,'18'0'32,"-1"0"-32,1 0 31,0 18-15,-1 0-16,1-1 15,-18 1 1,17 0-1,-17-36 64,0 0-64</inkml:trace>
+  <inkml:trace contextRef="#ctx0" brushRef="#br0" timeOffset="29277.07">5909 7126 0,'18'0'15,"-36"0"-15,53 0 0,1-18 16,34 1-1,-35-1 1,18-17 0,-17 17-1,-36-17-15,0 0 16</inkml:trace>
+  <inkml:trace contextRef="#ctx0" brushRef="#br0" timeOffset="29516.41">6050 6985 0,'0'0'0,"-35"35"16,17-17 0,18 0-16,0-1 15,0 1 48,18-18-48,-1 0-15,19 0 16,-36 17-16,17-17 16,1 0-1</inkml:trace>
+  <inkml:trace contextRef="#ctx0" brushRef="#br0" timeOffset="32239.19">5151 1940 0,'0'36'62,"17"-19"-62,1 18 16,-1 1-16,19-1 15,-36 0-15,35 1 16,-17-1 0,-18-18-16,17 19 15,-17-19 1</inkml:trace>
+  <inkml:trace contextRef="#ctx0" brushRef="#br0" timeOffset="32664.55">4251 1658 0,'53'-18'94,"53"-17"-94,-18 0 15,71-18-15,158-35 16,-176 35-1,0 18 1,-17-1-16,-36 1 16,-17 17-1,-71 1-15</inkml:trace>
+  <inkml:trace contextRef="#ctx0" brushRef="#br0" timeOffset="33057.19">5345 2293 0,'0'18'0,"0"-1"31,0 1-31,0 53 16,0-36-16,-36 0 15,-140 106 1</inkml:trace>
+  <inkml:trace contextRef="#ctx0" brushRef="#br0" timeOffset="33479.37">4957 2681 0,'17'0'62,"1"0"-46,17-35-16,-17 35 15,52-18-15,18-17 16,-35 17 0,18-35-16,0 36 15,-36 17-15,35-36 16,-34 19 0,-19 17-1,19-18 1,-19 18-16,18-17 15,-17 17 17</inkml:trace>
+  <inkml:trace contextRef="#ctx0" brushRef="#br0" timeOffset="34192.22">5856 2028 0,'18'0'16,"-18"18"0,0 0-16,17-1 15,-17 19-15,0 17 16,0 35 0,36-53-1,-19 0-15,1 1 16,0-36-16,-18-18 62,0-35-46,0 35-16,0 1 16,0-1-16,0-35 15,0 36 1,0-1-16,35-17 15,0-1 1,-17 19 0,52-36-1,107 0-15,-89 35 16,88-17 0,-52 35-1,-89 0 1,-17 0-1,35 35-15,-53-17 16,17 0 0,1-18-1</inkml:trace>
+  <inkml:trace contextRef="#ctx0" brushRef="#br0" timeOffset="34638.36">6756 1852 0,'0'0'0,"-18"18"0,0-18 16,1 35-1,17 36 1,0-54-16,0 1 15,0-1-15,0 19 16,17-19 15,1-34 63,-18-19-94,18 1 16,-18-18-16,0 18 15,0-71 1</inkml:trace>
+  <inkml:trace contextRef="#ctx0" brushRef="#br0" timeOffset="34968.51">6756 1711 0,'17'0'47,"1"35"-32,0-17-15,-1 17 16,19 0-16,-1 1 16,-35-19-1,53 19 1,-53-19 0,17-52 46,19-36-62</inkml:trace>
+  <inkml:trace contextRef="#ctx0" brushRef="#br0" timeOffset="35210.26">7003 1817 0,'17'0'62,"-17"17"-46,18-17 0</inkml:trace>
+  <inkml:trace contextRef="#ctx0" brushRef="#br0" timeOffset="35415.8">6967 1605 0</inkml:trace>
+  <inkml:trace contextRef="#ctx0" brushRef="#br0" timeOffset="36092.31">7355 1588 0,'-17'0'16,"-1"0"-1,-17 0-15,0 35 16,-18 35-1,17-52 1,19 53-16,-1-36 16,18-18-1,18-17 48,-1-35-63,19 18 15,-36-19-15,17 19 16,1 17-16,-18-18 16,0 0-1,18 18 1,-1 0 62,18 0-62,-35 18-16,36-18 15,-36 18-15,17-1 16,1 1 0,-18 0-1,18-18 1,-1 17-16,1-17 31,17 35-31</inkml:trace>
+  <inkml:trace contextRef="#ctx0" brushRef="#br0" timeOffset="38430.33">22542 2769 0,'18'0'62,"0"-17"-62,17-1 16,18 0-16,70 1 16,1-1-16,17-17 15,124-18 1,52-18-1,-176 54 1,177-54 0,-89 18-1,-158 18-15,70 17 16,-88 1 0,-53 34 140,17 1-141,-17 17-15,18-17 16,-18 52 0,18-17-16,17 71 15,-18-71 1,1 35-16,17 88 16,1-52-1,-19-54 1,1 54-1,0-54 1,-1-17 0,-17-35-16,0 0 78,0-1-63,0 18 1,0 1-16,0-1 16,0 0-1,-17 1-15,-1-1 16,0 35 0,1-34-1,-1-19 1,18 1-16,-18-18 15,1 0 64,-36 0-64,-18 18-15,1-18 16,-195 35-1,89 0 1,-195 36-16,89-18 16,123-18-1,36-17 1,105-18 0,-17 0-16,17 0 140,1 0-124,-1-18-16,0-35 15,-35 0 1,36 18 0,-54-36-1,18-17-15,0 18 16,18 17 0,-88-106 15,105 124-16,0-18-15,-17 0 16,-18-18 0,53 36-1,-17-18 1,17 18 0,0-1-1,0 1-15,0 18 16,0-19-1,0 19 1,0-1 0,0-17-1,0 17 1,0 0-16,17 18 16,-17-17-1,35-1 16,-17 1-31,0-1 16,70-17 0,-53-1-16,18 19 15,-35-1 1,-1 18-16</inkml:trace>
+  <inkml:trace contextRef="#ctx0" brushRef="#br0" timeOffset="39354.21">23760 4128 0,'17'0'16,"1"0"15,-18 17-16,17 54 1,1-36-16,17 53 16,-17 89-1,17-54 1,-17 36 0,0-89-16,-18 71 15,17-88 1,-17 71-16,0-71 15,0-36 1,-35 1 93,17-18-77</inkml:trace>
+  <inkml:trace contextRef="#ctx0" brushRef="#br0" timeOffset="41758.4">23654 5292 0,'17'0'125,"1"0"-109,0 0 0,70-18-1,0-17-15,88-1 16,213-52-1,-178 71 1,265-89 0,-123 35-1,-141 36-15,-124 17 0,-17 1 16,-36 17 0,-35 17 280,18 72-280,-18-37 0,0 19-16,0 88 15,0-53 1,0-1 0,0 19-1,17 52 1,1-70-1,-18-35 1,0-54-16,0 54 16,0-54 31,0 1-16,0 0 47,-18-18-47,-35 0-31,-17 0 16,-54 0-16,54 17 15,-36 19-15,-71-1 16,-17 0 0,-194 53-16,-53 1 15,300-36 1,-106 17 0,159-35-16,-18 1 15,-17-19 1,105 1-16,1-18 15,-1 0 126,-17 0-125,17 0-1,0 0 1,1 0 15,-19 0-31,1 0 16,-35-18-1,-19 1 1,72 17-16,-18 0 16,35-18 46,-18 0-62,18 1 16,-18-19-16,18 19 15,-17-36-15,-1 18 16,0-71 0,18 35-1,0 18 1,-17-17-16,17 34 16,-36-87-1,36 35-15,-17 0 16,-1-89-1,-17 89 1,35 53 0,0 0-1,0 17-15,17 18 125,19-18-109,17 1-16,0-1 16,35-17-16,-35 35 15,0-18-15,17 0 16,54-17-1,-36 35 1,-53-18 0,0 1 15,-17 17-15,0 0 15,-1 0 16,-17-18-32</inkml:trace>
+  <inkml:trace contextRef="#ctx0" brushRef="#br0" timeOffset="43708.31">25947 2734 0,'0'35'62,"17"1"-62,1 34 16,0-35-16,-18 1 15,17 17-15,1 0 16,-18-106 93,-35-53-93,-1 18-16,36 70 16,-17-53-1,-1 36-15,1-53 16,17 35-1,0 18 1,0 17 0,0 0 15,17 18-15,1 0 30,-1 0-30,19 0 0,-1 18-1,18 0 1,-35 17-16,17-17 16,35 52-1,-52-70-15,17 35 16,-35-17-1,36 0 1,-36-1 15,17-17-15,-17 18 0,18-18-16,-18 18 15,17-1 1,-17 1-1,18-18-15</inkml:trace>
+  <inkml:trace contextRef="#ctx0" brushRef="#br0" timeOffset="44193.69">26000 2769 0,'0'-17'62,"17"17"-31,1 0-15,17-36 0,-17 36-1</inkml:trace>
+  <inkml:trace contextRef="#ctx0" brushRef="#br0" timeOffset="44833.57">26264 2540 0,'18'0'16,"17"18"-16,0-1 31,-17 1-31,0 17 16,17 0-1,-17-35 1,-18 18-16,17-53 94,-17-36-79,0 36 1,0 17-16,0 1 16,0-1-1</inkml:trace>
+  <inkml:trace contextRef="#ctx0" brushRef="#br0" timeOffset="45441.72">26617 2328 0,'-18'0'0,"18"18"15,-17-18 1,17 18 0,0-1-16,0 1 15,0 0 1,0-1-1,17 1 17,1-1-17,0 1 1,-18 0 0,17-1 15,-17 19-16,0-19 1,0 1 0,-17-18 46</inkml:trace>
+  <inkml:trace contextRef="#ctx0" brushRef="#br0" timeOffset="45875.3">26864 2117 0,'0'17'15,"0"1"1,0 0-1,0 17 1,0-18 0,0 1-16,18 17 15,-1-17-15,1 35 16,17 0 0,-35-18-1,0-17 1,18-1-1,-18 1-15,-53-18 47</inkml:trace>
+  <inkml:trace contextRef="#ctx0" brushRef="#br0" timeOffset="46848.19">26758 2364 0,'18'0'125,"-1"0"-110,19-18-15,-1-17 16,106-36 0,-70 18-1,-36 18 1</inkml:trace>
+  <inkml:trace contextRef="#ctx0" brushRef="#br0" timeOffset="47316.23">27164 2117 0,'18'0'15,"-1"0"1,18 17 0,1 36-1,-19-35 1,1-1-16,-18 1 15,0-36 64,0-17-79,0 0 15,0 0 1,18-1-1</inkml:trace>
+  <inkml:trace contextRef="#ctx0" brushRef="#br0" timeOffset="47670.32">27464 2011 0,'17'0'15,"1"17"-15,0 1 16,-18 0 0,17-1-1,-17 1 1,18 0-16,0 17 15,-18-17 1,0-1 0,0-34 15,-18 17-15,0-36-1</inkml:trace>
+  <inkml:trace contextRef="#ctx0" brushRef="#br0" timeOffset="47893.55">27358 1711 0,'18'18'109,"17"-1"-93,0 19-16</inkml:trace>
+  <inkml:trace contextRef="#ctx0" brushRef="#br0" timeOffset="48504.16">27358 1764 0,'18'0'32,"-1"0"-17,18 35 1,-17 0-16,0 1 15,17 34 1,-17-17-16,-18-35 16,53 88-1,-36-71 1,-17 18-16,0-18 16,18-17-1,-18-36 63,0-17-62</inkml:trace>
+  <inkml:trace contextRef="#ctx0" brushRef="#br0" timeOffset="48862.76">27693 2046 0,'18'0'31,"-18"18"-31,17-18 16,-17 17-1,18 19-15,-18-1 16,0-17 0,18-1-1,-18 1 1,0-1-1,-53-52 1,35-18 15</inkml:trace>
+  <inkml:trace contextRef="#ctx0" brushRef="#br0" timeOffset="49086.29">27570 1870 0,'35'0'109,"18"17"-93,-36-17-16,54 36 15,123-1 1</inkml:trace>
+  <inkml:trace contextRef="#ctx0" brushRef="#br0" timeOffset="49827.38">28222 1940 0,'-17'0'16,"-36"0"-16,35 0 16,-17 0-1,-1 0-15,-52 0 16,53 18-1,35 0 1,-18-18-16,1 17 31,17 1-31,-18 35 16,0-36 0,18 1-16,0 0 15,0-1 1,0 1-1,18 0 1,0-18 0,-1 0-16,36 0 15,53-36 1,-53-52 0,-35 70-1,-18-34 1,0 34-1,17 36 79,-17-1-94,0 1 16,0-1-16,18-17 15,-18 36-15,0-19 16,18 1 15</inkml:trace>
+  <inkml:trace contextRef="#ctx0" brushRef="#br0" timeOffset="55606.37">13317 4798 0,'18'0'109,"0"0"-93,-1 0 0,19 0-1,-19 0 1,18 0 0,-17 0-16,35 0 15,35 0-15,-53 0 16,71 0-1,18 0 1,105 0 0,-123 0-1,53-18 1,-53 18-16,17 0 16,-17 0-1,53-18-15,-1 18 16,89-17-1,-70-1-15,-107 18 16,124-17 0,71-1-16,-71 0 15,-141 18-15,106-17 16,105-1 0,-17-17-1,-194 35 1,88-18-16,-53 0 0,142-17 31,-142 35-31,212-35 16,-36 0-1,-34-1 1,122-34 0,-246 52-1,-18 18-15,159-53 0,-88 36 16,-53 17-1,247-53 1,-124 17 0,106-16-1,-282 34 1,88 0-16,-106 18 16,18-17-1,-17-1 1,-1 18 15,-17 0-15,-1 0-1,1-18-15,-1 18 16,1 0 0,17 0-1,1-17 1,34-1-1,18 0-15,36 1 16,-54 17-16,107-36 16,-1 1-1,-88 18 1,-35-1-16,-17 0 16,-1 18-16,-35-17 15,17 17 1</inkml:trace>
+  <inkml:trace contextRef="#ctx0" brushRef="#br0" timeOffset="57680.32">13423 4551 0,'18'0'140,"35"0"-124,-18 0-16,53 0 16,0 0-16,71 0 15,176 0 1,-158 0 0,-54-18-16,106 1 15,142-1 1,-265 0-16,158-17 15,-87 17 1,-71 18 0,88-17-1,-71-1 1,-105 18-16,87 0 16,72-18-1,-71 1 1,88-1-1,-53 18 1,-88 0-16,141-35 16,35 35-1,-53-18-15,54-17 16,-19 17 0,-52 18-1,-106 0-15,0-17 16,176 17-1,-35-18 1,-123 18-16,70-18 0,-35 1 16,17-1-1,-34 1 1,69-1 0,-122 18-1,140-18 1,-105 1-16,34-1 15,-16 0 1,-37 18 0,1 0-16,106-35 15,-141 35 1,-1-18-16,72 18 16,-54-17-1,0 17 1,18-18-1,88 0 1,-70-17 0,-54 35-16,36-17 15,-35 17 1,0 0 0,-1-18-1,1 18 1,35 0-1,35-35-15,-53 17 16,89 0 0,-54 1-1,-52 17 1,0 0-16,-18-18 16,52 0-16,-34 18 15,88 0 1,-71-17-1,18-1 1,-35 18 15,-1-17 16,1 17-31,0-18-16,-1 18 15,1 0 1,0-18-16</inkml:trace>
+  <inkml:trace contextRef="#ctx0" brushRef="#br0" timeOffset="58381.07">21184 3387 0,'18'0'93,"52"0"-93,-17 0 16,53 17-16,-53 1 16,18 17-1,105 36-15,-123-36 16,71 18-1,-54 18 1,-52-54 0,-1-17-1,-17 18-15,0-1 94,-17-17-78,-19 36-16,-34-19 15,17 19-15,35-19 16,-70 36 0,53-35-1,-71 35 1,-88 53-1,141-89-15,-53 36 16,36-35-16,-71 35 16,-1-18-1,37-35 1</inkml:trace>
+  <inkml:trace contextRef="#ctx0" brushRef="#br0" timeOffset="59972.49">13670 4163 0,'-35'17'157,"-18"1"-157,18 35 15,-18-35-15,-18 35 16,18-18-16,-35 18 16,-18 0-1,53-18 1,18-17-1,17-18-15,18 17 79,-17-17-64,-1 0 1,18 18 203,18-18-219,-1 35 15,54 0 1,-53 1-1,17-19-15,106 89 16,-88-71 0,17 1-16,54 52 15,-1-35 1,-87-36 0,52 36-16</inkml:trace>
+  <inkml:trace contextRef="#ctx0" brushRef="#br0" timeOffset="62446.12">8925 9313 0,'0'36'78,"0"-19"-78,18 1 15,0 35-15,-18 0 16,17-18-16,18 18 16,-35-18-1,53 89 1,-53-54-1,18-17-15,0-18 16,-36-52 78,-35-36-79</inkml:trace>
+  <inkml:trace contextRef="#ctx0" brushRef="#br0" timeOffset="62997.44">8502 9331 0,'0'-18'109,"18"18"-93,52-17-16,1-19 15,-1 1-15,18-18 16,18 18 0,0-18-16,-53 35 15,18-17-15,-54 17 16,36 1-1</inkml:trace>
+  <inkml:trace contextRef="#ctx0" brushRef="#br0" timeOffset="63750.27">8855 10001 0,'0'0'0,"-18"0"0,18 18 31,18-18 141,-1 0-157,1 0 1,17 0 0,18-18-16,-18 1 15,18-1-15,18 18 16,70-71 0,-53 54-1,-52-19 1,-1 19-16,-18 17 15</inkml:trace>
+  <inkml:trace contextRef="#ctx0" brushRef="#br0" timeOffset="64540.13">9384 9631 0,'18'0'32,"-18"17"-17,17 1-15,1 0 16,-1-18 0,-17-18 124,0-17-124,-17 17-16,17-17 15,0 0-15,0 17 16,0-17 0,0 17-1,17 0-15,1 1 16,0 17 0,35-18-1,-18 1 1,-17 17-1,17 0-15,0 0 16,-17 17 0,17 1-1,-17-1 1,-1 1 0,19 0-1,-19-1 1,-17 1-1,18-18 1,-1 0 0,36 0 31,-35 0-32</inkml:trace>
+  <inkml:trace contextRef="#ctx0" brushRef="#br0" timeOffset="65076.26">9948 9331 0,'-35'0'0,"17"0"16,1 18-1,-1 17-15,18-17 16,-18 34-16,18-34 15,0 17 1,0-17 0,0 0-1,36-1-15,-36 1 16,17-18 0,1 0-16,0 0 15,-1 0 1,19 0 15,-19 0-31,1-18 16,-18 1-1,18 17-15,-18-36 16,17 19 0,-17-89-1,0 35 1,0-34-1</inkml:trace>
+  <inkml:trace contextRef="#ctx0" brushRef="#br0" timeOffset="65417.26">9948 8978 0,'0'18'47,"0"-1"-32,18 19 1,0-19 0,35 54-1,-53-53-15,35 17 16,35 18 0,-52-36-1,0 1 1,17 0-16,-35-1 15,18-17 1,-1 0 0,1 0-1,-1 0 1,1-17 0,35-36-1</inkml:trace>
+  <inkml:trace contextRef="#ctx0" brushRef="#br0" timeOffset="65688.44">10407 9119 0,'0'18'46,"0"0"-30,18-1 0,-18 19-1,0-19 1</inkml:trace>
+  <inkml:trace contextRef="#ctx0" brushRef="#br0" timeOffset="65941.19">10125 8872 0,'17'0'109,"89"0"-93,-71 0-16,124 36 0</inkml:trace>
+  <inkml:trace contextRef="#ctx0" brushRef="#br0" timeOffset="66677.23">10724 8943 0,'0'-18'0,"-35"18"16,18 0-1,-1 0 1,-17 0-16,17 18 16,-17 17-1,17 18-15,18-35 16,0-1 0,0 1-1,0 0 1,0-1-1,18 1 1,-1-18 0,1 0-1,0 18 1,17-18 0,0 0-16,-17 0 15,17-53 1,36-36-16,-71 54 15,17 0-15,-17 17 16,0 1 0,0-1-1,18 18 1,0 18 15,-1-1-31,-17 19 16,18-19-1,-18 1-15,17 17 16,-17 0 0,0-17 15</inkml:trace>
+  <inkml:trace contextRef="#ctx0" brushRef="#br0" timeOffset="68310.28">23918 7338 0,'18'53'63,"35"35"-48,-53-35-15,35 35 16,-17 35 0,-1-52-1,-17-53 1,-17-18 31,-36-53-32,35 0 1,-17 18-16,0-18 16,17 0-16,0 17 15,1-34-15,-1 17 16,0 18-16,18-18 15,0 17 1,0-16 0,18 34-1,-18 0 1,18 18 0,17 0-1,-35-17-15,18 17 16,35 0 15,-18 17-31,0-17 16,0 36-16,54 16 15,-36-16 1,-36-19 15,18 1-15,-35 0-16,18-1 15,0 1 1,-1 0 0,1-1-16,-18 1 15,53 35 1,-18 0 0,-35-36-1,18 19-15,-18-19 78,0 1-46,0 0-1</inkml:trace>
+  <inkml:trace contextRef="#ctx0" brushRef="#br0" timeOffset="68902">24095 7602 0,'17'0'265,"1"-17"-265,0 17 16,52-36 0</inkml:trace>
+  <inkml:trace contextRef="#ctx0" brushRef="#br0" timeOffset="69533.42">24624 7373 0,'0'18'47,"0"-1"-31,18 19 0,-18-19-16,17 1 15,1-18-15,-1 35 16,1-35 46,-18-17 1,18-1-48,-18 0 1,17-17-16,-17 0 16,0-18-1,0 35-15,0 0 16,0 1 0</inkml:trace>
+  <inkml:trace contextRef="#ctx0" brushRef="#br0" timeOffset="70158.14">24871 7267 0,'0'0'0,"-35"0"16,35 18-16,0-1 31,0 1-15,0 0-1,17-1 32,1 1-31,-1-18-16,1 0 15,0 18 1,-1-1 0,1-17-1,-18 36-15,0 17 16,0-18 0,0-18-1,-35 1 1,17-18-1,0 0-15,-17 0 16,0 0 0,-18 0-16,18 0 15,-1-35 1</inkml:trace>
+  <inkml:trace contextRef="#ctx0" brushRef="#br0" timeOffset="70569.61">25224 7038 0,'17'35'32,"1"0"-17,-18-17-15,18 17 16,-18 1-16,35-1 15,-35 18 1,17-36 0,1 19-1,-18-19 1,0 1 0,0 0-1,-18-18-15,1 0 31</inkml:trace>
+  <inkml:trace contextRef="#ctx0" brushRef="#br0" timeOffset="70866.09">24994 7338 0,'18'0'47,"70"-18"-31,0-17-16,-52 17 15,52-17 1,-35 17-16,17 1 0,-34-1 15</inkml:trace>
+  <inkml:trace contextRef="#ctx0" brushRef="#br0" timeOffset="71200.14">25471 7179 0,'17'0'47,"1"0"-31,17 0-1,-35 18-15,18-1 16,-1-17 0,-17-53 62,89-35-63</inkml:trace>
+  <inkml:trace contextRef="#ctx0" brushRef="#br0" timeOffset="72001.92">25841 7003 0,'-18'0'0,"-17"0"15,17 17 1,18 1-1,-17 17 1,17-17 0,0-1-1,0 1 1,0 0 0,17-18 93,1-18-93,0 0-1,-1 18 1,1 0 62,0 0-62,-18 18-16,17-18 15,1 18 1,0-36 31,-18-17-32</inkml:trace>
+  <inkml:trace contextRef="#ctx0" brushRef="#br0" timeOffset="72312.48">25947 6826 0,'17'0'15,"1"0"-15,-18 18 32,18 0-32,-1-18 15,-17 35-15,18-35 0,-18 17 16,18 19-1,-1-1-15,-17-17 16,18-1-16,0 1 16,-1 17-1,1-35 1,-18 18-16,17-18 47</inkml:trace>
+  <inkml:trace contextRef="#ctx0" brushRef="#br0" timeOffset="72611.21">26300 6950 0,'17'0'78,"-17"17"-63,0 1 1,0 0 0,18-18-16,-36 0 62,1-53-46</inkml:trace>
+  <inkml:trace contextRef="#ctx0" brushRef="#br0" timeOffset="72821.21">26211 6703 0,'36'17'109,"-19"1"-93,36 35-1</inkml:trace>
+  <inkml:trace contextRef="#ctx0" brushRef="#br0" timeOffset="73758.31">26458 6826 0,'0'-17'62,"18"17"1,0 17-32,-18 36-16,0-35 1,17 17-16,-17-17 16,18-1-1,-18 1 1,18-36 78,-18 1-94,0-1 15,0 0 17,17 18-1,1 0 78,17 18-93,0 17-1,-17 1 1,17-1-16,-17 0 16,0-35-1,-1 0 63,-17 18-46,18-18-32</inkml:trace>
+  <inkml:trace contextRef="#ctx0" brushRef="#br0" timeOffset="93723.25">14834 7302 0,'18'-17'157,"-18"-1"-157,18 1 15,-1-1-15,18 0 16,-17-17 0,0 35-16,35-35 15,-18-1 1,0 36-16,53-35 15,18 0 1,-35 35 0,88-35-1,-89 17 1,-17 18 0,-35 0-1,-1 0 16,1 18-15,17-1 0,-35 19-16,18-1 15,0 18-15,-1 0 16,-17 52 0,-17 37-1,-36-89 1,17 35-16,-17-53 15,36 0 1,-18-17 15,17-18-15,-35 35 0,18-17-16,17-18 15,18 17-15,-35 1 16,35 0 78,0-1-79,0 1 1,0 0-16,0-1 15,0 1 1,0 17-16,17 18 16,19-35-1,-36-1 1,17-17-16,-17 18 16</inkml:trace>
+  <inkml:trace contextRef="#ctx0" brushRef="#br0" timeOffset="95147.76">15857 7902 0,'18'0'156,"-18"18"-140,0-36 125,0 1-141,18-1 15,-18 0-15,53-17 16,-18 17-1,-18 18 1,1 0 0,0 0-1,-1 0 17,1 0-17,-18 18 1,0 0-1,0-1 1,0 1 0,0 0-1,-18-18 32,1 0-16,-1 0-31,0 0 32,18-18 15,0 0-32,18 36 126,-18 0-126,0 17-15,0-17 16,0-1 0,-18 1-16,1-18 78,17-18-78,-18 1 15,1-19-15,17-34 16,0 52 0,17-17-1,1 17 1</inkml:trace>
+  <inkml:trace contextRef="#ctx0" brushRef="#br0" timeOffset="98040.86">14058 11730 0,'35'0'47,"-17"0"-32,0 0 1,-1 0 0,19 0-1,-19 0-15,-17-18 16,18 18-1,0 0 1,-1-17 0,36-19-1,-18 19 1,1-19-16,-1 1 16,-35 17 93,-35 18-109,-18-17 16,35 17-1,1 0-15,-36 0 16,-53 0-16,70 0 15,-52 0 1,35 17 0,36-17-1,17 18 1,-18 35 0,18-35-16,0 17 15,0-17 1,0 17-1,0 18 1,35-18 0,-17-17-1,17 17 1,-17-17-16,17-1 0,-35 1 16,53 0-1,18-1 1,-36-17-1,0 18 1,18-18 0,-35 0-16,52 0 15,-34-18 1,17-17-16,70-53 31</inkml:trace>
+  <inkml:trace contextRef="#ctx0" brushRef="#br0" timeOffset="99089.42">14640 11624 0,'18'0'47,"0"35"-47,-18 1 16,35-1-1,-35-17-15,17 17 16,1-18-1,-36-34 48,18-54-47,-17 18-1,17 18-15,-18 35 0,18-18 16,0 1-1,0-1-15,18 18 125,35 0-125,-18 0 16,0 0-16,-17 0 16,17 18-16,-17-1 15,-1-17-15,1 18 16,0-18 0,-1 35-1,1-35 1,-18 18-16,0-36 62,0-35-46,0 18-16,0 17 16,0-17-1,0 18-15,0-19 16,0 1-1,0 17 1,18 18 62,17 0-47,0 18-31,18 0 0,53 17 16,-71 0 0,18-17-1,-35-18 1,-1 0 46,1 0-46,53-88-16</inkml:trace>
+  <inkml:trace contextRef="#ctx0" brushRef="#br0" timeOffset="99851.59">15469 11395 0,'18'0'0,"0"17"16,-18 19-1,35-19 1,-17 19-16,-18-19 16,17 36-1,1-18 1,-1-17-1,-52-18 48,18-35-47,-19-18-16,19 18 15,-19-36-15,19 36 16,17 17-1,0 0-15,-18 1 16,18-18-16,-18 35 16,18-36-1,0 19 1,0-1-16,0 0 16,0 1-1,18 17-15,-18-18 16,35 18-1,-17-18 1,53 18 0,17-17-16,-88-1 15,17 18 17,1 0-17,-18 35-15,0-17 16,0 35-1,0-18-15,-35 36 16,-18-18 0,35-36-1,1-17-15,-1 0 32,0 0-17,1 0 1,-1 0-1,18-17 1</inkml:trace>
+  <inkml:trace contextRef="#ctx0" brushRef="#br0" timeOffset="100953.97">15893 10936 0,'0'18'63,"0"17"-48,0 0-15,0-17 16,0 17-16,17 0 15,-17-17-15,0 0 16,18 35 0,0-36-1</inkml:trace>
+  <inkml:trace contextRef="#ctx0" brushRef="#br0" timeOffset="102980.14">16263 10989 0,'0'18'47,"0"17"-32,-18-17-15,18-1 16,0 1-16,0-1 15,0 1 1,0 0-16,0-36 172,-17 0-172,17 1 16,-18-18-1,18 17-15,-18 18 16,18-35-1,-17 35 1,-1 0 156,1 0-156,-1 0-1,18 17-15,0 1 31,0 0-15,0-1 0,18 18-1,-18-17 1,17-18-16,18 0 187,-17-18-171,-18 1 0,18 17-1,-18-18 17,0 1-17,17-1-15,-17 0 31,0 1 1,-17-1 46,-1 18-63,0 0-15,1 0 16,-1 0-16,1 0 16,-19 0-1,19 0 1,-1 18 15,18-1-15,0 1-16,0 0 15,0-1-15,0 18 16,0 1 15,0-19-15,18-17-16,17 36 16,-17-36-1,17 17-15,-18-17 16,1 0 78,0 0-79,-1-17 1,1-1-1,0 0-15,-18 1 16,0-1 0,0 0-1,0 1 1,0-1-16,0 1 16,0-1-1,0 0 32</inkml:trace>
+  <inkml:trace contextRef="#ctx0" brushRef="#br0" timeOffset="104040.46">16439 10830 0,'0'18'15,"0"0"-15,0-1 16,0 1-16,0-1 16,18 36-1,-18-35 1,18-18-16,-1 18 15,-17-1 1,18 1 0,0-18-1,-1 0-15,1 0 16,0 0 0,17 0-1,0-35-15,0-36 16,18 1-1,-53 34 1,0 1 0,0 17-16,18 18 78,-18 36-63,18-19-15,-1 1 16,1 35-16,0-18 16,-1 0-16,1 18 15,17 35 1,-17-35 0,-18 36-1,0-36-15,0-18 16,-18 0-1,-17 0 1,0-35 0,-36 0-1,0 0 1,36 0-16,-18-35 16,36 17-1,17-17 1,0 0-1,0-18 1,17 18 0,36-36-16,18 36 15,-54 17 17,1 18-32</inkml:trace>
+  <inkml:trace contextRef="#ctx0" brushRef="#br0" timeOffset="105433.4">16828 11024 0,'17'0'16,"18"-17"0,1-1-16,17 0 15,17 1-15,18-19 16,1 1-1,-37 0 1,-16 0-16,-36 17 16,0-17-1,-18 35 32,-35 0-31,18 0-16,-71 53 15,88-36 1,-17 19-16,18-19 16,-1 18-1,0-17 1,18 0 0,0-1-1,0 1 1,18-18-1,0 0 1,-1 18 0,18-1-1,1-17-15,-1 0 16,18 0-16,123-17 16,-52-19-1,-54-17 1,-17 18-1,-35 18 1,0-19-16,-18 1 16,0 17-1,-18 1 17,0 17-17,-17 0-15,0 0 16,17 0-1,0 35 1,18 0 0,0-17-1,0 17 1,0-17-16,18-18 47,-18 17-47,35-17 15,71 0 1,-18-17 0,-17-36-16,35-18 0,-36 1 15,-34 17 1,-36 0 0,0 35-16,0 1 15,0-1 1,-18 18 15,0 0-31,1 0 16,-19 0-1,36 18 1,-17-18 0,17 17-1,0 1-15,0 0 31,35 17-15,-17-17 15,-1-1-31,1 1 16,0-1 0,-18 19-16,0-1 31,0 18-16,0-35 1,-36-18-16,-34 35 0,-1-18 16,36-17-1,17 0 1,-17 0 15</inkml:trace>
+  <inkml:trace contextRef="#ctx0" brushRef="#br0" timeOffset="106158.64">18503 9349 0,'18'0'31,"-1"0"-31,1 17 16,-18 1-16,18 0 16,35 70-1,17 106 1,-52-106-1,70 194 1,-17 36 0,-36-248-16,35 248 15,1-36 1,-18-53 0,-35-176-1,-1 71 1,-17-107-1,-17-17 48</inkml:trace>
+  <inkml:trace contextRef="#ctx0" brushRef="#br0" timeOffset="106936.16">19491 10407 0,'0'0'0,"-35"-18"15,35 1-15,-18 17 16,0 0 0,1 0-1,-18 0 1,17 35-16,0-17 16,1 35-1,-1-18 1,18 0-16,0 0 15,0 1 1,0-19-16,0 1 16,0 0-16,0-1 15,0 18 1,0-17 0,35 0-1,-17-1-15,35-17 16,0 0-1,-36 0 1,19 0 0,-19 0-1,19-35 1,-19 0 0,1 17-1,17-35 1</inkml:trace>
+  <inkml:trace contextRef="#ctx0" brushRef="#br0" timeOffset="107410.64">19667 10478 0,'18'35'31,"0"-18"-15,-1 19-16,1-1 15,0-17-15,52 70 16,-52-88-1,-1 35-15,1-35 16,0 18 0,17-18 15,-17-36-31,17-34 16,0-1-16,-35 54 15,18-54 1,-18 18-1,0 36 1,-18-1 0</inkml:trace>
+  <inkml:trace contextRef="#ctx0" brushRef="#br0" timeOffset="108058.27">20197 10231 0,'0'0'0,"-36"0"16,19 17-1,-1 1 1,18 17 0,-18-35-1,18 18-15,0-1 16,18 19 15,0-36-15,-1 17-16,19 19 15,-36-19 1,17 1 0,-17 0-1,0-1 1,0 1-16,0-1 16,0 1-1,-17-18 1,-19 0-1,19 0 1,-19 18 0,36-71 62,0-71-78</inkml:trace>
+  <inkml:trace contextRef="#ctx0" brushRef="#br0" timeOffset="108599.08">20197 10037 0,'17'0'62,"1"0"-62,-1 0 16,-17 17 0,18 1-16,0 17 15,17 0 1,-17 18 0,-1-17-1,1-1 1,0-18-16,-18 1 0,17 0 15,-17-1 79,0 19-78,0-19-16,-17 19 15,-1-19 17</inkml:trace>
+  <inkml:trace contextRef="#ctx0" brushRef="#br0" timeOffset="108968.18">19967 10354 0,'18'0'47,"-1"-18"-47,36 1 16,-17-1-1,70 0-15,17-17 16,-17 18 0,-36-19-1,-52 36 1,0 0-16,-18-17 47,17 17-32</inkml:trace>
+  <inkml:trace contextRef="#ctx0" brushRef="#br0" timeOffset="109897.65">20708 10142 0,'-18'0'16,"1"18"0,17 0-1,0-1 1,0 1-16,0 0 15,0-1 1,0 18 0,17-35-1,1 36 1,53-1 0,-54-35-16,71 0 15,-70 0 1,0 0-1,-18-18 32,0-35-31,0 36-16,0-1 16,0-35-16,0 36 15,-18-1 1,0 18 46,1 0-62,-36 0 16,18 0-16,-1 18 16,1-1-1,17-17 1,18 18-16</inkml:trace>
+  <inkml:trace contextRef="#ctx0" brushRef="#br0" timeOffset="110934.4">21043 10125 0,'18'0'32,"-1"17"-17,1 36-15,0-17 16,-1-36-16,1 52 15,-18-69 79,-18-18-78,18-1-16,0 1 0,-17-18 15,17 35 1,0-17 0,17 35 77,19 0-93,-1 18 16,0-18-16,-17 35 16,35 0-1,-18-17 1,-35-36 93,0-52-93,18 52 0,-1-35-16,1 36 15,-18-1 1,18 0-1,-1 18 1,1 0 0,0 0-1,17 0 1,18 18 0,-36-18-1,1 18-15,0-18 16,17 17-1,-35 1-15,18-18 0,-1 18 32,1-18-17,-1 17-15,1-17 32</inkml:trace>
+  <inkml:trace contextRef="#ctx0" brushRef="#br0" timeOffset="111599.81">21890 9913 0,'18'0'16,"-1"0"62,1-18-31,17-17-32,-35 17 1,0 1 0,18-1-16,-71 18 78,-18 35-63,54-35-15,-1 36 16,0-36 0,18 17-16,0 1 15,0 0 1,0-1 0,0 1-1,0 0 16,18-18-15,0 17-16,-1-17 16,1 0-1,17 0 1,-17 0 0,17-35-1,18 0-15,-35-1 16,17 19-1,-35-1 1,0 0-16</inkml:trace>
+  <inkml:trace contextRef="#ctx0" brushRef="#br0" timeOffset="112024.02">22084 9825 0,'18'0'63,"-1"0"-63,1 17 16,-1 19-1,1-36-15,0 17 16,-1 1-16,-17-53 94,0-18-79,0-18-15,0 36 16,18 0-1</inkml:trace>
+  <inkml:trace contextRef="#ctx0" brushRef="#br0" timeOffset="119760.39">29951 11271 0,'17'0'31,"19"71"-31,-19-1 15,19 1-15,-19 17 16,36 18 0,-18-53-1,-17 70 1,17-87 0,-35-19-1,0-52 63,0-18-78,0 0 16,-17-70-16,-1 34 16,0-16-16,18 16 15,0-34 1,0 35-1,18-18 1,17 53-16,-17 0 16,35 0-1,0 18 1,-35 35 0,34 0-1,37 0 1,-54 0-16,106 70 15,-70-17 1,52 71 0,-52-36-16,-54-53 15,54 54 1,-18 16 0,-18-16-16,-35-54 15,0 0 1,0-17-1,-18-18 32</inkml:trace>
+  <inkml:trace contextRef="#ctx0" brushRef="#br0" timeOffset="120276.07">30321 11553 0,'0'-17'15,"53"-18"64,18 17-64,35-35-15,-18 18 16,18-18-16,-53 18 15,17 17-15,-35 0 16,-17 18 0</inkml:trace>
+  <inkml:trace contextRef="#ctx0" brushRef="#br0" timeOffset="120856.95">31362 11042 0,'-18'0'0,"1"0"15,-1 0-15,18 18 16,-18-1-16,18 1 16,0-1-16,0 19 15,0 17 1,0 0 0,0 0-16,18-18 15,0-35 16,-18 17-31,17-17 32,19 0-17,16-17-15,19-18 0,35-18 16,0-18 0,-71 53-1,18-35 1,-53 36-1,0-1 17,0 1-32</inkml:trace>
+  <inkml:trace contextRef="#ctx0" brushRef="#br0" timeOffset="121372.12">31838 10918 0,'18'0'31,"17"18"-16,-17 35 1,-1-18 0,-17 1-1,18-19 1,-18-34 62,18-36-62,-18 35-1,53-70-15</inkml:trace>
+  <inkml:trace contextRef="#ctx0" brushRef="#br0" timeOffset="121904.28">32068 10777 0,'-18'0'16,"0"0"0,18 18-1,0 0 1,0-1 0,18-17-1,-18 18-15,18-18 16,-1 18-16,18-1 15,-35 1 1,36-18 0,-19 35-1,1 0-15,0-17 16,-1 105 0,-34-70-1,-1-17 1,0-19-1,1-17 1,-19 0 0,1-53-1,18-35 1,17 53 0</inkml:trace>
+  <inkml:trace contextRef="#ctx0" brushRef="#br0" timeOffset="122301.46">32156 10601 0,'17'0'31,"1"0"-15,0 0-1,-18 35 1,53 1 0,-36-1-16,18-18 15,-17 19 1,-18-19 0,35 19-16,-35-19 15,53 54 1,-17-1-1,-19-34 1,-17 52-16,0-18 16,-35-34-1,-18-36 1,18 0 0,-1-18-1,-69-88-15</inkml:trace>
+  <inkml:trace contextRef="#ctx0" brushRef="#br0" timeOffset="122600.2">32191 10971 0,'18'0'47,"-18"-17"-47,17 17 15,1 0-15,0 0 16,17 0-16,53-18 31,-35 0-15,-18 1 0,0-1-16,1-17 31,-36 17-31,17 1 0,-17-1 31</inkml:trace>
+  <inkml:trace contextRef="#ctx0" brushRef="#br0" timeOffset="123045.76">32579 10777 0,'18'0'47,"-1"18"-31,-17 0-16,0 17 16,18-17-16,-18-1 15,18 1 1,-18-53 46,0 17-46,0 0 0,17 18-16,-17-17 15,0-1 16,18 18-31,-1 0 32,1 0-17,0 0 1</inkml:trace>
+  <inkml:trace contextRef="#ctx0" brushRef="#br0" timeOffset="127234.33">25929 11589 0</inkml:trace>
+  <inkml:trace contextRef="#ctx0" brushRef="#br0" timeOffset="134933.95">26952 9596 0,'-35'0'31,"0"17"-31,17 1 16,-17 17 0,-1 18-1,19-35-15,-1-1 16,18 19-16,0 16 16,0-34-1,0 70 1,0-52-1,18 17 1,-1-36 0,1 18-16,0-35 0,-1 36 15,19-19-15,-19 1 16,54 35 0,-18-53-1,-18 35 1,0-35-1,-17 0-15,0 0 16,17 0 0,18 0-1,53-17 1,-36-19 0,36-17-1,-53 36-15,0-54 0,-36 54 16,36-72-1,-35 72 1,0-36-16,-18 17 16,17-34-16,-17 17 15,0 18 1,-17 17 0,-1 0 15,18 1-31,-18 17 15,-17-18-15,17 1 16,-34-1 0,16 18-1,-70-35-15,54 17 16,-37 0 0,19 1-1,-36-19-15,35 19 16,36 17-1,0 0-15,-18 0 16,0 0-16,0 0 16,-106 0-1,89 0 1,17 0-16,18 0 16,-1 17-1,19 1 1,17 17-1,-18 18 1,18-17 0,0 16-16,0-34 15,0 53-15,35-1 16,-17-17 0,35 53-1,0-71 1,-36 1-16,54 16 31,0 1-31,-36-35 16,18 0-1,35-18 1,-35 0 0,17 0-1,19-18-15,-1-35 16,-18 0-1,71-53 1,-105 71 0,-1 0-1,0-53-15,-35 52 32,0-17-17,-17 18 1,-19 0-1,1 0 1,0 17-16,0 0 16,-54-17-16,-52 0 15,88 35 1,-88-18 0,53 18-1,53 0 1,-1 0-1,19 0-15,-1 0 16,-17 35 0,17-17-1,-17 88 1,35-53 0,0 70-1,0-88 1,0 18-16,35-17 0,1 17 15,-1 17 1,18-35 0,-18-35-1,18 36-15,53-36 16,-71 0 0,36 0-1,-18 0 1,-18 0-1,0-36 1,0 19-16,-35-1 0,18 18 16,0-17-1,-1-1-15,1-17 16,-18-18 0,35-36-1,-35 37-15,0-37 16,-35 36-1,17 18 1,1 18 15,-19-1-15,19 18-16,-54 0 16,54 0-1,-36 0-15,-36 18 16,1 34-1,-35 1 1,52 18 0,-17 17-16,53-53 0,17 1 15,-17 52 1,35-18 0,17 19-1,1-54 1,0 0-1,17 0 1,0 1-16,36-1 16,-18-17-1,35-18 1,0 0 0,53 0-16,18-53 15,0-18 1,-71 1-1,-35-1 1,-36 18 0,-17 18-1,0 0-15,0-1 0,-17 1 16,-1 0 0,1 17-1,-19 0 1,-17 1-1,-17-1 1,52 1-16,1 17 16,-1 0-1,0 0 1,-17 0 0,17 35-1,-17-35 1,17 53-16,1-36 15,-1 36 1,18-35-16,0 17 16,0-17-1,0 0 1,18-18 0,-18 17-1,0-70 95,17 0-95,-17 36-15,0-19 16,0-17-1,0 1 1,0 16-16,-17 19 16,-1 17 46,-70 0-46,0 17-16,-18 19 15,0-1 1,18 18-16,-18 0 16,-17 35-1,87-53 1,19-17-16,-1 17 0,18 0 16,0 1-1,0-19 1,35-17-16,-17 18 15,35 17 1,70 0 0,36 1-16,18-19 15,-72-17 1,-34 0 0,-53 0-1,-18-88 32,0 18-47,0 17 16,0 0-1,0 0-15,-18 18 16,18-18 0,-18 53-1,18-18-15,-35 18 94,17 0-78,-35 53-16,1-35 15,52-1-15,0 1 16,0 0 15,0-1 0,17 1-15,1-18-16,17 0 16,0 0-1,1 0 1,-19 0-1,-17-18-15,18 18 0,-18-17 16,0-1 0,0-17-1,0 17 1,0 0 0,0-17-1,-18 35 1</inkml:trace>
+  <inkml:trace contextRef="#ctx0" brushRef="#br0" timeOffset="139029.4">31256 10742 0,'0'-18'719,"0"1"-703,0-1 15,0 1-15,-18 17-1,18-18 1,-17 0 15,-1 1-15,18-1-1,-17 0 1,-1 1 0,0-19-1,1 19 17,-1-18-17,0 17 1,1-17-1,-1-1-15,-17 19 16,17-19 0,-17 1-1,35 17 1,-18 1-16,-17-18 31,35 17-31,-35 0 16,17 1-1,-17-36 1,0 35 0,-1-17-16,19 35 15,-1-35 1,-35-1 0,35 19-1,-17 17 1,17-36-1,1 36 1,-18-17 0,-1-19-1,19 36-15,-54-35 16,1 0 0,17 0-1,-36-1 1,72 19-16,-19 17 15,-16-36-15,-1 19 16,17-1 0,-17 0-1,18 1 1,18-1-16,-72 1 16,19-19-1,35 36 1,17 0-16,-35-35 15,0 35 1,35 0 0,-17-18-1,18 18 1,-1 0 0,0-17-16,-35 17 15,36 0 1,-19-18-1,19 18 1,-1 0-16,-35-18 16,36 18-1,-1 0-15,0 0 0,1 0 16,-1 0 0,-17 0 15,17 0-31,0 0 15,1-17 32,-18 17-31,17 0 0,0 0-16,-52 0 15,34 0 1,-17 0-16,1 0 15,16 0 1,-52 0 0,18 17-1,52-17 1,0 0 234,1 0-234,-1 0-1,-17 0-15,35 18 0,-18-18 16,0 0-1,1 0 64,-1 0-79,1 0 15,-1 0 1,-17 18-16,-36-1 15,36-17 1,17 0 0</inkml:trace>
+  <inkml:trace contextRef="#ctx0" brushRef="#br0" timeOffset="141052.32">28504 9119 0,'-17'18'188,"-36"17"-188,-18 18 15,36-35-15,-18 35 16,-53 0 0,71-36-16,-36 19 15,36-1 1,35-18 843,35 36-843,18-35-16,0 17 15,36 18 1,-19-18-16,89 18 16,-89-35-1,54 17 1,-54-17 0,-52 0-1,0-18 48</inkml:trace>
+  <inkml:trace contextRef="#ctx0" brushRef="#br0" timeOffset="142253.23">25894 8908 0,'0'35'46,"0"-17"-30,18-1-16,-1 1 16,-17 17-1,18-17 1,-18-36 78,0-17-79,0 0 1,0 17-16,0-35 16,0 35-1,0 1 1,0-1-1,17 0 1,1 18 0,-18-17-16,18 17 0,-18-18 15,17 1 1,1 17 0,0 0 15,-1 0-16,19 0 1,16 52 0,-16-34-16,-19 0 15,72 35 1,-72-36 0</inkml:trace>
+  <inkml:trace contextRef="#ctx0" brushRef="#br0" timeOffset="143635.85">26035 8908 0</inkml:trace>
+  <inkml:trace contextRef="#ctx0" brushRef="#br0" timeOffset="144368.19">26335 8767 0,'0'17'0,"17"-17"16,1 18-16,0-1 15,-18 1 1,17-18-1,19 0 64,-1-18-64,-17-17 1</inkml:trace>
+  <inkml:trace contextRef="#ctx0" brushRef="#br0" timeOffset="145876.13">30727 8431 0,'0'36'0,"0"-19"16,0 71-1,0 18-15,18 0 16,-1-35-1,-17-54 1,0-34 47,0-36-48,-17 18-15,-1-18 0,18 17 16,0-52-1,0 53 1,0-36 0,18 71 46,-1 0-46,19 36-16,52 16 15,-71-34-15,124 123 16,-105-105 0,34 16-1,-52-52 1,-18-70 46,0 17-46,0-18-16,0 18 16,0-35-16,0 35 15,18-17-15,-1 70 94,1 0-78,35 35-1,17 0-15,-34 18 16,87 71 0,-52-89-1,-18 36-15,-18-54 16,-18 19-16,1-36 0,-18-36 47,35-70-32</inkml:trace>
+  <inkml:trace contextRef="#ctx0" brushRef="#br0" timeOffset="146159.39">31821 8255 0,'17'0'32,"1"18"-17,-18-1-15,17 36 16,1-53-16,-18 53 16,18 0-1,-1 0 1,19 0-1,-36-36-15,0-87 63,0 35-47</inkml:trace>
+  <inkml:trace contextRef="#ctx0" brushRef="#br0" timeOffset="146448.26">31750 7938 0</inkml:trace>
+  <inkml:trace contextRef="#ctx0" brushRef="#br0" timeOffset="147286.1">31891 8237 0,'35'36'15,"-17"-19"-15,17 19 16,-17-1 0,0 0-1,-1-17 1,-17-36 46,0 0-46,0-34-16,18-1 16,0 0-16,-1 0 15,18 0-15,-17 35 16,0 1-1,-1-1-15,1 18 32,0 0-17,-1 0 1,1 0 0,17 18-16,-17 17 15,35-17 1,-18-1-1,-17-17-15,-1 0 63,1-17-47,0-1-16,17 0 15,35-70 1,-34 70-16,-19 1 15,1-1 1</inkml:trace>
+  <inkml:trace contextRef="#ctx0" brushRef="#br0" timeOffset="148267.51">28910 7108 0,'-18'53'31,"1"-17"-31,-36 17 16,-18 52-1,18-16-15,-35 52 16,-106 141 0,106-106-1,53-123-15,35-17 16,-18-1-16,18-18 15</inkml:trace>
+  <inkml:trace contextRef="#ctx0" brushRef="#br0" timeOffset="148768.82">28099 7849 0,'0'36'31,"0"-1"-31,0 0 16,0 18-1,0 35-15,0 18 16,0-53-1,17 0 1,-17-35 0,18-18 62,0 0-63,17-53 1,36 17-16,-36 1 16,0 17-16,0-17 15,-17 35 1,0-17-16</inkml:trace>
+  <inkml:trace contextRef="#ctx0" brushRef="#br0" timeOffset="149574.15">29916 7179 0,'-18'0'16,"0"0"-1,1 0-15,-19 0 16,1 18-1,-18 35 1,18-36 0,35 1-16,-18-1 15,54-34 157,-1-1-172,0 1 16,18-36-1</inkml:trace>
+  <inkml:trace contextRef="#ctx0" brushRef="#br0" timeOffset="150190.34">29863 7179 0,'0'35'63,"0"1"-48,0-1-15,17 0 16,1 36 0,0-18-16,-18 0 15,0 35 1,0-71-16,0 72 15,0-72 1,0 18-16,0-17 16,-18 0-1,0-18 63,18-18-62,-17 18-16,-1-35 16,18 0-1,-18 17-15,18-35 16,0 35 0,0-17-1,71-35 1,-18 34-16,0 1 15,53-36 1,-1-17 0,-52 53-16,-35 35 15</inkml:trace>
+  <inkml:trace contextRef="#ctx0" brushRef="#br0" timeOffset="150989.44">30304 7179 0,'-18'0'15,"18"18"-15,-18-18 0,18 35 16,0-17 0,-17 34-1,17-34 1,0 0-1,17-1 1,1 1-16,0-18 31,-1 0-31,19 0 16,-19 0 0,1 0-1,-18-18 1,17 18 15,-17-17-15,0-19-1,0 19 1,0-1-16,0 1 16,0-1-1,-17 18 79,-1 0-78,18 18-1,-17-1 1,17 1 15,0-1-15,0 1 15,0 0-15,0-1 15,17-17-16,1 0 1,17-17 0,36-19-16</inkml:trace>
+  <inkml:trace contextRef="#ctx0" brushRef="#br0" timeOffset="151582.2">30621 7126 0,'-18'18'16,"1"-18"-16,17 17 15,-18 1-15,18 17 16,0-17 0,0 17-1,0-17 1,0-1 0,18-17 30,-18-17-30,35-1-16,0-35 16,-17 36-16,0-19 15,-18 19 1,0-1 0,0 36 46,-18-1-46,0-17-16,18 18 15,0 0 48,53-18-48,0 0 1</inkml:trace>
+  <inkml:trace contextRef="#ctx0" brushRef="#br0" timeOffset="151964.13">30956 6985 0,'0'0'0,"-35"35"15,35-17-15,-18 0 16,18 52-1,0-35-15,0 1 16,0-1 0,18-35 15,0 0-15,17-35-1,0-1-15,0-17 16,54-105-1,-36-36 1</inkml:trace>
+  <inkml:trace contextRef="#ctx0" brushRef="#br0" timeOffset="152214.68">31203 6597 0,'0'18'31,"0"-1"-31,0 19 16,0-1-16,0-18 16,0 19-16,0 17 15,0-18 1,0-17 0,0-1-1,0 1 16,0-1-15</inkml:trace>
+  <inkml:trace contextRef="#ctx0" brushRef="#br0" timeOffset="153516.82">30780 12682 0,'0'18'78,"-18"35"-62,-17 17-16,0-17 15,-1 36-15,-17-1 16,1-18-1,-72 124 1,-52 0 0,70-88-16,-88 71 15,-53 17 1,141-124 0,0-17-16,-53 53 15,54-53 1,-195 106-1,-53-54-15,159-16 16,-212 16 0,106-16-1,-70 34 1,176-70 0,-35 18-1,70-18-15,-35 17 16,35-17-1,71-18 1,-18-17 0,88 0-1,1-18-15,-1 0 125,-70 0-109</inkml:trace>
+  <inkml:trace contextRef="#ctx0" brushRef="#br0" timeOffset="154195.48">24271 15099 0,'18'18'78,"-18"-1"-62,0 1-16,17 35 16,-17-18-1,0 0-15,0 18 16,0 18-1,0-18 1,0-18 0,0-17-16,-35-18 78,-53-89-63</inkml:trace>
+  <inkml:trace contextRef="#ctx0" brushRef="#br0" timeOffset="154590.01">23707 14958 0,'0'-18'47,"88"-35"-31,-35 36-16,0-19 15,35 1-15,18 0 16,-18 17-16,-18-17 16,36-18-1,-53 53 1</inkml:trace>
+  <inkml:trace contextRef="#ctx0" brushRef="#br0" timeOffset="155059.2">23971 15840 0,'18'-18'63,"0"18"-63,-1-35 16,36 17-16,-35-17 15,17 35-15,-17-18 16,87-17-1,-87 17 1,0 1-16,17 17 16,18-53-1,-35 53 1,35-35-16,35-36 16,-53 36-1</inkml:trace>
+  <inkml:trace contextRef="#ctx0" brushRef="#br0" timeOffset="156177.26">24694 15311 0,'0'17'32,"0"1"-32,0 17 15,0-17 1,0-1 0,-17-70 62,17 18-63,0-18-15,0 0 16,35-70 0,18 88-1,-53 17 1,18 18-1,-1 0 32,1 18-31,17 17-16,0 0 16,18 18-1,-17 0 1,-36-35-16,17-18 15,1 0 17,17-18-17,-17 0 1,35-52 0,-36 35-16,1-18 15,0 17-15,-18 1 16,0 0-1,0 17 17,-18 18-17,18 18 1,-18-1-16,1 19 16,17-1-16,-18 0 15,0 53 1,18-52-1,0 34 1,0-52-16,18-53 63,17-1-63,1-52 15,-1 18-15,0-54 16,18-88-1,-35 124 1,-18 71 0,0 34 46,17 1-46,-17 17-16,18 18 15,-18 18 1,0-36 0,18 18-16,-18 0 15,17-18 1,54 36 0,-1-1-1,89 36-15</inkml:trace>
+  <inkml:trace contextRef="#ctx0" brushRef="#br0" timeOffset="157275.16">27517 15487 0,'17'0'15,"1"18"1,0 52-1,34 36 1,-34-88 0,0 52-1,-18-52 1,0-36 31,-18-70-47,18 35 15,0-53-15,0 36 16,0 34 0,18-34-1,-1 35-15,1-1 0,0 1 16,-1 35 0,1 18 30,17 17-30,-35 0-16,36-17 16,-19 35-16,18-18 15,1 18 1,-19-35 0,-34-18 46,17-18-62,0-35 16,0 35-16,0 1 15,0-54 1,17-17-16,1 70 16,17-35-1,-17 36 1,35-18-1,-18 35 1,36 35 0,35 35-1,-71-34 1,35 52 0,-34-53-16,-1 0 15,-17 1 1,52 17-1,-52-36-15,-18-52 63,35 0-63,0-89 16</inkml:trace>
+  <inkml:trace contextRef="#ctx0" brushRef="#br0" timeOffset="157839.1">28663 15169 0,'-17'0'15,"-1"18"-15,0 0 16,1-1-16,17 1 15,-18 0 1,18-1-16,0 19 0,0-19 16,0 1-1,0 17 1,0-53 62,18-34-78,-1 16 16,19 1-16,-36 0 15,35-1-15,-35 19 16,17 17 31,1 17-16,0 1-31,17 17 16,0 1-1,1-1 1,-1 0-16,0 0 16,-17-17-1</inkml:trace>
+  <inkml:trace contextRef="#ctx0" brushRef="#br0" timeOffset="158150.18">28857 15169 0,'18'0'15,"-1"0"-15,1 0 16,0 18-16,-1-18 16,36 35-1,-35-35 1,0 18-1,17 0 1,-17-18 31,-18-18-31</inkml:trace>
+  <inkml:trace contextRef="#ctx0" brushRef="#br0" timeOffset="158428.12">29139 15064 0,'-17'35'16,"-1"0"-16,-17 0 16,17 36-1,-17-36-15,0 53 16,-1-35-1,19-53 64</inkml:trace>
+  <inkml:trace contextRef="#ctx0" brushRef="#br0" timeOffset="158896.48">29192 15099 0,'0'18'31,"18"-18"-15,-18 17-1,18-17 1,-18 18-16</inkml:trace>
+  <inkml:trace contextRef="#ctx0" brushRef="#br0" timeOffset="159138.13">29034 14799 0,'17'0'78,"1"0"-78,35 35 16,70 1-16,-17-19 15,247 89 1</inkml:trace>
+  <inkml:trace contextRef="#ctx0" brushRef="#br0" timeOffset="160188.57">29422 15152 0,'0'17'47,"0"1"-47,0 0 15,17-18 1,1 17-1,-18 1-15,0-71 63,0 18-47,0 0-1,0 17-15,18 0 16,-18-17-16,17 35 15,1 0 17,0 0-1,-1 0-15,1 18-16,-1-1 15,1 19 1,0-19-1,-18 1 1,17-18-16,-17-18 78,0 1-78,0-19 16,0 1-1,0 0-15,0 17 16,18 0-16,0 1 16,-1 17 15,1 0-15,0 0-1,-1 35 1,1-35-16,-1 35 15,1 1 1,0-19 0</inkml:trace>
+  <inkml:trace contextRef="#ctx0" brushRef="#br0" timeOffset="160717.31">29933 14870 0,'18'0'16,"-1"17"-16,-17 1 15,18-18 1,0 17-16,-1-17 15,-17 18-15,18-18 16</inkml:trace>
+  <inkml:trace contextRef="#ctx0" brushRef="#br0" timeOffset="161204.31">30127 14817 0,'18'0'47,"-1"0"-32,-17 17 1,18-17 78,-18-17-79,18 17 64,17 0-64,0-18-15,1 0 16,-19 18-1</inkml:trace>
+  <inkml:trace contextRef="#ctx0" brushRef="#br0" timeOffset="164328.26">29863 16245 0,'0'0'0,"0"-17"15,-18 17-15,0 0 16,-17 0 0,17 17-1,1-17 1,-1 36-16,18-19 15,0 19 1,0-1 0,18 53-1,-1-70 1,1-18-16,0 17 16,-1 1-1,1-18 1,35 18-1,35-18 1,-53 0 0,54-18-16,-72 0 15,36-17 1,-35 17 0,-18 1-1,0-18 1,17-1-1,-17-17-15,0 18 16,0 0 0,0-36-1,-17 18 1,-1 53 0,0-35-1,1 35-15,-1 0 16,1-18-1,-19 18 1,19 0 0,-1 0-1,18 18 17,0 0-1,-18-18-16,18 35 1,-17-17 0,17-1-16,0 1 15</inkml:trace>
+  <inkml:trace contextRef="#ctx0" brushRef="#br0" timeOffset="164912.31">30498 16069 0,'0'35'16,"17"1"0,1-19-16,35 71 15,-18-52 1,-17 17-1,-1-53 1,-17 17-16,36-52 78</inkml:trace>
+  <inkml:trace contextRef="#ctx0" brushRef="#br0" timeOffset="165524.07">30886 15946 0,'-36'52'15,"36"-16"-15,-35-19 16,18 19-16,-19-19 16,1 1-1,35 0-15,18-1 235,35 1-220,-36-18-15,1 17 16,-1 1 0,1 0-16,0-1 15,-1 1 1,-17 0-16,18-18 15,-18 17 1,18 1 0</inkml:trace>
+  <inkml:trace contextRef="#ctx0" brushRef="#br0" timeOffset="166246.07">30392 15981 0,'17'0'31,"1"0"-15,0 17-16,-1 19 16,19-1-16,-19-17 15,19 35 1,16-1-16,-34-16 16,0-1-1</inkml:trace>
+  <inkml:trace contextRef="#ctx0" brushRef="#br0" timeOffset="170542.06">30815 15857 0,'18'0'79,"-1"0"-48,-17 18 31,18 0-46,-18-1-16,0 1 16,18 17-16,-18 0 15,0 1 1,-18-1-1,18 0-15,-18 1 16,18-19 0,-17-17 31,-1 0-16,36 0 172,-1 0-172,1 0-31,0 18 16,17-1-16,-17-17 15,17 36 1,-17-36 0,-1 0-16,-17 17 31,18-17-15,-1 0-1,-17 18 1,18-18-1,0 0 1,-18 18-16,17-18 63,-17 17-63,18-17 31,-18 18-16</inkml:trace>
+  <inkml:trace contextRef="#ctx0" brushRef="#br0" timeOffset="173809.29">21361 12524 0,'0'0'16,"-89"0"-16,72 0 16,-1 0-1,1 17 1,17 1 0,-18 35-16,18-36 15,-18 72 1,18-72-1,0 71 1,0-52 0,0-19-16,36 19 0,-1 17 15,-18-36 1,19 19 0,-1-19-1,-17-17 1,-1 0 15,19 0-31,52 0 16,-53-17-1,71-36-15,-36 17 16,125-52 0,-125 18-1,-35 17 1</inkml:trace>
+  <inkml:trace contextRef="#ctx0" brushRef="#br0" timeOffset="174255.54">21925 12577 0,'0'35'0,"0"-18"15,0 1 1,0 0-16,0-1 16,0 19-16,0-1 15,0-17 1,18-18 0</inkml:trace>
+  <inkml:trace contextRef="#ctx0" brushRef="#br0" timeOffset="176385.59">21766 12612 0,'18'0'31,"0"35"-15,-18-17-1,35 35 1,-17-18-16,17 0 16,35 18-1,-52-35 1,17-1-1,-17-17 1,0 0-16,-1 0 16,71-17-1,-52-19 1,17 1-16,0 0 16,-18 0-1,-18 17 1,-17 0-1,0 1-15,-17-1 32,-1 0-17,1 18-15,-1-17 16,-17-1 0,35 1-16,-53 17 15,17 0 1,19 0-1,-1 0 1,1 0-16,-1 17 16,0-17-1,1 18-15,-1-1 32,18 1-1</inkml:trace>
+  <inkml:trace contextRef="#ctx0" brushRef="#br0" timeOffset="176990.49">22542 12488 0,'0'36'31,"0"-19"-31,0 19 16,18-36-16,-18 17 16,0 1-1,0-1-15,-18-34 94,1-71-78,17 70-16,0 0 15,0-35 1,35 36 0,-17-1-16,-1 18 15,36 0-15,-17 0 16,-1 0-1,0 18 1,0-18 0,-35 17-16,36 1 15,-19 0 1,1-18-16,-18-18 78,0-17-78,0 17 16,18 0-1</inkml:trace>
+  <inkml:trace contextRef="#ctx0" brushRef="#br0" timeOffset="178342.12">23883 9878 0,'0'0'0,"-53"53"16,35-18-16,1-35 15,17 18-15,0 17 16,0 0-1,0 0 1,35 18 0,0-17-1,1-1 1,-1-17-16,-17-1 16,17 1-1,-17-1-15,17-17 16,0 0 15,-17-17-31,35-1 16,-18-17-16,18-71 15,0 0 1,-36 106 0,1-53-1,-18 18 1,0 17 15,0 1-15,-18-1-1,1 0 1,-36 1 0,-18-36-16,36 53 15,-36-35 1,19 35-1,16 0 1,19 0 0,-19 0-1,19 0-15,-36 17 16,17 19 0,19-19-1,-1 18 1,1 1-1,17-19 1</inkml:trace>
+  <inkml:trace contextRef="#ctx0" brushRef="#br0" timeOffset="179283.77">22013 11906 0,'0'0'0,"0"-53"0,0 0 15,18-17 1,17-18 0,36-53-1,-1 35-15,-34 70 16,52-87-16,0 35 16,88-71-1,18-35 1,0 53-1,-35 17-15,0 1 16,-53 35 0,-89 70-1,1 0 1,0 18 0,-1-17 15,-17-1-31,18 18 15,0-17 1,17 17-16,-35-18 16,18 0-1</inkml:trace>
+  <inkml:trace contextRef="#ctx0" brushRef="#br0" timeOffset="180387.3">23566 12718 0,'17'0'47,"1"0"-32,-1 0 1,1-18-16,0 0 15,-1-17 1,36 0 0,71-71-16,-36 18 15,-17 17 1,52-52-16,0-1 16,-70 54-1,18-36 1,-18 18-1,-35 52-15,-18 19 16,17-54 0,1 36-1,-18-18 1,0-18 0,0 36-1,0 0-15,0-18 16,0 18-1,0-18 1,0 18 0,0-54-1,0 1 1,0 18-16,0-1 16,0 0-1,0 36 1</inkml:trace>
+  <inkml:trace contextRef="#ctx0" brushRef="#br0" timeOffset="181286.58">24148 10883 0,'0'0'16,"17"-17"-16,1-1 0,17 18 281,0 0-281,36 18 16,0 17-16,-1-35 16,-17 17-1,-18-17-15,36 18 16,-18-18-1</inkml:trace>
+  <inkml:trace contextRef="#ctx0" brushRef="#br0" timeOffset="182619.32">24306 11077 0,'0'0'0,"-17"0"16,-1 53-16,0-35 15,1 17-15,-1 0 16,-17-17 15,53-71 141,-1 0-172,36 0 16,-35 0-16,35 0 15,-18-17-15,36-1 16,-36 36-16,53-71 15,-35 71 1,-18-18 0,-17 53-1,-1 0 79,1 0-78,-18 18-16,18-1 15,-1-17 1,-17 18-16,36 17 16,-36-17-1,35 17 1,-35-17-1,18-1-15,-18 1 0,17 17 16,1-17 15,-18 0-15</inkml:trace>
+  <inkml:trace contextRef="#ctx0" brushRef="#br0" timeOffset="211275.81">19614 11412 0,'18'0'203,"0"-17"-203,17 17 15,0-18-15,-17 18 16,17-18-16,0 1 16,1 17-1,70-35-15,-54 35 0,54-36 16,-17 19 0,140-19-1,-88 19 1,124-36-1,-195 35 1,89-17-16,-89 17 16,19 1-16,-37-1 15,195 0 1,-194 1 0,124-1-1,-18-17 1,-71 17-16,106-17 15,-106 17 1,88-17 0,-35-18-1,-52 35 1,34 1 0,-88-1-16</inkml:trace>
+  <inkml:trace contextRef="#ctx0" brushRef="#br0" timeOffset="212605.65">19209 9966 0,'35'0'203,"53"-18"-187,36 1-16,17-1 0,35-17 15,36-1-15,-18 1 16,353-71 0,-353 71-1,282-35 1,-194 17-1,-70 0-15,-177 35 16,-17 18 0</inkml:trace>
+  <inkml:trace contextRef="#ctx0" brushRef="#br0" timeOffset="214082.98">19173 8273 0,'0'17'15,"0"1"-15,18 17 16,17 18 0,-17 0-16,17 0 15,18 0-15,0 70 16,0-34-1,-18-19 1,18 1 0,-35-1-1,17 1 1,-35-36-16,18-17 16,-18-1-1,0 1 1,17-18 156,1 35-157,0-17-15,-18 17 16,17-35 0,-17 18-16,18-1 15,-18-34 126,0-1-126,0 1-15,-18-19 16,18 1 0,0 0-1,0 17-15,18 0 16,17-17 0,1 0-1,-19 17-15,1 18 16,-1 0-1,1 0 1,0 0 0,17 0-1,-17 18 1,17 35-16,-17-18 16,-18-17-16,17 17 15,-17 18 1,0 0-1,-17-36 1,-1-17 62,0 0-62</inkml:trace>
+  <inkml:trace contextRef="#ctx0" brushRef="#br0" timeOffset="214623.29">20020 9066 0,'0'18'16,"18"-18"-1,-18 18 1,17-1-16,1 1 15,17 17-15,-17-35 16,0 0-16,35 0 31,-18 0-15,35-53-16,1-53 16,-53 71-1,34-53-15,-52 53 16,18 17-1,0-17-15,-18 17 16,0 1 0</inkml:trace>
+  <inkml:trace contextRef="#ctx0" brushRef="#br0" timeOffset="-214347.54">20496 8731 0,'0'0'0,"0"18"16,-17 0-16,17-1 16,0 1 30,17-18-30,1 17-16,0-17 16,-1 0-16,-17 18 15,0 0 63,0-1-78,0 1 16</inkml:trace>
+  <inkml:trace contextRef="#ctx0" brushRef="#br0" timeOffset="-214045.57">20726 8625 0,'0'0'0,"0"18"0,17-18 16,-17 35-1,0-17 1,18 17-16,-18-17 16</inkml:trace>
+  <inkml:trace contextRef="#ctx0" brushRef="#br0" timeOffset="-212950.69">20761 8590 0,'18'0'0,"-1"18"16,1-18 0,0 17-16,-18 1 15,35 0-15,-35 17 16,35-17 0,-35-71 62,0 0-63,18 35-15,-1 18 16,-17-18 0,18 18 46,0 0-46,-1 0-1,1 0 17,0 0 93,-1 0-110,1 0-15,-1 0 16,1 0 15,0 0-15,17 0-1,0-17-15,-35-1 16,18 1-16,0-19 16,-1 36 93,1 0-31</inkml:trace>
+  <inkml:trace contextRef="#ctx0" brushRef="#br0" timeOffset="-211808.64">20232 7726 0,'17'0'78,"1"17"-62,0 19-16,17-19 15,0 19-15,-17-19 16,17 19-16,-17-36 15,-1 0 1,-17 17-16,18-17 16,0 0-1,17 0-15,0-53 16,177-123 0,-89 88-1,54-89-15,-89 89 16,35-88-1,-34 88-15,-72 35 16,1 35 0,-18 0 15</inkml:trace>
 </inkml:ink>
 </file>
 
@@ -207,7 +2021,7 @@
   <inkml:trace contextRef="#ctx0" brushRef="#br0" timeOffset="11413.42">12612 6703 0,'17'53'0,"1"-36"16,0 19-16,-18 17 15,17-1-15,1-34 16,0 17-1,-18 18 1,0-35-16,0-53 78,0-1-62,0-17-16,-18 18 0,0-18 15,18-53 1,0 89 0,0-18-1,36 35 32,-19 0-31,71 17-16,-52-17 15,-1 0-15,53 35 16,-35-17 0,53 35-16,-71-35 15,-17 17 1,0-35 0,-18 18 15</inkml:trace>
   <inkml:trace contextRef="#ctx0" brushRef="#br0" timeOffset="12286.54">13829 6174 0,'-35'0'0,"-1"0"16,19 0-1,-36 0-15,17 17 16,19 19 0,17-19-1,0 1 1,0 17-1,0 0 1,17-17-16,1 0 16,88 35-1,-106-36 1,123 36 0,-87-35-1,-1-1-15,-17 19 16,-1-36-1,1 17-15,-18 1 32,0 0-17,0-1 1,0 1-16,-71 17 16,18-35-1,-105 53 1,105-53-1,17 18-15,-69-1 16,87-17 0</inkml:trace>
   <inkml:trace contextRef="#ctx0" brushRef="#br0" timeOffset="13066.93">14235 6421 0,'0'-18'47,"17"18"-32,1-18 1,0 1-16,17-1 16,-35 0-1,35 1-15,-35-1 16,18 0 0,-18-17-1,0 18 1,0-1-1,-36 0 1,19 18-16,-1 0 16,-35 0-1,0 36 1,0-1 0,36-18-1,-1 19-15,18-19 16,-18 19-1,18-19 1,0 1 0,0 0-1,18 17-15,0-18 0,17 19 16,-17-19 0,52 19-1,1-19 1,-54-17-1,19 0 1,-19 0-16,19 0 16,-1 0-1,-35-35 1,18-36 0,-1 54-1,-17-71-15</inkml:trace>
-  <inkml:trace contextRef="#ctx0" brushRef="#br0" timeOffset="13413.35">14482 6068 0,'0'17'31,"17"19"-15,1-19 0,17 36-16,0 0 15,1 0 1,-1 0-1,-17-35-15,-18-1 32</inkml:trace>
+  <inkml:trace contextRef="#ctx0" brushRef="#br0" timeOffset="13413.34">14482 6068 0,'0'17'31,"17"19"-15,1-19 0,17 36-16,0 0 15,1 0 1,-1 0-1,-17-35-15,-18-1 32</inkml:trace>
   <inkml:trace contextRef="#ctx0" brushRef="#br0" timeOffset="14127.91">14781 6103 0,'0'-35'79,"0"-1"-64,0 1-15,0 18 16,0-19-1,0-17-15,0 0 16,0 18-16,0-18 16,-17 36-16,17-1 15,-53-17 1,35 35 0,1-18-16,-19 18 15,19 0 16,17 35-15,0-17 0,0 17-1,17 36-15,-17-36 16,71 71 0,-18-53-1,-18 35 1,18-35-16,-35-18 15,87 89 1,-105-107-16,53 54 16,-35-53-1,0-1 1,-36-17 62,0-17-78,-17-1 16</inkml:trace>
   <inkml:trace contextRef="#ctx0" brushRef="#br0" timeOffset="14434.47">14781 6121 0,'0'-18'46,"36"18"-46,69-35 16,-69 17 0,-1 18-16,-17-18 15</inkml:trace>
   <inkml:trace contextRef="#ctx0" brushRef="#br0" timeOffset="15368.7">10319 8502 0,'17'0'31,"1"0"-31,0 0 16,-18 18-1,53 52 1,-36-35-1,19 36 1,34 88 0,-70-124-16,35 36 0,-17-36 31,-18 0-31,0-17 16</inkml:trace>
@@ -277,7 +2091,7 @@
   <inkml:trace contextRef="#ctx0" brushRef="#br0" timeOffset="75490.45">10089 12771 0,'-35'-18'31,"18"18"-15,-1 0-16,0 0 16,1 0-1,-19 35-15,1 0 16,35 1-1,0 17 1,0-18 0,0-17-16,0-1 15,0 19 1,0-19-16,0 1 16,0-1 15,18-17 31,-18-35-46,0 18-16,17-19 16,1-70-1,17 18 1,-17 53-16,-18 17 15,0 1-15,18 34 63,-18 19-47,17-1-16,-17 0 15,0 0-15,18 1 16,-1-1-1,-17-17 1,0-1 0,18-52 46,0 17-46,-18-35-16,35 18 15,-35 0 1,18-36 0,-18 36-16,0 17 15,0 1 1,0 34 62,0 1-62,35 0-16,-35 17 15,18-35-15,-1 35 16,1-17-16,-1 17 31,1-17-31,-18-1 16,18 1-1,-1-18 48,19-35-63,-19-1 16,1-34-16,0 35 15,-1-18-15,-17 17 16,0 19-1,0-18-15,-17 52 63,-1-17-47,18 35-16,0-17 15,0 17-15,0-17 16,0 0-16,0 17 15,18 0 1,17 18 0,-17-35-1,17-1 1,-18 1-16,1-18 16,0-18 46,17-35-46</inkml:trace>
   <inkml:trace contextRef="#ctx0" brushRef="#br0" timeOffset="76337.82">11024 12594 0,'0'0'0,"18"18"31,0 17-16,-1-17-15,18 70 16,1-70-16,-1 70 0,-17-71 16,17 36-1,-70-88 63,35-18-62,-36-17-16,19 17 16,17-18-16,0 18 15,0-17 1,17 34 0,1 36-1,0 0-15,-1 0 16,54 0-1,-36 0 1,36 0 0,17 53-1,-53-53-15,18 53 16,0 18 0,-18-54-1,-17 19 1,0-19-1,-1 1 1,-17 0-16,18-18 16,-18 17 15</inkml:trace>
   <inkml:trace contextRef="#ctx0" brushRef="#br0" timeOffset="77009.53">11818 12718 0,'18'0'0,"-1"0"47,1 0-31,-18-18-16,18 18 15,-18-18-15,0 1 16,0-1 0,0 0-1,0 1 1,0-1-16,0-17 31,-36 17-31,1 1 16,17 17-1,-52 0 1,-1 35 0,36 18-1,35-18 1,0-17 0,0 35-1,35-18 1,-17 0-1,0-35-15,-1 18 16,19-1-16,-19 1 16,1-18-1,35 0 1,-18 0 0,71 0-16,-36 0 15,54-35 1,-36-36-1,-53 54-15,-17-19 16,0 1 0,-18 17-1</inkml:trace>
-  <inkml:trace contextRef="#ctx0" brushRef="#br0" timeOffset="78649.4">12083 12435 0,'0'0'0,"-18"18"16,0 0-1,18 52 1,0-34-16,0 34 16,36 1-1,-1-1 1,71 1 0,-89-71-1,19 17 1,-19-17-16,1 0 0,17-17 31,0-71-15,-35 52-1,18-70 1,-18 71-16,0 18 16,0 34 124,0 1-140,-18-1 16,18 1-16,0 0 15,0-1-15,0 19 16,0-19 0,0 19-1,18-19 1,-18 1 0,18-18-1,-1 0-15,36 0 16,0-18-1,35-17 1,-70 0-16,0-1 16,35-105-1,-36 106 1,-17-36-16,0 18 16,0 18-1,0 18 1,-35-1-1,35 36 32,0-1-31,0 18 0,0-17-1,0 17 1,0 18-1,53 18-15,-35-18 16,-18-36 0,17 19-16,-17-1 31,0-17-15,0-1-1,0 1-15,18-53 94,17-18-78,-17 17-16,52-52 15,-52 35-15,35-17 16,-35 34-1,17-16 1,-35 34 0,-18 36 46,-17-1-62,0 1 16,35 17-16,-18-17 15,18-1-15,-18-17 16,18 18 0,0 17-1,0-17 1,0 0-16,36-1 16,17 19-1,-36-19 1,1-17-1,-1 18 1,1 17 0,0-17-16,-18-1 15,0 1 1,0 0 0,0-1-1,0-34 48,-18-1-48</inkml:trace>
+  <inkml:trace contextRef="#ctx0" brushRef="#br0" timeOffset="78649.39">12083 12435 0,'0'0'0,"-18"18"16,0 0-1,18 52 1,0-34-16,0 34 16,36 1-1,-1-1 1,71 1 0,-89-71-1,19 17 1,-19-17-16,1 0 0,17-17 31,0-71-15,-35 52-1,18-70 1,-18 71-16,0 18 16,0 34 124,0 1-140,-18-1 16,18 1-16,0 0 15,0-1-15,0 19 16,0-19 0,0 19-1,18-19 1,-18 1 0,18-18-1,-1 0-15,36 0 16,0-18-1,35-17 1,-70 0-16,0-1 16,35-105-1,-36 106 1,-17-36-16,0 18 16,0 18-1,0 18 1,-35-1-1,35 36 32,0-1-31,0 18 0,0-17-1,0 17 1,0 18-1,53 18-15,-35-18 16,-18-36 0,17 19-16,-17-1 31,0-17-15,0-1-1,0 1-15,18-53 94,17-18-78,-17 17-16,52-52 15,-52 35-15,35-17 16,-35 34-1,17-16 1,-35 34 0,-18 36 46,-17-1-62,0 1 16,35 17-16,-18-17 15,18-1-15,-18-17 16,18 18 0,0 17-1,0-17 1,0 0-16,36-1 16,17 19-1,-36-19 1,1-17-1,-1 18 1,1 17 0,0-17-16,-18-1 15,0 1 1,0 0 0,0-1-1,0-34 48,-18-1-48</inkml:trace>
   <inkml:trace contextRef="#ctx0" brushRef="#br0" timeOffset="79464.38">13300 12400 0,'0'0'0,"-18"0"0,-17 18 15,17-18 1,1 0-16,-1 17 16,0 1-1,18 0 1,0-1 0,0 19-1,0-1 1,0 0-16,36 0 15,-19 1 1,1-54 47,-1 0-63,19-34 15,-19 16-15,19 1 16,-19 0-16,-17 17 15,18-17 1,-18 17-16,0 36 78,18-1-78,-18 1 16,17 17-1,1-17-15,-18 17 0,17 1 32,-17-19-17,18-17 1,0 0 15,-1-17-15,19-1-1</inkml:trace>
   <inkml:trace contextRef="#ctx0" brushRef="#br0" timeOffset="79810.39">13670 12312 0,'0'35'31,"0"0"-16,18-35-15,-1 53 16,-17-35-16,0 17 16,36 1-16,-36-19 15,0 1 1,0-36 46,0 1-46,0-19-16,0-17 0,17 0 16,1 1-1,0-37 1,-1 72-16,1-1 16</inkml:trace>
   <inkml:trace contextRef="#ctx0" brushRef="#br0" timeOffset="80691.7">14058 12083 0,'-17'53'16,"17"-1"-16,0-16 15,0-1-15,0 36 16,17-54-1,-17 1-15,18-18 63,-1-18-63,1-35 16,17 18-16,-17-18 15,53-88 1,-54 159 46,1 17-46,-18 35 0,35 1-16,18 35 15,0 17-15,-18-34 16,1-19-16,-19 18 15,1-35 1,-18-18 0,0 1-1,-18-36 1,1 17 0,-54-17-16,-211 0 15,229 0 1,-71 0-16,54-17 15,-36-36 1,88 18 0,1 17-1,17 0 1,0 1-16,35-36 16,0 53-1,18-53 1,35 35-1,-52 1 1,17-1-16,-18 18 16,-18 0-1,19 0 1,-1 0 0,18-18-1,88-52-15</inkml:trace>
@@ -476,6 +2290,120 @@
 </inkml:ink>
 </file>
 
+<file path=ppt/ink/ink20.xml><?xml version="1.0" encoding="utf-8"?>
+<inkml:ink xmlns:inkml="http://www.w3.org/2003/InkML">
+  <inkml:definitions>
+    <inkml:context xml:id="ctx0">
+      <inkml:inkSource xml:id="inkSrc0">
+        <inkml:traceFormat>
+          <inkml:channel name="X" type="integer" max="1920" units="cm"/>
+          <inkml:channel name="Y" type="integer" max="1080" units="cm"/>
+          <inkml:channel name="T" type="integer" max="2.14748E9" units="dev"/>
+        </inkml:traceFormat>
+        <inkml:channelProperties>
+          <inkml:channelProperty channel="X" name="resolution" value="36.43264" units="1/cm"/>
+          <inkml:channelProperty channel="Y" name="resolution" value="36.48649" units="1/cm"/>
+          <inkml:channelProperty channel="T" name="resolution" value="1" units="1/dev"/>
+        </inkml:channelProperties>
+      </inkml:inkSource>
+      <inkml:timestamp xml:id="ts0" timeString="2021-07-02T06:15:29.258"/>
+    </inkml:context>
+    <inkml:brush xml:id="br0">
+      <inkml:brushProperty name="width" value="0.05292" units="cm"/>
+      <inkml:brushProperty name="height" value="0.05292" units="cm"/>
+      <inkml:brushProperty name="color" value="#FF0000"/>
+    </inkml:brush>
+  </inkml:definitions>
+  <inkml:trace contextRef="#ctx0" brushRef="#br0">9437 4339 0,'0'71'109,"0"17"-109,0 35 16,-35 265 15,35-246-31,-36 16 0,36 1 16,-17 35-1,17 159 1,0-230-16,0 89 15,0-71-15,0 0 16,0-17-16,0 34 16,0 19-1,17-18 1,-17-89 0,18 18-16,-18-52 0,18 158 15,-1 35 1,-17-176-1,18 211 1,-18-105 0,17 70-1,-17-52-15,0-1 16,0 18 0,0 0-1,0-141 1,18 212-1,0 17 1,-18-211-16,17 193 16,-17-52-1,0-89 1,0 18 0,18 1-1,-18 34 1,0-53-16,0-70 15,0 88 1,18 18 0,-18-124-1,0-17 1,0 17 0,0 18-16,0 18 15,0-1 1,0-52-1,0 70 1,0 0-16,0-52 16,0-1-16,0 18 15,0 17 1,0-52 0,0 53-1,0-36 1,0 35-1,0-17-15,0 36 16,0-72 0,0 19-1,0-19 17,35-17 202,18 0-234,35 0 16,-17 0-16,70 0 15,-35 0-15,70 0 16,-17-17-16,176-19 31,-124 19-31,-69-1 16,52 0-16,-106 1 15,88-19 1,-158 36 0,-1 0 46,1 0-46,17 0-1,1 0-15,34 0 16,54 0 0,-89 0-1,124 0 1,-1 0-1,72 0 1,-36 0-16,-159 0 16,89-17-1,-54-1 1,-35 18 0,1 0-1,-1 0 1,-17 0-16,35 0 0,105 0 15,-122 0 1,122-18 0,-34 1-1,-54-1 1,-17 18 0,0-17-16,-18 17 15,36-18 1,-18 18-1,53-18 1,-53 18 0,35-17-1,-71-1 1,-17-17 250,18 17-251,-18-17-15,0 17 16,18-52-16,-18 52 15,0-17-15,0-18 16,17 35 0,1-35-16,-18 36 15,18-19-15,-18-34 0,0 52 16,17-88 0,1 36-1,-18 17 1,18-88-1,-1-36 1,-17 142-16,0-53 16,18-53-1,-18 88 1,0-71 0,0 1-1,0-124 1,18 159-16,-18-53 15,0 70 1,0-105 0,0-124-1,0 212-15,0-159 16,0 123 0,-18 1-16,18-18 15,0-106 1,-18 123-1,18-140 1,-17 17 0,17 141-16,-18-88 15,18 17 1,0 89 0,0-88-1,0 17 1,0 53-16,0-88 15,-18 0 1,18 35 0,0 54-1,-17-89 1,17 123 0,-18-105-16,18 105 15,0 1 1,0-36-1,-18-18 1,1 18 0,-19-70-1,1-18 1,0 18 0,17 70-1,1-35 1,-1 52-1,0 37-15,1-37 16,17 36 0,-18 1-1,18 16 1,-35-34 0,35 34-16,0 19 15,0-1-15,-18-52 16,18 52-1,-17-53 1,17 54 0,0-1-16,0 0 15,0 1 1,-18-1 0,18 1 15,0-1 0,0 0 203,-18 18-218,1-17 0,-1 17 31,18-18-47,-35 18 15,-36-35 16,53 35-31,1 0 16,-18-18 0,17 0-16,-17 18 15,17 0 1,-35 0 0,0 0-1,-70 0 1,70 0-16,0 0 15,0 0-15,-106 0 16,18 0 0,35 0-1,-88 18 1,106-18 0,-35 18-16,17-1 0,-124 1 15,125-18 1,-107 35-1,36-17 1,70 0 0,-35-1-1,35-17-15,70 0 16,-52 0 0,35 0-1,36 0 1,-19 0-1,1 0 1,18 0-16,-54 0 16,36 18-1,-18-18 1,-71 17 0,19 1-1,52 0 1,-141-1-16,141 1 15,-36 0 1,-16-1 0,-1 1-1,-18 35 1,89-53 0,-18 18-16,18-1 0,17-17 15,-52 35 1,34-35 15,1 36-15,17-36-16,18 17 390,0 19-390,-17 17 16,-1 35 0,18-53-1,-17 53 1,-1-17-16,18-36 31,0-17-15</inkml:trace>
+  <inkml:trace contextRef="#ctx0" brushRef="#br0" timeOffset="7419.07">11994 1834 0,'0'-17'47,"0"-1"-31,36 1-1,-19-1 1,124-35 0,1 0-1,69-17-15,71-1 16,-123 36 0,35-18-1,-35 35-15,17-17 16,-17 17-1,106 1 1,-177-1-16,300 18 16,-53 0-1,-247 0 1,336 88 0,-371-70-1,88 35 1,-18 17-16,89 71 15,-89-52 1,-35-19 0,89 159 15,-160-211-15,-17 17-16,18 18 15,-18-18-15,0-17 16,0 35-1,0-18 1,0-17 0,35-18 109,1 0-125,87 0 15,1 0-15,87 0 16,-17 0-16,18 0 16,35 0-1,353 18 1,-336 17-16,1 18 0,17 0 15,212 105 1,-159 1 0,-194-88-1,141 105 1,-88 1 0,-141-107-16,71 106 15,-54-105 1,89 176-1,-18 18 1,-88-160 0,18 89-16,-18 0 15,-36-176 1,1 158 0,-18-52-1,18-18 1,-18-18-1,0-35-15,0-35 16,0-1 0,0 1 77,158 35-61,-70-18-32,107 0 15,-37 1-15,213 52 16,-142-35 0,230 70-1,-318-70-15,123 53 16,-140-36-1,193 142 1,-52 0-16,-106-89 16,229 283-1,-159-124 1,-106-53 0,-52-70-1,70 159 1,-88-177-16,-35 18 15,-18-71 1,0 18-16,0-71 16,-71 229-1,-17-34 1,70-160 0,-70 213-16,35-125 15,36-122-15,-36 69 16,35-34-1,18-53 1,0-1 47,0 19-48,18-36 1,-1 35-16,1-35 15,0 17-15,17 1 16,0 35-16,71 35 16,-18 0-1,88 106 1,124 195 0,-141-143-1,141 231 1,-141-195-16,-1-53 0,-16 53 15,-37-35 1,-52 53 0,-35-159-1,-18 71 1,0 141 0,-35-53-1,-18-53-15,17-124 16,-87 265-1,-89 53 1,-70-88 0,106-141-16,-36 52 15,106-140 1,18-1 0,17-52-1,19-18 1,52-18-1,-18-35 142,0 0-142,18 17-15,-35 36 16,-18-35-16,-17 35 16,-107 17-16,-246 89 15,141-71 1,-54 1-1,-228 122 1,88-34 0,-53-1-16,335-123 15,-212 70 1,229-70 0,160-53-1,17 18 63,-18 17-78,-35 18 16,-17-18 0,-1 18-16,-211 106 15,-88 18 1,176-89-1,-547 176 1,88-70 0,212-70-1,-423 123-15,370-71 16,71-88 0,34-88-1,213 0-15,17 0 16,1 0-1,87 0 1,53 0-16,-34-35 16,-1-35-1,35 52 1,-53-35 0,1 0-1,52 35 1,-52-17-16,-124 0 15,70 35 1,-193-18 0,-177 71-1,335 0 1,-370 123 0,176-123-16,159-53 15,18 0-15,-354 0 16,372 0-1,-248 0 1,-17 0 0,211 0-1,-123-53-15,141 1 16,53 34 0,-159-53-1,106 18 1,88 18-1,0-18 1,53 0 0,18 0-16,35 0 15,-18-17 1,18 35 0,-17-54-1,17 37-15,-18 34 16,18-17-1,-18 35 64,-34 0-48,-1 0-31,0 17 15,0 1 1,-18 0-16,-52 17 16,-212 53-16,88-53 15,-159-17 1,-282 0 0,512-18-1,-442-18 1,-317-141-1,777 124-15,-424-124 16,229 36 0,-53-36-1,106 18 1,106-18 0,106 71-16,35 17 15,53 18 1,-35 0-16,17-35 15,-17-18 1,0-88 0,35 124-1,-18-36 1,18 0-16,0 36 16,0-54-1,0 54 1,0 52-1,18 18 1,-18-18 0,0 1 62,0-1-63,-18-17 1,0-18-16,-35-71 16,-52-105-1,-19-35 1,-158-283 0,-88-194-16,70 229 15,-106-176 1,177 300-1,158 265-15,-17-177 32,88 124-32,0 105 15,0 1 1,0-1-16,53-35 16,53-106-1,17 54 1,18 17-1,89-71-15,122-53 32,-299 212-32,159-123 15,-159 141 1,-53 17 0,17 1-1,-17-1 32,0-17-31,-17-18-16,-1 35 15,-35-53 1,0-70-16,-88-159 16,-35-35-1,17 36 1,-17-19-16,70 53 15,-141-264 1,141 265 0,-35-54-1,88 124-15,0 0 0,18-18 16,17 18 0,18 71-1,0-1-15,0-17 16,0-88-1,36 141-15,-1-89 16,0 72 0,-17 34-1,-18 53 1,0 1 0,17 17-1,-17-18-15,0 1 31,18 17 1,-18-36-17,18 36-15,-18-17 0,35-19 16,-17-34 0,70-124-1,18-106 1,-36 71-1,1 35 1,-18-212 0,-53 353-16,17-159 15,-17 106 1,0 54 0,0 34-1,0-17 1,0 17-16,0 0 15,0-17 1,18 17 0,17-70-1,0 35 1,54-35 0,-1-35-16,-35 70 15,88-71 1,18 36-1,-106 53 1,123-71 0,89-18-1,-124 72 1,-36-1-16,1 17 16,-70 19-1,-1-1 126,-18 0-141,195-193 31,-88 87-31,-1 36 16,53-18-1,230-123 1,-159 106-16,194-54 16,-141 71-1,-106 36 1,-71 34-16,1 1 15,-36 18 1,-70 17 0,17-18-16,0 18 0,1 0 15,16 0 1,-16 18 0,52 17-16,35 35 15,19 19 1,-107-89-16,88 70 15,107 36-15,-177-88 16,-1-1 0,-16-34 62,34-72-63,89-52-15,-53 35 16,106-52-16,-89 34 16,71 1-16,-53 17 15,-17 18-15,175-106 16,-193 158 0,0 1-16,18-18 15,123 0 1,123 18-1,-158 17 1,105 1-16,195-1 16,-301 0-1,72 18 1,-213 0 0,1 18-1,-54-18-15,19 18 16,-19-1-16,54 19 15,17 52 1,-70-53 0,123 124-1,-35-18 1,-18-35 0,-53-53-16,36 17 0,17 36 15,-71-88 1,19 17-1,-1 0 1,-35-17 15,18-18-31,-18 18 16,17 17 0,1 18-1,17-18 1,0 36-1,-35-36 1,18-35 0,-18 18 46,18-1-46,-18 1-1,35 52 1,-35-52-16,18-18 16,-18 18-1,0-1 1,17-17 15,-17 18 0,18 0-15,-18-1 0,18 1-1,-18 17 1,17-17 15,1-1-31,-18 1 16</inkml:trace>
+  <inkml:trace contextRef="#ctx0" brushRef="#br0" timeOffset="13668.1">9613 4304 0,'0'18'125,"18"17"-125,17 35 16,89 142 15,-72-106-31,19 0 0,0 0 16,52 105-1,-17-34 1,0 34 0,53 54-16,-107-195 15,90 195 1,52 52-1,-124-211 1,36 106 0,-18-18-1,-35-123 1,18 17-16,-18 18 0,35 52 16,-53-87-1,-17-36-15,35 36 16,70 158-1,-105-158 1,105 158-16,54 88 16,-142-264-1,53 141 1,-35-53 0,35 53-1,36 53 1,-89-158-16,106 210 15,-35-52 1,-89-158-16,36 16 16,106 213-1,-35-89 1,-89-158 0,-17-36-16,34 71 0,-16-36 15,-1 1 1,-35-53-1,18-1 1,-1 1 0,1 0-1,-18-1 1,0 1 0,18-18-1,-18 17-15,0 1 16,35 17-1,-35 1-15,17-19 16,1 19-16,17 34 16,-17-35-1,35 71 1,-18-35 0,0 17-1,-35-70-15,18-18 16,0 17-1,-18 1-15,17-18 16,1 35 0,0-35 46,-1 18-31,1 17-31,0 0 16,-1-35-16,-17 36 16,18-1-1,-1-17-15,1-1 16,-18 1 62,18-18 94,-18 18-156,0-1 15,17-17-16,-17 18-15,36 52 16,17-17-16,-36 0 16,19 18-16,-19-36 15,54 53 1,-54-35 0,1-18-1,0-17-15,-18 0 16</inkml:trace>
+  <inkml:trace contextRef="#ctx0" brushRef="#br0" timeOffset="15634.17">13617 3969 0,'-17'0'125,"-1"53"-109,0-18-16,-17 0 15,17 18 1,-35 18-16,18-18 16,-124 211-1,54-35 1,-19-17-16,1 88 15,-18 35 1,70-176 0,18 0-16,-35-1 15,17 19 1,-87 140 0,69-123-16,19-70 15,17-1-15,0 1 16,-18 34-1,19-52 1,16-53-16,1 53 16,-18 35-16,0-70 15,18 52 1,-36 1 0,18 52-1,18-123 1,17 18-16,-70 87 15,53-70-15,-106 195 16,0 17 0,88-230-1,-53 212 1,35-141 0,1 1-1,35-19-15,-71 71 16,71-123-1,-18 34 1,-53 90 0,71-107-1,17-53 1,-17 18-16,-1 35 16,19-17-1,-1-54 1,0 54-1,1-36 1,-36 71 0,53-71-16,-35 53 15,35-35 1,-53 53 0,0 35-1,17-88 1,-34 88-1,-1-17-15,54-71 16,-54 70 0,53-35-1,-17-17 1,35-53 0</inkml:trace>
+  <inkml:trace contextRef="#ctx0" brushRef="#br0" timeOffset="17466.93">26141 2240 0,'17'0'141,"-17"53"-125,0 0-16,0 88 31,0-35-31,18 17 16,0 107-1,17 34-15,-17-193 16,-1-1-16,1 19 15,-18-54 1,0-18 0,0-52 93,-18-18-93,1 36-16,-36-89 0,-53-123 15,106 176 1,-141-194 0,106 123-1,17 71-15,18 0 31,0-17-31,0 52 16,0-17 0,0-18-1,70 18 1,-34-1 0,-19 36-16,36-17 15,-17 17-15,69-18 16,-69 18-1,-19 0 1,1 18 31,-18 17-47,0 18 16,0 18-16,0-1 15,-106 124 1,71-141-1,-177 176 1,177-158 0,-18-36-16,53 0 15,0-17 1,0 0 15,0-1-15,35-17-1,-17 0-15,35-17 16,335-71 0</inkml:trace>
+  <inkml:trace contextRef="#ctx0" brushRef="#br0" timeOffset="19475.83">26864 2628 0,'-53'18'0,"35"-18"16,18 17-16,-17 1 15,17 0-15,0-1 16,0 36 0,0 18-1,0-53 1,0 52-16,17 18 31,-17-70-15,18 17-16,0-17 15,-1-1 1,1-17 0,-18-17 15,18-18-16,-1-1-15,-17-17 16,36-35 0,-36 35-16,0-17 15,0 34 1,0 19 0,-36-19-1,19 19 1,17 34 78,17 36-79,19-35 1,-1 0-1,-17-18-15,34 17 16,54-17 0,-88 0-1,-18-17 48,0-1-48,0 36 79,0 17-63,0-17-31,0-36 79,18 0-79,-18-17 31,0 17-31,0 1 15,17 34 32,-17 1-31,35 53 0,-17-54-1,0 1-15,-1-18 16,1-35 31,-18-1-47,0-52 15,0 70 1,0-17 0,18 35 77,-1 0-93,1 0 16,0 0 46,17-35-46,-35 17 0,17 1-1,1 34 95,0 1-95,-1-18 17,-17 18-17,36-18 1,-1-18-16,0 0 0,0-17 15,18-53 1,0 0 0,-53 70-1,0 36 63,0 17-62,18-17 0,0-1-16,17 18 0,-17-35 15,34 18 1,1-18 0</inkml:trace>
+  <inkml:trace contextRef="#ctx0" brushRef="#br0" timeOffset="20136.83">26705 4974 0,'18'0'63,"0"18"-48,-18-1 1,17 1-16,-17 17 16,18-17-1,-18-36 63,0-17-62,-18-124 0</inkml:trace>
+  <inkml:trace contextRef="#ctx0" brushRef="#br0" timeOffset="20613.05">26582 4516 0,'0'52'78,"0"37"-62,0-72-1,0 19-15,0-19 16,17-17 62,1-53-62,-18 18-1,0 0-15,0 17 16,0-17-16,0 0 16,0 17-1,0 0-15,0 1 16</inkml:trace>
+  <inkml:trace contextRef="#ctx0" brushRef="#br0" timeOffset="23971.74">27111 4710 0,'0'17'32,"0"18"-17,0 1-15,0-1 16,0-17-16,0-1 16,0 1-16,0 0 15,0-36 79,0-35-94,0 18 16,0 17-16,0 0 15,0-52 1,18 52-1,-1 18 32,19 0-31,-19 18-16,1 0 16,17-1-1,0 1 1,-17-1-16,-18 1 15,18-18 1,-1-35 47,-17 0-48,53-71 1,-35 70-1,-18 19-15,17-1 16,-17 1 0,36 52 77,-36 0-77,17 0 0,1-17-1,0 0 1,-18-1-16,0 1 31,0-36 47,-18 1-62,0 17 0,18-18 124,0-17-109,18 35-15,0-18-16,-1 18 16,-17-18-1,36 1 1,-19 17 0,1 0-1,-1-18 1,1 18-16,0 0 15,17 0 1,-17-17 0,17-1-1,0 18-15,-35-18 16,18 1 0,0-1-1,-18 0 1,0 1 46,0-1-46,-18 18 15,18 18 32,0-1-48,0 19-15,0-1 16,0-17 0,0 17-1,0-18 1,18-17 62,-1 0-62,36-35 30,-35 18-46,-18-1 16,0 0-16,0 1 0,17 17 16,-17-18 187,18 18-203,0 0 15,-18-18 1,17 18 0,-17-17-1,0-1 204,18 18-203,0-18-1,-1 18-15,-17-17 32</inkml:trace>
+  <inkml:trace contextRef="#ctx0" brushRef="#br0" timeOffset="26068.93">25100 1323 0,'0'35'94,"0"53"-94,0 71 16,18 35-16,17 53 15,36 265 1,-36-283-1,71 353 1,-36-176 0,-34-195-16,34 213 15,1-89 1,-18-123 0,17 70-1,36 18 1,-71-212-16,-17-35 15,0 17 1,17-34-16,-18-19 0,-17 1 16,0-1-1,18 1 1,17 53 0,-17-36-1,105 71-15,-105-89 16,211 89-1,-176-106 1,177 18 0,-89-18-1,-106 0 1,124-35 0,-18-1-16,-88 1 0,211-71 15,-193 71 1,123-89-1,-123 72 1,-19-1-16,-34 17 16,17-17-16,1-70 31,-19 70-31,1-70 16,17-71-1,0 70 1,36-17-16,-36 70 15,-35 54-15,18-36 16,-18 18 0,0-36-16,18-52 15,52-160 1,18-158 0,-70 283-16,35-389 15,0 0 1,-36 282-1,-17 160 1,0-37 0,0 90-1,0-37-15,-17-16 32,-1 52-32,1 17 0,-36-34 15,-18-71 1,53 123-1,-34-53 1,-19-17-16,36 88 16,-36-70-1,-88-1 1,-70-35 0,17 0-1,-193-17 1,158 35-16,-159 17 15,141 36 1,-105-18 0,-18 35-1,229 18 1,142 0-16,17 36 78,0 17-62,-18 0-16,18-1 15,0 1-15,0-17 16,0 34 0,0 1-1,0 52 1,35 107-1,1-107-15,-19-70 16,1-18-16,-1 18 16,-17-18-1,0-17 17,18-18-32,-18 18 31,18-18 0</inkml:trace>
+  <inkml:trace contextRef="#ctx0" brushRef="#br0" timeOffset="33526.26">22684 2081 0,'53'0'125,"-1"36"-125,19 17 15,-18-18-15,53 18 16,-18 17 0,18 1-16,-18-18 15,-35-18 1,35 0-16,-53-17 15,-17 0-15,17-1 0,-17-17 16,0 0 31,-1 0-31,18 0-16,36-17 15,105-54 1,71-35-1,-53 0 1,159-70 0,-35 35-16,-142 53 15,106-53-15,71-53 16,-18-36 0,-194 142-1,53-53 1,-70 35-1,-71 36-15,0 17 16,-53 123 218,17 36-234,-17-35 16,0 228 0,0-228-1,-17 0-15,17-18 16,0-18-16,-18 88 31</inkml:trace>
+  <inkml:trace contextRef="#ctx0" brushRef="#br0" timeOffset="37039.4">23777 4851 0,'18'0'187,"17"35"-171,0 0 0,18 18-16,0 0 15,-17-18-15,34 1 16,-52-19-1,-1 1 1,1-18-16,0 0 63,-1 0 15,1 0-16,0 18-15,-1-18-31,1 0-1,-1 0 17,1 0 14,17 0-14,18 0-17,18 0 1,-36 0 0,0-18-1,-17 18 1,0-18-16,17 18 0,36-53 15,-36 36 1,141-107 0,-123 54-1,88-36 1,-35 18 0,-71 52-1,-17 36 1,-18-17-1,35-1 1,106-52 0,-105 34-16,52-17 15,-18 36-15,230-142 16,-70 36 0,-178 87-1,107-52 1,-53 35-1,-53 0-15,-18 36 32,-17 17 124,-18 17-109,0 71-32,18-35 1,-18 0-16,0 35 16,0 36-1,0-89 1,0 53 0,0-70-1,0 0 1</inkml:trace>
+  <inkml:trace contextRef="#ctx0" brushRef="#br0" timeOffset="41865.79">27587 7214 0,'0'36'78,"0"-19"-63,0 124 17,18-123-32,-18 0 0,17 52 15,-17-52 1,0 35-16,0-18 31,18-17-31,-18-1 16</inkml:trace>
+  <inkml:trace contextRef="#ctx0" brushRef="#br0" timeOffset="43179.82">27252 6668 0,'0'17'62,"18"1"-46,-18-1-1,17-17 17,1 0-1,0 0-31,35 0 31,-36 0-15,1-17-16,-1-1 15,-17 1 1,18-1 15,-18 0-31,18 18 16,-18-17-16,0-19 16,0 19 46,-36-19-46,19 1-1,-18 35-15,17-35 16,-53 17 0,54 18-1,-1-17-15,-17 17 16,0 0-1,17 0-15,18 17 79,18 1-79,17 52 15,0-34 1,0-19-16,1 1 15,-19 0-15,1-1 16,17-17 0,-35-17 140,0-19-156,0 19 16,-17-19-1,-1 19-15,0-19 16,-17 19-16,-18-18 15,35 35 1,1 0-16,-1 0 16,18 17 62</inkml:trace>
+  <inkml:trace contextRef="#ctx0" brushRef="#br0" timeOffset="44521.99">27817 7091 0,'17'0'94,"18"-53"-63,1 18-31,-19-18 16,19 0-1,-19 0-15,1-18 16,17-17 0,-35 53-1,0 17-15,-17-17 16,-1 0-1,-17 17 17,17 18-17,0 0 1,-17 0 0,17 18-16,-17 17 15,-18 106 1,18-53-1,0 89 1,35-36-16,0-53 16,35 0-1,-17-70-15,35 123 16,-1-53 0,-16-53-1,-1 36 1,-17-36-1,-18-17 1,17-18 0,-52 0 77,-18-35-77,35-1-16,-17 19 16,0-19-16,0-17 15,-18 18-15,35 18 16,-35-54 0,53 53 15,0 1-31,0-1 94,71 0-79,-36 1-15,0-1 16,18 0-16,-35 18 15,35-35 1,-36 35 0</inkml:trace>
+  <inkml:trace contextRef="#ctx0" brushRef="#br0" timeOffset="45466.64">28857 6879 0,'0'71'16,"0"-36"0,0 18-16,0 0 15,-17 17-15,17-34 16,-18 34 0,18-17-16,0 0 0,0-35 31,-18-71 0,1-18-15,-1 1-16,18 17 15,0-124 1,0 124 0,0 18-16,0 0 15,0 0 1,18 17-16,-1 18 15,19 0 1,-19 0 0,71 0-1,-52 18 1,-19-1 0,19 1-16,17 35 15,-1 17 1,-16-17-1,-19-35-15,1 17 16</inkml:trace>
+  <inkml:trace contextRef="#ctx0" brushRef="#br0" timeOffset="45987.78">28981 7038 0,'0'-18'78,"17"1"-63,1-1-15,0 18 32</inkml:trace>
+  <inkml:trace contextRef="#ctx0" brushRef="#br0" timeOffset="48651.69">29263 6879 0,'18'0'31,"-18"18"-15,17-1-16,1 19 16,-18-19 15,0-52 94,17-18-110,1 36 1,0-1-16,-1 18 78,1 0-62,35 18 15,-18 17-31,-17-18 16,0 1-1,-18-36 79,0-34-78,0 34-1,0 0 1,0 1 0,17-1-1,1 18 16,17 0-15,71 18 15,-71-1-15,0-17-16,-17 0 16,0 0-1,-1 0 1,1 0-1,17-70 1,1 34-16,-36 1 16,0 18-1,0-1 48,-36 18-48,-17 53 17,36-36-32,17 1 15,0 0 1,0-1 15,0 1-15,17-18-1,1 18-15,17-18 32,-17-18-17,0 0-15,17-17 16,-18 0 0,1 17-1,0 18 95,-1 18-95,19-18 32,17-88-31,-53 70-1,17-17-15,1 17 16,-18 0-16,17 18 78,-17 36-62,18-1-1,0-17-15,-18-1 16,0 1 0,0-36 62,17-35-63,-17 36 1,18-1-16,-18-17 16,18 35-1,-18-18-15,17 18 0,1-18 16,0 18-1,-1 0 17,1 0-1,0 0-31,-1 0 16,-17-17-1,18 17 1,-18-18-1,17 18 64,1 35-64,-18-17 1,0 35-16,0-18 15,0 18 1,0-17-16,0 16 16,0-34-1,0 0-15,0-36 78,35-52-62,-17 52 0,-18 0-1,18 18-15,-1 0 16,1 0 15,-18 18-15,35 17-1,-35-17-15,18-1 16,-1 19-16,1-1 16,-18 18-1,0 35 1,0-70 0,-35 52-1,17-52-15,1 17 16,17-52 46,-18-19-46,18 1-16,0 0 16,0-18-16,0 18 15,35-18-15,-17 17 16,35-17-1,0 1 1,-36 52 0,1-18-1,0 18-15,-1-18 16,1 1 0,0-19-16</inkml:trace>
+  <inkml:trace contextRef="#ctx0" brushRef="#br0" timeOffset="49963.87">30850 6421 0,'-17'0'16,"-1"0"0,1 17-1,17 18-15,-18-17 16,18 0-16,0-1 15,0 1 1,0 0 0,0-1-1,18-17 32,-1 0-31,18-17-16,1-1 15,-1-53 1,-17 19 0,-18 16-16,0 1 15,0 0-15,0 17 16,-18 18 15,0 0-15,1 0-1,17 18 1,0 17-16,0-17 16,0-1-1,17-17 17,36 0-32,-53-17 15,36-19 1,-36 19-16,17-1 15,-17 36 79,0-1-78,0 1-16,0 17 15,0-17-15,0 0 16,0-1-16,0 1 16,-35-18 46,17-18-62,-35-35 16,36 36-16,-1-1 15,0-17 1,1 17-16,17 0 16,-18 18-1,18-17 1,0-1 0,18 18-1,17-17 1,-17 17-1,70-36 1,-53 19 0,0 17-1,-35-18-15,18 18 16,0 0 0,-18-18-1,17 18 1,19 0-1,17 0 1,-36 0-16,71 0 0,71 0 16,-35 0-1,-1 0 1,-35 0 0,-52 0-1,-1 36-15,0-1 16,18-17-1,-18 17 1,-17 0 0,0-35 15</inkml:trace>
+  <inkml:trace contextRef="#ctx0" brushRef="#br0" timeOffset="51363.83">30833 5733 0,'17'-36'109,"19"-34"-93,17 17-16,-18-18 16,18 18-16,-18-35 15,0 18-15,1-1 16,-19 53-16,1-52 15,-18 52 1,0 1 15,0-1-31,0 0 0,0 1 16,-35-36 0,-1 0-1,-17 0 1,1 18-16,16 17 15,-105-70-15,106 70 16,-177-88 0,-70-17-1,211 88 1,-281-106 0,193 88-1,18 35 1,106 18-16,17 0 140,0 0-124,-35 18 15,36-18-15,-1 17 46,-35-17-30,35 0-32,-34 0 15,16 0 1,-17 18 0</inkml:trace>
+  <inkml:trace contextRef="#ctx0" brushRef="#br0" timeOffset="53466.78">28963 4286 0,'53'-17'343,"0"-19"-327,53 1-16,105-35 31,-193 52-31,0 18 16,-36 0 328,-35 18-344,18 17 15,-53 0-15,35 18 16,-106 18-1,124-54 1,-1 1-16,36-1 359,53 1-359,0 0 16,-17 17 0,16-35-16,19 35 15,-53-35 1,-1 0 0,1 0 77</inkml:trace>
+  <inkml:trace contextRef="#ctx0" brushRef="#br0" timeOffset="79265.83">18609 8343 0,'0'53'203,"0"35"-203,0 36 16,-18 299 0,-17-246-1,35-54-15,-35 230 16,0 0 0,35-265-1,-18 88-15,0 36 16,1-89-1,-1 54-15,0-54 0,1 106 16,-1-52 0,18-54-16,-18-17 15,1 106 1,-1 35 0,1-106-1,17 53-15,0-53 16,-36 18-16,19-18 15,17 53 1,0-35 0,-18 264-1,18-353 1,0 107-16,0 17 16,0-18-1,0-87 1,-18-19-1,18 18 1,0-17 0,0 52-16,-17-17 15,17 35 1,-18-88-16,18 18 16,0 123-1,0-141 1,-18 88-1,18-106-15,-17 53 16,17 18 0,-18-88-1,18 17 1,0-17 0,0-1-16,0 1 109,0 0-109,0-1 16,0 18-1,0-17 1,0 0-1,0 52-15,0-52 16,0 0-16,0-1 16,0 18-1,0-17 1,18-18 140,17 18-46,0-1-110,18 1 15,0-18-15,53 35 16,0 1-16,35-1 15,-53-18-15,247 36 16,-52-17 0,-195-36-1,159 0 1,-142 0 0,-87 0-1,35 0-15,-35 0 31,17 0-31,53 0 16,18 0 0,123 0-1,-70 0 1,35 0-16,-18 0 16,1 0-1,-142 0 1,124 0-1,53 0 1,-107 0 0,-69 0-16,87 0 15,-88 0 1,54 0-16,-54 0 16,-17 0-1,70 0 1,-18 0-1,-52 0-15,0 0 16,-1 0 0,1 0 15,-1 0-15,1 0-16,0 0 15,35 0 1,-36 0-16,36 0 15,53-18 1,-53 0 0,17 1-1,-34 17-15,17-18 16,-18 18 15,-17 0-15,-18-18 15,0 1 94,17-36-94,1 0-15,-18 35-16,18-52 16,-1-1-16,1-17 15,17 0-15,-35 17 16,35-87-1,1 69 1,-19-16-16,1 52 16,35-124-16,-53 1 31,17 70-31,1-194 16,0 36-1,-18 105 1,0-70-1,0-71 1,17 159-16,-17-36 16,0 71-1,0-70 1,0-53 0,0 193-1,0-228-15,0 70 16,0 141-1,0-159 1,0 53 0,0-35-1,0 159 1,-17-106-16,17 123 16,-18-105-1,18 70 1,-18 35-1,18-52 1,0 34 0,0-16-16,-17-19 15,-1 53 1,1-87 0,17 16-1,0 72 1,-36-107-1,19 18-15,17 54 16,-18-54 0,-17-18-1,-1-52 1,1 70 0,35 18-16,-17 17 31,-1 18-31,18-17 15,-18 34 1,1-34 0,-1 35-16,18 17 15,-18-53-15,1 19 16,17 34 0,-18-17-1,18 17 1,-18 0-1,18-17 1,0 17-16,-17 1 16,17-1-16,-18 1 15,18-1 1,-18-17 15,18 17-15,-17 0-16,17-17 15,-35-18 1,35 35 0,0 1-16,-18-1 15,0-35 1,1 36-16,-1-36 16,0 17-1,1 1 16,17 18-15,-18 17-16,18-36 16,-18 19-16,18-1 15,-17 0 1,-1 1 0,1-19-1,-1 19 1,0-1-1,1-17-15,-1 17 16,-17 1 0,-1-1-1,36 0 1,-17 18 0,-1-17-1,1 17 1,-1-36-16,0 36 15,-17-17 1,-18-19 0,18 19-1,0-1 1,-54-17-16,36 17 16,-17-17-1,-18 17 1,35 1-1,-18-1 1,36 18-16,-36-18 16,36 1-16,-71-1 15,-53 1 1,107 17 0,-90-18-1,1 0 1,71 18-1,-18-17-15,-1 17 16,54 0 0,-124-18-1,106 18 1,-105-18 0,17 18-1,105 0 1,-52 0-16,0 0 15,70 0 1,-17 0 0,-36 0-1,54 0-15,-1 0 32,1 0-17,-1 0 16,0 0-15,1 0-16,-89 36 31,53-36-31,-35 17 0,-1 1 16,-193 35 0,123-18-1,-123 18 1,-123 53-16,281-89 15,-17 1 1,18 0 0,105-18-1,18 17 1</inkml:trace>
+  <inkml:trace contextRef="#ctx0" brushRef="#br0" timeOffset="84900.63">3016 5733 0,'0'17'109,"0"36"-93,0 18-16,0 17 15,0 35-15,0 19 16,0-1-16,0 70 15,0 19-15,0 175 16,0-211 0,0 265-1,0-247 1,0 158 0,0-229-16,0 71 15,18-89-15,-18 124 16,18 18-1,-1-18 1,-17 0 0,0-177-1,18 160-15,-18-54 16,17-105 0,-17-1-1,0 36 1,18-71-1,-18 53 1,18 18-16,-18-71 16,17 54-1,-17 16 1,0-52 0,0-35-16,18 53 15,-18-36 1,18 53-16,-18-17 15,17-18 1,-17-1 0,18 19-1,-18 17 1,18-35 0,-18 71-16,17-89 15,-17 0 1,18 0-1,-18-17 1,0 0 0,0-1-16,17-17 234,1 0-203,35 0-15,-18 0-16,1 0 16,87-35-1,-52 17 1,105 1-1,18-1 1,-70 1 0,105-19-1,-141 19-15,0 17 0,-17-18 16,-1 0 0,36 1-1,-71 17 1,124-18-16,-35-17 15,-1 0 1,-88 17 0,71 0-1,-53 1 1,18-1 0,-36 0-16,-17 18 31,-1 0 0,1-17-15,0 17-1,-1 0-15,36-18 16,-35 18 0,70-18-16,53 1 15,-18-1-15,19-17 16,157 0-1,-210 17 1,140-35-16,-176 35 16,0-17-1,-53 17 298,0-123-282,0 71-31,0-1 16,0-17-16,0 17 15,0-52-15,0 0 16,-18-142 0,1-88-1,-1 194 1,18 89-16,0-265 31,0 211-15,0 54-1,0-89 1,0 106-16,0 0 16,0-17-16,0-54 15,0-52 1,0 87-1,0-69 1,-18-89 0,18 194-16,-17-282 15,17 70 1,0 195 0,-18-301-1,0 124 1,1 177-16,17-160 31,-18 107-31,18 70 16,-18-88-1,1 0 1,17 105 0,-18-87-16,18 105 15,-17-70 1,17 35-1,-18 0 17,18 18-17,0 17-15,0-17 16,-18 0 0,1 17-1,17-35-15,0 36 16,-18-19-1,18 19 1,-18-36 0,1-18-16,17 54 15,-18-19 1,18 19-16,0-1 16,-18-17-1,1 0 1,17 17-16,-18-53 15,0 1 1,1 17 0,-18-71-16,35 71 15,0 18-15,-18 0 16,18 17 0,-18-35-16,18 36 31,-17-1 63,-1 0-79,0 18-15,1-17 16,-19-1 15,19 18-31,-18 0 16,17 0-1,0 0-15,1 0 16,-19 0 0,1 0-1,-18 0-15,-106 0 16,106 18-1,-52-1-15,16 1 16,-87 35 0,70-18-1,-176 36 1,211-71 0,19 17-16,-72 19 15,18-19 1,53 1-1,18 0-15,-18-1 16,0-17 0,0 18-1,36 0-15,-1-18 16,0 0 0,1 0 15,-1 0-16,0 17-15,-17-17 16,18 0 0,-89 36-1,0-1 1,71-35 0,-124 53-1,-18-18-15,-17 18 16,141-35-1,-70 17 1,70-35 0,35 0-1,1 17 282,-1 19-281,-52 17 15,34 0-31,1-36 0,-35 54 31,17-18-31,35-36 16,0 1-16,1-18 16,17 18-1,0-1 173,0 1-173,0 17 1,-18-17 0,18 17-16,0 18 0,-18-18 15,18 36 1,0-36-1,-17 0-15,17 1 16,0 52 0,0-71-16,0 19 15,-18-1-15,18 0 16,0-17 0,-17 35-1,17-18 1,0 0-1,0-17 1</inkml:trace>
+  <inkml:trace contextRef="#ctx0" brushRef="#br0" timeOffset="85993.67">3087 3563 0</inkml:trace>
+  <inkml:trace contextRef="#ctx0" brushRef="#br0" timeOffset="87164.96">24024 3193 0,'35'17'79,"71"54"-48,-70-36-31,-19-35 15,18 18 1,-17-18-16,0 0 63,-1 0-63,19-36 15,-1-16 1,18 16-16,17-34 15,1-18-15,123-71 16,-53 35 0,-35 71-1,-18-17 1</inkml:trace>
+  <inkml:trace contextRef="#ctx0" brushRef="#br0" timeOffset="88116.65">24730 5627 0,'17'0'63,"1"17"-48,17 19 1,-17-1-16,17 0 16,0-17-16,-17 0 15,17-1 1,-17-17 109,35-17-109,88-107-1,-88 89-15,53-71 16,158-106-1,1-35 1,-106 124 0,17-54-16,-52 72 15,-72 52 1,1 17-16,-53 19 16,36-1-1</inkml:trace>
+  <inkml:trace contextRef="#ctx0" brushRef="#br0" timeOffset="91134.94">19438 10813 0,'18'17'79,"105"230"-64,-17-88-15,17 35 16,89 194-1,-18-18 1,-70-140-16,17 34 16,53 124-1,53 18 1,-194-282-16,123 175 16,-141-193-1,89 53 1,-89-124-1</inkml:trace>
+  <inkml:trace contextRef="#ctx0" brushRef="#br0" timeOffset="91712.82">21343 10795 0,'-35'0'15,"17"35"1,-52 71 0,-177 212-1,-141 228-15,246-352 16,-104 142-16,51-1 15,-228 247 1,17 35 0,318-458-1,-123 176 1,140-176-16,0-71 16,54-70-1</inkml:trace>
+  <inkml:trace contextRef="#ctx0" brushRef="#br0" timeOffset="92742.74">3634 7250 0,'35'17'78,"0"36"-78,36 18 15,17 17-15,229 282 32,-211-246-32,0 17 15,18-18-15,-19 54 16,19-19-16,-18-16 15,88 157 1,-124-210-16,18 87 16,-35-88-1,53 89 1,-88-124-16,17-18 16,-35-18-1</inkml:trace>
+  <inkml:trace contextRef="#ctx0" brushRef="#br0" timeOffset="93411.75">5256 7497 0,'-17'17'78,"-36"54"-78,-18 70 16,18-53-16,-35 71 15,0-18-15,17 35 16,-34 18-1,-19 71-15,-70 141 16,-35 87 0,123-281-1,-18 106 1,72-230-16,-37 124 31,72-160-31,17-34 16</inkml:trace>
+  <inkml:trace contextRef="#ctx0" brushRef="#br0" timeOffset="97322.72">27499 9349 0,'0'17'31,"0"19"-31,0 34 16,0 1-16,0 70 16,-18 176-1,18 1 1,0-177-1,0 194 1,18-247 0,-18 53-16,0-88 15,0-70 48,0-1-48,0-35-15,0-35 16,-18-18-16,1-53 16,-1 18-1,18-35-15,-18-36 16,18 18 0,0 53-16,0-18 15,36 18 1,-1 71-1,-35 34-15,18 19 16,-1 17 78,1 0-79,0 17-15,34 1 16,19 70 0,-36-53-1,18 1-15,35 69 16,-52-52 0,34 36-16,-17-19 15,35 71 1,1-17-1,-54-36-15,18 0 16,-53-17 0,35-18-1,-35 0 1</inkml:trace>
+  <inkml:trace contextRef="#ctx0" brushRef="#br0" timeOffset="97865.78">27534 10513 0,'0'-18'0,"0"-17"93,36 0-77,-1-1-16,35-17 16,-52 36-16,53-36 15,-18 18 1,35-18-1,-53 17-15,-35 19 16</inkml:trace>
+  <inkml:trace contextRef="#ctx0" brushRef="#br0" timeOffset="98429.82">28310 9842 0,'18'0'15,"-18"18"17,35 17-17,-17 1-15,17 34 16,18 18 0,-35-70-1,-1 53-15,19-36 16,-19-35-1,1 0 17,17-53-17,18-18-15,0 1 16,-18-1-16,-17 18 16,17-52-1,-35 69 1,0 19-16</inkml:trace>
+  <inkml:trace contextRef="#ctx0" brushRef="#br0" timeOffset="99233.59">28963 9684 0,'0'0'0,"-35"0"15,35 17-15,0 1 16,-18 0-16,18 17 16,0 0-1,0-17 1,0 17-1,0 0-15,18-17 16,-1 17 0,1-35-1,-18 18 1,18-18 0,-1 0-1,19-35 1,-1-1-1,-17 1 1,-1-18-16,1 18 16,-1 35-1,-17-35 1,0 52 78,18 19-79,-18-19 1,18 18-16,-18-17 16</inkml:trace>
+  <inkml:trace contextRef="#ctx0" brushRef="#br0" timeOffset="99706.21">29069 9137 0,'18'0'93,"-1"53"-93,36 35 32,-18 0-32,1-35 15,52 106 1,-53-106-16,0 0 16,-17-36-16,17 19 15</inkml:trace>
+  <inkml:trace contextRef="#ctx0" brushRef="#br0" timeOffset="100342.23">29633 9437 0,'18'17'78,"0"1"-62,-18 0 31,17-18 172,-17 17-204,0 1-15</inkml:trace>
+  <inkml:trace contextRef="#ctx0" brushRef="#br0" timeOffset="100699.85">29633 9260 0</inkml:trace>
+  <inkml:trace contextRef="#ctx0" brushRef="#br0" timeOffset="101270.84">29633 9172 0,'36'71'16,"-19"-54"-16,1 36 15,0-17 1,-1-19-16,1-17 187,-1 18-171,1-18-16,0 0 31,-1 0-15,1 0-16,17-35 16</inkml:trace>
+  <inkml:trace contextRef="#ctx0" brushRef="#br0" timeOffset="102198.81">27182 4551 0,'35'0'32,"-18"35"-17,19-17-15,17 35 16,35 17-16,53 18 16,53 36-16,18-1 15,282 177 1,-159-106-1,-18-17-15,54-1 16,87 36 0,-317-159-16,71 17 15,-141-70 1,-36-141 62</inkml:trace>
+  <inkml:trace contextRef="#ctx0" brushRef="#br0" timeOffset="102758.03">30515 4269 0,'-17'0'47,"-1"17"-31,-441 424 15,318-264-31,-88 34 16,-265 283-1,124-123 1,105-107-1,1-17-15,34-53 0,-34 53 16,228-212 0,1 1-1</inkml:trace>
+  <inkml:trace contextRef="#ctx0" brushRef="#br0" timeOffset="106145.03">28381 11871 0,'0'18'79,"0"-1"-79,35 124 31,-35-105-31,36 52 15,-19-35-15,18 70 16,-35-70-16,36 71 16,-19-1-1,-17-70 1,18 18 0,-18-54-1,0-34 48,-88-177-32,35 88-31,0 0 16,-18 0-16,36 35 15,-18-105 1,36 17-1,17 106 1,0 18-16,0-18 16,0-35-16,53 17 15,52-34 1,19 16 0,-89 72-1,-17 17 1,17 0-1,-17 0-15,52 53 16,-35-36 0,71 72-1,-35-19 1,-54-52 0,36 70-16,-35-35 15,-18 0 1,0 0-1,-18-18 1,-35 0 0,1 1-1,-37 16 1,72-34-16,-54 17 16,54-35-1,-1 18-15,18 0 156,18-18-156,-1 35 32,1-17-32,-1-18 15,19 35 1,34 18 0,-34-18-16,52 36 15,-35-54 1,-53 1-1</inkml:trace>
+  <inkml:trace contextRef="#ctx0" brushRef="#br0" timeOffset="107409.65">29016 12294 0,'18'-17'62,"70"-54"-46,-35 36-1,-36 17 1,19-52-16,-1-1 16,-35 36-1,0 0 1,0 17-1,-35 53 64,-18 36-64,35-36 1,18-17-16,0-1 15,-18 1-15,1 35 16,17-36 0,0 1-1,0 0 17,17-18-32,36 0 15,-35 0-15,70 0 16,71-18-1,17-52 1,-105 17 0,17-36-1,-53 37 1,-35 16 0,0 19-1,-17-1 1,-19 0-1,-34 1 1,35-1 0,-71 18-16,88 0 15,1 0-15,-19 18 16,1 17 0,35 36-1,-18-36 1,18 0-16,0 18 31,18-35-31,0-1 16,17 19-1,-17-19 1,17-17 0,18 0 15,-36-17-31,1 17 0,17-53 15,18-18 1,0-141 0,-35 107-1,-1-54-15,-17 18 16,0 70 0,-17 71-1,17-17 1,0 87 46,17-35-62,36 106 32,-35-88-32,0 18 15,-1-53-15,1 17 16,17 18-1,-17-53 64,88-53-64</inkml:trace>
+  <inkml:trace contextRef="#ctx0" brushRef="#br0" timeOffset="107827.62">30198 11501 0,'0'17'31,"0"36"-16,0-35 1,17-18-16,-17 17 16,0 1-1,18-18 1,0-18 15,-1 18-15,19-53-16,-19 18 15,19-53 1,-19 35 0,-17 35-1,0 1 1</inkml:trace>
+  <inkml:trace contextRef="#ctx0" brushRef="#br0" timeOffset="109118.03">10971 4322 0,'0'17'16,"18"18"-1,0-17 1,17 70 0,-17-52-1,-1-1-15,1 18 16,-1 0-16,19 17 0,-19 1 16,36 88-1,0-18 1,-35-88-1,-18-1 1,18-16 0,-18-19-16</inkml:trace>
+  <inkml:trace contextRef="#ctx0" brushRef="#br0" timeOffset="110643.85">20408 8431 0,'18'0'31,"-18"18"0,0 17-15,0 1-16,17 16 16,-17 1-16,18 0 15,-18 0-15,18 35 16,-1 18-16,19 88 15,-19-35 1,36 88 0,-17 35-1,-19-194-15,1 18 16,-18-53 0</inkml:trace>
+  <inkml:trace contextRef="#ctx0" brushRef="#br0" timeOffset="113038.14">4621 6279 0,'0'18'110,"0"35"-95,0 0-15,0 0 0,18 0 16,0 88 0,-18-53-1,17-35 1,-17 88-1,0-106-15,0-17 16,0 17-16,0-17 16,0 0-1</inkml:trace>
+  <inkml:trace contextRef="#ctx0" brushRef="#br0" timeOffset="116209.54">30692 11307 0,'0'-18'204,"35"-17"-204,18 17 15,-18-17-15,36 17 16,-1-17-16,-17-1 15,35 19-15,-35 17 16,18-18 0,-36 1-1,-17 17 1,35 0 0,-36 0-16,19-18 15,-19 0 1,1 18-1,-1 0 32,19 0-15,17-17-32,35-1 15,88-35 1,-88 18-1,18 17-15,-53-17 0,18 0 16,-71 17 0,17 0-1,1 18 1,0-17 0,-1 17-1,-17-18-15,18 18 16,35 0-1,-35 0 1,17 0 0,0 0-1,-17 0 1,-18-18 0,53 18-16,-36-35 15,19 18 1,-1-19-1,0 1 1,18-53-16</inkml:trace>
+  <inkml:trace contextRef="#ctx0" brushRef="#br0" timeOffset="118274.83">27270 12806 0,'17'-35'94,"54"-18"-79,-18 17-15,158-87 32,-87 52-32,-36 1 0,18 17 15,-35 0 1,-36 35-16,-18 1 15,1 17 1</inkml:trace>
+  <inkml:trace contextRef="#ctx0" brushRef="#br0" timeOffset="118825.19">27605 13247 0,'0'-18'63,"53"-35"-32,-18 0-31,-17 53 0,35-53 16,0 18-1,17-18-15,18-17 16,-52 70-16,-19-36 16,18 19-16,18-19 15,-35 19 17</inkml:trace>
+  <inkml:trace contextRef="#ctx0" brushRef="#br0" timeOffset="119436.8">27799 12136 0,'35'0'94,"-17"0"-94,35 17 15,-18 1-15,36 35 16,-36-18-16,71 36 15,52 87 1,-87-69 0,0-19-1,-71-52-15,17 17 0,-17 0 16,0-17 0,-17 70-1,-19-70 1,-87 88-1,70-53 1,-35-18-16,-18 35 0,-35 19 16,35-19-1,-53 18 1,-35 18 0,141-88-1,36-18 1,-1 17-16</inkml:trace>
+  <inkml:trace contextRef="#ctx0" brushRef="#br0" timeOffset="120912.27">19209 6985 0,'0'18'62,"35"17"-46,-17 0-16,-1 0 15,36 71 1,-17-35-16,16 35 0,72 88 16,-89-159-1,18 53 1,-18-70 0,-17-36 77,17-17-77,1-36-16,34 1 16,1 17-16,52-88 15,1 17 1,-19 18-16,-16 36 15,34-54 1,-70 89 0,18-18-16,-36 18 15,-17 35 126,-1 0-125,-17 53-16,18-18 15,-1 0-15,1 18 16,-18 0-16,35 35 15,-35-17 1,36 52 0,-36-70-1,0-17-15,0-19 16,17 54-16,1-71 31</inkml:trace>
+  <inkml:trace contextRef="#ctx0" brushRef="#br0" timeOffset="122222.84">9507 3016 0,'18'0'46,"0"18"-46,17 17 16,0 18-16,0 0 16,159 141 15,-105-141-31,-1 17 16,106 107-1,-106-89-15,53 53 16,-70-106-1,-36-52 48,-17-36-63,35-18 16,0 18-16,-18-35 15,53-18-15,53-52 16,-35 52-1,176-123 1,-123 158 0,-89 36-16,-34 17 0,-19 18 15,1-18 1,0 18 46,-1 0-62,36 36 16,-53-19-16,36 19 16,52 52-1,-18 0-15,1 0 16,-54-53 0,54 89-1,-53-89-15,-18-17 31</inkml:trace>
+  <inkml:trace contextRef="#ctx0" brushRef="#br0" timeOffset="123391.93">3986 3404 0,'0'0'0,"-17"18"0,17 0 16,0 17-1,0 18 1,0-36-16,0 19 16,0 17-16,70 123 15,-52-123 1,53 123-1,-36-140-15,-18 17 16,36-1 0,-53-34-16,18-18 62,0 0-46,35-53-16,88-17 15,-18 17-15,212-124 16,0 36 0,-193 53-1,69 17-15,-87 18 16,70-35 0,-124 71-16,-52 17 15,-1 35 63,19 35-62,-1 1-16,-35-18 16,18 18-16,17 17 15,-17 18 1,35 70-1,-53-123-15,17-18 16,1-17 0,-18 17-16,0-17 15</inkml:trace>
+  <inkml:trace contextRef="#ctx0" brushRef="#br0" timeOffset="131687.64">27869 15787 0,'0'17'109,"0"19"-109,18-1 0,35 36 31,-53-54-31,18 36 16,17 35 0,0-35-1,-17 18 1,-1-36-16,-17-17 0,18-1 15,-18 1 1,0-71 187,0 35-187,0-52-16,0 35 15,-18-71 1,18 70 0,0-16-16,0-1 15,0 0 1,0 17 0,0-34-1,0 52-15,18-70 16,17 35-1,-17 18 1,0 17 0,-1-17-1,19 53 110,-1-1-125,0 54 0,-17-54 16,17 19 0,0-1-16,1 36 15,17 17 1,-53-53-1,70 88-15,-70-52 16,18-36 0,17 53-1,-35-70-15,0 0 16,18-18 0,-18 17-1</inkml:trace>
+  <inkml:trace contextRef="#ctx0" brushRef="#br0" timeOffset="132685.26">28769 15963 0,'0'0'0,"18"-17"15,-18-1 17,17 18-1,-17-18-31,18 1 31,0-1-15,-1 0-1,-17 1-15,18-19 32,-18 19-17,17-18-15,-17-1 16,0 19 15,-17-1 16,-1 18-16,1 0-15,-1 0 15,0 18 0,18-1-31,-17 1 16,17 17 0,-18 0-16,18-17 15,-18 35 1,18-35 0,0 17-16,0-17 15,0 17 1,36-35 62,52-35-47,-35 35-31,0-18 0,-18 0 16,-17 1-16,17 17 15,0-18 1,-17 0 0,-18 1 15,17 17-31,-17-18 16,18-17 15,-18-18-31</inkml:trace>
+  <inkml:trace contextRef="#ctx0" brushRef="#br0" timeOffset="133144.41">29157 15469 0,'0'18'94,"18"0"-94,-18-1 15,53 54 17,-36-36-32,1-17 15,0 17-15,-1-17 0,-17-1 16,18 19 0,-18-19-1</inkml:trace>
+  <inkml:trace contextRef="#ctx0" brushRef="#br0" timeOffset="133668.68">29122 15681 0,'0'0'0,"0"-18"0,0 1 15,17-19 1,1 19-16,-18-1 16,18 18-1,-1-17 1,1-1 0,0 18-1,-18-18-15,17 18 16,-17-17-16,36 17 15,-36-18 17,17 18-32,1 0 31,-1-18-31,1 18 16,0 0-1</inkml:trace>
+  <inkml:trace contextRef="#ctx0" brushRef="#br0" timeOffset="134532.82">29475 15416 0,'17'0'46,"-17"18"-30,36 17 0,-19-17-1,-17 0 1,18-18-16,-18 17 16,17-17 62,19-17-47,-19-1-31,1-17 16,0 35-16,-1-18 15,-17 0 1,18 18 109,0 18-110,17 0 1,-18-18 0,1 0-1,17 0-15,1 0 32,-1 0-32,18-53 15,-53 17 1,17 19-16,1-18 15,-18 17 1,0-17-16</inkml:trace>
+  <inkml:trace contextRef="#ctx0" brushRef="#br0" timeOffset="136287.01">30268 15222 0,'-17'0'62,"-1"18"-46,0 0-1,18-1 17,0 1-17,0 0 1,0-1 15,18 1-15,0-18-1,-1 17 1,1-17 0,0 0-1,-1 0 1,19 0-1,-19 0 1,1 0-16,-1-17 0,19-1 16,-19 18 15,-17-17 31,0-1-46,-17 18 0,17-18-16,-18 1 15,0 17-15,1-18 16,-1 18 0,1 0-1,-19-18 1,19 18-1,-19 0 1,19 0 0</inkml:trace>
+  <inkml:trace contextRef="#ctx0" brushRef="#br0" timeOffset="136845.43">30498 15134 0,'35'18'94,"-17"17"-79,-1-35-15,1 18 16,17 35 15,-35-106 78,0 17-109,18 19 16,-18-1 0,17-17-16</inkml:trace>
+  <inkml:trace contextRef="#ctx0" brushRef="#br0" timeOffset="137982.79">30745 14975 0,'17'0'31,"19"36"1,-1-1-1,-35-17-31,17-18 0,1 0 62,0-18-30,-1 0-32,1 1 15,0-19-15,-1 19 16,-17-1 0,18-17-1,0 35-15,-18 17 110,-18 19-95,0-1 1,1-17-16,17-1 15,17-17 142,1 0-142,0 0 1,-1 0 0,1 0-1,-1 0 1,1 0 187,17 18-187,18-18-16,71 18 31,-89-18-31,0 17 15,-17-17-15,0 0 16,-1 0-16</inkml:trace>
+  <inkml:trace contextRef="#ctx0" brushRef="#br0" timeOffset="140983.53">29880 15928 0,'0'35'125,"0"-17"-109,36 70-1,-36-53 1,17 1-16,1 16 15,-1 1 1,1 18-16,0-36 16,-18-17-1,0 0 1</inkml:trace>
+  <inkml:trace contextRef="#ctx0" brushRef="#br0" timeOffset="141983.57">29774 16316 0,'18'18'93,"0"17"-77,17-17-16,-17-1 16,-1 18-16,19-17 15,-1 17 1,-18-17-16,19 17 15,-19-35 1,19 36 0,-19-19-1,-17 1 1,18-18 78,0-18-94,-18-17 15,0 17-15,17 1 16,1-19-16,-18 1 16,0 0-1,17-18 1,1 18-1,-18-1 1,0 1-16,18 0 16,-18 17-1</inkml:trace>
+  <inkml:trace contextRef="#ctx0" brushRef="#br0" timeOffset="143786.82">29351 17427 0,'0'35'109,"0"-17"-93,0 35-1,18-35-15,-18 17 16,17 0 0,1 36-1,0-36 1,-18-17-16,17 35 16,-17-36-1,0-34 95,0-19-110,-17 19 15,-1-71 1,0 52-16,1 1 15,17 0-15,0-1 16,-18-17 0,18 36-1,0-18 1,0 17 0,0 0-1,0 1 16,18 17-15,-1 0 47,1 17-48,17 19-15,71 52 31,-53-53-31,-35-17 16,-1 17-16,1-17 16,0 17-1,-1-17 1,1-1 0,-18-34 93,-18-19-93,18 19-16,0-1 0,0-35 15,0 0 1,0 0-1,0 36 1,0-19-16,0-17 16,18 36-16,-18-1 15,35-17 1,0 0 0,-17 17-1,0 18 1,17 0 15,-17 18-31,17-1 16,35 54-1,1-1 1,-36-52 0,18 52-1,-35-17-15,-1-53 16,1 0 31,0-17 31</inkml:trace>
+  <inkml:trace contextRef="#ctx0" brushRef="#br0" timeOffset="144380.71">30321 17286 0,'0'18'62,"0"-1"-62,0 19 16,0-19 0,18 19-16,-18-19 15,18 18 1,-18-17-16,0 0 15,17-18 1,18 35 0,-17-35-1,0 0-15,-1-18 16,1-17 0,17 17-1,-17-34-15,0 16 16,-1 19-16,-17-19 15,0 1 1,0-18-16,0 18 16,0 17-1,0 1 17</inkml:trace>
+  <inkml:trace contextRef="#ctx0" brushRef="#br0" timeOffset="145066.29">30727 16880 0,'0'18'47,"0"0"-31,0 17-16,18 0 15,-18 1 1,35 69-1,-17-16-15,17 16 16,0-52 0,0 18-16,-17-36 15,0 0 1,-18-70 46</inkml:trace>
+  <inkml:trace contextRef="#ctx0" brushRef="#br0" timeOffset="145526.64">30974 16933 0,'0'18'46,"35"53"-30,-17-54 0,-1 54-16,1-36 15,0-17-15,-18 17 16,35 18-16,-17 17 16,-1-17-1,-17-35 1,18 0-1,-18-1 1,-18-17 15,1-17-31,-19-1 16,1 0 0,-53-17-16</inkml:trace>
+  <inkml:trace contextRef="#ctx0" brushRef="#br0" timeOffset="145853.44">30921 17233 0,'88'-70'31,"-176"140"-31,194-140 16,-71 34 0,-17 36-1,-18-17-15,35-1 16,0 18 0,-35-18-16,18 18 15,-18-17 1,35-1-1,-17 1 1,-1 17 0</inkml:trace>
+  <inkml:trace contextRef="#ctx0" brushRef="#br0" timeOffset="146168.76">31327 16969 0,'0'0'0,"17"17"31,-17 1-31,18 17 16,0-35 0,-1 53-1,1-35-15,-18-1 16,17 19-1,-34-54 64,-18-70-48</inkml:trace>
+  <inkml:trace contextRef="#ctx0" brushRef="#br0" timeOffset="146406.94">31256 16651 0</inkml:trace>
+  <inkml:trace contextRef="#ctx0" brushRef="#br0" timeOffset="147289">31468 16810 0,'0'18'31,"17"17"0,1 0-31,-18-17 16,18 52-1,-1-34-15,1 34 16,0-17 0,-1 18-1,-17-36 1,0-18-16,18 1 16,-18-36 62,-35 1-63,35-36-15,-71-53 32,53 53-32,18 18 15,-35-18 1,35 18-16,0-1 15,0 19 1,0-1 0,0 1-16,0-1 0,0 0 15,35-17 1,1 17 0,-36 1-16,17 17 31,1 0-16,0 0 1,17 53 0,0-36-1,-17 36-15,-1-35 0,1-1 16,-18 54 0,0-36-1,0 1 1,0-19-1,-18 18 1,1-35-16,-1 18 16,18 0-1,-17-18 32</inkml:trace>
+  <inkml:trace contextRef="#ctx0" brushRef="#br0" timeOffset="148321.63">31768 16722 0,'17'0'15,"1"17"1,-18 1 0,18-18-16,-18 18 15,17-1 1,18 19-1,-17-19-15,0 18 16,-1-17 0,1-18 15,0 0-15,17-18-1,-35 1 1,0-1-1,18 1 1,-18-1 15,0 0-15,17 1 0,-17-1 15,18 18-16,-18-18 1,18 18 0,-18-17-16,0-1 15,0 0 1,0 1 0,0-1-1,0 0 1,-18 18-1,0 0-15,18 18 32,0 0-17,0-1 1,0 19 0,0-1-1,0-17-15,0 52 31,18-35-15,0-17 0,-18 0-1,17-18 1,-17 17-16,0 1 16,18-18 46,-1 0-46,-17-18 15,0 1 31</inkml:trace>
+  <inkml:trace contextRef="#ctx0" brushRef="#br0" timeOffset="149191.75">32438 16087 0,'-18'0'16,"36"0"-16,-89 0 0,18 0 15,18 17 1,18-17-16,17 18 15,-36 17 1,36 0 0,0-17-1,0 0 1,18-18 0,-18 17-1,18 1 1,-1 0-1,36 17 1,-53 0-16,35-17 16,1 35-1,-36-18 1,35 36 0,0 70-1,-35-106-15,0 36 16,0-54-1,0 1-15,0 0 16,0-1 0,-17-17 46,-1-35-46,0 17-16,18-17 15</inkml:trace>
+  <inkml:trace contextRef="#ctx0" brushRef="#br0" timeOffset="149635.68">32702 16157 0,'0'0'0,"-35"124"16,35-71-16,0-18 15,0-17 1,0-1-1,0 1 1,0-1-16,18-17 47,-1-17-31,19-1-16,-1-35 15,-17 18 1,17 0-16,-35-1 15,0 1 1</inkml:trace>
+  <inkml:trace contextRef="#ctx0" brushRef="#br0" timeOffset="150304.38">32879 15875 0,'0'18'32,"18"105"-1,-18-88-31,0 1 16,0 52-1,0-53 1,17 18-1,1 0 1,-18-88 78,17-36-79,1 36-15,0 17 16,-18 1-16,17-1 16,1 18 15,0 0-15,17 35 15,-35 0-31,18-17 15,-18 0 1,17 17-16,-17-17 16,0-1-1,0-140 63</inkml:trace>
+  <inkml:trace contextRef="#ctx0" brushRef="#br0" timeOffset="150622.93">33232 15699 0,'17'35'15,"-17"-17"1,18-1-16,-18 1 16,0-1 15,18-17-31,-1 0 62,19-35-46,-36 18 0,17-1-16,-17 0 15,18 1 1</inkml:trace>
+  <inkml:trace contextRef="#ctx0" brushRef="#br0" timeOffset="151692.92">27711 17903 0,'17'-17'141,"107"-18"-125,-54-1-1,19 1-15,34 0 16,1-1-1,-19 19-15,-16-18 16,87-1-16,-141 36 16,0 0-16</inkml:trace>
+  <inkml:trace contextRef="#ctx0" brushRef="#br0" timeOffset="152476.26">27940 18098 0,'35'-36'63,"18"1"-63,177-71 31,-160 53-31,18 36 16,-35-1-1,18-17-15,-18 17 0,-18 0 16,-17 18 0,-1-17 46,1 17-46,-18-18-1,17 18 17,-17-18-17</inkml:trace>
+  <inkml:trace contextRef="#ctx0" brushRef="#br0" timeOffset="152956.49">28399 17339 0,'35'0'62,"18"0"-62,35 18 16,0-1 0,-17 19-16,-36-36 15,0 35-15,1-18 16,-1 19-1,-35-19 1,0 1 0,0 0-1,0-1 1,-141 89 0,35-53-1,35-18-15,-52 36 16,52-18-1,-34 0-15,-54 35 16,-71 88-16</inkml:trace>
+  <inkml:trace contextRef="#ctx0" brushRef="#br0" timeOffset="154509.81">23601 18062 0,'17'18'16,"-17"0"-16,18 17 15,17 53 1,-35-53-1,53 89 1,-35 17 0,-18-88-16,18 17 15,-1 1-15,18 17 16,-35-17 0,18-54-1,-18-52 48,0-53-48,0-106 1,0 106 0,35-36-16,1-52 0,17 70 15,17-18 1,-17-17-1,-18 71 1,-17 70 0,0-18-1,-1 18 17,1 0-32,0 0 15,17 35-15,0 18 16,36 35-1,-36-35-15,18 53 16,17 0-16,1 35 16,-36-35-1,1 35 1,-19-17 0,1-72-1,-18 19 1,0-18-16,0-35 15,-18-18 1,1 0 0,-1 0-16,0 0 15,-70-18 1,-18 18 0,-53-18-1,107 18-15,-72-35 16,89 17-1,-36-17 1,54 17 0,-1 1-1,18-1 1,0 1 0,0-36-1,0 35 1,0 0-1,18 18-15,-18-17 32,17 17-32,1 0 15,0 0 1,140-36 0,19 1-1,-71 18-15,17-36 16,-35 17-1,-70 19 1,-1-1 0</inkml:trace>
+  <inkml:trace contextRef="#ctx0" brushRef="#br0" timeOffset="155025.65">24765 18362 0,'0'0'0,"0"35"15,18-17-15,-1 0 16,-17 35-1,36-36 1,-1 36 15,-18-53 16,1-53-31,0 18-16,-1 0 15,19-36-15,-1 1 16,-35 17-16,53-36 16,-53 54-1,17 35-15,-17-17 16</inkml:trace>
+  <inkml:trace contextRef="#ctx0" brushRef="#br0" timeOffset="156183.14">25400 18256 0,'-18'0'15,"1"0"1,-19 18-16,1 17 16,-18 0-1,36-17 1,-1 0-16,18-1 16,-18 1-1,18 0-15,0-1 16,0 1-1,0 0 1,36-18 0,17 17-1,-36-17-15,1-17 16,17-19 0,-17-17-1,17-17 1,0-18-1,-17 52 1,-18 19-16,0 34 94,0 36-79,18-35 1,-1 17 0,-17-17-16,18-1 15,-18 1 1,17 0 15</inkml:trace>
+  <inkml:trace contextRef="#ctx0" brushRef="#br0" timeOffset="156521.29">25718 17974 0,'17'0'31,"-17"18"-31,0-1 16,18 19-16,-1-19 15,-17 36-15,36 35 31,-19-52-31,-17-1 0,18 0 16,0 18 0,-1-35-1,1-1 1</inkml:trace>
+  <inkml:trace contextRef="#ctx0" brushRef="#br0" timeOffset="156791.49">25947 18274 0,'17'0'62,"1"0"-31</inkml:trace>
+  <inkml:trace contextRef="#ctx0" brushRef="#br0" timeOffset="156998.88">25947 18098 0</inkml:trace>
+  <inkml:trace contextRef="#ctx0" brushRef="#br0" timeOffset="157359.7">26158 18062 0</inkml:trace>
+  <inkml:trace contextRef="#ctx0" brushRef="#br0" timeOffset="160276.72">21678 8925 0</inkml:trace>
+</inkml:ink>
+</file>
+
 <file path=ppt/ink/ink3.xml><?xml version="1.0" encoding="utf-8"?>
 <inkml:ink xmlns:inkml="http://www.w3.org/2003/InkML">
   <inkml:definitions>
@@ -545,7 +2473,7 @@
   <inkml:trace contextRef="#ctx0" brushRef="#br0" timeOffset="73498.39">16369 8343 0,'88'-17'0,"-53"-1"16,-17 18-16,17-18 15,18 18 1,-35 0-1,-1 0-15,19 0 16,-1 18 0,-17-18-16,17 35 15,-17 0 1,17 18 0,-35 18-1,0 17 1,0-53-1,-35 89 1,-1-54-16,19-70 16,-1 18-16,0 0 15,1-18 1,17 17 0,-18-17-1,-35-17 1,-53-19-1,18-16 1,71 16 0,-36 1-1,17 17 1,19 1-16,-19-19 16,19 19-1,17-1 1,0-17-1,0-36 1,0 36-16,0 0 16,53-36-1,-36 54 1,36-19 0,-35 19-1</inkml:trace>
   <inkml:trace contextRef="#ctx0" brushRef="#br0" timeOffset="74634.81">16969 8255 0,'-18'0'32,"0"35"-17,18 1 1,0-19-16,0 1 15,0-1 1,0 19 0,18 17-16,-18-36 15,35 36 1,1-18 0,-1-17-1,0 17 1,-17-17-1,-1 0-15,36-18 16,-17 17-16,34 19 16,-52-36-1,35 0 1,0 0 0,-36 0-16,18 0 15,18-36 1,-17 1-16,-19-18 15,19 35 1,-19 1 0,-17-1-16,18 18 15,-18-17 1,0-19-16,0 19 16,-18-19-1,-17 19 1,17-1-1,-17 0 1,0-17 0,17 35-16,-70-17 15,70-1 1,-52 18 0,17 0-1,0 0 1,18 0-16,-18 0 15,17 0 1,19 0 0,-1 0-1,1 0 17,-1 18-17,18-1 1</inkml:trace>
   <inkml:trace contextRef="#ctx0" brushRef="#br0" timeOffset="79063.89">18292 3475 0,'17'0'188,"-17"-18"-188,18 18 15,17 0 1,0 0-16,-17 0 16,70-17-1,0-1 1,-17 0-1,105-17 1,-52 0 0,17 17-16,-18-17 15,-70 35 1,-17-18-16,17 18 16,-18-17-1,-18 17 1,1 0 31</inkml:trace>
-  <inkml:trace contextRef="#ctx0" brushRef="#br0" timeOffset="80124.93">19262 2858 0,'17'0'78,"1"0"-62,-18 17-16,35 1 0,1-1 15,87 89 1,-35-53-1,71 88 1,-53-70 0,-71-36-16,0-17 0,-17-1 31,-18 1 0,18-18-15,-18 18-1,0-1 79,-18 1-94,-17 17 16,-1-17-1,19-1-15,-54 54 16,36-53-16,0-1 16,-89 72-1,124-72-15,-17 18 16,-1-35 0</inkml:trace>
+  <inkml:trace contextRef="#ctx0" brushRef="#br0" timeOffset="80124.92">19262 2858 0,'17'0'78,"1"0"-62,-18 17-16,35 1 0,1-1 15,87 89 1,-35-53-1,71 88 1,-53-70 0,-71-36-16,0-17 0,-17-1 31,-18 1 0,18-18-15,-18 18-1,0-1 79,-18 1-94,-17 17 16,-1-17-1,19-1-15,-54 54 16,36-53-16,0-1 16,-89 72-1,124-72-15,-17 18 16,-1-35 0</inkml:trace>
   <inkml:trace contextRef="#ctx0" brushRef="#br0" timeOffset="81096.89">18627 8326 0,'17'0'31,"1"0"-15,0 0-1,-1 0-15,-17 17 16,18-17-16,35 0 16,-36 0-1,19 0 1,52 0-16,-35 0 15,35 0 1,0 0 0,36 0-16,-89 0 15,177-35 1,-71 17 0,70-35-1,-70 18 1,-17 17-16,-1 1 15,-105 17 1</inkml:trace>
   <inkml:trace contextRef="#ctx0" brushRef="#br0" timeOffset="81769.88">19879 7902 0,'18'0'31,"-1"0"-31,1 0 16,35 18 0,-18 0-1,36-1-15,-54 18 0,107 36 16,-107-53 0,36 35-16,-17-36 15,17 71 1,-36-70-1,18 53 1,-17-19-16,-18-16 31,0-1-15,0-17 0,0-1-16,0 1 15,-35 17 1,-18-17-16,-123 17 15,-1 0 1,18 1 0,-17-19-1,35 19 1,123-36-16</inkml:trace>
   <inkml:trace contextRef="#ctx0" brushRef="#br0" timeOffset="83300.77">21467 3140 0,'0'-18'94,"-18"18"-94,0-18 16,1 18-16,-1-17 15,-17 17-15,-1 0 16,-17 0 0,1 0-1,16 0 1,19 0-16,-36 0 15,35 0 1,-17 17-16,0 1 16,35 17-1,-18-17 1,18 0 0,0-1-16,0 1 15,0 0 1,0-1-16,0 18 15,18-17 1,17 17 0,0-35-1,-17 0 1,-1 18 0,1-18-1,17 35 1,-17 1-1,17-19-15,18 71 16,35 106 0,-52-141-16,-19 36 0,19 34 15,-19-35 1,-17-52 0,0 16-1,-17-16 1,-1-36-1,-17 0 1,17 0 0,-17 0-16,-18-18 15,-35-17 1,-1 0 0,72-1-16,-36 19 15,18-1 1,35 0 31,0 1-32,0-1 1,17-17 0,1-1-16,123-34 15,-106 52 1,-17 1-16,35-1 15,-36 18 1,1 0 15,0 0-15,-18 18 0,17-18-1</inkml:trace>
@@ -611,13 +2539,13 @@
   <inkml:trace contextRef="#ctx0" brushRef="#br0" timeOffset="-157487.03">20144 11342 0,'-18'17'16,"18"1"-16,-35 35 15,35-35 1,0 17-1,0 18 1,0 0 0,0 0-16,35 0 15,18 17 1,-53-52 0,18-18-16,17 17 15,18-17 1,17-35-1,-34 0 1,-1 0-16,0-1 16,0 1-1,-35 0 1,0 17 0,0-17-16,0 17 15,0-35 1,-35 18-1,-18 17 1,36 1 0,-19 17-1,19 0 48</inkml:trace>
   <inkml:trace contextRef="#ctx0" brushRef="#br0" timeOffset="-156902.8">20884 11042 0,'0'0'0,"-88"70"0,35-70 15,36 36 1,17-19-1,0 1 48,0 0-63,0-1 16,35 1-1,0 17-15,1 1 16,-1-19-1,0 36 1,-17 0 0,-18-35-16,17 35 15,-17-1 1,0 37-16,0-72 16,-35 54-1,17-53 1,-105 34-1,0-16 1,70-36 0,-18 0-16,0 0 15</inkml:trace>
   <inkml:trace contextRef="#ctx0" brushRef="#br0" timeOffset="-155848.1">22243 9472 0,'0'18'31,"0"17"-15,0 0-16,0 53 16,17 18-16,19 18 15,-19 35 1,71 264-1,1-106 1,-19-105-16,18 247 0,124 264 16,-106-335-1,88 282 1,35 424 0,-158-777-1,52 283-15,-70-177 16,-35-176-1,70 230 1,-35-142 0,-36-212-1,1-17 1,0 0-16,-18-71 16,0 0-1,17 18 1,-17-35 15,18-18 47,0-18-78,-18 1 16,17-72-1,160-228-15</inkml:trace>
-  <inkml:trace contextRef="#ctx0" brushRef="#br0" timeOffset="-154882.71">24024 10336 0,'-17'0'31,"-36"0"-15,0 18-16,-36 17 15,54-17 1,0 0-16,-18 35 16,53-36-1,0 18-15,0 1 16,0 87 0,0-17-1,18-35 1,-1-36-16,1 18 0,35 0 15,-36-18 1,1-17-16,0-1 16,17-17-1,0 0 1,1 0 0,17-35-16,-18 17 15,88-70 1,18-35-1,-52 70 1,52-35 0,-88 52-16,-18 1 15,-17 17 1,-1 1 15</inkml:trace>
+  <inkml:trace contextRef="#ctx0" brushRef="#br0" timeOffset="-154882.72">24024 10336 0,'-17'0'31,"-36"0"-15,0 18-16,-36 17 15,54-17 1,0 0-16,-18 35 16,53-36-1,0 18-15,0 1 16,0 87 0,0-17-1,18-35 1,-1-36-16,1 18 0,35 0 15,-36-18 1,1-17-16,0-1 16,17-17-1,0 0 1,1 0 0,17-35-16,-18 17 15,88-70 1,18-35-1,-52 70 1,52-35 0,-88 52-16,-18 1 15,-17 17 1,-1 1 15</inkml:trace>
   <inkml:trace contextRef="#ctx0" brushRef="#br0" timeOffset="-154134.16">24571 10336 0,'0'0'0,"-18"0"16,-17 53 0,0-17-1,17 34-15,18-35 16,0 1 0,0-1-1,18 18 1,-1-18-1,1-35 1,0 0 15,-18 18-15,17-18-16,1 0 31,0 0-15,-1 0-16,1-18 15,35-17 1,35-71 0,-70 71-1,-1-36 1,19 36 0,-36 0-1,0-1-15,0 19 16,0-1-1,-18 0 1,0 1 0,1 17-1,-1 0 1,0 0 31,18 17-47,0 1 15,-17 17 1,-1-17 0,18 0-16,0-1 15,35-17 32</inkml:trace>
   <inkml:trace contextRef="#ctx0" brushRef="#br0" timeOffset="-152260.1">25171 10072 0,'17'0'15,"-17"17"1,0 19-16,0-1 15,18 71 1,0-71 0,-18 53-16,17-17 15,-17-36 1,0-52 93,18-36-109,-18 17 16,0-17-16,0 18 16,0 0-1,18 0-15,-18-36 16,17 71-1,1-35-15,-18 17 16,17 0 0,1 1-1,0 17-15,17-35 16,0 17-16,-17 18 16,0 0-16,-1 0 62,-17 18-62,18-1 16,-1 1-16,1-1 15,0 1 1,-18 0 0,17-18 46,1-36-46,35-16-16,-18 16 15,-17-17-15,17 0 16,-17 36 0,-18-1-16,0 0 15,0 1 63,-18 17-62,1 0 421,-1 0-421,0 17-16,1 1 16,-1-18-1,18 18 1,0-1 15,0 1-15,0 0-1,0-1 1,0 1 0,18 0-1,-18 17 1,17-17-16,19-1 0,16 36 16,37-18-1,-54-17 1,0-18-1,-17 0 1,-1 0-16,-17 18 94,0-1-63,-17 19 0,-1-36-31,-17 17 16,17 1-16,1-18 16,-36 35-16,35-35 15,0 18 1,18-1-1,-17-17 17,-1 0-17,18 18 1,-17-18-16,17 18 16,-18-18-1</inkml:trace>
   <inkml:trace contextRef="#ctx0" brushRef="#br0" timeOffset="-148502.18">18785 13829 0,'0'0'0,"-53"-88"0,53 70 16,-35-17 0,-18-18-1,18 35 1,17 18 46,1 0-46,-19 0-16,-16 18 16,-1-1-16,-141 54 15,123-53 1,-35 35 0,53-18-1,53-17 16,0-1-31,0 1 16,0 17 0,36 0-1,17 54-15,17-37 16,89 107 0,-18-53-16,-35-18 15,-18-17 1,0-18-16,-17 17 15,-54-52 1,1 0 0,-18-1-1,0 1-15,0-1 32,-71 36-32,18-17 15,-70 52 1,-36-35-1,71-18 1,-53 0 0,53-17-16,53-18 15,-1 0 1,1-53 15,0-18-31,35 19 16,0 16-1,0 19-15,0-36 16,17 17 0,54-16-1,105-37 1,-17 54 0,70 0-16,1 35 15,-177 0 1,17 53-1,1 0 1,-54-53 0,19 17-16,-19-17 15,1 0 17</inkml:trace>
   <inkml:trace contextRef="#ctx0" brushRef="#br0" timeOffset="-147885.68">19332 14499 0,'18'0'47,"-18"-17"-31,18-1-1,-1 18 1,-17-18-16,35-17 16,1 17-16,-36-17 15,35-18 1,-17 36-1,-54 17 48,-52 35-47,-18 18-16,36-36 15,-18 36 1,52-17-16,1-19 15,17 18-15,-35 36 16,53-36 0,0 1-1,0-1 1,0-18 0,0 19-1,53 17-15,-35-36 16,70 19-1,-17-36 1,-36 0 0,53 0-1,18-36-15,-71 1 16,36-18 0,17-17-1</inkml:trace>
   <inkml:trace contextRef="#ctx0" brushRef="#br0" timeOffset="-147472.12">19914 14164 0,'0'0'0,"-88"18"15,70-1-15,-17 19 16,0-19-16,17 19 16,-17 52-1,17-53 1,18 18 0,0 17-16,0-52 15,0 17 1,18-17-1,0-18 1,17 18 0,35-18-1,-52 0-15,141-18 16,-36-35 0,-52-17-1,-53 34 1,-1 1-1,-17-53-15</inkml:trace>
-  <inkml:trace contextRef="#ctx0" brushRef="#br0" timeOffset="-147045.24">20197 14199 0,'0'36'31,"-18"17"-15,18 35 0,0-35-16,0-18 15,0 0 1,0-17-16,18-18 16,-1 0 62,1 0-63,17-53 1,-17 18-16,-1 17 16,1-53-1,-18 36 1,0-53-1,0 70-15,-35-52 16,17 17 0,18 35-16</inkml:trace>
+  <inkml:trace contextRef="#ctx0" brushRef="#br0" timeOffset="-147045.25">20197 14199 0,'0'36'31,"-18"17"-15,18 35 0,0-35-16,0-18 15,0 0 1,0-17-16,18-18 16,-1 0 62,1 0-63,17-53 1,-17 18-16,-1 17 16,1-53-1,-18 36 1,0-53-1,0 70-15,-35-52 16,17 17 0,18 35-16</inkml:trace>
   <inkml:trace contextRef="#ctx0" brushRef="#br0" timeOffset="-146117.08">20338 13917 0,'0'18'31,"35"35"-15,18 0-16,0 17 16,17 36-16,1 0 15,-1 0 1,-17-53-16,-17 17 16,17 18-1,-53-70-15,0-53 78,0-18-62,0-18-16,0-35 16,0 18-16,0 18 15,0-1-15,0-17 16,17 0-1,-17 70 1,18-17-16,-18 17 16</inkml:trace>
   <inkml:trace contextRef="#ctx0" brushRef="#br0" timeOffset="-145748.59">20973 13829 0,'0'0'0,"53"70"0,-36-17 15,18 18-15,18 35 16,-17-53 0,-1 35-1,-17-70 1,-18-1-1,0-34 64,0-1-79,0-17 15,-36-54 1</inkml:trace>
   <inkml:trace contextRef="#ctx0" brushRef="#br0" timeOffset="-145307.15">20955 13423 0,'0'-35'187,"0"17"-187,0-17 16,0 17-16,0 1 15</inkml:trace>
@@ -708,7 +2636,7 @@
   <inkml:trace contextRef="#ctx0" brushRef="#br0" timeOffset="4592.92">12594 7197 0,'0'0'0,"35"0"0,-17 0 15,0 0 1,-1 0 0,1 0-1,-18-18 1,18 18 0,-1 0 46,19 0-46,16 0-16,37 0 15,-1-18-15,53 1 16,194-1-16,-123 0 16,423-70-1,-194 35 1,511-70-1,18-1 1,-476 89 0,688-88-16,-688 70 15,-141 17 1,158 1 0,-123 0-1,-247 17 1,-17 18-16,105-17 15,36-1-15,-124 18 16,123-18 0,19-17-1,-230 35 1,194-18 0,-36 1-1,-105-1-15,159-17 16,-124 17-1,-106 18 1,159-17 0,-141 17-1,176-18 1,-176 18-16,88-18 16,-17 18-1,87-17 1,-34-1-1,-142 18 1,36 0 0,-36 0-16,-17 0 15,-1 0 17,1 0-17,-18-18 1,18 18-16,17-17 15,-18 17 1,1 0-16,0-18 16,35 18-1,17-70 1,-17 52 0,-35 0-16,-1-17 0,54-18 31,0-35-31,17-18 15,-18-17 1,-52 70 0,52-106-1,-34-17-15,-1-89 16,-17-123 0,-18 0-1,0 123 1,0-229-1,0 142 1,-18 122 0,0-175-16,1 122 15,17 195 1,0-300 0,0 318-1,0-177 1,0 17-16,0 107 15,0-54 1,17 1 0,-17 141-1,0-106 1,0 70 0,0-17-16,0 17 15,0-34 1,0 34-1</inkml:trace>
   <inkml:trace contextRef="#ctx0" brushRef="#br0" timeOffset="6795.77">25224 6350 0,'0'-18'15,"0"-17"1,0 0 0,0 0-16,0-1 15,17-17 1,1-53-16,0 36 15,34-71 1,1-18 0,-35 89-1,35-72 1,0 37 0,-18 16-16,-17 36 15,88-141-15,-71 124 16,106-142-1,-88 159 1,17-35 0,-17 18-16,18 17 15,17-36-15,88-69 16,-140 122 0,175-105-1,-34 35 1,-71 36-1,17-18 1,-88 70-16,71-52 16,-35 52-1,-54-17 1,1 35 0,0 0 77,-1 0-77,1 0 0,0 0-16</inkml:trace>
   <inkml:trace contextRef="#ctx0" brushRef="#br0" timeOffset="7463.01">27058 3157 0,'35'18'31,"18"17"-15,35 1-16,-35 16 15,36 19-15,-37-36 16,19 1-16,17 34 16,-35-17-1,-18-18 1,-17-35 15,-18 18-15,0 0-1,-18 17 1,-17 0-16,-18 18 16,0 0-1,-123 53 1,35 35 0,53-88-1,17 17-15,18-17 16,36-53-1</inkml:trace>
-  <inkml:trace contextRef="#ctx0" brushRef="#br0" timeOffset="8867.86">25876 741 0,'0'0'0,"18"0"0,-18-18 16,0 1 15,18 17-31,-1 0 31,-17-18-31,18 18 16,-1 0 0,19 0 31,17 53-47,-36-18 15,54 36 1,-36-18-16,53 70 15,-52-17 1,-36-53 0,0 35-1,0 0 1,-36 36 0,-34-54-1,52-52-15,-52 17 16,34 0-1,1-35-15,17 0 16,1 0 0,-1 0-1,0-17 32,18-1-47,0 1 16,-17 17-1,17-18-15,0 0 16,0-35-16,0 18 16,17 17-1,19-17 1,-19 17 0,1 1-16,0 17 15,17 0 1,-17 0-1,87 0 1,-69 35 0,69-17-1,-52-1 1,-35-17-16,17 18 16,-17-18 15</inkml:trace>
+  <inkml:trace contextRef="#ctx0" brushRef="#br0" timeOffset="8867.85">25876 741 0,'0'0'0,"18"0"0,-18-18 16,0 1 15,18 17-31,-1 0 31,-17-18-31,18 18 16,-1 0 0,19 0 31,17 53-47,-36-18 15,54 36 1,-36-18-16,53 70 15,-52-17 1,-36-53 0,0 35-1,0 0 1,-36 36 0,-34-54-1,52-52-15,-52 17 16,34 0-1,1-35-15,17 0 16,1 0 0,-1 0-1,0-17 32,18-1-47,0 1 16,-17 17-1,17-18-15,0 0 16,0-35-16,0 18 16,17 17-1,19-17 1,-19 17 0,1 1-16,0 17 15,17 0 1,-17 0-1,87 0 1,-69 35 0,69-17-1,-52-1 1,-35-17-16,17 18 16,-17-18 15</inkml:trace>
   <inkml:trace contextRef="#ctx0" brushRef="#br0" timeOffset="9566">27005 564 0,'0'18'31,"0"17"-31,0 18 16,0 53 0,-35 106-16,0-89 15,17 1-15,-17 17 16,-1 18 0,19-89-1,-1 1 1,18-54-1,0 1 17,0 0-1,0-1-15,0 19-1,0-1-15,0 0 16,0-17-1,0-1 1,0 1 0,0 0-1</inkml:trace>
   <inkml:trace contextRef="#ctx0" brushRef="#br0" timeOffset="10654.88">27093 1393 0,'0'-17'0,"18"17"15,-18-18 1,18 18-16,-18-17 15,17-1-15,1 0 16,17 1 0,-35-1-1,18 18-15,-1-18 16,19 18 0,-19-17-1,1-1-15,0 18 63,-1 0-32,1 18-31,0-1 16,17 19-16,-18-19 15,1 19 1,0-1-1,-18 0-15,0-17 16,0-1 0,0 54-16,-18-36 15,0-17 1,1 0 0,-1-18-1,89 35 110,-18-35-125,70 35 16,-52-17-16,17-1 15,-18 19-15,-34-19 16,34 36 0,-52-18-1,0 1-15,-1-1 16,-17-17 0,0 35-16,-17-36 15,-36 54 1,17-54-1,-34 36 1,-36 0 0,71-18-16,-36-17 15,18 17 1,36-35 0,17 18-1,-18-18 1,0 35-16</inkml:trace>
   <inkml:trace contextRef="#ctx0" brushRef="#br0" timeOffset="11830.09">27534 9208 0,'-17'17'16,"-1"1"0,-17 35-16,-89 105 15,54-34 1,-107 123 0,1-35-1,123-142 1,-53 54-1,89-107-15,-1 1 0,0-1 32,1 1 46,17 0-63</inkml:trace>
@@ -728,7 +2656,7 @@
   <inkml:trace contextRef="#ctx0" brushRef="#br0" timeOffset="36282.99">13705 12629 0,'0'-17'15,"18"17"1,0-18-1,35-17 1,-18 35-16,-17-18 16,70-17-1,-35 0 1,-18 17 0,0 0-1,-17 1 1</inkml:trace>
   <inkml:trace contextRef="#ctx0" brushRef="#br0" timeOffset="37078.9">14182 12330 0,'0'35'31,"17"0"-16,1 18-15,-18-18 16,0 18-16,0 0 16,0 71-1,0-36 1,0-35 0,0-36-16,0 19 15,0-54 79,0-35-78,-18 0-16,1-17 15,17 52-15,0-53 16,0 36-1,-18-88 1,18 105 0,0-17-16,0 17 0,0 0 15,0-17 1,0 18 0,18 17-1,-1-36 1,1 19-16,0-19 15,-1 19 1,1 17 0,-18-18-1</inkml:trace>
   <inkml:trace contextRef="#ctx0" brushRef="#br0" timeOffset="37793.71">14182 11853 0,'-18'0'15,"18"36"1,0-19 15,18-34 63,-1-1-79,19-17-15,-19 17 16,-17 0-16,-17 18 78,-19 0-78,19 0 16,17 53 124,-18 88-140</inkml:trace>
-  <inkml:trace contextRef="#ctx0" brushRef="#br0" timeOffset="38628.72">14464 12418 0,'0'0'0,"18"35"0,-1 0 16,36 106 0,-35-105-1,17 34-15,0 1 0,-17-1 16,0-34 0,-18-72 77,0-17-77,0 1-16,0-37 0,-18 36 16,18 1-1,-18-1-15,18 17 16,0-34-1,0 34 1,0 19 0,18-36-1,17 0 1,18 35-16,0-35 16,-18 36-1,-17 17 1,17 35 15,-17 0-15,-1 18-16,1 18 15,-18-36 1,-35 106 0,-36-53-1,1-70 1,-18 35-1,52-35-15,36-36 94</inkml:trace>
+  <inkml:trace contextRef="#ctx0" brushRef="#br0" timeOffset="38628.71">14464 12418 0,'0'0'0,"18"35"0,-1 0 16,36 106 0,-35-105-1,17 34-15,0 1 0,-17-1 16,0-34 0,-18-72 77,0-17-77,0 1-16,0-37 0,-18 36 16,18 1-1,-18-1-15,18 17 16,0-34-1,0 34 1,0 19 0,18-36-1,17 0 1,18 35-16,0-35 16,-18 36-1,-17 17 1,17 35 15,-17 0-15,-1 18-16,1 18 15,-18-36 1,-35 106 0,-36-53-1,1-70 1,-18 35-1,52-35-15,36-36 94</inkml:trace>
   <inkml:trace contextRef="#ctx0" brushRef="#br0" timeOffset="39021.93">15240 11924 0,'18'35'16,"-1"18"0,1-18-16,-18 18 15,18 0-15,-1-18 16,1 1-16,-18 34 15,0-52 1,17-18 0</inkml:trace>
   <inkml:trace contextRef="#ctx0" brushRef="#br0" timeOffset="39617.97">15593 12188 0,'17'0'16,"1"0"-1,0 0 1,-1-17 0,1 17-1,35-35-15,-18-1 16,0 1-1,-35 0 1,0 17 0,-35 18 46,18 0-46,-1 0-16,-17 0 15,17 0-15,0 35 16,1 1 0,17-19-16,0 19 15,0-19 1,0 1 0,0 17-1,0-17 1,0-1 15,17-17-31,1 0 16,-18 18-1,18-18 1,-1 0 0</inkml:trace>
   <inkml:trace contextRef="#ctx0" brushRef="#br0" timeOffset="40612.61">13458 13988 0,'0'0'0,"18"0"16,0 0-1,-1 0 17,1 0-17,0 17-15,-1 1 16,71 35-1,-52 35 1,-1-53 0,18 54-16,-18-19 15,36 71 1,35 88 0,-71-140-1,0-36 1,-17-1-1,-18-34-15,17-18 16,-17 18 0,18-18-1,-18 17-15</inkml:trace>
@@ -790,7 +2718,7 @@
   <inkml:trace contextRef="#ctx0" brushRef="#br0" timeOffset="13122.93">9349 3722 0,'17'0'63,"19"17"-63,-36 1 15,35 17-15,18 1 16,53 105-1,-1-35-15,36 17 16,-88-88 0,36 36-1,-72-71 1,19-71 31,16-34-32,19-1-15,35-71 16,-36 36 0,36-35-16,-35-18 15,-1 70 1,-17-34-16,-17 34 0,69-88 16,-52 142-1,-53 35 1,18 35-1</inkml:trace>
   <inkml:trace contextRef="#ctx0" brushRef="#br0" timeOffset="14426.21">16069 5662 0,'0'18'63,"35"52"-48,-17-52 1,52 105 0,-17-34-16,-35-54 0,0-18 15,17 19 1,-17-1-1,-1-35 1,19-18 47,69-87-63,36-37 15,36-34-15,-54 35 16,160-141-16,-160 123 15,106-106-15,-88 124 16,53-88 0,-141 158-1,-53 54 1,18 34 93,17 72-93,-17-36-16,17-1 16,-17-16-16,17 87 15,0 36 1,-17-71-1,35 141 1,-35-140-16,-18-54 0,17 36 16,1-19-1,-18-34 1</inkml:trace>
   <inkml:trace contextRef="#ctx0" brushRef="#br0" timeOffset="32260.78">10354 5203 0,'18'0'94,"-1"0"-78,19 0-16,-19 0 15,19 18-15,-1 0 16,18 17-16,0-17 15,17 17 1,-35-17 0,36 17-1,17 0 1,-70-17 0,52 17-16,-52-35 0,70 53 15,0-18 1,1 1-1,16-1 1,-52 0 0,18-17-1,-1 17-15,107 53 16,-36-35 0,-53 0-1,124 53 1,-53-53-1,-124-18 1,141 71-16,-35-53 16,-105-36-1,34 19-15,-35-19 16,18 1 0,-17 0-1,-1-1-15,-17 1 16,-1-18 15,1 0-15,0 0-1,-18 18 1,17-1-16,1-17 16,17 18-1,-17-1 1,-18 1-1,17-18 1,1 0 0,0 18-1,-1-18 1</inkml:trace>
-  <inkml:trace contextRef="#ctx0" brushRef="#br0" timeOffset="33468.72">13018 6103 0,'17'18'32,"18"-1"-17,-35 1 1,36 0-16,-19-1 15,19 19-15,34 16 16,36 37 0,-71-54-1,53 53 1,-35 0-16,0-52 16,-35-19-16,17 19 15,0-19 1,-35 1-1,18-18 1,-53 0 187,-36 35-203,-52-17 16,-18 17-16,-36 18 15,36-35-15,0 17 16,-35 0 0,-36 0-1,124-35 1,70 0-16,1 0 16</inkml:trace>
+  <inkml:trace contextRef="#ctx0" brushRef="#br0" timeOffset="33468.71">13018 6103 0,'17'18'32,"18"-1"-17,-35 1 1,36 0-16,-19-1 15,19 19-15,34 16 16,36 37 0,-71-54-1,53 53 1,-35 0-16,0-52 16,-35-19-16,17 19 15,0-19 1,-35 1-1,18-18 1,-53 0 187,-36 35-203,-52-17 16,-18 17-16,-36 18 15,36-35-15,0 17 16,-35 0 0,-36 0-1,124-35 1,70 0-16,1 0 16</inkml:trace>
   <inkml:trace contextRef="#ctx0" brushRef="#br0" timeOffset="35014.08">10248 5486 0,'-17'-18'78,"-1"-17"-63,18 17 1,-18 18-16,1-17 16,17-1-1,0 0-15,-18 1 16,0-36-1,-17 0 1,35 17 0,-35-16-16,17 34 0,1-53 15,-19 1 1,36 35 0,-35-1-1,35 19 1,-18-19-1,18 19-15,18 17 188,17 0-172,1 0-16,34 0 15,36 0-15,-18 0 16,71 0-1,105 0 1,1 0-16,-212 0 16,53 0-1,-53 0 1</inkml:trace>
   <inkml:trace contextRef="#ctx0" brushRef="#br0" timeOffset="36477.85">13212 4604 0,'17'0'94,"18"-36"-94,18 19 16,18-36-16,-36 18 15,53-1-15,-52 1 16,69-18 0,-34 18-1,17 0 1,-70 17-16,0 18 16</inkml:trace>
   <inkml:trace contextRef="#ctx0" brushRef="#br0" timeOffset="37147.83">13264 3492 0,'18'0'47,"17"0"-47,18 0 16,0 0-16,53 36 15,-35-19 1,87 19-16,-17 17 15,106 0 1,-141-18-16,-53-18 0,-18 1 16,-35 0 62,-17 17-63,-18 18 1,-36-18-16,18 36 16,-18-1-16,19-17 15,34-35 1,-17 35-16,-36 0 16,36 0-16,17-36 15,1 19 1,17-19-1,0 1 1,0-1 0,0 1 15</inkml:trace>
@@ -1106,7 +3034,7 @@
   <inkml:trace contextRef="#ctx0" brushRef="#br0" timeOffset="29408.84">17568 8696 0,'-17'35'78,"-1"1"-78,0-19 16,-35 71-16,18-35 15,0 0-15,0 18 16,-18-18-1,17 35 1,19-70-16,17-1 47,0 1 0,-18-18-32,18 17-15,-17-17 16,17 18 0,0-36 140,17 1-156,-17-1 16,18 1-1,-18-1 1,17 18-16,-17-18 15,18 18 1,0 0 0,-18-17-16,17-1 31,19 18-15,-19 0-1,36-18-15,0 1 16,-35 17-1,17 0-15,-17 0 172,-1 0-140,1 0-17,0 0-15,17 17 16,-17-17-1,17 18-15,-18-18 16,19 35 0,17 36-1,-36-54 1,36 54 0,0 17-1,-35-70-15</inkml:trace>
   <inkml:trace contextRef="#ctx0" brushRef="#br0" timeOffset="31282.22">16880 6862 0,'0'0'0,"-35"0"15,0 0-15,17 0 16,-35 0 0,-35 52-1,18-16 1,17-19-16,17 19 0,-140 69 16,0 1-1,17 18 1,71-54-1,-1 1-15,1-1 16,-247 213 0,247-177-16,-124 105 15,1 36 1,-1 18 0,124-142-1,-106 159 1,106-123-1,-71 159-15,53-1 16,53-140 0,-53 158-1,36 141 1,34-106 0,36 71-1,18-35-15,88 53 16,70-1-1,-70-264 1,35 106 0,18 0-1,35-35 1,-88-160-16,123 142 16,-141-158-1,194 105 1,-52-36-1,-89-87 1,229 35 0,-123-53-16,-88-36 15,264 54 1,-193-54 0,175-17-1,319-17 1,-266-54-16,177-17 15,0-53 1,-106-18 0,53 0-1,53-35 1,-158 36 0,-160 17-16,36-89 15,-194 107 1,141-195-1,-106 89 1,-71 53 0,89-177-1,-195 300-15,124-318 16,-105 72 0,-19 210-1,-17-246 1,0-247-1,-17 459-15,-54-248 16,-35 36 0,-35-53-1,106 300 1,-194-318 0,158 300-1,-229-264-15,18 88 16,106 123-1,70 88 1,-388-246 0,370 229-1,-281-106-15,264 106 16,-424-159-16,406 194 16,-264-124-16,123 89 15,-141-35 1,124 34-1,-124 1 1,106 53 0,158 17-16,-405-52 15,300 70 1,0-18 0,158 18-16,1 0 15,-89 0 1,0 18-1,54 17-15,140-35 16,18 18 78</inkml:trace>
   <inkml:trace contextRef="#ctx0" brushRef="#br0" timeOffset="32551.75">15734 8608 0,'-18'-18'15,"1"18"17,-1 0-17,0 0-15,1 35 16,-36 18-1,53-17-15,-35 17 16,17-18 0,18 0-16,0 0 15,0 1 1,18-1-16,-18-17 16,35-1-1,-18 1 1,1-18-1,17-35 64,1-36-64,-19 36-15,1 17 16,0-17-1,-1-18-15,1 35 16,-18 1 0,0-19-1,0 19 1,0-19 0,0 19-1,0-19-15,0 1 16,0 18-1,-18-1-15,18 0 16,-17-17 0,-19 0-1,36 17 1,-35 0-16,17 1 16,1 17-1,-1 0 1,-35 0-1,36 17 1,-36 36 0,53-35-16,-18 35 0,0-18 15,1 18 1,17-35 0,0 17-1,0 0 1,17 1-1</inkml:trace>
-  <inkml:trace contextRef="#ctx0" brushRef="#br0" timeOffset="33218.72">15946 8361 0,'-18'0'16,"0"0"-1,18 17 16,0 1-31,0 0 79,18-18-64,0 17 1,-1 19-1,18-1 1,-35-17-16,18-1 16,0 18-16,-1 89 15,-17-53 1,0-36 0,0 0-1,-17-17 1,-1-18 31,-17 0-32,-53-88-15</inkml:trace>
+  <inkml:trace contextRef="#ctx0" brushRef="#br0" timeOffset="33218.71">15946 8361 0,'-18'0'16,"0"0"-1,18 17 16,0 1-31,0 0 79,18-18-64,0 17 1,-1 19-1,18-1 1,-35-17-16,18-1 16,0 18-16,-1 89 15,-17-53 1,0-36 0,0 0-1,-17-17 1,-1-18 31,-17 0-32,-53-88-15</inkml:trace>
   <inkml:trace contextRef="#ctx0" brushRef="#br0" timeOffset="35548.15">13882 6862 0,'0'0'0,"-18"0"16,1 0 0,-19 0-1,19 17-15,-19 1 16,-52 17-1,35-17 1,-53 52 0,18 1-1,-88 52-15,105-70 0,-246 212 16,176-177 0,-247 282-1,282-281 1,-229 281-1,52-52 1,107-54-16,0 36 16,87-124-1,36 36 1,1 0 0,16 158-1,36-264 1,0 335-16,36-177 15,16 72 1,1-72 0,89 283-1,-72-371 1,36 177 0,159 300-1,-195-477-15,54 142 16,34 17-1,107 88 1,-53-88 0,-124-211-1,123 176-15,-69-124 16,-54-70 0,53 35-1,0 0 1,71 18-1,52 17-15,-70-52 16,159 87 0,-88-87-1,-19-18 1,72 17 0,-195-105-16,283 70 15,-265-70-15,477 70 0,-124-88 16,317 0-1,265-35 1,-194-71 0,211-18-1,-105-34 1,-18-54-16,265-88 16,-847 194-1,0 0-15,36 0 16,246-88-1,35-52 1,-387 69 0,246-176-16,-476 300 15,142-141-15,-19 36 16,19-195 0,-107 124-1,-87 87 1,16-105-1,-52 106-15,18-141 16,-36-53 0,-34 159-1,-37-89 1,-69-123 0,122 300-1,-105-212-15,-70-123 16,158 352-1,-124-246 1,-17 34 0,18 36-1,35 36 1,-71-107-16,141 248 16,-193-283-1,-89-35 1,247 282-1,-282-264 1,159 176-16,-71-53 16,53 70-1,141 89 1,-352-194 0,175 105-1,-158-87 1,106 105-16,-300-105 15,-35 34 1,511 160 0,-476-107-1,194 71 1,-105 1 0,228 52-1,36 0-15,35 17 16,-106 1-1,247 35 1,-176-35 0,123 35-1,106 0-15,-52 0 16,69 0 0,-17 0-16,0 0 15,-52 18 1,87-18-1,-106 35 1,-52-18-16,-71 36 16,177-35-1,-301 53 1,301-54 0,-248 54-1,36-18-15,88 17 16,-106 1-1,124-36 1,-36 18 0,141-35-16,-158 35 15,53-18 1,-18 18-16,53-18 16,-106 18-1,141-18 1,-53 1-1,88-19 1,1 18 0,17-35-16,18 18 15</inkml:trace>
   <inkml:trace contextRef="#ctx0" brushRef="#br0" timeOffset="36276.94">17321 6174 0,'0'17'125,"18"19"-109,0-1-16,-1 18 15,-17 53-15,18-36 16,-18-17-1,53 123 1,-18-34-16,-35-125 16,0 1-16,18-18 93</inkml:trace>
   <inkml:trace contextRef="#ctx0" brushRef="#br0" timeOffset="36982.82">20020 6262 0,'0'35'62,"-18"18"-62,1-35 16,-1 70-16,18-53 16,-17 0-1,-19 89 1,36-1-16,0-52 15,0-1 1,0-52 0,0 35-1,0-35 1,18-18 0</inkml:trace>
@@ -1182,7 +3110,7 @@
   <inkml:trace contextRef="#ctx0" brushRef="#br0" timeOffset="2950.88">1182 1199 0,'17'0'47,"-17"18"-31,36 17-16,-36-17 15,35 35-15,-17-18 16,17 18-1,0 0 1,-17-35-16,-1-1 16,-17 1-1</inkml:trace>
   <inkml:trace contextRef="#ctx0" brushRef="#br0" timeOffset="3677.81">1605 1147 0,'18'17'31,"-18"18"-31,0 18 16,0-17-16,17-19 16,19 36-16,-36-35 15,35 17 1,-17-17 0,-18-1-1,17-17 1,1 0-1,35 0 1,-36-17 0,54-19-1,-53 1-15,-1 0 16,54-53 0,-71 35-16,35-35 15,-35 17 1,0 36-1,0-1 1,-18 36 31,1 0-47,-1 0 16,-35 0-1,0 36 1,-17 17-1,35-36-15,17 1 16,0 0-16,1-1 31,17 1-15</inkml:trace>
   <inkml:trace contextRef="#ctx0" brushRef="#br0" timeOffset="15435.82">3651 4992 0,'0'17'125,"0"1"-110,0 17 17,0-17-32,0 0 15,0 52 1,0-35-16,0 18 15,0 89 1,0-37 0,18-52-1,-18 53 1,0 53 0,0-106-16,0 0 0,0 52 15,0-34 1,0-18-16,0 0 15,0 53 1,0-53 0,18 35-1,-18 18-15,0-53 16,0 105 0,0-52-1,0 0 1,0-53-1,0 88 1,0-70-16,0 105 16,0-17-1,0-89 1,0 89 0,0 0-1,0 17 1,0 36-1,0-124 1,0 106 0,0 18-1,0-106 1,0-1-16,0 178 16,0-125-1,0 160 1,0-159-1,0 17 1,0 142 0,0 34-1,0-175-15,0 70 16,0-159 0,0 18-1,0-18 1,0-35-1,0 53 1,0-71-16,0 0 0,0 18 16,0 106-1,0-36 1,0-70 0,0 212-1,0-124-15,0-35 16,0-71-1,0 53 1,0-35 0,0 0-1,0-35 1,0 52-16,0-17 16,0-18-1,0 54 1,0-1-1,0-35 1,-18 88 0,18-18-16,0-52 15,-18 88 1,18 35 0,-17 0-1,-1-71 1,0 124-1,18-123-15,0 34 16,-17-52 0,-1 88-1,0-141 1,1 18 0,17-18-16,0 52 15,-18-16 1,18-54-1,0 18-15,-18 53 16,18-18 0,-17-53-1,17 0-15,0 1 0,0 34 16,0-52 0,-18 52-1,18 19 1,-17-54-1,17 53 1,-18 0-16,18-35 16,-18 35-1,1-35 1,-1 106 0,0-106-16,18 18 15,0-1 1,-17 1-1,-19 52-15,36-52 16,-35 70 0,18 35-1,-1-88 1,0-17-16,-17 88 31,35-106-31,-18 17 16,18-35-1,0-17 1,0 0 0,0-1-1,0 1 63,18-18 204,17 0-267,-17 0-15,17 0 16,0 0-16,18 0 16,18 0-1,-36 0 1,18 0-16,-18 0 15,1 0-15,17 0 32,-36 0-17,1-18-15,17 18 16,36 0 0,-54 0-1,54-17-15,-36 17 0,71-18 16,35 0-1,-106 18 1,89-17 0,-36-1-1,0 0-15,0 18 16,71-17 0,-88 17-1,123 0 1,-106 0-1,53 0 1,71 0-16,-159 0 16,88 0-1,-35 0 1,52 0 0,-105 17-16,-17-17 15,69 18 1,-52-18-1,-17 0-15,17 18 0,35-18 16,35 0 0,1 17-1,17-17 1,-53 18 0,141 0-1,71-1-15,-71-17 16,107 18-1,-107-18 1,159 18 0,-229-18-1,-106 0-15,70 0 16,-35 0 0,-52 0-1,16 17 1,19-17-1,53 0 1,-72 0-16,90 0 16,-90 0-1,19 0 1,17 0 0,-35 0-1,53 18 1,-53-18-16,-18 0 0,18 0 15,35 0 1,-17 0 0,-1 0-1,19 0 1,-54 0-16,71 0 16,-36 0-1,1 0 1,-54 0-1,19 0 1,-1 0 0,18 18-16,17-18 15,36 17 1,-70-17 0,16 0-1,19 0 1,-18 0-1,0 0-15,-18 0 16,-17 18 0,52-1-1,-17-17 1,-35 0 0,17 0-1,18 0-15,0 0 16,-35 0-1,-1 0 1,1 0 0,0 0-1,-1 0 1,1 0 0,-1 0-1,19 0 1,-19 0-1,1 0 1,35 18-16,35-18 16,-53 0-1,1 0 1,52 0 0,-70 0-1,-1 0 157,-17-18-141,0 1-31,18 17 16,-18-18-16,0 1 16,0-1-16,0-17 15,0-18 1,0-71-1,0 71 1,-18-105-16,-17-1 16,17 88-1,-17-88 1,17 36 0,1 88-1,-19-106 1,36 52-16,0 72 0,-52-230 15,34 212 1,-17-107 0,35 19-1,-36-18 1,1-53-16,17 141 16,-17-194-1,17 18 1,-17 88-1,18 35 1,-1-53 0,0 106-16,-17-123 15,17 17 1,18 35 0,-17 72-1,-1-90 1,18 90-16,0-1 15,-18-124-15,18 54 16,0 70 0,-17-141-1,17 88 1,0 53 0,0-70-1,0-54-15,0 124 16,0-105-1,0 69 1,0 1-16,0-18 16,0-88-1,0 106 1,0 17-16,0-140 0,0 17 16,0-18-1,0 106 1,0-141-1,0 106 1,0-176-16,0 17 16,0 159-1,0-141 1,0 35 0,0 105-1,0-104 1,0-19-16,0 142 15,0-142 1,0 18 0,0 106-1,0-18 1,0-88 0,0 106-1,0 0-15,0 0 0,0-141 16,-18-18 15,1 70-15,17 107-1,-36-36 1,36 89-16,-17-107 16,-1 36-1,18 71 1,-18-107-1,-17 1 1,35 105 0,-18 18-16,1-88 15,17 88 1,0-52 0,-18-19-1,0 53 1,18 1-16,-17 17 0,17-18 15,-18 1 1,18-71 0,-17 35-1,-1 53 1,18 0 0,-18-70-16,1 70 15,17-71 1,-18-34 15,0-1-15,1 71-16,17-1 15,-18-16 1,0-19-16,18 36 16,-17-36-16,17-105 31,-18 106-16,18-1-15,0-140 16,0 140 0,0 18-16,0-105 31,0 105-15,0 53-16,0 18 15,0-1-15,0 19 31,0-1-31,-35 18 157,17 0-142,-35 0-15,36 0 16,-36 0-16,18 0 16,-36 0-1,18 0 1,-17 0-1,-54 0-15,71 0 16,-70 0 0,52 18-1,-35-1-15,36 1 16,-124 17 0,70-17-1,54-1-15,-160 54 16,195-53-1,-247 52 1,70 1 0,36-36-1,-54 36 1,-34-18-16,211-36 16,-212 36-1,36 0 1,0 0-1,176-53 1,-106 35-16,18-17 16,88-1-1,-88-17 1,106 0 0,-89 0-1,54 0 1,-54 0-16,54 18 15,34-18 1,-140 0 0,70 18-1,53-18 1,-141 0 0,106 0-1,53 0-15,-36 0 16,-35 0-1,89 0 1,-19 0 0,1 0-1,18 0-15,-1 0 16,-17 0 0,17 0-1,-17 0 1,-54-18-1,54 18 1,18 0 0,-1 0-16,0-18 15,-35 18 1,-17 0 0,35 0-1,-36 0-15,-53-17 16,19-1-1,34 18 1,-52 0 0,52 0-1,-35 0 1,36 0-16,17 0 16,18 0-1,35 18 16,-18-1 79,18 1-110,0 0 15,-18-18-15,18 35 16,0-17-16,-17-1 16,-19 72-1,36-72 1,-35 89 0,0-53-16,17-18 15,-35 142 1,18-89-1,0 88 1,-1-17 0,36-106-16,0 17 15,0 71 1,-17-88-16,17 0 0,0 36 16,-18-54-1,18 35 1,-18 71-1,18-123 1,0 35 0,0-18-16,-17 36 15,17-18 1,0 0 0,0 0-1,0 17 1,0-35-16,0 124 15,-18-88 1,18-36 0,0 36-1,-17-1 1,17-35 0,0-17-16,0 17 0,0 18 15,-18-35 1,0 70-1,18-53 1,-17-17 0,17 53-1,0-19-15,0-34 16,-18 35 0,18-35-1,0 17 1,0-17-1,0-1 1,0 1-16</inkml:trace>
-  <inkml:trace contextRef="#ctx0" brushRef="#br0" timeOffset="18007.1">5062 2575 0,'0'36'47,"0"-19"-31,0 1-16,0 17 15,0 18 1,0-18-16,0-17 16,0 88-1,0-71 1,0-17-16,0 35 15,0 52 1,0 1-16,0-18 16,0 36-1,0 17 1,0 35 0,0-17-1,0-53-15,0 53 16,0-36-1,0-17 1,0 88 0,0-53-1,0-17 1,18 70-16,-18 17 16,18 1-1,-18-36 1,17 18-1,-17-123 1,18 194 0,0 17-16,-18-35 15,0-36 1,17 195 0,-17-265-1,35 371 1,-17-371-1,0 423-15,-1-264 16,-17 88 0,0-106-1,18 265 1,-18-406 0,0-35-16,0 35 15,0 283-15,0-301 16,0 159-1,-18-17 1,18 52 0,0-52-1,-17-142-15,17 124 16,0-35 0,0 141-1,0-265 1,0 53-1,0 36 1,-18-107 0,18 71-16,0-53 15,0 54 1,0-1 0,-18 35-1,18-105 1,0 211-16,0-212 15,0 124 1,0 0 0,-17-105-1,17 87 1,0 106 0,0-211-16,0 70 15,0-53 1,0-35-16,0 18 15,0 17 1,0 18 0,0-18-1,0-53-15,0 36 16,0-54 0,0 54-1,0-36 1,0 36-1,0 17 1,0-53-16,0-17 16,0 17-1,0-17 17,0-1-17,0 1-15,0 0 16,0-1-1,0 1 1,0 0 0,0-1 15,0 1-31,0-1 16,0 19-1,0 17-15,0-36 16,0 36-1,0 0 17,0 0-32,0-18 15,0-17 1,17 35 0,-17-18-1,0-17 1,0-1-1,0 1-15,0 0 16,0-1 15,0 1-15,0 0-16,0-1 16,0 1-1,0 0 1,0-1-16,0 18 15,0 1 1,0-19 0,18 19-1,-18-19 1,18-17 46,-18-17-46,0-1 0</inkml:trace>
+  <inkml:trace contextRef="#ctx0" brushRef="#br0" timeOffset="18007.09">5062 2575 0,'0'36'47,"0"-19"-31,0 1-16,0 17 15,0 18 1,0-18-16,0-17 16,0 88-1,0-71 1,0-17-16,0 35 15,0 52 1,0 1-16,0-18 16,0 36-1,0 17 1,0 35 0,0-17-1,0-53-15,0 53 16,0-36-1,0-17 1,0 88 0,0-53-1,0-17 1,18 70-16,-18 17 16,18 1-1,-18-36 1,17 18-1,-17-123 1,18 194 0,0 17-16,-18-35 15,0-36 1,17 195 0,-17-265-1,35 371 1,-17-371-1,0 423-15,-1-264 16,-17 88 0,0-106-1,18 265 1,-18-406 0,0-35-16,0 35 15,0 283-15,0-301 16,0 159-1,-18-17 1,18 52 0,0-52-1,-17-142-15,17 124 16,0-35 0,0 141-1,0-265 1,0 53-1,0 36 1,-18-107 0,18 71-16,0-53 15,0 54 1,0-1 0,-18 35-1,18-105 1,0 211-16,0-212 15,0 124 1,0 0 0,-17-105-1,17 87 1,0 106 0,0-211-16,0 70 15,0-53 1,0-35-16,0 18 15,0 17 1,0 18 0,0-18-1,0-53-15,0 36 16,0-54 0,0 54-1,0-36 1,0 36-1,0 17 1,0-53-16,0-17 16,0 17-1,0-17 17,0-1-17,0 1-15,0 0 16,0-1-1,0 1 1,0 0 0,0-1 15,0 1-31,0-1 16,0 19-1,0 17-15,0-36 16,0 36-1,0 0 17,0 0-32,0-18 15,0-17 1,17 35 0,-17-18-1,0-17 1,0-1-1,0 1-15,0 0 16,0-1 15,0 1-15,0 0-16,0-1 16,0 1-1,0 0 1,0-1-16,0 18 15,0 1 1,0-19 0,18 19-1,-18-19 1,18-17 46,-18-17-46,0-1 0</inkml:trace>
   <inkml:trace contextRef="#ctx0" brushRef="#br0" timeOffset="20718.79">6791 2752 0,'0'53'141,"0"17"-126,0-17-15,0 0 16,0 35-16,0-17 16,0-18-1,0 105 1,18-17-16,-18-52 15,0 34-15,17 159 16,1 18 0,0-194-1,-1 194 1,-17 88 0,0-212-1,0 1-15,18 34 0,-1 19 16,1 17-16,17-53 15,-17 176 1,-18-211 0,18 158-1,-18-87-15,0-36 16,17 88 0,1 159-1,0-335 1,-1 247-1,18 70-15,18-106 16,-17 160 0,-1-125-1,-35-228 1,35 264 0,-17-35-1,-1-265-15,1 265 16,17-18-1,-17-124 1,-18 36 0,18-17-1,-18-107 1,0 265-16,0-300 16,0 265-1,0-159 1,17-123-1,-17 140 1,0-34 0,0-71-16,0 0 15,0 52 1,0-105 0,0 124-1,18-19 1,-18 19-1,0-36-15,0 159 16,0-230 0,0 71-1,0 89 1,0-177 0,0 35-1,0-35-15,0-18 0,0 53 16,0-35-1,0-18 1,0 1 0,0 34-1,0-35 1,0 71-16,0-70 0,0 34 16,0-35-1,0 18-15,0-17 16,0 52-1,0 18 1,0-71-16,0 53 16,0-70-1,0 52 1,0-34 0,0 16-1,0-16 1,0 17-16,0-18 15,0-17 1,0 17 0,0-17-1,0 17 1,0 0 0,0-17 15,18-18 78,-18-18-93,0-105-16</inkml:trace>
   <inkml:trace contextRef="#ctx0" brushRef="#br0" timeOffset="22511.67">8184 2487 0,'0'35'62,"0"1"-62,0 34 16,0-17-16,0 35 15,0-35-15,0 53 16,0 35 0,0-70-16,0 123 15,0-106-15,0 265 16,18-195-1,-18 19-15,35 35 16,1 423 0,-19-318-1,1-52 1,35 370-16,-36-283 16,1 107-1,35 88 1,-53-283-1,18 124 1,-18 89-16,17-107 16,1 159-1,-18 0 1,0-387 0,0 334-1,0 35 1,0-158-16,0 176 15,0-211 1,0 105 0,-18-70-1,-17 300 1,35-442-16,-53 407 16,35 122-1,18-404 1,-17-213-1,17-35 1,0 36-16,-18-1 16,18 159-16,0-176 15,0 18 1,0 17 0,0-71-1,0 36 1,0 35-1,0-70-15,0-1 16,0 1 0,0-53-1,0 17 1,0-18 0,0 1-1,18 0 1,-18-1-1,0 1 1,17 17 0,-17 18-1,0-35 1,0 0-16,0-1 16,0 1-16,18-1 15,-18 19 1,0-1-1,0 0 1,18 1 0,-18-19-16,17 1 15,-17-1 1,0 1 0,18-36 30,0-34-46,-1-37 16,36-246 0</inkml:trace>
   <inkml:trace contextRef="#ctx0" brushRef="#br0" timeOffset="25031.9">9631 2205 0,'0'70'47,"0"36"-47,0 18 16,0-18-1,0 52-15,0-52 16,0 71-16,0-72 15,17 36 1,1 389-16,35-72 16,-35-158-1,17 265 1,18 34 0,-53-369-1,70 440 1,-34-159-16,-19-246 15,19 0-15,-19-54 16,36 230 0,-35-229-1,17 194 1,-17-107 0,-1-87-16,1 88 15,17 88 1,-35-282-1,18 176 1,-18-53 0,0-105-16,0 123 15,18 106-15,-18-230 16,17 230 0,-17 0-1,18-18 1,-18-229-1,0 193 1,0-210-16,17 263 16,1 1-1,-18-247 1,18 88 0,17 71-1,-35-195-15,18 195 16,-1-124-1,-17-88 1,18 158 0,-18-122-1,18-54 1,-18 0-16,0-17 0,0 52 16,17-34 15,-17 17-16,0-36-15,0 54 32,0-54-32,0 1 0,18 17 15,0 106 1,-18-123 0,17 70-1,-17 0 1,18-35-1,-18-17-15,17 17 0,1 52 16,-18-52 0,18-17-16,-18-19 15,17 54 1,1-18 0,0-18-1,-1 71-15,1-18 16,0-35-1,-1 0 1,-17 0 0,18 53-1,17 35 1,-35-88-16,18 52 16,-1 19-1,19-18 16,-19 0-15,-17-53-16,0 35 16,18-35-1,-18 0 1,18 70 0,-18-70-1,17 18 1,-17 34-16,0 1 15,0-71 1,0 1 0,0-1-1,0-17 1,0-1 15,0-34 0,-53-72-15,-17-16-16,-36-19 16,0 18-1</inkml:trace>
@@ -1190,7 +3118,7 @@
   <inkml:trace contextRef="#ctx0" brushRef="#br0" timeOffset="29287.66">3704 6403 0,'35'0'78,"18"0"-62,18 0-16,17 0 15,230 0 1,-213 0 0,89 0-16,-35 0 0,35 0 15,194 0 1,-53 0 0,-229 0-1,53 0 1,-18 18-1,-88-18 1,0 0-16,18 0 0,34 0 16,-52 0-1,106 0 1,-35 0 0,-19 0-1,1 0-15,18 0 0,52 0 16,-53 0-1,54 0 1,123 0 0,-230 0-1,230 0 1,53-18-16,-88 0 16,34 1-1,-246 17 1,177-18-1,-72 18 1,1-18 0,-106 18-16,35-17 15,-53 17 1,-17 0-16,0-18 16,-1 18 15,1 0-16,0 0-15,-1 0 16,1 0 0,0-18-1,-1 18 1,19 0-16,-1 0 16,-18 0-1,19 0 1,-19 0-16,72-17 15,-19 17 1,124 0 0,-53 0-1,-105 0-15,105-18 16,-71 18 0,-35-17-1,1 17 1</inkml:trace>
   <inkml:trace contextRef="#ctx0" brushRef="#br0" timeOffset="31360.95">3845 8661 0,'18'0'94,"0"0"-94,34 0 16,19 0-16,35 0 15,70 0 1,177 0-16,-88 0 16,-36 0-16,194 0 15,1-36 1,211 1 0,-300 35-1,123-18 1,-123 1-16,-88 17 15,89 0 1,-178 0 0,-17 0-16,-17 0 15,70 0 1,-106 0-16,-17 0 0,-1 0 16,18 0-1,1 0 1,-54 0-1,88 0 1,1 0 0,-1 0-16,1 0 15,-89 0 1,106-18 0,-53 18-1,-35 0 1,18-17-1,-18 17-15,-36 0 16,1-18 0,0 18 15,-1 0 16,1-18-47,35 18 15,-35 0 1,70-17 0,-18-1-1,-34 0-15,105 18 16,-106 0 0,0-17-16,18-1 15,0 18 1,18-18-1,-1 1 1,1 17-16,-36 0 16,71-18-1,0 1 1,-89 17 0,19 0-1,-19 0 1,1 0-16,-1 0 15</inkml:trace>
   <inkml:trace contextRef="#ctx0" brushRef="#br0" timeOffset="32942.93">4039 10777 0,'18'0'32,"0"0"-17,17 0-15,71 0 16,88 0-1,-18 0 1,159 0 0,106 0-16,-317 0 15,264-17 1,53 17 0,-159 0-1,0 0 1,-141 0-16,89 0 15,17 0 1,-142 17 0,107 1-1,-36 0 1,-123-18 0,36 17-16,34 1 0,53 0 15,124-18 1,-247 17-1,159-17 1,-89 0 0,-70 0-16,35 0 15,18 0-15,-53 0 16,0 0 0,71 0-1,-1 0 1,-35 0-1,53 0 1,-105 0-16,52 0 16,-18 0-1,-34 0 17,17 0-17,-18 0-15,-18 0 16,107 0-16,-36-17 15,-35 17 1,71-18 0,-54 18-1,-52 0 1,17 0 0,-17 0-1,-18-18 1,53 18-1,-36 0-15,36 0 16,-18 0-16,36-17 16,-36 17-1,-17 0-15,-36 0 141,1 0-125</inkml:trace>
-  <inkml:trace contextRef="#ctx0" brushRef="#br0" timeOffset="34611.22">3916 12947 0,'17'0'63,"36"0"-48,0 0-15,36 0 16,122 0-1,1 0-15,-106 0 16,141-18-16,176 1 16,18-1-1,-124 18 1,71-18 0,36-17-1,-283 35-15,141-18 16,-35 1-1,-159 17 1,18-18 0,-53 18-1,18 0-15,70-17 16,-53 17-16,71 0 16,-36 0-1,124-18 1,-71 18-1,-87-18-15,69 18 16,36-17 0,-35-19-16,-106 36 15,71-17 1,17-1 0,-106 18-1,106-18 1,18 1-1,-106 17-15,53-18 16,-54 18 0,19 0-1,17-17 1,-70 17 0,17-18-1,-17 18-15,17 0 31,0 0-15,54 0 0,34-18-1,-35 1-15,-53 17 16,1-18 0,-19 18-1,-34 0 110,-19 0-125,-16 0 31,-266 0-31</inkml:trace>
+  <inkml:trace contextRef="#ctx0" brushRef="#br0" timeOffset="34611.21">3916 12947 0,'17'0'63,"36"0"-48,0 0-15,36 0 16,122 0-1,1 0-15,-106 0 16,141-18-16,176 1 16,18-1-1,-124 18 1,71-18 0,36-17-1,-283 35-15,141-18 16,-35 1-1,-159 17 1,18-18 0,-53 18-1,18 0-15,70-17 16,-53 17-16,71 0 16,-36 0-1,124-18 1,-71 18-1,-87-18-15,69 18 16,36-17 0,-35-19-16,-106 36 15,71-17 1,17-1 0,-106 18-1,106-18 1,18 1-1,-106 17-15,53-18 16,-54 18 0,19 0-1,17-17 1,-70 17 0,17-18-1,-17 18-15,17 0 31,0 0-15,54 0 0,34-18-1,-35 1-15,-53 17 16,1-18 0,-19 18-1,-34 0 110,-19 0-125,-16 0 31,-266 0-31</inkml:trace>
   <inkml:trace contextRef="#ctx0" brushRef="#br0" timeOffset="36235.89">3581 15311 0,'0'0'0,"35"0"16,-35-18-1,18 18 1,-1-18 0,1 18-1,35-17 1,17-1-1,-17 18 1,106-35-16,-106 17 16,141 0-1,71-17 1,-160 18 0,-16-1-16,-1 0 15,141-17-15,-158 17 16,34 1-1,1-1-15,229-17 0,-52-1 16,34-34 0,142 35-1,-142-18 1,160 17 0,-319 19-16,213-18 15,-248 17 1,1 0-16,175-17 15,-34 17 1,-124 1 0,335-54-1,-246 36-15,-142 17 16,177-17 0,-160 17-1,-16 1 1,-54 17-1,0 0 1,-17-18 0,-1 18 15,1 0-31,0 0 16,52-18-1,-17 18-15,18 0 16,-1 0-1,-34 0 1,16-17 0,19-1-1,-18 18 1,0 0-16,-36 0 31,1 0-31,0 0 16,-1 0 15,1 0-15,35 0-1,-35 0-15,17 0 16,-18 0 0</inkml:trace>
   <inkml:trace contextRef="#ctx0" brushRef="#br0" timeOffset="38013.18">3404 16528 0,'18'0'47,"0"0"-16,-1 0 1,18 0-17,54 0 1,34-18-16,36 0 15,-53 1 1,299-54 0,213 1-1,-336 17-15,159-18 16,53 1 0,-230 34-1,72 1 1,-72-18-1,-35 18 1,36 0-16,-106 17 16,-53 0-16,70 18 15,124-35 1,-177 0 0,54 17-1,52-17-15,-105 17 16,-89 18-16,88-17 15,71 17 1,-53 0 0,124-18-1,-36 18 1,-140-18-16,105 18 16,-53-17-1,-18-1 1,-70 18-1,-35 0 1,-1 0-16,1 0 16,17 0-16,-17 0 156,0 0-140,-1 0-1,1-18-15,17 18 16,-17 0-16,17-17 15,0 17 1,18 0 0,-18 0-1,1-18-15,-19 18 16,36-18-16,0 18 16,53-17-1,-53-1 1,-18 18-1,1-17 1,-19 17-16</inkml:trace>
   <inkml:trace contextRef="#ctx0" brushRef="#br0" timeOffset="41798.42">12594 2716 0,'0'0'0,"-17"0"0,17-17 16,-36 17-16,-70-18 16,71 18-1,-124 0 1,18 18-1,71 35 1,-71 35 0,35 53-16,53-70 15,18-36-15,35 53 16,-18 71 0,18-124-1,0 106 1,53 71-1,-35-159-15,70 123 16,0-35 0,-35-123-1,0 52 1,-18-52 0,-17-18-1,17 18-15,-17-18 16,-1 0-16,36 0 15,18-18 1,-1-35 0,36-17-1,-71 52 1,71-88-16</inkml:trace>
@@ -1481,7 +3409,7 @@
   <inkml:trace contextRef="#ctx0" brushRef="#br0" timeOffset="-137442.52">30092 10019 0,'0'18'16,"0"17"-16,0 88 16,0-17-16,-18 18 15,18 17-15,0 70 16,0-87 0,0 17-1,0-71 1,0 19-16,0-54 15,0 18-15,0-35 16,0-1 0,-17-34 46</inkml:trace>
   <inkml:trace contextRef="#ctx0" brushRef="#br0" timeOffset="-137017.53">29351 10195 0,'0'-17'31,"35"-19"-16,1 36 1,34-35-16,18 0 16,71-36-16,-71 36 15,36-18 1,-18 18-16,-36-18 16,107-18-16,-142 36 15,18 0 1,-18 35-1,-35-18 1</inkml:trace>
   <inkml:trace contextRef="#ctx0" brushRef="#br0" timeOffset="-136030.28">30621 10301 0,'0'18'31,"0"-1"-16,18 36-15,-1 0 16,1-17 0,-18-19-16,18 18 15,17-35 79,-17-52-94,17 16 16,0 19-16,-17-36 15,17-18 1,-17 18 0,-18 18-1,17 53 79,-17 17-78,18 0-16,0 0 15,-1 36-15,-17-53 16,18 87-1,-18 54 1,0-53 0,0-71-16,0 89 15,-18-124 1,18 17-16,-17 1 16,-1 0-1,0-18 1,1 0 15,-1-18-15,0 18-16,18-18 15,-17 1 1,-1 17 0,18-36-16,0 1 15,0 0-15,0 17 16,0 1-1,18-36-15</inkml:trace>
-  <inkml:trace contextRef="#ctx0" brushRef="#br0" timeOffset="-135283.21">31133 10195 0,'35'36'16,"-17"-1"-16,-18 18 15,35-18 1,-18 53-16,-17-35 15,36 53 1,-36-35 0,0-54-1,0 36 1,0-35 0,0-54 30,-18-16-30,-17-1-16,17 0 16,1-18-16,-1 18 15,0-17-15,18 34 16,-17-52 0,17 35-1,0 36 1,35-36-1,18-18-15,-36 54 16,72-19 0,-19 19-1,-35-1 1,1 18 0,-19 0-1,1 18-15,0 52 16,-1 18-1,-17-35 1,0-17-16,0-1 16,0 53-1,-17-70 1,-1 17-16,0-17 16,1-18 30</inkml:trace>
+  <inkml:trace contextRef="#ctx0" brushRef="#br0" timeOffset="-135283.22">31133 10195 0,'35'36'16,"-17"-1"-16,-18 18 15,35-18 1,-18 53-16,-17-35 15,36 53 1,-36-35 0,0-54-1,0 36 1,0-35 0,0-54 30,-18-16-30,-17-1-16,17 0 16,1-18-16,-1 18 15,0-17-15,18 34 16,-17-52 0,17 35-1,0 36 1,35-36-1,18-18-15,-36 54 16,72-19 0,-19 19-1,-35-1 1,1 18 0,-19 0-1,1 18-15,0 52 16,-1 18-1,-17-35 1,0-17-16,0-1 16,0 53-1,-17-70 1,-1 17-16,0-17 16,1-18 30</inkml:trace>
   <inkml:trace contextRef="#ctx0" brushRef="#br0" timeOffset="-134656.33">31591 10372 0,'18'0'16,"0"0"-16,-1 0 16,1-18-1,-1 0 1,36-17-1,-35 17 1,17 1-16,-35-36 16,18 35-1,-18 1 1,-18 17 46,1 35-62,-19-17 16,19-1-16,-1 18 16,18-17-1,0 17-15,0 1 32,0-19-17,0 1 1,0 0 15,18-18-15,-1 17-1,1-17 1,35 0-16,-18-35 16,36 0-1,-36-1 1,0 1-1,54-53-15</inkml:trace>
   <inkml:trace contextRef="#ctx0" brushRef="#br0" timeOffset="-134291.43">32367 9578 0,'18'18'47,"0"17"-47,-18-18 16,0 19-16,35 34 15,-17-17-15,-18-18 16,17 54 0,1-54-1,-1 36 1,-17-54-16,0 1 16</inkml:trace>
   <inkml:trace contextRef="#ctx0" brushRef="#br0" timeOffset="-133462.36">30850 11730 0,'0'35'47,"0"18"-31,0 0-16,0 18 15,0-19-15,0 37 16,0 69-1,0-87-15,0 17 16,0-35-16,0 18 16,0-36-1,0-17-15</inkml:trace>
@@ -1697,7 +3625,7 @@
           <a:p>
             <a:fld id="{CAB0E1C8-AC55-4355-944D-9A14D77619E7}" type="datetimeFigureOut">
               <a:rPr lang="en-IN" smtClean="0"/>
-              <a:t>01-07-2021</a:t>
+              <a:t>02-07-2021</a:t>
             </a:fld>
             <a:endParaRPr lang="en-IN"/>
           </a:p>
@@ -1972,7 +3900,7 @@
           <a:p>
             <a:fld id="{CAB0E1C8-AC55-4355-944D-9A14D77619E7}" type="datetimeFigureOut">
               <a:rPr lang="en-IN" smtClean="0"/>
-              <a:t>01-07-2021</a:t>
+              <a:t>02-07-2021</a:t>
             </a:fld>
             <a:endParaRPr lang="en-IN"/>
           </a:p>
@@ -2166,7 +4094,7 @@
           <a:p>
             <a:fld id="{CAB0E1C8-AC55-4355-944D-9A14D77619E7}" type="datetimeFigureOut">
               <a:rPr lang="en-IN" smtClean="0"/>
-              <a:t>01-07-2021</a:t>
+              <a:t>02-07-2021</a:t>
             </a:fld>
             <a:endParaRPr lang="en-IN"/>
           </a:p>
@@ -2439,7 +4367,7 @@
           <a:p>
             <a:fld id="{CAB0E1C8-AC55-4355-944D-9A14D77619E7}" type="datetimeFigureOut">
               <a:rPr lang="en-IN" smtClean="0"/>
-              <a:t>01-07-2021</a:t>
+              <a:t>02-07-2021</a:t>
             </a:fld>
             <a:endParaRPr lang="en-IN"/>
           </a:p>
@@ -2780,7 +4708,7 @@
           <a:p>
             <a:fld id="{CAB0E1C8-AC55-4355-944D-9A14D77619E7}" type="datetimeFigureOut">
               <a:rPr lang="en-IN" smtClean="0"/>
-              <a:t>01-07-2021</a:t>
+              <a:t>02-07-2021</a:t>
             </a:fld>
             <a:endParaRPr lang="en-IN"/>
           </a:p>
@@ -3403,7 +5331,7 @@
           <a:p>
             <a:fld id="{CAB0E1C8-AC55-4355-944D-9A14D77619E7}" type="datetimeFigureOut">
               <a:rPr lang="en-IN" smtClean="0"/>
-              <a:t>01-07-2021</a:t>
+              <a:t>02-07-2021</a:t>
             </a:fld>
             <a:endParaRPr lang="en-IN"/>
           </a:p>
@@ -4263,7 +6191,7 @@
           <a:p>
             <a:fld id="{CAB0E1C8-AC55-4355-944D-9A14D77619E7}" type="datetimeFigureOut">
               <a:rPr lang="en-IN" smtClean="0"/>
-              <a:t>01-07-2021</a:t>
+              <a:t>02-07-2021</a:t>
             </a:fld>
             <a:endParaRPr lang="en-IN"/>
           </a:p>
@@ -4433,7 +6361,7 @@
           <a:p>
             <a:fld id="{CAB0E1C8-AC55-4355-944D-9A14D77619E7}" type="datetimeFigureOut">
               <a:rPr lang="en-IN" smtClean="0"/>
-              <a:t>01-07-2021</a:t>
+              <a:t>02-07-2021</a:t>
             </a:fld>
             <a:endParaRPr lang="en-IN"/>
           </a:p>
@@ -4613,7 +6541,7 @@
           <a:p>
             <a:fld id="{CAB0E1C8-AC55-4355-944D-9A14D77619E7}" type="datetimeFigureOut">
               <a:rPr lang="en-IN" smtClean="0"/>
-              <a:t>01-07-2021</a:t>
+              <a:t>02-07-2021</a:t>
             </a:fld>
             <a:endParaRPr lang="en-IN"/>
           </a:p>
@@ -4783,7 +6711,7 @@
           <a:p>
             <a:fld id="{CAB0E1C8-AC55-4355-944D-9A14D77619E7}" type="datetimeFigureOut">
               <a:rPr lang="en-IN" smtClean="0"/>
-              <a:t>01-07-2021</a:t>
+              <a:t>02-07-2021</a:t>
             </a:fld>
             <a:endParaRPr lang="en-IN"/>
           </a:p>
@@ -5030,7 +6958,7 @@
           <a:p>
             <a:fld id="{CAB0E1C8-AC55-4355-944D-9A14D77619E7}" type="datetimeFigureOut">
               <a:rPr lang="en-IN" smtClean="0"/>
-              <a:t>01-07-2021</a:t>
+              <a:t>02-07-2021</a:t>
             </a:fld>
             <a:endParaRPr lang="en-IN"/>
           </a:p>
@@ -5322,7 +7250,7 @@
           <a:p>
             <a:fld id="{CAB0E1C8-AC55-4355-944D-9A14D77619E7}" type="datetimeFigureOut">
               <a:rPr lang="en-IN" smtClean="0"/>
-              <a:t>01-07-2021</a:t>
+              <a:t>02-07-2021</a:t>
             </a:fld>
             <a:endParaRPr lang="en-IN"/>
           </a:p>
@@ -5766,7 +7694,7 @@
           <a:p>
             <a:fld id="{CAB0E1C8-AC55-4355-944D-9A14D77619E7}" type="datetimeFigureOut">
               <a:rPr lang="en-IN" smtClean="0"/>
-              <a:t>01-07-2021</a:t>
+              <a:t>02-07-2021</a:t>
             </a:fld>
             <a:endParaRPr lang="en-IN"/>
           </a:p>
@@ -5884,7 +7812,7 @@
           <a:p>
             <a:fld id="{CAB0E1C8-AC55-4355-944D-9A14D77619E7}" type="datetimeFigureOut">
               <a:rPr lang="en-IN" smtClean="0"/>
-              <a:t>01-07-2021</a:t>
+              <a:t>02-07-2021</a:t>
             </a:fld>
             <a:endParaRPr lang="en-IN"/>
           </a:p>
@@ -5979,7 +7907,7 @@
           <a:p>
             <a:fld id="{CAB0E1C8-AC55-4355-944D-9A14D77619E7}" type="datetimeFigureOut">
               <a:rPr lang="en-IN" smtClean="0"/>
-              <a:t>01-07-2021</a:t>
+              <a:t>02-07-2021</a:t>
             </a:fld>
             <a:endParaRPr lang="en-IN"/>
           </a:p>
@@ -6258,7 +8186,7 @@
           <a:p>
             <a:fld id="{CAB0E1C8-AC55-4355-944D-9A14D77619E7}" type="datetimeFigureOut">
               <a:rPr lang="en-IN" smtClean="0"/>
-              <a:t>01-07-2021</a:t>
+              <a:t>02-07-2021</a:t>
             </a:fld>
             <a:endParaRPr lang="en-IN"/>
           </a:p>
@@ -6533,7 +8461,7 @@
           <a:p>
             <a:fld id="{CAB0E1C8-AC55-4355-944D-9A14D77619E7}" type="datetimeFigureOut">
               <a:rPr lang="en-IN" smtClean="0"/>
-              <a:t>01-07-2021</a:t>
+              <a:t>02-07-2021</a:t>
             </a:fld>
             <a:endParaRPr lang="en-IN"/>
           </a:p>
@@ -6962,7 +8890,7 @@
           <a:p>
             <a:fld id="{CAB0E1C8-AC55-4355-944D-9A14D77619E7}" type="datetimeFigureOut">
               <a:rPr lang="en-IN" smtClean="0"/>
-              <a:t>01-07-2021</a:t>
+              <a:t>02-07-2021</a:t>
             </a:fld>
             <a:endParaRPr lang="en-IN"/>
           </a:p>
@@ -8389,6 +10317,306 @@
 </p:sld>
 </file>
 
+<file path=ppt/slides/slide17.xml><?xml version="1.0" encoding="utf-8"?>
+<p:sld xmlns:a="http://schemas.openxmlformats.org/drawingml/2006/main" xmlns:r="http://schemas.openxmlformats.org/officeDocument/2006/relationships" xmlns:p="http://schemas.openxmlformats.org/presentationml/2006/main">
+  <p:cSld>
+    <p:spTree>
+      <p:nvGrpSpPr>
+        <p:cNvPr id="1" name=""/>
+        <p:cNvGrpSpPr/>
+        <p:nvPr/>
+      </p:nvGrpSpPr>
+      <p:grpSpPr>
+        <a:xfrm>
+          <a:off x="0" y="0"/>
+          <a:ext cx="0" cy="0"/>
+          <a:chOff x="0" y="0"/>
+          <a:chExt cx="0" cy="0"/>
+        </a:xfrm>
+      </p:grpSpPr>
+      <p:sp>
+        <p:nvSpPr>
+          <p:cNvPr id="2" name="Title 1">
+            <a:extLst>
+              <a:ext uri="{FF2B5EF4-FFF2-40B4-BE49-F238E27FC236}">
+                <a16:creationId xmlns:a16="http://schemas.microsoft.com/office/drawing/2014/main" id="{6AE563B7-4E0C-46FE-94FC-FF3357AFB1D1}"/>
+              </a:ext>
+            </a:extLst>
+          </p:cNvPr>
+          <p:cNvSpPr>
+            <a:spLocks noGrp="1"/>
+          </p:cNvSpPr>
+          <p:nvPr>
+            <p:ph type="ctrTitle"/>
+          </p:nvPr>
+        </p:nvSpPr>
+        <p:spPr/>
+        <p:txBody>
+          <a:bodyPr/>
+          <a:lstStyle/>
+          <a:p>
+            <a:r>
+              <a:rPr lang="en-IN" dirty="0"/>
+              <a:t>Introduction to AWS</a:t>
+            </a:r>
+          </a:p>
+        </p:txBody>
+      </p:sp>
+      <p:sp>
+        <p:nvSpPr>
+          <p:cNvPr id="3" name="Subtitle 2">
+            <a:extLst>
+              <a:ext uri="{FF2B5EF4-FFF2-40B4-BE49-F238E27FC236}">
+                <a16:creationId xmlns:a16="http://schemas.microsoft.com/office/drawing/2014/main" id="{EEC964D8-E3B8-47C4-A519-C117C16C5B77}"/>
+              </a:ext>
+            </a:extLst>
+          </p:cNvPr>
+          <p:cNvSpPr>
+            <a:spLocks noGrp="1"/>
+          </p:cNvSpPr>
+          <p:nvPr>
+            <p:ph type="subTitle" idx="1"/>
+          </p:nvPr>
+        </p:nvSpPr>
+        <p:spPr/>
+        <p:txBody>
+          <a:bodyPr/>
+          <a:lstStyle/>
+          <a:p>
+            <a:r>
+              <a:rPr lang="en-IN" dirty="0"/>
+              <a:t>Karthick Selvam</a:t>
+            </a:r>
+          </a:p>
+        </p:txBody>
+      </p:sp>
+    </p:spTree>
+    <p:extLst>
+      <p:ext uri="{BB962C8B-B14F-4D97-AF65-F5344CB8AC3E}">
+        <p14:creationId xmlns:p14="http://schemas.microsoft.com/office/powerpoint/2010/main" val="1080629525"/>
+      </p:ext>
+    </p:extLst>
+  </p:cSld>
+  <p:clrMapOvr>
+    <a:masterClrMapping/>
+  </p:clrMapOvr>
+</p:sld>
+</file>
+
+<file path=ppt/slides/slide18.xml><?xml version="1.0" encoding="utf-8"?>
+<p:sld xmlns:a="http://schemas.openxmlformats.org/drawingml/2006/main" xmlns:r="http://schemas.openxmlformats.org/officeDocument/2006/relationships" xmlns:p="http://schemas.openxmlformats.org/presentationml/2006/main">
+  <p:cSld>
+    <p:spTree>
+      <p:nvGrpSpPr>
+        <p:cNvPr id="1" name=""/>
+        <p:cNvGrpSpPr/>
+        <p:nvPr/>
+      </p:nvGrpSpPr>
+      <p:grpSpPr>
+        <a:xfrm>
+          <a:off x="0" y="0"/>
+          <a:ext cx="0" cy="0"/>
+          <a:chOff x="0" y="0"/>
+          <a:chExt cx="0" cy="0"/>
+        </a:xfrm>
+      </p:grpSpPr>
+      <p:sp>
+        <p:nvSpPr>
+          <p:cNvPr id="2" name="Title 1">
+            <a:extLst>
+              <a:ext uri="{FF2B5EF4-FFF2-40B4-BE49-F238E27FC236}">
+                <a16:creationId xmlns:a16="http://schemas.microsoft.com/office/drawing/2014/main" id="{11DB909A-9543-45D4-9129-A1140778C4DE}"/>
+              </a:ext>
+            </a:extLst>
+          </p:cNvPr>
+          <p:cNvSpPr>
+            <a:spLocks noGrp="1"/>
+          </p:cNvSpPr>
+          <p:nvPr>
+            <p:ph type="title"/>
+          </p:nvPr>
+        </p:nvSpPr>
+        <p:spPr/>
+        <p:txBody>
+          <a:bodyPr/>
+          <a:lstStyle/>
+          <a:p>
+            <a:r>
+              <a:rPr lang="en-IN" dirty="0"/>
+              <a:t>Cloud Vendors</a:t>
+            </a:r>
+          </a:p>
+        </p:txBody>
+      </p:sp>
+      <p:sp>
+        <p:nvSpPr>
+          <p:cNvPr id="3" name="Content Placeholder 2">
+            <a:extLst>
+              <a:ext uri="{FF2B5EF4-FFF2-40B4-BE49-F238E27FC236}">
+                <a16:creationId xmlns:a16="http://schemas.microsoft.com/office/drawing/2014/main" id="{C614947A-0296-4953-A8CF-79C1B8FE5DE5}"/>
+              </a:ext>
+            </a:extLst>
+          </p:cNvPr>
+          <p:cNvSpPr>
+            <a:spLocks noGrp="1"/>
+          </p:cNvSpPr>
+          <p:nvPr>
+            <p:ph idx="1"/>
+          </p:nvPr>
+        </p:nvSpPr>
+        <p:spPr/>
+        <p:txBody>
+          <a:bodyPr/>
+          <a:lstStyle/>
+          <a:p>
+            <a:r>
+              <a:rPr lang="en-IN" dirty="0"/>
+              <a:t>Google Cloud</a:t>
+            </a:r>
+          </a:p>
+          <a:p>
+            <a:r>
+              <a:rPr lang="en-IN" dirty="0"/>
+              <a:t>Amazon Cloud</a:t>
+            </a:r>
+          </a:p>
+          <a:p>
+            <a:r>
+              <a:rPr lang="en-IN" dirty="0"/>
+              <a:t>Microsoft Azure Cloud</a:t>
+            </a:r>
+          </a:p>
+          <a:p>
+            <a:r>
+              <a:rPr lang="en-IN" dirty="0"/>
+              <a:t>Oracle Cloud</a:t>
+            </a:r>
+          </a:p>
+          <a:p>
+            <a:r>
+              <a:rPr lang="en-IN" dirty="0"/>
+              <a:t>IBM Cloud</a:t>
+            </a:r>
+          </a:p>
+        </p:txBody>
+      </p:sp>
+    </p:spTree>
+    <p:extLst>
+      <p:ext uri="{BB962C8B-B14F-4D97-AF65-F5344CB8AC3E}">
+        <p14:creationId xmlns:p14="http://schemas.microsoft.com/office/powerpoint/2010/main" val="1845380732"/>
+      </p:ext>
+    </p:extLst>
+  </p:cSld>
+  <p:clrMapOvr>
+    <a:masterClrMapping/>
+  </p:clrMapOvr>
+</p:sld>
+</file>
+
+<file path=ppt/slides/slide19.xml><?xml version="1.0" encoding="utf-8"?>
+<p:sld xmlns:a="http://schemas.openxmlformats.org/drawingml/2006/main" xmlns:r="http://schemas.openxmlformats.org/officeDocument/2006/relationships" xmlns:p="http://schemas.openxmlformats.org/presentationml/2006/main">
+  <p:cSld>
+    <p:spTree>
+      <p:nvGrpSpPr>
+        <p:cNvPr id="1" name=""/>
+        <p:cNvGrpSpPr/>
+        <p:nvPr/>
+      </p:nvGrpSpPr>
+      <p:grpSpPr>
+        <a:xfrm>
+          <a:off x="0" y="0"/>
+          <a:ext cx="0" cy="0"/>
+          <a:chOff x="0" y="0"/>
+          <a:chExt cx="0" cy="0"/>
+        </a:xfrm>
+      </p:grpSpPr>
+      <p:sp>
+        <p:nvSpPr>
+          <p:cNvPr id="2" name="Title 1">
+            <a:extLst>
+              <a:ext uri="{FF2B5EF4-FFF2-40B4-BE49-F238E27FC236}">
+                <a16:creationId xmlns:a16="http://schemas.microsoft.com/office/drawing/2014/main" id="{A5F15C13-64D7-46B8-9260-EDAF199415EC}"/>
+              </a:ext>
+            </a:extLst>
+          </p:cNvPr>
+          <p:cNvSpPr>
+            <a:spLocks noGrp="1"/>
+          </p:cNvSpPr>
+          <p:nvPr>
+            <p:ph type="title"/>
+          </p:nvPr>
+        </p:nvSpPr>
+        <p:spPr/>
+        <p:txBody>
+          <a:bodyPr/>
+          <a:lstStyle/>
+          <a:p>
+            <a:r>
+              <a:rPr lang="en-IN" dirty="0"/>
+              <a:t>Types Cloud</a:t>
+            </a:r>
+          </a:p>
+        </p:txBody>
+      </p:sp>
+      <p:sp>
+        <p:nvSpPr>
+          <p:cNvPr id="3" name="Content Placeholder 2">
+            <a:extLst>
+              <a:ext uri="{FF2B5EF4-FFF2-40B4-BE49-F238E27FC236}">
+                <a16:creationId xmlns:a16="http://schemas.microsoft.com/office/drawing/2014/main" id="{ED5D5E00-4E93-40DD-ADDE-746E1EF6635F}"/>
+              </a:ext>
+            </a:extLst>
+          </p:cNvPr>
+          <p:cNvSpPr>
+            <a:spLocks noGrp="1"/>
+          </p:cNvSpPr>
+          <p:nvPr>
+            <p:ph idx="1"/>
+          </p:nvPr>
+        </p:nvSpPr>
+        <p:spPr/>
+        <p:txBody>
+          <a:bodyPr/>
+          <a:lstStyle/>
+          <a:p>
+            <a:r>
+              <a:rPr lang="en-IN" dirty="0"/>
+              <a:t>Public Cloud</a:t>
+            </a:r>
+          </a:p>
+          <a:p>
+            <a:r>
+              <a:rPr lang="en-IN" dirty="0"/>
+              <a:t>Private Cloud</a:t>
+            </a:r>
+          </a:p>
+          <a:p>
+            <a:r>
+              <a:rPr lang="en-IN" dirty="0"/>
+              <a:t>Hybrid Cloud</a:t>
+            </a:r>
+          </a:p>
+          <a:p>
+            <a:r>
+              <a:rPr lang="en-IN" dirty="0"/>
+              <a:t>Community Cloud</a:t>
+            </a:r>
+          </a:p>
+        </p:txBody>
+      </p:sp>
+    </p:spTree>
+    <p:extLst>
+      <p:ext uri="{BB962C8B-B14F-4D97-AF65-F5344CB8AC3E}">
+        <p14:creationId xmlns:p14="http://schemas.microsoft.com/office/powerpoint/2010/main" val="3081786781"/>
+      </p:ext>
+    </p:extLst>
+  </p:cSld>
+  <p:clrMapOvr>
+    <a:masterClrMapping/>
+  </p:clrMapOvr>
+</p:sld>
+</file>
+
 <file path=ppt/slides/slide2.xml><?xml version="1.0" encoding="utf-8"?>
 <p:sld xmlns:a="http://schemas.openxmlformats.org/drawingml/2006/main" xmlns:r="http://schemas.openxmlformats.org/officeDocument/2006/relationships" xmlns:p="http://schemas.openxmlformats.org/presentationml/2006/main">
   <p:cSld>
@@ -8456,13 +10684,21 @@
           <a:lstStyle/>
           <a:p>
             <a:r>
-              <a:rPr lang="en-IN" dirty="0"/>
+              <a:rPr lang="en-IN" dirty="0">
+                <a:highlight>
+                  <a:srgbClr val="C0C0C0"/>
+                </a:highlight>
+              </a:rPr>
               <a:t>Introduction to AWS, Usage, core concepts such as elasticity, scalability, virtualization</a:t>
             </a:r>
           </a:p>
           <a:p>
             <a:r>
-              <a:rPr lang="en-IN" dirty="0"/>
+              <a:rPr lang="en-IN" dirty="0">
+                <a:highlight>
+                  <a:srgbClr val="C0C0C0"/>
+                </a:highlight>
+              </a:rPr>
               <a:t>IaaS, PaaS, SaaS</a:t>
             </a:r>
           </a:p>
@@ -8480,7 +10716,11 @@
           </a:p>
           <a:p>
             <a:r>
-              <a:rPr lang="en-IN" dirty="0"/>
+              <a:rPr lang="en-IN" dirty="0">
+                <a:highlight>
+                  <a:srgbClr val="C0C0C0"/>
+                </a:highlight>
+              </a:rPr>
               <a:t>Region, Availability Zone, Edge Locations</a:t>
             </a:r>
           </a:p>
@@ -8496,6 +10736,1329 @@
     <p:extLst>
       <p:ext uri="{BB962C8B-B14F-4D97-AF65-F5344CB8AC3E}">
         <p14:creationId xmlns:p14="http://schemas.microsoft.com/office/powerpoint/2010/main" val="2131365386"/>
+      </p:ext>
+    </p:extLst>
+  </p:cSld>
+  <p:clrMapOvr>
+    <a:masterClrMapping/>
+  </p:clrMapOvr>
+</p:sld>
+</file>
+
+<file path=ppt/slides/slide20.xml><?xml version="1.0" encoding="utf-8"?>
+<p:sld xmlns:a="http://schemas.openxmlformats.org/drawingml/2006/main" xmlns:r="http://schemas.openxmlformats.org/officeDocument/2006/relationships" xmlns:p="http://schemas.openxmlformats.org/presentationml/2006/main">
+  <p:cSld>
+    <p:spTree>
+      <p:nvGrpSpPr>
+        <p:cNvPr id="1" name=""/>
+        <p:cNvGrpSpPr/>
+        <p:nvPr/>
+      </p:nvGrpSpPr>
+      <p:grpSpPr>
+        <a:xfrm>
+          <a:off x="0" y="0"/>
+          <a:ext cx="0" cy="0"/>
+          <a:chOff x="0" y="0"/>
+          <a:chExt cx="0" cy="0"/>
+        </a:xfrm>
+      </p:grpSpPr>
+      <p:sp>
+        <p:nvSpPr>
+          <p:cNvPr id="2" name="Title 1">
+            <a:extLst>
+              <a:ext uri="{FF2B5EF4-FFF2-40B4-BE49-F238E27FC236}">
+                <a16:creationId xmlns:a16="http://schemas.microsoft.com/office/drawing/2014/main" id="{59DF030D-7559-4BCC-8E1D-31E5138A0820}"/>
+              </a:ext>
+            </a:extLst>
+          </p:cNvPr>
+          <p:cNvSpPr>
+            <a:spLocks noGrp="1"/>
+          </p:cNvSpPr>
+          <p:nvPr>
+            <p:ph type="title"/>
+          </p:nvPr>
+        </p:nvSpPr>
+        <p:spPr/>
+        <p:txBody>
+          <a:bodyPr/>
+          <a:lstStyle/>
+          <a:p>
+            <a:endParaRPr lang="en-IN"/>
+          </a:p>
+        </p:txBody>
+      </p:sp>
+      <p:sp>
+        <p:nvSpPr>
+          <p:cNvPr id="3" name="Content Placeholder 2">
+            <a:extLst>
+              <a:ext uri="{FF2B5EF4-FFF2-40B4-BE49-F238E27FC236}">
+                <a16:creationId xmlns:a16="http://schemas.microsoft.com/office/drawing/2014/main" id="{5A356843-684C-4BFD-B96C-C0C59D60EDC0}"/>
+              </a:ext>
+            </a:extLst>
+          </p:cNvPr>
+          <p:cNvSpPr>
+            <a:spLocks noGrp="1"/>
+          </p:cNvSpPr>
+          <p:nvPr>
+            <p:ph idx="1"/>
+          </p:nvPr>
+        </p:nvSpPr>
+        <p:spPr/>
+        <p:txBody>
+          <a:bodyPr/>
+          <a:lstStyle/>
+          <a:p>
+            <a:endParaRPr lang="en-IN"/>
+          </a:p>
+        </p:txBody>
+      </p:sp>
+      <mc:AlternateContent xmlns:mc="http://schemas.openxmlformats.org/markup-compatibility/2006">
+        <mc:Choice xmlns:p14="http://schemas.microsoft.com/office/powerpoint/2010/main" Requires="p14">
+          <p:contentPart p14:bwMode="auto" r:id="rId2">
+            <p14:nvContentPartPr>
+              <p14:cNvPr id="4" name="Ink 3">
+                <a:extLst>
+                  <a:ext uri="{FF2B5EF4-FFF2-40B4-BE49-F238E27FC236}">
+                    <a16:creationId xmlns:a16="http://schemas.microsoft.com/office/drawing/2014/main" id="{487F5575-A4B4-42F8-800B-48E967CE4705}"/>
+                  </a:ext>
+                </a:extLst>
+              </p14:cNvPr>
+              <p14:cNvContentPartPr/>
+              <p14:nvPr/>
+            </p14:nvContentPartPr>
+            <p14:xfrm>
+              <a:off x="0" y="139680"/>
+              <a:ext cx="12052800" cy="6604200"/>
+            </p14:xfrm>
+          </p:contentPart>
+        </mc:Choice>
+        <mc:Fallback>
+          <p:pic>
+            <p:nvPicPr>
+              <p:cNvPr id="4" name="Ink 3">
+                <a:extLst>
+                  <a:ext uri="{FF2B5EF4-FFF2-40B4-BE49-F238E27FC236}">
+                    <a16:creationId xmlns:a16="http://schemas.microsoft.com/office/drawing/2014/main" id="{487F5575-A4B4-42F8-800B-48E967CE4705}"/>
+                  </a:ext>
+                </a:extLst>
+              </p:cNvPr>
+              <p:cNvPicPr/>
+              <p:nvPr/>
+            </p:nvPicPr>
+            <p:blipFill>
+              <a:blip r:embed="rId3"/>
+              <a:stretch>
+                <a:fillRect/>
+              </a:stretch>
+            </p:blipFill>
+            <p:spPr>
+              <a:xfrm>
+                <a:off x="-9360" y="130320"/>
+                <a:ext cx="12071520" cy="6622920"/>
+              </a:xfrm>
+              <a:prstGeom prst="rect">
+                <a:avLst/>
+              </a:prstGeom>
+            </p:spPr>
+          </p:pic>
+        </mc:Fallback>
+      </mc:AlternateContent>
+    </p:spTree>
+    <p:extLst>
+      <p:ext uri="{BB962C8B-B14F-4D97-AF65-F5344CB8AC3E}">
+        <p14:creationId xmlns:p14="http://schemas.microsoft.com/office/powerpoint/2010/main" val="2404325471"/>
+      </p:ext>
+    </p:extLst>
+  </p:cSld>
+  <p:clrMapOvr>
+    <a:masterClrMapping/>
+  </p:clrMapOvr>
+</p:sld>
+</file>
+
+<file path=ppt/slides/slide21.xml><?xml version="1.0" encoding="utf-8"?>
+<p:sld xmlns:a="http://schemas.openxmlformats.org/drawingml/2006/main" xmlns:r="http://schemas.openxmlformats.org/officeDocument/2006/relationships" xmlns:p="http://schemas.openxmlformats.org/presentationml/2006/main">
+  <p:cSld>
+    <p:spTree>
+      <p:nvGrpSpPr>
+        <p:cNvPr id="1" name=""/>
+        <p:cNvGrpSpPr/>
+        <p:nvPr/>
+      </p:nvGrpSpPr>
+      <p:grpSpPr>
+        <a:xfrm>
+          <a:off x="0" y="0"/>
+          <a:ext cx="0" cy="0"/>
+          <a:chOff x="0" y="0"/>
+          <a:chExt cx="0" cy="0"/>
+        </a:xfrm>
+      </p:grpSpPr>
+      <p:sp>
+        <p:nvSpPr>
+          <p:cNvPr id="2" name="Title 1">
+            <a:extLst>
+              <a:ext uri="{FF2B5EF4-FFF2-40B4-BE49-F238E27FC236}">
+                <a16:creationId xmlns:a16="http://schemas.microsoft.com/office/drawing/2014/main" id="{03536B94-7493-4FD2-9D71-01B6BEE373C1}"/>
+              </a:ext>
+            </a:extLst>
+          </p:cNvPr>
+          <p:cNvSpPr>
+            <a:spLocks noGrp="1"/>
+          </p:cNvSpPr>
+          <p:nvPr>
+            <p:ph type="title"/>
+          </p:nvPr>
+        </p:nvSpPr>
+        <p:spPr/>
+        <p:txBody>
+          <a:bodyPr/>
+          <a:lstStyle/>
+          <a:p>
+            <a:r>
+              <a:rPr lang="en-IN" dirty="0"/>
+              <a:t>What kind of service that cloud companies will offer?</a:t>
+            </a:r>
+          </a:p>
+        </p:txBody>
+      </p:sp>
+      <p:sp>
+        <p:nvSpPr>
+          <p:cNvPr id="3" name="Content Placeholder 2">
+            <a:extLst>
+              <a:ext uri="{FF2B5EF4-FFF2-40B4-BE49-F238E27FC236}">
+                <a16:creationId xmlns:a16="http://schemas.microsoft.com/office/drawing/2014/main" id="{1B13467E-30F5-4469-8A01-060BBBFEA51F}"/>
+              </a:ext>
+            </a:extLst>
+          </p:cNvPr>
+          <p:cNvSpPr>
+            <a:spLocks noGrp="1"/>
+          </p:cNvSpPr>
+          <p:nvPr>
+            <p:ph idx="1"/>
+          </p:nvPr>
+        </p:nvSpPr>
+        <p:spPr/>
+        <p:txBody>
+          <a:bodyPr>
+            <a:normAutofit lnSpcReduction="10000"/>
+          </a:bodyPr>
+          <a:lstStyle/>
+          <a:p>
+            <a:r>
+              <a:rPr lang="en-IN" dirty="0"/>
+              <a:t>IAAS -&gt; </a:t>
+            </a:r>
+          </a:p>
+          <a:p>
+            <a:pPr lvl="1"/>
+            <a:r>
+              <a:rPr lang="en-IN" dirty="0"/>
+              <a:t>CPU + RAM + Network + Storage + OS Template -&gt; Experts, if we maintain the architecture</a:t>
+            </a:r>
+          </a:p>
+          <a:p>
+            <a:pPr lvl="1"/>
+            <a:r>
+              <a:rPr lang="en-IN" dirty="0"/>
+              <a:t>Cloud Company will be responsible for maintaining only the hardware and networking component </a:t>
+            </a:r>
+          </a:p>
+          <a:p>
+            <a:r>
+              <a:rPr lang="en-IN" dirty="0"/>
+              <a:t>SAAS</a:t>
+            </a:r>
+          </a:p>
+          <a:p>
+            <a:pPr lvl="1"/>
+            <a:r>
+              <a:rPr lang="en-IN" dirty="0"/>
+              <a:t>Software as rental -&gt; Developing, Compiling, Debugging</a:t>
+            </a:r>
+          </a:p>
+          <a:p>
+            <a:pPr lvl="1"/>
+            <a:r>
+              <a:rPr lang="en-IN" dirty="0"/>
+              <a:t>Hardware + OS + Security -&gt; Amazon</a:t>
+            </a:r>
+          </a:p>
+          <a:p>
+            <a:r>
+              <a:rPr lang="en-IN" dirty="0"/>
+              <a:t>PAAS</a:t>
+            </a:r>
+          </a:p>
+          <a:p>
+            <a:pPr lvl="1"/>
+            <a:r>
+              <a:rPr lang="en-IN" dirty="0"/>
+              <a:t>Platform as Service -&gt; interface to access it</a:t>
+            </a:r>
+          </a:p>
+          <a:p>
+            <a:pPr lvl="1"/>
+            <a:r>
+              <a:rPr lang="en-IN" dirty="0"/>
+              <a:t>Developing, Compiling, Debugging, Hardware + OS + Security -&gt; Amazon </a:t>
+            </a:r>
+          </a:p>
+        </p:txBody>
+      </p:sp>
+    </p:spTree>
+    <p:extLst>
+      <p:ext uri="{BB962C8B-B14F-4D97-AF65-F5344CB8AC3E}">
+        <p14:creationId xmlns:p14="http://schemas.microsoft.com/office/powerpoint/2010/main" val="1108009669"/>
+      </p:ext>
+    </p:extLst>
+  </p:cSld>
+  <p:clrMapOvr>
+    <a:masterClrMapping/>
+  </p:clrMapOvr>
+</p:sld>
+</file>
+
+<file path=ppt/slides/slide22.xml><?xml version="1.0" encoding="utf-8"?>
+<p:sld xmlns:a="http://schemas.openxmlformats.org/drawingml/2006/main" xmlns:r="http://schemas.openxmlformats.org/officeDocument/2006/relationships" xmlns:p="http://schemas.openxmlformats.org/presentationml/2006/main">
+  <p:cSld>
+    <p:spTree>
+      <p:nvGrpSpPr>
+        <p:cNvPr id="1" name=""/>
+        <p:cNvGrpSpPr/>
+        <p:nvPr/>
+      </p:nvGrpSpPr>
+      <p:grpSpPr>
+        <a:xfrm>
+          <a:off x="0" y="0"/>
+          <a:ext cx="0" cy="0"/>
+          <a:chOff x="0" y="0"/>
+          <a:chExt cx="0" cy="0"/>
+        </a:xfrm>
+      </p:grpSpPr>
+      <p:sp>
+        <p:nvSpPr>
+          <p:cNvPr id="2" name="Title 1">
+            <a:extLst>
+              <a:ext uri="{FF2B5EF4-FFF2-40B4-BE49-F238E27FC236}">
+                <a16:creationId xmlns:a16="http://schemas.microsoft.com/office/drawing/2014/main" id="{6E9CF1F9-2148-4DA3-8EC7-0AEF327F00F2}"/>
+              </a:ext>
+            </a:extLst>
+          </p:cNvPr>
+          <p:cNvSpPr>
+            <a:spLocks noGrp="1"/>
+          </p:cNvSpPr>
+          <p:nvPr>
+            <p:ph type="title"/>
+          </p:nvPr>
+        </p:nvSpPr>
+        <p:spPr/>
+        <p:txBody>
+          <a:bodyPr/>
+          <a:lstStyle/>
+          <a:p>
+            <a:endParaRPr lang="en-IN"/>
+          </a:p>
+        </p:txBody>
+      </p:sp>
+      <p:sp>
+        <p:nvSpPr>
+          <p:cNvPr id="3" name="Content Placeholder 2">
+            <a:extLst>
+              <a:ext uri="{FF2B5EF4-FFF2-40B4-BE49-F238E27FC236}">
+                <a16:creationId xmlns:a16="http://schemas.microsoft.com/office/drawing/2014/main" id="{73D51F50-B323-4A7A-9947-2DC2AB3026AC}"/>
+              </a:ext>
+            </a:extLst>
+          </p:cNvPr>
+          <p:cNvSpPr>
+            <a:spLocks noGrp="1"/>
+          </p:cNvSpPr>
+          <p:nvPr>
+            <p:ph idx="1"/>
+          </p:nvPr>
+        </p:nvSpPr>
+        <p:spPr/>
+        <p:txBody>
+          <a:bodyPr/>
+          <a:lstStyle/>
+          <a:p>
+            <a:endParaRPr lang="en-IN"/>
+          </a:p>
+        </p:txBody>
+      </p:sp>
+      <mc:AlternateContent xmlns:mc="http://schemas.openxmlformats.org/markup-compatibility/2006">
+        <mc:Choice xmlns:p14="http://schemas.microsoft.com/office/powerpoint/2010/main" Requires="p14">
+          <p:contentPart p14:bwMode="auto" r:id="rId2">
+            <p14:nvContentPartPr>
+              <p14:cNvPr id="4" name="Ink 3">
+                <a:extLst>
+                  <a:ext uri="{FF2B5EF4-FFF2-40B4-BE49-F238E27FC236}">
+                    <a16:creationId xmlns:a16="http://schemas.microsoft.com/office/drawing/2014/main" id="{901FD577-A365-4D2E-AE32-00BEDC366B68}"/>
+                  </a:ext>
+                </a:extLst>
+              </p14:cNvPr>
+              <p14:cNvContentPartPr/>
+              <p14:nvPr/>
+            </p14:nvContentPartPr>
+            <p14:xfrm>
+              <a:off x="755640" y="31680"/>
+              <a:ext cx="10008000" cy="6579000"/>
+            </p14:xfrm>
+          </p:contentPart>
+        </mc:Choice>
+        <mc:Fallback>
+          <p:pic>
+            <p:nvPicPr>
+              <p:cNvPr id="4" name="Ink 3">
+                <a:extLst>
+                  <a:ext uri="{FF2B5EF4-FFF2-40B4-BE49-F238E27FC236}">
+                    <a16:creationId xmlns:a16="http://schemas.microsoft.com/office/drawing/2014/main" id="{901FD577-A365-4D2E-AE32-00BEDC366B68}"/>
+                  </a:ext>
+                </a:extLst>
+              </p:cNvPr>
+              <p:cNvPicPr/>
+              <p:nvPr/>
+            </p:nvPicPr>
+            <p:blipFill>
+              <a:blip r:embed="rId3"/>
+              <a:stretch>
+                <a:fillRect/>
+              </a:stretch>
+            </p:blipFill>
+            <p:spPr>
+              <a:xfrm>
+                <a:off x="746280" y="22320"/>
+                <a:ext cx="10026720" cy="6597720"/>
+              </a:xfrm>
+              <a:prstGeom prst="rect">
+                <a:avLst/>
+              </a:prstGeom>
+            </p:spPr>
+          </p:pic>
+        </mc:Fallback>
+      </mc:AlternateContent>
+      <mc:AlternateContent xmlns:mc="http://schemas.openxmlformats.org/markup-compatibility/2006">
+        <mc:Choice xmlns:p14="http://schemas.microsoft.com/office/powerpoint/2010/main" Requires="p14">
+          <p:contentPart p14:bwMode="auto" r:id="rId4">
+            <p14:nvContentPartPr>
+              <p14:cNvPr id="5" name="Ink 4">
+                <a:extLst>
+                  <a:ext uri="{FF2B5EF4-FFF2-40B4-BE49-F238E27FC236}">
+                    <a16:creationId xmlns:a16="http://schemas.microsoft.com/office/drawing/2014/main" id="{0BC2E3C7-A960-4727-AD6F-FDD291520796}"/>
+                  </a:ext>
+                </a:extLst>
+              </p14:cNvPr>
+              <p14:cNvContentPartPr/>
+              <p14:nvPr/>
+            </p14:nvContentPartPr>
+            <p14:xfrm>
+              <a:off x="965160" y="0"/>
+              <a:ext cx="9284040" cy="4229640"/>
+            </p14:xfrm>
+          </p:contentPart>
+        </mc:Choice>
+        <mc:Fallback>
+          <p:pic>
+            <p:nvPicPr>
+              <p:cNvPr id="5" name="Ink 4">
+                <a:extLst>
+                  <a:ext uri="{FF2B5EF4-FFF2-40B4-BE49-F238E27FC236}">
+                    <a16:creationId xmlns:a16="http://schemas.microsoft.com/office/drawing/2014/main" id="{0BC2E3C7-A960-4727-AD6F-FDD291520796}"/>
+                  </a:ext>
+                </a:extLst>
+              </p:cNvPr>
+              <p:cNvPicPr/>
+              <p:nvPr/>
+            </p:nvPicPr>
+            <p:blipFill>
+              <a:blip r:embed="rId5"/>
+              <a:stretch>
+                <a:fillRect/>
+              </a:stretch>
+            </p:blipFill>
+            <p:spPr>
+              <a:xfrm>
+                <a:off x="955800" y="-9360"/>
+                <a:ext cx="9302760" cy="4248360"/>
+              </a:xfrm>
+              <a:prstGeom prst="rect">
+                <a:avLst/>
+              </a:prstGeom>
+            </p:spPr>
+          </p:pic>
+        </mc:Fallback>
+      </mc:AlternateContent>
+    </p:spTree>
+    <p:extLst>
+      <p:ext uri="{BB962C8B-B14F-4D97-AF65-F5344CB8AC3E}">
+        <p14:creationId xmlns:p14="http://schemas.microsoft.com/office/powerpoint/2010/main" val="1157580459"/>
+      </p:ext>
+    </p:extLst>
+  </p:cSld>
+  <p:clrMapOvr>
+    <a:masterClrMapping/>
+  </p:clrMapOvr>
+</p:sld>
+</file>
+
+<file path=ppt/slides/slide23.xml><?xml version="1.0" encoding="utf-8"?>
+<p:sld xmlns:a="http://schemas.openxmlformats.org/drawingml/2006/main" xmlns:r="http://schemas.openxmlformats.org/officeDocument/2006/relationships" xmlns:p="http://schemas.openxmlformats.org/presentationml/2006/main">
+  <p:cSld>
+    <p:spTree>
+      <p:nvGrpSpPr>
+        <p:cNvPr id="1" name=""/>
+        <p:cNvGrpSpPr/>
+        <p:nvPr/>
+      </p:nvGrpSpPr>
+      <p:grpSpPr>
+        <a:xfrm>
+          <a:off x="0" y="0"/>
+          <a:ext cx="0" cy="0"/>
+          <a:chOff x="0" y="0"/>
+          <a:chExt cx="0" cy="0"/>
+        </a:xfrm>
+      </p:grpSpPr>
+      <p:sp>
+        <p:nvSpPr>
+          <p:cNvPr id="2" name="Title 1">
+            <a:extLst>
+              <a:ext uri="{FF2B5EF4-FFF2-40B4-BE49-F238E27FC236}">
+                <a16:creationId xmlns:a16="http://schemas.microsoft.com/office/drawing/2014/main" id="{732CADBD-18FD-4C82-BF6C-FF9248A3CA7F}"/>
+              </a:ext>
+            </a:extLst>
+          </p:cNvPr>
+          <p:cNvSpPr>
+            <a:spLocks noGrp="1"/>
+          </p:cNvSpPr>
+          <p:nvPr>
+            <p:ph type="title"/>
+          </p:nvPr>
+        </p:nvSpPr>
+        <p:spPr/>
+        <p:txBody>
+          <a:bodyPr/>
+          <a:lstStyle/>
+          <a:p>
+            <a:endParaRPr lang="en-IN"/>
+          </a:p>
+        </p:txBody>
+      </p:sp>
+      <p:sp>
+        <p:nvSpPr>
+          <p:cNvPr id="3" name="Content Placeholder 2">
+            <a:extLst>
+              <a:ext uri="{FF2B5EF4-FFF2-40B4-BE49-F238E27FC236}">
+                <a16:creationId xmlns:a16="http://schemas.microsoft.com/office/drawing/2014/main" id="{AC81D104-5FBE-41F8-807A-44761E2C281B}"/>
+              </a:ext>
+            </a:extLst>
+          </p:cNvPr>
+          <p:cNvSpPr>
+            <a:spLocks noGrp="1"/>
+          </p:cNvSpPr>
+          <p:nvPr>
+            <p:ph idx="1"/>
+          </p:nvPr>
+        </p:nvSpPr>
+        <p:spPr/>
+        <p:txBody>
+          <a:bodyPr/>
+          <a:lstStyle/>
+          <a:p>
+            <a:endParaRPr lang="en-IN"/>
+          </a:p>
+        </p:txBody>
+      </p:sp>
+      <mc:AlternateContent xmlns:mc="http://schemas.openxmlformats.org/markup-compatibility/2006">
+        <mc:Choice xmlns:p14="http://schemas.microsoft.com/office/powerpoint/2010/main" Requires="p14">
+          <p:contentPart p14:bwMode="auto" r:id="rId2">
+            <p14:nvContentPartPr>
+              <p14:cNvPr id="4" name="Ink 3">
+                <a:extLst>
+                  <a:ext uri="{FF2B5EF4-FFF2-40B4-BE49-F238E27FC236}">
+                    <a16:creationId xmlns:a16="http://schemas.microsoft.com/office/drawing/2014/main" id="{DB51696D-6677-4112-AF1D-E809BD3C6078}"/>
+                  </a:ext>
+                </a:extLst>
+              </p14:cNvPr>
+              <p14:cNvContentPartPr/>
+              <p14:nvPr/>
+            </p14:nvContentPartPr>
+            <p14:xfrm>
+              <a:off x="12600" y="260280"/>
+              <a:ext cx="11741760" cy="6591600"/>
+            </p14:xfrm>
+          </p:contentPart>
+        </mc:Choice>
+        <mc:Fallback>
+          <p:pic>
+            <p:nvPicPr>
+              <p:cNvPr id="4" name="Ink 3">
+                <a:extLst>
+                  <a:ext uri="{FF2B5EF4-FFF2-40B4-BE49-F238E27FC236}">
+                    <a16:creationId xmlns:a16="http://schemas.microsoft.com/office/drawing/2014/main" id="{DB51696D-6677-4112-AF1D-E809BD3C6078}"/>
+                  </a:ext>
+                </a:extLst>
+              </p:cNvPr>
+              <p:cNvPicPr/>
+              <p:nvPr/>
+            </p:nvPicPr>
+            <p:blipFill>
+              <a:blip r:embed="rId3"/>
+              <a:stretch>
+                <a:fillRect/>
+              </a:stretch>
+            </p:blipFill>
+            <p:spPr>
+              <a:xfrm>
+                <a:off x="3240" y="250920"/>
+                <a:ext cx="11760480" cy="6610320"/>
+              </a:xfrm>
+              <a:prstGeom prst="rect">
+                <a:avLst/>
+              </a:prstGeom>
+            </p:spPr>
+          </p:pic>
+        </mc:Fallback>
+      </mc:AlternateContent>
+    </p:spTree>
+    <p:extLst>
+      <p:ext uri="{BB962C8B-B14F-4D97-AF65-F5344CB8AC3E}">
+        <p14:creationId xmlns:p14="http://schemas.microsoft.com/office/powerpoint/2010/main" val="3971832196"/>
+      </p:ext>
+    </p:extLst>
+  </p:cSld>
+  <p:clrMapOvr>
+    <a:masterClrMapping/>
+  </p:clrMapOvr>
+</p:sld>
+</file>
+
+<file path=ppt/slides/slide24.xml><?xml version="1.0" encoding="utf-8"?>
+<p:sld xmlns:a="http://schemas.openxmlformats.org/drawingml/2006/main" xmlns:r="http://schemas.openxmlformats.org/officeDocument/2006/relationships" xmlns:p="http://schemas.openxmlformats.org/presentationml/2006/main">
+  <p:cSld>
+    <p:spTree>
+      <p:nvGrpSpPr>
+        <p:cNvPr id="1" name=""/>
+        <p:cNvGrpSpPr/>
+        <p:nvPr/>
+      </p:nvGrpSpPr>
+      <p:grpSpPr>
+        <a:xfrm>
+          <a:off x="0" y="0"/>
+          <a:ext cx="0" cy="0"/>
+          <a:chOff x="0" y="0"/>
+          <a:chExt cx="0" cy="0"/>
+        </a:xfrm>
+      </p:grpSpPr>
+      <p:sp>
+        <p:nvSpPr>
+          <p:cNvPr id="2" name="Title 1">
+            <a:extLst>
+              <a:ext uri="{FF2B5EF4-FFF2-40B4-BE49-F238E27FC236}">
+                <a16:creationId xmlns:a16="http://schemas.microsoft.com/office/drawing/2014/main" id="{23318D4A-0920-47B7-BE36-7D81712AD11B}"/>
+              </a:ext>
+            </a:extLst>
+          </p:cNvPr>
+          <p:cNvSpPr>
+            <a:spLocks noGrp="1"/>
+          </p:cNvSpPr>
+          <p:nvPr>
+            <p:ph type="title"/>
+          </p:nvPr>
+        </p:nvSpPr>
+        <p:spPr/>
+        <p:txBody>
+          <a:bodyPr/>
+          <a:lstStyle/>
+          <a:p>
+            <a:endParaRPr lang="en-IN"/>
+          </a:p>
+        </p:txBody>
+      </p:sp>
+      <p:sp>
+        <p:nvSpPr>
+          <p:cNvPr id="3" name="Content Placeholder 2">
+            <a:extLst>
+              <a:ext uri="{FF2B5EF4-FFF2-40B4-BE49-F238E27FC236}">
+                <a16:creationId xmlns:a16="http://schemas.microsoft.com/office/drawing/2014/main" id="{5216E79B-CF4C-4833-8C06-A7EA35D4240C}"/>
+              </a:ext>
+            </a:extLst>
+          </p:cNvPr>
+          <p:cNvSpPr>
+            <a:spLocks noGrp="1"/>
+          </p:cNvSpPr>
+          <p:nvPr>
+            <p:ph idx="1"/>
+          </p:nvPr>
+        </p:nvSpPr>
+        <p:spPr/>
+        <p:txBody>
+          <a:bodyPr/>
+          <a:lstStyle/>
+          <a:p>
+            <a:endParaRPr lang="en-IN"/>
+          </a:p>
+        </p:txBody>
+      </p:sp>
+      <mc:AlternateContent xmlns:mc="http://schemas.openxmlformats.org/markup-compatibility/2006">
+        <mc:Choice xmlns:p14="http://schemas.microsoft.com/office/powerpoint/2010/main" Requires="p14">
+          <p:contentPart p14:bwMode="auto" r:id="rId2">
+            <p14:nvContentPartPr>
+              <p14:cNvPr id="4" name="Ink 3">
+                <a:extLst>
+                  <a:ext uri="{FF2B5EF4-FFF2-40B4-BE49-F238E27FC236}">
+                    <a16:creationId xmlns:a16="http://schemas.microsoft.com/office/drawing/2014/main" id="{044470A4-01FE-45D7-B244-F1DF56A867B3}"/>
+                  </a:ext>
+                </a:extLst>
+              </p14:cNvPr>
+              <p14:cNvContentPartPr/>
+              <p14:nvPr/>
+            </p14:nvContentPartPr>
+            <p14:xfrm>
+              <a:off x="0" y="69840"/>
+              <a:ext cx="11455920" cy="6318720"/>
+            </p14:xfrm>
+          </p:contentPart>
+        </mc:Choice>
+        <mc:Fallback>
+          <p:pic>
+            <p:nvPicPr>
+              <p:cNvPr id="4" name="Ink 3">
+                <a:extLst>
+                  <a:ext uri="{FF2B5EF4-FFF2-40B4-BE49-F238E27FC236}">
+                    <a16:creationId xmlns:a16="http://schemas.microsoft.com/office/drawing/2014/main" id="{044470A4-01FE-45D7-B244-F1DF56A867B3}"/>
+                  </a:ext>
+                </a:extLst>
+              </p:cNvPr>
+              <p:cNvPicPr/>
+              <p:nvPr/>
+            </p:nvPicPr>
+            <p:blipFill>
+              <a:blip r:embed="rId3"/>
+              <a:stretch>
+                <a:fillRect/>
+              </a:stretch>
+            </p:blipFill>
+            <p:spPr>
+              <a:xfrm>
+                <a:off x="-9360" y="60480"/>
+                <a:ext cx="11474640" cy="6337440"/>
+              </a:xfrm>
+              <a:prstGeom prst="rect">
+                <a:avLst/>
+              </a:prstGeom>
+            </p:spPr>
+          </p:pic>
+        </mc:Fallback>
+      </mc:AlternateContent>
+    </p:spTree>
+    <p:extLst>
+      <p:ext uri="{BB962C8B-B14F-4D97-AF65-F5344CB8AC3E}">
+        <p14:creationId xmlns:p14="http://schemas.microsoft.com/office/powerpoint/2010/main" val="1224944930"/>
+      </p:ext>
+    </p:extLst>
+  </p:cSld>
+  <p:clrMapOvr>
+    <a:masterClrMapping/>
+  </p:clrMapOvr>
+</p:sld>
+</file>
+
+<file path=ppt/slides/slide25.xml><?xml version="1.0" encoding="utf-8"?>
+<p:sld xmlns:a="http://schemas.openxmlformats.org/drawingml/2006/main" xmlns:r="http://schemas.openxmlformats.org/officeDocument/2006/relationships" xmlns:p="http://schemas.openxmlformats.org/presentationml/2006/main">
+  <p:cSld>
+    <p:spTree>
+      <p:nvGrpSpPr>
+        <p:cNvPr id="1" name=""/>
+        <p:cNvGrpSpPr/>
+        <p:nvPr/>
+      </p:nvGrpSpPr>
+      <p:grpSpPr>
+        <a:xfrm>
+          <a:off x="0" y="0"/>
+          <a:ext cx="0" cy="0"/>
+          <a:chOff x="0" y="0"/>
+          <a:chExt cx="0" cy="0"/>
+        </a:xfrm>
+      </p:grpSpPr>
+      <p:sp>
+        <p:nvSpPr>
+          <p:cNvPr id="2" name="Title 1">
+            <a:extLst>
+              <a:ext uri="{FF2B5EF4-FFF2-40B4-BE49-F238E27FC236}">
+                <a16:creationId xmlns:a16="http://schemas.microsoft.com/office/drawing/2014/main" id="{44C68AA6-6BDA-43AF-A85C-956898B7F349}"/>
+              </a:ext>
+            </a:extLst>
+          </p:cNvPr>
+          <p:cNvSpPr>
+            <a:spLocks noGrp="1"/>
+          </p:cNvSpPr>
+          <p:nvPr>
+            <p:ph type="title"/>
+          </p:nvPr>
+        </p:nvSpPr>
+        <p:spPr/>
+        <p:txBody>
+          <a:bodyPr/>
+          <a:lstStyle/>
+          <a:p>
+            <a:endParaRPr lang="en-IN"/>
+          </a:p>
+        </p:txBody>
+      </p:sp>
+      <p:sp>
+        <p:nvSpPr>
+          <p:cNvPr id="3" name="Content Placeholder 2">
+            <a:extLst>
+              <a:ext uri="{FF2B5EF4-FFF2-40B4-BE49-F238E27FC236}">
+                <a16:creationId xmlns:a16="http://schemas.microsoft.com/office/drawing/2014/main" id="{F8AD6906-73FD-4034-A8E7-99AB7FD7D406}"/>
+              </a:ext>
+            </a:extLst>
+          </p:cNvPr>
+          <p:cNvSpPr>
+            <a:spLocks noGrp="1"/>
+          </p:cNvSpPr>
+          <p:nvPr>
+            <p:ph idx="1"/>
+          </p:nvPr>
+        </p:nvSpPr>
+        <p:spPr/>
+        <p:txBody>
+          <a:bodyPr/>
+          <a:lstStyle/>
+          <a:p>
+            <a:endParaRPr lang="en-IN"/>
+          </a:p>
+        </p:txBody>
+      </p:sp>
+      <mc:AlternateContent xmlns:mc="http://schemas.openxmlformats.org/markup-compatibility/2006">
+        <mc:Choice xmlns:p14="http://schemas.microsoft.com/office/powerpoint/2010/main" Requires="p14">
+          <p:contentPart p14:bwMode="auto" r:id="rId2">
+            <p14:nvContentPartPr>
+              <p14:cNvPr id="4" name="Ink 3">
+                <a:extLst>
+                  <a:ext uri="{FF2B5EF4-FFF2-40B4-BE49-F238E27FC236}">
+                    <a16:creationId xmlns:a16="http://schemas.microsoft.com/office/drawing/2014/main" id="{7AEABFC3-6B1E-44BF-BDDA-F5158454AD91}"/>
+                  </a:ext>
+                </a:extLst>
+              </p14:cNvPr>
+              <p14:cNvContentPartPr/>
+              <p14:nvPr/>
+            </p14:nvContentPartPr>
+            <p14:xfrm>
+              <a:off x="184320" y="108000"/>
+              <a:ext cx="11874600" cy="5581800"/>
+            </p14:xfrm>
+          </p:contentPart>
+        </mc:Choice>
+        <mc:Fallback>
+          <p:pic>
+            <p:nvPicPr>
+              <p:cNvPr id="4" name="Ink 3">
+                <a:extLst>
+                  <a:ext uri="{FF2B5EF4-FFF2-40B4-BE49-F238E27FC236}">
+                    <a16:creationId xmlns:a16="http://schemas.microsoft.com/office/drawing/2014/main" id="{7AEABFC3-6B1E-44BF-BDDA-F5158454AD91}"/>
+                  </a:ext>
+                </a:extLst>
+              </p:cNvPr>
+              <p:cNvPicPr/>
+              <p:nvPr/>
+            </p:nvPicPr>
+            <p:blipFill>
+              <a:blip r:embed="rId3"/>
+              <a:stretch>
+                <a:fillRect/>
+              </a:stretch>
+            </p:blipFill>
+            <p:spPr>
+              <a:xfrm>
+                <a:off x="174960" y="98640"/>
+                <a:ext cx="11893320" cy="5600520"/>
+              </a:xfrm>
+              <a:prstGeom prst="rect">
+                <a:avLst/>
+              </a:prstGeom>
+            </p:spPr>
+          </p:pic>
+        </mc:Fallback>
+      </mc:AlternateContent>
+    </p:spTree>
+    <p:extLst>
+      <p:ext uri="{BB962C8B-B14F-4D97-AF65-F5344CB8AC3E}">
+        <p14:creationId xmlns:p14="http://schemas.microsoft.com/office/powerpoint/2010/main" val="3583525352"/>
+      </p:ext>
+    </p:extLst>
+  </p:cSld>
+  <p:clrMapOvr>
+    <a:masterClrMapping/>
+  </p:clrMapOvr>
+</p:sld>
+</file>
+
+<file path=ppt/slides/slide26.xml><?xml version="1.0" encoding="utf-8"?>
+<p:sld xmlns:a="http://schemas.openxmlformats.org/drawingml/2006/main" xmlns:r="http://schemas.openxmlformats.org/officeDocument/2006/relationships" xmlns:p="http://schemas.openxmlformats.org/presentationml/2006/main">
+  <p:cSld>
+    <p:spTree>
+      <p:nvGrpSpPr>
+        <p:cNvPr id="1" name=""/>
+        <p:cNvGrpSpPr/>
+        <p:nvPr/>
+      </p:nvGrpSpPr>
+      <p:grpSpPr>
+        <a:xfrm>
+          <a:off x="0" y="0"/>
+          <a:ext cx="0" cy="0"/>
+          <a:chOff x="0" y="0"/>
+          <a:chExt cx="0" cy="0"/>
+        </a:xfrm>
+      </p:grpSpPr>
+      <p:sp>
+        <p:nvSpPr>
+          <p:cNvPr id="2" name="Title 1">
+            <a:extLst>
+              <a:ext uri="{FF2B5EF4-FFF2-40B4-BE49-F238E27FC236}">
+                <a16:creationId xmlns:a16="http://schemas.microsoft.com/office/drawing/2014/main" id="{0B7C523B-A0D1-4EC7-A665-22BC7414761C}"/>
+              </a:ext>
+            </a:extLst>
+          </p:cNvPr>
+          <p:cNvSpPr>
+            <a:spLocks noGrp="1"/>
+          </p:cNvSpPr>
+          <p:nvPr>
+            <p:ph type="title"/>
+          </p:nvPr>
+        </p:nvSpPr>
+        <p:spPr/>
+        <p:txBody>
+          <a:bodyPr/>
+          <a:lstStyle/>
+          <a:p>
+            <a:r>
+              <a:rPr lang="en-IN" dirty="0"/>
+              <a:t>Usage</a:t>
+            </a:r>
+            <a:br>
+              <a:rPr lang="en-IN" dirty="0"/>
+            </a:br>
+            <a:endParaRPr lang="en-IN" dirty="0"/>
+          </a:p>
+        </p:txBody>
+      </p:sp>
+      <p:sp>
+        <p:nvSpPr>
+          <p:cNvPr id="3" name="Content Placeholder 2">
+            <a:extLst>
+              <a:ext uri="{FF2B5EF4-FFF2-40B4-BE49-F238E27FC236}">
+                <a16:creationId xmlns:a16="http://schemas.microsoft.com/office/drawing/2014/main" id="{7A561C85-ADAF-40B9-B800-9823867DCD0F}"/>
+              </a:ext>
+            </a:extLst>
+          </p:cNvPr>
+          <p:cNvSpPr>
+            <a:spLocks noGrp="1"/>
+          </p:cNvSpPr>
+          <p:nvPr>
+            <p:ph idx="1"/>
+          </p:nvPr>
+        </p:nvSpPr>
+        <p:spPr/>
+        <p:txBody>
+          <a:bodyPr/>
+          <a:lstStyle/>
+          <a:p>
+            <a:r>
+              <a:rPr lang="en-IN" dirty="0"/>
+              <a:t>According to all the cloud vendors, they  will charge depends on per hour usage for the services such as </a:t>
+            </a:r>
+          </a:p>
+          <a:p>
+            <a:r>
+              <a:rPr lang="en-IN" dirty="0"/>
+              <a:t>IAAS</a:t>
+            </a:r>
+          </a:p>
+          <a:p>
+            <a:r>
+              <a:rPr lang="en-IN" dirty="0"/>
+              <a:t>SAAS</a:t>
+            </a:r>
+          </a:p>
+          <a:p>
+            <a:r>
+              <a:rPr lang="en-IN" dirty="0"/>
+              <a:t>PAAS</a:t>
+            </a:r>
+          </a:p>
+          <a:p>
+            <a:r>
+              <a:rPr lang="en-IN" dirty="0"/>
+              <a:t>1 hour , 1 sec -&gt; 2 hour bill</a:t>
+            </a:r>
+          </a:p>
+        </p:txBody>
+      </p:sp>
+    </p:spTree>
+    <p:extLst>
+      <p:ext uri="{BB962C8B-B14F-4D97-AF65-F5344CB8AC3E}">
+        <p14:creationId xmlns:p14="http://schemas.microsoft.com/office/powerpoint/2010/main" val="2287524941"/>
+      </p:ext>
+    </p:extLst>
+  </p:cSld>
+  <p:clrMapOvr>
+    <a:masterClrMapping/>
+  </p:clrMapOvr>
+</p:sld>
+</file>
+
+<file path=ppt/slides/slide27.xml><?xml version="1.0" encoding="utf-8"?>
+<p:sld xmlns:a="http://schemas.openxmlformats.org/drawingml/2006/main" xmlns:r="http://schemas.openxmlformats.org/officeDocument/2006/relationships" xmlns:p="http://schemas.openxmlformats.org/presentationml/2006/main">
+  <p:cSld>
+    <p:spTree>
+      <p:nvGrpSpPr>
+        <p:cNvPr id="1" name=""/>
+        <p:cNvGrpSpPr/>
+        <p:nvPr/>
+      </p:nvGrpSpPr>
+      <p:grpSpPr>
+        <a:xfrm>
+          <a:off x="0" y="0"/>
+          <a:ext cx="0" cy="0"/>
+          <a:chOff x="0" y="0"/>
+          <a:chExt cx="0" cy="0"/>
+        </a:xfrm>
+      </p:grpSpPr>
+      <p:sp>
+        <p:nvSpPr>
+          <p:cNvPr id="2" name="Title 1">
+            <a:extLst>
+              <a:ext uri="{FF2B5EF4-FFF2-40B4-BE49-F238E27FC236}">
+                <a16:creationId xmlns:a16="http://schemas.microsoft.com/office/drawing/2014/main" id="{9BE44EE0-1AE8-435C-A755-4BE7DE537A17}"/>
+              </a:ext>
+            </a:extLst>
+          </p:cNvPr>
+          <p:cNvSpPr>
+            <a:spLocks noGrp="1"/>
+          </p:cNvSpPr>
+          <p:nvPr>
+            <p:ph type="title"/>
+          </p:nvPr>
+        </p:nvSpPr>
+        <p:spPr/>
+        <p:txBody>
+          <a:bodyPr/>
+          <a:lstStyle/>
+          <a:p>
+            <a:r>
+              <a:rPr lang="en-IN" dirty="0"/>
+              <a:t>elasticity, scalability</a:t>
+            </a:r>
+            <a:br>
+              <a:rPr lang="en-IN" dirty="0"/>
+            </a:br>
+            <a:endParaRPr lang="en-IN" dirty="0"/>
+          </a:p>
+        </p:txBody>
+      </p:sp>
+      <p:sp>
+        <p:nvSpPr>
+          <p:cNvPr id="3" name="Content Placeholder 2">
+            <a:extLst>
+              <a:ext uri="{FF2B5EF4-FFF2-40B4-BE49-F238E27FC236}">
+                <a16:creationId xmlns:a16="http://schemas.microsoft.com/office/drawing/2014/main" id="{25C79F48-B165-475B-9370-E7AD86A1CE76}"/>
+              </a:ext>
+            </a:extLst>
+          </p:cNvPr>
+          <p:cNvSpPr>
+            <a:spLocks noGrp="1"/>
+          </p:cNvSpPr>
+          <p:nvPr>
+            <p:ph idx="1"/>
+          </p:nvPr>
+        </p:nvSpPr>
+        <p:spPr/>
+        <p:txBody>
+          <a:bodyPr/>
+          <a:lstStyle/>
+          <a:p>
+            <a:endParaRPr lang="en-IN" dirty="0"/>
+          </a:p>
+        </p:txBody>
+      </p:sp>
+      <mc:AlternateContent xmlns:mc="http://schemas.openxmlformats.org/markup-compatibility/2006">
+        <mc:Choice xmlns:p14="http://schemas.microsoft.com/office/powerpoint/2010/main" Requires="p14">
+          <p:contentPart p14:bwMode="auto" r:id="rId2">
+            <p14:nvContentPartPr>
+              <p14:cNvPr id="4" name="Ink 3">
+                <a:extLst>
+                  <a:ext uri="{FF2B5EF4-FFF2-40B4-BE49-F238E27FC236}">
+                    <a16:creationId xmlns:a16="http://schemas.microsoft.com/office/drawing/2014/main" id="{3ECB3379-A712-4734-B832-54A0FB6903AF}"/>
+                  </a:ext>
+                </a:extLst>
+              </p14:cNvPr>
+              <p14:cNvContentPartPr/>
+              <p14:nvPr/>
+            </p14:nvContentPartPr>
+            <p14:xfrm>
+              <a:off x="380880" y="577800"/>
+              <a:ext cx="9677880" cy="6140880"/>
+            </p14:xfrm>
+          </p:contentPart>
+        </mc:Choice>
+        <mc:Fallback>
+          <p:pic>
+            <p:nvPicPr>
+              <p:cNvPr id="4" name="Ink 3">
+                <a:extLst>
+                  <a:ext uri="{FF2B5EF4-FFF2-40B4-BE49-F238E27FC236}">
+                    <a16:creationId xmlns:a16="http://schemas.microsoft.com/office/drawing/2014/main" id="{3ECB3379-A712-4734-B832-54A0FB6903AF}"/>
+                  </a:ext>
+                </a:extLst>
+              </p:cNvPr>
+              <p:cNvPicPr/>
+              <p:nvPr/>
+            </p:nvPicPr>
+            <p:blipFill>
+              <a:blip r:embed="rId3"/>
+              <a:stretch>
+                <a:fillRect/>
+              </a:stretch>
+            </p:blipFill>
+            <p:spPr>
+              <a:xfrm>
+                <a:off x="371520" y="568440"/>
+                <a:ext cx="9696600" cy="6159600"/>
+              </a:xfrm>
+              <a:prstGeom prst="rect">
+                <a:avLst/>
+              </a:prstGeom>
+            </p:spPr>
+          </p:pic>
+        </mc:Fallback>
+      </mc:AlternateContent>
+    </p:spTree>
+    <p:extLst>
+      <p:ext uri="{BB962C8B-B14F-4D97-AF65-F5344CB8AC3E}">
+        <p14:creationId xmlns:p14="http://schemas.microsoft.com/office/powerpoint/2010/main" val="884936275"/>
+      </p:ext>
+    </p:extLst>
+  </p:cSld>
+  <p:clrMapOvr>
+    <a:masterClrMapping/>
+  </p:clrMapOvr>
+</p:sld>
+</file>
+
+<file path=ppt/slides/slide28.xml><?xml version="1.0" encoding="utf-8"?>
+<p:sld xmlns:a="http://schemas.openxmlformats.org/drawingml/2006/main" xmlns:r="http://schemas.openxmlformats.org/officeDocument/2006/relationships" xmlns:p="http://schemas.openxmlformats.org/presentationml/2006/main">
+  <p:cSld>
+    <p:spTree>
+      <p:nvGrpSpPr>
+        <p:cNvPr id="1" name=""/>
+        <p:cNvGrpSpPr/>
+        <p:nvPr/>
+      </p:nvGrpSpPr>
+      <p:grpSpPr>
+        <a:xfrm>
+          <a:off x="0" y="0"/>
+          <a:ext cx="0" cy="0"/>
+          <a:chOff x="0" y="0"/>
+          <a:chExt cx="0" cy="0"/>
+        </a:xfrm>
+      </p:grpSpPr>
+      <p:sp>
+        <p:nvSpPr>
+          <p:cNvPr id="2" name="Title 1">
+            <a:extLst>
+              <a:ext uri="{FF2B5EF4-FFF2-40B4-BE49-F238E27FC236}">
+                <a16:creationId xmlns:a16="http://schemas.microsoft.com/office/drawing/2014/main" id="{089E1860-2938-48BB-92FD-E1D577CBC505}"/>
+              </a:ext>
+            </a:extLst>
+          </p:cNvPr>
+          <p:cNvSpPr>
+            <a:spLocks noGrp="1"/>
+          </p:cNvSpPr>
+          <p:nvPr>
+            <p:ph type="title"/>
+          </p:nvPr>
+        </p:nvSpPr>
+        <p:spPr/>
+        <p:txBody>
+          <a:bodyPr/>
+          <a:lstStyle/>
+          <a:p>
+            <a:r>
+              <a:rPr lang="en-IN" dirty="0"/>
+              <a:t>Types of Scalability</a:t>
+            </a:r>
+          </a:p>
+        </p:txBody>
+      </p:sp>
+      <p:sp>
+        <p:nvSpPr>
+          <p:cNvPr id="3" name="Content Placeholder 2">
+            <a:extLst>
+              <a:ext uri="{FF2B5EF4-FFF2-40B4-BE49-F238E27FC236}">
+                <a16:creationId xmlns:a16="http://schemas.microsoft.com/office/drawing/2014/main" id="{5297885A-2F9D-4A70-A020-885CFAA6EBFB}"/>
+              </a:ext>
+            </a:extLst>
+          </p:cNvPr>
+          <p:cNvSpPr>
+            <a:spLocks noGrp="1"/>
+          </p:cNvSpPr>
+          <p:nvPr>
+            <p:ph idx="1"/>
+          </p:nvPr>
+        </p:nvSpPr>
+        <p:spPr/>
+        <p:txBody>
+          <a:bodyPr/>
+          <a:lstStyle/>
+          <a:p>
+            <a:r>
+              <a:rPr lang="en-IN" dirty="0"/>
+              <a:t>Horizontal Scaling</a:t>
+            </a:r>
+          </a:p>
+          <a:p>
+            <a:r>
+              <a:rPr lang="en-IN" dirty="0"/>
+              <a:t>Vertical Scaling</a:t>
+            </a:r>
+          </a:p>
+        </p:txBody>
+      </p:sp>
+    </p:spTree>
+    <p:extLst>
+      <p:ext uri="{BB962C8B-B14F-4D97-AF65-F5344CB8AC3E}">
+        <p14:creationId xmlns:p14="http://schemas.microsoft.com/office/powerpoint/2010/main" val="3008175102"/>
+      </p:ext>
+    </p:extLst>
+  </p:cSld>
+  <p:clrMapOvr>
+    <a:masterClrMapping/>
+  </p:clrMapOvr>
+</p:sld>
+</file>
+
+<file path=ppt/slides/slide29.xml><?xml version="1.0" encoding="utf-8"?>
+<p:sld xmlns:a="http://schemas.openxmlformats.org/drawingml/2006/main" xmlns:r="http://schemas.openxmlformats.org/officeDocument/2006/relationships" xmlns:p="http://schemas.openxmlformats.org/presentationml/2006/main">
+  <p:cSld>
+    <p:spTree>
+      <p:nvGrpSpPr>
+        <p:cNvPr id="1" name=""/>
+        <p:cNvGrpSpPr/>
+        <p:nvPr/>
+      </p:nvGrpSpPr>
+      <p:grpSpPr>
+        <a:xfrm>
+          <a:off x="0" y="0"/>
+          <a:ext cx="0" cy="0"/>
+          <a:chOff x="0" y="0"/>
+          <a:chExt cx="0" cy="0"/>
+        </a:xfrm>
+      </p:grpSpPr>
+      <p:sp>
+        <p:nvSpPr>
+          <p:cNvPr id="2" name="Title 1">
+            <a:extLst>
+              <a:ext uri="{FF2B5EF4-FFF2-40B4-BE49-F238E27FC236}">
+                <a16:creationId xmlns:a16="http://schemas.microsoft.com/office/drawing/2014/main" id="{477121FD-BA19-4198-BEE8-FAF79CE154D9}"/>
+              </a:ext>
+            </a:extLst>
+          </p:cNvPr>
+          <p:cNvSpPr>
+            <a:spLocks noGrp="1"/>
+          </p:cNvSpPr>
+          <p:nvPr>
+            <p:ph type="title"/>
+          </p:nvPr>
+        </p:nvSpPr>
+        <p:spPr/>
+        <p:txBody>
+          <a:bodyPr/>
+          <a:lstStyle/>
+          <a:p>
+            <a:endParaRPr lang="en-IN"/>
+          </a:p>
+        </p:txBody>
+      </p:sp>
+      <p:sp>
+        <p:nvSpPr>
+          <p:cNvPr id="3" name="Content Placeholder 2">
+            <a:extLst>
+              <a:ext uri="{FF2B5EF4-FFF2-40B4-BE49-F238E27FC236}">
+                <a16:creationId xmlns:a16="http://schemas.microsoft.com/office/drawing/2014/main" id="{9B698E99-EE2E-4EC3-BB48-5500F2342D1E}"/>
+              </a:ext>
+            </a:extLst>
+          </p:cNvPr>
+          <p:cNvSpPr>
+            <a:spLocks noGrp="1"/>
+          </p:cNvSpPr>
+          <p:nvPr>
+            <p:ph idx="1"/>
+          </p:nvPr>
+        </p:nvSpPr>
+        <p:spPr/>
+        <p:txBody>
+          <a:bodyPr/>
+          <a:lstStyle/>
+          <a:p>
+            <a:endParaRPr lang="en-IN"/>
+          </a:p>
+        </p:txBody>
+      </p:sp>
+      <mc:AlternateContent xmlns:mc="http://schemas.openxmlformats.org/markup-compatibility/2006">
+        <mc:Choice xmlns:p14="http://schemas.microsoft.com/office/powerpoint/2010/main" Requires="p14">
+          <p:contentPart p14:bwMode="auto" r:id="rId2">
+            <p14:nvContentPartPr>
+              <p14:cNvPr id="4" name="Ink 3">
+                <a:extLst>
+                  <a:ext uri="{FF2B5EF4-FFF2-40B4-BE49-F238E27FC236}">
+                    <a16:creationId xmlns:a16="http://schemas.microsoft.com/office/drawing/2014/main" id="{373E88AD-8905-4BC9-836F-C349E7D3BB23}"/>
+                  </a:ext>
+                </a:extLst>
+              </p14:cNvPr>
+              <p14:cNvContentPartPr/>
+              <p14:nvPr/>
+            </p14:nvContentPartPr>
+            <p14:xfrm>
+              <a:off x="698400" y="222120"/>
+              <a:ext cx="10579680" cy="5976000"/>
+            </p14:xfrm>
+          </p:contentPart>
+        </mc:Choice>
+        <mc:Fallback>
+          <p:pic>
+            <p:nvPicPr>
+              <p:cNvPr id="4" name="Ink 3">
+                <a:extLst>
+                  <a:ext uri="{FF2B5EF4-FFF2-40B4-BE49-F238E27FC236}">
+                    <a16:creationId xmlns:a16="http://schemas.microsoft.com/office/drawing/2014/main" id="{373E88AD-8905-4BC9-836F-C349E7D3BB23}"/>
+                  </a:ext>
+                </a:extLst>
+              </p:cNvPr>
+              <p:cNvPicPr/>
+              <p:nvPr/>
+            </p:nvPicPr>
+            <p:blipFill>
+              <a:blip r:embed="rId3"/>
+              <a:stretch>
+                <a:fillRect/>
+              </a:stretch>
+            </p:blipFill>
+            <p:spPr>
+              <a:xfrm>
+                <a:off x="689040" y="212760"/>
+                <a:ext cx="10598400" cy="5994720"/>
+              </a:xfrm>
+              <a:prstGeom prst="rect">
+                <a:avLst/>
+              </a:prstGeom>
+            </p:spPr>
+          </p:pic>
+        </mc:Fallback>
+      </mc:AlternateContent>
+    </p:spTree>
+    <p:extLst>
+      <p:ext uri="{BB962C8B-B14F-4D97-AF65-F5344CB8AC3E}">
+        <p14:creationId xmlns:p14="http://schemas.microsoft.com/office/powerpoint/2010/main" val="2665532845"/>
       </p:ext>
     </p:extLst>
   </p:cSld>
@@ -8586,6 +12149,859 @@
     <p:extLst>
       <p:ext uri="{BB962C8B-B14F-4D97-AF65-F5344CB8AC3E}">
         <p14:creationId xmlns:p14="http://schemas.microsoft.com/office/powerpoint/2010/main" val="767938046"/>
+      </p:ext>
+    </p:extLst>
+  </p:cSld>
+  <p:clrMapOvr>
+    <a:masterClrMapping/>
+  </p:clrMapOvr>
+</p:sld>
+</file>
+
+<file path=ppt/slides/slide30.xml><?xml version="1.0" encoding="utf-8"?>
+<p:sld xmlns:a="http://schemas.openxmlformats.org/drawingml/2006/main" xmlns:r="http://schemas.openxmlformats.org/officeDocument/2006/relationships" xmlns:p="http://schemas.openxmlformats.org/presentationml/2006/main">
+  <p:cSld>
+    <p:spTree>
+      <p:nvGrpSpPr>
+        <p:cNvPr id="1" name=""/>
+        <p:cNvGrpSpPr/>
+        <p:nvPr/>
+      </p:nvGrpSpPr>
+      <p:grpSpPr>
+        <a:xfrm>
+          <a:off x="0" y="0"/>
+          <a:ext cx="0" cy="0"/>
+          <a:chOff x="0" y="0"/>
+          <a:chExt cx="0" cy="0"/>
+        </a:xfrm>
+      </p:grpSpPr>
+      <p:sp>
+        <p:nvSpPr>
+          <p:cNvPr id="2" name="Title 1">
+            <a:extLst>
+              <a:ext uri="{FF2B5EF4-FFF2-40B4-BE49-F238E27FC236}">
+                <a16:creationId xmlns:a16="http://schemas.microsoft.com/office/drawing/2014/main" id="{165F7055-C4D0-4593-A7B6-7C023841184D}"/>
+              </a:ext>
+            </a:extLst>
+          </p:cNvPr>
+          <p:cNvSpPr>
+            <a:spLocks noGrp="1"/>
+          </p:cNvSpPr>
+          <p:nvPr>
+            <p:ph type="title"/>
+          </p:nvPr>
+        </p:nvSpPr>
+        <p:spPr/>
+        <p:txBody>
+          <a:bodyPr/>
+          <a:lstStyle/>
+          <a:p>
+            <a:r>
+              <a:rPr lang="en-IN" dirty="0"/>
+              <a:t>AWS Regions</a:t>
+            </a:r>
+          </a:p>
+        </p:txBody>
+      </p:sp>
+      <p:sp>
+        <p:nvSpPr>
+          <p:cNvPr id="3" name="Content Placeholder 2">
+            <a:extLst>
+              <a:ext uri="{FF2B5EF4-FFF2-40B4-BE49-F238E27FC236}">
+                <a16:creationId xmlns:a16="http://schemas.microsoft.com/office/drawing/2014/main" id="{CDB88D2F-080A-44BA-88C7-F86C2A142C8E}"/>
+              </a:ext>
+            </a:extLst>
+          </p:cNvPr>
+          <p:cNvSpPr>
+            <a:spLocks noGrp="1"/>
+          </p:cNvSpPr>
+          <p:nvPr>
+            <p:ph idx="1"/>
+          </p:nvPr>
+        </p:nvSpPr>
+        <p:spPr/>
+        <p:txBody>
+          <a:bodyPr>
+            <a:normAutofit lnSpcReduction="10000"/>
+          </a:bodyPr>
+          <a:lstStyle/>
+          <a:p>
+            <a:r>
+              <a:rPr lang="en-IN" dirty="0"/>
+              <a:t>Edge Locations -&gt;</a:t>
+            </a:r>
+          </a:p>
+          <a:p>
+            <a:pPr lvl="1"/>
+            <a:r>
+              <a:rPr lang="en-IN" dirty="0"/>
+              <a:t>is the nearest point to the consumer, who is consuming  the AWS service. In these locations, server is not present but the small setup I maintain there for provide the cache. They are located in all the major cities around the world</a:t>
+            </a:r>
+          </a:p>
+          <a:p>
+            <a:r>
+              <a:rPr lang="en-IN" dirty="0"/>
+              <a:t>Region –&gt;</a:t>
+            </a:r>
+          </a:p>
+          <a:p>
+            <a:pPr lvl="1"/>
+            <a:r>
+              <a:rPr lang="en-IN" dirty="0"/>
+              <a:t>they are running the service on multiple regions across the globe, depends on your minimum latency you can select your datacentres and can work</a:t>
+            </a:r>
+          </a:p>
+          <a:p>
+            <a:pPr lvl="1"/>
+            <a:r>
+              <a:rPr lang="en-IN" dirty="0"/>
+              <a:t>In which regions are AWS Cloud will offer the service?</a:t>
+            </a:r>
+          </a:p>
+          <a:p>
+            <a:r>
+              <a:rPr lang="en-IN" dirty="0"/>
+              <a:t>Availability Zones -&gt; </a:t>
+            </a:r>
+          </a:p>
+          <a:p>
+            <a:pPr lvl="1"/>
+            <a:r>
+              <a:rPr lang="en-IN" dirty="0"/>
+              <a:t>Data centre available in particular regions, counts may differ depends on regions, you can view the counts on VPC Subnets</a:t>
+            </a:r>
+          </a:p>
+        </p:txBody>
+      </p:sp>
+    </p:spTree>
+    <p:extLst>
+      <p:ext uri="{BB962C8B-B14F-4D97-AF65-F5344CB8AC3E}">
+        <p14:creationId xmlns:p14="http://schemas.microsoft.com/office/powerpoint/2010/main" val="1752437436"/>
+      </p:ext>
+    </p:extLst>
+  </p:cSld>
+  <p:clrMapOvr>
+    <a:masterClrMapping/>
+  </p:clrMapOvr>
+</p:sld>
+</file>
+
+<file path=ppt/slides/slide31.xml><?xml version="1.0" encoding="utf-8"?>
+<p:sld xmlns:a="http://schemas.openxmlformats.org/drawingml/2006/main" xmlns:r="http://schemas.openxmlformats.org/officeDocument/2006/relationships" xmlns:p="http://schemas.openxmlformats.org/presentationml/2006/main">
+  <p:cSld>
+    <p:spTree>
+      <p:nvGrpSpPr>
+        <p:cNvPr id="1" name=""/>
+        <p:cNvGrpSpPr/>
+        <p:nvPr/>
+      </p:nvGrpSpPr>
+      <p:grpSpPr>
+        <a:xfrm>
+          <a:off x="0" y="0"/>
+          <a:ext cx="0" cy="0"/>
+          <a:chOff x="0" y="0"/>
+          <a:chExt cx="0" cy="0"/>
+        </a:xfrm>
+      </p:grpSpPr>
+      <p:sp>
+        <p:nvSpPr>
+          <p:cNvPr id="2" name="Title 1">
+            <a:extLst>
+              <a:ext uri="{FF2B5EF4-FFF2-40B4-BE49-F238E27FC236}">
+                <a16:creationId xmlns:a16="http://schemas.microsoft.com/office/drawing/2014/main" id="{D9AA776B-110B-4C38-9F4D-E44F4849D4EF}"/>
+              </a:ext>
+            </a:extLst>
+          </p:cNvPr>
+          <p:cNvSpPr>
+            <a:spLocks noGrp="1"/>
+          </p:cNvSpPr>
+          <p:nvPr>
+            <p:ph type="title"/>
+          </p:nvPr>
+        </p:nvSpPr>
+        <p:spPr/>
+        <p:txBody>
+          <a:bodyPr/>
+          <a:lstStyle/>
+          <a:p>
+            <a:endParaRPr lang="en-IN"/>
+          </a:p>
+        </p:txBody>
+      </p:sp>
+      <p:sp>
+        <p:nvSpPr>
+          <p:cNvPr id="3" name="Content Placeholder 2">
+            <a:extLst>
+              <a:ext uri="{FF2B5EF4-FFF2-40B4-BE49-F238E27FC236}">
+                <a16:creationId xmlns:a16="http://schemas.microsoft.com/office/drawing/2014/main" id="{83CE23CB-0FBC-46A6-B2A8-34E13ADDA5CC}"/>
+              </a:ext>
+            </a:extLst>
+          </p:cNvPr>
+          <p:cNvSpPr>
+            <a:spLocks noGrp="1"/>
+          </p:cNvSpPr>
+          <p:nvPr>
+            <p:ph idx="1"/>
+          </p:nvPr>
+        </p:nvSpPr>
+        <p:spPr/>
+        <p:txBody>
+          <a:bodyPr/>
+          <a:lstStyle/>
+          <a:p>
+            <a:endParaRPr lang="en-IN"/>
+          </a:p>
+        </p:txBody>
+      </p:sp>
+      <mc:AlternateContent xmlns:mc="http://schemas.openxmlformats.org/markup-compatibility/2006">
+        <mc:Choice xmlns:p14="http://schemas.microsoft.com/office/powerpoint/2010/main" Requires="p14">
+          <p:contentPart p14:bwMode="auto" r:id="rId2">
+            <p14:nvContentPartPr>
+              <p14:cNvPr id="4" name="Ink 3">
+                <a:extLst>
+                  <a:ext uri="{FF2B5EF4-FFF2-40B4-BE49-F238E27FC236}">
+                    <a16:creationId xmlns:a16="http://schemas.microsoft.com/office/drawing/2014/main" id="{65B902DA-48FE-4501-A59A-F18C8B7B02C2}"/>
+                  </a:ext>
+                </a:extLst>
+              </p14:cNvPr>
+              <p14:cNvContentPartPr/>
+              <p14:nvPr/>
+            </p14:nvContentPartPr>
+            <p14:xfrm>
+              <a:off x="1562040" y="990720"/>
+              <a:ext cx="10388880" cy="5416920"/>
+            </p14:xfrm>
+          </p:contentPart>
+        </mc:Choice>
+        <mc:Fallback>
+          <p:pic>
+            <p:nvPicPr>
+              <p:cNvPr id="4" name="Ink 3">
+                <a:extLst>
+                  <a:ext uri="{FF2B5EF4-FFF2-40B4-BE49-F238E27FC236}">
+                    <a16:creationId xmlns:a16="http://schemas.microsoft.com/office/drawing/2014/main" id="{65B902DA-48FE-4501-A59A-F18C8B7B02C2}"/>
+                  </a:ext>
+                </a:extLst>
+              </p:cNvPr>
+              <p:cNvPicPr/>
+              <p:nvPr/>
+            </p:nvPicPr>
+            <p:blipFill>
+              <a:blip r:embed="rId3"/>
+              <a:stretch>
+                <a:fillRect/>
+              </a:stretch>
+            </p:blipFill>
+            <p:spPr>
+              <a:xfrm>
+                <a:off x="1552680" y="981360"/>
+                <a:ext cx="10407600" cy="5435640"/>
+              </a:xfrm>
+              <a:prstGeom prst="rect">
+                <a:avLst/>
+              </a:prstGeom>
+            </p:spPr>
+          </p:pic>
+        </mc:Fallback>
+      </mc:AlternateContent>
+    </p:spTree>
+    <p:extLst>
+      <p:ext uri="{BB962C8B-B14F-4D97-AF65-F5344CB8AC3E}">
+        <p14:creationId xmlns:p14="http://schemas.microsoft.com/office/powerpoint/2010/main" val="1948920287"/>
+      </p:ext>
+    </p:extLst>
+  </p:cSld>
+  <p:clrMapOvr>
+    <a:masterClrMapping/>
+  </p:clrMapOvr>
+</p:sld>
+</file>
+
+<file path=ppt/slides/slide32.xml><?xml version="1.0" encoding="utf-8"?>
+<p:sld xmlns:a="http://schemas.openxmlformats.org/drawingml/2006/main" xmlns:r="http://schemas.openxmlformats.org/officeDocument/2006/relationships" xmlns:p="http://schemas.openxmlformats.org/presentationml/2006/main">
+  <p:cSld>
+    <p:spTree>
+      <p:nvGrpSpPr>
+        <p:cNvPr id="1" name=""/>
+        <p:cNvGrpSpPr/>
+        <p:nvPr/>
+      </p:nvGrpSpPr>
+      <p:grpSpPr>
+        <a:xfrm>
+          <a:off x="0" y="0"/>
+          <a:ext cx="0" cy="0"/>
+          <a:chOff x="0" y="0"/>
+          <a:chExt cx="0" cy="0"/>
+        </a:xfrm>
+      </p:grpSpPr>
+      <p:sp>
+        <p:nvSpPr>
+          <p:cNvPr id="2" name="Title 1">
+            <a:extLst>
+              <a:ext uri="{FF2B5EF4-FFF2-40B4-BE49-F238E27FC236}">
+                <a16:creationId xmlns:a16="http://schemas.microsoft.com/office/drawing/2014/main" id="{33C69140-2FB3-42BE-9B52-EE5E4163E64F}"/>
+              </a:ext>
+            </a:extLst>
+          </p:cNvPr>
+          <p:cNvSpPr>
+            <a:spLocks noGrp="1"/>
+          </p:cNvSpPr>
+          <p:nvPr>
+            <p:ph type="title"/>
+          </p:nvPr>
+        </p:nvSpPr>
+        <p:spPr/>
+        <p:txBody>
+          <a:bodyPr/>
+          <a:lstStyle/>
+          <a:p>
+            <a:endParaRPr lang="en-IN"/>
+          </a:p>
+        </p:txBody>
+      </p:sp>
+      <p:sp>
+        <p:nvSpPr>
+          <p:cNvPr id="3" name="Content Placeholder 2">
+            <a:extLst>
+              <a:ext uri="{FF2B5EF4-FFF2-40B4-BE49-F238E27FC236}">
+                <a16:creationId xmlns:a16="http://schemas.microsoft.com/office/drawing/2014/main" id="{B2C0992E-0AC5-4F72-B3E8-1C72D745B0BE}"/>
+              </a:ext>
+            </a:extLst>
+          </p:cNvPr>
+          <p:cNvSpPr>
+            <a:spLocks noGrp="1"/>
+          </p:cNvSpPr>
+          <p:nvPr>
+            <p:ph idx="1"/>
+          </p:nvPr>
+        </p:nvSpPr>
+        <p:spPr/>
+        <p:txBody>
+          <a:bodyPr/>
+          <a:lstStyle/>
+          <a:p>
+            <a:endParaRPr lang="en-IN"/>
+          </a:p>
+        </p:txBody>
+      </p:sp>
+      <mc:AlternateContent xmlns:mc="http://schemas.openxmlformats.org/markup-compatibility/2006">
+        <mc:Choice xmlns:p14="http://schemas.microsoft.com/office/powerpoint/2010/main" Requires="p14">
+          <p:contentPart p14:bwMode="auto" r:id="rId2">
+            <p14:nvContentPartPr>
+              <p14:cNvPr id="4" name="Ink 3">
+                <a:extLst>
+                  <a:ext uri="{FF2B5EF4-FFF2-40B4-BE49-F238E27FC236}">
+                    <a16:creationId xmlns:a16="http://schemas.microsoft.com/office/drawing/2014/main" id="{4FF991F9-553D-43E4-8376-F5A2FE715330}"/>
+                  </a:ext>
+                </a:extLst>
+              </p14:cNvPr>
+              <p14:cNvContentPartPr/>
+              <p14:nvPr/>
+            </p14:nvContentPartPr>
+            <p14:xfrm>
+              <a:off x="291960" y="260280"/>
+              <a:ext cx="11494080" cy="5690160"/>
+            </p14:xfrm>
+          </p:contentPart>
+        </mc:Choice>
+        <mc:Fallback>
+          <p:pic>
+            <p:nvPicPr>
+              <p:cNvPr id="4" name="Ink 3">
+                <a:extLst>
+                  <a:ext uri="{FF2B5EF4-FFF2-40B4-BE49-F238E27FC236}">
+                    <a16:creationId xmlns:a16="http://schemas.microsoft.com/office/drawing/2014/main" id="{4FF991F9-553D-43E4-8376-F5A2FE715330}"/>
+                  </a:ext>
+                </a:extLst>
+              </p:cNvPr>
+              <p:cNvPicPr/>
+              <p:nvPr/>
+            </p:nvPicPr>
+            <p:blipFill>
+              <a:blip r:embed="rId3"/>
+              <a:stretch>
+                <a:fillRect/>
+              </a:stretch>
+            </p:blipFill>
+            <p:spPr>
+              <a:xfrm>
+                <a:off x="282600" y="250920"/>
+                <a:ext cx="11512800" cy="5708880"/>
+              </a:xfrm>
+              <a:prstGeom prst="rect">
+                <a:avLst/>
+              </a:prstGeom>
+            </p:spPr>
+          </p:pic>
+        </mc:Fallback>
+      </mc:AlternateContent>
+    </p:spTree>
+    <p:extLst>
+      <p:ext uri="{BB962C8B-B14F-4D97-AF65-F5344CB8AC3E}">
+        <p14:creationId xmlns:p14="http://schemas.microsoft.com/office/powerpoint/2010/main" val="2616449084"/>
+      </p:ext>
+    </p:extLst>
+  </p:cSld>
+  <p:clrMapOvr>
+    <a:masterClrMapping/>
+  </p:clrMapOvr>
+</p:sld>
+</file>
+
+<file path=ppt/slides/slide33.xml><?xml version="1.0" encoding="utf-8"?>
+<p:sld xmlns:a="http://schemas.openxmlformats.org/drawingml/2006/main" xmlns:r="http://schemas.openxmlformats.org/officeDocument/2006/relationships" xmlns:p="http://schemas.openxmlformats.org/presentationml/2006/main">
+  <p:cSld>
+    <p:spTree>
+      <p:nvGrpSpPr>
+        <p:cNvPr id="1" name=""/>
+        <p:cNvGrpSpPr/>
+        <p:nvPr/>
+      </p:nvGrpSpPr>
+      <p:grpSpPr>
+        <a:xfrm>
+          <a:off x="0" y="0"/>
+          <a:ext cx="0" cy="0"/>
+          <a:chOff x="0" y="0"/>
+          <a:chExt cx="0" cy="0"/>
+        </a:xfrm>
+      </p:grpSpPr>
+      <p:sp>
+        <p:nvSpPr>
+          <p:cNvPr id="2" name="Title 1">
+            <a:extLst>
+              <a:ext uri="{FF2B5EF4-FFF2-40B4-BE49-F238E27FC236}">
+                <a16:creationId xmlns:a16="http://schemas.microsoft.com/office/drawing/2014/main" id="{13FD7C45-9B25-4A62-A900-2FC800C12AEC}"/>
+              </a:ext>
+            </a:extLst>
+          </p:cNvPr>
+          <p:cNvSpPr>
+            <a:spLocks noGrp="1"/>
+          </p:cNvSpPr>
+          <p:nvPr>
+            <p:ph type="title"/>
+          </p:nvPr>
+        </p:nvSpPr>
+        <p:spPr/>
+        <p:txBody>
+          <a:bodyPr/>
+          <a:lstStyle/>
+          <a:p>
+            <a:endParaRPr lang="en-IN"/>
+          </a:p>
+        </p:txBody>
+      </p:sp>
+      <p:sp>
+        <p:nvSpPr>
+          <p:cNvPr id="3" name="Content Placeholder 2">
+            <a:extLst>
+              <a:ext uri="{FF2B5EF4-FFF2-40B4-BE49-F238E27FC236}">
+                <a16:creationId xmlns:a16="http://schemas.microsoft.com/office/drawing/2014/main" id="{38B30EAA-91A2-417F-B745-07C47CFE2EF7}"/>
+              </a:ext>
+            </a:extLst>
+          </p:cNvPr>
+          <p:cNvSpPr>
+            <a:spLocks noGrp="1"/>
+          </p:cNvSpPr>
+          <p:nvPr>
+            <p:ph idx="1"/>
+          </p:nvPr>
+        </p:nvSpPr>
+        <p:spPr/>
+        <p:txBody>
+          <a:bodyPr/>
+          <a:lstStyle/>
+          <a:p>
+            <a:endParaRPr lang="en-IN"/>
+          </a:p>
+        </p:txBody>
+      </p:sp>
+      <mc:AlternateContent xmlns:mc="http://schemas.openxmlformats.org/markup-compatibility/2006">
+        <mc:Choice xmlns:p14="http://schemas.microsoft.com/office/powerpoint/2010/main" Requires="p14">
+          <p:contentPart p14:bwMode="auto" r:id="rId2">
+            <p14:nvContentPartPr>
+              <p14:cNvPr id="4" name="Ink 3">
+                <a:extLst>
+                  <a:ext uri="{FF2B5EF4-FFF2-40B4-BE49-F238E27FC236}">
+                    <a16:creationId xmlns:a16="http://schemas.microsoft.com/office/drawing/2014/main" id="{09C97670-577E-423C-8597-2B7582D4F93B}"/>
+                  </a:ext>
+                </a:extLst>
+              </p14:cNvPr>
+              <p14:cNvContentPartPr/>
+              <p14:nvPr/>
+            </p14:nvContentPartPr>
+            <p14:xfrm>
+              <a:off x="399960" y="44280"/>
+              <a:ext cx="11614680" cy="6807600"/>
+            </p14:xfrm>
+          </p:contentPart>
+        </mc:Choice>
+        <mc:Fallback>
+          <p:pic>
+            <p:nvPicPr>
+              <p:cNvPr id="4" name="Ink 3">
+                <a:extLst>
+                  <a:ext uri="{FF2B5EF4-FFF2-40B4-BE49-F238E27FC236}">
+                    <a16:creationId xmlns:a16="http://schemas.microsoft.com/office/drawing/2014/main" id="{09C97670-577E-423C-8597-2B7582D4F93B}"/>
+                  </a:ext>
+                </a:extLst>
+              </p:cNvPr>
+              <p:cNvPicPr/>
+              <p:nvPr/>
+            </p:nvPicPr>
+            <p:blipFill>
+              <a:blip r:embed="rId3"/>
+              <a:stretch>
+                <a:fillRect/>
+              </a:stretch>
+            </p:blipFill>
+            <p:spPr>
+              <a:xfrm>
+                <a:off x="390600" y="34920"/>
+                <a:ext cx="11633400" cy="6826320"/>
+              </a:xfrm>
+              <a:prstGeom prst="rect">
+                <a:avLst/>
+              </a:prstGeom>
+            </p:spPr>
+          </p:pic>
+        </mc:Fallback>
+      </mc:AlternateContent>
+    </p:spTree>
+    <p:extLst>
+      <p:ext uri="{BB962C8B-B14F-4D97-AF65-F5344CB8AC3E}">
+        <p14:creationId xmlns:p14="http://schemas.microsoft.com/office/powerpoint/2010/main" val="2757592600"/>
+      </p:ext>
+    </p:extLst>
+  </p:cSld>
+  <p:clrMapOvr>
+    <a:masterClrMapping/>
+  </p:clrMapOvr>
+</p:sld>
+</file>
+
+<file path=ppt/slides/slide34.xml><?xml version="1.0" encoding="utf-8"?>
+<p:sld xmlns:a="http://schemas.openxmlformats.org/drawingml/2006/main" xmlns:r="http://schemas.openxmlformats.org/officeDocument/2006/relationships" xmlns:p="http://schemas.openxmlformats.org/presentationml/2006/main">
+  <p:cSld>
+    <p:spTree>
+      <p:nvGrpSpPr>
+        <p:cNvPr id="1" name=""/>
+        <p:cNvGrpSpPr/>
+        <p:nvPr/>
+      </p:nvGrpSpPr>
+      <p:grpSpPr>
+        <a:xfrm>
+          <a:off x="0" y="0"/>
+          <a:ext cx="0" cy="0"/>
+          <a:chOff x="0" y="0"/>
+          <a:chExt cx="0" cy="0"/>
+        </a:xfrm>
+      </p:grpSpPr>
+      <p:sp>
+        <p:nvSpPr>
+          <p:cNvPr id="2" name="Title 1">
+            <a:extLst>
+              <a:ext uri="{FF2B5EF4-FFF2-40B4-BE49-F238E27FC236}">
+                <a16:creationId xmlns:a16="http://schemas.microsoft.com/office/drawing/2014/main" id="{6AE563B7-4E0C-46FE-94FC-FF3357AFB1D1}"/>
+              </a:ext>
+            </a:extLst>
+          </p:cNvPr>
+          <p:cNvSpPr>
+            <a:spLocks noGrp="1"/>
+          </p:cNvSpPr>
+          <p:nvPr>
+            <p:ph type="ctrTitle"/>
+          </p:nvPr>
+        </p:nvSpPr>
+        <p:spPr/>
+        <p:txBody>
+          <a:bodyPr/>
+          <a:lstStyle/>
+          <a:p>
+            <a:r>
+              <a:rPr lang="en-IN" sz="3600" dirty="0"/>
+              <a:t>Overview of DW and Data Lake related services, such as, EMR, Glue, Redshift, Athena</a:t>
+            </a:r>
+          </a:p>
+        </p:txBody>
+      </p:sp>
+      <p:sp>
+        <p:nvSpPr>
+          <p:cNvPr id="3" name="Subtitle 2">
+            <a:extLst>
+              <a:ext uri="{FF2B5EF4-FFF2-40B4-BE49-F238E27FC236}">
+                <a16:creationId xmlns:a16="http://schemas.microsoft.com/office/drawing/2014/main" id="{EEC964D8-E3B8-47C4-A519-C117C16C5B77}"/>
+              </a:ext>
+            </a:extLst>
+          </p:cNvPr>
+          <p:cNvSpPr>
+            <a:spLocks noGrp="1"/>
+          </p:cNvSpPr>
+          <p:nvPr>
+            <p:ph type="subTitle" idx="1"/>
+          </p:nvPr>
+        </p:nvSpPr>
+        <p:spPr/>
+        <p:txBody>
+          <a:bodyPr/>
+          <a:lstStyle/>
+          <a:p>
+            <a:r>
+              <a:rPr lang="en-IN" dirty="0"/>
+              <a:t>Karthick Selvam</a:t>
+            </a:r>
+          </a:p>
+        </p:txBody>
+      </p:sp>
+    </p:spTree>
+    <p:extLst>
+      <p:ext uri="{BB962C8B-B14F-4D97-AF65-F5344CB8AC3E}">
+        <p14:creationId xmlns:p14="http://schemas.microsoft.com/office/powerpoint/2010/main" val="390860293"/>
+      </p:ext>
+    </p:extLst>
+  </p:cSld>
+  <p:clrMapOvr>
+    <a:masterClrMapping/>
+  </p:clrMapOvr>
+</p:sld>
+</file>
+
+<file path=ppt/slides/slide35.xml><?xml version="1.0" encoding="utf-8"?>
+<p:sld xmlns:a="http://schemas.openxmlformats.org/drawingml/2006/main" xmlns:r="http://schemas.openxmlformats.org/officeDocument/2006/relationships" xmlns:p="http://schemas.openxmlformats.org/presentationml/2006/main">
+  <p:cSld>
+    <p:spTree>
+      <p:nvGrpSpPr>
+        <p:cNvPr id="1" name=""/>
+        <p:cNvGrpSpPr/>
+        <p:nvPr/>
+      </p:nvGrpSpPr>
+      <p:grpSpPr>
+        <a:xfrm>
+          <a:off x="0" y="0"/>
+          <a:ext cx="0" cy="0"/>
+          <a:chOff x="0" y="0"/>
+          <a:chExt cx="0" cy="0"/>
+        </a:xfrm>
+      </p:grpSpPr>
+      <p:sp>
+        <p:nvSpPr>
+          <p:cNvPr id="2" name="Title 1">
+            <a:extLst>
+              <a:ext uri="{FF2B5EF4-FFF2-40B4-BE49-F238E27FC236}">
+                <a16:creationId xmlns:a16="http://schemas.microsoft.com/office/drawing/2014/main" id="{00D872F5-550E-4B9A-9E08-AC4BF506135F}"/>
+              </a:ext>
+            </a:extLst>
+          </p:cNvPr>
+          <p:cNvSpPr>
+            <a:spLocks noGrp="1"/>
+          </p:cNvSpPr>
+          <p:nvPr>
+            <p:ph type="title"/>
+          </p:nvPr>
+        </p:nvSpPr>
+        <p:spPr/>
+        <p:txBody>
+          <a:bodyPr/>
+          <a:lstStyle/>
+          <a:p>
+            <a:r>
+              <a:rPr lang="en-IN" dirty="0"/>
+              <a:t>Topics</a:t>
+            </a:r>
+          </a:p>
+        </p:txBody>
+      </p:sp>
+      <p:sp>
+        <p:nvSpPr>
+          <p:cNvPr id="3" name="Content Placeholder 2">
+            <a:extLst>
+              <a:ext uri="{FF2B5EF4-FFF2-40B4-BE49-F238E27FC236}">
+                <a16:creationId xmlns:a16="http://schemas.microsoft.com/office/drawing/2014/main" id="{2508E7FE-89C8-438E-9B27-712AD9F8538B}"/>
+              </a:ext>
+            </a:extLst>
+          </p:cNvPr>
+          <p:cNvSpPr>
+            <a:spLocks noGrp="1"/>
+          </p:cNvSpPr>
+          <p:nvPr>
+            <p:ph idx="1"/>
+          </p:nvPr>
+        </p:nvSpPr>
+        <p:spPr/>
+        <p:txBody>
+          <a:bodyPr/>
+          <a:lstStyle/>
+          <a:p>
+            <a:r>
+              <a:rPr lang="en-IN" dirty="0"/>
+              <a:t>How will you differ Database and Data Warehouse?</a:t>
+            </a:r>
+          </a:p>
+          <a:p>
+            <a:r>
+              <a:rPr lang="en-IN" dirty="0"/>
+              <a:t>Working principle of Database?</a:t>
+            </a:r>
+          </a:p>
+          <a:p>
+            <a:r>
+              <a:rPr lang="en-IN" dirty="0"/>
+              <a:t>Working principle of Data Warehouse?</a:t>
+            </a:r>
+          </a:p>
+          <a:p>
+            <a:r>
+              <a:rPr lang="en-IN" dirty="0"/>
+              <a:t>Differentiate OLAP and OLTP?</a:t>
+            </a:r>
+          </a:p>
+          <a:p>
+            <a:r>
+              <a:rPr lang="en-IN" dirty="0"/>
+              <a:t>What is Data Marts?</a:t>
+            </a:r>
+          </a:p>
+        </p:txBody>
+      </p:sp>
+    </p:spTree>
+    <p:extLst>
+      <p:ext uri="{BB962C8B-B14F-4D97-AF65-F5344CB8AC3E}">
+        <p14:creationId xmlns:p14="http://schemas.microsoft.com/office/powerpoint/2010/main" val="1523763198"/>
+      </p:ext>
+    </p:extLst>
+  </p:cSld>
+  <p:clrMapOvr>
+    <a:masterClrMapping/>
+  </p:clrMapOvr>
+</p:sld>
+</file>
+
+<file path=ppt/slides/slide36.xml><?xml version="1.0" encoding="utf-8"?>
+<p:sld xmlns:a="http://schemas.openxmlformats.org/drawingml/2006/main" xmlns:r="http://schemas.openxmlformats.org/officeDocument/2006/relationships" xmlns:p="http://schemas.openxmlformats.org/presentationml/2006/main">
+  <p:cSld>
+    <p:spTree>
+      <p:nvGrpSpPr>
+        <p:cNvPr id="1" name=""/>
+        <p:cNvGrpSpPr/>
+        <p:nvPr/>
+      </p:nvGrpSpPr>
+      <p:grpSpPr>
+        <a:xfrm>
+          <a:off x="0" y="0"/>
+          <a:ext cx="0" cy="0"/>
+          <a:chOff x="0" y="0"/>
+          <a:chExt cx="0" cy="0"/>
+        </a:xfrm>
+      </p:grpSpPr>
+      <p:sp>
+        <p:nvSpPr>
+          <p:cNvPr id="2" name="Title 1">
+            <a:extLst>
+              <a:ext uri="{FF2B5EF4-FFF2-40B4-BE49-F238E27FC236}">
+                <a16:creationId xmlns:a16="http://schemas.microsoft.com/office/drawing/2014/main" id="{ABC002E9-E39F-45E9-87C4-1D299078ADAB}"/>
+              </a:ext>
+            </a:extLst>
+          </p:cNvPr>
+          <p:cNvSpPr>
+            <a:spLocks noGrp="1"/>
+          </p:cNvSpPr>
+          <p:nvPr>
+            <p:ph type="title"/>
+          </p:nvPr>
+        </p:nvSpPr>
+        <p:spPr/>
+        <p:txBody>
+          <a:bodyPr/>
+          <a:lstStyle/>
+          <a:p>
+            <a:r>
+              <a:rPr lang="en-IN" dirty="0"/>
+              <a:t>Topics</a:t>
+            </a:r>
+          </a:p>
+        </p:txBody>
+      </p:sp>
+      <p:sp>
+        <p:nvSpPr>
+          <p:cNvPr id="3" name="Content Placeholder 2">
+            <a:extLst>
+              <a:ext uri="{FF2B5EF4-FFF2-40B4-BE49-F238E27FC236}">
+                <a16:creationId xmlns:a16="http://schemas.microsoft.com/office/drawing/2014/main" id="{5FDED0BC-55AF-467A-9E03-60D330C6EC8B}"/>
+              </a:ext>
+            </a:extLst>
+          </p:cNvPr>
+          <p:cNvSpPr>
+            <a:spLocks noGrp="1"/>
+          </p:cNvSpPr>
+          <p:nvPr>
+            <p:ph idx="1"/>
+          </p:nvPr>
+        </p:nvSpPr>
+        <p:spPr/>
+        <p:txBody>
+          <a:bodyPr/>
+          <a:lstStyle/>
+          <a:p>
+            <a:r>
+              <a:rPr lang="en-IN" dirty="0"/>
+              <a:t>IP address</a:t>
+            </a:r>
+          </a:p>
+          <a:p>
+            <a:r>
+              <a:rPr lang="en-IN" dirty="0"/>
+              <a:t>Types of IP Address</a:t>
+            </a:r>
+          </a:p>
+          <a:p>
+            <a:r>
+              <a:rPr lang="en-IN" dirty="0"/>
+              <a:t>Class available in IPV4</a:t>
+            </a:r>
+          </a:p>
+          <a:p>
+            <a:r>
+              <a:rPr lang="en-IN" dirty="0"/>
+              <a:t>Subnets</a:t>
+            </a:r>
+          </a:p>
+          <a:p>
+            <a:r>
+              <a:rPr lang="en-IN" dirty="0"/>
+              <a:t>Subnetting</a:t>
+            </a:r>
+          </a:p>
+          <a:p>
+            <a:r>
+              <a:rPr lang="en-IN" dirty="0"/>
+              <a:t>How to do the subnetting</a:t>
+            </a:r>
+          </a:p>
+          <a:p>
+            <a:r>
+              <a:rPr lang="en-IN" dirty="0"/>
+              <a:t>Port numbers</a:t>
+            </a:r>
+          </a:p>
+          <a:p>
+            <a:r>
+              <a:rPr lang="en-IN" dirty="0"/>
+              <a:t>List out 20 well known port number and its </a:t>
+            </a:r>
+            <a:r>
+              <a:rPr lang="en-IN" dirty="0" err="1"/>
+              <a:t>usuage</a:t>
+            </a:r>
+            <a:r>
+              <a:rPr lang="en-IN" dirty="0"/>
+              <a:t> </a:t>
+            </a:r>
+          </a:p>
+        </p:txBody>
+      </p:sp>
+    </p:spTree>
+    <p:extLst>
+      <p:ext uri="{BB962C8B-B14F-4D97-AF65-F5344CB8AC3E}">
+        <p14:creationId xmlns:p14="http://schemas.microsoft.com/office/powerpoint/2010/main" val="1174644365"/>
       </p:ext>
     </p:extLst>
   </p:cSld>
